--- a/docs/Diagrams.pptx
+++ b/docs/Diagrams.pptx
@@ -6,11 +6,12 @@
     <p:sldMasterId id="2147484308" r:id="rId2"/>
   </p:sldMasterIdLst>
   <p:notesMasterIdLst>
-    <p:notesMasterId r:id="rId5"/>
+    <p:notesMasterId r:id="rId6"/>
   </p:notesMasterIdLst>
   <p:sldIdLst>
     <p:sldId id="2670" r:id="rId3"/>
     <p:sldId id="2671" r:id="rId4"/>
+    <p:sldId id="2672" r:id="rId5"/>
   </p:sldIdLst>
   <p:sldSz cx="12192000" cy="6858000"/>
   <p:notesSz cx="7086600" cy="9372600"/>
@@ -273,7 +274,7 @@
               <a:pPr>
                 <a:defRPr/>
               </a:pPr>
-              <a:t>11/24/20</a:t>
+              <a:t>11/26/20</a:t>
             </a:fld>
             <a:endParaRPr lang="en-US"/>
           </a:p>
@@ -8389,7 +8390,7 @@
             <a:effectLst/>
             <a:extLst>
               <a:ext uri="{C572A759-6A51-4108-AA02-DFA0A04FC94B}">
-                <ma14:wrappingTextBoxFlag xmlns:ma14="http://schemas.microsoft.com/office/mac/drawingml/2011/main" xmlns="" val="1"/>
+                <ma14:wrappingTextBoxFlag xmlns="" xmlns:ma14="http://schemas.microsoft.com/office/mac/drawingml/2011/main" val="1"/>
               </a:ext>
             </a:extLst>
           </p:spPr>
@@ -8505,7 +8506,7 @@
             <a:effectLst/>
             <a:extLst>
               <a:ext uri="{C572A759-6A51-4108-AA02-DFA0A04FC94B}">
-                <ma14:wrappingTextBoxFlag xmlns:ma14="http://schemas.microsoft.com/office/mac/drawingml/2011/main" xmlns="" val="1"/>
+                <ma14:wrappingTextBoxFlag xmlns="" xmlns:ma14="http://schemas.microsoft.com/office/mac/drawingml/2011/main" val="1"/>
               </a:ext>
             </a:extLst>
           </p:spPr>
@@ -8945,7 +8946,7 @@
             <a:effectLst/>
             <a:extLst>
               <a:ext uri="{C572A759-6A51-4108-AA02-DFA0A04FC94B}">
-                <ma14:wrappingTextBoxFlag xmlns:ma14="http://schemas.microsoft.com/office/mac/drawingml/2011/main" xmlns="" val="1"/>
+                <ma14:wrappingTextBoxFlag xmlns="" xmlns:ma14="http://schemas.microsoft.com/office/mac/drawingml/2011/main" val="1"/>
               </a:ext>
             </a:extLst>
           </p:spPr>
@@ -9275,7 +9276,7 @@
             <a:effectLst/>
             <a:extLst>
               <a:ext uri="{C572A759-6A51-4108-AA02-DFA0A04FC94B}">
-                <ma14:wrappingTextBoxFlag xmlns:ma14="http://schemas.microsoft.com/office/mac/drawingml/2011/main" xmlns="" val="1"/>
+                <ma14:wrappingTextBoxFlag xmlns="" xmlns:ma14="http://schemas.microsoft.com/office/mac/drawingml/2011/main" val="1"/>
               </a:ext>
             </a:extLst>
           </p:spPr>
@@ -9509,7 +9510,7 @@
             <a:effectLst/>
             <a:extLst>
               <a:ext uri="{C572A759-6A51-4108-AA02-DFA0A04FC94B}">
-                <ma14:wrappingTextBoxFlag xmlns:ma14="http://schemas.microsoft.com/office/mac/drawingml/2011/main" xmlns="" val="1"/>
+                <ma14:wrappingTextBoxFlag xmlns="" xmlns:ma14="http://schemas.microsoft.com/office/mac/drawingml/2011/main" val="1"/>
               </a:ext>
             </a:extLst>
           </p:spPr>
@@ -9642,7 +9643,7 @@
             <a:effectLst/>
             <a:extLst>
               <a:ext uri="{C572A759-6A51-4108-AA02-DFA0A04FC94B}">
-                <ma14:wrappingTextBoxFlag xmlns:ma14="http://schemas.microsoft.com/office/mac/drawingml/2011/main" xmlns="" val="1"/>
+                <ma14:wrappingTextBoxFlag xmlns="" xmlns:ma14="http://schemas.microsoft.com/office/mac/drawingml/2011/main" val="1"/>
               </a:ext>
             </a:extLst>
           </p:spPr>
@@ -10695,7 +10696,7 @@
             <a:effectLst/>
             <a:extLst>
               <a:ext uri="{C572A759-6A51-4108-AA02-DFA0A04FC94B}">
-                <ma14:wrappingTextBoxFlag xmlns:ma14="http://schemas.microsoft.com/office/mac/drawingml/2011/main" xmlns="" val="1"/>
+                <ma14:wrappingTextBoxFlag xmlns="" xmlns:ma14="http://schemas.microsoft.com/office/mac/drawingml/2011/main" val="1"/>
               </a:ext>
             </a:extLst>
           </p:spPr>
@@ -11044,7 +11045,7 @@
             <a:effectLst/>
             <a:extLst>
               <a:ext uri="{C572A759-6A51-4108-AA02-DFA0A04FC94B}">
-                <ma14:wrappingTextBoxFlag xmlns:ma14="http://schemas.microsoft.com/office/mac/drawingml/2011/main" xmlns="" val="1"/>
+                <ma14:wrappingTextBoxFlag xmlns="" xmlns:ma14="http://schemas.microsoft.com/office/mac/drawingml/2011/main" val="1"/>
               </a:ext>
             </a:extLst>
           </p:spPr>
@@ -11086,6 +11087,2690 @@
     <p:extLst>
       <p:ext uri="{BB962C8B-B14F-4D97-AF65-F5344CB8AC3E}">
         <p14:creationId xmlns:p14="http://schemas.microsoft.com/office/powerpoint/2010/main" val="452919028"/>
+      </p:ext>
+    </p:extLst>
+  </p:cSld>
+  <p:clrMapOvr>
+    <a:masterClrMapping/>
+  </p:clrMapOvr>
+</p:sld>
+</file>
+
+<file path=ppt/slides/slide3.xml><?xml version="1.0" encoding="utf-8"?>
+<p:sld xmlns:a="http://schemas.openxmlformats.org/drawingml/2006/main" xmlns:r="http://schemas.openxmlformats.org/officeDocument/2006/relationships" xmlns:p="http://schemas.openxmlformats.org/presentationml/2006/main">
+  <p:cSld>
+    <p:spTree>
+      <p:nvGrpSpPr>
+        <p:cNvPr id="1" name=""/>
+        <p:cNvGrpSpPr/>
+        <p:nvPr/>
+      </p:nvGrpSpPr>
+      <p:grpSpPr>
+        <a:xfrm>
+          <a:off x="0" y="0"/>
+          <a:ext cx="0" cy="0"/>
+          <a:chOff x="0" y="0"/>
+          <a:chExt cx="0" cy="0"/>
+        </a:xfrm>
+      </p:grpSpPr>
+      <p:sp>
+        <p:nvSpPr>
+          <p:cNvPr id="2" name="Slide Number Placeholder 1">
+            <a:extLst>
+              <a:ext uri="{FF2B5EF4-FFF2-40B4-BE49-F238E27FC236}">
+                <a16:creationId xmlns:a16="http://schemas.microsoft.com/office/drawing/2014/main" id="{D76A1BAF-7D42-8B40-8AC9-57E77466372E}"/>
+              </a:ext>
+            </a:extLst>
+          </p:cNvPr>
+          <p:cNvSpPr>
+            <a:spLocks noGrp="1"/>
+          </p:cNvSpPr>
+          <p:nvPr>
+            <p:ph type="sldNum" sz="quarter" idx="10"/>
+          </p:nvPr>
+        </p:nvSpPr>
+        <p:spPr/>
+        <p:txBody>
+          <a:bodyPr/>
+          <a:lstStyle/>
+          <a:p>
+            <a:pPr defTabSz="911231" eaLnBrk="1" fontAlgn="auto" hangingPunct="1">
+              <a:spcBef>
+                <a:spcPts val="0"/>
+              </a:spcBef>
+              <a:spcAft>
+                <a:spcPts val="0"/>
+              </a:spcAft>
+              <a:defRPr/>
+            </a:pPr>
+            <a:r>
+              <a:rPr lang="en-US" altLang="en-US">
+                <a:solidFill>
+                  <a:srgbClr val="FFFFFF"/>
+                </a:solidFill>
+                <a:latin typeface="Arial"/>
+                <a:ea typeface="ＭＳ Ｐゴシック" charset="0"/>
+                <a:cs typeface="Arial"/>
+                <a:sym typeface="Helvetica" charset="0"/>
+              </a:rPr>
+              <a:t>IBM Confidential – Page </a:t>
+            </a:r>
+            <a:fld id="{2EA511B6-828F-475A-8F82-6101E4A3C276}" type="slidenum">
+              <a:rPr lang="en-US" altLang="en-US" smtClean="0">
+                <a:solidFill>
+                  <a:srgbClr val="FFFFFF"/>
+                </a:solidFill>
+                <a:latin typeface="Arial"/>
+                <a:ea typeface="ＭＳ Ｐゴシック" charset="0"/>
+                <a:cs typeface="Arial"/>
+                <a:sym typeface="Helvetica" charset="0"/>
+              </a:rPr>
+              <a:pPr defTabSz="911231" eaLnBrk="1" fontAlgn="auto" hangingPunct="1">
+                <a:spcBef>
+                  <a:spcPts val="0"/>
+                </a:spcBef>
+                <a:spcAft>
+                  <a:spcPts val="0"/>
+                </a:spcAft>
+                <a:defRPr/>
+              </a:pPr>
+              <a:t>3</a:t>
+            </a:fld>
+            <a:endParaRPr lang="en-US" altLang="en-US">
+              <a:solidFill>
+                <a:srgbClr val="FFFFFF"/>
+              </a:solidFill>
+              <a:latin typeface="Arial"/>
+              <a:ea typeface="ＭＳ Ｐゴシック" charset="0"/>
+              <a:cs typeface="Arial"/>
+              <a:sym typeface="Helvetica" charset="0"/>
+            </a:endParaRPr>
+          </a:p>
+        </p:txBody>
+      </p:sp>
+      <p:sp>
+        <p:nvSpPr>
+          <p:cNvPr id="3" name="Rounded Rectangle 2">
+            <a:extLst>
+              <a:ext uri="{FF2B5EF4-FFF2-40B4-BE49-F238E27FC236}">
+                <a16:creationId xmlns:a16="http://schemas.microsoft.com/office/drawing/2014/main" id="{02A6386B-9EDF-FA4D-BC1C-CCEE53A92C87}"/>
+              </a:ext>
+            </a:extLst>
+          </p:cNvPr>
+          <p:cNvSpPr/>
+          <p:nvPr/>
+        </p:nvSpPr>
+        <p:spPr>
+          <a:xfrm>
+            <a:off x="2663798" y="454470"/>
+            <a:ext cx="1752828" cy="531368"/>
+          </a:xfrm>
+          <a:prstGeom prst="roundRect">
+            <a:avLst>
+              <a:gd name="adj" fmla="val 6808"/>
+            </a:avLst>
+          </a:prstGeom>
+          <a:solidFill>
+            <a:schemeClr val="tx2">
+              <a:lumMod val="75000"/>
+            </a:schemeClr>
+          </a:solidFill>
+          <a:ln>
+            <a:noFill/>
+          </a:ln>
+          <a:effectLst>
+            <a:outerShdw blurRad="50800" dist="38100" dir="5400000" algn="t" rotWithShape="0">
+              <a:prstClr val="black">
+                <a:alpha val="40000"/>
+              </a:prstClr>
+            </a:outerShdw>
+          </a:effectLst>
+        </p:spPr>
+        <p:style>
+          <a:lnRef idx="2">
+            <a:schemeClr val="accent1">
+              <a:shade val="50000"/>
+            </a:schemeClr>
+          </a:lnRef>
+          <a:fillRef idx="1">
+            <a:schemeClr val="accent1"/>
+          </a:fillRef>
+          <a:effectRef idx="0">
+            <a:schemeClr val="accent1"/>
+          </a:effectRef>
+          <a:fontRef idx="minor">
+            <a:schemeClr val="lt1"/>
+          </a:fontRef>
+        </p:style>
+        <p:txBody>
+          <a:bodyPr rtlCol="0" anchor="t"/>
+          <a:lstStyle/>
+          <a:p>
+            <a:pPr algn="ctr"/>
+            <a:r>
+              <a:rPr lang="en-US" sz="1100" dirty="0"/>
+              <a:t>Application</a:t>
+            </a:r>
+            <a:endParaRPr sz="1100" dirty="0"/>
+          </a:p>
+        </p:txBody>
+      </p:sp>
+      <p:sp>
+        <p:nvSpPr>
+          <p:cNvPr id="4" name="Rounded Rectangle 3">
+            <a:extLst>
+              <a:ext uri="{FF2B5EF4-FFF2-40B4-BE49-F238E27FC236}">
+                <a16:creationId xmlns:a16="http://schemas.microsoft.com/office/drawing/2014/main" id="{5A655EB6-9BF2-1646-9773-32117388477A}"/>
+              </a:ext>
+            </a:extLst>
+          </p:cNvPr>
+          <p:cNvSpPr/>
+          <p:nvPr/>
+        </p:nvSpPr>
+        <p:spPr>
+          <a:xfrm>
+            <a:off x="1530323" y="1535557"/>
+            <a:ext cx="1752828" cy="531368"/>
+          </a:xfrm>
+          <a:prstGeom prst="roundRect">
+            <a:avLst>
+              <a:gd name="adj" fmla="val 6808"/>
+            </a:avLst>
+          </a:prstGeom>
+          <a:solidFill>
+            <a:schemeClr val="accent6">
+              <a:lumMod val="60000"/>
+              <a:lumOff val="40000"/>
+            </a:schemeClr>
+          </a:solidFill>
+          <a:ln>
+            <a:noFill/>
+          </a:ln>
+          <a:effectLst>
+            <a:outerShdw blurRad="50800" dist="38100" dir="5400000" algn="t" rotWithShape="0">
+              <a:prstClr val="black">
+                <a:alpha val="40000"/>
+              </a:prstClr>
+            </a:outerShdw>
+          </a:effectLst>
+        </p:spPr>
+        <p:style>
+          <a:lnRef idx="2">
+            <a:schemeClr val="accent1">
+              <a:shade val="50000"/>
+            </a:schemeClr>
+          </a:lnRef>
+          <a:fillRef idx="1">
+            <a:schemeClr val="accent1"/>
+          </a:fillRef>
+          <a:effectRef idx="0">
+            <a:schemeClr val="accent1"/>
+          </a:effectRef>
+          <a:fontRef idx="minor">
+            <a:schemeClr val="lt1"/>
+          </a:fontRef>
+        </p:style>
+        <p:txBody>
+          <a:bodyPr rtlCol="0" anchor="t"/>
+          <a:lstStyle/>
+          <a:p>
+            <a:pPr algn="ctr"/>
+            <a:r>
+              <a:rPr lang="en-US" sz="1100" dirty="0"/>
+              <a:t>Write End Point</a:t>
+            </a:r>
+            <a:endParaRPr sz="1100" dirty="0"/>
+          </a:p>
+        </p:txBody>
+      </p:sp>
+      <p:sp>
+        <p:nvSpPr>
+          <p:cNvPr id="5" name="Rounded Rectangle 4">
+            <a:extLst>
+              <a:ext uri="{FF2B5EF4-FFF2-40B4-BE49-F238E27FC236}">
+                <a16:creationId xmlns:a16="http://schemas.microsoft.com/office/drawing/2014/main" id="{551D2956-3990-DE45-B775-0A977E5B9DA0}"/>
+              </a:ext>
+            </a:extLst>
+          </p:cNvPr>
+          <p:cNvSpPr/>
+          <p:nvPr/>
+        </p:nvSpPr>
+        <p:spPr>
+          <a:xfrm>
+            <a:off x="4597373" y="1535557"/>
+            <a:ext cx="1752828" cy="531368"/>
+          </a:xfrm>
+          <a:prstGeom prst="roundRect">
+            <a:avLst>
+              <a:gd name="adj" fmla="val 6808"/>
+            </a:avLst>
+          </a:prstGeom>
+          <a:solidFill>
+            <a:schemeClr val="accent6">
+              <a:lumMod val="60000"/>
+              <a:lumOff val="40000"/>
+            </a:schemeClr>
+          </a:solidFill>
+          <a:ln>
+            <a:noFill/>
+          </a:ln>
+          <a:effectLst>
+            <a:outerShdw blurRad="50800" dist="38100" dir="5400000" algn="t" rotWithShape="0">
+              <a:prstClr val="black">
+                <a:alpha val="40000"/>
+              </a:prstClr>
+            </a:outerShdw>
+          </a:effectLst>
+        </p:spPr>
+        <p:style>
+          <a:lnRef idx="2">
+            <a:schemeClr val="accent1">
+              <a:shade val="50000"/>
+            </a:schemeClr>
+          </a:lnRef>
+          <a:fillRef idx="1">
+            <a:schemeClr val="accent1"/>
+          </a:fillRef>
+          <a:effectRef idx="0">
+            <a:schemeClr val="accent1"/>
+          </a:effectRef>
+          <a:fontRef idx="minor">
+            <a:schemeClr val="lt1"/>
+          </a:fontRef>
+        </p:style>
+        <p:txBody>
+          <a:bodyPr rtlCol="0" anchor="t"/>
+          <a:lstStyle/>
+          <a:p>
+            <a:pPr algn="ctr"/>
+            <a:r>
+              <a:rPr lang="en-US" sz="1100" dirty="0"/>
+              <a:t>Read End Point</a:t>
+            </a:r>
+            <a:endParaRPr sz="1100" dirty="0"/>
+          </a:p>
+        </p:txBody>
+      </p:sp>
+      <p:sp>
+        <p:nvSpPr>
+          <p:cNvPr id="6" name="Rectangle 5">
+            <a:extLst>
+              <a:ext uri="{FF2B5EF4-FFF2-40B4-BE49-F238E27FC236}">
+                <a16:creationId xmlns:a16="http://schemas.microsoft.com/office/drawing/2014/main" id="{D5B2A92D-D298-D546-8400-170E0D597B85}"/>
+              </a:ext>
+            </a:extLst>
+          </p:cNvPr>
+          <p:cNvSpPr/>
+          <p:nvPr/>
+        </p:nvSpPr>
+        <p:spPr>
+          <a:xfrm>
+            <a:off x="595540" y="2837608"/>
+            <a:ext cx="3362098" cy="1820117"/>
+          </a:xfrm>
+          <a:custGeom>
+            <a:avLst/>
+            <a:gdLst>
+              <a:gd name="connsiteX0" fmla="*/ 0 w 3362098"/>
+              <a:gd name="connsiteY0" fmla="*/ 0 h 1820117"/>
+              <a:gd name="connsiteX1" fmla="*/ 526729 w 3362098"/>
+              <a:gd name="connsiteY1" fmla="*/ 0 h 1820117"/>
+              <a:gd name="connsiteX2" fmla="*/ 986215 w 3362098"/>
+              <a:gd name="connsiteY2" fmla="*/ 0 h 1820117"/>
+              <a:gd name="connsiteX3" fmla="*/ 1613807 w 3362098"/>
+              <a:gd name="connsiteY3" fmla="*/ 0 h 1820117"/>
+              <a:gd name="connsiteX4" fmla="*/ 2140536 w 3362098"/>
+              <a:gd name="connsiteY4" fmla="*/ 0 h 1820117"/>
+              <a:gd name="connsiteX5" fmla="*/ 2667264 w 3362098"/>
+              <a:gd name="connsiteY5" fmla="*/ 0 h 1820117"/>
+              <a:gd name="connsiteX6" fmla="*/ 3362098 w 3362098"/>
+              <a:gd name="connsiteY6" fmla="*/ 0 h 1820117"/>
+              <a:gd name="connsiteX7" fmla="*/ 3362098 w 3362098"/>
+              <a:gd name="connsiteY7" fmla="*/ 418627 h 1820117"/>
+              <a:gd name="connsiteX8" fmla="*/ 3362098 w 3362098"/>
+              <a:gd name="connsiteY8" fmla="*/ 873656 h 1820117"/>
+              <a:gd name="connsiteX9" fmla="*/ 3362098 w 3362098"/>
+              <a:gd name="connsiteY9" fmla="*/ 1292283 h 1820117"/>
+              <a:gd name="connsiteX10" fmla="*/ 3362098 w 3362098"/>
+              <a:gd name="connsiteY10" fmla="*/ 1820117 h 1820117"/>
+              <a:gd name="connsiteX11" fmla="*/ 2801748 w 3362098"/>
+              <a:gd name="connsiteY11" fmla="*/ 1820117 h 1820117"/>
+              <a:gd name="connsiteX12" fmla="*/ 2275020 w 3362098"/>
+              <a:gd name="connsiteY12" fmla="*/ 1820117 h 1820117"/>
+              <a:gd name="connsiteX13" fmla="*/ 1647428 w 3362098"/>
+              <a:gd name="connsiteY13" fmla="*/ 1820117 h 1820117"/>
+              <a:gd name="connsiteX14" fmla="*/ 1019836 w 3362098"/>
+              <a:gd name="connsiteY14" fmla="*/ 1820117 h 1820117"/>
+              <a:gd name="connsiteX15" fmla="*/ 526729 w 3362098"/>
+              <a:gd name="connsiteY15" fmla="*/ 1820117 h 1820117"/>
+              <a:gd name="connsiteX16" fmla="*/ 0 w 3362098"/>
+              <a:gd name="connsiteY16" fmla="*/ 1820117 h 1820117"/>
+              <a:gd name="connsiteX17" fmla="*/ 0 w 3362098"/>
+              <a:gd name="connsiteY17" fmla="*/ 1328685 h 1820117"/>
+              <a:gd name="connsiteX18" fmla="*/ 0 w 3362098"/>
+              <a:gd name="connsiteY18" fmla="*/ 928260 h 1820117"/>
+              <a:gd name="connsiteX19" fmla="*/ 0 w 3362098"/>
+              <a:gd name="connsiteY19" fmla="*/ 509633 h 1820117"/>
+              <a:gd name="connsiteX20" fmla="*/ 0 w 3362098"/>
+              <a:gd name="connsiteY20" fmla="*/ 0 h 1820117"/>
+            </a:gdLst>
+            <a:ahLst/>
+            <a:cxnLst>
+              <a:cxn ang="0">
+                <a:pos x="connsiteX0" y="connsiteY0"/>
+              </a:cxn>
+              <a:cxn ang="0">
+                <a:pos x="connsiteX1" y="connsiteY1"/>
+              </a:cxn>
+              <a:cxn ang="0">
+                <a:pos x="connsiteX2" y="connsiteY2"/>
+              </a:cxn>
+              <a:cxn ang="0">
+                <a:pos x="connsiteX3" y="connsiteY3"/>
+              </a:cxn>
+              <a:cxn ang="0">
+                <a:pos x="connsiteX4" y="connsiteY4"/>
+              </a:cxn>
+              <a:cxn ang="0">
+                <a:pos x="connsiteX5" y="connsiteY5"/>
+              </a:cxn>
+              <a:cxn ang="0">
+                <a:pos x="connsiteX6" y="connsiteY6"/>
+              </a:cxn>
+              <a:cxn ang="0">
+                <a:pos x="connsiteX7" y="connsiteY7"/>
+              </a:cxn>
+              <a:cxn ang="0">
+                <a:pos x="connsiteX8" y="connsiteY8"/>
+              </a:cxn>
+              <a:cxn ang="0">
+                <a:pos x="connsiteX9" y="connsiteY9"/>
+              </a:cxn>
+              <a:cxn ang="0">
+                <a:pos x="connsiteX10" y="connsiteY10"/>
+              </a:cxn>
+              <a:cxn ang="0">
+                <a:pos x="connsiteX11" y="connsiteY11"/>
+              </a:cxn>
+              <a:cxn ang="0">
+                <a:pos x="connsiteX12" y="connsiteY12"/>
+              </a:cxn>
+              <a:cxn ang="0">
+                <a:pos x="connsiteX13" y="connsiteY13"/>
+              </a:cxn>
+              <a:cxn ang="0">
+                <a:pos x="connsiteX14" y="connsiteY14"/>
+              </a:cxn>
+              <a:cxn ang="0">
+                <a:pos x="connsiteX15" y="connsiteY15"/>
+              </a:cxn>
+              <a:cxn ang="0">
+                <a:pos x="connsiteX16" y="connsiteY16"/>
+              </a:cxn>
+              <a:cxn ang="0">
+                <a:pos x="connsiteX17" y="connsiteY17"/>
+              </a:cxn>
+              <a:cxn ang="0">
+                <a:pos x="connsiteX18" y="connsiteY18"/>
+              </a:cxn>
+              <a:cxn ang="0">
+                <a:pos x="connsiteX19" y="connsiteY19"/>
+              </a:cxn>
+              <a:cxn ang="0">
+                <a:pos x="connsiteX20" y="connsiteY20"/>
+              </a:cxn>
+            </a:cxnLst>
+            <a:rect l="l" t="t" r="r" b="b"/>
+            <a:pathLst>
+              <a:path w="3362098" h="1820117" extrusionOk="0">
+                <a:moveTo>
+                  <a:pt x="0" y="0"/>
+                </a:moveTo>
+                <a:cubicBezTo>
+                  <a:pt x="130440" y="-59430"/>
+                  <a:pt x="329629" y="23511"/>
+                  <a:pt x="526729" y="0"/>
+                </a:cubicBezTo>
+                <a:cubicBezTo>
+                  <a:pt x="723829" y="-23511"/>
+                  <a:pt x="817319" y="55032"/>
+                  <a:pt x="986215" y="0"/>
+                </a:cubicBezTo>
+                <a:cubicBezTo>
+                  <a:pt x="1155111" y="-55032"/>
+                  <a:pt x="1310393" y="14049"/>
+                  <a:pt x="1613807" y="0"/>
+                </a:cubicBezTo>
+                <a:cubicBezTo>
+                  <a:pt x="1917221" y="-14049"/>
+                  <a:pt x="1951198" y="7749"/>
+                  <a:pt x="2140536" y="0"/>
+                </a:cubicBezTo>
+                <a:cubicBezTo>
+                  <a:pt x="2329874" y="-7749"/>
+                  <a:pt x="2502038" y="58803"/>
+                  <a:pt x="2667264" y="0"/>
+                </a:cubicBezTo>
+                <a:cubicBezTo>
+                  <a:pt x="2832490" y="-58803"/>
+                  <a:pt x="3024359" y="80582"/>
+                  <a:pt x="3362098" y="0"/>
+                </a:cubicBezTo>
+                <a:cubicBezTo>
+                  <a:pt x="3409754" y="121615"/>
+                  <a:pt x="3359240" y="301950"/>
+                  <a:pt x="3362098" y="418627"/>
+                </a:cubicBezTo>
+                <a:cubicBezTo>
+                  <a:pt x="3364956" y="535304"/>
+                  <a:pt x="3323593" y="677269"/>
+                  <a:pt x="3362098" y="873656"/>
+                </a:cubicBezTo>
+                <a:cubicBezTo>
+                  <a:pt x="3400603" y="1070043"/>
+                  <a:pt x="3331804" y="1090677"/>
+                  <a:pt x="3362098" y="1292283"/>
+                </a:cubicBezTo>
+                <a:cubicBezTo>
+                  <a:pt x="3392392" y="1493889"/>
+                  <a:pt x="3307859" y="1702818"/>
+                  <a:pt x="3362098" y="1820117"/>
+                </a:cubicBezTo>
+                <a:cubicBezTo>
+                  <a:pt x="3134002" y="1839980"/>
+                  <a:pt x="3060387" y="1759551"/>
+                  <a:pt x="2801748" y="1820117"/>
+                </a:cubicBezTo>
+                <a:cubicBezTo>
+                  <a:pt x="2543109" y="1880683"/>
+                  <a:pt x="2400904" y="1799061"/>
+                  <a:pt x="2275020" y="1820117"/>
+                </a:cubicBezTo>
+                <a:cubicBezTo>
+                  <a:pt x="2149136" y="1841173"/>
+                  <a:pt x="1813311" y="1754358"/>
+                  <a:pt x="1647428" y="1820117"/>
+                </a:cubicBezTo>
+                <a:cubicBezTo>
+                  <a:pt x="1481545" y="1885876"/>
+                  <a:pt x="1279351" y="1780382"/>
+                  <a:pt x="1019836" y="1820117"/>
+                </a:cubicBezTo>
+                <a:cubicBezTo>
+                  <a:pt x="760321" y="1859852"/>
+                  <a:pt x="641281" y="1768253"/>
+                  <a:pt x="526729" y="1820117"/>
+                </a:cubicBezTo>
+                <a:cubicBezTo>
+                  <a:pt x="412177" y="1871981"/>
+                  <a:pt x="193091" y="1799854"/>
+                  <a:pt x="0" y="1820117"/>
+                </a:cubicBezTo>
+                <a:cubicBezTo>
+                  <a:pt x="-12796" y="1630483"/>
+                  <a:pt x="16323" y="1521334"/>
+                  <a:pt x="0" y="1328685"/>
+                </a:cubicBezTo>
+                <a:cubicBezTo>
+                  <a:pt x="-16323" y="1136036"/>
+                  <a:pt x="33570" y="1031632"/>
+                  <a:pt x="0" y="928260"/>
+                </a:cubicBezTo>
+                <a:cubicBezTo>
+                  <a:pt x="-33570" y="824889"/>
+                  <a:pt x="11020" y="671691"/>
+                  <a:pt x="0" y="509633"/>
+                </a:cubicBezTo>
+                <a:cubicBezTo>
+                  <a:pt x="-11020" y="347575"/>
+                  <a:pt x="60732" y="166030"/>
+                  <a:pt x="0" y="0"/>
+                </a:cubicBezTo>
+                <a:close/>
+              </a:path>
+            </a:pathLst>
+          </a:custGeom>
+          <a:noFill/>
+          <a:ln w="12700">
+            <a:solidFill>
+              <a:srgbClr val="7030A0"/>
+            </a:solidFill>
+            <a:extLst>
+              <a:ext uri="{C807C97D-BFC1-408E-A445-0C87EB9F89A2}">
+                <ask:lineSketchStyleProps xmlns:ask="http://schemas.microsoft.com/office/drawing/2018/sketchyshapes" sd="1219033472">
+                  <a:prstGeom prst="rect">
+                    <a:avLst/>
+                  </a:prstGeom>
+                  <ask:type>
+                    <ask:lineSketchScribble/>
+                  </ask:type>
+                </ask:lineSketchStyleProps>
+              </a:ext>
+            </a:extLst>
+          </a:ln>
+        </p:spPr>
+        <p:style>
+          <a:lnRef idx="2">
+            <a:schemeClr val="accent1">
+              <a:shade val="50000"/>
+            </a:schemeClr>
+          </a:lnRef>
+          <a:fillRef idx="1">
+            <a:schemeClr val="accent1"/>
+          </a:fillRef>
+          <a:effectRef idx="0">
+            <a:schemeClr val="accent1"/>
+          </a:effectRef>
+          <a:fontRef idx="minor">
+            <a:schemeClr val="lt1"/>
+          </a:fontRef>
+        </p:style>
+        <p:txBody>
+          <a:bodyPr rtlCol="0" anchor="t"/>
+          <a:lstStyle/>
+          <a:p>
+            <a:pPr algn="ctr"/>
+            <a:r>
+              <a:rPr lang="en-US" sz="1200" dirty="0">
+                <a:solidFill>
+                  <a:srgbClr val="7030A0"/>
+                </a:solidFill>
+              </a:rPr>
+              <a:t>Availability Zone 1</a:t>
+            </a:r>
+            <a:endParaRPr sz="1200" dirty="0">
+              <a:solidFill>
+                <a:srgbClr val="7030A0"/>
+              </a:solidFill>
+            </a:endParaRPr>
+          </a:p>
+        </p:txBody>
+      </p:sp>
+      <p:grpSp>
+        <p:nvGrpSpPr>
+          <p:cNvPr id="9" name="Group 8">
+            <a:extLst>
+              <a:ext uri="{FF2B5EF4-FFF2-40B4-BE49-F238E27FC236}">
+                <a16:creationId xmlns:a16="http://schemas.microsoft.com/office/drawing/2014/main" id="{1B2270D5-A8C3-5C41-8194-7D45FE5DA022}"/>
+              </a:ext>
+            </a:extLst>
+          </p:cNvPr>
+          <p:cNvGrpSpPr/>
+          <p:nvPr/>
+        </p:nvGrpSpPr>
+        <p:grpSpPr>
+          <a:xfrm>
+            <a:off x="752930" y="3267283"/>
+            <a:ext cx="548640" cy="670025"/>
+            <a:chOff x="4329965" y="-850115"/>
+            <a:chExt cx="548640" cy="670025"/>
+          </a:xfrm>
+        </p:grpSpPr>
+        <p:pic>
+          <p:nvPicPr>
+            <p:cNvPr id="10" name="Picture 9">
+              <a:extLst>
+                <a:ext uri="{FF2B5EF4-FFF2-40B4-BE49-F238E27FC236}">
+                  <a16:creationId xmlns:a16="http://schemas.microsoft.com/office/drawing/2014/main" id="{629C4D92-5984-2C47-AA34-8637918664D3}"/>
+                </a:ext>
+              </a:extLst>
+            </p:cNvPr>
+            <p:cNvPicPr>
+              <a:picLocks noChangeAspect="1"/>
+            </p:cNvPicPr>
+            <p:nvPr/>
+          </p:nvPicPr>
+          <p:blipFill>
+            <a:blip r:embed="rId2"/>
+            <a:stretch>
+              <a:fillRect/>
+            </a:stretch>
+          </p:blipFill>
+          <p:spPr>
+            <a:xfrm>
+              <a:off x="4329965" y="-850115"/>
+              <a:ext cx="548640" cy="548640"/>
+            </a:xfrm>
+            <a:prstGeom prst="rect">
+              <a:avLst/>
+            </a:prstGeom>
+          </p:spPr>
+        </p:pic>
+        <p:sp>
+          <p:nvSpPr>
+            <p:cNvPr id="11" name="Shape 264">
+              <a:extLst>
+                <a:ext uri="{FF2B5EF4-FFF2-40B4-BE49-F238E27FC236}">
+                  <a16:creationId xmlns:a16="http://schemas.microsoft.com/office/drawing/2014/main" id="{1CBD5E71-94FD-A446-964B-EB99718BC739}"/>
+                </a:ext>
+              </a:extLst>
+            </p:cNvPr>
+            <p:cNvSpPr/>
+            <p:nvPr/>
+          </p:nvSpPr>
+          <p:spPr>
+            <a:xfrm>
+              <a:off x="4343797" y="-303201"/>
+              <a:ext cx="520976" cy="123111"/>
+            </a:xfrm>
+            <a:prstGeom prst="rect">
+              <a:avLst/>
+            </a:prstGeom>
+            <a:noFill/>
+            <a:ln w="3175" cap="flat">
+              <a:noFill/>
+              <a:miter lim="400000"/>
+            </a:ln>
+            <a:effectLst/>
+            <a:extLst>
+              <a:ext uri="{C572A759-6A51-4108-AA02-DFA0A04FC94B}">
+                <ma14:wrappingTextBoxFlag xmlns:ma14="http://schemas.microsoft.com/office/mac/drawingml/2011/main" xmlns="" val="1"/>
+              </a:ext>
+            </a:extLst>
+          </p:spPr>
+          <p:txBody>
+            <a:bodyPr wrap="square" lIns="0" tIns="0" rIns="0" bIns="0" numCol="1" anchor="t">
+              <a:spAutoFit/>
+            </a:bodyPr>
+            <a:lstStyle/>
+            <a:p>
+              <a:pPr lvl="0" algn="ctr">
+                <a:defRPr sz="1800"/>
+              </a:pPr>
+              <a:r>
+                <a:rPr lang="en-US" sz="800" b="1" dirty="0">
+                  <a:solidFill>
+                    <a:srgbClr val="4277BB"/>
+                  </a:solidFill>
+                  <a:latin typeface="Helvetica"/>
+                  <a:ea typeface="Helvetica"/>
+                  <a:cs typeface="Helvetica"/>
+                  <a:sym typeface="Helvetica"/>
+                </a:rPr>
+                <a:t>MASTER</a:t>
+              </a:r>
+              <a:endParaRPr sz="800" b="1" dirty="0">
+                <a:solidFill>
+                  <a:srgbClr val="4277BB"/>
+                </a:solidFill>
+                <a:latin typeface="Helvetica"/>
+                <a:ea typeface="Helvetica"/>
+                <a:cs typeface="Helvetica"/>
+                <a:sym typeface="Helvetica"/>
+              </a:endParaRPr>
+            </a:p>
+          </p:txBody>
+        </p:sp>
+      </p:grpSp>
+      <p:grpSp>
+        <p:nvGrpSpPr>
+          <p:cNvPr id="12" name="Group 11">
+            <a:extLst>
+              <a:ext uri="{FF2B5EF4-FFF2-40B4-BE49-F238E27FC236}">
+                <a16:creationId xmlns:a16="http://schemas.microsoft.com/office/drawing/2014/main" id="{D7E97090-C8E7-F644-8E98-209F7D784210}"/>
+              </a:ext>
+            </a:extLst>
+          </p:cNvPr>
+          <p:cNvGrpSpPr/>
+          <p:nvPr/>
+        </p:nvGrpSpPr>
+        <p:grpSpPr>
+          <a:xfrm>
+            <a:off x="2348368" y="3267283"/>
+            <a:ext cx="548640" cy="670025"/>
+            <a:chOff x="4329965" y="-850115"/>
+            <a:chExt cx="548640" cy="670025"/>
+          </a:xfrm>
+        </p:grpSpPr>
+        <p:pic>
+          <p:nvPicPr>
+            <p:cNvPr id="13" name="Picture 12">
+              <a:extLst>
+                <a:ext uri="{FF2B5EF4-FFF2-40B4-BE49-F238E27FC236}">
+                  <a16:creationId xmlns:a16="http://schemas.microsoft.com/office/drawing/2014/main" id="{3406F3C8-9BC1-E94A-9A7A-752A3F8E6FA6}"/>
+                </a:ext>
+              </a:extLst>
+            </p:cNvPr>
+            <p:cNvPicPr>
+              <a:picLocks noChangeAspect="1"/>
+            </p:cNvPicPr>
+            <p:nvPr/>
+          </p:nvPicPr>
+          <p:blipFill>
+            <a:blip r:embed="rId2"/>
+            <a:stretch>
+              <a:fillRect/>
+            </a:stretch>
+          </p:blipFill>
+          <p:spPr>
+            <a:xfrm>
+              <a:off x="4329965" y="-850115"/>
+              <a:ext cx="548640" cy="548640"/>
+            </a:xfrm>
+            <a:prstGeom prst="rect">
+              <a:avLst/>
+            </a:prstGeom>
+          </p:spPr>
+        </p:pic>
+        <p:sp>
+          <p:nvSpPr>
+            <p:cNvPr id="14" name="Shape 264">
+              <a:extLst>
+                <a:ext uri="{FF2B5EF4-FFF2-40B4-BE49-F238E27FC236}">
+                  <a16:creationId xmlns:a16="http://schemas.microsoft.com/office/drawing/2014/main" id="{5B59CCED-A6F7-324D-9EDE-12BB97974428}"/>
+                </a:ext>
+              </a:extLst>
+            </p:cNvPr>
+            <p:cNvSpPr/>
+            <p:nvPr/>
+          </p:nvSpPr>
+          <p:spPr>
+            <a:xfrm>
+              <a:off x="4343797" y="-303201"/>
+              <a:ext cx="520976" cy="123111"/>
+            </a:xfrm>
+            <a:prstGeom prst="rect">
+              <a:avLst/>
+            </a:prstGeom>
+            <a:noFill/>
+            <a:ln w="3175" cap="flat">
+              <a:noFill/>
+              <a:miter lim="400000"/>
+            </a:ln>
+            <a:effectLst/>
+            <a:extLst>
+              <a:ext uri="{C572A759-6A51-4108-AA02-DFA0A04FC94B}">
+                <ma14:wrappingTextBoxFlag xmlns:ma14="http://schemas.microsoft.com/office/mac/drawingml/2011/main" xmlns="" val="1"/>
+              </a:ext>
+            </a:extLst>
+          </p:spPr>
+          <p:txBody>
+            <a:bodyPr wrap="square" lIns="0" tIns="0" rIns="0" bIns="0" numCol="1" anchor="t">
+              <a:spAutoFit/>
+            </a:bodyPr>
+            <a:lstStyle/>
+            <a:p>
+              <a:pPr lvl="0" algn="ctr">
+                <a:defRPr sz="1800"/>
+              </a:pPr>
+              <a:r>
+                <a:rPr lang="en-US" sz="800" b="1" dirty="0">
+                  <a:solidFill>
+                    <a:srgbClr val="4277BB"/>
+                  </a:solidFill>
+                  <a:latin typeface="Helvetica"/>
+                  <a:ea typeface="Helvetica"/>
+                  <a:cs typeface="Helvetica"/>
+                  <a:sym typeface="Helvetica"/>
+                </a:rPr>
+                <a:t>READER</a:t>
+              </a:r>
+              <a:endParaRPr sz="800" b="1" dirty="0">
+                <a:solidFill>
+                  <a:srgbClr val="4277BB"/>
+                </a:solidFill>
+                <a:latin typeface="Helvetica"/>
+                <a:ea typeface="Helvetica"/>
+                <a:cs typeface="Helvetica"/>
+                <a:sym typeface="Helvetica"/>
+              </a:endParaRPr>
+            </a:p>
+          </p:txBody>
+        </p:sp>
+      </p:grpSp>
+      <p:grpSp>
+        <p:nvGrpSpPr>
+          <p:cNvPr id="15" name="Group 14">
+            <a:extLst>
+              <a:ext uri="{FF2B5EF4-FFF2-40B4-BE49-F238E27FC236}">
+                <a16:creationId xmlns:a16="http://schemas.microsoft.com/office/drawing/2014/main" id="{D3B431B0-0196-934A-B6F0-26694C173161}"/>
+              </a:ext>
+            </a:extLst>
+          </p:cNvPr>
+          <p:cNvGrpSpPr/>
+          <p:nvPr/>
+        </p:nvGrpSpPr>
+        <p:grpSpPr>
+          <a:xfrm>
+            <a:off x="4603384" y="3205727"/>
+            <a:ext cx="548640" cy="670025"/>
+            <a:chOff x="4329965" y="-850115"/>
+            <a:chExt cx="548640" cy="670025"/>
+          </a:xfrm>
+        </p:grpSpPr>
+        <p:pic>
+          <p:nvPicPr>
+            <p:cNvPr id="16" name="Picture 15">
+              <a:extLst>
+                <a:ext uri="{FF2B5EF4-FFF2-40B4-BE49-F238E27FC236}">
+                  <a16:creationId xmlns:a16="http://schemas.microsoft.com/office/drawing/2014/main" id="{75486FA0-620C-C84E-9653-73D485CC3879}"/>
+                </a:ext>
+              </a:extLst>
+            </p:cNvPr>
+            <p:cNvPicPr>
+              <a:picLocks noChangeAspect="1"/>
+            </p:cNvPicPr>
+            <p:nvPr/>
+          </p:nvPicPr>
+          <p:blipFill>
+            <a:blip r:embed="rId2"/>
+            <a:stretch>
+              <a:fillRect/>
+            </a:stretch>
+          </p:blipFill>
+          <p:spPr>
+            <a:xfrm>
+              <a:off x="4329965" y="-850115"/>
+              <a:ext cx="548640" cy="548640"/>
+            </a:xfrm>
+            <a:prstGeom prst="rect">
+              <a:avLst/>
+            </a:prstGeom>
+          </p:spPr>
+        </p:pic>
+        <p:sp>
+          <p:nvSpPr>
+            <p:cNvPr id="17" name="Shape 264">
+              <a:extLst>
+                <a:ext uri="{FF2B5EF4-FFF2-40B4-BE49-F238E27FC236}">
+                  <a16:creationId xmlns:a16="http://schemas.microsoft.com/office/drawing/2014/main" id="{4649B40F-ACDF-374F-A0E5-86BE9B0D1343}"/>
+                </a:ext>
+              </a:extLst>
+            </p:cNvPr>
+            <p:cNvSpPr/>
+            <p:nvPr/>
+          </p:nvSpPr>
+          <p:spPr>
+            <a:xfrm>
+              <a:off x="4343797" y="-303201"/>
+              <a:ext cx="520976" cy="123111"/>
+            </a:xfrm>
+            <a:prstGeom prst="rect">
+              <a:avLst/>
+            </a:prstGeom>
+            <a:noFill/>
+            <a:ln w="3175" cap="flat">
+              <a:noFill/>
+              <a:miter lim="400000"/>
+            </a:ln>
+            <a:effectLst/>
+            <a:extLst>
+              <a:ext uri="{C572A759-6A51-4108-AA02-DFA0A04FC94B}">
+                <ma14:wrappingTextBoxFlag xmlns:ma14="http://schemas.microsoft.com/office/mac/drawingml/2011/main" xmlns="" val="1"/>
+              </a:ext>
+            </a:extLst>
+          </p:spPr>
+          <p:txBody>
+            <a:bodyPr wrap="square" lIns="0" tIns="0" rIns="0" bIns="0" numCol="1" anchor="t">
+              <a:spAutoFit/>
+            </a:bodyPr>
+            <a:lstStyle/>
+            <a:p>
+              <a:pPr lvl="0" algn="ctr">
+                <a:defRPr sz="1800"/>
+              </a:pPr>
+              <a:r>
+                <a:rPr lang="en-US" sz="800" b="1" dirty="0">
+                  <a:solidFill>
+                    <a:srgbClr val="4277BB"/>
+                  </a:solidFill>
+                  <a:latin typeface="Helvetica"/>
+                  <a:ea typeface="Helvetica"/>
+                  <a:cs typeface="Helvetica"/>
+                  <a:sym typeface="Helvetica"/>
+                </a:rPr>
+                <a:t>READER</a:t>
+              </a:r>
+              <a:endParaRPr sz="800" b="1" dirty="0">
+                <a:solidFill>
+                  <a:srgbClr val="4277BB"/>
+                </a:solidFill>
+                <a:latin typeface="Helvetica"/>
+                <a:ea typeface="Helvetica"/>
+                <a:cs typeface="Helvetica"/>
+                <a:sym typeface="Helvetica"/>
+              </a:endParaRPr>
+            </a:p>
+          </p:txBody>
+        </p:sp>
+      </p:grpSp>
+      <p:grpSp>
+        <p:nvGrpSpPr>
+          <p:cNvPr id="18" name="Group 17">
+            <a:extLst>
+              <a:ext uri="{FF2B5EF4-FFF2-40B4-BE49-F238E27FC236}">
+                <a16:creationId xmlns:a16="http://schemas.microsoft.com/office/drawing/2014/main" id="{386AAD60-23D0-DE43-B20E-6AFC577EFFB4}"/>
+              </a:ext>
+            </a:extLst>
+          </p:cNvPr>
+          <p:cNvGrpSpPr/>
+          <p:nvPr/>
+        </p:nvGrpSpPr>
+        <p:grpSpPr>
+          <a:xfrm>
+            <a:off x="6540892" y="3267283"/>
+            <a:ext cx="548640" cy="670025"/>
+            <a:chOff x="4329965" y="-850115"/>
+            <a:chExt cx="548640" cy="670025"/>
+          </a:xfrm>
+        </p:grpSpPr>
+        <p:pic>
+          <p:nvPicPr>
+            <p:cNvPr id="19" name="Picture 18">
+              <a:extLst>
+                <a:ext uri="{FF2B5EF4-FFF2-40B4-BE49-F238E27FC236}">
+                  <a16:creationId xmlns:a16="http://schemas.microsoft.com/office/drawing/2014/main" id="{D32B1D75-D6C5-7043-8022-EC20129A265C}"/>
+                </a:ext>
+              </a:extLst>
+            </p:cNvPr>
+            <p:cNvPicPr>
+              <a:picLocks noChangeAspect="1"/>
+            </p:cNvPicPr>
+            <p:nvPr/>
+          </p:nvPicPr>
+          <p:blipFill>
+            <a:blip r:embed="rId2"/>
+            <a:stretch>
+              <a:fillRect/>
+            </a:stretch>
+          </p:blipFill>
+          <p:spPr>
+            <a:xfrm>
+              <a:off x="4329965" y="-850115"/>
+              <a:ext cx="548640" cy="548640"/>
+            </a:xfrm>
+            <a:prstGeom prst="rect">
+              <a:avLst/>
+            </a:prstGeom>
+          </p:spPr>
+        </p:pic>
+        <p:sp>
+          <p:nvSpPr>
+            <p:cNvPr id="20" name="Shape 264">
+              <a:extLst>
+                <a:ext uri="{FF2B5EF4-FFF2-40B4-BE49-F238E27FC236}">
+                  <a16:creationId xmlns:a16="http://schemas.microsoft.com/office/drawing/2014/main" id="{87642C00-72A6-B542-8BD3-1C2EAF5C62A2}"/>
+                </a:ext>
+              </a:extLst>
+            </p:cNvPr>
+            <p:cNvSpPr/>
+            <p:nvPr/>
+          </p:nvSpPr>
+          <p:spPr>
+            <a:xfrm>
+              <a:off x="4343797" y="-303201"/>
+              <a:ext cx="520976" cy="123111"/>
+            </a:xfrm>
+            <a:prstGeom prst="rect">
+              <a:avLst/>
+            </a:prstGeom>
+            <a:noFill/>
+            <a:ln w="3175" cap="flat">
+              <a:noFill/>
+              <a:miter lim="400000"/>
+            </a:ln>
+            <a:effectLst/>
+            <a:extLst>
+              <a:ext uri="{C572A759-6A51-4108-AA02-DFA0A04FC94B}">
+                <ma14:wrappingTextBoxFlag xmlns:ma14="http://schemas.microsoft.com/office/mac/drawingml/2011/main" xmlns="" val="1"/>
+              </a:ext>
+            </a:extLst>
+          </p:spPr>
+          <p:txBody>
+            <a:bodyPr wrap="square" lIns="0" tIns="0" rIns="0" bIns="0" numCol="1" anchor="t">
+              <a:spAutoFit/>
+            </a:bodyPr>
+            <a:lstStyle/>
+            <a:p>
+              <a:pPr lvl="0" algn="ctr">
+                <a:defRPr sz="1800"/>
+              </a:pPr>
+              <a:r>
+                <a:rPr lang="en-US" sz="800" b="1" dirty="0">
+                  <a:solidFill>
+                    <a:srgbClr val="4277BB"/>
+                  </a:solidFill>
+                  <a:latin typeface="Helvetica"/>
+                  <a:ea typeface="Helvetica"/>
+                  <a:cs typeface="Helvetica"/>
+                  <a:sym typeface="Helvetica"/>
+                </a:rPr>
+                <a:t>READER</a:t>
+              </a:r>
+              <a:endParaRPr sz="800" b="1" dirty="0">
+                <a:solidFill>
+                  <a:srgbClr val="4277BB"/>
+                </a:solidFill>
+                <a:latin typeface="Helvetica"/>
+                <a:ea typeface="Helvetica"/>
+                <a:cs typeface="Helvetica"/>
+                <a:sym typeface="Helvetica"/>
+              </a:endParaRPr>
+            </a:p>
+          </p:txBody>
+        </p:sp>
+      </p:grpSp>
+      <p:grpSp>
+        <p:nvGrpSpPr>
+          <p:cNvPr id="21" name="Group 20">
+            <a:extLst>
+              <a:ext uri="{FF2B5EF4-FFF2-40B4-BE49-F238E27FC236}">
+                <a16:creationId xmlns:a16="http://schemas.microsoft.com/office/drawing/2014/main" id="{4B23A55D-5544-FB4B-BAC4-131631F5BE79}"/>
+              </a:ext>
+            </a:extLst>
+          </p:cNvPr>
+          <p:cNvGrpSpPr/>
+          <p:nvPr/>
+        </p:nvGrpSpPr>
+        <p:grpSpPr>
+          <a:xfrm>
+            <a:off x="8361545" y="3267283"/>
+            <a:ext cx="548640" cy="670025"/>
+            <a:chOff x="4329965" y="-850115"/>
+            <a:chExt cx="548640" cy="670025"/>
+          </a:xfrm>
+        </p:grpSpPr>
+        <p:pic>
+          <p:nvPicPr>
+            <p:cNvPr id="22" name="Picture 21">
+              <a:extLst>
+                <a:ext uri="{FF2B5EF4-FFF2-40B4-BE49-F238E27FC236}">
+                  <a16:creationId xmlns:a16="http://schemas.microsoft.com/office/drawing/2014/main" id="{3C481786-322F-5C48-A967-D8CC2F1E5E9C}"/>
+                </a:ext>
+              </a:extLst>
+            </p:cNvPr>
+            <p:cNvPicPr>
+              <a:picLocks noChangeAspect="1"/>
+            </p:cNvPicPr>
+            <p:nvPr/>
+          </p:nvPicPr>
+          <p:blipFill>
+            <a:blip r:embed="rId2"/>
+            <a:stretch>
+              <a:fillRect/>
+            </a:stretch>
+          </p:blipFill>
+          <p:spPr>
+            <a:xfrm>
+              <a:off x="4329965" y="-850115"/>
+              <a:ext cx="548640" cy="548640"/>
+            </a:xfrm>
+            <a:prstGeom prst="rect">
+              <a:avLst/>
+            </a:prstGeom>
+          </p:spPr>
+        </p:pic>
+        <p:sp>
+          <p:nvSpPr>
+            <p:cNvPr id="23" name="Shape 264">
+              <a:extLst>
+                <a:ext uri="{FF2B5EF4-FFF2-40B4-BE49-F238E27FC236}">
+                  <a16:creationId xmlns:a16="http://schemas.microsoft.com/office/drawing/2014/main" id="{8E39AC62-DB2D-2B45-AEEA-F37C91A3A67E}"/>
+                </a:ext>
+              </a:extLst>
+            </p:cNvPr>
+            <p:cNvSpPr/>
+            <p:nvPr/>
+          </p:nvSpPr>
+          <p:spPr>
+            <a:xfrm>
+              <a:off x="4343797" y="-303201"/>
+              <a:ext cx="520976" cy="123111"/>
+            </a:xfrm>
+            <a:prstGeom prst="rect">
+              <a:avLst/>
+            </a:prstGeom>
+            <a:noFill/>
+            <a:ln w="3175" cap="flat">
+              <a:noFill/>
+              <a:miter lim="400000"/>
+            </a:ln>
+            <a:effectLst/>
+            <a:extLst>
+              <a:ext uri="{C572A759-6A51-4108-AA02-DFA0A04FC94B}">
+                <ma14:wrappingTextBoxFlag xmlns:ma14="http://schemas.microsoft.com/office/mac/drawingml/2011/main" xmlns="" val="1"/>
+              </a:ext>
+            </a:extLst>
+          </p:spPr>
+          <p:txBody>
+            <a:bodyPr wrap="square" lIns="0" tIns="0" rIns="0" bIns="0" numCol="1" anchor="t">
+              <a:spAutoFit/>
+            </a:bodyPr>
+            <a:lstStyle/>
+            <a:p>
+              <a:pPr lvl="0" algn="ctr">
+                <a:defRPr sz="1800"/>
+              </a:pPr>
+              <a:r>
+                <a:rPr lang="en-US" sz="800" b="1" dirty="0">
+                  <a:solidFill>
+                    <a:srgbClr val="4277BB"/>
+                  </a:solidFill>
+                  <a:latin typeface="Helvetica"/>
+                  <a:ea typeface="Helvetica"/>
+                  <a:cs typeface="Helvetica"/>
+                  <a:sym typeface="Helvetica"/>
+                </a:rPr>
+                <a:t>READER</a:t>
+              </a:r>
+              <a:endParaRPr sz="800" b="1" dirty="0">
+                <a:solidFill>
+                  <a:srgbClr val="4277BB"/>
+                </a:solidFill>
+                <a:latin typeface="Helvetica"/>
+                <a:ea typeface="Helvetica"/>
+                <a:cs typeface="Helvetica"/>
+                <a:sym typeface="Helvetica"/>
+              </a:endParaRPr>
+            </a:p>
+          </p:txBody>
+        </p:sp>
+      </p:grpSp>
+      <p:grpSp>
+        <p:nvGrpSpPr>
+          <p:cNvPr id="24" name="Group 23">
+            <a:extLst>
+              <a:ext uri="{FF2B5EF4-FFF2-40B4-BE49-F238E27FC236}">
+                <a16:creationId xmlns:a16="http://schemas.microsoft.com/office/drawing/2014/main" id="{815092BA-24EE-7341-948A-AD21EA8812DA}"/>
+              </a:ext>
+            </a:extLst>
+          </p:cNvPr>
+          <p:cNvGrpSpPr/>
+          <p:nvPr/>
+        </p:nvGrpSpPr>
+        <p:grpSpPr>
+          <a:xfrm>
+            <a:off x="10038877" y="3294381"/>
+            <a:ext cx="548640" cy="670025"/>
+            <a:chOff x="4329965" y="-850115"/>
+            <a:chExt cx="548640" cy="670025"/>
+          </a:xfrm>
+        </p:grpSpPr>
+        <p:pic>
+          <p:nvPicPr>
+            <p:cNvPr id="25" name="Picture 24">
+              <a:extLst>
+                <a:ext uri="{FF2B5EF4-FFF2-40B4-BE49-F238E27FC236}">
+                  <a16:creationId xmlns:a16="http://schemas.microsoft.com/office/drawing/2014/main" id="{1264433D-624E-EC45-AB46-E15F2AB7B873}"/>
+                </a:ext>
+              </a:extLst>
+            </p:cNvPr>
+            <p:cNvPicPr>
+              <a:picLocks noChangeAspect="1"/>
+            </p:cNvPicPr>
+            <p:nvPr/>
+          </p:nvPicPr>
+          <p:blipFill>
+            <a:blip r:embed="rId2"/>
+            <a:stretch>
+              <a:fillRect/>
+            </a:stretch>
+          </p:blipFill>
+          <p:spPr>
+            <a:xfrm>
+              <a:off x="4329965" y="-850115"/>
+              <a:ext cx="548640" cy="548640"/>
+            </a:xfrm>
+            <a:prstGeom prst="rect">
+              <a:avLst/>
+            </a:prstGeom>
+          </p:spPr>
+        </p:pic>
+        <p:sp>
+          <p:nvSpPr>
+            <p:cNvPr id="26" name="Shape 264">
+              <a:extLst>
+                <a:ext uri="{FF2B5EF4-FFF2-40B4-BE49-F238E27FC236}">
+                  <a16:creationId xmlns:a16="http://schemas.microsoft.com/office/drawing/2014/main" id="{19F419F7-E08E-8F47-9B68-0182B5F5CD7B}"/>
+                </a:ext>
+              </a:extLst>
+            </p:cNvPr>
+            <p:cNvSpPr/>
+            <p:nvPr/>
+          </p:nvSpPr>
+          <p:spPr>
+            <a:xfrm>
+              <a:off x="4343797" y="-303201"/>
+              <a:ext cx="520976" cy="123111"/>
+            </a:xfrm>
+            <a:prstGeom prst="rect">
+              <a:avLst/>
+            </a:prstGeom>
+            <a:noFill/>
+            <a:ln w="3175" cap="flat">
+              <a:noFill/>
+              <a:miter lim="400000"/>
+            </a:ln>
+            <a:effectLst/>
+            <a:extLst>
+              <a:ext uri="{C572A759-6A51-4108-AA02-DFA0A04FC94B}">
+                <ma14:wrappingTextBoxFlag xmlns:ma14="http://schemas.microsoft.com/office/mac/drawingml/2011/main" xmlns="" val="1"/>
+              </a:ext>
+            </a:extLst>
+          </p:spPr>
+          <p:txBody>
+            <a:bodyPr wrap="square" lIns="0" tIns="0" rIns="0" bIns="0" numCol="1" anchor="t">
+              <a:spAutoFit/>
+            </a:bodyPr>
+            <a:lstStyle/>
+            <a:p>
+              <a:pPr lvl="0" algn="ctr">
+                <a:defRPr sz="1800"/>
+              </a:pPr>
+              <a:r>
+                <a:rPr lang="en-US" sz="800" b="1" dirty="0">
+                  <a:solidFill>
+                    <a:srgbClr val="4277BB"/>
+                  </a:solidFill>
+                  <a:latin typeface="Helvetica"/>
+                  <a:ea typeface="Helvetica"/>
+                  <a:cs typeface="Helvetica"/>
+                  <a:sym typeface="Helvetica"/>
+                </a:rPr>
+                <a:t>READER</a:t>
+              </a:r>
+              <a:endParaRPr sz="800" b="1" dirty="0">
+                <a:solidFill>
+                  <a:srgbClr val="4277BB"/>
+                </a:solidFill>
+                <a:latin typeface="Helvetica"/>
+                <a:ea typeface="Helvetica"/>
+                <a:cs typeface="Helvetica"/>
+                <a:sym typeface="Helvetica"/>
+              </a:endParaRPr>
+            </a:p>
+          </p:txBody>
+        </p:sp>
+      </p:grpSp>
+      <p:sp>
+        <p:nvSpPr>
+          <p:cNvPr id="27" name="Rectangle 26">
+            <a:extLst>
+              <a:ext uri="{FF2B5EF4-FFF2-40B4-BE49-F238E27FC236}">
+                <a16:creationId xmlns:a16="http://schemas.microsoft.com/office/drawing/2014/main" id="{27BEA81C-7F7B-3046-98BF-6888C49118C7}"/>
+              </a:ext>
+            </a:extLst>
+          </p:cNvPr>
+          <p:cNvSpPr/>
+          <p:nvPr/>
+        </p:nvSpPr>
+        <p:spPr>
+          <a:xfrm>
+            <a:off x="4353923" y="2837605"/>
+            <a:ext cx="3484153" cy="1820117"/>
+          </a:xfrm>
+          <a:custGeom>
+            <a:avLst/>
+            <a:gdLst>
+              <a:gd name="connsiteX0" fmla="*/ 0 w 3484153"/>
+              <a:gd name="connsiteY0" fmla="*/ 0 h 1820117"/>
+              <a:gd name="connsiteX1" fmla="*/ 545851 w 3484153"/>
+              <a:gd name="connsiteY1" fmla="*/ 0 h 1820117"/>
+              <a:gd name="connsiteX2" fmla="*/ 1022018 w 3484153"/>
+              <a:gd name="connsiteY2" fmla="*/ 0 h 1820117"/>
+              <a:gd name="connsiteX3" fmla="*/ 1672393 w 3484153"/>
+              <a:gd name="connsiteY3" fmla="*/ 0 h 1820117"/>
+              <a:gd name="connsiteX4" fmla="*/ 2218244 w 3484153"/>
+              <a:gd name="connsiteY4" fmla="*/ 0 h 1820117"/>
+              <a:gd name="connsiteX5" fmla="*/ 2764095 w 3484153"/>
+              <a:gd name="connsiteY5" fmla="*/ 0 h 1820117"/>
+              <a:gd name="connsiteX6" fmla="*/ 3484153 w 3484153"/>
+              <a:gd name="connsiteY6" fmla="*/ 0 h 1820117"/>
+              <a:gd name="connsiteX7" fmla="*/ 3484153 w 3484153"/>
+              <a:gd name="connsiteY7" fmla="*/ 418627 h 1820117"/>
+              <a:gd name="connsiteX8" fmla="*/ 3484153 w 3484153"/>
+              <a:gd name="connsiteY8" fmla="*/ 873656 h 1820117"/>
+              <a:gd name="connsiteX9" fmla="*/ 3484153 w 3484153"/>
+              <a:gd name="connsiteY9" fmla="*/ 1292283 h 1820117"/>
+              <a:gd name="connsiteX10" fmla="*/ 3484153 w 3484153"/>
+              <a:gd name="connsiteY10" fmla="*/ 1820117 h 1820117"/>
+              <a:gd name="connsiteX11" fmla="*/ 2903461 w 3484153"/>
+              <a:gd name="connsiteY11" fmla="*/ 1820117 h 1820117"/>
+              <a:gd name="connsiteX12" fmla="*/ 2357610 w 3484153"/>
+              <a:gd name="connsiteY12" fmla="*/ 1820117 h 1820117"/>
+              <a:gd name="connsiteX13" fmla="*/ 1707235 w 3484153"/>
+              <a:gd name="connsiteY13" fmla="*/ 1820117 h 1820117"/>
+              <a:gd name="connsiteX14" fmla="*/ 1056860 w 3484153"/>
+              <a:gd name="connsiteY14" fmla="*/ 1820117 h 1820117"/>
+              <a:gd name="connsiteX15" fmla="*/ 545851 w 3484153"/>
+              <a:gd name="connsiteY15" fmla="*/ 1820117 h 1820117"/>
+              <a:gd name="connsiteX16" fmla="*/ 0 w 3484153"/>
+              <a:gd name="connsiteY16" fmla="*/ 1820117 h 1820117"/>
+              <a:gd name="connsiteX17" fmla="*/ 0 w 3484153"/>
+              <a:gd name="connsiteY17" fmla="*/ 1328685 h 1820117"/>
+              <a:gd name="connsiteX18" fmla="*/ 0 w 3484153"/>
+              <a:gd name="connsiteY18" fmla="*/ 928260 h 1820117"/>
+              <a:gd name="connsiteX19" fmla="*/ 0 w 3484153"/>
+              <a:gd name="connsiteY19" fmla="*/ 509633 h 1820117"/>
+              <a:gd name="connsiteX20" fmla="*/ 0 w 3484153"/>
+              <a:gd name="connsiteY20" fmla="*/ 0 h 1820117"/>
+            </a:gdLst>
+            <a:ahLst/>
+            <a:cxnLst>
+              <a:cxn ang="0">
+                <a:pos x="connsiteX0" y="connsiteY0"/>
+              </a:cxn>
+              <a:cxn ang="0">
+                <a:pos x="connsiteX1" y="connsiteY1"/>
+              </a:cxn>
+              <a:cxn ang="0">
+                <a:pos x="connsiteX2" y="connsiteY2"/>
+              </a:cxn>
+              <a:cxn ang="0">
+                <a:pos x="connsiteX3" y="connsiteY3"/>
+              </a:cxn>
+              <a:cxn ang="0">
+                <a:pos x="connsiteX4" y="connsiteY4"/>
+              </a:cxn>
+              <a:cxn ang="0">
+                <a:pos x="connsiteX5" y="connsiteY5"/>
+              </a:cxn>
+              <a:cxn ang="0">
+                <a:pos x="connsiteX6" y="connsiteY6"/>
+              </a:cxn>
+              <a:cxn ang="0">
+                <a:pos x="connsiteX7" y="connsiteY7"/>
+              </a:cxn>
+              <a:cxn ang="0">
+                <a:pos x="connsiteX8" y="connsiteY8"/>
+              </a:cxn>
+              <a:cxn ang="0">
+                <a:pos x="connsiteX9" y="connsiteY9"/>
+              </a:cxn>
+              <a:cxn ang="0">
+                <a:pos x="connsiteX10" y="connsiteY10"/>
+              </a:cxn>
+              <a:cxn ang="0">
+                <a:pos x="connsiteX11" y="connsiteY11"/>
+              </a:cxn>
+              <a:cxn ang="0">
+                <a:pos x="connsiteX12" y="connsiteY12"/>
+              </a:cxn>
+              <a:cxn ang="0">
+                <a:pos x="connsiteX13" y="connsiteY13"/>
+              </a:cxn>
+              <a:cxn ang="0">
+                <a:pos x="connsiteX14" y="connsiteY14"/>
+              </a:cxn>
+              <a:cxn ang="0">
+                <a:pos x="connsiteX15" y="connsiteY15"/>
+              </a:cxn>
+              <a:cxn ang="0">
+                <a:pos x="connsiteX16" y="connsiteY16"/>
+              </a:cxn>
+              <a:cxn ang="0">
+                <a:pos x="connsiteX17" y="connsiteY17"/>
+              </a:cxn>
+              <a:cxn ang="0">
+                <a:pos x="connsiteX18" y="connsiteY18"/>
+              </a:cxn>
+              <a:cxn ang="0">
+                <a:pos x="connsiteX19" y="connsiteY19"/>
+              </a:cxn>
+              <a:cxn ang="0">
+                <a:pos x="connsiteX20" y="connsiteY20"/>
+              </a:cxn>
+            </a:cxnLst>
+            <a:rect l="l" t="t" r="r" b="b"/>
+            <a:pathLst>
+              <a:path w="3484153" h="1820117" extrusionOk="0">
+                <a:moveTo>
+                  <a:pt x="0" y="0"/>
+                </a:moveTo>
+                <a:cubicBezTo>
+                  <a:pt x="198566" y="-37678"/>
+                  <a:pt x="379181" y="20193"/>
+                  <a:pt x="545851" y="0"/>
+                </a:cubicBezTo>
+                <a:cubicBezTo>
+                  <a:pt x="712521" y="-20193"/>
+                  <a:pt x="925731" y="36895"/>
+                  <a:pt x="1022018" y="0"/>
+                </a:cubicBezTo>
+                <a:cubicBezTo>
+                  <a:pt x="1118305" y="-36895"/>
+                  <a:pt x="1397198" y="2921"/>
+                  <a:pt x="1672393" y="0"/>
+                </a:cubicBezTo>
+                <a:cubicBezTo>
+                  <a:pt x="1947588" y="-2921"/>
+                  <a:pt x="1976837" y="12967"/>
+                  <a:pt x="2218244" y="0"/>
+                </a:cubicBezTo>
+                <a:cubicBezTo>
+                  <a:pt x="2459651" y="-12967"/>
+                  <a:pt x="2520646" y="1218"/>
+                  <a:pt x="2764095" y="0"/>
+                </a:cubicBezTo>
+                <a:cubicBezTo>
+                  <a:pt x="3007544" y="-1218"/>
+                  <a:pt x="3266214" y="979"/>
+                  <a:pt x="3484153" y="0"/>
+                </a:cubicBezTo>
+                <a:cubicBezTo>
+                  <a:pt x="3531809" y="121615"/>
+                  <a:pt x="3481295" y="301950"/>
+                  <a:pt x="3484153" y="418627"/>
+                </a:cubicBezTo>
+                <a:cubicBezTo>
+                  <a:pt x="3487011" y="535304"/>
+                  <a:pt x="3445648" y="677269"/>
+                  <a:pt x="3484153" y="873656"/>
+                </a:cubicBezTo>
+                <a:cubicBezTo>
+                  <a:pt x="3522658" y="1070043"/>
+                  <a:pt x="3453859" y="1090677"/>
+                  <a:pt x="3484153" y="1292283"/>
+                </a:cubicBezTo>
+                <a:cubicBezTo>
+                  <a:pt x="3514447" y="1493889"/>
+                  <a:pt x="3429914" y="1702818"/>
+                  <a:pt x="3484153" y="1820117"/>
+                </a:cubicBezTo>
+                <a:cubicBezTo>
+                  <a:pt x="3357456" y="1846090"/>
+                  <a:pt x="3077674" y="1803207"/>
+                  <a:pt x="2903461" y="1820117"/>
+                </a:cubicBezTo>
+                <a:cubicBezTo>
+                  <a:pt x="2729248" y="1837027"/>
+                  <a:pt x="2542257" y="1771865"/>
+                  <a:pt x="2357610" y="1820117"/>
+                </a:cubicBezTo>
+                <a:cubicBezTo>
+                  <a:pt x="2172963" y="1868369"/>
+                  <a:pt x="1972212" y="1810893"/>
+                  <a:pt x="1707235" y="1820117"/>
+                </a:cubicBezTo>
+                <a:cubicBezTo>
+                  <a:pt x="1442259" y="1829341"/>
+                  <a:pt x="1366310" y="1754256"/>
+                  <a:pt x="1056860" y="1820117"/>
+                </a:cubicBezTo>
+                <a:cubicBezTo>
+                  <a:pt x="747411" y="1885978"/>
+                  <a:pt x="797396" y="1809988"/>
+                  <a:pt x="545851" y="1820117"/>
+                </a:cubicBezTo>
+                <a:cubicBezTo>
+                  <a:pt x="294306" y="1830246"/>
+                  <a:pt x="259053" y="1783378"/>
+                  <a:pt x="0" y="1820117"/>
+                </a:cubicBezTo>
+                <a:cubicBezTo>
+                  <a:pt x="-12796" y="1630483"/>
+                  <a:pt x="16323" y="1521334"/>
+                  <a:pt x="0" y="1328685"/>
+                </a:cubicBezTo>
+                <a:cubicBezTo>
+                  <a:pt x="-16323" y="1136036"/>
+                  <a:pt x="33570" y="1031632"/>
+                  <a:pt x="0" y="928260"/>
+                </a:cubicBezTo>
+                <a:cubicBezTo>
+                  <a:pt x="-33570" y="824889"/>
+                  <a:pt x="11020" y="671691"/>
+                  <a:pt x="0" y="509633"/>
+                </a:cubicBezTo>
+                <a:cubicBezTo>
+                  <a:pt x="-11020" y="347575"/>
+                  <a:pt x="60732" y="166030"/>
+                  <a:pt x="0" y="0"/>
+                </a:cubicBezTo>
+                <a:close/>
+              </a:path>
+            </a:pathLst>
+          </a:custGeom>
+          <a:noFill/>
+          <a:ln w="12700">
+            <a:solidFill>
+              <a:srgbClr val="7030A0"/>
+            </a:solidFill>
+            <a:extLst>
+              <a:ext uri="{C807C97D-BFC1-408E-A445-0C87EB9F89A2}">
+                <ask:lineSketchStyleProps xmlns:ask="http://schemas.microsoft.com/office/drawing/2018/sketchyshapes" sd="1219033472">
+                  <a:prstGeom prst="rect">
+                    <a:avLst/>
+                  </a:prstGeom>
+                  <ask:type>
+                    <ask:lineSketchScribble/>
+                  </ask:type>
+                </ask:lineSketchStyleProps>
+              </a:ext>
+            </a:extLst>
+          </a:ln>
+        </p:spPr>
+        <p:style>
+          <a:lnRef idx="2">
+            <a:schemeClr val="accent1">
+              <a:shade val="50000"/>
+            </a:schemeClr>
+          </a:lnRef>
+          <a:fillRef idx="1">
+            <a:schemeClr val="accent1"/>
+          </a:fillRef>
+          <a:effectRef idx="0">
+            <a:schemeClr val="accent1"/>
+          </a:effectRef>
+          <a:fontRef idx="minor">
+            <a:schemeClr val="lt1"/>
+          </a:fontRef>
+        </p:style>
+        <p:txBody>
+          <a:bodyPr rtlCol="0" anchor="t"/>
+          <a:lstStyle/>
+          <a:p>
+            <a:pPr algn="ctr"/>
+            <a:r>
+              <a:rPr lang="en-US" sz="1200" dirty="0">
+                <a:solidFill>
+                  <a:srgbClr val="7030A0"/>
+                </a:solidFill>
+              </a:rPr>
+              <a:t>Availability Zone 2</a:t>
+            </a:r>
+            <a:endParaRPr sz="1200" dirty="0">
+              <a:solidFill>
+                <a:srgbClr val="7030A0"/>
+              </a:solidFill>
+            </a:endParaRPr>
+          </a:p>
+        </p:txBody>
+      </p:sp>
+      <p:sp>
+        <p:nvSpPr>
+          <p:cNvPr id="28" name="Rectangle 27">
+            <a:extLst>
+              <a:ext uri="{FF2B5EF4-FFF2-40B4-BE49-F238E27FC236}">
+                <a16:creationId xmlns:a16="http://schemas.microsoft.com/office/drawing/2014/main" id="{CCAB8BCB-0CD8-AB4D-BA39-8E96940BD0C2}"/>
+              </a:ext>
+            </a:extLst>
+          </p:cNvPr>
+          <p:cNvSpPr/>
+          <p:nvPr/>
+        </p:nvSpPr>
+        <p:spPr>
+          <a:xfrm>
+            <a:off x="8101555" y="2837604"/>
+            <a:ext cx="3063195" cy="1820117"/>
+          </a:xfrm>
+          <a:custGeom>
+            <a:avLst/>
+            <a:gdLst>
+              <a:gd name="connsiteX0" fmla="*/ 0 w 3063195"/>
+              <a:gd name="connsiteY0" fmla="*/ 0 h 1820117"/>
+              <a:gd name="connsiteX1" fmla="*/ 479901 w 3063195"/>
+              <a:gd name="connsiteY1" fmla="*/ 0 h 1820117"/>
+              <a:gd name="connsiteX2" fmla="*/ 898537 w 3063195"/>
+              <a:gd name="connsiteY2" fmla="*/ 0 h 1820117"/>
+              <a:gd name="connsiteX3" fmla="*/ 1470334 w 3063195"/>
+              <a:gd name="connsiteY3" fmla="*/ 0 h 1820117"/>
+              <a:gd name="connsiteX4" fmla="*/ 1950234 w 3063195"/>
+              <a:gd name="connsiteY4" fmla="*/ 0 h 1820117"/>
+              <a:gd name="connsiteX5" fmla="*/ 2430135 w 3063195"/>
+              <a:gd name="connsiteY5" fmla="*/ 0 h 1820117"/>
+              <a:gd name="connsiteX6" fmla="*/ 3063195 w 3063195"/>
+              <a:gd name="connsiteY6" fmla="*/ 0 h 1820117"/>
+              <a:gd name="connsiteX7" fmla="*/ 3063195 w 3063195"/>
+              <a:gd name="connsiteY7" fmla="*/ 418627 h 1820117"/>
+              <a:gd name="connsiteX8" fmla="*/ 3063195 w 3063195"/>
+              <a:gd name="connsiteY8" fmla="*/ 873656 h 1820117"/>
+              <a:gd name="connsiteX9" fmla="*/ 3063195 w 3063195"/>
+              <a:gd name="connsiteY9" fmla="*/ 1292283 h 1820117"/>
+              <a:gd name="connsiteX10" fmla="*/ 3063195 w 3063195"/>
+              <a:gd name="connsiteY10" fmla="*/ 1820117 h 1820117"/>
+              <a:gd name="connsiteX11" fmla="*/ 2552663 w 3063195"/>
+              <a:gd name="connsiteY11" fmla="*/ 1820117 h 1820117"/>
+              <a:gd name="connsiteX12" fmla="*/ 2072762 w 3063195"/>
+              <a:gd name="connsiteY12" fmla="*/ 1820117 h 1820117"/>
+              <a:gd name="connsiteX13" fmla="*/ 1500966 w 3063195"/>
+              <a:gd name="connsiteY13" fmla="*/ 1820117 h 1820117"/>
+              <a:gd name="connsiteX14" fmla="*/ 929169 w 3063195"/>
+              <a:gd name="connsiteY14" fmla="*/ 1820117 h 1820117"/>
+              <a:gd name="connsiteX15" fmla="*/ 479901 w 3063195"/>
+              <a:gd name="connsiteY15" fmla="*/ 1820117 h 1820117"/>
+              <a:gd name="connsiteX16" fmla="*/ 0 w 3063195"/>
+              <a:gd name="connsiteY16" fmla="*/ 1820117 h 1820117"/>
+              <a:gd name="connsiteX17" fmla="*/ 0 w 3063195"/>
+              <a:gd name="connsiteY17" fmla="*/ 1328685 h 1820117"/>
+              <a:gd name="connsiteX18" fmla="*/ 0 w 3063195"/>
+              <a:gd name="connsiteY18" fmla="*/ 928260 h 1820117"/>
+              <a:gd name="connsiteX19" fmla="*/ 0 w 3063195"/>
+              <a:gd name="connsiteY19" fmla="*/ 509633 h 1820117"/>
+              <a:gd name="connsiteX20" fmla="*/ 0 w 3063195"/>
+              <a:gd name="connsiteY20" fmla="*/ 0 h 1820117"/>
+            </a:gdLst>
+            <a:ahLst/>
+            <a:cxnLst>
+              <a:cxn ang="0">
+                <a:pos x="connsiteX0" y="connsiteY0"/>
+              </a:cxn>
+              <a:cxn ang="0">
+                <a:pos x="connsiteX1" y="connsiteY1"/>
+              </a:cxn>
+              <a:cxn ang="0">
+                <a:pos x="connsiteX2" y="connsiteY2"/>
+              </a:cxn>
+              <a:cxn ang="0">
+                <a:pos x="connsiteX3" y="connsiteY3"/>
+              </a:cxn>
+              <a:cxn ang="0">
+                <a:pos x="connsiteX4" y="connsiteY4"/>
+              </a:cxn>
+              <a:cxn ang="0">
+                <a:pos x="connsiteX5" y="connsiteY5"/>
+              </a:cxn>
+              <a:cxn ang="0">
+                <a:pos x="connsiteX6" y="connsiteY6"/>
+              </a:cxn>
+              <a:cxn ang="0">
+                <a:pos x="connsiteX7" y="connsiteY7"/>
+              </a:cxn>
+              <a:cxn ang="0">
+                <a:pos x="connsiteX8" y="connsiteY8"/>
+              </a:cxn>
+              <a:cxn ang="0">
+                <a:pos x="connsiteX9" y="connsiteY9"/>
+              </a:cxn>
+              <a:cxn ang="0">
+                <a:pos x="connsiteX10" y="connsiteY10"/>
+              </a:cxn>
+              <a:cxn ang="0">
+                <a:pos x="connsiteX11" y="connsiteY11"/>
+              </a:cxn>
+              <a:cxn ang="0">
+                <a:pos x="connsiteX12" y="connsiteY12"/>
+              </a:cxn>
+              <a:cxn ang="0">
+                <a:pos x="connsiteX13" y="connsiteY13"/>
+              </a:cxn>
+              <a:cxn ang="0">
+                <a:pos x="connsiteX14" y="connsiteY14"/>
+              </a:cxn>
+              <a:cxn ang="0">
+                <a:pos x="connsiteX15" y="connsiteY15"/>
+              </a:cxn>
+              <a:cxn ang="0">
+                <a:pos x="connsiteX16" y="connsiteY16"/>
+              </a:cxn>
+              <a:cxn ang="0">
+                <a:pos x="connsiteX17" y="connsiteY17"/>
+              </a:cxn>
+              <a:cxn ang="0">
+                <a:pos x="connsiteX18" y="connsiteY18"/>
+              </a:cxn>
+              <a:cxn ang="0">
+                <a:pos x="connsiteX19" y="connsiteY19"/>
+              </a:cxn>
+              <a:cxn ang="0">
+                <a:pos x="connsiteX20" y="connsiteY20"/>
+              </a:cxn>
+            </a:cxnLst>
+            <a:rect l="l" t="t" r="r" b="b"/>
+            <a:pathLst>
+              <a:path w="3063195" h="1820117" extrusionOk="0">
+                <a:moveTo>
+                  <a:pt x="0" y="0"/>
+                </a:moveTo>
+                <a:cubicBezTo>
+                  <a:pt x="189339" y="-51323"/>
+                  <a:pt x="348551" y="25258"/>
+                  <a:pt x="479901" y="0"/>
+                </a:cubicBezTo>
+                <a:cubicBezTo>
+                  <a:pt x="611251" y="-25258"/>
+                  <a:pt x="720147" y="44646"/>
+                  <a:pt x="898537" y="0"/>
+                </a:cubicBezTo>
+                <a:cubicBezTo>
+                  <a:pt x="1076927" y="-44646"/>
+                  <a:pt x="1247523" y="64401"/>
+                  <a:pt x="1470334" y="0"/>
+                </a:cubicBezTo>
+                <a:cubicBezTo>
+                  <a:pt x="1693145" y="-64401"/>
+                  <a:pt x="1714473" y="36033"/>
+                  <a:pt x="1950234" y="0"/>
+                </a:cubicBezTo>
+                <a:cubicBezTo>
+                  <a:pt x="2185995" y="-36033"/>
+                  <a:pt x="2235302" y="11711"/>
+                  <a:pt x="2430135" y="0"/>
+                </a:cubicBezTo>
+                <a:cubicBezTo>
+                  <a:pt x="2624968" y="-11711"/>
+                  <a:pt x="2918745" y="7205"/>
+                  <a:pt x="3063195" y="0"/>
+                </a:cubicBezTo>
+                <a:cubicBezTo>
+                  <a:pt x="3110851" y="121615"/>
+                  <a:pt x="3060337" y="301950"/>
+                  <a:pt x="3063195" y="418627"/>
+                </a:cubicBezTo>
+                <a:cubicBezTo>
+                  <a:pt x="3066053" y="535304"/>
+                  <a:pt x="3024690" y="677269"/>
+                  <a:pt x="3063195" y="873656"/>
+                </a:cubicBezTo>
+                <a:cubicBezTo>
+                  <a:pt x="3101700" y="1070043"/>
+                  <a:pt x="3032901" y="1090677"/>
+                  <a:pt x="3063195" y="1292283"/>
+                </a:cubicBezTo>
+                <a:cubicBezTo>
+                  <a:pt x="3093489" y="1493889"/>
+                  <a:pt x="3008956" y="1702818"/>
+                  <a:pt x="3063195" y="1820117"/>
+                </a:cubicBezTo>
+                <a:cubicBezTo>
+                  <a:pt x="2906043" y="1848131"/>
+                  <a:pt x="2757983" y="1808387"/>
+                  <a:pt x="2552663" y="1820117"/>
+                </a:cubicBezTo>
+                <a:cubicBezTo>
+                  <a:pt x="2347343" y="1831847"/>
+                  <a:pt x="2265197" y="1791698"/>
+                  <a:pt x="2072762" y="1820117"/>
+                </a:cubicBezTo>
+                <a:cubicBezTo>
+                  <a:pt x="1880327" y="1848536"/>
+                  <a:pt x="1737580" y="1778142"/>
+                  <a:pt x="1500966" y="1820117"/>
+                </a:cubicBezTo>
+                <a:cubicBezTo>
+                  <a:pt x="1264352" y="1862092"/>
+                  <a:pt x="1165384" y="1769538"/>
+                  <a:pt x="929169" y="1820117"/>
+                </a:cubicBezTo>
+                <a:cubicBezTo>
+                  <a:pt x="692954" y="1870696"/>
+                  <a:pt x="635895" y="1809125"/>
+                  <a:pt x="479901" y="1820117"/>
+                </a:cubicBezTo>
+                <a:cubicBezTo>
+                  <a:pt x="323907" y="1831109"/>
+                  <a:pt x="197225" y="1795398"/>
+                  <a:pt x="0" y="1820117"/>
+                </a:cubicBezTo>
+                <a:cubicBezTo>
+                  <a:pt x="-12796" y="1630483"/>
+                  <a:pt x="16323" y="1521334"/>
+                  <a:pt x="0" y="1328685"/>
+                </a:cubicBezTo>
+                <a:cubicBezTo>
+                  <a:pt x="-16323" y="1136036"/>
+                  <a:pt x="33570" y="1031632"/>
+                  <a:pt x="0" y="928260"/>
+                </a:cubicBezTo>
+                <a:cubicBezTo>
+                  <a:pt x="-33570" y="824889"/>
+                  <a:pt x="11020" y="671691"/>
+                  <a:pt x="0" y="509633"/>
+                </a:cubicBezTo>
+                <a:cubicBezTo>
+                  <a:pt x="-11020" y="347575"/>
+                  <a:pt x="60732" y="166030"/>
+                  <a:pt x="0" y="0"/>
+                </a:cubicBezTo>
+                <a:close/>
+              </a:path>
+            </a:pathLst>
+          </a:custGeom>
+          <a:noFill/>
+          <a:ln w="12700">
+            <a:solidFill>
+              <a:srgbClr val="7030A0"/>
+            </a:solidFill>
+            <a:extLst>
+              <a:ext uri="{C807C97D-BFC1-408E-A445-0C87EB9F89A2}">
+                <ask:lineSketchStyleProps xmlns:ask="http://schemas.microsoft.com/office/drawing/2018/sketchyshapes" sd="1219033472">
+                  <a:prstGeom prst="rect">
+                    <a:avLst/>
+                  </a:prstGeom>
+                  <ask:type>
+                    <ask:lineSketchScribble/>
+                  </ask:type>
+                </ask:lineSketchStyleProps>
+              </a:ext>
+            </a:extLst>
+          </a:ln>
+        </p:spPr>
+        <p:style>
+          <a:lnRef idx="2">
+            <a:schemeClr val="accent1">
+              <a:shade val="50000"/>
+            </a:schemeClr>
+          </a:lnRef>
+          <a:fillRef idx="1">
+            <a:schemeClr val="accent1"/>
+          </a:fillRef>
+          <a:effectRef idx="0">
+            <a:schemeClr val="accent1"/>
+          </a:effectRef>
+          <a:fontRef idx="minor">
+            <a:schemeClr val="lt1"/>
+          </a:fontRef>
+        </p:style>
+        <p:txBody>
+          <a:bodyPr rtlCol="0" anchor="t"/>
+          <a:lstStyle/>
+          <a:p>
+            <a:pPr algn="ctr"/>
+            <a:r>
+              <a:rPr lang="en-US" sz="1200" dirty="0">
+                <a:solidFill>
+                  <a:srgbClr val="7030A0"/>
+                </a:solidFill>
+              </a:rPr>
+              <a:t>Availability Zone 3</a:t>
+            </a:r>
+            <a:endParaRPr sz="1200" dirty="0">
+              <a:solidFill>
+                <a:srgbClr val="7030A0"/>
+              </a:solidFill>
+            </a:endParaRPr>
+          </a:p>
+        </p:txBody>
+      </p:sp>
+      <p:cxnSp>
+        <p:nvCxnSpPr>
+          <p:cNvPr id="30" name="Straight Arrow Connector 29">
+            <a:extLst>
+              <a:ext uri="{FF2B5EF4-FFF2-40B4-BE49-F238E27FC236}">
+                <a16:creationId xmlns:a16="http://schemas.microsoft.com/office/drawing/2014/main" id="{37C2FCAB-0697-944C-9394-17ECF500E1E2}"/>
+              </a:ext>
+            </a:extLst>
+          </p:cNvPr>
+          <p:cNvCxnSpPr>
+            <a:cxnSpLocks/>
+            <a:stCxn id="13" idx="0"/>
+          </p:cNvCxnSpPr>
+          <p:nvPr/>
+        </p:nvCxnSpPr>
+        <p:spPr>
+          <a:xfrm flipV="1">
+            <a:off x="2622688" y="2066925"/>
+            <a:ext cx="2553057" cy="1200358"/>
+          </a:xfrm>
+          <a:prstGeom prst="straightConnector1">
+            <a:avLst/>
+          </a:prstGeom>
+          <a:ln>
+            <a:solidFill>
+              <a:srgbClr val="7030A0"/>
+            </a:solidFill>
+            <a:tailEnd type="triangle"/>
+          </a:ln>
+        </p:spPr>
+        <p:style>
+          <a:lnRef idx="1">
+            <a:schemeClr val="accent1"/>
+          </a:lnRef>
+          <a:fillRef idx="0">
+            <a:schemeClr val="accent1"/>
+          </a:fillRef>
+          <a:effectRef idx="0">
+            <a:schemeClr val="accent1"/>
+          </a:effectRef>
+          <a:fontRef idx="minor">
+            <a:schemeClr val="tx1"/>
+          </a:fontRef>
+        </p:style>
+      </p:cxnSp>
+      <p:cxnSp>
+        <p:nvCxnSpPr>
+          <p:cNvPr id="31" name="Straight Arrow Connector 30">
+            <a:extLst>
+              <a:ext uri="{FF2B5EF4-FFF2-40B4-BE49-F238E27FC236}">
+                <a16:creationId xmlns:a16="http://schemas.microsoft.com/office/drawing/2014/main" id="{50A0623E-67D1-B447-B019-A1F72C3DDFB9}"/>
+              </a:ext>
+            </a:extLst>
+          </p:cNvPr>
+          <p:cNvCxnSpPr>
+            <a:cxnSpLocks/>
+            <a:stCxn id="16" idx="0"/>
+          </p:cNvCxnSpPr>
+          <p:nvPr/>
+        </p:nvCxnSpPr>
+        <p:spPr>
+          <a:xfrm flipV="1">
+            <a:off x="4877704" y="2162407"/>
+            <a:ext cx="596083" cy="1043320"/>
+          </a:xfrm>
+          <a:prstGeom prst="straightConnector1">
+            <a:avLst/>
+          </a:prstGeom>
+          <a:ln>
+            <a:solidFill>
+              <a:srgbClr val="7030A0"/>
+            </a:solidFill>
+            <a:tailEnd type="triangle"/>
+          </a:ln>
+        </p:spPr>
+        <p:style>
+          <a:lnRef idx="1">
+            <a:schemeClr val="accent1"/>
+          </a:lnRef>
+          <a:fillRef idx="0">
+            <a:schemeClr val="accent1"/>
+          </a:fillRef>
+          <a:effectRef idx="0">
+            <a:schemeClr val="accent1"/>
+          </a:effectRef>
+          <a:fontRef idx="minor">
+            <a:schemeClr val="tx1"/>
+          </a:fontRef>
+        </p:style>
+      </p:cxnSp>
+      <p:cxnSp>
+        <p:nvCxnSpPr>
+          <p:cNvPr id="35" name="Straight Arrow Connector 34">
+            <a:extLst>
+              <a:ext uri="{FF2B5EF4-FFF2-40B4-BE49-F238E27FC236}">
+                <a16:creationId xmlns:a16="http://schemas.microsoft.com/office/drawing/2014/main" id="{DAEF49F1-261B-AF4A-B1A4-84C036CA3457}"/>
+              </a:ext>
+            </a:extLst>
+          </p:cNvPr>
+          <p:cNvCxnSpPr>
+            <a:cxnSpLocks/>
+            <a:stCxn id="25" idx="0"/>
+          </p:cNvCxnSpPr>
+          <p:nvPr/>
+        </p:nvCxnSpPr>
+        <p:spPr>
+          <a:xfrm flipH="1" flipV="1">
+            <a:off x="6106841" y="2162407"/>
+            <a:ext cx="4206356" cy="1131974"/>
+          </a:xfrm>
+          <a:prstGeom prst="straightConnector1">
+            <a:avLst/>
+          </a:prstGeom>
+          <a:ln>
+            <a:solidFill>
+              <a:srgbClr val="7030A0"/>
+            </a:solidFill>
+            <a:tailEnd type="triangle"/>
+          </a:ln>
+        </p:spPr>
+        <p:style>
+          <a:lnRef idx="1">
+            <a:schemeClr val="accent1"/>
+          </a:lnRef>
+          <a:fillRef idx="0">
+            <a:schemeClr val="accent1"/>
+          </a:fillRef>
+          <a:effectRef idx="0">
+            <a:schemeClr val="accent1"/>
+          </a:effectRef>
+          <a:fontRef idx="minor">
+            <a:schemeClr val="tx1"/>
+          </a:fontRef>
+        </p:style>
+      </p:cxnSp>
+      <p:cxnSp>
+        <p:nvCxnSpPr>
+          <p:cNvPr id="39" name="Straight Arrow Connector 38">
+            <a:extLst>
+              <a:ext uri="{FF2B5EF4-FFF2-40B4-BE49-F238E27FC236}">
+                <a16:creationId xmlns:a16="http://schemas.microsoft.com/office/drawing/2014/main" id="{0C21ADAC-B948-674D-A791-E6F87B65154B}"/>
+              </a:ext>
+            </a:extLst>
+          </p:cNvPr>
+          <p:cNvCxnSpPr>
+            <a:cxnSpLocks/>
+            <a:stCxn id="19" idx="0"/>
+          </p:cNvCxnSpPr>
+          <p:nvPr/>
+        </p:nvCxnSpPr>
+        <p:spPr>
+          <a:xfrm flipH="1" flipV="1">
+            <a:off x="5688873" y="2162407"/>
+            <a:ext cx="1126339" cy="1104876"/>
+          </a:xfrm>
+          <a:prstGeom prst="straightConnector1">
+            <a:avLst/>
+          </a:prstGeom>
+          <a:ln>
+            <a:solidFill>
+              <a:srgbClr val="7030A0"/>
+            </a:solidFill>
+            <a:tailEnd type="triangle"/>
+          </a:ln>
+        </p:spPr>
+        <p:style>
+          <a:lnRef idx="1">
+            <a:schemeClr val="accent1"/>
+          </a:lnRef>
+          <a:fillRef idx="0">
+            <a:schemeClr val="accent1"/>
+          </a:fillRef>
+          <a:effectRef idx="0">
+            <a:schemeClr val="accent1"/>
+          </a:effectRef>
+          <a:fontRef idx="minor">
+            <a:schemeClr val="tx1"/>
+          </a:fontRef>
+        </p:style>
+      </p:cxnSp>
+      <p:cxnSp>
+        <p:nvCxnSpPr>
+          <p:cNvPr id="43" name="Straight Arrow Connector 42">
+            <a:extLst>
+              <a:ext uri="{FF2B5EF4-FFF2-40B4-BE49-F238E27FC236}">
+                <a16:creationId xmlns:a16="http://schemas.microsoft.com/office/drawing/2014/main" id="{A74116D9-A0D6-0C49-8FDF-8BDB26401DFD}"/>
+              </a:ext>
+            </a:extLst>
+          </p:cNvPr>
+          <p:cNvCxnSpPr>
+            <a:cxnSpLocks/>
+            <a:stCxn id="22" idx="0"/>
+          </p:cNvCxnSpPr>
+          <p:nvPr/>
+        </p:nvCxnSpPr>
+        <p:spPr>
+          <a:xfrm flipH="1" flipV="1">
+            <a:off x="5891755" y="2196157"/>
+            <a:ext cx="2744110" cy="1071126"/>
+          </a:xfrm>
+          <a:prstGeom prst="straightConnector1">
+            <a:avLst/>
+          </a:prstGeom>
+          <a:ln>
+            <a:solidFill>
+              <a:srgbClr val="7030A0"/>
+            </a:solidFill>
+            <a:tailEnd type="triangle"/>
+          </a:ln>
+        </p:spPr>
+        <p:style>
+          <a:lnRef idx="1">
+            <a:schemeClr val="accent1"/>
+          </a:lnRef>
+          <a:fillRef idx="0">
+            <a:schemeClr val="accent1"/>
+          </a:fillRef>
+          <a:effectRef idx="0">
+            <a:schemeClr val="accent1"/>
+          </a:effectRef>
+          <a:fontRef idx="minor">
+            <a:schemeClr val="tx1"/>
+          </a:fontRef>
+        </p:style>
+      </p:cxnSp>
+      <p:cxnSp>
+        <p:nvCxnSpPr>
+          <p:cNvPr id="50" name="Straight Arrow Connector 49">
+            <a:extLst>
+              <a:ext uri="{FF2B5EF4-FFF2-40B4-BE49-F238E27FC236}">
+                <a16:creationId xmlns:a16="http://schemas.microsoft.com/office/drawing/2014/main" id="{1AD35FB9-465D-064D-9CE1-0B9E37C23F8F}"/>
+              </a:ext>
+            </a:extLst>
+          </p:cNvPr>
+          <p:cNvCxnSpPr>
+            <a:cxnSpLocks/>
+            <a:stCxn id="5" idx="0"/>
+          </p:cNvCxnSpPr>
+          <p:nvPr/>
+        </p:nvCxnSpPr>
+        <p:spPr>
+          <a:xfrm flipH="1" flipV="1">
+            <a:off x="3957638" y="1101963"/>
+            <a:ext cx="1516149" cy="433594"/>
+          </a:xfrm>
+          <a:prstGeom prst="straightConnector1">
+            <a:avLst/>
+          </a:prstGeom>
+          <a:ln>
+            <a:solidFill>
+              <a:srgbClr val="7030A0"/>
+            </a:solidFill>
+            <a:tailEnd type="triangle"/>
+          </a:ln>
+        </p:spPr>
+        <p:style>
+          <a:lnRef idx="1">
+            <a:schemeClr val="accent1"/>
+          </a:lnRef>
+          <a:fillRef idx="0">
+            <a:schemeClr val="accent1"/>
+          </a:fillRef>
+          <a:effectRef idx="0">
+            <a:schemeClr val="accent1"/>
+          </a:effectRef>
+          <a:fontRef idx="minor">
+            <a:schemeClr val="tx1"/>
+          </a:fontRef>
+        </p:style>
+      </p:cxnSp>
+      <p:cxnSp>
+        <p:nvCxnSpPr>
+          <p:cNvPr id="54" name="Straight Arrow Connector 53">
+            <a:extLst>
+              <a:ext uri="{FF2B5EF4-FFF2-40B4-BE49-F238E27FC236}">
+                <a16:creationId xmlns:a16="http://schemas.microsoft.com/office/drawing/2014/main" id="{5D6E6D82-A963-B041-8843-AA8CC6D80728}"/>
+              </a:ext>
+            </a:extLst>
+          </p:cNvPr>
+          <p:cNvCxnSpPr>
+            <a:cxnSpLocks/>
+            <a:stCxn id="3" idx="2"/>
+            <a:endCxn id="4" idx="0"/>
+          </p:cNvCxnSpPr>
+          <p:nvPr/>
+        </p:nvCxnSpPr>
+        <p:spPr>
+          <a:xfrm flipH="1">
+            <a:off x="2406737" y="985838"/>
+            <a:ext cx="1133475" cy="549719"/>
+          </a:xfrm>
+          <a:prstGeom prst="straightConnector1">
+            <a:avLst/>
+          </a:prstGeom>
+          <a:ln>
+            <a:solidFill>
+              <a:srgbClr val="7030A0"/>
+            </a:solidFill>
+            <a:tailEnd type="triangle"/>
+          </a:ln>
+        </p:spPr>
+        <p:style>
+          <a:lnRef idx="1">
+            <a:schemeClr val="accent1"/>
+          </a:lnRef>
+          <a:fillRef idx="0">
+            <a:schemeClr val="accent1"/>
+          </a:fillRef>
+          <a:effectRef idx="0">
+            <a:schemeClr val="accent1"/>
+          </a:effectRef>
+          <a:fontRef idx="minor">
+            <a:schemeClr val="tx1"/>
+          </a:fontRef>
+        </p:style>
+      </p:cxnSp>
+      <p:cxnSp>
+        <p:nvCxnSpPr>
+          <p:cNvPr id="59" name="Straight Arrow Connector 58">
+            <a:extLst>
+              <a:ext uri="{FF2B5EF4-FFF2-40B4-BE49-F238E27FC236}">
+                <a16:creationId xmlns:a16="http://schemas.microsoft.com/office/drawing/2014/main" id="{377C1193-2A74-124F-A720-EE9F58B2D2E7}"/>
+              </a:ext>
+            </a:extLst>
+          </p:cNvPr>
+          <p:cNvCxnSpPr>
+            <a:cxnSpLocks/>
+            <a:stCxn id="4" idx="2"/>
+            <a:endCxn id="10" idx="0"/>
+          </p:cNvCxnSpPr>
+          <p:nvPr/>
+        </p:nvCxnSpPr>
+        <p:spPr>
+          <a:xfrm flipH="1">
+            <a:off x="1027250" y="2066925"/>
+            <a:ext cx="1379487" cy="1200358"/>
+          </a:xfrm>
+          <a:prstGeom prst="straightConnector1">
+            <a:avLst/>
+          </a:prstGeom>
+          <a:ln>
+            <a:solidFill>
+              <a:srgbClr val="7030A0"/>
+            </a:solidFill>
+            <a:tailEnd type="triangle"/>
+          </a:ln>
+        </p:spPr>
+        <p:style>
+          <a:lnRef idx="1">
+            <a:schemeClr val="accent1"/>
+          </a:lnRef>
+          <a:fillRef idx="0">
+            <a:schemeClr val="accent1"/>
+          </a:fillRef>
+          <a:effectRef idx="0">
+            <a:schemeClr val="accent1"/>
+          </a:effectRef>
+          <a:fontRef idx="minor">
+            <a:schemeClr val="tx1"/>
+          </a:fontRef>
+        </p:style>
+      </p:cxnSp>
+      <p:sp>
+        <p:nvSpPr>
+          <p:cNvPr id="62" name="Rounded Rectangle 61">
+            <a:extLst>
+              <a:ext uri="{FF2B5EF4-FFF2-40B4-BE49-F238E27FC236}">
+                <a16:creationId xmlns:a16="http://schemas.microsoft.com/office/drawing/2014/main" id="{A2221AF5-769A-1F44-96FE-4C0B38FCE6AF}"/>
+              </a:ext>
+            </a:extLst>
+          </p:cNvPr>
+          <p:cNvSpPr/>
+          <p:nvPr/>
+        </p:nvSpPr>
+        <p:spPr>
+          <a:xfrm>
+            <a:off x="595540" y="4821716"/>
+            <a:ext cx="10569210" cy="531368"/>
+          </a:xfrm>
+          <a:prstGeom prst="roundRect">
+            <a:avLst>
+              <a:gd name="adj" fmla="val 6808"/>
+            </a:avLst>
+          </a:prstGeom>
+          <a:solidFill>
+            <a:schemeClr val="accent1">
+              <a:lumMod val="50000"/>
+            </a:schemeClr>
+          </a:solidFill>
+          <a:ln>
+            <a:noFill/>
+          </a:ln>
+          <a:effectLst>
+            <a:outerShdw blurRad="50800" dist="38100" dir="5400000" algn="t" rotWithShape="0">
+              <a:prstClr val="black">
+                <a:alpha val="40000"/>
+              </a:prstClr>
+            </a:outerShdw>
+          </a:effectLst>
+        </p:spPr>
+        <p:style>
+          <a:lnRef idx="2">
+            <a:schemeClr val="accent1">
+              <a:shade val="50000"/>
+            </a:schemeClr>
+          </a:lnRef>
+          <a:fillRef idx="1">
+            <a:schemeClr val="accent1"/>
+          </a:fillRef>
+          <a:effectRef idx="0">
+            <a:schemeClr val="accent1"/>
+          </a:effectRef>
+          <a:fontRef idx="minor">
+            <a:schemeClr val="lt1"/>
+          </a:fontRef>
+        </p:style>
+        <p:txBody>
+          <a:bodyPr rtlCol="0" anchor="t"/>
+          <a:lstStyle/>
+          <a:p>
+            <a:pPr algn="ctr"/>
+            <a:r>
+              <a:rPr lang="en-US" sz="1100" dirty="0"/>
+              <a:t>Extensible shared storage</a:t>
+            </a:r>
+            <a:endParaRPr sz="1100" dirty="0"/>
+          </a:p>
+        </p:txBody>
+      </p:sp>
+      <p:sp>
+        <p:nvSpPr>
+          <p:cNvPr id="63" name="Rectangle 62">
+            <a:extLst>
+              <a:ext uri="{FF2B5EF4-FFF2-40B4-BE49-F238E27FC236}">
+                <a16:creationId xmlns:a16="http://schemas.microsoft.com/office/drawing/2014/main" id="{8273144B-0BDD-C84E-B3C1-AB25BC3BE53E}"/>
+              </a:ext>
+            </a:extLst>
+          </p:cNvPr>
+          <p:cNvSpPr/>
+          <p:nvPr/>
+        </p:nvSpPr>
+        <p:spPr>
+          <a:xfrm>
+            <a:off x="635520" y="5413898"/>
+            <a:ext cx="730430" cy="335803"/>
+          </a:xfrm>
+          <a:prstGeom prst="rect">
+            <a:avLst/>
+          </a:prstGeom>
+          <a:ln>
+            <a:noFill/>
+          </a:ln>
+        </p:spPr>
+        <p:style>
+          <a:lnRef idx="2">
+            <a:schemeClr val="accent1">
+              <a:shade val="50000"/>
+            </a:schemeClr>
+          </a:lnRef>
+          <a:fillRef idx="1">
+            <a:schemeClr val="accent1"/>
+          </a:fillRef>
+          <a:effectRef idx="0">
+            <a:schemeClr val="accent1"/>
+          </a:effectRef>
+          <a:fontRef idx="minor">
+            <a:schemeClr val="lt1"/>
+          </a:fontRef>
+        </p:style>
+        <p:txBody>
+          <a:bodyPr rtlCol="0" anchor="ctr"/>
+          <a:lstStyle/>
+          <a:p>
+            <a:pPr algn="ctr"/>
+            <a:r>
+              <a:rPr lang="en-US" sz="1200" dirty="0">
+                <a:solidFill>
+                  <a:srgbClr val="7030A0"/>
+                </a:solidFill>
+              </a:rPr>
+              <a:t>Data</a:t>
+            </a:r>
+            <a:endParaRPr sz="1200" dirty="0">
+              <a:solidFill>
+                <a:srgbClr val="7030A0"/>
+              </a:solidFill>
+            </a:endParaRPr>
+          </a:p>
+        </p:txBody>
+      </p:sp>
+      <p:sp>
+        <p:nvSpPr>
+          <p:cNvPr id="64" name="Rectangle 63">
+            <a:extLst>
+              <a:ext uri="{FF2B5EF4-FFF2-40B4-BE49-F238E27FC236}">
+                <a16:creationId xmlns:a16="http://schemas.microsoft.com/office/drawing/2014/main" id="{235D67B4-12A4-F347-9E17-C263A3836C63}"/>
+              </a:ext>
+            </a:extLst>
+          </p:cNvPr>
+          <p:cNvSpPr/>
+          <p:nvPr/>
+        </p:nvSpPr>
+        <p:spPr>
+          <a:xfrm>
+            <a:off x="4507792" y="5413898"/>
+            <a:ext cx="730430" cy="335803"/>
+          </a:xfrm>
+          <a:prstGeom prst="rect">
+            <a:avLst/>
+          </a:prstGeom>
+          <a:ln>
+            <a:noFill/>
+          </a:ln>
+        </p:spPr>
+        <p:style>
+          <a:lnRef idx="2">
+            <a:schemeClr val="accent1">
+              <a:shade val="50000"/>
+            </a:schemeClr>
+          </a:lnRef>
+          <a:fillRef idx="1">
+            <a:schemeClr val="accent1"/>
+          </a:fillRef>
+          <a:effectRef idx="0">
+            <a:schemeClr val="accent1"/>
+          </a:effectRef>
+          <a:fontRef idx="minor">
+            <a:schemeClr val="lt1"/>
+          </a:fontRef>
+        </p:style>
+        <p:txBody>
+          <a:bodyPr rtlCol="0" anchor="ctr"/>
+          <a:lstStyle/>
+          <a:p>
+            <a:pPr algn="ctr"/>
+            <a:r>
+              <a:rPr lang="en-US" sz="1200" dirty="0">
+                <a:solidFill>
+                  <a:srgbClr val="7030A0"/>
+                </a:solidFill>
+              </a:rPr>
+              <a:t>Data</a:t>
+            </a:r>
+            <a:endParaRPr sz="1200" dirty="0">
+              <a:solidFill>
+                <a:srgbClr val="7030A0"/>
+              </a:solidFill>
+            </a:endParaRPr>
+          </a:p>
+        </p:txBody>
+      </p:sp>
+      <p:sp>
+        <p:nvSpPr>
+          <p:cNvPr id="65" name="Rectangle 64">
+            <a:extLst>
+              <a:ext uri="{FF2B5EF4-FFF2-40B4-BE49-F238E27FC236}">
+                <a16:creationId xmlns:a16="http://schemas.microsoft.com/office/drawing/2014/main" id="{44F8DDF8-03F2-234A-9406-69643FD8F235}"/>
+              </a:ext>
+            </a:extLst>
+          </p:cNvPr>
+          <p:cNvSpPr/>
+          <p:nvPr/>
+        </p:nvSpPr>
+        <p:spPr>
+          <a:xfrm>
+            <a:off x="2329379" y="5413898"/>
+            <a:ext cx="730430" cy="335803"/>
+          </a:xfrm>
+          <a:prstGeom prst="rect">
+            <a:avLst/>
+          </a:prstGeom>
+          <a:ln>
+            <a:noFill/>
+          </a:ln>
+        </p:spPr>
+        <p:style>
+          <a:lnRef idx="2">
+            <a:schemeClr val="accent1">
+              <a:shade val="50000"/>
+            </a:schemeClr>
+          </a:lnRef>
+          <a:fillRef idx="1">
+            <a:schemeClr val="accent1"/>
+          </a:fillRef>
+          <a:effectRef idx="0">
+            <a:schemeClr val="accent1"/>
+          </a:effectRef>
+          <a:fontRef idx="minor">
+            <a:schemeClr val="lt1"/>
+          </a:fontRef>
+        </p:style>
+        <p:txBody>
+          <a:bodyPr rtlCol="0" anchor="ctr"/>
+          <a:lstStyle/>
+          <a:p>
+            <a:pPr algn="ctr"/>
+            <a:r>
+              <a:rPr lang="en-US" sz="1200" dirty="0">
+                <a:solidFill>
+                  <a:srgbClr val="7030A0"/>
+                </a:solidFill>
+              </a:rPr>
+              <a:t>Data</a:t>
+            </a:r>
+            <a:endParaRPr sz="1200" dirty="0">
+              <a:solidFill>
+                <a:srgbClr val="7030A0"/>
+              </a:solidFill>
+            </a:endParaRPr>
+          </a:p>
+        </p:txBody>
+      </p:sp>
+      <p:sp>
+        <p:nvSpPr>
+          <p:cNvPr id="66" name="Rectangle 65">
+            <a:extLst>
+              <a:ext uri="{FF2B5EF4-FFF2-40B4-BE49-F238E27FC236}">
+                <a16:creationId xmlns:a16="http://schemas.microsoft.com/office/drawing/2014/main" id="{B741BA2A-8ED2-8944-A879-C6B7BEF641AE}"/>
+              </a:ext>
+            </a:extLst>
+          </p:cNvPr>
+          <p:cNvSpPr/>
+          <p:nvPr/>
+        </p:nvSpPr>
+        <p:spPr>
+          <a:xfrm>
+            <a:off x="6588565" y="5413898"/>
+            <a:ext cx="730430" cy="335803"/>
+          </a:xfrm>
+          <a:prstGeom prst="rect">
+            <a:avLst/>
+          </a:prstGeom>
+          <a:ln>
+            <a:noFill/>
+          </a:ln>
+        </p:spPr>
+        <p:style>
+          <a:lnRef idx="2">
+            <a:schemeClr val="accent1">
+              <a:shade val="50000"/>
+            </a:schemeClr>
+          </a:lnRef>
+          <a:fillRef idx="1">
+            <a:schemeClr val="accent1"/>
+          </a:fillRef>
+          <a:effectRef idx="0">
+            <a:schemeClr val="accent1"/>
+          </a:effectRef>
+          <a:fontRef idx="minor">
+            <a:schemeClr val="lt1"/>
+          </a:fontRef>
+        </p:style>
+        <p:txBody>
+          <a:bodyPr rtlCol="0" anchor="ctr"/>
+          <a:lstStyle/>
+          <a:p>
+            <a:pPr algn="ctr"/>
+            <a:r>
+              <a:rPr lang="en-US" sz="1200" dirty="0">
+                <a:solidFill>
+                  <a:srgbClr val="7030A0"/>
+                </a:solidFill>
+              </a:rPr>
+              <a:t>Data</a:t>
+            </a:r>
+            <a:endParaRPr sz="1200" dirty="0">
+              <a:solidFill>
+                <a:srgbClr val="7030A0"/>
+              </a:solidFill>
+            </a:endParaRPr>
+          </a:p>
+        </p:txBody>
+      </p:sp>
+      <p:sp>
+        <p:nvSpPr>
+          <p:cNvPr id="67" name="Rectangle 66">
+            <a:extLst>
+              <a:ext uri="{FF2B5EF4-FFF2-40B4-BE49-F238E27FC236}">
+                <a16:creationId xmlns:a16="http://schemas.microsoft.com/office/drawing/2014/main" id="{94331B66-A3BD-EB42-B675-FC15358FE63A}"/>
+              </a:ext>
+            </a:extLst>
+          </p:cNvPr>
+          <p:cNvSpPr/>
+          <p:nvPr/>
+        </p:nvSpPr>
+        <p:spPr>
+          <a:xfrm>
+            <a:off x="8431757" y="5413898"/>
+            <a:ext cx="730430" cy="335803"/>
+          </a:xfrm>
+          <a:prstGeom prst="rect">
+            <a:avLst/>
+          </a:prstGeom>
+          <a:ln>
+            <a:noFill/>
+          </a:ln>
+        </p:spPr>
+        <p:style>
+          <a:lnRef idx="2">
+            <a:schemeClr val="accent1">
+              <a:shade val="50000"/>
+            </a:schemeClr>
+          </a:lnRef>
+          <a:fillRef idx="1">
+            <a:schemeClr val="accent1"/>
+          </a:fillRef>
+          <a:effectRef idx="0">
+            <a:schemeClr val="accent1"/>
+          </a:effectRef>
+          <a:fontRef idx="minor">
+            <a:schemeClr val="lt1"/>
+          </a:fontRef>
+        </p:style>
+        <p:txBody>
+          <a:bodyPr rtlCol="0" anchor="ctr"/>
+          <a:lstStyle/>
+          <a:p>
+            <a:pPr algn="ctr"/>
+            <a:r>
+              <a:rPr lang="en-US" sz="1200" dirty="0">
+                <a:solidFill>
+                  <a:srgbClr val="7030A0"/>
+                </a:solidFill>
+              </a:rPr>
+              <a:t>Data</a:t>
+            </a:r>
+            <a:endParaRPr sz="1200" dirty="0">
+              <a:solidFill>
+                <a:srgbClr val="7030A0"/>
+              </a:solidFill>
+            </a:endParaRPr>
+          </a:p>
+        </p:txBody>
+      </p:sp>
+      <p:sp>
+        <p:nvSpPr>
+          <p:cNvPr id="68" name="Rectangle 67">
+            <a:extLst>
+              <a:ext uri="{FF2B5EF4-FFF2-40B4-BE49-F238E27FC236}">
+                <a16:creationId xmlns:a16="http://schemas.microsoft.com/office/drawing/2014/main" id="{EEEAE229-535A-AE47-904B-349963D1FBF0}"/>
+              </a:ext>
+            </a:extLst>
+          </p:cNvPr>
+          <p:cNvSpPr/>
+          <p:nvPr/>
+        </p:nvSpPr>
+        <p:spPr>
+          <a:xfrm>
+            <a:off x="9990073" y="5413898"/>
+            <a:ext cx="730430" cy="335803"/>
+          </a:xfrm>
+          <a:prstGeom prst="rect">
+            <a:avLst/>
+          </a:prstGeom>
+          <a:ln>
+            <a:noFill/>
+          </a:ln>
+        </p:spPr>
+        <p:style>
+          <a:lnRef idx="2">
+            <a:schemeClr val="accent1">
+              <a:shade val="50000"/>
+            </a:schemeClr>
+          </a:lnRef>
+          <a:fillRef idx="1">
+            <a:schemeClr val="accent1"/>
+          </a:fillRef>
+          <a:effectRef idx="0">
+            <a:schemeClr val="accent1"/>
+          </a:effectRef>
+          <a:fontRef idx="minor">
+            <a:schemeClr val="lt1"/>
+          </a:fontRef>
+        </p:style>
+        <p:txBody>
+          <a:bodyPr rtlCol="0" anchor="ctr"/>
+          <a:lstStyle/>
+          <a:p>
+            <a:pPr algn="ctr"/>
+            <a:r>
+              <a:rPr lang="en-US" sz="1200" dirty="0">
+                <a:solidFill>
+                  <a:srgbClr val="7030A0"/>
+                </a:solidFill>
+              </a:rPr>
+              <a:t>Data</a:t>
+            </a:r>
+            <a:endParaRPr sz="1200" dirty="0">
+              <a:solidFill>
+                <a:srgbClr val="7030A0"/>
+              </a:solidFill>
+            </a:endParaRPr>
+          </a:p>
+        </p:txBody>
+      </p:sp>
+    </p:spTree>
+    <p:extLst>
+      <p:ext uri="{BB962C8B-B14F-4D97-AF65-F5344CB8AC3E}">
+        <p14:creationId xmlns:p14="http://schemas.microsoft.com/office/powerpoint/2010/main" val="1041327355"/>
       </p:ext>
     </p:extLst>
   </p:cSld>

--- a/docs/Diagrams.pptx
+++ b/docs/Diagrams.pptx
@@ -6,12 +6,15 @@
     <p:sldMasterId id="2147484308" r:id="rId2"/>
   </p:sldMasterIdLst>
   <p:notesMasterIdLst>
-    <p:notesMasterId r:id="rId6"/>
+    <p:notesMasterId r:id="rId9"/>
   </p:notesMasterIdLst>
   <p:sldIdLst>
     <p:sldId id="2670" r:id="rId3"/>
     <p:sldId id="2671" r:id="rId4"/>
     <p:sldId id="2672" r:id="rId5"/>
+    <p:sldId id="2673" r:id="rId6"/>
+    <p:sldId id="2674" r:id="rId7"/>
+    <p:sldId id="2675" r:id="rId8"/>
   </p:sldIdLst>
   <p:sldSz cx="12192000" cy="6858000"/>
   <p:notesSz cx="7086600" cy="9372600"/>
@@ -274,7 +277,7 @@
               <a:pPr>
                 <a:defRPr/>
               </a:pPr>
-              <a:t>11/26/20</a:t>
+              <a:t>11/27/20</a:t>
             </a:fld>
             <a:endParaRPr lang="en-US"/>
           </a:p>
@@ -594,6 +597,366 @@
     </a:lvl9pPr>
   </p:notesStyle>
 </p:notesMaster>
+</file>
+
+<file path=ppt/notesSlides/notesSlide1.xml><?xml version="1.0" encoding="utf-8"?>
+<p:notes xmlns:a="http://schemas.openxmlformats.org/drawingml/2006/main" xmlns:r="http://schemas.openxmlformats.org/officeDocument/2006/relationships" xmlns:p="http://schemas.openxmlformats.org/presentationml/2006/main">
+  <p:cSld>
+    <p:spTree>
+      <p:nvGrpSpPr>
+        <p:cNvPr id="1" name=""/>
+        <p:cNvGrpSpPr/>
+        <p:nvPr/>
+      </p:nvGrpSpPr>
+      <p:grpSpPr>
+        <a:xfrm>
+          <a:off x="0" y="0"/>
+          <a:ext cx="0" cy="0"/>
+          <a:chOff x="0" y="0"/>
+          <a:chExt cx="0" cy="0"/>
+        </a:xfrm>
+      </p:grpSpPr>
+      <p:sp>
+        <p:nvSpPr>
+          <p:cNvPr id="2" name="Slide Image Placeholder 1"/>
+          <p:cNvSpPr>
+            <a:spLocks noGrp="1" noRot="1" noChangeAspect="1"/>
+          </p:cNvSpPr>
+          <p:nvPr>
+            <p:ph type="sldImg"/>
+          </p:nvPr>
+        </p:nvSpPr>
+        <p:spPr/>
+      </p:sp>
+      <p:sp>
+        <p:nvSpPr>
+          <p:cNvPr id="3" name="Notes Placeholder 2"/>
+          <p:cNvSpPr>
+            <a:spLocks noGrp="1"/>
+          </p:cNvSpPr>
+          <p:nvPr>
+            <p:ph type="body" idx="1"/>
+          </p:nvPr>
+        </p:nvSpPr>
+        <p:spPr/>
+        <p:txBody>
+          <a:bodyPr/>
+          <a:lstStyle/>
+          <a:p>
+            <a:endParaRPr/>
+          </a:p>
+        </p:txBody>
+      </p:sp>
+      <p:sp>
+        <p:nvSpPr>
+          <p:cNvPr id="4" name="Slide Number Placeholder 3"/>
+          <p:cNvSpPr>
+            <a:spLocks noGrp="1"/>
+          </p:cNvSpPr>
+          <p:nvPr>
+            <p:ph type="sldNum" sz="quarter" idx="5"/>
+          </p:nvPr>
+        </p:nvSpPr>
+        <p:spPr/>
+        <p:txBody>
+          <a:bodyPr/>
+          <a:lstStyle/>
+          <a:p>
+            <a:pPr>
+              <a:defRPr/>
+            </a:pPr>
+            <a:fld id="{06AAAE1B-F6B9-4FCD-B9AB-4A0AD0AFAC97}" type="slidenum">
+              <a:rPr lang="en-US" altLang="en-US" smtClean="0"/>
+              <a:pPr>
+                <a:defRPr/>
+              </a:pPr>
+              <a:t>1</a:t>
+            </a:fld>
+            <a:endParaRPr lang="en-US" altLang="en-US"/>
+          </a:p>
+        </p:txBody>
+      </p:sp>
+    </p:spTree>
+    <p:extLst>
+      <p:ext uri="{BB962C8B-B14F-4D97-AF65-F5344CB8AC3E}">
+        <p14:creationId xmlns:p14="http://schemas.microsoft.com/office/powerpoint/2010/main" val="2848364426"/>
+      </p:ext>
+    </p:extLst>
+  </p:cSld>
+  <p:clrMapOvr>
+    <a:masterClrMapping/>
+  </p:clrMapOvr>
+</p:notes>
+</file>
+
+<file path=ppt/notesSlides/notesSlide2.xml><?xml version="1.0" encoding="utf-8"?>
+<p:notes xmlns:a="http://schemas.openxmlformats.org/drawingml/2006/main" xmlns:r="http://schemas.openxmlformats.org/officeDocument/2006/relationships" xmlns:p="http://schemas.openxmlformats.org/presentationml/2006/main">
+  <p:cSld>
+    <p:spTree>
+      <p:nvGrpSpPr>
+        <p:cNvPr id="1" name=""/>
+        <p:cNvGrpSpPr/>
+        <p:nvPr/>
+      </p:nvGrpSpPr>
+      <p:grpSpPr>
+        <a:xfrm>
+          <a:off x="0" y="0"/>
+          <a:ext cx="0" cy="0"/>
+          <a:chOff x="0" y="0"/>
+          <a:chExt cx="0" cy="0"/>
+        </a:xfrm>
+      </p:grpSpPr>
+      <p:sp>
+        <p:nvSpPr>
+          <p:cNvPr id="2" name="Slide Image Placeholder 1"/>
+          <p:cNvSpPr>
+            <a:spLocks noGrp="1" noRot="1" noChangeAspect="1"/>
+          </p:cNvSpPr>
+          <p:nvPr>
+            <p:ph type="sldImg"/>
+          </p:nvPr>
+        </p:nvSpPr>
+        <p:spPr/>
+      </p:sp>
+      <p:sp>
+        <p:nvSpPr>
+          <p:cNvPr id="3" name="Notes Placeholder 2"/>
+          <p:cNvSpPr>
+            <a:spLocks noGrp="1"/>
+          </p:cNvSpPr>
+          <p:nvPr>
+            <p:ph type="body" idx="1"/>
+          </p:nvPr>
+        </p:nvSpPr>
+        <p:spPr/>
+        <p:txBody>
+          <a:bodyPr/>
+          <a:lstStyle/>
+          <a:p>
+            <a:endParaRPr/>
+          </a:p>
+        </p:txBody>
+      </p:sp>
+      <p:sp>
+        <p:nvSpPr>
+          <p:cNvPr id="4" name="Slide Number Placeholder 3"/>
+          <p:cNvSpPr>
+            <a:spLocks noGrp="1"/>
+          </p:cNvSpPr>
+          <p:nvPr>
+            <p:ph type="sldNum" sz="quarter" idx="5"/>
+          </p:nvPr>
+        </p:nvSpPr>
+        <p:spPr/>
+        <p:txBody>
+          <a:bodyPr/>
+          <a:lstStyle/>
+          <a:p>
+            <a:pPr>
+              <a:defRPr/>
+            </a:pPr>
+            <a:fld id="{06AAAE1B-F6B9-4FCD-B9AB-4A0AD0AFAC97}" type="slidenum">
+              <a:rPr lang="en-US" altLang="en-US" smtClean="0"/>
+              <a:pPr>
+                <a:defRPr/>
+              </a:pPr>
+              <a:t>3</a:t>
+            </a:fld>
+            <a:endParaRPr lang="en-US" altLang="en-US"/>
+          </a:p>
+        </p:txBody>
+      </p:sp>
+    </p:spTree>
+    <p:extLst>
+      <p:ext uri="{BB962C8B-B14F-4D97-AF65-F5344CB8AC3E}">
+        <p14:creationId xmlns:p14="http://schemas.microsoft.com/office/powerpoint/2010/main" val="2604021394"/>
+      </p:ext>
+    </p:extLst>
+  </p:cSld>
+  <p:clrMapOvr>
+    <a:masterClrMapping/>
+  </p:clrMapOvr>
+</p:notes>
+</file>
+
+<file path=ppt/notesSlides/notesSlide3.xml><?xml version="1.0" encoding="utf-8"?>
+<p:notes xmlns:a="http://schemas.openxmlformats.org/drawingml/2006/main" xmlns:r="http://schemas.openxmlformats.org/officeDocument/2006/relationships" xmlns:p="http://schemas.openxmlformats.org/presentationml/2006/main">
+  <p:cSld>
+    <p:spTree>
+      <p:nvGrpSpPr>
+        <p:cNvPr id="1" name=""/>
+        <p:cNvGrpSpPr/>
+        <p:nvPr/>
+      </p:nvGrpSpPr>
+      <p:grpSpPr>
+        <a:xfrm>
+          <a:off x="0" y="0"/>
+          <a:ext cx="0" cy="0"/>
+          <a:chOff x="0" y="0"/>
+          <a:chExt cx="0" cy="0"/>
+        </a:xfrm>
+      </p:grpSpPr>
+      <p:sp>
+        <p:nvSpPr>
+          <p:cNvPr id="2" name="Slide Image Placeholder 1"/>
+          <p:cNvSpPr>
+            <a:spLocks noGrp="1" noRot="1" noChangeAspect="1"/>
+          </p:cNvSpPr>
+          <p:nvPr>
+            <p:ph type="sldImg"/>
+          </p:nvPr>
+        </p:nvSpPr>
+        <p:spPr/>
+      </p:sp>
+      <p:sp>
+        <p:nvSpPr>
+          <p:cNvPr id="3" name="Notes Placeholder 2"/>
+          <p:cNvSpPr>
+            <a:spLocks noGrp="1"/>
+          </p:cNvSpPr>
+          <p:nvPr>
+            <p:ph type="body" idx="1"/>
+          </p:nvPr>
+        </p:nvSpPr>
+        <p:spPr/>
+        <p:txBody>
+          <a:bodyPr/>
+          <a:lstStyle/>
+          <a:p>
+            <a:endParaRPr/>
+          </a:p>
+        </p:txBody>
+      </p:sp>
+      <p:sp>
+        <p:nvSpPr>
+          <p:cNvPr id="4" name="Slide Number Placeholder 3"/>
+          <p:cNvSpPr>
+            <a:spLocks noGrp="1"/>
+          </p:cNvSpPr>
+          <p:nvPr>
+            <p:ph type="sldNum" sz="quarter" idx="5"/>
+          </p:nvPr>
+        </p:nvSpPr>
+        <p:spPr/>
+        <p:txBody>
+          <a:bodyPr/>
+          <a:lstStyle/>
+          <a:p>
+            <a:pPr>
+              <a:defRPr/>
+            </a:pPr>
+            <a:fld id="{06AAAE1B-F6B9-4FCD-B9AB-4A0AD0AFAC97}" type="slidenum">
+              <a:rPr lang="en-US" altLang="en-US" smtClean="0"/>
+              <a:pPr>
+                <a:defRPr/>
+              </a:pPr>
+              <a:t>4</a:t>
+            </a:fld>
+            <a:endParaRPr lang="en-US" altLang="en-US"/>
+          </a:p>
+        </p:txBody>
+      </p:sp>
+    </p:spTree>
+    <p:extLst>
+      <p:ext uri="{BB962C8B-B14F-4D97-AF65-F5344CB8AC3E}">
+        <p14:creationId xmlns:p14="http://schemas.microsoft.com/office/powerpoint/2010/main" val="2495137763"/>
+      </p:ext>
+    </p:extLst>
+  </p:cSld>
+  <p:clrMapOvr>
+    <a:masterClrMapping/>
+  </p:clrMapOvr>
+</p:notes>
+</file>
+
+<file path=ppt/notesSlides/notesSlide4.xml><?xml version="1.0" encoding="utf-8"?>
+<p:notes xmlns:a="http://schemas.openxmlformats.org/drawingml/2006/main" xmlns:r="http://schemas.openxmlformats.org/officeDocument/2006/relationships" xmlns:p="http://schemas.openxmlformats.org/presentationml/2006/main">
+  <p:cSld>
+    <p:spTree>
+      <p:nvGrpSpPr>
+        <p:cNvPr id="1" name=""/>
+        <p:cNvGrpSpPr/>
+        <p:nvPr/>
+      </p:nvGrpSpPr>
+      <p:grpSpPr>
+        <a:xfrm>
+          <a:off x="0" y="0"/>
+          <a:ext cx="0" cy="0"/>
+          <a:chOff x="0" y="0"/>
+          <a:chExt cx="0" cy="0"/>
+        </a:xfrm>
+      </p:grpSpPr>
+      <p:sp>
+        <p:nvSpPr>
+          <p:cNvPr id="2" name="Slide Image Placeholder 1"/>
+          <p:cNvSpPr>
+            <a:spLocks noGrp="1" noRot="1" noChangeAspect="1"/>
+          </p:cNvSpPr>
+          <p:nvPr>
+            <p:ph type="sldImg"/>
+          </p:nvPr>
+        </p:nvSpPr>
+        <p:spPr/>
+      </p:sp>
+      <p:sp>
+        <p:nvSpPr>
+          <p:cNvPr id="3" name="Notes Placeholder 2"/>
+          <p:cNvSpPr>
+            <a:spLocks noGrp="1"/>
+          </p:cNvSpPr>
+          <p:nvPr>
+            <p:ph type="body" idx="1"/>
+          </p:nvPr>
+        </p:nvSpPr>
+        <p:spPr/>
+        <p:txBody>
+          <a:bodyPr/>
+          <a:lstStyle/>
+          <a:p>
+            <a:endParaRPr/>
+          </a:p>
+        </p:txBody>
+      </p:sp>
+      <p:sp>
+        <p:nvSpPr>
+          <p:cNvPr id="4" name="Slide Number Placeholder 3"/>
+          <p:cNvSpPr>
+            <a:spLocks noGrp="1"/>
+          </p:cNvSpPr>
+          <p:nvPr>
+            <p:ph type="sldNum" sz="quarter" idx="5"/>
+          </p:nvPr>
+        </p:nvSpPr>
+        <p:spPr/>
+        <p:txBody>
+          <a:bodyPr/>
+          <a:lstStyle/>
+          <a:p>
+            <a:pPr>
+              <a:defRPr/>
+            </a:pPr>
+            <a:fld id="{06AAAE1B-F6B9-4FCD-B9AB-4A0AD0AFAC97}" type="slidenum">
+              <a:rPr lang="en-US" altLang="en-US" smtClean="0"/>
+              <a:pPr>
+                <a:defRPr/>
+              </a:pPr>
+              <a:t>5</a:t>
+            </a:fld>
+            <a:endParaRPr lang="en-US" altLang="en-US"/>
+          </a:p>
+        </p:txBody>
+      </p:sp>
+    </p:spTree>
+    <p:extLst>
+      <p:ext uri="{BB962C8B-B14F-4D97-AF65-F5344CB8AC3E}">
+        <p14:creationId xmlns:p14="http://schemas.microsoft.com/office/powerpoint/2010/main" val="1143280568"/>
+      </p:ext>
+    </p:extLst>
+  </p:cSld>
+  <p:clrMapOvr>
+    <a:masterClrMapping/>
+  </p:clrMapOvr>
+</p:notes>
 </file>
 
 <file path=ppt/slideLayouts/slideLayout1.xml><?xml version="1.0" encoding="utf-8"?>
@@ -8326,7 +8689,7 @@
         </p:nvGrpSpPr>
         <p:grpSpPr>
           <a:xfrm>
-            <a:off x="10744081" y="2387153"/>
+            <a:off x="9258181" y="3377753"/>
             <a:ext cx="963142" cy="657237"/>
             <a:chOff x="8616636" y="-1755543"/>
             <a:chExt cx="963142" cy="657237"/>
@@ -8390,7 +8753,7 @@
             <a:effectLst/>
             <a:extLst>
               <a:ext uri="{C572A759-6A51-4108-AA02-DFA0A04FC94B}">
-                <ma14:wrappingTextBoxFlag xmlns="" xmlns:ma14="http://schemas.microsoft.com/office/mac/drawingml/2011/main" val="1"/>
+                <ma14:wrappingTextBoxFlag xmlns:ma14="http://schemas.microsoft.com/office/mac/drawingml/2011/main" xmlns="" val="1"/>
               </a:ext>
             </a:extLst>
           </p:spPr>
@@ -8442,7 +8805,7 @@
         </p:nvGrpSpPr>
         <p:grpSpPr>
           <a:xfrm>
-            <a:off x="9867950" y="4281391"/>
+            <a:off x="8517529" y="4480141"/>
             <a:ext cx="548640" cy="785180"/>
             <a:chOff x="7390429" y="-1789102"/>
             <a:chExt cx="548640" cy="785180"/>
@@ -8506,7 +8869,7 @@
             <a:effectLst/>
             <a:extLst>
               <a:ext uri="{C572A759-6A51-4108-AA02-DFA0A04FC94B}">
-                <ma14:wrappingTextBoxFlag xmlns="" xmlns:ma14="http://schemas.microsoft.com/office/mac/drawingml/2011/main" val="1"/>
+                <ma14:wrappingTextBoxFlag xmlns:ma14="http://schemas.microsoft.com/office/mac/drawingml/2011/main" xmlns="" val="1"/>
               </a:ext>
             </a:extLst>
           </p:spPr>
@@ -8558,60 +8921,66 @@
         </p:nvSpPr>
         <p:spPr>
           <a:xfrm>
-            <a:off x="6992014" y="2237856"/>
-            <a:ext cx="4726322" cy="1953144"/>
+            <a:off x="5181600" y="3228456"/>
+            <a:ext cx="5050836" cy="1953144"/>
           </a:xfrm>
           <a:custGeom>
             <a:avLst/>
             <a:gdLst>
-              <a:gd name="connsiteX0" fmla="*/ 0 w 4726322"/>
+              <a:gd name="connsiteX0" fmla="*/ 0 w 5050836"/>
               <a:gd name="connsiteY0" fmla="*/ 0 h 1953144"/>
-              <a:gd name="connsiteX1" fmla="*/ 543527 w 4726322"/>
+              <a:gd name="connsiteX1" fmla="*/ 510696 w 5050836"/>
               <a:gd name="connsiteY1" fmla="*/ 0 h 1953144"/>
-              <a:gd name="connsiteX2" fmla="*/ 992528 w 4726322"/>
+              <a:gd name="connsiteX2" fmla="*/ 920375 w 5050836"/>
               <a:gd name="connsiteY2" fmla="*/ 0 h 1953144"/>
-              <a:gd name="connsiteX3" fmla="*/ 1677844 w 4726322"/>
+              <a:gd name="connsiteX3" fmla="*/ 1582595 w 5050836"/>
               <a:gd name="connsiteY3" fmla="*/ 0 h 1953144"/>
-              <a:gd name="connsiteX4" fmla="*/ 2221371 w 4726322"/>
+              <a:gd name="connsiteX4" fmla="*/ 2093291 w 5050836"/>
               <a:gd name="connsiteY4" fmla="*/ 0 h 1953144"/>
-              <a:gd name="connsiteX5" fmla="*/ 2764898 w 4726322"/>
+              <a:gd name="connsiteX5" fmla="*/ 2603987 w 5050836"/>
               <a:gd name="connsiteY5" fmla="*/ 0 h 1953144"/>
-              <a:gd name="connsiteX6" fmla="*/ 3450215 w 4726322"/>
+              <a:gd name="connsiteX6" fmla="*/ 3266207 w 5050836"/>
               <a:gd name="connsiteY6" fmla="*/ 0 h 1953144"/>
-              <a:gd name="connsiteX7" fmla="*/ 3946479 w 4726322"/>
+              <a:gd name="connsiteX7" fmla="*/ 3726395 w 5050836"/>
               <a:gd name="connsiteY7" fmla="*/ 0 h 1953144"/>
-              <a:gd name="connsiteX8" fmla="*/ 4726322 w 4726322"/>
+              <a:gd name="connsiteX8" fmla="*/ 4388615 w 5050836"/>
               <a:gd name="connsiteY8" fmla="*/ 0 h 1953144"/>
-              <a:gd name="connsiteX9" fmla="*/ 4726322 w 4726322"/>
-              <a:gd name="connsiteY9" fmla="*/ 527349 h 1953144"/>
-              <a:gd name="connsiteX10" fmla="*/ 4726322 w 4726322"/>
-              <a:gd name="connsiteY10" fmla="*/ 976572 h 1953144"/>
-              <a:gd name="connsiteX11" fmla="*/ 4726322 w 4726322"/>
-              <a:gd name="connsiteY11" fmla="*/ 1464858 h 1953144"/>
-              <a:gd name="connsiteX12" fmla="*/ 4726322 w 4726322"/>
-              <a:gd name="connsiteY12" fmla="*/ 1953144 h 1953144"/>
-              <a:gd name="connsiteX13" fmla="*/ 4277321 w 4726322"/>
+              <a:gd name="connsiteX9" fmla="*/ 5050836 w 5050836"/>
+              <a:gd name="connsiteY9" fmla="*/ 0 h 1953144"/>
+              <a:gd name="connsiteX10" fmla="*/ 5050836 w 5050836"/>
+              <a:gd name="connsiteY10" fmla="*/ 488286 h 1953144"/>
+              <a:gd name="connsiteX11" fmla="*/ 5050836 w 5050836"/>
+              <a:gd name="connsiteY11" fmla="*/ 976572 h 1953144"/>
+              <a:gd name="connsiteX12" fmla="*/ 5050836 w 5050836"/>
+              <a:gd name="connsiteY12" fmla="*/ 1484389 h 1953144"/>
+              <a:gd name="connsiteX13" fmla="*/ 5050836 w 5050836"/>
               <a:gd name="connsiteY13" fmla="*/ 1953144 h 1953144"/>
-              <a:gd name="connsiteX14" fmla="*/ 3592005 w 4726322"/>
+              <a:gd name="connsiteX14" fmla="*/ 4489632 w 5050836"/>
               <a:gd name="connsiteY14" fmla="*/ 1953144 h 1953144"/>
-              <a:gd name="connsiteX15" fmla="*/ 3095741 w 4726322"/>
+              <a:gd name="connsiteX15" fmla="*/ 4029445 w 5050836"/>
               <a:gd name="connsiteY15" fmla="*/ 1953144 h 1953144"/>
-              <a:gd name="connsiteX16" fmla="*/ 2504951 w 4726322"/>
+              <a:gd name="connsiteX16" fmla="*/ 3468241 w 5050836"/>
               <a:gd name="connsiteY16" fmla="*/ 1953144 h 1953144"/>
-              <a:gd name="connsiteX17" fmla="*/ 1819634 w 4726322"/>
+              <a:gd name="connsiteX17" fmla="*/ 2806020 w 5050836"/>
               <a:gd name="connsiteY17" fmla="*/ 1953144 h 1953144"/>
-              <a:gd name="connsiteX18" fmla="*/ 1228844 w 4726322"/>
+              <a:gd name="connsiteX18" fmla="*/ 2244816 w 5050836"/>
               <a:gd name="connsiteY18" fmla="*/ 1953144 h 1953144"/>
-              <a:gd name="connsiteX19" fmla="*/ 779843 w 4726322"/>
+              <a:gd name="connsiteX19" fmla="*/ 1835137 w 5050836"/>
               <a:gd name="connsiteY19" fmla="*/ 1953144 h 1953144"/>
-              <a:gd name="connsiteX20" fmla="*/ 0 w 4726322"/>
+              <a:gd name="connsiteX20" fmla="*/ 1374950 w 5050836"/>
               <a:gd name="connsiteY20" fmla="*/ 1953144 h 1953144"/>
-              <a:gd name="connsiteX21" fmla="*/ 0 w 4726322"/>
-              <a:gd name="connsiteY21" fmla="*/ 1425795 h 1953144"/>
-              <a:gd name="connsiteX22" fmla="*/ 0 w 4726322"/>
-              <a:gd name="connsiteY22" fmla="*/ 898446 h 1953144"/>
-              <a:gd name="connsiteX23" fmla="*/ 0 w 4726322"/>
-              <a:gd name="connsiteY23" fmla="*/ 0 h 1953144"/>
+              <a:gd name="connsiteX21" fmla="*/ 712729 w 5050836"/>
+              <a:gd name="connsiteY21" fmla="*/ 1953144 h 1953144"/>
+              <a:gd name="connsiteX22" fmla="*/ 0 w 5050836"/>
+              <a:gd name="connsiteY22" fmla="*/ 1953144 h 1953144"/>
+              <a:gd name="connsiteX23" fmla="*/ 0 w 5050836"/>
+              <a:gd name="connsiteY23" fmla="*/ 1503921 h 1953144"/>
+              <a:gd name="connsiteX24" fmla="*/ 0 w 5050836"/>
+              <a:gd name="connsiteY24" fmla="*/ 1035166 h 1953144"/>
+              <a:gd name="connsiteX25" fmla="*/ 0 w 5050836"/>
+              <a:gd name="connsiteY25" fmla="*/ 605475 h 1953144"/>
+              <a:gd name="connsiteX26" fmla="*/ 0 w 5050836"/>
+              <a:gd name="connsiteY26" fmla="*/ 0 h 1953144"/>
             </a:gdLst>
             <a:ahLst/>
             <a:cxnLst>
@@ -8687,126 +9056,150 @@
               <a:cxn ang="0">
                 <a:pos x="connsiteX23" y="connsiteY23"/>
               </a:cxn>
+              <a:cxn ang="0">
+                <a:pos x="connsiteX24" y="connsiteY24"/>
+              </a:cxn>
+              <a:cxn ang="0">
+                <a:pos x="connsiteX25" y="connsiteY25"/>
+              </a:cxn>
+              <a:cxn ang="0">
+                <a:pos x="connsiteX26" y="connsiteY26"/>
+              </a:cxn>
             </a:cxnLst>
             <a:rect l="l" t="t" r="r" b="b"/>
             <a:pathLst>
-              <a:path w="4726322" h="1953144" extrusionOk="0">
+              <a:path w="5050836" h="1953144" extrusionOk="0">
                 <a:moveTo>
                   <a:pt x="0" y="0"/>
                 </a:moveTo>
                 <a:cubicBezTo>
-                  <a:pt x="129117" y="-2557"/>
-                  <a:pt x="419267" y="25670"/>
-                  <a:pt x="543527" y="0"/>
-                </a:cubicBezTo>
-                <a:cubicBezTo>
-                  <a:pt x="667787" y="-25670"/>
-                  <a:pt x="859280" y="40777"/>
-                  <a:pt x="992528" y="0"/>
-                </a:cubicBezTo>
-                <a:cubicBezTo>
-                  <a:pt x="1125776" y="-40777"/>
-                  <a:pt x="1389855" y="14608"/>
-                  <a:pt x="1677844" y="0"/>
-                </a:cubicBezTo>
-                <a:cubicBezTo>
-                  <a:pt x="1965833" y="-14608"/>
-                  <a:pt x="2060292" y="58425"/>
-                  <a:pt x="2221371" y="0"/>
-                </a:cubicBezTo>
-                <a:cubicBezTo>
-                  <a:pt x="2382450" y="-58425"/>
-                  <a:pt x="2631511" y="1082"/>
-                  <a:pt x="2764898" y="0"/>
-                </a:cubicBezTo>
-                <a:cubicBezTo>
-                  <a:pt x="2898285" y="-1082"/>
-                  <a:pt x="3233646" y="45443"/>
-                  <a:pt x="3450215" y="0"/>
-                </a:cubicBezTo>
-                <a:cubicBezTo>
-                  <a:pt x="3666784" y="-45443"/>
-                  <a:pt x="3793453" y="37571"/>
-                  <a:pt x="3946479" y="0"/>
-                </a:cubicBezTo>
-                <a:cubicBezTo>
-                  <a:pt x="4099505" y="-37571"/>
-                  <a:pt x="4360471" y="32929"/>
-                  <a:pt x="4726322" y="0"/>
-                </a:cubicBezTo>
-                <a:cubicBezTo>
-                  <a:pt x="4768650" y="170619"/>
-                  <a:pt x="4716571" y="330728"/>
-                  <a:pt x="4726322" y="527349"/>
-                </a:cubicBezTo>
-                <a:cubicBezTo>
-                  <a:pt x="4736073" y="723970"/>
-                  <a:pt x="4692192" y="868284"/>
-                  <a:pt x="4726322" y="976572"/>
-                </a:cubicBezTo>
-                <a:cubicBezTo>
-                  <a:pt x="4760452" y="1084860"/>
-                  <a:pt x="4698421" y="1305193"/>
-                  <a:pt x="4726322" y="1464858"/>
-                </a:cubicBezTo>
-                <a:cubicBezTo>
-                  <a:pt x="4754223" y="1624523"/>
-                  <a:pt x="4695738" y="1847876"/>
-                  <a:pt x="4726322" y="1953144"/>
-                </a:cubicBezTo>
-                <a:cubicBezTo>
-                  <a:pt x="4570024" y="1984188"/>
-                  <a:pt x="4496299" y="1950414"/>
-                  <a:pt x="4277321" y="1953144"/>
-                </a:cubicBezTo>
-                <a:cubicBezTo>
-                  <a:pt x="4058343" y="1955874"/>
-                  <a:pt x="3892716" y="1946359"/>
-                  <a:pt x="3592005" y="1953144"/>
-                </a:cubicBezTo>
-                <a:cubicBezTo>
-                  <a:pt x="3291294" y="1959929"/>
-                  <a:pt x="3287192" y="1900001"/>
-                  <a:pt x="3095741" y="1953144"/>
-                </a:cubicBezTo>
-                <a:cubicBezTo>
-                  <a:pt x="2904290" y="2006287"/>
-                  <a:pt x="2783338" y="1929548"/>
-                  <a:pt x="2504951" y="1953144"/>
-                </a:cubicBezTo>
-                <a:cubicBezTo>
-                  <a:pt x="2226564" y="1976740"/>
-                  <a:pt x="2049773" y="1900879"/>
-                  <a:pt x="1819634" y="1953144"/>
-                </a:cubicBezTo>
-                <a:cubicBezTo>
-                  <a:pt x="1589495" y="2005409"/>
-                  <a:pt x="1462021" y="1946599"/>
-                  <a:pt x="1228844" y="1953144"/>
-                </a:cubicBezTo>
-                <a:cubicBezTo>
-                  <a:pt x="995667" y="1959689"/>
-                  <a:pt x="970218" y="1906555"/>
-                  <a:pt x="779843" y="1953144"/>
-                </a:cubicBezTo>
-                <a:cubicBezTo>
-                  <a:pt x="589468" y="1999733"/>
-                  <a:pt x="297198" y="1944091"/>
+                  <a:pt x="110173" y="-24718"/>
+                  <a:pt x="399452" y="59851"/>
+                  <a:pt x="510696" y="0"/>
+                </a:cubicBezTo>
+                <a:cubicBezTo>
+                  <a:pt x="621940" y="-59851"/>
+                  <a:pt x="771976" y="31643"/>
+                  <a:pt x="920375" y="0"/>
+                </a:cubicBezTo>
+                <a:cubicBezTo>
+                  <a:pt x="1068774" y="-31643"/>
+                  <a:pt x="1436317" y="76347"/>
+                  <a:pt x="1582595" y="0"/>
+                </a:cubicBezTo>
+                <a:cubicBezTo>
+                  <a:pt x="1728873" y="-76347"/>
+                  <a:pt x="1945118" y="26481"/>
+                  <a:pt x="2093291" y="0"/>
+                </a:cubicBezTo>
+                <a:cubicBezTo>
+                  <a:pt x="2241464" y="-26481"/>
+                  <a:pt x="2429632" y="11171"/>
+                  <a:pt x="2603987" y="0"/>
+                </a:cubicBezTo>
+                <a:cubicBezTo>
+                  <a:pt x="2778342" y="-11171"/>
+                  <a:pt x="2989630" y="13015"/>
+                  <a:pt x="3266207" y="0"/>
+                </a:cubicBezTo>
+                <a:cubicBezTo>
+                  <a:pt x="3542784" y="-13015"/>
+                  <a:pt x="3559931" y="28885"/>
+                  <a:pt x="3726395" y="0"/>
+                </a:cubicBezTo>
+                <a:cubicBezTo>
+                  <a:pt x="3892859" y="-28885"/>
+                  <a:pt x="4249652" y="8489"/>
+                  <a:pt x="4388615" y="0"/>
+                </a:cubicBezTo>
+                <a:cubicBezTo>
+                  <a:pt x="4527578" y="-8489"/>
+                  <a:pt x="4889077" y="45066"/>
+                  <a:pt x="5050836" y="0"/>
+                </a:cubicBezTo>
+                <a:cubicBezTo>
+                  <a:pt x="5071311" y="230322"/>
+                  <a:pt x="5047862" y="255316"/>
+                  <a:pt x="5050836" y="488286"/>
+                </a:cubicBezTo>
+                <a:cubicBezTo>
+                  <a:pt x="5053810" y="721256"/>
+                  <a:pt x="5022935" y="816907"/>
+                  <a:pt x="5050836" y="976572"/>
+                </a:cubicBezTo>
+                <a:cubicBezTo>
+                  <a:pt x="5078737" y="1136237"/>
+                  <a:pt x="5019810" y="1271571"/>
+                  <a:pt x="5050836" y="1484389"/>
+                </a:cubicBezTo>
+                <a:cubicBezTo>
+                  <a:pt x="5081862" y="1697207"/>
+                  <a:pt x="5007823" y="1758677"/>
+                  <a:pt x="5050836" y="1953144"/>
+                </a:cubicBezTo>
+                <a:cubicBezTo>
+                  <a:pt x="4928073" y="2014305"/>
+                  <a:pt x="4652624" y="1937651"/>
+                  <a:pt x="4489632" y="1953144"/>
+                </a:cubicBezTo>
+                <a:cubicBezTo>
+                  <a:pt x="4326640" y="1968637"/>
+                  <a:pt x="4258394" y="1940039"/>
+                  <a:pt x="4029445" y="1953144"/>
+                </a:cubicBezTo>
+                <a:cubicBezTo>
+                  <a:pt x="3800496" y="1966249"/>
+                  <a:pt x="3727256" y="1901031"/>
+                  <a:pt x="3468241" y="1953144"/>
+                </a:cubicBezTo>
+                <a:cubicBezTo>
+                  <a:pt x="3209226" y="2005257"/>
+                  <a:pt x="3069905" y="1949107"/>
+                  <a:pt x="2806020" y="1953144"/>
+                </a:cubicBezTo>
+                <a:cubicBezTo>
+                  <a:pt x="2542135" y="1957181"/>
+                  <a:pt x="2458545" y="1891595"/>
+                  <a:pt x="2244816" y="1953144"/>
+                </a:cubicBezTo>
+                <a:cubicBezTo>
+                  <a:pt x="2031087" y="2014693"/>
+                  <a:pt x="1956126" y="1916440"/>
+                  <a:pt x="1835137" y="1953144"/>
+                </a:cubicBezTo>
+                <a:cubicBezTo>
+                  <a:pt x="1714148" y="1989848"/>
+                  <a:pt x="1529061" y="1926902"/>
+                  <a:pt x="1374950" y="1953144"/>
+                </a:cubicBezTo>
+                <a:cubicBezTo>
+                  <a:pt x="1220839" y="1979386"/>
+                  <a:pt x="980179" y="1875838"/>
+                  <a:pt x="712729" y="1953144"/>
+                </a:cubicBezTo>
+                <a:cubicBezTo>
+                  <a:pt x="445279" y="2030450"/>
+                  <a:pt x="192982" y="1926573"/>
                   <a:pt x="0" y="1953144"/>
                 </a:cubicBezTo>
                 <a:cubicBezTo>
-                  <a:pt x="-32081" y="1724916"/>
-                  <a:pt x="43715" y="1676910"/>
-                  <a:pt x="0" y="1425795"/>
-                </a:cubicBezTo>
-                <a:cubicBezTo>
-                  <a:pt x="-43715" y="1174680"/>
-                  <a:pt x="38433" y="1124426"/>
-                  <a:pt x="0" y="898446"/>
-                </a:cubicBezTo>
-                <a:cubicBezTo>
-                  <a:pt x="-38433" y="672466"/>
-                  <a:pt x="107796" y="338071"/>
+                  <a:pt x="-15508" y="1778981"/>
+                  <a:pt x="53890" y="1620240"/>
+                  <a:pt x="0" y="1503921"/>
+                </a:cubicBezTo>
+                <a:cubicBezTo>
+                  <a:pt x="-53890" y="1387602"/>
+                  <a:pt x="27194" y="1239758"/>
+                  <a:pt x="0" y="1035166"/>
+                </a:cubicBezTo>
+                <a:cubicBezTo>
+                  <a:pt x="-27194" y="830575"/>
+                  <a:pt x="12232" y="778430"/>
+                  <a:pt x="0" y="605475"/>
+                </a:cubicBezTo>
+                <a:cubicBezTo>
+                  <a:pt x="-12232" y="432520"/>
+                  <a:pt x="7691" y="278885"/>
                   <a:pt x="0" y="0"/>
                 </a:cubicBezTo>
                 <a:close/>
@@ -8882,7 +9275,7 @@
         </p:nvGrpSpPr>
         <p:grpSpPr>
           <a:xfrm>
-            <a:off x="1927414" y="189211"/>
+            <a:off x="1086245" y="1423282"/>
             <a:ext cx="764759" cy="914604"/>
             <a:chOff x="10202840" y="-858415"/>
             <a:chExt cx="764759" cy="914604"/>
@@ -8946,7 +9339,7 @@
             <a:effectLst/>
             <a:extLst>
               <a:ext uri="{C572A759-6A51-4108-AA02-DFA0A04FC94B}">
-                <ma14:wrappingTextBoxFlag xmlns="" xmlns:ma14="http://schemas.microsoft.com/office/mac/drawingml/2011/main" val="1"/>
+                <ma14:wrappingTextBoxFlag xmlns:ma14="http://schemas.microsoft.com/office/mac/drawingml/2011/main" xmlns="" val="1"/>
               </a:ext>
             </a:extLst>
           </p:spPr>
@@ -8998,38 +9391,34 @@
         </p:nvSpPr>
         <p:spPr>
           <a:xfrm>
-            <a:off x="1361475" y="102278"/>
-            <a:ext cx="2029425" cy="1001538"/>
+            <a:off x="520307" y="1336349"/>
+            <a:ext cx="1669740" cy="1001538"/>
           </a:xfrm>
           <a:custGeom>
             <a:avLst/>
             <a:gdLst>
-              <a:gd name="connsiteX0" fmla="*/ 0 w 2029425"/>
+              <a:gd name="connsiteX0" fmla="*/ 0 w 1669740"/>
               <a:gd name="connsiteY0" fmla="*/ 0 h 1001538"/>
-              <a:gd name="connsiteX1" fmla="*/ 487062 w 2029425"/>
+              <a:gd name="connsiteX1" fmla="*/ 539883 w 1669740"/>
               <a:gd name="connsiteY1" fmla="*/ 0 h 1001538"/>
-              <a:gd name="connsiteX2" fmla="*/ 933535 w 2029425"/>
+              <a:gd name="connsiteX2" fmla="*/ 1046370 w 1669740"/>
               <a:gd name="connsiteY2" fmla="*/ 0 h 1001538"/>
-              <a:gd name="connsiteX3" fmla="*/ 1481480 w 2029425"/>
+              <a:gd name="connsiteX3" fmla="*/ 1669740 w 1669740"/>
               <a:gd name="connsiteY3" fmla="*/ 0 h 1001538"/>
-              <a:gd name="connsiteX4" fmla="*/ 2029425 w 2029425"/>
-              <a:gd name="connsiteY4" fmla="*/ 0 h 1001538"/>
-              <a:gd name="connsiteX5" fmla="*/ 2029425 w 2029425"/>
-              <a:gd name="connsiteY5" fmla="*/ 490754 h 1001538"/>
-              <a:gd name="connsiteX6" fmla="*/ 2029425 w 2029425"/>
+              <a:gd name="connsiteX4" fmla="*/ 1669740 w 1669740"/>
+              <a:gd name="connsiteY4" fmla="*/ 490754 h 1001538"/>
+              <a:gd name="connsiteX5" fmla="*/ 1669740 w 1669740"/>
+              <a:gd name="connsiteY5" fmla="*/ 1001538 h 1001538"/>
+              <a:gd name="connsiteX6" fmla="*/ 1146555 w 1669740"/>
               <a:gd name="connsiteY6" fmla="*/ 1001538 h 1001538"/>
-              <a:gd name="connsiteX7" fmla="*/ 1522069 w 2029425"/>
+              <a:gd name="connsiteX7" fmla="*/ 623370 w 1669740"/>
               <a:gd name="connsiteY7" fmla="*/ 1001538 h 1001538"/>
-              <a:gd name="connsiteX8" fmla="*/ 974124 w 2029425"/>
+              <a:gd name="connsiteX8" fmla="*/ 0 w 1669740"/>
               <a:gd name="connsiteY8" fmla="*/ 1001538 h 1001538"/>
-              <a:gd name="connsiteX9" fmla="*/ 527651 w 2029425"/>
-              <a:gd name="connsiteY9" fmla="*/ 1001538 h 1001538"/>
-              <a:gd name="connsiteX10" fmla="*/ 0 w 2029425"/>
-              <a:gd name="connsiteY10" fmla="*/ 1001538 h 1001538"/>
-              <a:gd name="connsiteX11" fmla="*/ 0 w 2029425"/>
-              <a:gd name="connsiteY11" fmla="*/ 500769 h 1001538"/>
-              <a:gd name="connsiteX12" fmla="*/ 0 w 2029425"/>
-              <a:gd name="connsiteY12" fmla="*/ 0 h 1001538"/>
+              <a:gd name="connsiteX9" fmla="*/ 0 w 1669740"/>
+              <a:gd name="connsiteY9" fmla="*/ 530815 h 1001538"/>
+              <a:gd name="connsiteX10" fmla="*/ 0 w 1669740"/>
+              <a:gd name="connsiteY10" fmla="*/ 0 h 1001538"/>
             </a:gdLst>
             <a:ahLst/>
             <a:cxnLst>
@@ -9066,77 +9455,61 @@
               <a:cxn ang="0">
                 <a:pos x="connsiteX10" y="connsiteY10"/>
               </a:cxn>
-              <a:cxn ang="0">
-                <a:pos x="connsiteX11" y="connsiteY11"/>
-              </a:cxn>
-              <a:cxn ang="0">
-                <a:pos x="connsiteX12" y="connsiteY12"/>
-              </a:cxn>
             </a:cxnLst>
             <a:rect l="l" t="t" r="r" b="b"/>
             <a:pathLst>
-              <a:path w="2029425" h="1001538" extrusionOk="0">
+              <a:path w="1669740" h="1001538" extrusionOk="0">
                 <a:moveTo>
                   <a:pt x="0" y="0"/>
                 </a:moveTo>
                 <a:cubicBezTo>
-                  <a:pt x="130793" y="-26387"/>
-                  <a:pt x="314973" y="33715"/>
-                  <a:pt x="487062" y="0"/>
-                </a:cubicBezTo>
-                <a:cubicBezTo>
-                  <a:pt x="659151" y="-33715"/>
-                  <a:pt x="740360" y="8010"/>
-                  <a:pt x="933535" y="0"/>
-                </a:cubicBezTo>
-                <a:cubicBezTo>
-                  <a:pt x="1126710" y="-8010"/>
-                  <a:pt x="1338828" y="46626"/>
-                  <a:pt x="1481480" y="0"/>
-                </a:cubicBezTo>
-                <a:cubicBezTo>
-                  <a:pt x="1624132" y="-46626"/>
-                  <a:pt x="1868615" y="37762"/>
-                  <a:pt x="2029425" y="0"/>
-                </a:cubicBezTo>
-                <a:cubicBezTo>
-                  <a:pt x="2060703" y="160584"/>
-                  <a:pt x="2012123" y="317658"/>
-                  <a:pt x="2029425" y="490754"/>
-                </a:cubicBezTo>
-                <a:cubicBezTo>
-                  <a:pt x="2046727" y="663850"/>
-                  <a:pt x="2019970" y="768219"/>
-                  <a:pt x="2029425" y="1001538"/>
-                </a:cubicBezTo>
-                <a:cubicBezTo>
-                  <a:pt x="1849842" y="1020999"/>
-                  <a:pt x="1636219" y="953788"/>
-                  <a:pt x="1522069" y="1001538"/>
-                </a:cubicBezTo>
-                <a:cubicBezTo>
-                  <a:pt x="1407919" y="1049288"/>
-                  <a:pt x="1167460" y="983665"/>
-                  <a:pt x="974124" y="1001538"/>
-                </a:cubicBezTo>
-                <a:cubicBezTo>
-                  <a:pt x="780789" y="1019411"/>
-                  <a:pt x="657947" y="976381"/>
-                  <a:pt x="527651" y="1001538"/>
-                </a:cubicBezTo>
-                <a:cubicBezTo>
-                  <a:pt x="397355" y="1026695"/>
-                  <a:pt x="126882" y="992720"/>
+                  <a:pt x="233294" y="-64708"/>
+                  <a:pt x="414647" y="24250"/>
+                  <a:pt x="539883" y="0"/>
+                </a:cubicBezTo>
+                <a:cubicBezTo>
+                  <a:pt x="665119" y="-24250"/>
+                  <a:pt x="891008" y="4719"/>
+                  <a:pt x="1046370" y="0"/>
+                </a:cubicBezTo>
+                <a:cubicBezTo>
+                  <a:pt x="1201732" y="-4719"/>
+                  <a:pt x="1380235" y="37531"/>
+                  <a:pt x="1669740" y="0"/>
+                </a:cubicBezTo>
+                <a:cubicBezTo>
+                  <a:pt x="1697994" y="168725"/>
+                  <a:pt x="1629815" y="364633"/>
+                  <a:pt x="1669740" y="490754"/>
+                </a:cubicBezTo>
+                <a:cubicBezTo>
+                  <a:pt x="1709665" y="616875"/>
+                  <a:pt x="1629383" y="808366"/>
+                  <a:pt x="1669740" y="1001538"/>
+                </a:cubicBezTo>
+                <a:cubicBezTo>
+                  <a:pt x="1427476" y="1027788"/>
+                  <a:pt x="1301678" y="955805"/>
+                  <a:pt x="1146555" y="1001538"/>
+                </a:cubicBezTo>
+                <a:cubicBezTo>
+                  <a:pt x="991433" y="1047271"/>
+                  <a:pt x="805422" y="991285"/>
+                  <a:pt x="623370" y="1001538"/>
+                </a:cubicBezTo>
+                <a:cubicBezTo>
+                  <a:pt x="441318" y="1011791"/>
+                  <a:pt x="220296" y="936999"/>
                   <a:pt x="0" y="1001538"/>
                 </a:cubicBezTo>
                 <a:cubicBezTo>
-                  <a:pt x="-4267" y="889769"/>
-                  <a:pt x="17431" y="685264"/>
-                  <a:pt x="0" y="500769"/>
-                </a:cubicBezTo>
-                <a:cubicBezTo>
-                  <a:pt x="-17431" y="316274"/>
-                  <a:pt x="55580" y="127250"/>
+                  <a:pt x="-30669" y="819676"/>
+                  <a:pt x="39687" y="728321"/>
+                  <a:pt x="0" y="530815"/>
+                </a:cubicBezTo>
+                <a:cubicBezTo>
+                  <a:pt x="-39687" y="333309"/>
+                  <a:pt x="19122" y="195348"/>
                   <a:pt x="0" y="0"/>
                 </a:cubicBezTo>
                 <a:close/>
@@ -9212,7 +9585,7 @@
         </p:nvGrpSpPr>
         <p:grpSpPr>
           <a:xfrm>
-            <a:off x="10652665" y="3145102"/>
+            <a:off x="9166765" y="4135702"/>
             <a:ext cx="963142" cy="657237"/>
             <a:chOff x="8616636" y="-1755543"/>
             <a:chExt cx="963142" cy="657237"/>
@@ -9276,7 +9649,7 @@
             <a:effectLst/>
             <a:extLst>
               <a:ext uri="{C572A759-6A51-4108-AA02-DFA0A04FC94B}">
-                <ma14:wrappingTextBoxFlag xmlns="" xmlns:ma14="http://schemas.microsoft.com/office/mac/drawingml/2011/main" val="1"/>
+                <ma14:wrappingTextBoxFlag xmlns:ma14="http://schemas.microsoft.com/office/mac/drawingml/2011/main" xmlns="" val="1"/>
               </a:ext>
             </a:extLst>
           </p:spPr>
@@ -9328,7 +9701,7 @@
         </p:nvGrpSpPr>
         <p:grpSpPr>
           <a:xfrm>
-            <a:off x="4146262" y="2335647"/>
+            <a:off x="2660362" y="3326247"/>
             <a:ext cx="548640" cy="787905"/>
             <a:chOff x="-774327" y="1676400"/>
             <a:chExt cx="548640" cy="787905"/>
@@ -9510,7 +9883,7 @@
             <a:effectLst/>
             <a:extLst>
               <a:ext uri="{C572A759-6A51-4108-AA02-DFA0A04FC94B}">
-                <ma14:wrappingTextBoxFlag xmlns="" xmlns:ma14="http://schemas.microsoft.com/office/mac/drawingml/2011/main" val="1"/>
+                <ma14:wrappingTextBoxFlag xmlns:ma14="http://schemas.microsoft.com/office/mac/drawingml/2011/main" xmlns="" val="1"/>
               </a:ext>
             </a:extLst>
           </p:spPr>
@@ -9579,7 +9952,7 @@
         </p:nvGrpSpPr>
         <p:grpSpPr>
           <a:xfrm>
-            <a:off x="5411739" y="2253446"/>
+            <a:off x="3925839" y="3244046"/>
             <a:ext cx="699622" cy="825307"/>
             <a:chOff x="880696" y="1271104"/>
             <a:chExt cx="699622" cy="825307"/>
@@ -9643,7 +10016,7 @@
             <a:effectLst/>
             <a:extLst>
               <a:ext uri="{C572A759-6A51-4108-AA02-DFA0A04FC94B}">
-                <ma14:wrappingTextBoxFlag xmlns="" xmlns:ma14="http://schemas.microsoft.com/office/mac/drawingml/2011/main" val="1"/>
+                <ma14:wrappingTextBoxFlag xmlns:ma14="http://schemas.microsoft.com/office/mac/drawingml/2011/main" xmlns="" val="1"/>
               </a:ext>
             </a:extLst>
           </p:spPr>
@@ -9712,7 +10085,7 @@
         </p:nvGrpSpPr>
         <p:grpSpPr>
           <a:xfrm>
-            <a:off x="7561917" y="2377556"/>
+            <a:off x="6076017" y="3368156"/>
             <a:ext cx="674062" cy="704229"/>
             <a:chOff x="4628967" y="4317112"/>
             <a:chExt cx="674062" cy="704229"/>
@@ -10348,52 +10721,56 @@
         </p:nvSpPr>
         <p:spPr>
           <a:xfrm>
-            <a:off x="6980902" y="1254129"/>
-            <a:ext cx="4726322" cy="859617"/>
+            <a:off x="5181600" y="2244729"/>
+            <a:ext cx="5039724" cy="859617"/>
           </a:xfrm>
           <a:custGeom>
             <a:avLst/>
             <a:gdLst>
-              <a:gd name="connsiteX0" fmla="*/ 0 w 4726322"/>
+              <a:gd name="connsiteX0" fmla="*/ 0 w 5039724"/>
               <a:gd name="connsiteY0" fmla="*/ 0 h 859617"/>
-              <a:gd name="connsiteX1" fmla="*/ 543527 w 4726322"/>
+              <a:gd name="connsiteX1" fmla="*/ 509572 w 5039724"/>
               <a:gd name="connsiteY1" fmla="*/ 0 h 859617"/>
-              <a:gd name="connsiteX2" fmla="*/ 992528 w 4726322"/>
+              <a:gd name="connsiteX2" fmla="*/ 918350 w 5039724"/>
               <a:gd name="connsiteY2" fmla="*/ 0 h 859617"/>
-              <a:gd name="connsiteX3" fmla="*/ 1677844 w 4726322"/>
+              <a:gd name="connsiteX3" fmla="*/ 1579114 w 5039724"/>
               <a:gd name="connsiteY3" fmla="*/ 0 h 859617"/>
-              <a:gd name="connsiteX4" fmla="*/ 2221371 w 4726322"/>
+              <a:gd name="connsiteX4" fmla="*/ 2088686 w 5039724"/>
               <a:gd name="connsiteY4" fmla="*/ 0 h 859617"/>
-              <a:gd name="connsiteX5" fmla="*/ 2764898 w 4726322"/>
+              <a:gd name="connsiteX5" fmla="*/ 2598258 w 5039724"/>
               <a:gd name="connsiteY5" fmla="*/ 0 h 859617"/>
-              <a:gd name="connsiteX6" fmla="*/ 3450215 w 4726322"/>
+              <a:gd name="connsiteX6" fmla="*/ 3259022 w 5039724"/>
               <a:gd name="connsiteY6" fmla="*/ 0 h 859617"/>
-              <a:gd name="connsiteX7" fmla="*/ 3946479 w 4726322"/>
+              <a:gd name="connsiteX7" fmla="*/ 3718196 w 5039724"/>
               <a:gd name="connsiteY7" fmla="*/ 0 h 859617"/>
-              <a:gd name="connsiteX8" fmla="*/ 4726322 w 4726322"/>
+              <a:gd name="connsiteX8" fmla="*/ 4378960 w 5039724"/>
               <a:gd name="connsiteY8" fmla="*/ 0 h 859617"/>
-              <a:gd name="connsiteX9" fmla="*/ 4726322 w 4726322"/>
-              <a:gd name="connsiteY9" fmla="*/ 447001 h 859617"/>
-              <a:gd name="connsiteX10" fmla="*/ 4726322 w 4726322"/>
-              <a:gd name="connsiteY10" fmla="*/ 859617 h 859617"/>
-              <a:gd name="connsiteX11" fmla="*/ 4135532 w 4726322"/>
+              <a:gd name="connsiteX9" fmla="*/ 5039724 w 5039724"/>
+              <a:gd name="connsiteY9" fmla="*/ 0 h 859617"/>
+              <a:gd name="connsiteX10" fmla="*/ 5039724 w 5039724"/>
+              <a:gd name="connsiteY10" fmla="*/ 429809 h 859617"/>
+              <a:gd name="connsiteX11" fmla="*/ 5039724 w 5039724"/>
               <a:gd name="connsiteY11" fmla="*/ 859617 h 859617"/>
-              <a:gd name="connsiteX12" fmla="*/ 3592005 w 4726322"/>
+              <a:gd name="connsiteX12" fmla="*/ 4429357 w 5039724"/>
               <a:gd name="connsiteY12" fmla="*/ 859617 h 859617"/>
-              <a:gd name="connsiteX13" fmla="*/ 2906688 w 4726322"/>
+              <a:gd name="connsiteX13" fmla="*/ 3768594 w 5039724"/>
               <a:gd name="connsiteY13" fmla="*/ 859617 h 859617"/>
-              <a:gd name="connsiteX14" fmla="*/ 2221371 w 4726322"/>
+              <a:gd name="connsiteX14" fmla="*/ 3107830 w 5039724"/>
               <a:gd name="connsiteY14" fmla="*/ 859617 h 859617"/>
-              <a:gd name="connsiteX15" fmla="*/ 1725108 w 4726322"/>
+              <a:gd name="connsiteX15" fmla="*/ 2648655 w 5039724"/>
               <a:gd name="connsiteY15" fmla="*/ 859617 h 859617"/>
-              <a:gd name="connsiteX16" fmla="*/ 1134317 w 4726322"/>
+              <a:gd name="connsiteX16" fmla="*/ 2088686 w 5039724"/>
               <a:gd name="connsiteY16" fmla="*/ 859617 h 859617"/>
-              <a:gd name="connsiteX17" fmla="*/ 0 w 4726322"/>
+              <a:gd name="connsiteX17" fmla="*/ 1427922 w 5039724"/>
               <a:gd name="connsiteY17" fmla="*/ 859617 h 859617"/>
-              <a:gd name="connsiteX18" fmla="*/ 0 w 4726322"/>
-              <a:gd name="connsiteY18" fmla="*/ 429809 h 859617"/>
-              <a:gd name="connsiteX19" fmla="*/ 0 w 4726322"/>
-              <a:gd name="connsiteY19" fmla="*/ 0 h 859617"/>
+              <a:gd name="connsiteX18" fmla="*/ 867952 w 5039724"/>
+              <a:gd name="connsiteY18" fmla="*/ 859617 h 859617"/>
+              <a:gd name="connsiteX19" fmla="*/ 0 w 5039724"/>
+              <a:gd name="connsiteY19" fmla="*/ 859617 h 859617"/>
+              <a:gd name="connsiteX20" fmla="*/ 0 w 5039724"/>
+              <a:gd name="connsiteY20" fmla="*/ 447001 h 859617"/>
+              <a:gd name="connsiteX21" fmla="*/ 0 w 5039724"/>
+              <a:gd name="connsiteY21" fmla="*/ 0 h 859617"/>
             </a:gdLst>
             <a:ahLst/>
             <a:cxnLst>
@@ -10457,106 +10834,122 @@
               <a:cxn ang="0">
                 <a:pos x="connsiteX19" y="connsiteY19"/>
               </a:cxn>
+              <a:cxn ang="0">
+                <a:pos x="connsiteX20" y="connsiteY20"/>
+              </a:cxn>
+              <a:cxn ang="0">
+                <a:pos x="connsiteX21" y="connsiteY21"/>
+              </a:cxn>
             </a:cxnLst>
             <a:rect l="l" t="t" r="r" b="b"/>
             <a:pathLst>
-              <a:path w="4726322" h="859617" extrusionOk="0">
+              <a:path w="5039724" h="859617" extrusionOk="0">
                 <a:moveTo>
                   <a:pt x="0" y="0"/>
                 </a:moveTo>
                 <a:cubicBezTo>
-                  <a:pt x="129117" y="-2557"/>
-                  <a:pt x="419267" y="25670"/>
-                  <a:pt x="543527" y="0"/>
-                </a:cubicBezTo>
-                <a:cubicBezTo>
-                  <a:pt x="667787" y="-25670"/>
-                  <a:pt x="859280" y="40777"/>
-                  <a:pt x="992528" y="0"/>
-                </a:cubicBezTo>
-                <a:cubicBezTo>
-                  <a:pt x="1125776" y="-40777"/>
-                  <a:pt x="1389855" y="14608"/>
-                  <a:pt x="1677844" y="0"/>
-                </a:cubicBezTo>
-                <a:cubicBezTo>
-                  <a:pt x="1965833" y="-14608"/>
-                  <a:pt x="2060292" y="58425"/>
-                  <a:pt x="2221371" y="0"/>
-                </a:cubicBezTo>
-                <a:cubicBezTo>
-                  <a:pt x="2382450" y="-58425"/>
-                  <a:pt x="2631511" y="1082"/>
-                  <a:pt x="2764898" y="0"/>
-                </a:cubicBezTo>
-                <a:cubicBezTo>
-                  <a:pt x="2898285" y="-1082"/>
-                  <a:pt x="3233646" y="45443"/>
-                  <a:pt x="3450215" y="0"/>
-                </a:cubicBezTo>
-                <a:cubicBezTo>
-                  <a:pt x="3666784" y="-45443"/>
-                  <a:pt x="3793453" y="37571"/>
-                  <a:pt x="3946479" y="0"/>
-                </a:cubicBezTo>
-                <a:cubicBezTo>
-                  <a:pt x="4099505" y="-37571"/>
-                  <a:pt x="4360471" y="32929"/>
-                  <a:pt x="4726322" y="0"/>
-                </a:cubicBezTo>
-                <a:cubicBezTo>
-                  <a:pt x="4730311" y="101192"/>
-                  <a:pt x="4714470" y="269997"/>
-                  <a:pt x="4726322" y="447001"/>
-                </a:cubicBezTo>
-                <a:cubicBezTo>
-                  <a:pt x="4738174" y="624005"/>
-                  <a:pt x="4695063" y="673836"/>
-                  <a:pt x="4726322" y="859617"/>
-                </a:cubicBezTo>
-                <a:cubicBezTo>
-                  <a:pt x="4478736" y="904614"/>
-                  <a:pt x="4366813" y="824845"/>
-                  <a:pt x="4135532" y="859617"/>
-                </a:cubicBezTo>
-                <a:cubicBezTo>
-                  <a:pt x="3904251" y="894389"/>
-                  <a:pt x="3838651" y="809933"/>
-                  <a:pt x="3592005" y="859617"/>
-                </a:cubicBezTo>
-                <a:cubicBezTo>
-                  <a:pt x="3345359" y="909301"/>
-                  <a:pt x="3224881" y="850654"/>
-                  <a:pt x="2906688" y="859617"/>
-                </a:cubicBezTo>
-                <a:cubicBezTo>
-                  <a:pt x="2588495" y="868580"/>
-                  <a:pt x="2528029" y="853678"/>
-                  <a:pt x="2221371" y="859617"/>
-                </a:cubicBezTo>
-                <a:cubicBezTo>
-                  <a:pt x="1914713" y="865556"/>
-                  <a:pt x="1912833" y="805668"/>
-                  <a:pt x="1725108" y="859617"/>
-                </a:cubicBezTo>
-                <a:cubicBezTo>
-                  <a:pt x="1537383" y="913566"/>
-                  <a:pt x="1418976" y="842614"/>
-                  <a:pt x="1134317" y="859617"/>
-                </a:cubicBezTo>
-                <a:cubicBezTo>
-                  <a:pt x="849658" y="876620"/>
-                  <a:pt x="564981" y="738340"/>
+                  <a:pt x="104398" y="-10671"/>
+                  <a:pt x="291454" y="59019"/>
+                  <a:pt x="509572" y="0"/>
+                </a:cubicBezTo>
+                <a:cubicBezTo>
+                  <a:pt x="727690" y="-59019"/>
+                  <a:pt x="819664" y="45896"/>
+                  <a:pt x="918350" y="0"/>
+                </a:cubicBezTo>
+                <a:cubicBezTo>
+                  <a:pt x="1017036" y="-45896"/>
+                  <a:pt x="1428758" y="7850"/>
+                  <a:pt x="1579114" y="0"/>
+                </a:cubicBezTo>
+                <a:cubicBezTo>
+                  <a:pt x="1729470" y="-7850"/>
+                  <a:pt x="1890314" y="49950"/>
+                  <a:pt x="2088686" y="0"/>
+                </a:cubicBezTo>
+                <a:cubicBezTo>
+                  <a:pt x="2287058" y="-49950"/>
+                  <a:pt x="2379151" y="34935"/>
+                  <a:pt x="2598258" y="0"/>
+                </a:cubicBezTo>
+                <a:cubicBezTo>
+                  <a:pt x="2817365" y="-34935"/>
+                  <a:pt x="3126158" y="27074"/>
+                  <a:pt x="3259022" y="0"/>
+                </a:cubicBezTo>
+                <a:cubicBezTo>
+                  <a:pt x="3391886" y="-27074"/>
+                  <a:pt x="3610055" y="5030"/>
+                  <a:pt x="3718196" y="0"/>
+                </a:cubicBezTo>
+                <a:cubicBezTo>
+                  <a:pt x="3826337" y="-5030"/>
+                  <a:pt x="4128747" y="11141"/>
+                  <a:pt x="4378960" y="0"/>
+                </a:cubicBezTo>
+                <a:cubicBezTo>
+                  <a:pt x="4629173" y="-11141"/>
+                  <a:pt x="4799280" y="32700"/>
+                  <a:pt x="5039724" y="0"/>
+                </a:cubicBezTo>
+                <a:cubicBezTo>
+                  <a:pt x="5061330" y="88734"/>
+                  <a:pt x="5004197" y="332223"/>
+                  <a:pt x="5039724" y="429809"/>
+                </a:cubicBezTo>
+                <a:cubicBezTo>
+                  <a:pt x="5075251" y="527395"/>
+                  <a:pt x="5000779" y="769408"/>
+                  <a:pt x="5039724" y="859617"/>
+                </a:cubicBezTo>
+                <a:cubicBezTo>
+                  <a:pt x="4838363" y="893715"/>
+                  <a:pt x="4671457" y="799184"/>
+                  <a:pt x="4429357" y="859617"/>
+                </a:cubicBezTo>
+                <a:cubicBezTo>
+                  <a:pt x="4187257" y="920050"/>
+                  <a:pt x="4056545" y="805964"/>
+                  <a:pt x="3768594" y="859617"/>
+                </a:cubicBezTo>
+                <a:cubicBezTo>
+                  <a:pt x="3480643" y="913270"/>
+                  <a:pt x="3300134" y="856260"/>
+                  <a:pt x="3107830" y="859617"/>
+                </a:cubicBezTo>
+                <a:cubicBezTo>
+                  <a:pt x="2915526" y="862974"/>
+                  <a:pt x="2805835" y="848902"/>
+                  <a:pt x="2648655" y="859617"/>
+                </a:cubicBezTo>
+                <a:cubicBezTo>
+                  <a:pt x="2491476" y="870332"/>
+                  <a:pt x="2257462" y="837184"/>
+                  <a:pt x="2088686" y="859617"/>
+                </a:cubicBezTo>
+                <a:cubicBezTo>
+                  <a:pt x="1919910" y="882050"/>
+                  <a:pt x="1676942" y="788593"/>
+                  <a:pt x="1427922" y="859617"/>
+                </a:cubicBezTo>
+                <a:cubicBezTo>
+                  <a:pt x="1178902" y="930641"/>
+                  <a:pt x="1004345" y="816761"/>
+                  <a:pt x="867952" y="859617"/>
+                </a:cubicBezTo>
+                <a:cubicBezTo>
+                  <a:pt x="731559" y="902473"/>
+                  <a:pt x="296107" y="831487"/>
                   <a:pt x="0" y="859617"/>
                 </a:cubicBezTo>
                 <a:cubicBezTo>
-                  <a:pt x="-13942" y="703878"/>
-                  <a:pt x="29222" y="610412"/>
-                  <a:pt x="0" y="429809"/>
-                </a:cubicBezTo>
-                <a:cubicBezTo>
-                  <a:pt x="-29222" y="249206"/>
-                  <a:pt x="27671" y="196728"/>
+                  <a:pt x="-17440" y="682781"/>
+                  <a:pt x="6325" y="553727"/>
+                  <a:pt x="0" y="447001"/>
+                </a:cubicBezTo>
+                <a:cubicBezTo>
+                  <a:pt x="-6325" y="340275"/>
+                  <a:pt x="45105" y="90548"/>
                   <a:pt x="0" y="0"/>
                 </a:cubicBezTo>
                 <a:close/>
@@ -10632,7 +11025,7 @@
         </p:nvGrpSpPr>
         <p:grpSpPr>
           <a:xfrm>
-            <a:off x="10738022" y="1322221"/>
+            <a:off x="9252122" y="2312821"/>
             <a:ext cx="963142" cy="657237"/>
             <a:chOff x="8616636" y="-1755543"/>
             <a:chExt cx="963142" cy="657237"/>
@@ -10696,7 +11089,7 @@
             <a:effectLst/>
             <a:extLst>
               <a:ext uri="{C572A759-6A51-4108-AA02-DFA0A04FC94B}">
-                <ma14:wrappingTextBoxFlag xmlns="" xmlns:ma14="http://schemas.microsoft.com/office/mac/drawingml/2011/main" val="1"/>
+                <ma14:wrappingTextBoxFlag xmlns:ma14="http://schemas.microsoft.com/office/mac/drawingml/2011/main" xmlns="" val="1"/>
               </a:ext>
             </a:extLst>
           </p:spPr>
@@ -10751,7 +11144,7 @@
         </p:nvCxnSpPr>
         <p:spPr>
           <a:xfrm flipV="1">
-            <a:off x="8050542" y="1596541"/>
+            <a:off x="6564642" y="2587141"/>
             <a:ext cx="2888672" cy="982767"/>
           </a:xfrm>
           <a:prstGeom prst="bentConnector3">
@@ -10797,7 +11190,7 @@
         </p:nvCxnSpPr>
         <p:spPr>
           <a:xfrm>
-            <a:off x="8050542" y="2579308"/>
+            <a:off x="6564642" y="3569908"/>
             <a:ext cx="2894731" cy="82165"/>
           </a:xfrm>
           <a:prstGeom prst="bentConnector3">
@@ -10843,7 +11236,7 @@
         </p:nvCxnSpPr>
         <p:spPr>
           <a:xfrm>
-            <a:off x="8050542" y="2579308"/>
+            <a:off x="6564642" y="3569908"/>
             <a:ext cx="2803315" cy="840114"/>
           </a:xfrm>
           <a:prstGeom prst="bentConnector3">
@@ -10890,7 +11283,7 @@
         </p:nvCxnSpPr>
         <p:spPr>
           <a:xfrm flipV="1">
-            <a:off x="4633496" y="2573486"/>
+            <a:off x="3147596" y="3564086"/>
             <a:ext cx="778243" cy="8106"/>
           </a:xfrm>
           <a:prstGeom prst="bentConnector3">
@@ -10937,7 +11330,7 @@
         </p:nvCxnSpPr>
         <p:spPr>
           <a:xfrm>
-            <a:off x="6111361" y="2573486"/>
+            <a:off x="4625461" y="3564086"/>
             <a:ext cx="1348130" cy="8107"/>
           </a:xfrm>
           <a:prstGeom prst="bentConnector3">
@@ -10981,7 +11374,7 @@
         </p:nvGrpSpPr>
         <p:grpSpPr>
           <a:xfrm>
-            <a:off x="7577461" y="3141977"/>
+            <a:off x="6091561" y="4132577"/>
             <a:ext cx="548640" cy="785180"/>
             <a:chOff x="7390429" y="-1789102"/>
             <a:chExt cx="548640" cy="785180"/>
@@ -11045,7 +11438,7 @@
             <a:effectLst/>
             <a:extLst>
               <a:ext uri="{C572A759-6A51-4108-AA02-DFA0A04FC94B}">
-                <ma14:wrappingTextBoxFlag xmlns="" xmlns:ma14="http://schemas.microsoft.com/office/mac/drawingml/2011/main" val="1"/>
+                <ma14:wrappingTextBoxFlag xmlns:ma14="http://schemas.microsoft.com/office/mac/drawingml/2011/main" xmlns="" val="1"/>
               </a:ext>
             </a:extLst>
           </p:spPr>
@@ -11083,6 +11476,1970 @@
           </p:txBody>
         </p:sp>
       </p:grpSp>
+      <p:sp>
+        <p:nvSpPr>
+          <p:cNvPr id="42" name="Rectangle 41">
+            <a:extLst>
+              <a:ext uri="{FF2B5EF4-FFF2-40B4-BE49-F238E27FC236}">
+                <a16:creationId xmlns:a16="http://schemas.microsoft.com/office/drawing/2014/main" id="{BD429824-9650-5547-8FEA-EB3056358EDA}"/>
+              </a:ext>
+            </a:extLst>
+          </p:cNvPr>
+          <p:cNvSpPr/>
+          <p:nvPr/>
+        </p:nvSpPr>
+        <p:spPr>
+          <a:xfrm>
+            <a:off x="5181600" y="1314537"/>
+            <a:ext cx="5033664" cy="859617"/>
+          </a:xfrm>
+          <a:custGeom>
+            <a:avLst/>
+            <a:gdLst>
+              <a:gd name="connsiteX0" fmla="*/ 0 w 5033664"/>
+              <a:gd name="connsiteY0" fmla="*/ 0 h 859617"/>
+              <a:gd name="connsiteX1" fmla="*/ 508959 w 5033664"/>
+              <a:gd name="connsiteY1" fmla="*/ 0 h 859617"/>
+              <a:gd name="connsiteX2" fmla="*/ 917245 w 5033664"/>
+              <a:gd name="connsiteY2" fmla="*/ 0 h 859617"/>
+              <a:gd name="connsiteX3" fmla="*/ 1577215 w 5033664"/>
+              <a:gd name="connsiteY3" fmla="*/ 0 h 859617"/>
+              <a:gd name="connsiteX4" fmla="*/ 2086174 w 5033664"/>
+              <a:gd name="connsiteY4" fmla="*/ 0 h 859617"/>
+              <a:gd name="connsiteX5" fmla="*/ 2595133 w 5033664"/>
+              <a:gd name="connsiteY5" fmla="*/ 0 h 859617"/>
+              <a:gd name="connsiteX6" fmla="*/ 3255103 w 5033664"/>
+              <a:gd name="connsiteY6" fmla="*/ 0 h 859617"/>
+              <a:gd name="connsiteX7" fmla="*/ 3713725 w 5033664"/>
+              <a:gd name="connsiteY7" fmla="*/ 0 h 859617"/>
+              <a:gd name="connsiteX8" fmla="*/ 4373695 w 5033664"/>
+              <a:gd name="connsiteY8" fmla="*/ 0 h 859617"/>
+              <a:gd name="connsiteX9" fmla="*/ 5033664 w 5033664"/>
+              <a:gd name="connsiteY9" fmla="*/ 0 h 859617"/>
+              <a:gd name="connsiteX10" fmla="*/ 5033664 w 5033664"/>
+              <a:gd name="connsiteY10" fmla="*/ 429809 h 859617"/>
+              <a:gd name="connsiteX11" fmla="*/ 5033664 w 5033664"/>
+              <a:gd name="connsiteY11" fmla="*/ 859617 h 859617"/>
+              <a:gd name="connsiteX12" fmla="*/ 4424031 w 5033664"/>
+              <a:gd name="connsiteY12" fmla="*/ 859617 h 859617"/>
+              <a:gd name="connsiteX13" fmla="*/ 3764062 w 5033664"/>
+              <a:gd name="connsiteY13" fmla="*/ 859617 h 859617"/>
+              <a:gd name="connsiteX14" fmla="*/ 3104093 w 5033664"/>
+              <a:gd name="connsiteY14" fmla="*/ 859617 h 859617"/>
+              <a:gd name="connsiteX15" fmla="*/ 2645470 w 5033664"/>
+              <a:gd name="connsiteY15" fmla="*/ 859617 h 859617"/>
+              <a:gd name="connsiteX16" fmla="*/ 2086174 w 5033664"/>
+              <a:gd name="connsiteY16" fmla="*/ 859617 h 859617"/>
+              <a:gd name="connsiteX17" fmla="*/ 1426205 w 5033664"/>
+              <a:gd name="connsiteY17" fmla="*/ 859617 h 859617"/>
+              <a:gd name="connsiteX18" fmla="*/ 866909 w 5033664"/>
+              <a:gd name="connsiteY18" fmla="*/ 859617 h 859617"/>
+              <a:gd name="connsiteX19" fmla="*/ 0 w 5033664"/>
+              <a:gd name="connsiteY19" fmla="*/ 859617 h 859617"/>
+              <a:gd name="connsiteX20" fmla="*/ 0 w 5033664"/>
+              <a:gd name="connsiteY20" fmla="*/ 447001 h 859617"/>
+              <a:gd name="connsiteX21" fmla="*/ 0 w 5033664"/>
+              <a:gd name="connsiteY21" fmla="*/ 0 h 859617"/>
+            </a:gdLst>
+            <a:ahLst/>
+            <a:cxnLst>
+              <a:cxn ang="0">
+                <a:pos x="connsiteX0" y="connsiteY0"/>
+              </a:cxn>
+              <a:cxn ang="0">
+                <a:pos x="connsiteX1" y="connsiteY1"/>
+              </a:cxn>
+              <a:cxn ang="0">
+                <a:pos x="connsiteX2" y="connsiteY2"/>
+              </a:cxn>
+              <a:cxn ang="0">
+                <a:pos x="connsiteX3" y="connsiteY3"/>
+              </a:cxn>
+              <a:cxn ang="0">
+                <a:pos x="connsiteX4" y="connsiteY4"/>
+              </a:cxn>
+              <a:cxn ang="0">
+                <a:pos x="connsiteX5" y="connsiteY5"/>
+              </a:cxn>
+              <a:cxn ang="0">
+                <a:pos x="connsiteX6" y="connsiteY6"/>
+              </a:cxn>
+              <a:cxn ang="0">
+                <a:pos x="connsiteX7" y="connsiteY7"/>
+              </a:cxn>
+              <a:cxn ang="0">
+                <a:pos x="connsiteX8" y="connsiteY8"/>
+              </a:cxn>
+              <a:cxn ang="0">
+                <a:pos x="connsiteX9" y="connsiteY9"/>
+              </a:cxn>
+              <a:cxn ang="0">
+                <a:pos x="connsiteX10" y="connsiteY10"/>
+              </a:cxn>
+              <a:cxn ang="0">
+                <a:pos x="connsiteX11" y="connsiteY11"/>
+              </a:cxn>
+              <a:cxn ang="0">
+                <a:pos x="connsiteX12" y="connsiteY12"/>
+              </a:cxn>
+              <a:cxn ang="0">
+                <a:pos x="connsiteX13" y="connsiteY13"/>
+              </a:cxn>
+              <a:cxn ang="0">
+                <a:pos x="connsiteX14" y="connsiteY14"/>
+              </a:cxn>
+              <a:cxn ang="0">
+                <a:pos x="connsiteX15" y="connsiteY15"/>
+              </a:cxn>
+              <a:cxn ang="0">
+                <a:pos x="connsiteX16" y="connsiteY16"/>
+              </a:cxn>
+              <a:cxn ang="0">
+                <a:pos x="connsiteX17" y="connsiteY17"/>
+              </a:cxn>
+              <a:cxn ang="0">
+                <a:pos x="connsiteX18" y="connsiteY18"/>
+              </a:cxn>
+              <a:cxn ang="0">
+                <a:pos x="connsiteX19" y="connsiteY19"/>
+              </a:cxn>
+              <a:cxn ang="0">
+                <a:pos x="connsiteX20" y="connsiteY20"/>
+              </a:cxn>
+              <a:cxn ang="0">
+                <a:pos x="connsiteX21" y="connsiteY21"/>
+              </a:cxn>
+            </a:cxnLst>
+            <a:rect l="l" t="t" r="r" b="b"/>
+            <a:pathLst>
+              <a:path w="5033664" h="859617" extrusionOk="0">
+                <a:moveTo>
+                  <a:pt x="0" y="0"/>
+                </a:moveTo>
+                <a:cubicBezTo>
+                  <a:pt x="231069" y="-2800"/>
+                  <a:pt x="405649" y="30139"/>
+                  <a:pt x="508959" y="0"/>
+                </a:cubicBezTo>
+                <a:cubicBezTo>
+                  <a:pt x="612269" y="-30139"/>
+                  <a:pt x="751587" y="15953"/>
+                  <a:pt x="917245" y="0"/>
+                </a:cubicBezTo>
+                <a:cubicBezTo>
+                  <a:pt x="1082903" y="-15953"/>
+                  <a:pt x="1286478" y="48342"/>
+                  <a:pt x="1577215" y="0"/>
+                </a:cubicBezTo>
+                <a:cubicBezTo>
+                  <a:pt x="1867952" y="-48342"/>
+                  <a:pt x="1935538" y="1674"/>
+                  <a:pt x="2086174" y="0"/>
+                </a:cubicBezTo>
+                <a:cubicBezTo>
+                  <a:pt x="2236810" y="-1674"/>
+                  <a:pt x="2383459" y="47122"/>
+                  <a:pt x="2595133" y="0"/>
+                </a:cubicBezTo>
+                <a:cubicBezTo>
+                  <a:pt x="2806807" y="-47122"/>
+                  <a:pt x="2942982" y="60265"/>
+                  <a:pt x="3255103" y="0"/>
+                </a:cubicBezTo>
+                <a:cubicBezTo>
+                  <a:pt x="3567224" y="-60265"/>
+                  <a:pt x="3589995" y="4118"/>
+                  <a:pt x="3713725" y="0"/>
+                </a:cubicBezTo>
+                <a:cubicBezTo>
+                  <a:pt x="3837455" y="-4118"/>
+                  <a:pt x="4163799" y="55923"/>
+                  <a:pt x="4373695" y="0"/>
+                </a:cubicBezTo>
+                <a:cubicBezTo>
+                  <a:pt x="4583591" y="-55923"/>
+                  <a:pt x="4792370" y="72882"/>
+                  <a:pt x="5033664" y="0"/>
+                </a:cubicBezTo>
+                <a:cubicBezTo>
+                  <a:pt x="5055270" y="88734"/>
+                  <a:pt x="4998137" y="332223"/>
+                  <a:pt x="5033664" y="429809"/>
+                </a:cubicBezTo>
+                <a:cubicBezTo>
+                  <a:pt x="5069191" y="527395"/>
+                  <a:pt x="4994719" y="769408"/>
+                  <a:pt x="5033664" y="859617"/>
+                </a:cubicBezTo>
+                <a:cubicBezTo>
+                  <a:pt x="4899223" y="905237"/>
+                  <a:pt x="4668899" y="811632"/>
+                  <a:pt x="4424031" y="859617"/>
+                </a:cubicBezTo>
+                <a:cubicBezTo>
+                  <a:pt x="4179163" y="907602"/>
+                  <a:pt x="3938184" y="846621"/>
+                  <a:pt x="3764062" y="859617"/>
+                </a:cubicBezTo>
+                <a:cubicBezTo>
+                  <a:pt x="3589940" y="872613"/>
+                  <a:pt x="3342948" y="792266"/>
+                  <a:pt x="3104093" y="859617"/>
+                </a:cubicBezTo>
+                <a:cubicBezTo>
+                  <a:pt x="2865238" y="926968"/>
+                  <a:pt x="2781097" y="808543"/>
+                  <a:pt x="2645470" y="859617"/>
+                </a:cubicBezTo>
+                <a:cubicBezTo>
+                  <a:pt x="2509843" y="910691"/>
+                  <a:pt x="2332236" y="854017"/>
+                  <a:pt x="2086174" y="859617"/>
+                </a:cubicBezTo>
+                <a:cubicBezTo>
+                  <a:pt x="1840112" y="865217"/>
+                  <a:pt x="1643841" y="810835"/>
+                  <a:pt x="1426205" y="859617"/>
+                </a:cubicBezTo>
+                <a:cubicBezTo>
+                  <a:pt x="1208569" y="908399"/>
+                  <a:pt x="1022497" y="845095"/>
+                  <a:pt x="866909" y="859617"/>
+                </a:cubicBezTo>
+                <a:cubicBezTo>
+                  <a:pt x="711321" y="874139"/>
+                  <a:pt x="222636" y="769811"/>
+                  <a:pt x="0" y="859617"/>
+                </a:cubicBezTo>
+                <a:cubicBezTo>
+                  <a:pt x="-17440" y="682781"/>
+                  <a:pt x="6325" y="553727"/>
+                  <a:pt x="0" y="447001"/>
+                </a:cubicBezTo>
+                <a:cubicBezTo>
+                  <a:pt x="-6325" y="340275"/>
+                  <a:pt x="45105" y="90548"/>
+                  <a:pt x="0" y="0"/>
+                </a:cubicBezTo>
+                <a:close/>
+              </a:path>
+            </a:pathLst>
+          </a:custGeom>
+          <a:noFill/>
+          <a:ln w="12700">
+            <a:solidFill>
+              <a:srgbClr val="7030A0"/>
+            </a:solidFill>
+            <a:extLst>
+              <a:ext uri="{C807C97D-BFC1-408E-A445-0C87EB9F89A2}">
+                <ask:lineSketchStyleProps xmlns:ask="http://schemas.microsoft.com/office/drawing/2018/sketchyshapes" sd="1219033472">
+                  <a:prstGeom prst="rect">
+                    <a:avLst/>
+                  </a:prstGeom>
+                  <ask:type>
+                    <ask:lineSketchScribble/>
+                  </ask:type>
+                </ask:lineSketchStyleProps>
+              </a:ext>
+            </a:extLst>
+          </a:ln>
+        </p:spPr>
+        <p:style>
+          <a:lnRef idx="2">
+            <a:schemeClr val="accent1">
+              <a:shade val="50000"/>
+            </a:schemeClr>
+          </a:lnRef>
+          <a:fillRef idx="1">
+            <a:schemeClr val="accent1"/>
+          </a:fillRef>
+          <a:effectRef idx="0">
+            <a:schemeClr val="accent1"/>
+          </a:effectRef>
+          <a:fontRef idx="minor">
+            <a:schemeClr val="lt1"/>
+          </a:fontRef>
+        </p:style>
+        <p:txBody>
+          <a:bodyPr rtlCol="0" anchor="b"/>
+          <a:lstStyle/>
+          <a:p>
+            <a:r>
+              <a:rPr lang="en-US" sz="1200" dirty="0">
+                <a:solidFill>
+                  <a:srgbClr val="7030A0"/>
+                </a:solidFill>
+              </a:rPr>
+              <a:t>us-west-1b</a:t>
+            </a:r>
+            <a:endParaRPr sz="1200" dirty="0">
+              <a:solidFill>
+                <a:srgbClr val="7030A0"/>
+              </a:solidFill>
+            </a:endParaRPr>
+          </a:p>
+        </p:txBody>
+      </p:sp>
+      <p:grpSp>
+        <p:nvGrpSpPr>
+          <p:cNvPr id="43" name="Group 42">
+            <a:extLst>
+              <a:ext uri="{FF2B5EF4-FFF2-40B4-BE49-F238E27FC236}">
+                <a16:creationId xmlns:a16="http://schemas.microsoft.com/office/drawing/2014/main" id="{A3FD126F-4DC8-2249-B038-0242D9E31F13}"/>
+              </a:ext>
+            </a:extLst>
+          </p:cNvPr>
+          <p:cNvGrpSpPr/>
+          <p:nvPr/>
+        </p:nvGrpSpPr>
+        <p:grpSpPr>
+          <a:xfrm>
+            <a:off x="9216195" y="1454131"/>
+            <a:ext cx="963142" cy="657237"/>
+            <a:chOff x="8616636" y="-1755543"/>
+            <a:chExt cx="963142" cy="657237"/>
+          </a:xfrm>
+        </p:grpSpPr>
+        <p:pic>
+          <p:nvPicPr>
+            <p:cNvPr id="45" name="Picture 44">
+              <a:extLst>
+                <a:ext uri="{FF2B5EF4-FFF2-40B4-BE49-F238E27FC236}">
+                  <a16:creationId xmlns:a16="http://schemas.microsoft.com/office/drawing/2014/main" id="{CBEB8EFC-5644-1D4C-B11E-0E523EE31A07}"/>
+                </a:ext>
+              </a:extLst>
+            </p:cNvPr>
+            <p:cNvPicPr>
+              <a:picLocks noChangeAspect="1"/>
+            </p:cNvPicPr>
+            <p:nvPr/>
+          </p:nvPicPr>
+          <p:blipFill>
+            <a:blip r:embed="rId2"/>
+            <a:stretch>
+              <a:fillRect/>
+            </a:stretch>
+          </p:blipFill>
+          <p:spPr>
+            <a:xfrm>
+              <a:off x="8817828" y="-1755543"/>
+              <a:ext cx="548640" cy="548640"/>
+            </a:xfrm>
+            <a:prstGeom prst="rect">
+              <a:avLst/>
+            </a:prstGeom>
+          </p:spPr>
+        </p:pic>
+        <p:sp>
+          <p:nvSpPr>
+            <p:cNvPr id="46" name="Shape 264">
+              <a:extLst>
+                <a:ext uri="{FF2B5EF4-FFF2-40B4-BE49-F238E27FC236}">
+                  <a16:creationId xmlns:a16="http://schemas.microsoft.com/office/drawing/2014/main" id="{0EF3546F-41D4-704D-A1D8-30D32AE0FE74}"/>
+                </a:ext>
+              </a:extLst>
+            </p:cNvPr>
+            <p:cNvSpPr/>
+            <p:nvPr/>
+          </p:nvSpPr>
+          <p:spPr>
+            <a:xfrm>
+              <a:off x="8616636" y="-1221417"/>
+              <a:ext cx="963142" cy="123111"/>
+            </a:xfrm>
+            <a:prstGeom prst="rect">
+              <a:avLst/>
+            </a:prstGeom>
+            <a:noFill/>
+            <a:ln w="3175" cap="flat">
+              <a:noFill/>
+              <a:miter lim="400000"/>
+            </a:ln>
+            <a:effectLst/>
+            <a:extLst>
+              <a:ext uri="{C572A759-6A51-4108-AA02-DFA0A04FC94B}">
+                <ma14:wrappingTextBoxFlag xmlns:ma14="http://schemas.microsoft.com/office/mac/drawingml/2011/main" xmlns="" val="1"/>
+              </a:ext>
+            </a:extLst>
+          </p:spPr>
+          <p:txBody>
+            <a:bodyPr wrap="square" lIns="0" tIns="0" rIns="0" bIns="0" numCol="1" anchor="t">
+              <a:spAutoFit/>
+            </a:bodyPr>
+            <a:lstStyle/>
+            <a:p>
+              <a:pPr lvl="0" algn="ctr">
+                <a:defRPr sz="1800"/>
+              </a:pPr>
+              <a:r>
+                <a:rPr lang="en-US" sz="800" b="1" dirty="0">
+                  <a:solidFill>
+                    <a:srgbClr val="4277BB"/>
+                  </a:solidFill>
+                  <a:latin typeface="Helvetica"/>
+                  <a:ea typeface="Helvetica"/>
+                  <a:cs typeface="Helvetica"/>
+                  <a:sym typeface="Helvetica"/>
+                </a:rPr>
+                <a:t>EC2 Machine</a:t>
+              </a:r>
+              <a:endParaRPr sz="800" b="1" dirty="0">
+                <a:solidFill>
+                  <a:srgbClr val="4277BB"/>
+                </a:solidFill>
+                <a:latin typeface="Helvetica"/>
+                <a:ea typeface="Helvetica"/>
+                <a:cs typeface="Helvetica"/>
+                <a:sym typeface="Helvetica"/>
+              </a:endParaRPr>
+            </a:p>
+          </p:txBody>
+        </p:sp>
+      </p:grpSp>
+      <p:cxnSp>
+        <p:nvCxnSpPr>
+          <p:cNvPr id="47" name="Elbow Connector 46">
+            <a:extLst>
+              <a:ext uri="{FF2B5EF4-FFF2-40B4-BE49-F238E27FC236}">
+                <a16:creationId xmlns:a16="http://schemas.microsoft.com/office/drawing/2014/main" id="{FA166DFA-06C3-734E-8249-3DA62396C31E}"/>
+              </a:ext>
+            </a:extLst>
+          </p:cNvPr>
+          <p:cNvCxnSpPr>
+            <a:cxnSpLocks/>
+            <a:endCxn id="45" idx="1"/>
+          </p:cNvCxnSpPr>
+          <p:nvPr/>
+        </p:nvCxnSpPr>
+        <p:spPr>
+          <a:xfrm flipV="1">
+            <a:off x="6613319" y="1728451"/>
+            <a:ext cx="2804068" cy="1872116"/>
+          </a:xfrm>
+          <a:prstGeom prst="bentConnector3">
+            <a:avLst/>
+          </a:prstGeom>
+          <a:ln>
+            <a:solidFill>
+              <a:srgbClr val="00813C"/>
+            </a:solidFill>
+            <a:tailEnd type="triangle"/>
+          </a:ln>
+        </p:spPr>
+        <p:style>
+          <a:lnRef idx="1">
+            <a:schemeClr val="accent1"/>
+          </a:lnRef>
+          <a:fillRef idx="0">
+            <a:schemeClr val="accent1"/>
+          </a:fillRef>
+          <a:effectRef idx="0">
+            <a:schemeClr val="accent1"/>
+          </a:effectRef>
+          <a:fontRef idx="minor">
+            <a:schemeClr val="tx1"/>
+          </a:fontRef>
+        </p:style>
+      </p:cxnSp>
+      <p:sp>
+        <p:nvSpPr>
+          <p:cNvPr id="5" name="Rectangle 4">
+            <a:extLst>
+              <a:ext uri="{FF2B5EF4-FFF2-40B4-BE49-F238E27FC236}">
+                <a16:creationId xmlns:a16="http://schemas.microsoft.com/office/drawing/2014/main" id="{D449079A-45E2-0C49-B3AA-AA772DE397E1}"/>
+              </a:ext>
+            </a:extLst>
+          </p:cNvPr>
+          <p:cNvSpPr/>
+          <p:nvPr/>
+        </p:nvSpPr>
+        <p:spPr>
+          <a:xfrm>
+            <a:off x="8415914" y="1077997"/>
+            <a:ext cx="2029424" cy="3957454"/>
+          </a:xfrm>
+          <a:prstGeom prst="rect">
+            <a:avLst/>
+          </a:prstGeom>
+          <a:noFill/>
+          <a:ln>
+            <a:solidFill>
+              <a:srgbClr val="7030A0"/>
+            </a:solidFill>
+            <a:prstDash val="dash"/>
+          </a:ln>
+        </p:spPr>
+        <p:style>
+          <a:lnRef idx="2">
+            <a:schemeClr val="accent1">
+              <a:shade val="50000"/>
+            </a:schemeClr>
+          </a:lnRef>
+          <a:fillRef idx="1">
+            <a:schemeClr val="accent1"/>
+          </a:fillRef>
+          <a:effectRef idx="0">
+            <a:schemeClr val="accent1"/>
+          </a:effectRef>
+          <a:fontRef idx="minor">
+            <a:schemeClr val="lt1"/>
+          </a:fontRef>
+        </p:style>
+        <p:txBody>
+          <a:bodyPr rtlCol="0" anchor="t"/>
+          <a:lstStyle/>
+          <a:p>
+            <a:pPr algn="ctr"/>
+            <a:r>
+              <a:rPr lang="en-US" sz="1200" dirty="0">
+                <a:solidFill>
+                  <a:srgbClr val="7030A0"/>
+                </a:solidFill>
+              </a:rPr>
+              <a:t>Auto Scaling Group</a:t>
+            </a:r>
+            <a:endParaRPr sz="1200" dirty="0">
+              <a:solidFill>
+                <a:srgbClr val="7030A0"/>
+              </a:solidFill>
+            </a:endParaRPr>
+          </a:p>
+        </p:txBody>
+      </p:sp>
+      <p:grpSp>
+        <p:nvGrpSpPr>
+          <p:cNvPr id="49" name="Group 48">
+            <a:extLst>
+              <a:ext uri="{FF2B5EF4-FFF2-40B4-BE49-F238E27FC236}">
+                <a16:creationId xmlns:a16="http://schemas.microsoft.com/office/drawing/2014/main" id="{15D9D918-B6C9-BC40-87EF-01F0A4251B82}"/>
+              </a:ext>
+            </a:extLst>
+          </p:cNvPr>
+          <p:cNvGrpSpPr/>
+          <p:nvPr/>
+        </p:nvGrpSpPr>
+        <p:grpSpPr>
+          <a:xfrm>
+            <a:off x="6137789" y="2360145"/>
+            <a:ext cx="674062" cy="704229"/>
+            <a:chOff x="4628967" y="4317112"/>
+            <a:chExt cx="674062" cy="704229"/>
+          </a:xfrm>
+        </p:grpSpPr>
+        <p:sp>
+          <p:nvSpPr>
+            <p:cNvPr id="50" name="Freeform 49">
+              <a:extLst>
+                <a:ext uri="{FF2B5EF4-FFF2-40B4-BE49-F238E27FC236}">
+                  <a16:creationId xmlns:a16="http://schemas.microsoft.com/office/drawing/2014/main" id="{B3A178CD-B077-5D4E-97E8-1648F1B40FBF}"/>
+                </a:ext>
+              </a:extLst>
+            </p:cNvPr>
+            <p:cNvSpPr/>
+            <p:nvPr/>
+          </p:nvSpPr>
+          <p:spPr>
+            <a:xfrm>
+              <a:off x="4713732" y="4317112"/>
+              <a:ext cx="403860" cy="403504"/>
+            </a:xfrm>
+            <a:custGeom>
+              <a:avLst/>
+              <a:gdLst>
+                <a:gd name="connsiteX0" fmla="*/ 403860 w 403860"/>
+                <a:gd name="connsiteY0" fmla="*/ 201752 h 403504"/>
+                <a:gd name="connsiteX1" fmla="*/ 201930 w 403860"/>
+                <a:gd name="connsiteY1" fmla="*/ 403505 h 403504"/>
+                <a:gd name="connsiteX2" fmla="*/ 0 w 403860"/>
+                <a:gd name="connsiteY2" fmla="*/ 201752 h 403504"/>
+                <a:gd name="connsiteX3" fmla="*/ 201930 w 403860"/>
+                <a:gd name="connsiteY3" fmla="*/ 0 h 403504"/>
+                <a:gd name="connsiteX4" fmla="*/ 403860 w 403860"/>
+                <a:gd name="connsiteY4" fmla="*/ 201752 h 403504"/>
+              </a:gdLst>
+              <a:ahLst/>
+              <a:cxnLst>
+                <a:cxn ang="0">
+                  <a:pos x="connsiteX0" y="connsiteY0"/>
+                </a:cxn>
+                <a:cxn ang="0">
+                  <a:pos x="connsiteX1" y="connsiteY1"/>
+                </a:cxn>
+                <a:cxn ang="0">
+                  <a:pos x="connsiteX2" y="connsiteY2"/>
+                </a:cxn>
+                <a:cxn ang="0">
+                  <a:pos x="connsiteX3" y="connsiteY3"/>
+                </a:cxn>
+                <a:cxn ang="0">
+                  <a:pos x="connsiteX4" y="connsiteY4"/>
+                </a:cxn>
+              </a:cxnLst>
+              <a:rect l="l" t="t" r="r" b="b"/>
+              <a:pathLst>
+                <a:path w="403860" h="403504">
+                  <a:moveTo>
+                    <a:pt x="403860" y="201752"/>
+                  </a:moveTo>
+                  <a:cubicBezTo>
+                    <a:pt x="403860" y="313177"/>
+                    <a:pt x="313453" y="403505"/>
+                    <a:pt x="201930" y="403505"/>
+                  </a:cubicBezTo>
+                  <a:cubicBezTo>
+                    <a:pt x="90407" y="403505"/>
+                    <a:pt x="0" y="313177"/>
+                    <a:pt x="0" y="201752"/>
+                  </a:cubicBezTo>
+                  <a:cubicBezTo>
+                    <a:pt x="0" y="90328"/>
+                    <a:pt x="90407" y="0"/>
+                    <a:pt x="201930" y="0"/>
+                  </a:cubicBezTo>
+                  <a:cubicBezTo>
+                    <a:pt x="313453" y="0"/>
+                    <a:pt x="403860" y="90328"/>
+                    <a:pt x="403860" y="201752"/>
+                  </a:cubicBezTo>
+                  <a:close/>
+                </a:path>
+              </a:pathLst>
+            </a:custGeom>
+            <a:solidFill>
+              <a:srgbClr val="9CCC52"/>
+            </a:solidFill>
+            <a:ln w="7620" cap="flat">
+              <a:noFill/>
+              <a:prstDash val="solid"/>
+              <a:miter/>
+            </a:ln>
+          </p:spPr>
+          <p:txBody>
+            <a:bodyPr rtlCol="0" anchor="ctr"/>
+            <a:lstStyle/>
+            <a:p>
+              <a:endParaRPr lang="en-US" sz="2400" dirty="0"/>
+            </a:p>
+          </p:txBody>
+        </p:sp>
+        <p:sp>
+          <p:nvSpPr>
+            <p:cNvPr id="51" name="TextBox 50">
+              <a:extLst>
+                <a:ext uri="{FF2B5EF4-FFF2-40B4-BE49-F238E27FC236}">
+                  <a16:creationId xmlns:a16="http://schemas.microsoft.com/office/drawing/2014/main" id="{0707C13A-870B-C141-90A4-AA31AC3766B6}"/>
+                </a:ext>
+              </a:extLst>
+            </p:cNvPr>
+            <p:cNvSpPr txBox="1"/>
+            <p:nvPr/>
+          </p:nvSpPr>
+          <p:spPr>
+            <a:xfrm>
+              <a:off x="4628967" y="4695772"/>
+              <a:ext cx="674062" cy="325569"/>
+            </a:xfrm>
+            <a:prstGeom prst="rect">
+              <a:avLst/>
+            </a:prstGeom>
+            <a:noFill/>
+            <a:ln w="3175" cap="flat">
+              <a:noFill/>
+              <a:miter lim="400000"/>
+            </a:ln>
+            <a:effectLst/>
+          </p:spPr>
+          <p:txBody>
+            <a:bodyPr rot="0" spcFirstLastPara="1" vertOverflow="overflow" horzOverflow="overflow" vert="horz" wrap="none" lIns="39290" tIns="39290" rIns="39290" bIns="39290" numCol="1" spcCol="38100" rtlCol="0" anchor="ctr">
+              <a:spAutoFit/>
+            </a:bodyPr>
+            <a:lstStyle/>
+            <a:p>
+              <a:pPr marL="0" marR="0" indent="0" algn="l" defTabSz="584200" rtl="0" fontAlgn="auto" latinLnBrk="1" hangingPunct="0">
+                <a:lnSpc>
+                  <a:spcPct val="100000"/>
+                </a:lnSpc>
+                <a:spcBef>
+                  <a:spcPts val="0"/>
+                </a:spcBef>
+                <a:spcAft>
+                  <a:spcPts val="0"/>
+                </a:spcAft>
+                <a:buClrTx/>
+                <a:buSzTx/>
+                <a:buFontTx/>
+                <a:buNone/>
+                <a:tabLst/>
+              </a:pPr>
+              <a:r>
+                <a:rPr kumimoji="0" lang="en-US" sz="800" b="0" i="0" u="none" strike="noStrike" cap="none" spc="0" normalizeH="0" baseline="0" dirty="0">
+                  <a:ln>
+                    <a:noFill/>
+                  </a:ln>
+                  <a:solidFill>
+                    <a:srgbClr val="518CC8"/>
+                  </a:solidFill>
+                  <a:effectLst/>
+                  <a:uFillTx/>
+                  <a:latin typeface="Arial"/>
+                  <a:ea typeface="+mn-ea"/>
+                  <a:cs typeface="Arial"/>
+                  <a:sym typeface="Arial"/>
+                  <a:rtl val="0"/>
+                </a:rPr>
+                <a:t>LOAD</a:t>
+              </a:r>
+            </a:p>
+            <a:p>
+              <a:pPr marL="0" marR="0" indent="0" algn="l" defTabSz="584200" rtl="0" fontAlgn="auto" latinLnBrk="1" hangingPunct="0">
+                <a:lnSpc>
+                  <a:spcPct val="100000"/>
+                </a:lnSpc>
+                <a:spcBef>
+                  <a:spcPts val="0"/>
+                </a:spcBef>
+                <a:spcAft>
+                  <a:spcPts val="0"/>
+                </a:spcAft>
+                <a:buClrTx/>
+                <a:buSzTx/>
+                <a:buFontTx/>
+                <a:buNone/>
+                <a:tabLst/>
+              </a:pPr>
+              <a:r>
+                <a:rPr kumimoji="0" lang="en-US" sz="800" b="0" i="0" u="none" strike="noStrike" cap="none" spc="0" normalizeH="0" baseline="0" dirty="0">
+                  <a:ln>
+                    <a:noFill/>
+                  </a:ln>
+                  <a:solidFill>
+                    <a:srgbClr val="518CC8"/>
+                  </a:solidFill>
+                  <a:effectLst/>
+                  <a:uFillTx/>
+                  <a:latin typeface="Arial"/>
+                  <a:ea typeface="+mn-ea"/>
+                  <a:cs typeface="Arial"/>
+                  <a:sym typeface="Arial"/>
+                  <a:rtl val="0"/>
+                </a:rPr>
+                <a:t>BALANCING</a:t>
+              </a:r>
+            </a:p>
+          </p:txBody>
+        </p:sp>
+        <p:sp>
+          <p:nvSpPr>
+            <p:cNvPr id="52" name="Freeform 51">
+              <a:extLst>
+                <a:ext uri="{FF2B5EF4-FFF2-40B4-BE49-F238E27FC236}">
+                  <a16:creationId xmlns:a16="http://schemas.microsoft.com/office/drawing/2014/main" id="{620A665A-0CC2-5B43-B106-31FD088C8DC9}"/>
+                </a:ext>
+              </a:extLst>
+            </p:cNvPr>
+            <p:cNvSpPr/>
+            <p:nvPr/>
+          </p:nvSpPr>
+          <p:spPr>
+            <a:xfrm>
+              <a:off x="4773168" y="4436641"/>
+              <a:ext cx="235457" cy="169015"/>
+            </a:xfrm>
+            <a:custGeom>
+              <a:avLst/>
+              <a:gdLst>
+                <a:gd name="connsiteX0" fmla="*/ 185928 w 235457"/>
+                <a:gd name="connsiteY0" fmla="*/ 124097 h 169015"/>
+                <a:gd name="connsiteX1" fmla="*/ 178308 w 235457"/>
+                <a:gd name="connsiteY1" fmla="*/ 123336 h 169015"/>
+                <a:gd name="connsiteX2" fmla="*/ 176022 w 235457"/>
+                <a:gd name="connsiteY2" fmla="*/ 154550 h 169015"/>
+                <a:gd name="connsiteX3" fmla="*/ 132588 w 235457"/>
+                <a:gd name="connsiteY3" fmla="*/ 100496 h 169015"/>
+                <a:gd name="connsiteX4" fmla="*/ 142494 w 235457"/>
+                <a:gd name="connsiteY4" fmla="*/ 88314 h 169015"/>
+                <a:gd name="connsiteX5" fmla="*/ 219456 w 235457"/>
+                <a:gd name="connsiteY5" fmla="*/ 89837 h 169015"/>
+                <a:gd name="connsiteX6" fmla="*/ 195834 w 235457"/>
+                <a:gd name="connsiteY6" fmla="*/ 110393 h 169015"/>
+                <a:gd name="connsiteX7" fmla="*/ 201168 w 235457"/>
+                <a:gd name="connsiteY7" fmla="*/ 115722 h 169015"/>
+                <a:gd name="connsiteX8" fmla="*/ 235458 w 235457"/>
+                <a:gd name="connsiteY8" fmla="*/ 85269 h 169015"/>
+                <a:gd name="connsiteX9" fmla="*/ 202692 w 235457"/>
+                <a:gd name="connsiteY9" fmla="*/ 53293 h 169015"/>
+                <a:gd name="connsiteX10" fmla="*/ 197358 w 235457"/>
+                <a:gd name="connsiteY10" fmla="*/ 58622 h 169015"/>
+                <a:gd name="connsiteX11" fmla="*/ 220218 w 235457"/>
+                <a:gd name="connsiteY11" fmla="*/ 80701 h 169015"/>
+                <a:gd name="connsiteX12" fmla="*/ 144018 w 235457"/>
+                <a:gd name="connsiteY12" fmla="*/ 79178 h 169015"/>
+                <a:gd name="connsiteX13" fmla="*/ 136398 w 235457"/>
+                <a:gd name="connsiteY13" fmla="*/ 63952 h 169015"/>
+                <a:gd name="connsiteX14" fmla="*/ 179832 w 235457"/>
+                <a:gd name="connsiteY14" fmla="*/ 14465 h 169015"/>
+                <a:gd name="connsiteX15" fmla="*/ 180594 w 235457"/>
+                <a:gd name="connsiteY15" fmla="*/ 45680 h 169015"/>
+                <a:gd name="connsiteX16" fmla="*/ 188214 w 235457"/>
+                <a:gd name="connsiteY16" fmla="*/ 45680 h 169015"/>
+                <a:gd name="connsiteX17" fmla="*/ 186690 w 235457"/>
+                <a:gd name="connsiteY17" fmla="*/ 0 h 169015"/>
+                <a:gd name="connsiteX18" fmla="*/ 140970 w 235457"/>
+                <a:gd name="connsiteY18" fmla="*/ 4568 h 169015"/>
+                <a:gd name="connsiteX19" fmla="*/ 141732 w 235457"/>
+                <a:gd name="connsiteY19" fmla="*/ 12181 h 169015"/>
+                <a:gd name="connsiteX20" fmla="*/ 172974 w 235457"/>
+                <a:gd name="connsiteY20" fmla="*/ 9136 h 169015"/>
+                <a:gd name="connsiteX21" fmla="*/ 128016 w 235457"/>
+                <a:gd name="connsiteY21" fmla="*/ 60145 h 169015"/>
+                <a:gd name="connsiteX22" fmla="*/ 121920 w 235457"/>
+                <a:gd name="connsiteY22" fmla="*/ 59384 h 169015"/>
+                <a:gd name="connsiteX23" fmla="*/ 102870 w 235457"/>
+                <a:gd name="connsiteY23" fmla="*/ 70804 h 169015"/>
+                <a:gd name="connsiteX24" fmla="*/ 40386 w 235457"/>
+                <a:gd name="connsiteY24" fmla="*/ 70804 h 169015"/>
+                <a:gd name="connsiteX25" fmla="*/ 22098 w 235457"/>
+                <a:gd name="connsiteY25" fmla="*/ 60906 h 169015"/>
+                <a:gd name="connsiteX26" fmla="*/ 0 w 235457"/>
+                <a:gd name="connsiteY26" fmla="*/ 82224 h 169015"/>
+                <a:gd name="connsiteX27" fmla="*/ 21336 w 235457"/>
+                <a:gd name="connsiteY27" fmla="*/ 104302 h 169015"/>
+                <a:gd name="connsiteX28" fmla="*/ 39624 w 235457"/>
+                <a:gd name="connsiteY28" fmla="*/ 94405 h 169015"/>
+                <a:gd name="connsiteX29" fmla="*/ 102870 w 235457"/>
+                <a:gd name="connsiteY29" fmla="*/ 94405 h 169015"/>
+                <a:gd name="connsiteX30" fmla="*/ 121158 w 235457"/>
+                <a:gd name="connsiteY30" fmla="*/ 104302 h 169015"/>
+                <a:gd name="connsiteX31" fmla="*/ 124968 w 235457"/>
+                <a:gd name="connsiteY31" fmla="*/ 103541 h 169015"/>
+                <a:gd name="connsiteX32" fmla="*/ 169164 w 235457"/>
+                <a:gd name="connsiteY32" fmla="*/ 158357 h 169015"/>
+                <a:gd name="connsiteX33" fmla="*/ 137922 w 235457"/>
+                <a:gd name="connsiteY33" fmla="*/ 154550 h 169015"/>
+                <a:gd name="connsiteX34" fmla="*/ 137160 w 235457"/>
+                <a:gd name="connsiteY34" fmla="*/ 162163 h 169015"/>
+                <a:gd name="connsiteX35" fmla="*/ 182880 w 235457"/>
+                <a:gd name="connsiteY35" fmla="*/ 169015 h 169015"/>
+                <a:gd name="connsiteX36" fmla="*/ 185928 w 235457"/>
+                <a:gd name="connsiteY36" fmla="*/ 124097 h 169015"/>
+                <a:gd name="connsiteX37" fmla="*/ 9144 w 235457"/>
+                <a:gd name="connsiteY37" fmla="*/ 82224 h 169015"/>
+                <a:gd name="connsiteX38" fmla="*/ 22098 w 235457"/>
+                <a:gd name="connsiteY38" fmla="*/ 70042 h 169015"/>
+                <a:gd name="connsiteX39" fmla="*/ 34290 w 235457"/>
+                <a:gd name="connsiteY39" fmla="*/ 82985 h 169015"/>
+                <a:gd name="connsiteX40" fmla="*/ 21336 w 235457"/>
+                <a:gd name="connsiteY40" fmla="*/ 95166 h 169015"/>
+                <a:gd name="connsiteX41" fmla="*/ 9144 w 235457"/>
+                <a:gd name="connsiteY41" fmla="*/ 82224 h 169015"/>
+              </a:gdLst>
+              <a:ahLst/>
+              <a:cxnLst>
+                <a:cxn ang="0">
+                  <a:pos x="connsiteX0" y="connsiteY0"/>
+                </a:cxn>
+                <a:cxn ang="0">
+                  <a:pos x="connsiteX1" y="connsiteY1"/>
+                </a:cxn>
+                <a:cxn ang="0">
+                  <a:pos x="connsiteX2" y="connsiteY2"/>
+                </a:cxn>
+                <a:cxn ang="0">
+                  <a:pos x="connsiteX3" y="connsiteY3"/>
+                </a:cxn>
+                <a:cxn ang="0">
+                  <a:pos x="connsiteX4" y="connsiteY4"/>
+                </a:cxn>
+                <a:cxn ang="0">
+                  <a:pos x="connsiteX5" y="connsiteY5"/>
+                </a:cxn>
+                <a:cxn ang="0">
+                  <a:pos x="connsiteX6" y="connsiteY6"/>
+                </a:cxn>
+                <a:cxn ang="0">
+                  <a:pos x="connsiteX7" y="connsiteY7"/>
+                </a:cxn>
+                <a:cxn ang="0">
+                  <a:pos x="connsiteX8" y="connsiteY8"/>
+                </a:cxn>
+                <a:cxn ang="0">
+                  <a:pos x="connsiteX9" y="connsiteY9"/>
+                </a:cxn>
+                <a:cxn ang="0">
+                  <a:pos x="connsiteX10" y="connsiteY10"/>
+                </a:cxn>
+                <a:cxn ang="0">
+                  <a:pos x="connsiteX11" y="connsiteY11"/>
+                </a:cxn>
+                <a:cxn ang="0">
+                  <a:pos x="connsiteX12" y="connsiteY12"/>
+                </a:cxn>
+                <a:cxn ang="0">
+                  <a:pos x="connsiteX13" y="connsiteY13"/>
+                </a:cxn>
+                <a:cxn ang="0">
+                  <a:pos x="connsiteX14" y="connsiteY14"/>
+                </a:cxn>
+                <a:cxn ang="0">
+                  <a:pos x="connsiteX15" y="connsiteY15"/>
+                </a:cxn>
+                <a:cxn ang="0">
+                  <a:pos x="connsiteX16" y="connsiteY16"/>
+                </a:cxn>
+                <a:cxn ang="0">
+                  <a:pos x="connsiteX17" y="connsiteY17"/>
+                </a:cxn>
+                <a:cxn ang="0">
+                  <a:pos x="connsiteX18" y="connsiteY18"/>
+                </a:cxn>
+                <a:cxn ang="0">
+                  <a:pos x="connsiteX19" y="connsiteY19"/>
+                </a:cxn>
+                <a:cxn ang="0">
+                  <a:pos x="connsiteX20" y="connsiteY20"/>
+                </a:cxn>
+                <a:cxn ang="0">
+                  <a:pos x="connsiteX21" y="connsiteY21"/>
+                </a:cxn>
+                <a:cxn ang="0">
+                  <a:pos x="connsiteX22" y="connsiteY22"/>
+                </a:cxn>
+                <a:cxn ang="0">
+                  <a:pos x="connsiteX23" y="connsiteY23"/>
+                </a:cxn>
+                <a:cxn ang="0">
+                  <a:pos x="connsiteX24" y="connsiteY24"/>
+                </a:cxn>
+                <a:cxn ang="0">
+                  <a:pos x="connsiteX25" y="connsiteY25"/>
+                </a:cxn>
+                <a:cxn ang="0">
+                  <a:pos x="connsiteX26" y="connsiteY26"/>
+                </a:cxn>
+                <a:cxn ang="0">
+                  <a:pos x="connsiteX27" y="connsiteY27"/>
+                </a:cxn>
+                <a:cxn ang="0">
+                  <a:pos x="connsiteX28" y="connsiteY28"/>
+                </a:cxn>
+                <a:cxn ang="0">
+                  <a:pos x="connsiteX29" y="connsiteY29"/>
+                </a:cxn>
+                <a:cxn ang="0">
+                  <a:pos x="connsiteX30" y="connsiteY30"/>
+                </a:cxn>
+                <a:cxn ang="0">
+                  <a:pos x="connsiteX31" y="connsiteY31"/>
+                </a:cxn>
+                <a:cxn ang="0">
+                  <a:pos x="connsiteX32" y="connsiteY32"/>
+                </a:cxn>
+                <a:cxn ang="0">
+                  <a:pos x="connsiteX33" y="connsiteY33"/>
+                </a:cxn>
+                <a:cxn ang="0">
+                  <a:pos x="connsiteX34" y="connsiteY34"/>
+                </a:cxn>
+                <a:cxn ang="0">
+                  <a:pos x="connsiteX35" y="connsiteY35"/>
+                </a:cxn>
+                <a:cxn ang="0">
+                  <a:pos x="connsiteX36" y="connsiteY36"/>
+                </a:cxn>
+                <a:cxn ang="0">
+                  <a:pos x="connsiteX37" y="connsiteY37"/>
+                </a:cxn>
+                <a:cxn ang="0">
+                  <a:pos x="connsiteX38" y="connsiteY38"/>
+                </a:cxn>
+                <a:cxn ang="0">
+                  <a:pos x="connsiteX39" y="connsiteY39"/>
+                </a:cxn>
+                <a:cxn ang="0">
+                  <a:pos x="connsiteX40" y="connsiteY40"/>
+                </a:cxn>
+                <a:cxn ang="0">
+                  <a:pos x="connsiteX41" y="connsiteY41"/>
+                </a:cxn>
+              </a:cxnLst>
+              <a:rect l="l" t="t" r="r" b="b"/>
+              <a:pathLst>
+                <a:path w="235457" h="169015">
+                  <a:moveTo>
+                    <a:pt x="185928" y="124097"/>
+                  </a:moveTo>
+                  <a:lnTo>
+                    <a:pt x="178308" y="123336"/>
+                  </a:lnTo>
+                  <a:lnTo>
+                    <a:pt x="176022" y="154550"/>
+                  </a:lnTo>
+                  <a:lnTo>
+                    <a:pt x="132588" y="100496"/>
+                  </a:lnTo>
+                  <a:cubicBezTo>
+                    <a:pt x="137160" y="97450"/>
+                    <a:pt x="140970" y="93644"/>
+                    <a:pt x="142494" y="88314"/>
+                  </a:cubicBezTo>
+                  <a:lnTo>
+                    <a:pt x="219456" y="89837"/>
+                  </a:lnTo>
+                  <a:lnTo>
+                    <a:pt x="195834" y="110393"/>
+                  </a:lnTo>
+                  <a:lnTo>
+                    <a:pt x="201168" y="115722"/>
+                  </a:lnTo>
+                  <a:lnTo>
+                    <a:pt x="235458" y="85269"/>
+                  </a:lnTo>
+                  <a:lnTo>
+                    <a:pt x="202692" y="53293"/>
+                  </a:lnTo>
+                  <a:lnTo>
+                    <a:pt x="197358" y="58622"/>
+                  </a:lnTo>
+                  <a:lnTo>
+                    <a:pt x="220218" y="80701"/>
+                  </a:lnTo>
+                  <a:lnTo>
+                    <a:pt x="144018" y="79178"/>
+                  </a:lnTo>
+                  <a:cubicBezTo>
+                    <a:pt x="143256" y="73088"/>
+                    <a:pt x="140208" y="67759"/>
+                    <a:pt x="136398" y="63952"/>
+                  </a:cubicBezTo>
+                  <a:lnTo>
+                    <a:pt x="179832" y="14465"/>
+                  </a:lnTo>
+                  <a:lnTo>
+                    <a:pt x="180594" y="45680"/>
+                  </a:lnTo>
+                  <a:lnTo>
+                    <a:pt x="188214" y="45680"/>
+                  </a:lnTo>
+                  <a:lnTo>
+                    <a:pt x="186690" y="0"/>
+                  </a:lnTo>
+                  <a:lnTo>
+                    <a:pt x="140970" y="4568"/>
+                  </a:lnTo>
+                  <a:lnTo>
+                    <a:pt x="141732" y="12181"/>
+                  </a:lnTo>
+                  <a:lnTo>
+                    <a:pt x="172974" y="9136"/>
+                  </a:lnTo>
+                  <a:lnTo>
+                    <a:pt x="128016" y="60145"/>
+                  </a:lnTo>
+                  <a:cubicBezTo>
+                    <a:pt x="125730" y="59384"/>
+                    <a:pt x="124206" y="59384"/>
+                    <a:pt x="121920" y="59384"/>
+                  </a:cubicBezTo>
+                  <a:cubicBezTo>
+                    <a:pt x="113538" y="59384"/>
+                    <a:pt x="106680" y="63952"/>
+                    <a:pt x="102870" y="70804"/>
+                  </a:cubicBezTo>
+                  <a:lnTo>
+                    <a:pt x="40386" y="70804"/>
+                  </a:lnTo>
+                  <a:cubicBezTo>
+                    <a:pt x="36576" y="64713"/>
+                    <a:pt x="29718" y="60906"/>
+                    <a:pt x="22098" y="60906"/>
+                  </a:cubicBezTo>
+                  <a:cubicBezTo>
+                    <a:pt x="9906" y="60906"/>
+                    <a:pt x="0" y="70804"/>
+                    <a:pt x="0" y="82224"/>
+                  </a:cubicBezTo>
+                  <a:cubicBezTo>
+                    <a:pt x="0" y="94405"/>
+                    <a:pt x="9906" y="104302"/>
+                    <a:pt x="21336" y="104302"/>
+                  </a:cubicBezTo>
+                  <a:cubicBezTo>
+                    <a:pt x="28956" y="104302"/>
+                    <a:pt x="35814" y="100496"/>
+                    <a:pt x="39624" y="94405"/>
+                  </a:cubicBezTo>
+                  <a:lnTo>
+                    <a:pt x="102870" y="94405"/>
+                  </a:lnTo>
+                  <a:cubicBezTo>
+                    <a:pt x="106680" y="100496"/>
+                    <a:pt x="113538" y="104302"/>
+                    <a:pt x="121158" y="104302"/>
+                  </a:cubicBezTo>
+                  <a:cubicBezTo>
+                    <a:pt x="122682" y="104302"/>
+                    <a:pt x="124206" y="104302"/>
+                    <a:pt x="124968" y="103541"/>
+                  </a:cubicBezTo>
+                  <a:lnTo>
+                    <a:pt x="169164" y="158357"/>
+                  </a:lnTo>
+                  <a:lnTo>
+                    <a:pt x="137922" y="154550"/>
+                  </a:lnTo>
+                  <a:lnTo>
+                    <a:pt x="137160" y="162163"/>
+                  </a:lnTo>
+                  <a:lnTo>
+                    <a:pt x="182880" y="169015"/>
+                  </a:lnTo>
+                  <a:lnTo>
+                    <a:pt x="185928" y="124097"/>
+                  </a:lnTo>
+                  <a:close/>
+                  <a:moveTo>
+                    <a:pt x="9144" y="82224"/>
+                  </a:moveTo>
+                  <a:cubicBezTo>
+                    <a:pt x="9144" y="75372"/>
+                    <a:pt x="14478" y="69281"/>
+                    <a:pt x="22098" y="70042"/>
+                  </a:cubicBezTo>
+                  <a:cubicBezTo>
+                    <a:pt x="28956" y="70042"/>
+                    <a:pt x="35052" y="75372"/>
+                    <a:pt x="34290" y="82985"/>
+                  </a:cubicBezTo>
+                  <a:cubicBezTo>
+                    <a:pt x="34290" y="89837"/>
+                    <a:pt x="28956" y="95928"/>
+                    <a:pt x="21336" y="95166"/>
+                  </a:cubicBezTo>
+                  <a:cubicBezTo>
+                    <a:pt x="14478" y="95166"/>
+                    <a:pt x="9144" y="89076"/>
+                    <a:pt x="9144" y="82224"/>
+                  </a:cubicBezTo>
+                  <a:close/>
+                </a:path>
+              </a:pathLst>
+            </a:custGeom>
+            <a:solidFill>
+              <a:srgbClr val="FFFFFF"/>
+            </a:solidFill>
+            <a:ln w="7620" cap="flat">
+              <a:noFill/>
+              <a:prstDash val="solid"/>
+              <a:miter/>
+            </a:ln>
+          </p:spPr>
+          <p:txBody>
+            <a:bodyPr rtlCol="0" anchor="ctr"/>
+            <a:lstStyle/>
+            <a:p>
+              <a:endParaRPr lang="en-US"/>
+            </a:p>
+          </p:txBody>
+        </p:sp>
+      </p:grpSp>
+      <p:grpSp>
+        <p:nvGrpSpPr>
+          <p:cNvPr id="54" name="Group 53">
+            <a:extLst>
+              <a:ext uri="{FF2B5EF4-FFF2-40B4-BE49-F238E27FC236}">
+                <a16:creationId xmlns:a16="http://schemas.microsoft.com/office/drawing/2014/main" id="{50A7B356-2A8D-CD41-97D7-346B998FC303}"/>
+              </a:ext>
+            </a:extLst>
+          </p:cNvPr>
+          <p:cNvGrpSpPr/>
+          <p:nvPr/>
+        </p:nvGrpSpPr>
+        <p:grpSpPr>
+          <a:xfrm>
+            <a:off x="6174143" y="1423282"/>
+            <a:ext cx="674062" cy="704229"/>
+            <a:chOff x="4628967" y="4317112"/>
+            <a:chExt cx="674062" cy="704229"/>
+          </a:xfrm>
+        </p:grpSpPr>
+        <p:sp>
+          <p:nvSpPr>
+            <p:cNvPr id="55" name="Freeform 54">
+              <a:extLst>
+                <a:ext uri="{FF2B5EF4-FFF2-40B4-BE49-F238E27FC236}">
+                  <a16:creationId xmlns:a16="http://schemas.microsoft.com/office/drawing/2014/main" id="{72FF3CD9-270B-6F42-B759-33798FDB6D58}"/>
+                </a:ext>
+              </a:extLst>
+            </p:cNvPr>
+            <p:cNvSpPr/>
+            <p:nvPr/>
+          </p:nvSpPr>
+          <p:spPr>
+            <a:xfrm>
+              <a:off x="4713732" y="4317112"/>
+              <a:ext cx="403860" cy="403504"/>
+            </a:xfrm>
+            <a:custGeom>
+              <a:avLst/>
+              <a:gdLst>
+                <a:gd name="connsiteX0" fmla="*/ 403860 w 403860"/>
+                <a:gd name="connsiteY0" fmla="*/ 201752 h 403504"/>
+                <a:gd name="connsiteX1" fmla="*/ 201930 w 403860"/>
+                <a:gd name="connsiteY1" fmla="*/ 403505 h 403504"/>
+                <a:gd name="connsiteX2" fmla="*/ 0 w 403860"/>
+                <a:gd name="connsiteY2" fmla="*/ 201752 h 403504"/>
+                <a:gd name="connsiteX3" fmla="*/ 201930 w 403860"/>
+                <a:gd name="connsiteY3" fmla="*/ 0 h 403504"/>
+                <a:gd name="connsiteX4" fmla="*/ 403860 w 403860"/>
+                <a:gd name="connsiteY4" fmla="*/ 201752 h 403504"/>
+              </a:gdLst>
+              <a:ahLst/>
+              <a:cxnLst>
+                <a:cxn ang="0">
+                  <a:pos x="connsiteX0" y="connsiteY0"/>
+                </a:cxn>
+                <a:cxn ang="0">
+                  <a:pos x="connsiteX1" y="connsiteY1"/>
+                </a:cxn>
+                <a:cxn ang="0">
+                  <a:pos x="connsiteX2" y="connsiteY2"/>
+                </a:cxn>
+                <a:cxn ang="0">
+                  <a:pos x="connsiteX3" y="connsiteY3"/>
+                </a:cxn>
+                <a:cxn ang="0">
+                  <a:pos x="connsiteX4" y="connsiteY4"/>
+                </a:cxn>
+              </a:cxnLst>
+              <a:rect l="l" t="t" r="r" b="b"/>
+              <a:pathLst>
+                <a:path w="403860" h="403504">
+                  <a:moveTo>
+                    <a:pt x="403860" y="201752"/>
+                  </a:moveTo>
+                  <a:cubicBezTo>
+                    <a:pt x="403860" y="313177"/>
+                    <a:pt x="313453" y="403505"/>
+                    <a:pt x="201930" y="403505"/>
+                  </a:cubicBezTo>
+                  <a:cubicBezTo>
+                    <a:pt x="90407" y="403505"/>
+                    <a:pt x="0" y="313177"/>
+                    <a:pt x="0" y="201752"/>
+                  </a:cubicBezTo>
+                  <a:cubicBezTo>
+                    <a:pt x="0" y="90328"/>
+                    <a:pt x="90407" y="0"/>
+                    <a:pt x="201930" y="0"/>
+                  </a:cubicBezTo>
+                  <a:cubicBezTo>
+                    <a:pt x="313453" y="0"/>
+                    <a:pt x="403860" y="90328"/>
+                    <a:pt x="403860" y="201752"/>
+                  </a:cubicBezTo>
+                  <a:close/>
+                </a:path>
+              </a:pathLst>
+            </a:custGeom>
+            <a:solidFill>
+              <a:srgbClr val="9CCC52"/>
+            </a:solidFill>
+            <a:ln w="7620" cap="flat">
+              <a:noFill/>
+              <a:prstDash val="solid"/>
+              <a:miter/>
+            </a:ln>
+          </p:spPr>
+          <p:txBody>
+            <a:bodyPr rtlCol="0" anchor="ctr"/>
+            <a:lstStyle/>
+            <a:p>
+              <a:endParaRPr lang="en-US" sz="2400" dirty="0"/>
+            </a:p>
+          </p:txBody>
+        </p:sp>
+        <p:sp>
+          <p:nvSpPr>
+            <p:cNvPr id="59" name="TextBox 58">
+              <a:extLst>
+                <a:ext uri="{FF2B5EF4-FFF2-40B4-BE49-F238E27FC236}">
+                  <a16:creationId xmlns:a16="http://schemas.microsoft.com/office/drawing/2014/main" id="{3A1DD394-D3AD-1E40-A524-4DA860036800}"/>
+                </a:ext>
+              </a:extLst>
+            </p:cNvPr>
+            <p:cNvSpPr txBox="1"/>
+            <p:nvPr/>
+          </p:nvSpPr>
+          <p:spPr>
+            <a:xfrm>
+              <a:off x="4628967" y="4695772"/>
+              <a:ext cx="674062" cy="325569"/>
+            </a:xfrm>
+            <a:prstGeom prst="rect">
+              <a:avLst/>
+            </a:prstGeom>
+            <a:noFill/>
+            <a:ln w="3175" cap="flat">
+              <a:noFill/>
+              <a:miter lim="400000"/>
+            </a:ln>
+            <a:effectLst/>
+          </p:spPr>
+          <p:txBody>
+            <a:bodyPr rot="0" spcFirstLastPara="1" vertOverflow="overflow" horzOverflow="overflow" vert="horz" wrap="none" lIns="39290" tIns="39290" rIns="39290" bIns="39290" numCol="1" spcCol="38100" rtlCol="0" anchor="ctr">
+              <a:spAutoFit/>
+            </a:bodyPr>
+            <a:lstStyle/>
+            <a:p>
+              <a:pPr marL="0" marR="0" indent="0" algn="l" defTabSz="584200" rtl="0" fontAlgn="auto" latinLnBrk="1" hangingPunct="0">
+                <a:lnSpc>
+                  <a:spcPct val="100000"/>
+                </a:lnSpc>
+                <a:spcBef>
+                  <a:spcPts val="0"/>
+                </a:spcBef>
+                <a:spcAft>
+                  <a:spcPts val="0"/>
+                </a:spcAft>
+                <a:buClrTx/>
+                <a:buSzTx/>
+                <a:buFontTx/>
+                <a:buNone/>
+                <a:tabLst/>
+              </a:pPr>
+              <a:r>
+                <a:rPr kumimoji="0" lang="en-US" sz="800" b="0" i="0" u="none" strike="noStrike" cap="none" spc="0" normalizeH="0" baseline="0" dirty="0">
+                  <a:ln>
+                    <a:noFill/>
+                  </a:ln>
+                  <a:solidFill>
+                    <a:srgbClr val="518CC8"/>
+                  </a:solidFill>
+                  <a:effectLst/>
+                  <a:uFillTx/>
+                  <a:latin typeface="Arial"/>
+                  <a:ea typeface="+mn-ea"/>
+                  <a:cs typeface="Arial"/>
+                  <a:sym typeface="Arial"/>
+                  <a:rtl val="0"/>
+                </a:rPr>
+                <a:t>LOAD</a:t>
+              </a:r>
+            </a:p>
+            <a:p>
+              <a:pPr marL="0" marR="0" indent="0" algn="l" defTabSz="584200" rtl="0" fontAlgn="auto" latinLnBrk="1" hangingPunct="0">
+                <a:lnSpc>
+                  <a:spcPct val="100000"/>
+                </a:lnSpc>
+                <a:spcBef>
+                  <a:spcPts val="0"/>
+                </a:spcBef>
+                <a:spcAft>
+                  <a:spcPts val="0"/>
+                </a:spcAft>
+                <a:buClrTx/>
+                <a:buSzTx/>
+                <a:buFontTx/>
+                <a:buNone/>
+                <a:tabLst/>
+              </a:pPr>
+              <a:r>
+                <a:rPr kumimoji="0" lang="en-US" sz="800" b="0" i="0" u="none" strike="noStrike" cap="none" spc="0" normalizeH="0" baseline="0" dirty="0">
+                  <a:ln>
+                    <a:noFill/>
+                  </a:ln>
+                  <a:solidFill>
+                    <a:srgbClr val="518CC8"/>
+                  </a:solidFill>
+                  <a:effectLst/>
+                  <a:uFillTx/>
+                  <a:latin typeface="Arial"/>
+                  <a:ea typeface="+mn-ea"/>
+                  <a:cs typeface="Arial"/>
+                  <a:sym typeface="Arial"/>
+                  <a:rtl val="0"/>
+                </a:rPr>
+                <a:t>BALANCING</a:t>
+              </a:r>
+            </a:p>
+          </p:txBody>
+        </p:sp>
+        <p:sp>
+          <p:nvSpPr>
+            <p:cNvPr id="60" name="Freeform 59">
+              <a:extLst>
+                <a:ext uri="{FF2B5EF4-FFF2-40B4-BE49-F238E27FC236}">
+                  <a16:creationId xmlns:a16="http://schemas.microsoft.com/office/drawing/2014/main" id="{DF99736D-F2C1-0C4D-9ACD-DFDC2D11CE28}"/>
+                </a:ext>
+              </a:extLst>
+            </p:cNvPr>
+            <p:cNvSpPr/>
+            <p:nvPr/>
+          </p:nvSpPr>
+          <p:spPr>
+            <a:xfrm>
+              <a:off x="4773168" y="4436641"/>
+              <a:ext cx="235457" cy="169015"/>
+            </a:xfrm>
+            <a:custGeom>
+              <a:avLst/>
+              <a:gdLst>
+                <a:gd name="connsiteX0" fmla="*/ 185928 w 235457"/>
+                <a:gd name="connsiteY0" fmla="*/ 124097 h 169015"/>
+                <a:gd name="connsiteX1" fmla="*/ 178308 w 235457"/>
+                <a:gd name="connsiteY1" fmla="*/ 123336 h 169015"/>
+                <a:gd name="connsiteX2" fmla="*/ 176022 w 235457"/>
+                <a:gd name="connsiteY2" fmla="*/ 154550 h 169015"/>
+                <a:gd name="connsiteX3" fmla="*/ 132588 w 235457"/>
+                <a:gd name="connsiteY3" fmla="*/ 100496 h 169015"/>
+                <a:gd name="connsiteX4" fmla="*/ 142494 w 235457"/>
+                <a:gd name="connsiteY4" fmla="*/ 88314 h 169015"/>
+                <a:gd name="connsiteX5" fmla="*/ 219456 w 235457"/>
+                <a:gd name="connsiteY5" fmla="*/ 89837 h 169015"/>
+                <a:gd name="connsiteX6" fmla="*/ 195834 w 235457"/>
+                <a:gd name="connsiteY6" fmla="*/ 110393 h 169015"/>
+                <a:gd name="connsiteX7" fmla="*/ 201168 w 235457"/>
+                <a:gd name="connsiteY7" fmla="*/ 115722 h 169015"/>
+                <a:gd name="connsiteX8" fmla="*/ 235458 w 235457"/>
+                <a:gd name="connsiteY8" fmla="*/ 85269 h 169015"/>
+                <a:gd name="connsiteX9" fmla="*/ 202692 w 235457"/>
+                <a:gd name="connsiteY9" fmla="*/ 53293 h 169015"/>
+                <a:gd name="connsiteX10" fmla="*/ 197358 w 235457"/>
+                <a:gd name="connsiteY10" fmla="*/ 58622 h 169015"/>
+                <a:gd name="connsiteX11" fmla="*/ 220218 w 235457"/>
+                <a:gd name="connsiteY11" fmla="*/ 80701 h 169015"/>
+                <a:gd name="connsiteX12" fmla="*/ 144018 w 235457"/>
+                <a:gd name="connsiteY12" fmla="*/ 79178 h 169015"/>
+                <a:gd name="connsiteX13" fmla="*/ 136398 w 235457"/>
+                <a:gd name="connsiteY13" fmla="*/ 63952 h 169015"/>
+                <a:gd name="connsiteX14" fmla="*/ 179832 w 235457"/>
+                <a:gd name="connsiteY14" fmla="*/ 14465 h 169015"/>
+                <a:gd name="connsiteX15" fmla="*/ 180594 w 235457"/>
+                <a:gd name="connsiteY15" fmla="*/ 45680 h 169015"/>
+                <a:gd name="connsiteX16" fmla="*/ 188214 w 235457"/>
+                <a:gd name="connsiteY16" fmla="*/ 45680 h 169015"/>
+                <a:gd name="connsiteX17" fmla="*/ 186690 w 235457"/>
+                <a:gd name="connsiteY17" fmla="*/ 0 h 169015"/>
+                <a:gd name="connsiteX18" fmla="*/ 140970 w 235457"/>
+                <a:gd name="connsiteY18" fmla="*/ 4568 h 169015"/>
+                <a:gd name="connsiteX19" fmla="*/ 141732 w 235457"/>
+                <a:gd name="connsiteY19" fmla="*/ 12181 h 169015"/>
+                <a:gd name="connsiteX20" fmla="*/ 172974 w 235457"/>
+                <a:gd name="connsiteY20" fmla="*/ 9136 h 169015"/>
+                <a:gd name="connsiteX21" fmla="*/ 128016 w 235457"/>
+                <a:gd name="connsiteY21" fmla="*/ 60145 h 169015"/>
+                <a:gd name="connsiteX22" fmla="*/ 121920 w 235457"/>
+                <a:gd name="connsiteY22" fmla="*/ 59384 h 169015"/>
+                <a:gd name="connsiteX23" fmla="*/ 102870 w 235457"/>
+                <a:gd name="connsiteY23" fmla="*/ 70804 h 169015"/>
+                <a:gd name="connsiteX24" fmla="*/ 40386 w 235457"/>
+                <a:gd name="connsiteY24" fmla="*/ 70804 h 169015"/>
+                <a:gd name="connsiteX25" fmla="*/ 22098 w 235457"/>
+                <a:gd name="connsiteY25" fmla="*/ 60906 h 169015"/>
+                <a:gd name="connsiteX26" fmla="*/ 0 w 235457"/>
+                <a:gd name="connsiteY26" fmla="*/ 82224 h 169015"/>
+                <a:gd name="connsiteX27" fmla="*/ 21336 w 235457"/>
+                <a:gd name="connsiteY27" fmla="*/ 104302 h 169015"/>
+                <a:gd name="connsiteX28" fmla="*/ 39624 w 235457"/>
+                <a:gd name="connsiteY28" fmla="*/ 94405 h 169015"/>
+                <a:gd name="connsiteX29" fmla="*/ 102870 w 235457"/>
+                <a:gd name="connsiteY29" fmla="*/ 94405 h 169015"/>
+                <a:gd name="connsiteX30" fmla="*/ 121158 w 235457"/>
+                <a:gd name="connsiteY30" fmla="*/ 104302 h 169015"/>
+                <a:gd name="connsiteX31" fmla="*/ 124968 w 235457"/>
+                <a:gd name="connsiteY31" fmla="*/ 103541 h 169015"/>
+                <a:gd name="connsiteX32" fmla="*/ 169164 w 235457"/>
+                <a:gd name="connsiteY32" fmla="*/ 158357 h 169015"/>
+                <a:gd name="connsiteX33" fmla="*/ 137922 w 235457"/>
+                <a:gd name="connsiteY33" fmla="*/ 154550 h 169015"/>
+                <a:gd name="connsiteX34" fmla="*/ 137160 w 235457"/>
+                <a:gd name="connsiteY34" fmla="*/ 162163 h 169015"/>
+                <a:gd name="connsiteX35" fmla="*/ 182880 w 235457"/>
+                <a:gd name="connsiteY35" fmla="*/ 169015 h 169015"/>
+                <a:gd name="connsiteX36" fmla="*/ 185928 w 235457"/>
+                <a:gd name="connsiteY36" fmla="*/ 124097 h 169015"/>
+                <a:gd name="connsiteX37" fmla="*/ 9144 w 235457"/>
+                <a:gd name="connsiteY37" fmla="*/ 82224 h 169015"/>
+                <a:gd name="connsiteX38" fmla="*/ 22098 w 235457"/>
+                <a:gd name="connsiteY38" fmla="*/ 70042 h 169015"/>
+                <a:gd name="connsiteX39" fmla="*/ 34290 w 235457"/>
+                <a:gd name="connsiteY39" fmla="*/ 82985 h 169015"/>
+                <a:gd name="connsiteX40" fmla="*/ 21336 w 235457"/>
+                <a:gd name="connsiteY40" fmla="*/ 95166 h 169015"/>
+                <a:gd name="connsiteX41" fmla="*/ 9144 w 235457"/>
+                <a:gd name="connsiteY41" fmla="*/ 82224 h 169015"/>
+              </a:gdLst>
+              <a:ahLst/>
+              <a:cxnLst>
+                <a:cxn ang="0">
+                  <a:pos x="connsiteX0" y="connsiteY0"/>
+                </a:cxn>
+                <a:cxn ang="0">
+                  <a:pos x="connsiteX1" y="connsiteY1"/>
+                </a:cxn>
+                <a:cxn ang="0">
+                  <a:pos x="connsiteX2" y="connsiteY2"/>
+                </a:cxn>
+                <a:cxn ang="0">
+                  <a:pos x="connsiteX3" y="connsiteY3"/>
+                </a:cxn>
+                <a:cxn ang="0">
+                  <a:pos x="connsiteX4" y="connsiteY4"/>
+                </a:cxn>
+                <a:cxn ang="0">
+                  <a:pos x="connsiteX5" y="connsiteY5"/>
+                </a:cxn>
+                <a:cxn ang="0">
+                  <a:pos x="connsiteX6" y="connsiteY6"/>
+                </a:cxn>
+                <a:cxn ang="0">
+                  <a:pos x="connsiteX7" y="connsiteY7"/>
+                </a:cxn>
+                <a:cxn ang="0">
+                  <a:pos x="connsiteX8" y="connsiteY8"/>
+                </a:cxn>
+                <a:cxn ang="0">
+                  <a:pos x="connsiteX9" y="connsiteY9"/>
+                </a:cxn>
+                <a:cxn ang="0">
+                  <a:pos x="connsiteX10" y="connsiteY10"/>
+                </a:cxn>
+                <a:cxn ang="0">
+                  <a:pos x="connsiteX11" y="connsiteY11"/>
+                </a:cxn>
+                <a:cxn ang="0">
+                  <a:pos x="connsiteX12" y="connsiteY12"/>
+                </a:cxn>
+                <a:cxn ang="0">
+                  <a:pos x="connsiteX13" y="connsiteY13"/>
+                </a:cxn>
+                <a:cxn ang="0">
+                  <a:pos x="connsiteX14" y="connsiteY14"/>
+                </a:cxn>
+                <a:cxn ang="0">
+                  <a:pos x="connsiteX15" y="connsiteY15"/>
+                </a:cxn>
+                <a:cxn ang="0">
+                  <a:pos x="connsiteX16" y="connsiteY16"/>
+                </a:cxn>
+                <a:cxn ang="0">
+                  <a:pos x="connsiteX17" y="connsiteY17"/>
+                </a:cxn>
+                <a:cxn ang="0">
+                  <a:pos x="connsiteX18" y="connsiteY18"/>
+                </a:cxn>
+                <a:cxn ang="0">
+                  <a:pos x="connsiteX19" y="connsiteY19"/>
+                </a:cxn>
+                <a:cxn ang="0">
+                  <a:pos x="connsiteX20" y="connsiteY20"/>
+                </a:cxn>
+                <a:cxn ang="0">
+                  <a:pos x="connsiteX21" y="connsiteY21"/>
+                </a:cxn>
+                <a:cxn ang="0">
+                  <a:pos x="connsiteX22" y="connsiteY22"/>
+                </a:cxn>
+                <a:cxn ang="0">
+                  <a:pos x="connsiteX23" y="connsiteY23"/>
+                </a:cxn>
+                <a:cxn ang="0">
+                  <a:pos x="connsiteX24" y="connsiteY24"/>
+                </a:cxn>
+                <a:cxn ang="0">
+                  <a:pos x="connsiteX25" y="connsiteY25"/>
+                </a:cxn>
+                <a:cxn ang="0">
+                  <a:pos x="connsiteX26" y="connsiteY26"/>
+                </a:cxn>
+                <a:cxn ang="0">
+                  <a:pos x="connsiteX27" y="connsiteY27"/>
+                </a:cxn>
+                <a:cxn ang="0">
+                  <a:pos x="connsiteX28" y="connsiteY28"/>
+                </a:cxn>
+                <a:cxn ang="0">
+                  <a:pos x="connsiteX29" y="connsiteY29"/>
+                </a:cxn>
+                <a:cxn ang="0">
+                  <a:pos x="connsiteX30" y="connsiteY30"/>
+                </a:cxn>
+                <a:cxn ang="0">
+                  <a:pos x="connsiteX31" y="connsiteY31"/>
+                </a:cxn>
+                <a:cxn ang="0">
+                  <a:pos x="connsiteX32" y="connsiteY32"/>
+                </a:cxn>
+                <a:cxn ang="0">
+                  <a:pos x="connsiteX33" y="connsiteY33"/>
+                </a:cxn>
+                <a:cxn ang="0">
+                  <a:pos x="connsiteX34" y="connsiteY34"/>
+                </a:cxn>
+                <a:cxn ang="0">
+                  <a:pos x="connsiteX35" y="connsiteY35"/>
+                </a:cxn>
+                <a:cxn ang="0">
+                  <a:pos x="connsiteX36" y="connsiteY36"/>
+                </a:cxn>
+                <a:cxn ang="0">
+                  <a:pos x="connsiteX37" y="connsiteY37"/>
+                </a:cxn>
+                <a:cxn ang="0">
+                  <a:pos x="connsiteX38" y="connsiteY38"/>
+                </a:cxn>
+                <a:cxn ang="0">
+                  <a:pos x="connsiteX39" y="connsiteY39"/>
+                </a:cxn>
+                <a:cxn ang="0">
+                  <a:pos x="connsiteX40" y="connsiteY40"/>
+                </a:cxn>
+                <a:cxn ang="0">
+                  <a:pos x="connsiteX41" y="connsiteY41"/>
+                </a:cxn>
+              </a:cxnLst>
+              <a:rect l="l" t="t" r="r" b="b"/>
+              <a:pathLst>
+                <a:path w="235457" h="169015">
+                  <a:moveTo>
+                    <a:pt x="185928" y="124097"/>
+                  </a:moveTo>
+                  <a:lnTo>
+                    <a:pt x="178308" y="123336"/>
+                  </a:lnTo>
+                  <a:lnTo>
+                    <a:pt x="176022" y="154550"/>
+                  </a:lnTo>
+                  <a:lnTo>
+                    <a:pt x="132588" y="100496"/>
+                  </a:lnTo>
+                  <a:cubicBezTo>
+                    <a:pt x="137160" y="97450"/>
+                    <a:pt x="140970" y="93644"/>
+                    <a:pt x="142494" y="88314"/>
+                  </a:cubicBezTo>
+                  <a:lnTo>
+                    <a:pt x="219456" y="89837"/>
+                  </a:lnTo>
+                  <a:lnTo>
+                    <a:pt x="195834" y="110393"/>
+                  </a:lnTo>
+                  <a:lnTo>
+                    <a:pt x="201168" y="115722"/>
+                  </a:lnTo>
+                  <a:lnTo>
+                    <a:pt x="235458" y="85269"/>
+                  </a:lnTo>
+                  <a:lnTo>
+                    <a:pt x="202692" y="53293"/>
+                  </a:lnTo>
+                  <a:lnTo>
+                    <a:pt x="197358" y="58622"/>
+                  </a:lnTo>
+                  <a:lnTo>
+                    <a:pt x="220218" y="80701"/>
+                  </a:lnTo>
+                  <a:lnTo>
+                    <a:pt x="144018" y="79178"/>
+                  </a:lnTo>
+                  <a:cubicBezTo>
+                    <a:pt x="143256" y="73088"/>
+                    <a:pt x="140208" y="67759"/>
+                    <a:pt x="136398" y="63952"/>
+                  </a:cubicBezTo>
+                  <a:lnTo>
+                    <a:pt x="179832" y="14465"/>
+                  </a:lnTo>
+                  <a:lnTo>
+                    <a:pt x="180594" y="45680"/>
+                  </a:lnTo>
+                  <a:lnTo>
+                    <a:pt x="188214" y="45680"/>
+                  </a:lnTo>
+                  <a:lnTo>
+                    <a:pt x="186690" y="0"/>
+                  </a:lnTo>
+                  <a:lnTo>
+                    <a:pt x="140970" y="4568"/>
+                  </a:lnTo>
+                  <a:lnTo>
+                    <a:pt x="141732" y="12181"/>
+                  </a:lnTo>
+                  <a:lnTo>
+                    <a:pt x="172974" y="9136"/>
+                  </a:lnTo>
+                  <a:lnTo>
+                    <a:pt x="128016" y="60145"/>
+                  </a:lnTo>
+                  <a:cubicBezTo>
+                    <a:pt x="125730" y="59384"/>
+                    <a:pt x="124206" y="59384"/>
+                    <a:pt x="121920" y="59384"/>
+                  </a:cubicBezTo>
+                  <a:cubicBezTo>
+                    <a:pt x="113538" y="59384"/>
+                    <a:pt x="106680" y="63952"/>
+                    <a:pt x="102870" y="70804"/>
+                  </a:cubicBezTo>
+                  <a:lnTo>
+                    <a:pt x="40386" y="70804"/>
+                  </a:lnTo>
+                  <a:cubicBezTo>
+                    <a:pt x="36576" y="64713"/>
+                    <a:pt x="29718" y="60906"/>
+                    <a:pt x="22098" y="60906"/>
+                  </a:cubicBezTo>
+                  <a:cubicBezTo>
+                    <a:pt x="9906" y="60906"/>
+                    <a:pt x="0" y="70804"/>
+                    <a:pt x="0" y="82224"/>
+                  </a:cubicBezTo>
+                  <a:cubicBezTo>
+                    <a:pt x="0" y="94405"/>
+                    <a:pt x="9906" y="104302"/>
+                    <a:pt x="21336" y="104302"/>
+                  </a:cubicBezTo>
+                  <a:cubicBezTo>
+                    <a:pt x="28956" y="104302"/>
+                    <a:pt x="35814" y="100496"/>
+                    <a:pt x="39624" y="94405"/>
+                  </a:cubicBezTo>
+                  <a:lnTo>
+                    <a:pt x="102870" y="94405"/>
+                  </a:lnTo>
+                  <a:cubicBezTo>
+                    <a:pt x="106680" y="100496"/>
+                    <a:pt x="113538" y="104302"/>
+                    <a:pt x="121158" y="104302"/>
+                  </a:cubicBezTo>
+                  <a:cubicBezTo>
+                    <a:pt x="122682" y="104302"/>
+                    <a:pt x="124206" y="104302"/>
+                    <a:pt x="124968" y="103541"/>
+                  </a:cubicBezTo>
+                  <a:lnTo>
+                    <a:pt x="169164" y="158357"/>
+                  </a:lnTo>
+                  <a:lnTo>
+                    <a:pt x="137922" y="154550"/>
+                  </a:lnTo>
+                  <a:lnTo>
+                    <a:pt x="137160" y="162163"/>
+                  </a:lnTo>
+                  <a:lnTo>
+                    <a:pt x="182880" y="169015"/>
+                  </a:lnTo>
+                  <a:lnTo>
+                    <a:pt x="185928" y="124097"/>
+                  </a:lnTo>
+                  <a:close/>
+                  <a:moveTo>
+                    <a:pt x="9144" y="82224"/>
+                  </a:moveTo>
+                  <a:cubicBezTo>
+                    <a:pt x="9144" y="75372"/>
+                    <a:pt x="14478" y="69281"/>
+                    <a:pt x="22098" y="70042"/>
+                  </a:cubicBezTo>
+                  <a:cubicBezTo>
+                    <a:pt x="28956" y="70042"/>
+                    <a:pt x="35052" y="75372"/>
+                    <a:pt x="34290" y="82985"/>
+                  </a:cubicBezTo>
+                  <a:cubicBezTo>
+                    <a:pt x="34290" y="89837"/>
+                    <a:pt x="28956" y="95928"/>
+                    <a:pt x="21336" y="95166"/>
+                  </a:cubicBezTo>
+                  <a:cubicBezTo>
+                    <a:pt x="14478" y="95166"/>
+                    <a:pt x="9144" y="89076"/>
+                    <a:pt x="9144" y="82224"/>
+                  </a:cubicBezTo>
+                  <a:close/>
+                </a:path>
+              </a:pathLst>
+            </a:custGeom>
+            <a:solidFill>
+              <a:srgbClr val="FFFFFF"/>
+            </a:solidFill>
+            <a:ln w="7620" cap="flat">
+              <a:noFill/>
+              <a:prstDash val="solid"/>
+              <a:miter/>
+            </a:ln>
+          </p:spPr>
+          <p:txBody>
+            <a:bodyPr rtlCol="0" anchor="ctr"/>
+            <a:lstStyle/>
+            <a:p>
+              <a:endParaRPr lang="en-US"/>
+            </a:p>
+          </p:txBody>
+        </p:sp>
+      </p:grpSp>
+      <p:grpSp>
+        <p:nvGrpSpPr>
+          <p:cNvPr id="61" name="Group 60">
+            <a:extLst>
+              <a:ext uri="{FF2B5EF4-FFF2-40B4-BE49-F238E27FC236}">
+                <a16:creationId xmlns:a16="http://schemas.microsoft.com/office/drawing/2014/main" id="{7236DDCC-9CC0-464E-B6AF-B50BFC82E7E0}"/>
+              </a:ext>
+            </a:extLst>
+          </p:cNvPr>
+          <p:cNvGrpSpPr/>
+          <p:nvPr/>
+        </p:nvGrpSpPr>
+        <p:grpSpPr>
+          <a:xfrm>
+            <a:off x="5181600" y="4005271"/>
+            <a:ext cx="734297" cy="878486"/>
+            <a:chOff x="4987959" y="-1693546"/>
+            <a:chExt cx="734297" cy="878486"/>
+          </a:xfrm>
+        </p:grpSpPr>
+        <p:pic>
+          <p:nvPicPr>
+            <p:cNvPr id="62" name="Picture 61">
+              <a:extLst>
+                <a:ext uri="{FF2B5EF4-FFF2-40B4-BE49-F238E27FC236}">
+                  <a16:creationId xmlns:a16="http://schemas.microsoft.com/office/drawing/2014/main" id="{6624344D-F055-B44B-A325-A033CB501FF7}"/>
+                </a:ext>
+              </a:extLst>
+            </p:cNvPr>
+            <p:cNvPicPr>
+              <a:picLocks noChangeAspect="1"/>
+            </p:cNvPicPr>
+            <p:nvPr/>
+          </p:nvPicPr>
+          <p:blipFill>
+            <a:blip r:embed="rId7"/>
+            <a:stretch>
+              <a:fillRect/>
+            </a:stretch>
+          </p:blipFill>
+          <p:spPr>
+            <a:xfrm>
+              <a:off x="5069111" y="-1693546"/>
+              <a:ext cx="548640" cy="548640"/>
+            </a:xfrm>
+            <a:prstGeom prst="rect">
+              <a:avLst/>
+            </a:prstGeom>
+          </p:spPr>
+        </p:pic>
+        <p:sp>
+          <p:nvSpPr>
+            <p:cNvPr id="63" name="Shape 264">
+              <a:extLst>
+                <a:ext uri="{FF2B5EF4-FFF2-40B4-BE49-F238E27FC236}">
+                  <a16:creationId xmlns:a16="http://schemas.microsoft.com/office/drawing/2014/main" id="{1CD9FE57-71E8-D84A-A2FD-F510C0B0AE01}"/>
+                </a:ext>
+              </a:extLst>
+            </p:cNvPr>
+            <p:cNvSpPr/>
+            <p:nvPr/>
+          </p:nvSpPr>
+          <p:spPr>
+            <a:xfrm>
+              <a:off x="4987959" y="-1153614"/>
+              <a:ext cx="734297" cy="338554"/>
+            </a:xfrm>
+            <a:prstGeom prst="rect">
+              <a:avLst/>
+            </a:prstGeom>
+            <a:noFill/>
+            <a:ln w="3175" cap="flat">
+              <a:noFill/>
+              <a:miter lim="400000"/>
+            </a:ln>
+            <a:effectLst/>
+            <a:extLst>
+              <a:ext uri="{C572A759-6A51-4108-AA02-DFA0A04FC94B}">
+                <ma14:wrappingTextBoxFlag xmlns:ma14="http://schemas.microsoft.com/office/mac/drawingml/2011/main" xmlns="" val="1"/>
+              </a:ext>
+            </a:extLst>
+          </p:spPr>
+          <p:txBody>
+            <a:bodyPr wrap="square" lIns="0" tIns="0" rIns="0" bIns="0" numCol="1" anchor="t">
+              <a:spAutoFit/>
+            </a:bodyPr>
+            <a:lstStyle/>
+            <a:p>
+              <a:pPr lvl="0" algn="ctr">
+                <a:defRPr sz="1800"/>
+              </a:pPr>
+              <a:r>
+                <a:rPr lang="en-US" sz="1100" b="1" dirty="0">
+                  <a:solidFill>
+                    <a:srgbClr val="4277BB"/>
+                  </a:solidFill>
+                  <a:latin typeface="Helvetica"/>
+                  <a:ea typeface="Helvetica"/>
+                  <a:cs typeface="Helvetica"/>
+                  <a:sym typeface="Helvetica"/>
+                </a:rPr>
+                <a:t>DNS</a:t>
+              </a:r>
+            </a:p>
+            <a:p>
+              <a:pPr lvl="0" algn="ctr">
+                <a:defRPr sz="1800"/>
+              </a:pPr>
+              <a:r>
+                <a:rPr lang="en-US" sz="1100" b="1" dirty="0">
+                  <a:solidFill>
+                    <a:srgbClr val="4277BB"/>
+                  </a:solidFill>
+                  <a:latin typeface="Helvetica"/>
+                  <a:ea typeface="Helvetica"/>
+                  <a:cs typeface="Helvetica"/>
+                  <a:sym typeface="Helvetica"/>
+                </a:rPr>
+                <a:t>Route 53</a:t>
+              </a:r>
+              <a:endParaRPr sz="1100" b="1" dirty="0">
+                <a:solidFill>
+                  <a:srgbClr val="4277BB"/>
+                </a:solidFill>
+                <a:latin typeface="Helvetica"/>
+                <a:ea typeface="Helvetica"/>
+                <a:cs typeface="Helvetica"/>
+                <a:sym typeface="Helvetica"/>
+              </a:endParaRPr>
+            </a:p>
+          </p:txBody>
+        </p:sp>
+      </p:grpSp>
+      <p:sp>
+        <p:nvSpPr>
+          <p:cNvPr id="28" name="Title 27">
+            <a:extLst>
+              <a:ext uri="{FF2B5EF4-FFF2-40B4-BE49-F238E27FC236}">
+                <a16:creationId xmlns:a16="http://schemas.microsoft.com/office/drawing/2014/main" id="{0BB5D495-0AC9-BD46-A60A-F62B76C73787}"/>
+              </a:ext>
+            </a:extLst>
+          </p:cNvPr>
+          <p:cNvSpPr>
+            <a:spLocks noGrp="1"/>
+          </p:cNvSpPr>
+          <p:nvPr>
+            <p:ph type="title"/>
+          </p:nvPr>
+        </p:nvSpPr>
+        <p:spPr/>
+        <p:txBody>
+          <a:bodyPr/>
+          <a:lstStyle/>
+          <a:p>
+            <a:r>
+              <a:rPr lang="en-US" dirty="0"/>
+              <a:t>Stateless App</a:t>
+            </a:r>
+            <a:endParaRPr dirty="0"/>
+          </a:p>
+        </p:txBody>
+      </p:sp>
     </p:spTree>
     <p:extLst>
       <p:ext uri="{BB962C8B-B14F-4D97-AF65-F5344CB8AC3E}">
@@ -11721,7 +14078,7 @@
             <p:nvPr/>
           </p:nvPicPr>
           <p:blipFill>
-            <a:blip r:embed="rId2"/>
+            <a:blip r:embed="rId3"/>
             <a:stretch>
               <a:fillRect/>
             </a:stretch>
@@ -11764,7 +14121,7 @@
             <a:effectLst/>
             <a:extLst>
               <a:ext uri="{C572A759-6A51-4108-AA02-DFA0A04FC94B}">
-                <ma14:wrappingTextBoxFlag xmlns:ma14="http://schemas.microsoft.com/office/mac/drawingml/2011/main" xmlns="" val="1"/>
+                <ma14:wrappingTextBoxFlag xmlns="" xmlns:ma14="http://schemas.microsoft.com/office/mac/drawingml/2011/main" val="1"/>
               </a:ext>
             </a:extLst>
           </p:spPr>
@@ -11837,7 +14194,7 @@
             <p:nvPr/>
           </p:nvPicPr>
           <p:blipFill>
-            <a:blip r:embed="rId2"/>
+            <a:blip r:embed="rId3"/>
             <a:stretch>
               <a:fillRect/>
             </a:stretch>
@@ -11880,7 +14237,7 @@
             <a:effectLst/>
             <a:extLst>
               <a:ext uri="{C572A759-6A51-4108-AA02-DFA0A04FC94B}">
-                <ma14:wrappingTextBoxFlag xmlns:ma14="http://schemas.microsoft.com/office/mac/drawingml/2011/main" xmlns="" val="1"/>
+                <ma14:wrappingTextBoxFlag xmlns="" xmlns:ma14="http://schemas.microsoft.com/office/mac/drawingml/2011/main" val="1"/>
               </a:ext>
             </a:extLst>
           </p:spPr>
@@ -11953,7 +14310,7 @@
             <p:nvPr/>
           </p:nvPicPr>
           <p:blipFill>
-            <a:blip r:embed="rId2"/>
+            <a:blip r:embed="rId3"/>
             <a:stretch>
               <a:fillRect/>
             </a:stretch>
@@ -11996,7 +14353,7 @@
             <a:effectLst/>
             <a:extLst>
               <a:ext uri="{C572A759-6A51-4108-AA02-DFA0A04FC94B}">
-                <ma14:wrappingTextBoxFlag xmlns:ma14="http://schemas.microsoft.com/office/mac/drawingml/2011/main" xmlns="" val="1"/>
+                <ma14:wrappingTextBoxFlag xmlns="" xmlns:ma14="http://schemas.microsoft.com/office/mac/drawingml/2011/main" val="1"/>
               </a:ext>
             </a:extLst>
           </p:spPr>
@@ -12069,7 +14426,7 @@
             <p:nvPr/>
           </p:nvPicPr>
           <p:blipFill>
-            <a:blip r:embed="rId2"/>
+            <a:blip r:embed="rId3"/>
             <a:stretch>
               <a:fillRect/>
             </a:stretch>
@@ -12112,7 +14469,7 @@
             <a:effectLst/>
             <a:extLst>
               <a:ext uri="{C572A759-6A51-4108-AA02-DFA0A04FC94B}">
-                <ma14:wrappingTextBoxFlag xmlns:ma14="http://schemas.microsoft.com/office/mac/drawingml/2011/main" xmlns="" val="1"/>
+                <ma14:wrappingTextBoxFlag xmlns="" xmlns:ma14="http://schemas.microsoft.com/office/mac/drawingml/2011/main" val="1"/>
               </a:ext>
             </a:extLst>
           </p:spPr>
@@ -12185,7 +14542,7 @@
             <p:nvPr/>
           </p:nvPicPr>
           <p:blipFill>
-            <a:blip r:embed="rId2"/>
+            <a:blip r:embed="rId3"/>
             <a:stretch>
               <a:fillRect/>
             </a:stretch>
@@ -12228,7 +14585,7 @@
             <a:effectLst/>
             <a:extLst>
               <a:ext uri="{C572A759-6A51-4108-AA02-DFA0A04FC94B}">
-                <ma14:wrappingTextBoxFlag xmlns:ma14="http://schemas.microsoft.com/office/mac/drawingml/2011/main" xmlns="" val="1"/>
+                <ma14:wrappingTextBoxFlag xmlns="" xmlns:ma14="http://schemas.microsoft.com/office/mac/drawingml/2011/main" val="1"/>
               </a:ext>
             </a:extLst>
           </p:spPr>
@@ -12301,7 +14658,7 @@
             <p:nvPr/>
           </p:nvPicPr>
           <p:blipFill>
-            <a:blip r:embed="rId2"/>
+            <a:blip r:embed="rId3"/>
             <a:stretch>
               <a:fillRect/>
             </a:stretch>
@@ -12344,7 +14701,7 @@
             <a:effectLst/>
             <a:extLst>
               <a:ext uri="{C572A759-6A51-4108-AA02-DFA0A04FC94B}">
-                <ma14:wrappingTextBoxFlag xmlns:ma14="http://schemas.microsoft.com/office/mac/drawingml/2011/main" xmlns="" val="1"/>
+                <ma14:wrappingTextBoxFlag xmlns="" xmlns:ma14="http://schemas.microsoft.com/office/mac/drawingml/2011/main" val="1"/>
               </a:ext>
             </a:extLst>
           </p:spPr>
@@ -13771,6 +16128,5207 @@
     <p:extLst>
       <p:ext uri="{BB962C8B-B14F-4D97-AF65-F5344CB8AC3E}">
         <p14:creationId xmlns:p14="http://schemas.microsoft.com/office/powerpoint/2010/main" val="1041327355"/>
+      </p:ext>
+    </p:extLst>
+  </p:cSld>
+  <p:clrMapOvr>
+    <a:masterClrMapping/>
+  </p:clrMapOvr>
+</p:sld>
+</file>
+
+<file path=ppt/slides/slide4.xml><?xml version="1.0" encoding="utf-8"?>
+<p:sld xmlns:a="http://schemas.openxmlformats.org/drawingml/2006/main" xmlns:r="http://schemas.openxmlformats.org/officeDocument/2006/relationships" xmlns:p="http://schemas.openxmlformats.org/presentationml/2006/main">
+  <p:cSld>
+    <p:spTree>
+      <p:nvGrpSpPr>
+        <p:cNvPr id="1" name=""/>
+        <p:cNvGrpSpPr/>
+        <p:nvPr/>
+      </p:nvGrpSpPr>
+      <p:grpSpPr>
+        <a:xfrm>
+          <a:off x="0" y="0"/>
+          <a:ext cx="0" cy="0"/>
+          <a:chOff x="0" y="0"/>
+          <a:chExt cx="0" cy="0"/>
+        </a:xfrm>
+      </p:grpSpPr>
+      <p:sp>
+        <p:nvSpPr>
+          <p:cNvPr id="2" name="Slide Number Placeholder 1">
+            <a:extLst>
+              <a:ext uri="{FF2B5EF4-FFF2-40B4-BE49-F238E27FC236}">
+                <a16:creationId xmlns:a16="http://schemas.microsoft.com/office/drawing/2014/main" id="{5EE9C783-8257-6B49-AA1A-F27420BF38F3}"/>
+              </a:ext>
+            </a:extLst>
+          </p:cNvPr>
+          <p:cNvSpPr>
+            <a:spLocks noGrp="1"/>
+          </p:cNvSpPr>
+          <p:nvPr>
+            <p:ph type="sldNum" sz="quarter" idx="10"/>
+          </p:nvPr>
+        </p:nvSpPr>
+        <p:spPr/>
+        <p:txBody>
+          <a:bodyPr/>
+          <a:lstStyle/>
+          <a:p>
+            <a:pPr defTabSz="911231" eaLnBrk="1" fontAlgn="auto" hangingPunct="1">
+              <a:spcBef>
+                <a:spcPts val="0"/>
+              </a:spcBef>
+              <a:spcAft>
+                <a:spcPts val="0"/>
+              </a:spcAft>
+              <a:defRPr/>
+            </a:pPr>
+            <a:r>
+              <a:rPr lang="en-US" altLang="en-US">
+                <a:solidFill>
+                  <a:srgbClr val="FFFFFF"/>
+                </a:solidFill>
+                <a:latin typeface="Arial"/>
+                <a:ea typeface="ＭＳ Ｐゴシック" charset="0"/>
+                <a:cs typeface="Arial"/>
+                <a:sym typeface="Helvetica" charset="0"/>
+              </a:rPr>
+              <a:t>IBM Confidential – Page </a:t>
+            </a:r>
+            <a:fld id="{2EA511B6-828F-475A-8F82-6101E4A3C276}" type="slidenum">
+              <a:rPr lang="en-US" altLang="en-US" smtClean="0">
+                <a:solidFill>
+                  <a:srgbClr val="FFFFFF"/>
+                </a:solidFill>
+                <a:latin typeface="Arial"/>
+                <a:ea typeface="ＭＳ Ｐゴシック" charset="0"/>
+                <a:cs typeface="Arial"/>
+                <a:sym typeface="Helvetica" charset="0"/>
+              </a:rPr>
+              <a:pPr defTabSz="911231" eaLnBrk="1" fontAlgn="auto" hangingPunct="1">
+                <a:spcBef>
+                  <a:spcPts val="0"/>
+                </a:spcBef>
+                <a:spcAft>
+                  <a:spcPts val="0"/>
+                </a:spcAft>
+                <a:defRPr/>
+              </a:pPr>
+              <a:t>4</a:t>
+            </a:fld>
+            <a:endParaRPr lang="en-US" altLang="en-US">
+              <a:solidFill>
+                <a:srgbClr val="FFFFFF"/>
+              </a:solidFill>
+              <a:latin typeface="Arial"/>
+              <a:ea typeface="ＭＳ Ｐゴシック" charset="0"/>
+              <a:cs typeface="Arial"/>
+              <a:sym typeface="Helvetica" charset="0"/>
+            </a:endParaRPr>
+          </a:p>
+        </p:txBody>
+      </p:sp>
+      <p:sp>
+        <p:nvSpPr>
+          <p:cNvPr id="3" name="Rounded Rectangle 2">
+            <a:extLst>
+              <a:ext uri="{FF2B5EF4-FFF2-40B4-BE49-F238E27FC236}">
+                <a16:creationId xmlns:a16="http://schemas.microsoft.com/office/drawing/2014/main" id="{5A07C6E7-3142-814D-B94A-13D53455F7C5}"/>
+              </a:ext>
+            </a:extLst>
+          </p:cNvPr>
+          <p:cNvSpPr/>
+          <p:nvPr/>
+        </p:nvSpPr>
+        <p:spPr>
+          <a:xfrm>
+            <a:off x="5809203" y="3429000"/>
+            <a:ext cx="1752828" cy="531368"/>
+          </a:xfrm>
+          <a:prstGeom prst="roundRect">
+            <a:avLst>
+              <a:gd name="adj" fmla="val 6808"/>
+            </a:avLst>
+          </a:prstGeom>
+          <a:solidFill>
+            <a:schemeClr val="tx2">
+              <a:lumMod val="75000"/>
+            </a:schemeClr>
+          </a:solidFill>
+          <a:ln>
+            <a:noFill/>
+          </a:ln>
+          <a:effectLst>
+            <a:outerShdw blurRad="50800" dist="38100" dir="5400000" algn="t" rotWithShape="0">
+              <a:prstClr val="black">
+                <a:alpha val="40000"/>
+              </a:prstClr>
+            </a:outerShdw>
+          </a:effectLst>
+        </p:spPr>
+        <p:style>
+          <a:lnRef idx="2">
+            <a:schemeClr val="accent1">
+              <a:shade val="50000"/>
+            </a:schemeClr>
+          </a:lnRef>
+          <a:fillRef idx="1">
+            <a:schemeClr val="accent1"/>
+          </a:fillRef>
+          <a:effectRef idx="0">
+            <a:schemeClr val="accent1"/>
+          </a:effectRef>
+          <a:fontRef idx="minor">
+            <a:schemeClr val="lt1"/>
+          </a:fontRef>
+        </p:style>
+        <p:txBody>
+          <a:bodyPr rtlCol="0" anchor="t"/>
+          <a:lstStyle/>
+          <a:p>
+            <a:pPr algn="ctr"/>
+            <a:r>
+              <a:rPr lang="en-US" sz="1100" dirty="0"/>
+              <a:t>Application</a:t>
+            </a:r>
+          </a:p>
+          <a:p>
+            <a:pPr algn="ctr"/>
+            <a:r>
+              <a:rPr lang="en-US" sz="1100" dirty="0"/>
+              <a:t>IP: 192.45.6.7</a:t>
+            </a:r>
+            <a:endParaRPr sz="1100" dirty="0"/>
+          </a:p>
+        </p:txBody>
+      </p:sp>
+      <p:grpSp>
+        <p:nvGrpSpPr>
+          <p:cNvPr id="4" name="Group 3">
+            <a:extLst>
+              <a:ext uri="{FF2B5EF4-FFF2-40B4-BE49-F238E27FC236}">
+                <a16:creationId xmlns:a16="http://schemas.microsoft.com/office/drawing/2014/main" id="{7AC31CF3-753C-7149-9BBF-8AA2B78DC6AB}"/>
+              </a:ext>
+            </a:extLst>
+          </p:cNvPr>
+          <p:cNvGrpSpPr/>
+          <p:nvPr/>
+        </p:nvGrpSpPr>
+        <p:grpSpPr>
+          <a:xfrm>
+            <a:off x="6055825" y="1197913"/>
+            <a:ext cx="734297" cy="1186263"/>
+            <a:chOff x="4987959" y="-1693546"/>
+            <a:chExt cx="734297" cy="1186263"/>
+          </a:xfrm>
+        </p:grpSpPr>
+        <p:pic>
+          <p:nvPicPr>
+            <p:cNvPr id="5" name="Picture 4">
+              <a:extLst>
+                <a:ext uri="{FF2B5EF4-FFF2-40B4-BE49-F238E27FC236}">
+                  <a16:creationId xmlns:a16="http://schemas.microsoft.com/office/drawing/2014/main" id="{4925D168-B4B0-BA48-A22C-7777100BB386}"/>
+                </a:ext>
+              </a:extLst>
+            </p:cNvPr>
+            <p:cNvPicPr>
+              <a:picLocks noChangeAspect="1"/>
+            </p:cNvPicPr>
+            <p:nvPr/>
+          </p:nvPicPr>
+          <p:blipFill>
+            <a:blip r:embed="rId3"/>
+            <a:stretch>
+              <a:fillRect/>
+            </a:stretch>
+          </p:blipFill>
+          <p:spPr>
+            <a:xfrm>
+              <a:off x="5069111" y="-1693546"/>
+              <a:ext cx="548640" cy="548640"/>
+            </a:xfrm>
+            <a:prstGeom prst="rect">
+              <a:avLst/>
+            </a:prstGeom>
+          </p:spPr>
+        </p:pic>
+        <p:sp>
+          <p:nvSpPr>
+            <p:cNvPr id="6" name="Shape 264">
+              <a:extLst>
+                <a:ext uri="{FF2B5EF4-FFF2-40B4-BE49-F238E27FC236}">
+                  <a16:creationId xmlns:a16="http://schemas.microsoft.com/office/drawing/2014/main" id="{F837BBC5-CD11-AC40-A958-A8E06AC8AADA}"/>
+                </a:ext>
+              </a:extLst>
+            </p:cNvPr>
+            <p:cNvSpPr/>
+            <p:nvPr/>
+          </p:nvSpPr>
+          <p:spPr>
+            <a:xfrm>
+              <a:off x="4987959" y="-1153614"/>
+              <a:ext cx="734297" cy="646331"/>
+            </a:xfrm>
+            <a:prstGeom prst="rect">
+              <a:avLst/>
+            </a:prstGeom>
+            <a:noFill/>
+            <a:ln w="3175" cap="flat">
+              <a:noFill/>
+              <a:miter lim="400000"/>
+            </a:ln>
+            <a:effectLst/>
+            <a:extLst>
+              <a:ext uri="{C572A759-6A51-4108-AA02-DFA0A04FC94B}">
+                <ma14:wrappingTextBoxFlag xmlns:ma14="http://schemas.microsoft.com/office/mac/drawingml/2011/main" xmlns="" val="1"/>
+              </a:ext>
+            </a:extLst>
+          </p:spPr>
+          <p:txBody>
+            <a:bodyPr wrap="square" lIns="0" tIns="0" rIns="0" bIns="0" numCol="1" anchor="t">
+              <a:spAutoFit/>
+            </a:bodyPr>
+            <a:lstStyle/>
+            <a:p>
+              <a:pPr lvl="0" algn="ctr">
+                <a:defRPr sz="1800"/>
+              </a:pPr>
+              <a:r>
+                <a:rPr lang="en-US" sz="1400" b="1" dirty="0">
+                  <a:solidFill>
+                    <a:srgbClr val="4277BB"/>
+                  </a:solidFill>
+                  <a:latin typeface="Helvetica"/>
+                  <a:ea typeface="Helvetica"/>
+                  <a:cs typeface="Helvetica"/>
+                  <a:sym typeface="Helvetica"/>
+                </a:rPr>
+                <a:t>DNS</a:t>
+              </a:r>
+            </a:p>
+            <a:p>
+              <a:pPr lvl="0" algn="ctr">
+                <a:defRPr sz="1800"/>
+              </a:pPr>
+              <a:r>
+                <a:rPr lang="en-US" sz="1400" b="1" dirty="0">
+                  <a:solidFill>
+                    <a:srgbClr val="4277BB"/>
+                  </a:solidFill>
+                  <a:latin typeface="Helvetica"/>
+                  <a:ea typeface="Helvetica"/>
+                  <a:cs typeface="Helvetica"/>
+                  <a:sym typeface="Helvetica"/>
+                </a:rPr>
+                <a:t>Route 53</a:t>
+              </a:r>
+              <a:endParaRPr sz="1400" b="1" dirty="0">
+                <a:solidFill>
+                  <a:srgbClr val="4277BB"/>
+                </a:solidFill>
+                <a:latin typeface="Helvetica"/>
+                <a:ea typeface="Helvetica"/>
+                <a:cs typeface="Helvetica"/>
+                <a:sym typeface="Helvetica"/>
+              </a:endParaRPr>
+            </a:p>
+          </p:txBody>
+        </p:sp>
+      </p:grpSp>
+      <p:sp>
+        <p:nvSpPr>
+          <p:cNvPr id="7" name="Rounded Rectangle 6">
+            <a:extLst>
+              <a:ext uri="{FF2B5EF4-FFF2-40B4-BE49-F238E27FC236}">
+                <a16:creationId xmlns:a16="http://schemas.microsoft.com/office/drawing/2014/main" id="{B7C0EC94-5976-0641-85C9-64EAA90B6F2E}"/>
+              </a:ext>
+            </a:extLst>
+          </p:cNvPr>
+          <p:cNvSpPr/>
+          <p:nvPr/>
+        </p:nvSpPr>
+        <p:spPr>
+          <a:xfrm>
+            <a:off x="577823" y="1697482"/>
+            <a:ext cx="1752828" cy="914400"/>
+          </a:xfrm>
+          <a:prstGeom prst="roundRect">
+            <a:avLst>
+              <a:gd name="adj" fmla="val 6808"/>
+            </a:avLst>
+          </a:prstGeom>
+          <a:solidFill>
+            <a:srgbClr val="0070C0"/>
+          </a:solidFill>
+          <a:ln>
+            <a:noFill/>
+          </a:ln>
+          <a:effectLst>
+            <a:outerShdw blurRad="50800" dist="38100" dir="5400000" algn="t" rotWithShape="0">
+              <a:prstClr val="black">
+                <a:alpha val="40000"/>
+              </a:prstClr>
+            </a:outerShdw>
+          </a:effectLst>
+        </p:spPr>
+        <p:style>
+          <a:lnRef idx="2">
+            <a:schemeClr val="accent1">
+              <a:shade val="50000"/>
+            </a:schemeClr>
+          </a:lnRef>
+          <a:fillRef idx="1">
+            <a:schemeClr val="accent1"/>
+          </a:fillRef>
+          <a:effectRef idx="0">
+            <a:schemeClr val="accent1"/>
+          </a:effectRef>
+          <a:fontRef idx="minor">
+            <a:schemeClr val="lt1"/>
+          </a:fontRef>
+        </p:style>
+        <p:txBody>
+          <a:bodyPr rtlCol="0" anchor="t"/>
+          <a:lstStyle/>
+          <a:p>
+            <a:pPr algn="ctr"/>
+            <a:r>
+              <a:rPr lang="en-US" sz="1100" dirty="0"/>
+              <a:t>any </a:t>
+            </a:r>
+            <a:r>
+              <a:rPr lang="en-US" sz="1100" dirty="0" err="1"/>
+              <a:t>tcp</a:t>
+            </a:r>
+            <a:r>
+              <a:rPr lang="en-US" sz="1100" dirty="0"/>
+              <a:t>/</a:t>
+            </a:r>
+            <a:r>
+              <a:rPr lang="en-US" sz="1100" dirty="0" err="1"/>
+              <a:t>ip</a:t>
+            </a:r>
+            <a:r>
+              <a:rPr lang="en-US" sz="1100" dirty="0"/>
+              <a:t> client</a:t>
+            </a:r>
+            <a:endParaRPr sz="1100" dirty="0"/>
+          </a:p>
+        </p:txBody>
+      </p:sp>
+      <p:cxnSp>
+        <p:nvCxnSpPr>
+          <p:cNvPr id="9" name="Elbow Connector 8">
+            <a:extLst>
+              <a:ext uri="{FF2B5EF4-FFF2-40B4-BE49-F238E27FC236}">
+                <a16:creationId xmlns:a16="http://schemas.microsoft.com/office/drawing/2014/main" id="{E46C55AF-77E3-4D4E-8677-8ECF5F246A4E}"/>
+              </a:ext>
+            </a:extLst>
+          </p:cNvPr>
+          <p:cNvCxnSpPr>
+            <a:stCxn id="7" idx="3"/>
+            <a:endCxn id="5" idx="1"/>
+          </p:cNvCxnSpPr>
+          <p:nvPr/>
+        </p:nvCxnSpPr>
+        <p:spPr>
+          <a:xfrm flipV="1">
+            <a:off x="2330651" y="1472233"/>
+            <a:ext cx="3806326" cy="682449"/>
+          </a:xfrm>
+          <a:prstGeom prst="bentConnector3">
+            <a:avLst/>
+          </a:prstGeom>
+          <a:ln>
+            <a:tailEnd type="triangle"/>
+          </a:ln>
+        </p:spPr>
+        <p:style>
+          <a:lnRef idx="1">
+            <a:schemeClr val="accent1"/>
+          </a:lnRef>
+          <a:fillRef idx="0">
+            <a:schemeClr val="accent1"/>
+          </a:fillRef>
+          <a:effectRef idx="0">
+            <a:schemeClr val="accent1"/>
+          </a:effectRef>
+          <a:fontRef idx="minor">
+            <a:schemeClr val="tx1"/>
+          </a:fontRef>
+        </p:style>
+      </p:cxnSp>
+      <p:sp>
+        <p:nvSpPr>
+          <p:cNvPr id="10" name="TextBox 9">
+            <a:extLst>
+              <a:ext uri="{FF2B5EF4-FFF2-40B4-BE49-F238E27FC236}">
+                <a16:creationId xmlns:a16="http://schemas.microsoft.com/office/drawing/2014/main" id="{3AC572F1-9377-834A-A9A1-037D34C9DB9C}"/>
+              </a:ext>
+            </a:extLst>
+          </p:cNvPr>
+          <p:cNvSpPr txBox="1"/>
+          <p:nvPr/>
+        </p:nvSpPr>
+        <p:spPr>
+          <a:xfrm>
+            <a:off x="3581053" y="1628791"/>
+            <a:ext cx="1117614" cy="430887"/>
+          </a:xfrm>
+          <a:prstGeom prst="rect">
+            <a:avLst/>
+          </a:prstGeom>
+          <a:solidFill>
+            <a:schemeClr val="bg1"/>
+          </a:solidFill>
+        </p:spPr>
+        <p:txBody>
+          <a:bodyPr wrap="none" rtlCol="0">
+            <a:spAutoFit/>
+          </a:bodyPr>
+          <a:lstStyle/>
+          <a:p>
+            <a:r>
+              <a:rPr lang="en-US" sz="1100" dirty="0"/>
+              <a:t>1-DNS request</a:t>
+            </a:r>
+          </a:p>
+          <a:p>
+            <a:r>
+              <a:rPr lang="en-US" sz="1100" dirty="0" err="1"/>
+              <a:t>app.domain</a:t>
+            </a:r>
+            <a:endParaRPr sz="1100" dirty="0"/>
+          </a:p>
+        </p:txBody>
+      </p:sp>
+      <p:cxnSp>
+        <p:nvCxnSpPr>
+          <p:cNvPr id="11" name="Elbow Connector 10">
+            <a:extLst>
+              <a:ext uri="{FF2B5EF4-FFF2-40B4-BE49-F238E27FC236}">
+                <a16:creationId xmlns:a16="http://schemas.microsoft.com/office/drawing/2014/main" id="{DA698860-6F32-684C-A040-357DF62CFC30}"/>
+              </a:ext>
+            </a:extLst>
+          </p:cNvPr>
+          <p:cNvCxnSpPr>
+            <a:cxnSpLocks/>
+            <a:endCxn id="7" idx="2"/>
+          </p:cNvCxnSpPr>
+          <p:nvPr/>
+        </p:nvCxnSpPr>
+        <p:spPr>
+          <a:xfrm rot="10800000">
+            <a:off x="1454238" y="2611882"/>
+            <a:ext cx="4317287" cy="1083146"/>
+          </a:xfrm>
+          <a:prstGeom prst="bentConnector2">
+            <a:avLst/>
+          </a:prstGeom>
+          <a:ln>
+            <a:headEnd type="triangle"/>
+            <a:tailEnd type="triangle"/>
+          </a:ln>
+        </p:spPr>
+        <p:style>
+          <a:lnRef idx="1">
+            <a:schemeClr val="accent1"/>
+          </a:lnRef>
+          <a:fillRef idx="0">
+            <a:schemeClr val="accent1"/>
+          </a:fillRef>
+          <a:effectRef idx="0">
+            <a:schemeClr val="accent1"/>
+          </a:effectRef>
+          <a:fontRef idx="minor">
+            <a:schemeClr val="tx1"/>
+          </a:fontRef>
+        </p:style>
+      </p:cxnSp>
+      <p:sp>
+        <p:nvSpPr>
+          <p:cNvPr id="18" name="TextBox 17">
+            <a:extLst>
+              <a:ext uri="{FF2B5EF4-FFF2-40B4-BE49-F238E27FC236}">
+                <a16:creationId xmlns:a16="http://schemas.microsoft.com/office/drawing/2014/main" id="{FE27A619-AC1D-0245-9EE8-EFBCDA17C946}"/>
+              </a:ext>
+            </a:extLst>
+          </p:cNvPr>
+          <p:cNvSpPr txBox="1"/>
+          <p:nvPr/>
+        </p:nvSpPr>
+        <p:spPr>
+          <a:xfrm>
+            <a:off x="4028421" y="2276444"/>
+            <a:ext cx="1059906" cy="430887"/>
+          </a:xfrm>
+          <a:prstGeom prst="rect">
+            <a:avLst/>
+          </a:prstGeom>
+          <a:solidFill>
+            <a:schemeClr val="bg1"/>
+          </a:solidFill>
+        </p:spPr>
+        <p:txBody>
+          <a:bodyPr wrap="none" rtlCol="0">
+            <a:spAutoFit/>
+          </a:bodyPr>
+          <a:lstStyle/>
+          <a:p>
+            <a:r>
+              <a:rPr lang="en-US" sz="1100" dirty="0"/>
+              <a:t>IP: 192.46.6.7</a:t>
+            </a:r>
+          </a:p>
+          <a:p>
+            <a:r>
+              <a:rPr lang="en-US" sz="1100" dirty="0"/>
+              <a:t>A record </a:t>
+            </a:r>
+            <a:endParaRPr sz="1100" dirty="0"/>
+          </a:p>
+        </p:txBody>
+      </p:sp>
+      <p:cxnSp>
+        <p:nvCxnSpPr>
+          <p:cNvPr id="19" name="Elbow Connector 18">
+            <a:extLst>
+              <a:ext uri="{FF2B5EF4-FFF2-40B4-BE49-F238E27FC236}">
+                <a16:creationId xmlns:a16="http://schemas.microsoft.com/office/drawing/2014/main" id="{AE90A9BD-E448-2743-9A91-3B7E24371DB1}"/>
+              </a:ext>
+            </a:extLst>
+          </p:cNvPr>
+          <p:cNvCxnSpPr/>
+          <p:nvPr/>
+        </p:nvCxnSpPr>
+        <p:spPr>
+          <a:xfrm flipV="1">
+            <a:off x="2483051" y="1624633"/>
+            <a:ext cx="3806326" cy="682449"/>
+          </a:xfrm>
+          <a:prstGeom prst="bentConnector3">
+            <a:avLst/>
+          </a:prstGeom>
+          <a:ln>
+            <a:tailEnd type="triangle"/>
+          </a:ln>
+        </p:spPr>
+        <p:style>
+          <a:lnRef idx="1">
+            <a:schemeClr val="accent1"/>
+          </a:lnRef>
+          <a:fillRef idx="0">
+            <a:schemeClr val="accent1"/>
+          </a:fillRef>
+          <a:effectRef idx="0">
+            <a:schemeClr val="accent1"/>
+          </a:effectRef>
+          <a:fontRef idx="minor">
+            <a:schemeClr val="tx1"/>
+          </a:fontRef>
+        </p:style>
+      </p:cxnSp>
+      <p:sp>
+        <p:nvSpPr>
+          <p:cNvPr id="21" name="TextBox 20">
+            <a:extLst>
+              <a:ext uri="{FF2B5EF4-FFF2-40B4-BE49-F238E27FC236}">
+                <a16:creationId xmlns:a16="http://schemas.microsoft.com/office/drawing/2014/main" id="{150ED738-A993-6141-91B8-5F1343A13B3B}"/>
+              </a:ext>
+            </a:extLst>
+          </p:cNvPr>
+          <p:cNvSpPr txBox="1"/>
+          <p:nvPr/>
+        </p:nvSpPr>
+        <p:spPr>
+          <a:xfrm>
+            <a:off x="3054074" y="3479240"/>
+            <a:ext cx="1271502" cy="430887"/>
+          </a:xfrm>
+          <a:prstGeom prst="rect">
+            <a:avLst/>
+          </a:prstGeom>
+          <a:solidFill>
+            <a:schemeClr val="bg1"/>
+          </a:solidFill>
+        </p:spPr>
+        <p:txBody>
+          <a:bodyPr wrap="none" rtlCol="0">
+            <a:spAutoFit/>
+          </a:bodyPr>
+          <a:lstStyle/>
+          <a:p>
+            <a:r>
+              <a:rPr lang="en-US" sz="1100" dirty="0"/>
+              <a:t>2- HTTP request</a:t>
+            </a:r>
+          </a:p>
+          <a:p>
+            <a:r>
+              <a:rPr lang="en-US" sz="1100" dirty="0"/>
+              <a:t>http://</a:t>
+            </a:r>
+            <a:r>
+              <a:rPr lang="en-US" sz="1100" dirty="0" err="1"/>
+              <a:t>app.domain</a:t>
+            </a:r>
+            <a:endParaRPr sz="1100" dirty="0"/>
+          </a:p>
+        </p:txBody>
+      </p:sp>
+    </p:spTree>
+    <p:extLst>
+      <p:ext uri="{BB962C8B-B14F-4D97-AF65-F5344CB8AC3E}">
+        <p14:creationId xmlns:p14="http://schemas.microsoft.com/office/powerpoint/2010/main" val="1798377165"/>
+      </p:ext>
+    </p:extLst>
+  </p:cSld>
+  <p:clrMapOvr>
+    <a:masterClrMapping/>
+  </p:clrMapOvr>
+</p:sld>
+</file>
+
+<file path=ppt/slides/slide5.xml><?xml version="1.0" encoding="utf-8"?>
+<p:sld xmlns:a="http://schemas.openxmlformats.org/drawingml/2006/main" xmlns:r="http://schemas.openxmlformats.org/officeDocument/2006/relationships" xmlns:p="http://schemas.openxmlformats.org/presentationml/2006/main">
+  <p:cSld>
+    <p:spTree>
+      <p:nvGrpSpPr>
+        <p:cNvPr id="1" name=""/>
+        <p:cNvGrpSpPr/>
+        <p:nvPr/>
+      </p:nvGrpSpPr>
+      <p:grpSpPr>
+        <a:xfrm>
+          <a:off x="0" y="0"/>
+          <a:ext cx="0" cy="0"/>
+          <a:chOff x="0" y="0"/>
+          <a:chExt cx="0" cy="0"/>
+        </a:xfrm>
+      </p:grpSpPr>
+      <p:sp>
+        <p:nvSpPr>
+          <p:cNvPr id="2" name="Slide Number Placeholder 1">
+            <a:extLst>
+              <a:ext uri="{FF2B5EF4-FFF2-40B4-BE49-F238E27FC236}">
+                <a16:creationId xmlns:a16="http://schemas.microsoft.com/office/drawing/2014/main" id="{5EE9C783-8257-6B49-AA1A-F27420BF38F3}"/>
+              </a:ext>
+            </a:extLst>
+          </p:cNvPr>
+          <p:cNvSpPr>
+            <a:spLocks noGrp="1"/>
+          </p:cNvSpPr>
+          <p:nvPr>
+            <p:ph type="sldNum" sz="quarter" idx="10"/>
+          </p:nvPr>
+        </p:nvSpPr>
+        <p:spPr/>
+        <p:txBody>
+          <a:bodyPr/>
+          <a:lstStyle/>
+          <a:p>
+            <a:pPr defTabSz="911231" eaLnBrk="1" fontAlgn="auto" hangingPunct="1">
+              <a:spcBef>
+                <a:spcPts val="0"/>
+              </a:spcBef>
+              <a:spcAft>
+                <a:spcPts val="0"/>
+              </a:spcAft>
+              <a:defRPr/>
+            </a:pPr>
+            <a:r>
+              <a:rPr lang="en-US" altLang="en-US">
+                <a:solidFill>
+                  <a:srgbClr val="FFFFFF"/>
+                </a:solidFill>
+                <a:latin typeface="Arial"/>
+                <a:ea typeface="ＭＳ Ｐゴシック" charset="0"/>
+                <a:cs typeface="Arial"/>
+                <a:sym typeface="Helvetica" charset="0"/>
+              </a:rPr>
+              <a:t>IBM Confidential – Page </a:t>
+            </a:r>
+            <a:fld id="{2EA511B6-828F-475A-8F82-6101E4A3C276}" type="slidenum">
+              <a:rPr lang="en-US" altLang="en-US" smtClean="0">
+                <a:solidFill>
+                  <a:srgbClr val="FFFFFF"/>
+                </a:solidFill>
+                <a:latin typeface="Arial"/>
+                <a:ea typeface="ＭＳ Ｐゴシック" charset="0"/>
+                <a:cs typeface="Arial"/>
+                <a:sym typeface="Helvetica" charset="0"/>
+              </a:rPr>
+              <a:pPr defTabSz="911231" eaLnBrk="1" fontAlgn="auto" hangingPunct="1">
+                <a:spcBef>
+                  <a:spcPts val="0"/>
+                </a:spcBef>
+                <a:spcAft>
+                  <a:spcPts val="0"/>
+                </a:spcAft>
+                <a:defRPr/>
+              </a:pPr>
+              <a:t>5</a:t>
+            </a:fld>
+            <a:endParaRPr lang="en-US" altLang="en-US">
+              <a:solidFill>
+                <a:srgbClr val="FFFFFF"/>
+              </a:solidFill>
+              <a:latin typeface="Arial"/>
+              <a:ea typeface="ＭＳ Ｐゴシック" charset="0"/>
+              <a:cs typeface="Arial"/>
+              <a:sym typeface="Helvetica" charset="0"/>
+            </a:endParaRPr>
+          </a:p>
+        </p:txBody>
+      </p:sp>
+      <p:sp>
+        <p:nvSpPr>
+          <p:cNvPr id="3" name="Rounded Rectangle 2">
+            <a:extLst>
+              <a:ext uri="{FF2B5EF4-FFF2-40B4-BE49-F238E27FC236}">
+                <a16:creationId xmlns:a16="http://schemas.microsoft.com/office/drawing/2014/main" id="{5A07C6E7-3142-814D-B94A-13D53455F7C5}"/>
+              </a:ext>
+            </a:extLst>
+          </p:cNvPr>
+          <p:cNvSpPr/>
+          <p:nvPr/>
+        </p:nvSpPr>
+        <p:spPr>
+          <a:xfrm>
+            <a:off x="5809203" y="3429000"/>
+            <a:ext cx="1752828" cy="531368"/>
+          </a:xfrm>
+          <a:prstGeom prst="roundRect">
+            <a:avLst>
+              <a:gd name="adj" fmla="val 6808"/>
+            </a:avLst>
+          </a:prstGeom>
+          <a:solidFill>
+            <a:schemeClr val="tx2">
+              <a:lumMod val="75000"/>
+            </a:schemeClr>
+          </a:solidFill>
+          <a:ln>
+            <a:noFill/>
+          </a:ln>
+          <a:effectLst>
+            <a:outerShdw blurRad="50800" dist="38100" dir="5400000" algn="t" rotWithShape="0">
+              <a:prstClr val="black">
+                <a:alpha val="40000"/>
+              </a:prstClr>
+            </a:outerShdw>
+          </a:effectLst>
+        </p:spPr>
+        <p:style>
+          <a:lnRef idx="2">
+            <a:schemeClr val="accent1">
+              <a:shade val="50000"/>
+            </a:schemeClr>
+          </a:lnRef>
+          <a:fillRef idx="1">
+            <a:schemeClr val="accent1"/>
+          </a:fillRef>
+          <a:effectRef idx="0">
+            <a:schemeClr val="accent1"/>
+          </a:effectRef>
+          <a:fontRef idx="minor">
+            <a:schemeClr val="lt1"/>
+          </a:fontRef>
+        </p:style>
+        <p:txBody>
+          <a:bodyPr rtlCol="0" anchor="t"/>
+          <a:lstStyle/>
+          <a:p>
+            <a:pPr algn="ctr"/>
+            <a:r>
+              <a:rPr lang="en-US" sz="1100" dirty="0"/>
+              <a:t>Application</a:t>
+            </a:r>
+          </a:p>
+          <a:p>
+            <a:pPr algn="ctr"/>
+            <a:r>
+              <a:rPr lang="en-US" sz="1100" dirty="0"/>
+              <a:t>IP: 192.45.6.7</a:t>
+            </a:r>
+            <a:endParaRPr sz="1100" dirty="0"/>
+          </a:p>
+        </p:txBody>
+      </p:sp>
+      <p:grpSp>
+        <p:nvGrpSpPr>
+          <p:cNvPr id="4" name="Group 3">
+            <a:extLst>
+              <a:ext uri="{FF2B5EF4-FFF2-40B4-BE49-F238E27FC236}">
+                <a16:creationId xmlns:a16="http://schemas.microsoft.com/office/drawing/2014/main" id="{7AC31CF3-753C-7149-9BBF-8AA2B78DC6AB}"/>
+              </a:ext>
+            </a:extLst>
+          </p:cNvPr>
+          <p:cNvGrpSpPr/>
+          <p:nvPr/>
+        </p:nvGrpSpPr>
+        <p:grpSpPr>
+          <a:xfrm>
+            <a:off x="5796669" y="779594"/>
+            <a:ext cx="734297" cy="1186263"/>
+            <a:chOff x="4987959" y="-1693546"/>
+            <a:chExt cx="734297" cy="1186263"/>
+          </a:xfrm>
+        </p:grpSpPr>
+        <p:pic>
+          <p:nvPicPr>
+            <p:cNvPr id="5" name="Picture 4">
+              <a:extLst>
+                <a:ext uri="{FF2B5EF4-FFF2-40B4-BE49-F238E27FC236}">
+                  <a16:creationId xmlns:a16="http://schemas.microsoft.com/office/drawing/2014/main" id="{4925D168-B4B0-BA48-A22C-7777100BB386}"/>
+                </a:ext>
+              </a:extLst>
+            </p:cNvPr>
+            <p:cNvPicPr>
+              <a:picLocks noChangeAspect="1"/>
+            </p:cNvPicPr>
+            <p:nvPr/>
+          </p:nvPicPr>
+          <p:blipFill>
+            <a:blip r:embed="rId3"/>
+            <a:stretch>
+              <a:fillRect/>
+            </a:stretch>
+          </p:blipFill>
+          <p:spPr>
+            <a:xfrm>
+              <a:off x="5069111" y="-1693546"/>
+              <a:ext cx="548640" cy="548640"/>
+            </a:xfrm>
+            <a:prstGeom prst="rect">
+              <a:avLst/>
+            </a:prstGeom>
+          </p:spPr>
+        </p:pic>
+        <p:sp>
+          <p:nvSpPr>
+            <p:cNvPr id="6" name="Shape 264">
+              <a:extLst>
+                <a:ext uri="{FF2B5EF4-FFF2-40B4-BE49-F238E27FC236}">
+                  <a16:creationId xmlns:a16="http://schemas.microsoft.com/office/drawing/2014/main" id="{F837BBC5-CD11-AC40-A958-A8E06AC8AADA}"/>
+                </a:ext>
+              </a:extLst>
+            </p:cNvPr>
+            <p:cNvSpPr/>
+            <p:nvPr/>
+          </p:nvSpPr>
+          <p:spPr>
+            <a:xfrm>
+              <a:off x="4987959" y="-1153614"/>
+              <a:ext cx="734297" cy="646331"/>
+            </a:xfrm>
+            <a:prstGeom prst="rect">
+              <a:avLst/>
+            </a:prstGeom>
+            <a:noFill/>
+            <a:ln w="3175" cap="flat">
+              <a:noFill/>
+              <a:miter lim="400000"/>
+            </a:ln>
+            <a:effectLst/>
+            <a:extLst>
+              <a:ext uri="{C572A759-6A51-4108-AA02-DFA0A04FC94B}">
+                <ma14:wrappingTextBoxFlag xmlns="" xmlns:ma14="http://schemas.microsoft.com/office/mac/drawingml/2011/main" val="1"/>
+              </a:ext>
+            </a:extLst>
+          </p:spPr>
+          <p:txBody>
+            <a:bodyPr wrap="square" lIns="0" tIns="0" rIns="0" bIns="0" numCol="1" anchor="t">
+              <a:spAutoFit/>
+            </a:bodyPr>
+            <a:lstStyle/>
+            <a:p>
+              <a:pPr lvl="0" algn="ctr">
+                <a:defRPr sz="1800"/>
+              </a:pPr>
+              <a:r>
+                <a:rPr lang="en-US" sz="1400" b="1" dirty="0">
+                  <a:solidFill>
+                    <a:srgbClr val="4277BB"/>
+                  </a:solidFill>
+                  <a:latin typeface="Helvetica"/>
+                  <a:ea typeface="Helvetica"/>
+                  <a:cs typeface="Helvetica"/>
+                  <a:sym typeface="Helvetica"/>
+                </a:rPr>
+                <a:t>DNS</a:t>
+              </a:r>
+            </a:p>
+            <a:p>
+              <a:pPr lvl="0" algn="ctr">
+                <a:defRPr sz="1800"/>
+              </a:pPr>
+              <a:r>
+                <a:rPr lang="en-US" sz="1400" b="1" dirty="0">
+                  <a:solidFill>
+                    <a:srgbClr val="4277BB"/>
+                  </a:solidFill>
+                  <a:latin typeface="Helvetica"/>
+                  <a:ea typeface="Helvetica"/>
+                  <a:cs typeface="Helvetica"/>
+                  <a:sym typeface="Helvetica"/>
+                </a:rPr>
+                <a:t>Route 53</a:t>
+              </a:r>
+              <a:endParaRPr sz="1400" b="1" dirty="0">
+                <a:solidFill>
+                  <a:srgbClr val="4277BB"/>
+                </a:solidFill>
+                <a:latin typeface="Helvetica"/>
+                <a:ea typeface="Helvetica"/>
+                <a:cs typeface="Helvetica"/>
+                <a:sym typeface="Helvetica"/>
+              </a:endParaRPr>
+            </a:p>
+          </p:txBody>
+        </p:sp>
+      </p:grpSp>
+      <p:sp>
+        <p:nvSpPr>
+          <p:cNvPr id="7" name="Rounded Rectangle 6">
+            <a:extLst>
+              <a:ext uri="{FF2B5EF4-FFF2-40B4-BE49-F238E27FC236}">
+                <a16:creationId xmlns:a16="http://schemas.microsoft.com/office/drawing/2014/main" id="{B7C0EC94-5976-0641-85C9-64EAA90B6F2E}"/>
+              </a:ext>
+            </a:extLst>
+          </p:cNvPr>
+          <p:cNvSpPr/>
+          <p:nvPr/>
+        </p:nvSpPr>
+        <p:spPr>
+          <a:xfrm>
+            <a:off x="547035" y="979988"/>
+            <a:ext cx="1752828" cy="644645"/>
+          </a:xfrm>
+          <a:prstGeom prst="roundRect">
+            <a:avLst>
+              <a:gd name="adj" fmla="val 6808"/>
+            </a:avLst>
+          </a:prstGeom>
+          <a:solidFill>
+            <a:srgbClr val="0070C0"/>
+          </a:solidFill>
+          <a:ln>
+            <a:noFill/>
+          </a:ln>
+          <a:effectLst>
+            <a:outerShdw blurRad="50800" dist="38100" dir="5400000" algn="t" rotWithShape="0">
+              <a:prstClr val="black">
+                <a:alpha val="40000"/>
+              </a:prstClr>
+            </a:outerShdw>
+          </a:effectLst>
+        </p:spPr>
+        <p:style>
+          <a:lnRef idx="2">
+            <a:schemeClr val="accent1">
+              <a:shade val="50000"/>
+            </a:schemeClr>
+          </a:lnRef>
+          <a:fillRef idx="1">
+            <a:schemeClr val="accent1"/>
+          </a:fillRef>
+          <a:effectRef idx="0">
+            <a:schemeClr val="accent1"/>
+          </a:effectRef>
+          <a:fontRef idx="minor">
+            <a:schemeClr val="lt1"/>
+          </a:fontRef>
+        </p:style>
+        <p:txBody>
+          <a:bodyPr rtlCol="0" anchor="t"/>
+          <a:lstStyle/>
+          <a:p>
+            <a:pPr algn="ctr"/>
+            <a:r>
+              <a:rPr lang="en-US" sz="1100" dirty="0"/>
+              <a:t>Browser</a:t>
+            </a:r>
+            <a:endParaRPr sz="1100" dirty="0"/>
+          </a:p>
+        </p:txBody>
+      </p:sp>
+      <p:cxnSp>
+        <p:nvCxnSpPr>
+          <p:cNvPr id="9" name="Elbow Connector 8">
+            <a:extLst>
+              <a:ext uri="{FF2B5EF4-FFF2-40B4-BE49-F238E27FC236}">
+                <a16:creationId xmlns:a16="http://schemas.microsoft.com/office/drawing/2014/main" id="{E46C55AF-77E3-4D4E-8677-8ECF5F246A4E}"/>
+              </a:ext>
+            </a:extLst>
+          </p:cNvPr>
+          <p:cNvCxnSpPr>
+            <a:cxnSpLocks/>
+            <a:stCxn id="7" idx="3"/>
+            <a:endCxn id="5" idx="1"/>
+          </p:cNvCxnSpPr>
+          <p:nvPr/>
+        </p:nvCxnSpPr>
+        <p:spPr>
+          <a:xfrm flipV="1">
+            <a:off x="2299863" y="1053914"/>
+            <a:ext cx="3577958" cy="248397"/>
+          </a:xfrm>
+          <a:prstGeom prst="bentConnector3">
+            <a:avLst/>
+          </a:prstGeom>
+          <a:ln>
+            <a:tailEnd type="triangle"/>
+          </a:ln>
+        </p:spPr>
+        <p:style>
+          <a:lnRef idx="1">
+            <a:schemeClr val="accent1"/>
+          </a:lnRef>
+          <a:fillRef idx="0">
+            <a:schemeClr val="accent1"/>
+          </a:fillRef>
+          <a:effectRef idx="0">
+            <a:schemeClr val="accent1"/>
+          </a:effectRef>
+          <a:fontRef idx="minor">
+            <a:schemeClr val="tx1"/>
+          </a:fontRef>
+        </p:style>
+      </p:cxnSp>
+      <p:sp>
+        <p:nvSpPr>
+          <p:cNvPr id="10" name="TextBox 9">
+            <a:extLst>
+              <a:ext uri="{FF2B5EF4-FFF2-40B4-BE49-F238E27FC236}">
+                <a16:creationId xmlns:a16="http://schemas.microsoft.com/office/drawing/2014/main" id="{3AC572F1-9377-834A-A9A1-037D34C9DB9C}"/>
+              </a:ext>
+            </a:extLst>
+          </p:cNvPr>
+          <p:cNvSpPr txBox="1"/>
+          <p:nvPr/>
+        </p:nvSpPr>
+        <p:spPr>
+          <a:xfrm>
+            <a:off x="3581053" y="1628791"/>
+            <a:ext cx="1117614" cy="430887"/>
+          </a:xfrm>
+          <a:prstGeom prst="rect">
+            <a:avLst/>
+          </a:prstGeom>
+          <a:solidFill>
+            <a:schemeClr val="bg1"/>
+          </a:solidFill>
+        </p:spPr>
+        <p:txBody>
+          <a:bodyPr wrap="none" rtlCol="0">
+            <a:spAutoFit/>
+          </a:bodyPr>
+          <a:lstStyle/>
+          <a:p>
+            <a:r>
+              <a:rPr lang="en-US" sz="1100" dirty="0"/>
+              <a:t>1-DNS request</a:t>
+            </a:r>
+          </a:p>
+          <a:p>
+            <a:r>
+              <a:rPr lang="en-US" sz="1100" dirty="0" err="1"/>
+              <a:t>app.domain</a:t>
+            </a:r>
+            <a:endParaRPr sz="1100" dirty="0"/>
+          </a:p>
+        </p:txBody>
+      </p:sp>
+      <p:cxnSp>
+        <p:nvCxnSpPr>
+          <p:cNvPr id="11" name="Elbow Connector 10">
+            <a:extLst>
+              <a:ext uri="{FF2B5EF4-FFF2-40B4-BE49-F238E27FC236}">
+                <a16:creationId xmlns:a16="http://schemas.microsoft.com/office/drawing/2014/main" id="{DA698860-6F32-684C-A040-357DF62CFC30}"/>
+              </a:ext>
+            </a:extLst>
+          </p:cNvPr>
+          <p:cNvCxnSpPr>
+            <a:cxnSpLocks/>
+            <a:endCxn id="7" idx="2"/>
+          </p:cNvCxnSpPr>
+          <p:nvPr/>
+        </p:nvCxnSpPr>
+        <p:spPr>
+          <a:xfrm rot="10800000">
+            <a:off x="1423450" y="1624634"/>
+            <a:ext cx="4317291" cy="1352903"/>
+          </a:xfrm>
+          <a:prstGeom prst="bentConnector2">
+            <a:avLst/>
+          </a:prstGeom>
+          <a:ln>
+            <a:headEnd type="triangle"/>
+            <a:tailEnd type="triangle"/>
+          </a:ln>
+        </p:spPr>
+        <p:style>
+          <a:lnRef idx="1">
+            <a:schemeClr val="accent1"/>
+          </a:lnRef>
+          <a:fillRef idx="0">
+            <a:schemeClr val="accent1"/>
+          </a:fillRef>
+          <a:effectRef idx="0">
+            <a:schemeClr val="accent1"/>
+          </a:effectRef>
+          <a:fontRef idx="minor">
+            <a:schemeClr val="tx1"/>
+          </a:fontRef>
+        </p:style>
+      </p:cxnSp>
+      <p:sp>
+        <p:nvSpPr>
+          <p:cNvPr id="18" name="TextBox 17">
+            <a:extLst>
+              <a:ext uri="{FF2B5EF4-FFF2-40B4-BE49-F238E27FC236}">
+                <a16:creationId xmlns:a16="http://schemas.microsoft.com/office/drawing/2014/main" id="{FE27A619-AC1D-0245-9EE8-EFBCDA17C946}"/>
+              </a:ext>
+            </a:extLst>
+          </p:cNvPr>
+          <p:cNvSpPr txBox="1"/>
+          <p:nvPr/>
+        </p:nvSpPr>
+        <p:spPr>
+          <a:xfrm>
+            <a:off x="4028421" y="2276444"/>
+            <a:ext cx="1059906" cy="430887"/>
+          </a:xfrm>
+          <a:prstGeom prst="rect">
+            <a:avLst/>
+          </a:prstGeom>
+          <a:solidFill>
+            <a:schemeClr val="bg1"/>
+          </a:solidFill>
+        </p:spPr>
+        <p:txBody>
+          <a:bodyPr wrap="none" rtlCol="0">
+            <a:spAutoFit/>
+          </a:bodyPr>
+          <a:lstStyle/>
+          <a:p>
+            <a:r>
+              <a:rPr lang="en-US" sz="1100" dirty="0"/>
+              <a:t>IP: 192.46.6.7</a:t>
+            </a:r>
+          </a:p>
+          <a:p>
+            <a:r>
+              <a:rPr lang="en-US" sz="1100" dirty="0"/>
+              <a:t>A record </a:t>
+            </a:r>
+            <a:endParaRPr sz="1100" dirty="0"/>
+          </a:p>
+        </p:txBody>
+      </p:sp>
+      <p:cxnSp>
+        <p:nvCxnSpPr>
+          <p:cNvPr id="19" name="Elbow Connector 18">
+            <a:extLst>
+              <a:ext uri="{FF2B5EF4-FFF2-40B4-BE49-F238E27FC236}">
+                <a16:creationId xmlns:a16="http://schemas.microsoft.com/office/drawing/2014/main" id="{AE90A9BD-E448-2743-9A91-3B7E24371DB1}"/>
+              </a:ext>
+            </a:extLst>
+          </p:cNvPr>
+          <p:cNvCxnSpPr/>
+          <p:nvPr/>
+        </p:nvCxnSpPr>
+        <p:spPr>
+          <a:xfrm flipV="1">
+            <a:off x="2483051" y="1624633"/>
+            <a:ext cx="3806326" cy="682449"/>
+          </a:xfrm>
+          <a:prstGeom prst="bentConnector3">
+            <a:avLst/>
+          </a:prstGeom>
+          <a:ln>
+            <a:tailEnd type="triangle"/>
+          </a:ln>
+        </p:spPr>
+        <p:style>
+          <a:lnRef idx="1">
+            <a:schemeClr val="accent1"/>
+          </a:lnRef>
+          <a:fillRef idx="0">
+            <a:schemeClr val="accent1"/>
+          </a:fillRef>
+          <a:effectRef idx="0">
+            <a:schemeClr val="accent1"/>
+          </a:effectRef>
+          <a:fontRef idx="minor">
+            <a:schemeClr val="tx1"/>
+          </a:fontRef>
+        </p:style>
+      </p:cxnSp>
+      <p:sp>
+        <p:nvSpPr>
+          <p:cNvPr id="21" name="TextBox 20">
+            <a:extLst>
+              <a:ext uri="{FF2B5EF4-FFF2-40B4-BE49-F238E27FC236}">
+                <a16:creationId xmlns:a16="http://schemas.microsoft.com/office/drawing/2014/main" id="{150ED738-A993-6141-91B8-5F1343A13B3B}"/>
+              </a:ext>
+            </a:extLst>
+          </p:cNvPr>
+          <p:cNvSpPr txBox="1"/>
+          <p:nvPr/>
+        </p:nvSpPr>
+        <p:spPr>
+          <a:xfrm>
+            <a:off x="3054074" y="3479240"/>
+            <a:ext cx="1271502" cy="430887"/>
+          </a:xfrm>
+          <a:prstGeom prst="rect">
+            <a:avLst/>
+          </a:prstGeom>
+          <a:solidFill>
+            <a:schemeClr val="bg1"/>
+          </a:solidFill>
+        </p:spPr>
+        <p:txBody>
+          <a:bodyPr wrap="none" rtlCol="0">
+            <a:spAutoFit/>
+          </a:bodyPr>
+          <a:lstStyle/>
+          <a:p>
+            <a:r>
+              <a:rPr lang="en-US" sz="1100" dirty="0"/>
+              <a:t>2- HTTP request</a:t>
+            </a:r>
+          </a:p>
+          <a:p>
+            <a:r>
+              <a:rPr lang="en-US" sz="1100" dirty="0"/>
+              <a:t>http://</a:t>
+            </a:r>
+            <a:r>
+              <a:rPr lang="en-US" sz="1100" dirty="0" err="1"/>
+              <a:t>app.domain</a:t>
+            </a:r>
+            <a:endParaRPr sz="1100" dirty="0"/>
+          </a:p>
+        </p:txBody>
+      </p:sp>
+    </p:spTree>
+    <p:extLst>
+      <p:ext uri="{BB962C8B-B14F-4D97-AF65-F5344CB8AC3E}">
+        <p14:creationId xmlns:p14="http://schemas.microsoft.com/office/powerpoint/2010/main" val="1614815022"/>
+      </p:ext>
+    </p:extLst>
+  </p:cSld>
+  <p:clrMapOvr>
+    <a:masterClrMapping/>
+  </p:clrMapOvr>
+</p:sld>
+</file>
+
+<file path=ppt/slides/slide6.xml><?xml version="1.0" encoding="utf-8"?>
+<p:sld xmlns:a="http://schemas.openxmlformats.org/drawingml/2006/main" xmlns:r="http://schemas.openxmlformats.org/officeDocument/2006/relationships" xmlns:p="http://schemas.openxmlformats.org/presentationml/2006/main">
+  <p:cSld>
+    <p:spTree>
+      <p:nvGrpSpPr>
+        <p:cNvPr id="1" name=""/>
+        <p:cNvGrpSpPr/>
+        <p:nvPr/>
+      </p:nvGrpSpPr>
+      <p:grpSpPr>
+        <a:xfrm>
+          <a:off x="0" y="0"/>
+          <a:ext cx="0" cy="0"/>
+          <a:chOff x="0" y="0"/>
+          <a:chExt cx="0" cy="0"/>
+        </a:xfrm>
+      </p:grpSpPr>
+      <p:grpSp>
+        <p:nvGrpSpPr>
+          <p:cNvPr id="6" name="Group 5">
+            <a:extLst>
+              <a:ext uri="{FF2B5EF4-FFF2-40B4-BE49-F238E27FC236}">
+                <a16:creationId xmlns:a16="http://schemas.microsoft.com/office/drawing/2014/main" id="{883BBB25-745E-2E4F-8041-D4B677779C1F}"/>
+              </a:ext>
+            </a:extLst>
+          </p:cNvPr>
+          <p:cNvGrpSpPr/>
+          <p:nvPr/>
+        </p:nvGrpSpPr>
+        <p:grpSpPr>
+          <a:xfrm>
+            <a:off x="8094400" y="3377753"/>
+            <a:ext cx="963142" cy="657237"/>
+            <a:chOff x="8616636" y="-1755543"/>
+            <a:chExt cx="963142" cy="657237"/>
+          </a:xfrm>
+        </p:grpSpPr>
+        <p:pic>
+          <p:nvPicPr>
+            <p:cNvPr id="7" name="Picture 6">
+              <a:extLst>
+                <a:ext uri="{FF2B5EF4-FFF2-40B4-BE49-F238E27FC236}">
+                  <a16:creationId xmlns:a16="http://schemas.microsoft.com/office/drawing/2014/main" id="{C8F7A769-4350-1C4E-98A7-3DD1C8F7E0B7}"/>
+                </a:ext>
+              </a:extLst>
+            </p:cNvPr>
+            <p:cNvPicPr>
+              <a:picLocks noChangeAspect="1"/>
+            </p:cNvPicPr>
+            <p:nvPr/>
+          </p:nvPicPr>
+          <p:blipFill>
+            <a:blip r:embed="rId2"/>
+            <a:stretch>
+              <a:fillRect/>
+            </a:stretch>
+          </p:blipFill>
+          <p:spPr>
+            <a:xfrm>
+              <a:off x="8817828" y="-1755543"/>
+              <a:ext cx="548640" cy="548640"/>
+            </a:xfrm>
+            <a:prstGeom prst="rect">
+              <a:avLst/>
+            </a:prstGeom>
+          </p:spPr>
+        </p:pic>
+        <p:sp>
+          <p:nvSpPr>
+            <p:cNvPr id="8" name="Shape 264">
+              <a:extLst>
+                <a:ext uri="{FF2B5EF4-FFF2-40B4-BE49-F238E27FC236}">
+                  <a16:creationId xmlns:a16="http://schemas.microsoft.com/office/drawing/2014/main" id="{A6E1E22E-0617-594E-A182-ECB2A5A7C1D5}"/>
+                </a:ext>
+              </a:extLst>
+            </p:cNvPr>
+            <p:cNvSpPr/>
+            <p:nvPr/>
+          </p:nvSpPr>
+          <p:spPr>
+            <a:xfrm>
+              <a:off x="8616636" y="-1221417"/>
+              <a:ext cx="963142" cy="123111"/>
+            </a:xfrm>
+            <a:prstGeom prst="rect">
+              <a:avLst/>
+            </a:prstGeom>
+            <a:noFill/>
+            <a:ln w="3175" cap="flat">
+              <a:noFill/>
+              <a:miter lim="400000"/>
+            </a:ln>
+            <a:effectLst/>
+            <a:extLst>
+              <a:ext uri="{C572A759-6A51-4108-AA02-DFA0A04FC94B}">
+                <ma14:wrappingTextBoxFlag xmlns:ma14="http://schemas.microsoft.com/office/mac/drawingml/2011/main" xmlns="" val="1"/>
+              </a:ext>
+            </a:extLst>
+          </p:spPr>
+          <p:txBody>
+            <a:bodyPr wrap="square" lIns="0" tIns="0" rIns="0" bIns="0" numCol="1" anchor="t">
+              <a:spAutoFit/>
+            </a:bodyPr>
+            <a:lstStyle/>
+            <a:p>
+              <a:pPr lvl="0" algn="ctr">
+                <a:defRPr sz="1800"/>
+              </a:pPr>
+              <a:r>
+                <a:rPr lang="en-US" sz="800" b="1" dirty="0">
+                  <a:solidFill>
+                    <a:srgbClr val="4277BB"/>
+                  </a:solidFill>
+                  <a:latin typeface="Helvetica"/>
+                  <a:ea typeface="Helvetica"/>
+                  <a:cs typeface="Helvetica"/>
+                  <a:sym typeface="Helvetica"/>
+                </a:rPr>
+                <a:t>EC2 Machine</a:t>
+              </a:r>
+              <a:endParaRPr sz="800" b="1" dirty="0">
+                <a:solidFill>
+                  <a:srgbClr val="4277BB"/>
+                </a:solidFill>
+                <a:latin typeface="Helvetica"/>
+                <a:ea typeface="Helvetica"/>
+                <a:cs typeface="Helvetica"/>
+                <a:sym typeface="Helvetica"/>
+              </a:endParaRPr>
+            </a:p>
+          </p:txBody>
+        </p:sp>
+      </p:grpSp>
+      <p:grpSp>
+        <p:nvGrpSpPr>
+          <p:cNvPr id="9" name="Group 8">
+            <a:extLst>
+              <a:ext uri="{FF2B5EF4-FFF2-40B4-BE49-F238E27FC236}">
+                <a16:creationId xmlns:a16="http://schemas.microsoft.com/office/drawing/2014/main" id="{CD39A1A6-B9CA-C847-B190-EECB6117FC27}"/>
+              </a:ext>
+            </a:extLst>
+          </p:cNvPr>
+          <p:cNvGrpSpPr/>
+          <p:nvPr/>
+        </p:nvGrpSpPr>
+        <p:grpSpPr>
+          <a:xfrm>
+            <a:off x="6638769" y="4158648"/>
+            <a:ext cx="548640" cy="785180"/>
+            <a:chOff x="7390429" y="-1789102"/>
+            <a:chExt cx="548640" cy="785180"/>
+          </a:xfrm>
+        </p:grpSpPr>
+        <p:pic>
+          <p:nvPicPr>
+            <p:cNvPr id="10" name="Picture 9">
+              <a:extLst>
+                <a:ext uri="{FF2B5EF4-FFF2-40B4-BE49-F238E27FC236}">
+                  <a16:creationId xmlns:a16="http://schemas.microsoft.com/office/drawing/2014/main" id="{6F5BEFB3-FE7E-F043-AEC7-C1CE5B92D67B}"/>
+                </a:ext>
+              </a:extLst>
+            </p:cNvPr>
+            <p:cNvPicPr>
+              <a:picLocks noChangeAspect="1"/>
+            </p:cNvPicPr>
+            <p:nvPr/>
+          </p:nvPicPr>
+          <p:blipFill>
+            <a:blip r:embed="rId3"/>
+            <a:stretch>
+              <a:fillRect/>
+            </a:stretch>
+          </p:blipFill>
+          <p:spPr>
+            <a:xfrm>
+              <a:off x="7390429" y="-1789102"/>
+              <a:ext cx="548640" cy="548640"/>
+            </a:xfrm>
+            <a:prstGeom prst="rect">
+              <a:avLst/>
+            </a:prstGeom>
+          </p:spPr>
+        </p:pic>
+        <p:sp>
+          <p:nvSpPr>
+            <p:cNvPr id="11" name="Shape 264">
+              <a:extLst>
+                <a:ext uri="{FF2B5EF4-FFF2-40B4-BE49-F238E27FC236}">
+                  <a16:creationId xmlns:a16="http://schemas.microsoft.com/office/drawing/2014/main" id="{9DC71FBF-7EF6-324B-A4C3-39C2E9CE289E}"/>
+                </a:ext>
+              </a:extLst>
+            </p:cNvPr>
+            <p:cNvSpPr/>
+            <p:nvPr/>
+          </p:nvSpPr>
+          <p:spPr>
+            <a:xfrm>
+              <a:off x="7404261" y="-1250143"/>
+              <a:ext cx="520976" cy="246221"/>
+            </a:xfrm>
+            <a:prstGeom prst="rect">
+              <a:avLst/>
+            </a:prstGeom>
+            <a:noFill/>
+            <a:ln w="3175" cap="flat">
+              <a:noFill/>
+              <a:miter lim="400000"/>
+            </a:ln>
+            <a:effectLst/>
+            <a:extLst>
+              <a:ext uri="{C572A759-6A51-4108-AA02-DFA0A04FC94B}">
+                <ma14:wrappingTextBoxFlag xmlns:ma14="http://schemas.microsoft.com/office/mac/drawingml/2011/main" xmlns="" val="1"/>
+              </a:ext>
+            </a:extLst>
+          </p:spPr>
+          <p:txBody>
+            <a:bodyPr wrap="square" lIns="0" tIns="0" rIns="0" bIns="0" numCol="1" anchor="t">
+              <a:spAutoFit/>
+            </a:bodyPr>
+            <a:lstStyle/>
+            <a:p>
+              <a:pPr lvl="0" algn="ctr">
+                <a:defRPr sz="1800"/>
+              </a:pPr>
+              <a:r>
+                <a:rPr lang="en-US" sz="800" b="1" dirty="0">
+                  <a:solidFill>
+                    <a:srgbClr val="4277BB"/>
+                  </a:solidFill>
+                  <a:latin typeface="Helvetica"/>
+                  <a:ea typeface="Helvetica"/>
+                  <a:cs typeface="Helvetica"/>
+                  <a:sym typeface="Helvetica"/>
+                </a:rPr>
+                <a:t>SECURITY GROUP</a:t>
+              </a:r>
+              <a:endParaRPr sz="800" b="1" dirty="0">
+                <a:solidFill>
+                  <a:srgbClr val="4277BB"/>
+                </a:solidFill>
+                <a:latin typeface="Helvetica"/>
+                <a:ea typeface="Helvetica"/>
+                <a:cs typeface="Helvetica"/>
+                <a:sym typeface="Helvetica"/>
+              </a:endParaRPr>
+            </a:p>
+          </p:txBody>
+        </p:sp>
+      </p:grpSp>
+      <p:sp>
+        <p:nvSpPr>
+          <p:cNvPr id="12" name="Rectangle 11">
+            <a:extLst>
+              <a:ext uri="{FF2B5EF4-FFF2-40B4-BE49-F238E27FC236}">
+                <a16:creationId xmlns:a16="http://schemas.microsoft.com/office/drawing/2014/main" id="{53647EA9-5E77-5243-8BB0-8518362AEF02}"/>
+              </a:ext>
+            </a:extLst>
+          </p:cNvPr>
+          <p:cNvSpPr/>
+          <p:nvPr/>
+        </p:nvSpPr>
+        <p:spPr>
+          <a:xfrm>
+            <a:off x="6913089" y="3228456"/>
+            <a:ext cx="2155566" cy="904121"/>
+          </a:xfrm>
+          <a:custGeom>
+            <a:avLst/>
+            <a:gdLst>
+              <a:gd name="connsiteX0" fmla="*/ 0 w 2155566"/>
+              <a:gd name="connsiteY0" fmla="*/ 0 h 904121"/>
+              <a:gd name="connsiteX1" fmla="*/ 517336 w 2155566"/>
+              <a:gd name="connsiteY1" fmla="*/ 0 h 904121"/>
+              <a:gd name="connsiteX2" fmla="*/ 991560 w 2155566"/>
+              <a:gd name="connsiteY2" fmla="*/ 0 h 904121"/>
+              <a:gd name="connsiteX3" fmla="*/ 1573563 w 2155566"/>
+              <a:gd name="connsiteY3" fmla="*/ 0 h 904121"/>
+              <a:gd name="connsiteX4" fmla="*/ 2155566 w 2155566"/>
+              <a:gd name="connsiteY4" fmla="*/ 0 h 904121"/>
+              <a:gd name="connsiteX5" fmla="*/ 2155566 w 2155566"/>
+              <a:gd name="connsiteY5" fmla="*/ 443019 h 904121"/>
+              <a:gd name="connsiteX6" fmla="*/ 2155566 w 2155566"/>
+              <a:gd name="connsiteY6" fmla="*/ 904121 h 904121"/>
+              <a:gd name="connsiteX7" fmla="*/ 1616675 w 2155566"/>
+              <a:gd name="connsiteY7" fmla="*/ 904121 h 904121"/>
+              <a:gd name="connsiteX8" fmla="*/ 1034672 w 2155566"/>
+              <a:gd name="connsiteY8" fmla="*/ 904121 h 904121"/>
+              <a:gd name="connsiteX9" fmla="*/ 560447 w 2155566"/>
+              <a:gd name="connsiteY9" fmla="*/ 904121 h 904121"/>
+              <a:gd name="connsiteX10" fmla="*/ 0 w 2155566"/>
+              <a:gd name="connsiteY10" fmla="*/ 904121 h 904121"/>
+              <a:gd name="connsiteX11" fmla="*/ 0 w 2155566"/>
+              <a:gd name="connsiteY11" fmla="*/ 452061 h 904121"/>
+              <a:gd name="connsiteX12" fmla="*/ 0 w 2155566"/>
+              <a:gd name="connsiteY12" fmla="*/ 0 h 904121"/>
+            </a:gdLst>
+            <a:ahLst/>
+            <a:cxnLst>
+              <a:cxn ang="0">
+                <a:pos x="connsiteX0" y="connsiteY0"/>
+              </a:cxn>
+              <a:cxn ang="0">
+                <a:pos x="connsiteX1" y="connsiteY1"/>
+              </a:cxn>
+              <a:cxn ang="0">
+                <a:pos x="connsiteX2" y="connsiteY2"/>
+              </a:cxn>
+              <a:cxn ang="0">
+                <a:pos x="connsiteX3" y="connsiteY3"/>
+              </a:cxn>
+              <a:cxn ang="0">
+                <a:pos x="connsiteX4" y="connsiteY4"/>
+              </a:cxn>
+              <a:cxn ang="0">
+                <a:pos x="connsiteX5" y="connsiteY5"/>
+              </a:cxn>
+              <a:cxn ang="0">
+                <a:pos x="connsiteX6" y="connsiteY6"/>
+              </a:cxn>
+              <a:cxn ang="0">
+                <a:pos x="connsiteX7" y="connsiteY7"/>
+              </a:cxn>
+              <a:cxn ang="0">
+                <a:pos x="connsiteX8" y="connsiteY8"/>
+              </a:cxn>
+              <a:cxn ang="0">
+                <a:pos x="connsiteX9" y="connsiteY9"/>
+              </a:cxn>
+              <a:cxn ang="0">
+                <a:pos x="connsiteX10" y="connsiteY10"/>
+              </a:cxn>
+              <a:cxn ang="0">
+                <a:pos x="connsiteX11" y="connsiteY11"/>
+              </a:cxn>
+              <a:cxn ang="0">
+                <a:pos x="connsiteX12" y="connsiteY12"/>
+              </a:cxn>
+            </a:cxnLst>
+            <a:rect l="l" t="t" r="r" b="b"/>
+            <a:pathLst>
+              <a:path w="2155566" h="904121" extrusionOk="0">
+                <a:moveTo>
+                  <a:pt x="0" y="0"/>
+                </a:moveTo>
+                <a:cubicBezTo>
+                  <a:pt x="184842" y="-8196"/>
+                  <a:pt x="315511" y="27120"/>
+                  <a:pt x="517336" y="0"/>
+                </a:cubicBezTo>
+                <a:cubicBezTo>
+                  <a:pt x="719161" y="-27120"/>
+                  <a:pt x="868027" y="1408"/>
+                  <a:pt x="991560" y="0"/>
+                </a:cubicBezTo>
+                <a:cubicBezTo>
+                  <a:pt x="1115093" y="-1408"/>
+                  <a:pt x="1437706" y="20521"/>
+                  <a:pt x="1573563" y="0"/>
+                </a:cubicBezTo>
+                <a:cubicBezTo>
+                  <a:pt x="1709420" y="-20521"/>
+                  <a:pt x="1970744" y="4238"/>
+                  <a:pt x="2155566" y="0"/>
+                </a:cubicBezTo>
+                <a:cubicBezTo>
+                  <a:pt x="2184556" y="211041"/>
+                  <a:pt x="2102790" y="228795"/>
+                  <a:pt x="2155566" y="443019"/>
+                </a:cubicBezTo>
+                <a:cubicBezTo>
+                  <a:pt x="2208342" y="657243"/>
+                  <a:pt x="2110470" y="698778"/>
+                  <a:pt x="2155566" y="904121"/>
+                </a:cubicBezTo>
+                <a:cubicBezTo>
+                  <a:pt x="1904950" y="944323"/>
+                  <a:pt x="1791598" y="863255"/>
+                  <a:pt x="1616675" y="904121"/>
+                </a:cubicBezTo>
+                <a:cubicBezTo>
+                  <a:pt x="1441752" y="944987"/>
+                  <a:pt x="1255419" y="883603"/>
+                  <a:pt x="1034672" y="904121"/>
+                </a:cubicBezTo>
+                <a:cubicBezTo>
+                  <a:pt x="813925" y="924639"/>
+                  <a:pt x="791045" y="897978"/>
+                  <a:pt x="560447" y="904121"/>
+                </a:cubicBezTo>
+                <a:cubicBezTo>
+                  <a:pt x="329849" y="910264"/>
+                  <a:pt x="164621" y="879189"/>
+                  <a:pt x="0" y="904121"/>
+                </a:cubicBezTo>
+                <a:cubicBezTo>
+                  <a:pt x="-43376" y="765319"/>
+                  <a:pt x="22756" y="546055"/>
+                  <a:pt x="0" y="452061"/>
+                </a:cubicBezTo>
+                <a:cubicBezTo>
+                  <a:pt x="-22756" y="358067"/>
+                  <a:pt x="8421" y="147957"/>
+                  <a:pt x="0" y="0"/>
+                </a:cubicBezTo>
+                <a:close/>
+              </a:path>
+            </a:pathLst>
+          </a:custGeom>
+          <a:noFill/>
+          <a:ln w="12700">
+            <a:solidFill>
+              <a:srgbClr val="7030A0"/>
+            </a:solidFill>
+            <a:extLst>
+              <a:ext uri="{C807C97D-BFC1-408E-A445-0C87EB9F89A2}">
+                <ask:lineSketchStyleProps xmlns:ask="http://schemas.microsoft.com/office/drawing/2018/sketchyshapes" sd="1219033472">
+                  <a:prstGeom prst="rect">
+                    <a:avLst/>
+                  </a:prstGeom>
+                  <ask:type>
+                    <ask:lineSketchScribble/>
+                  </ask:type>
+                </ask:lineSketchStyleProps>
+              </a:ext>
+            </a:extLst>
+          </a:ln>
+        </p:spPr>
+        <p:style>
+          <a:lnRef idx="2">
+            <a:schemeClr val="accent1">
+              <a:shade val="50000"/>
+            </a:schemeClr>
+          </a:lnRef>
+          <a:fillRef idx="1">
+            <a:schemeClr val="accent1"/>
+          </a:fillRef>
+          <a:effectRef idx="0">
+            <a:schemeClr val="accent1"/>
+          </a:effectRef>
+          <a:fontRef idx="minor">
+            <a:schemeClr val="lt1"/>
+          </a:fontRef>
+        </p:style>
+        <p:txBody>
+          <a:bodyPr rtlCol="0" anchor="b"/>
+          <a:lstStyle/>
+          <a:p>
+            <a:r>
+              <a:rPr lang="en-US" sz="1200" dirty="0">
+                <a:solidFill>
+                  <a:srgbClr val="7030A0"/>
+                </a:solidFill>
+              </a:rPr>
+              <a:t>us-west-1c</a:t>
+            </a:r>
+            <a:endParaRPr sz="1200" dirty="0">
+              <a:solidFill>
+                <a:srgbClr val="7030A0"/>
+              </a:solidFill>
+            </a:endParaRPr>
+          </a:p>
+        </p:txBody>
+      </p:sp>
+      <p:grpSp>
+        <p:nvGrpSpPr>
+          <p:cNvPr id="13" name="Group 12">
+            <a:extLst>
+              <a:ext uri="{FF2B5EF4-FFF2-40B4-BE49-F238E27FC236}">
+                <a16:creationId xmlns:a16="http://schemas.microsoft.com/office/drawing/2014/main" id="{C2538065-7A7A-CF4E-A3E4-D90A872E7243}"/>
+              </a:ext>
+            </a:extLst>
+          </p:cNvPr>
+          <p:cNvGrpSpPr/>
+          <p:nvPr/>
+        </p:nvGrpSpPr>
+        <p:grpSpPr>
+          <a:xfrm>
+            <a:off x="1086245" y="1423282"/>
+            <a:ext cx="764759" cy="914604"/>
+            <a:chOff x="10202840" y="-858415"/>
+            <a:chExt cx="764759" cy="914604"/>
+          </a:xfrm>
+        </p:grpSpPr>
+        <p:pic>
+          <p:nvPicPr>
+            <p:cNvPr id="14" name="Picture 13">
+              <a:extLst>
+                <a:ext uri="{FF2B5EF4-FFF2-40B4-BE49-F238E27FC236}">
+                  <a16:creationId xmlns:a16="http://schemas.microsoft.com/office/drawing/2014/main" id="{6DCAC180-A41F-0946-B4FC-2DE2F8BAFF90}"/>
+                </a:ext>
+              </a:extLst>
+            </p:cNvPr>
+            <p:cNvPicPr>
+              <a:picLocks noChangeAspect="1"/>
+            </p:cNvPicPr>
+            <p:nvPr/>
+          </p:nvPicPr>
+          <p:blipFill>
+            <a:blip r:embed="rId4"/>
+            <a:stretch>
+              <a:fillRect/>
+            </a:stretch>
+          </p:blipFill>
+          <p:spPr>
+            <a:xfrm>
+              <a:off x="10313700" y="-858415"/>
+              <a:ext cx="548640" cy="548640"/>
+            </a:xfrm>
+            <a:prstGeom prst="rect">
+              <a:avLst/>
+            </a:prstGeom>
+          </p:spPr>
+        </p:pic>
+        <p:sp>
+          <p:nvSpPr>
+            <p:cNvPr id="15" name="Shape 264">
+              <a:extLst>
+                <a:ext uri="{FF2B5EF4-FFF2-40B4-BE49-F238E27FC236}">
+                  <a16:creationId xmlns:a16="http://schemas.microsoft.com/office/drawing/2014/main" id="{9BB06F19-843D-DF46-9E23-F1913F29C9DB}"/>
+                </a:ext>
+              </a:extLst>
+            </p:cNvPr>
+            <p:cNvSpPr/>
+            <p:nvPr/>
+          </p:nvSpPr>
+          <p:spPr>
+            <a:xfrm>
+              <a:off x="10202840" y="-313143"/>
+              <a:ext cx="764759" cy="369332"/>
+            </a:xfrm>
+            <a:prstGeom prst="rect">
+              <a:avLst/>
+            </a:prstGeom>
+            <a:noFill/>
+            <a:ln w="3175" cap="flat">
+              <a:noFill/>
+              <a:miter lim="400000"/>
+            </a:ln>
+            <a:effectLst/>
+            <a:extLst>
+              <a:ext uri="{C572A759-6A51-4108-AA02-DFA0A04FC94B}">
+                <ma14:wrappingTextBoxFlag xmlns:ma14="http://schemas.microsoft.com/office/mac/drawingml/2011/main" xmlns="" val="1"/>
+              </a:ext>
+            </a:extLst>
+          </p:spPr>
+          <p:txBody>
+            <a:bodyPr wrap="square" lIns="0" tIns="0" rIns="0" bIns="0" numCol="1" anchor="t">
+              <a:spAutoFit/>
+            </a:bodyPr>
+            <a:lstStyle/>
+            <a:p>
+              <a:pPr lvl="0" algn="ctr">
+                <a:defRPr sz="1800"/>
+              </a:pPr>
+              <a:r>
+                <a:rPr lang="en-US" sz="800" b="1" dirty="0">
+                  <a:solidFill>
+                    <a:srgbClr val="4277BB"/>
+                  </a:solidFill>
+                  <a:latin typeface="Helvetica"/>
+                  <a:ea typeface="Helvetica"/>
+                  <a:cs typeface="Helvetica"/>
+                  <a:sym typeface="Helvetica"/>
+                </a:rPr>
+                <a:t>IDENTITY &amp; ACCESS MANAGEMENT</a:t>
+              </a:r>
+              <a:endParaRPr sz="800" b="1" dirty="0">
+                <a:solidFill>
+                  <a:srgbClr val="4277BB"/>
+                </a:solidFill>
+                <a:latin typeface="Helvetica"/>
+                <a:ea typeface="Helvetica"/>
+                <a:cs typeface="Helvetica"/>
+                <a:sym typeface="Helvetica"/>
+              </a:endParaRPr>
+            </a:p>
+          </p:txBody>
+        </p:sp>
+      </p:grpSp>
+      <p:sp>
+        <p:nvSpPr>
+          <p:cNvPr id="16" name="Rectangle 15">
+            <a:extLst>
+              <a:ext uri="{FF2B5EF4-FFF2-40B4-BE49-F238E27FC236}">
+                <a16:creationId xmlns:a16="http://schemas.microsoft.com/office/drawing/2014/main" id="{0F9DDECB-7302-3547-A188-DE79A592413E}"/>
+              </a:ext>
+            </a:extLst>
+          </p:cNvPr>
+          <p:cNvSpPr/>
+          <p:nvPr/>
+        </p:nvSpPr>
+        <p:spPr>
+          <a:xfrm>
+            <a:off x="520307" y="1336349"/>
+            <a:ext cx="1669740" cy="1001538"/>
+          </a:xfrm>
+          <a:custGeom>
+            <a:avLst/>
+            <a:gdLst>
+              <a:gd name="connsiteX0" fmla="*/ 0 w 1669740"/>
+              <a:gd name="connsiteY0" fmla="*/ 0 h 1001538"/>
+              <a:gd name="connsiteX1" fmla="*/ 539883 w 1669740"/>
+              <a:gd name="connsiteY1" fmla="*/ 0 h 1001538"/>
+              <a:gd name="connsiteX2" fmla="*/ 1046370 w 1669740"/>
+              <a:gd name="connsiteY2" fmla="*/ 0 h 1001538"/>
+              <a:gd name="connsiteX3" fmla="*/ 1669740 w 1669740"/>
+              <a:gd name="connsiteY3" fmla="*/ 0 h 1001538"/>
+              <a:gd name="connsiteX4" fmla="*/ 1669740 w 1669740"/>
+              <a:gd name="connsiteY4" fmla="*/ 490754 h 1001538"/>
+              <a:gd name="connsiteX5" fmla="*/ 1669740 w 1669740"/>
+              <a:gd name="connsiteY5" fmla="*/ 1001538 h 1001538"/>
+              <a:gd name="connsiteX6" fmla="*/ 1146555 w 1669740"/>
+              <a:gd name="connsiteY6" fmla="*/ 1001538 h 1001538"/>
+              <a:gd name="connsiteX7" fmla="*/ 623370 w 1669740"/>
+              <a:gd name="connsiteY7" fmla="*/ 1001538 h 1001538"/>
+              <a:gd name="connsiteX8" fmla="*/ 0 w 1669740"/>
+              <a:gd name="connsiteY8" fmla="*/ 1001538 h 1001538"/>
+              <a:gd name="connsiteX9" fmla="*/ 0 w 1669740"/>
+              <a:gd name="connsiteY9" fmla="*/ 530815 h 1001538"/>
+              <a:gd name="connsiteX10" fmla="*/ 0 w 1669740"/>
+              <a:gd name="connsiteY10" fmla="*/ 0 h 1001538"/>
+            </a:gdLst>
+            <a:ahLst/>
+            <a:cxnLst>
+              <a:cxn ang="0">
+                <a:pos x="connsiteX0" y="connsiteY0"/>
+              </a:cxn>
+              <a:cxn ang="0">
+                <a:pos x="connsiteX1" y="connsiteY1"/>
+              </a:cxn>
+              <a:cxn ang="0">
+                <a:pos x="connsiteX2" y="connsiteY2"/>
+              </a:cxn>
+              <a:cxn ang="0">
+                <a:pos x="connsiteX3" y="connsiteY3"/>
+              </a:cxn>
+              <a:cxn ang="0">
+                <a:pos x="connsiteX4" y="connsiteY4"/>
+              </a:cxn>
+              <a:cxn ang="0">
+                <a:pos x="connsiteX5" y="connsiteY5"/>
+              </a:cxn>
+              <a:cxn ang="0">
+                <a:pos x="connsiteX6" y="connsiteY6"/>
+              </a:cxn>
+              <a:cxn ang="0">
+                <a:pos x="connsiteX7" y="connsiteY7"/>
+              </a:cxn>
+              <a:cxn ang="0">
+                <a:pos x="connsiteX8" y="connsiteY8"/>
+              </a:cxn>
+              <a:cxn ang="0">
+                <a:pos x="connsiteX9" y="connsiteY9"/>
+              </a:cxn>
+              <a:cxn ang="0">
+                <a:pos x="connsiteX10" y="connsiteY10"/>
+              </a:cxn>
+            </a:cxnLst>
+            <a:rect l="l" t="t" r="r" b="b"/>
+            <a:pathLst>
+              <a:path w="1669740" h="1001538" extrusionOk="0">
+                <a:moveTo>
+                  <a:pt x="0" y="0"/>
+                </a:moveTo>
+                <a:cubicBezTo>
+                  <a:pt x="233294" y="-64708"/>
+                  <a:pt x="414647" y="24250"/>
+                  <a:pt x="539883" y="0"/>
+                </a:cubicBezTo>
+                <a:cubicBezTo>
+                  <a:pt x="665119" y="-24250"/>
+                  <a:pt x="891008" y="4719"/>
+                  <a:pt x="1046370" y="0"/>
+                </a:cubicBezTo>
+                <a:cubicBezTo>
+                  <a:pt x="1201732" y="-4719"/>
+                  <a:pt x="1380235" y="37531"/>
+                  <a:pt x="1669740" y="0"/>
+                </a:cubicBezTo>
+                <a:cubicBezTo>
+                  <a:pt x="1697994" y="168725"/>
+                  <a:pt x="1629815" y="364633"/>
+                  <a:pt x="1669740" y="490754"/>
+                </a:cubicBezTo>
+                <a:cubicBezTo>
+                  <a:pt x="1709665" y="616875"/>
+                  <a:pt x="1629383" y="808366"/>
+                  <a:pt x="1669740" y="1001538"/>
+                </a:cubicBezTo>
+                <a:cubicBezTo>
+                  <a:pt x="1427476" y="1027788"/>
+                  <a:pt x="1301678" y="955805"/>
+                  <a:pt x="1146555" y="1001538"/>
+                </a:cubicBezTo>
+                <a:cubicBezTo>
+                  <a:pt x="991433" y="1047271"/>
+                  <a:pt x="805422" y="991285"/>
+                  <a:pt x="623370" y="1001538"/>
+                </a:cubicBezTo>
+                <a:cubicBezTo>
+                  <a:pt x="441318" y="1011791"/>
+                  <a:pt x="220296" y="936999"/>
+                  <a:pt x="0" y="1001538"/>
+                </a:cubicBezTo>
+                <a:cubicBezTo>
+                  <a:pt x="-30669" y="819676"/>
+                  <a:pt x="39687" y="728321"/>
+                  <a:pt x="0" y="530815"/>
+                </a:cubicBezTo>
+                <a:cubicBezTo>
+                  <a:pt x="-39687" y="333309"/>
+                  <a:pt x="19122" y="195348"/>
+                  <a:pt x="0" y="0"/>
+                </a:cubicBezTo>
+                <a:close/>
+              </a:path>
+            </a:pathLst>
+          </a:custGeom>
+          <a:noFill/>
+          <a:ln w="12700">
+            <a:solidFill>
+              <a:srgbClr val="7030A0"/>
+            </a:solidFill>
+            <a:extLst>
+              <a:ext uri="{C807C97D-BFC1-408E-A445-0C87EB9F89A2}">
+                <ask:lineSketchStyleProps xmlns:ask="http://schemas.microsoft.com/office/drawing/2018/sketchyshapes" sd="1219033472">
+                  <a:prstGeom prst="rect">
+                    <a:avLst/>
+                  </a:prstGeom>
+                  <ask:type>
+                    <ask:lineSketchScribble/>
+                  </ask:type>
+                </ask:lineSketchStyleProps>
+              </a:ext>
+            </a:extLst>
+          </a:ln>
+        </p:spPr>
+        <p:style>
+          <a:lnRef idx="2">
+            <a:schemeClr val="accent1">
+              <a:shade val="50000"/>
+            </a:schemeClr>
+          </a:lnRef>
+          <a:fillRef idx="1">
+            <a:schemeClr val="accent1"/>
+          </a:fillRef>
+          <a:effectRef idx="0">
+            <a:schemeClr val="accent1"/>
+          </a:effectRef>
+          <a:fontRef idx="minor">
+            <a:schemeClr val="lt1"/>
+          </a:fontRef>
+        </p:style>
+        <p:txBody>
+          <a:bodyPr rtlCol="0" anchor="t"/>
+          <a:lstStyle/>
+          <a:p>
+            <a:r>
+              <a:rPr lang="en-US" sz="1100" dirty="0">
+                <a:solidFill>
+                  <a:srgbClr val="7030A0"/>
+                </a:solidFill>
+              </a:rPr>
+              <a:t>Account</a:t>
+            </a:r>
+            <a:endParaRPr sz="1100" dirty="0">
+              <a:solidFill>
+                <a:srgbClr val="7030A0"/>
+              </a:solidFill>
+            </a:endParaRPr>
+          </a:p>
+        </p:txBody>
+      </p:sp>
+      <p:grpSp>
+        <p:nvGrpSpPr>
+          <p:cNvPr id="20" name="Group 19">
+            <a:extLst>
+              <a:ext uri="{FF2B5EF4-FFF2-40B4-BE49-F238E27FC236}">
+                <a16:creationId xmlns:a16="http://schemas.microsoft.com/office/drawing/2014/main" id="{F9E60BFA-E58C-7947-A3CB-15E3B5DEA33A}"/>
+              </a:ext>
+            </a:extLst>
+          </p:cNvPr>
+          <p:cNvGrpSpPr/>
+          <p:nvPr/>
+        </p:nvGrpSpPr>
+        <p:grpSpPr>
+          <a:xfrm>
+            <a:off x="2640491" y="2120597"/>
+            <a:ext cx="548640" cy="787905"/>
+            <a:chOff x="-774327" y="1676400"/>
+            <a:chExt cx="548640" cy="787905"/>
+          </a:xfrm>
+        </p:grpSpPr>
+        <p:grpSp>
+          <p:nvGrpSpPr>
+            <p:cNvPr id="21" name="Group 20">
+              <a:extLst>
+                <a:ext uri="{FF2B5EF4-FFF2-40B4-BE49-F238E27FC236}">
+                  <a16:creationId xmlns:a16="http://schemas.microsoft.com/office/drawing/2014/main" id="{88C18C56-3E2C-6944-832B-8ED000183C84}"/>
+                </a:ext>
+              </a:extLst>
+            </p:cNvPr>
+            <p:cNvGrpSpPr/>
+            <p:nvPr/>
+          </p:nvGrpSpPr>
+          <p:grpSpPr>
+            <a:xfrm>
+              <a:off x="-774327" y="1676400"/>
+              <a:ext cx="548640" cy="548640"/>
+              <a:chOff x="-923414" y="1676400"/>
+              <a:chExt cx="1019446" cy="1019446"/>
+            </a:xfrm>
+          </p:grpSpPr>
+          <p:sp>
+            <p:nvSpPr>
+              <p:cNvPr id="23" name="Shape 189">
+                <a:extLst>
+                  <a:ext uri="{FF2B5EF4-FFF2-40B4-BE49-F238E27FC236}">
+                    <a16:creationId xmlns:a16="http://schemas.microsoft.com/office/drawing/2014/main" id="{4EE401EE-5035-A944-B8FE-6DCB65B747A3}"/>
+                  </a:ext>
+                </a:extLst>
+              </p:cNvPr>
+              <p:cNvSpPr>
+                <a:spLocks noChangeAspect="1"/>
+              </p:cNvSpPr>
+              <p:nvPr/>
+            </p:nvSpPr>
+            <p:spPr>
+              <a:xfrm>
+                <a:off x="-923414" y="1676400"/>
+                <a:ext cx="1019446" cy="1019446"/>
+              </a:xfrm>
+              <a:custGeom>
+                <a:avLst/>
+                <a:gdLst/>
+                <a:ahLst/>
+                <a:cxnLst>
+                  <a:cxn ang="0">
+                    <a:pos x="wd2" y="hd2"/>
+                  </a:cxn>
+                  <a:cxn ang="5400000">
+                    <a:pos x="wd2" y="hd2"/>
+                  </a:cxn>
+                  <a:cxn ang="10800000">
+                    <a:pos x="wd2" y="hd2"/>
+                  </a:cxn>
+                  <a:cxn ang="16200000">
+                    <a:pos x="wd2" y="hd2"/>
+                  </a:cxn>
+                </a:cxnLst>
+                <a:rect l="0" t="0" r="r" b="b"/>
+                <a:pathLst>
+                  <a:path w="19679" h="19679" extrusionOk="0">
+                    <a:moveTo>
+                      <a:pt x="16796" y="2882"/>
+                    </a:moveTo>
+                    <a:cubicBezTo>
+                      <a:pt x="20639" y="6724"/>
+                      <a:pt x="20639" y="12954"/>
+                      <a:pt x="16796" y="16796"/>
+                    </a:cubicBezTo>
+                    <a:cubicBezTo>
+                      <a:pt x="12954" y="20639"/>
+                      <a:pt x="6724" y="20639"/>
+                      <a:pt x="2882" y="16796"/>
+                    </a:cubicBezTo>
+                    <a:cubicBezTo>
+                      <a:pt x="-961" y="12954"/>
+                      <a:pt x="-961" y="6724"/>
+                      <a:pt x="2882" y="2882"/>
+                    </a:cubicBezTo>
+                    <a:cubicBezTo>
+                      <a:pt x="6724" y="-961"/>
+                      <a:pt x="12954" y="-961"/>
+                      <a:pt x="16796" y="2882"/>
+                    </a:cubicBezTo>
+                    <a:close/>
+                  </a:path>
+                </a:pathLst>
+              </a:custGeom>
+              <a:solidFill>
+                <a:srgbClr val="C6982C"/>
+              </a:solidFill>
+              <a:ln w="3175" cap="flat">
+                <a:noFill/>
+                <a:miter lim="400000"/>
+              </a:ln>
+              <a:effectLst/>
+            </p:spPr>
+            <p:txBody>
+              <a:bodyPr wrap="square" lIns="0" tIns="0" rIns="0" bIns="0" numCol="1" anchor="ctr">
+                <a:noAutofit/>
+              </a:bodyPr>
+              <a:lstStyle/>
+              <a:p>
+                <a:pPr lvl="0">
+                  <a:defRPr sz="1800">
+                    <a:solidFill>
+                      <a:srgbClr val="FFFFFF"/>
+                    </a:solidFill>
+                  </a:defRPr>
+                </a:pPr>
+                <a:endParaRPr dirty="0"/>
+              </a:p>
+            </p:txBody>
+          </p:sp>
+          <p:pic>
+            <p:nvPicPr>
+              <p:cNvPr id="24" name="_-02.png">
+                <a:extLst>
+                  <a:ext uri="{FF2B5EF4-FFF2-40B4-BE49-F238E27FC236}">
+                    <a16:creationId xmlns:a16="http://schemas.microsoft.com/office/drawing/2014/main" id="{7F96CCF2-5332-974A-9560-8BE1195E219F}"/>
+                  </a:ext>
+                </a:extLst>
+              </p:cNvPr>
+              <p:cNvPicPr/>
+              <p:nvPr/>
+            </p:nvPicPr>
+            <p:blipFill>
+              <a:blip r:embed="rId5"/>
+              <a:srcRect l="24323" t="21763" r="24323" b="21763"/>
+              <a:stretch>
+                <a:fillRect/>
+              </a:stretch>
+            </p:blipFill>
+            <p:spPr>
+              <a:xfrm>
+                <a:off x="-701490" y="1858969"/>
+                <a:ext cx="580271" cy="689776"/>
+              </a:xfrm>
+              <a:prstGeom prst="rect">
+                <a:avLst/>
+              </a:prstGeom>
+              <a:ln w="3175" cap="flat">
+                <a:noFill/>
+                <a:miter lim="400000"/>
+              </a:ln>
+              <a:effectLst/>
+            </p:spPr>
+          </p:pic>
+        </p:grpSp>
+        <p:sp>
+          <p:nvSpPr>
+            <p:cNvPr id="22" name="Shape 264">
+              <a:extLst>
+                <a:ext uri="{FF2B5EF4-FFF2-40B4-BE49-F238E27FC236}">
+                  <a16:creationId xmlns:a16="http://schemas.microsoft.com/office/drawing/2014/main" id="{8A4784D9-1CFF-9944-A555-9089907EC42F}"/>
+                </a:ext>
+              </a:extLst>
+            </p:cNvPr>
+            <p:cNvSpPr/>
+            <p:nvPr/>
+          </p:nvSpPr>
+          <p:spPr>
+            <a:xfrm>
+              <a:off x="-624014" y="2218084"/>
+              <a:ext cx="285335" cy="246221"/>
+            </a:xfrm>
+            <a:prstGeom prst="rect">
+              <a:avLst/>
+            </a:prstGeom>
+            <a:noFill/>
+            <a:ln w="3175" cap="flat">
+              <a:noFill/>
+              <a:miter lim="400000"/>
+            </a:ln>
+            <a:effectLst/>
+            <a:extLst>
+              <a:ext uri="{C572A759-6A51-4108-AA02-DFA0A04FC94B}">
+                <ma14:wrappingTextBoxFlag xmlns:ma14="http://schemas.microsoft.com/office/mac/drawingml/2011/main" xmlns="" val="1"/>
+              </a:ext>
+            </a:extLst>
+          </p:spPr>
+          <p:txBody>
+            <a:bodyPr wrap="none" lIns="0" tIns="0" rIns="0" bIns="0" numCol="1" anchor="t">
+              <a:spAutoFit/>
+            </a:bodyPr>
+            <a:lstStyle/>
+            <a:p>
+              <a:pPr lvl="0" algn="ctr">
+                <a:defRPr sz="1800"/>
+              </a:pPr>
+              <a:r>
+                <a:rPr lang="en-US" sz="800" b="1" dirty="0">
+                  <a:solidFill>
+                    <a:srgbClr val="4277BB"/>
+                  </a:solidFill>
+                  <a:latin typeface="Helvetica"/>
+                  <a:ea typeface="Helvetica"/>
+                  <a:cs typeface="Helvetica"/>
+                  <a:sym typeface="Helvetica"/>
+                </a:rPr>
+                <a:t>END </a:t>
+              </a:r>
+            </a:p>
+            <a:p>
+              <a:pPr lvl="0" algn="ctr">
+                <a:defRPr sz="1800"/>
+              </a:pPr>
+              <a:r>
+                <a:rPr lang="en-US" sz="800" b="1" dirty="0">
+                  <a:solidFill>
+                    <a:srgbClr val="4277BB"/>
+                  </a:solidFill>
+                  <a:latin typeface="Helvetica"/>
+                  <a:ea typeface="Helvetica"/>
+                  <a:cs typeface="Helvetica"/>
+                  <a:sym typeface="Helvetica"/>
+                </a:rPr>
+                <a:t>USER</a:t>
+              </a:r>
+              <a:endParaRPr sz="800" b="1" dirty="0">
+                <a:solidFill>
+                  <a:srgbClr val="4277BB"/>
+                </a:solidFill>
+                <a:latin typeface="Helvetica"/>
+                <a:ea typeface="Helvetica"/>
+                <a:cs typeface="Helvetica"/>
+                <a:sym typeface="Helvetica"/>
+              </a:endParaRPr>
+            </a:p>
+          </p:txBody>
+        </p:sp>
+      </p:grpSp>
+      <p:grpSp>
+        <p:nvGrpSpPr>
+          <p:cNvPr id="34" name="Group 33">
+            <a:extLst>
+              <a:ext uri="{FF2B5EF4-FFF2-40B4-BE49-F238E27FC236}">
+                <a16:creationId xmlns:a16="http://schemas.microsoft.com/office/drawing/2014/main" id="{AAAF314B-B04C-4F4D-8298-331328591E4F}"/>
+              </a:ext>
+            </a:extLst>
+          </p:cNvPr>
+          <p:cNvGrpSpPr/>
+          <p:nvPr/>
+        </p:nvGrpSpPr>
+        <p:grpSpPr>
+          <a:xfrm>
+            <a:off x="5262752" y="2462423"/>
+            <a:ext cx="674062" cy="704229"/>
+            <a:chOff x="4628967" y="4317112"/>
+            <a:chExt cx="674062" cy="704229"/>
+          </a:xfrm>
+        </p:grpSpPr>
+        <p:sp>
+          <p:nvSpPr>
+            <p:cNvPr id="31" name="Freeform 30">
+              <a:extLst>
+                <a:ext uri="{FF2B5EF4-FFF2-40B4-BE49-F238E27FC236}">
+                  <a16:creationId xmlns:a16="http://schemas.microsoft.com/office/drawing/2014/main" id="{075013D4-6DA2-FD48-BA79-7282BDB60596}"/>
+                </a:ext>
+              </a:extLst>
+            </p:cNvPr>
+            <p:cNvSpPr/>
+            <p:nvPr/>
+          </p:nvSpPr>
+          <p:spPr>
+            <a:xfrm>
+              <a:off x="4713732" y="4317112"/>
+              <a:ext cx="403860" cy="403504"/>
+            </a:xfrm>
+            <a:custGeom>
+              <a:avLst/>
+              <a:gdLst>
+                <a:gd name="connsiteX0" fmla="*/ 403860 w 403860"/>
+                <a:gd name="connsiteY0" fmla="*/ 201752 h 403504"/>
+                <a:gd name="connsiteX1" fmla="*/ 201930 w 403860"/>
+                <a:gd name="connsiteY1" fmla="*/ 403505 h 403504"/>
+                <a:gd name="connsiteX2" fmla="*/ 0 w 403860"/>
+                <a:gd name="connsiteY2" fmla="*/ 201752 h 403504"/>
+                <a:gd name="connsiteX3" fmla="*/ 201930 w 403860"/>
+                <a:gd name="connsiteY3" fmla="*/ 0 h 403504"/>
+                <a:gd name="connsiteX4" fmla="*/ 403860 w 403860"/>
+                <a:gd name="connsiteY4" fmla="*/ 201752 h 403504"/>
+              </a:gdLst>
+              <a:ahLst/>
+              <a:cxnLst>
+                <a:cxn ang="0">
+                  <a:pos x="connsiteX0" y="connsiteY0"/>
+                </a:cxn>
+                <a:cxn ang="0">
+                  <a:pos x="connsiteX1" y="connsiteY1"/>
+                </a:cxn>
+                <a:cxn ang="0">
+                  <a:pos x="connsiteX2" y="connsiteY2"/>
+                </a:cxn>
+                <a:cxn ang="0">
+                  <a:pos x="connsiteX3" y="connsiteY3"/>
+                </a:cxn>
+                <a:cxn ang="0">
+                  <a:pos x="connsiteX4" y="connsiteY4"/>
+                </a:cxn>
+              </a:cxnLst>
+              <a:rect l="l" t="t" r="r" b="b"/>
+              <a:pathLst>
+                <a:path w="403860" h="403504">
+                  <a:moveTo>
+                    <a:pt x="403860" y="201752"/>
+                  </a:moveTo>
+                  <a:cubicBezTo>
+                    <a:pt x="403860" y="313177"/>
+                    <a:pt x="313453" y="403505"/>
+                    <a:pt x="201930" y="403505"/>
+                  </a:cubicBezTo>
+                  <a:cubicBezTo>
+                    <a:pt x="90407" y="403505"/>
+                    <a:pt x="0" y="313177"/>
+                    <a:pt x="0" y="201752"/>
+                  </a:cubicBezTo>
+                  <a:cubicBezTo>
+                    <a:pt x="0" y="90328"/>
+                    <a:pt x="90407" y="0"/>
+                    <a:pt x="201930" y="0"/>
+                  </a:cubicBezTo>
+                  <a:cubicBezTo>
+                    <a:pt x="313453" y="0"/>
+                    <a:pt x="403860" y="90328"/>
+                    <a:pt x="403860" y="201752"/>
+                  </a:cubicBezTo>
+                  <a:close/>
+                </a:path>
+              </a:pathLst>
+            </a:custGeom>
+            <a:solidFill>
+              <a:srgbClr val="9CCC52"/>
+            </a:solidFill>
+            <a:ln w="7620" cap="flat">
+              <a:noFill/>
+              <a:prstDash val="solid"/>
+              <a:miter/>
+            </a:ln>
+          </p:spPr>
+          <p:txBody>
+            <a:bodyPr rtlCol="0" anchor="ctr"/>
+            <a:lstStyle/>
+            <a:p>
+              <a:endParaRPr lang="en-US" sz="2400" dirty="0"/>
+            </a:p>
+          </p:txBody>
+        </p:sp>
+        <p:sp>
+          <p:nvSpPr>
+            <p:cNvPr id="32" name="TextBox 31">
+              <a:extLst>
+                <a:ext uri="{FF2B5EF4-FFF2-40B4-BE49-F238E27FC236}">
+                  <a16:creationId xmlns:a16="http://schemas.microsoft.com/office/drawing/2014/main" id="{653875D5-6A58-D644-9AD7-1C39AEBA53A4}"/>
+                </a:ext>
+              </a:extLst>
+            </p:cNvPr>
+            <p:cNvSpPr txBox="1"/>
+            <p:nvPr/>
+          </p:nvSpPr>
+          <p:spPr>
+            <a:xfrm>
+              <a:off x="4628967" y="4695772"/>
+              <a:ext cx="674062" cy="325569"/>
+            </a:xfrm>
+            <a:prstGeom prst="rect">
+              <a:avLst/>
+            </a:prstGeom>
+            <a:noFill/>
+            <a:ln w="3175" cap="flat">
+              <a:noFill/>
+              <a:miter lim="400000"/>
+            </a:ln>
+            <a:effectLst/>
+          </p:spPr>
+          <p:txBody>
+            <a:bodyPr rot="0" spcFirstLastPara="1" vertOverflow="overflow" horzOverflow="overflow" vert="horz" wrap="none" lIns="39290" tIns="39290" rIns="39290" bIns="39290" numCol="1" spcCol="38100" rtlCol="0" anchor="ctr">
+              <a:spAutoFit/>
+            </a:bodyPr>
+            <a:lstStyle/>
+            <a:p>
+              <a:pPr marL="0" marR="0" indent="0" algn="l" defTabSz="584200" rtl="0" fontAlgn="auto" latinLnBrk="1" hangingPunct="0">
+                <a:lnSpc>
+                  <a:spcPct val="100000"/>
+                </a:lnSpc>
+                <a:spcBef>
+                  <a:spcPts val="0"/>
+                </a:spcBef>
+                <a:spcAft>
+                  <a:spcPts val="0"/>
+                </a:spcAft>
+                <a:buClrTx/>
+                <a:buSzTx/>
+                <a:buFontTx/>
+                <a:buNone/>
+                <a:tabLst/>
+              </a:pPr>
+              <a:r>
+                <a:rPr kumimoji="0" lang="en-US" sz="800" b="0" i="0" u="none" strike="noStrike" cap="none" spc="0" normalizeH="0" baseline="0" dirty="0">
+                  <a:ln>
+                    <a:noFill/>
+                  </a:ln>
+                  <a:solidFill>
+                    <a:srgbClr val="518CC8"/>
+                  </a:solidFill>
+                  <a:effectLst/>
+                  <a:uFillTx/>
+                  <a:latin typeface="Arial"/>
+                  <a:ea typeface="+mn-ea"/>
+                  <a:cs typeface="Arial"/>
+                  <a:sym typeface="Arial"/>
+                  <a:rtl val="0"/>
+                </a:rPr>
+                <a:t>LOAD</a:t>
+              </a:r>
+            </a:p>
+            <a:p>
+              <a:pPr marL="0" marR="0" indent="0" algn="l" defTabSz="584200" rtl="0" fontAlgn="auto" latinLnBrk="1" hangingPunct="0">
+                <a:lnSpc>
+                  <a:spcPct val="100000"/>
+                </a:lnSpc>
+                <a:spcBef>
+                  <a:spcPts val="0"/>
+                </a:spcBef>
+                <a:spcAft>
+                  <a:spcPts val="0"/>
+                </a:spcAft>
+                <a:buClrTx/>
+                <a:buSzTx/>
+                <a:buFontTx/>
+                <a:buNone/>
+                <a:tabLst/>
+              </a:pPr>
+              <a:r>
+                <a:rPr kumimoji="0" lang="en-US" sz="800" b="0" i="0" u="none" strike="noStrike" cap="none" spc="0" normalizeH="0" baseline="0" dirty="0">
+                  <a:ln>
+                    <a:noFill/>
+                  </a:ln>
+                  <a:solidFill>
+                    <a:srgbClr val="518CC8"/>
+                  </a:solidFill>
+                  <a:effectLst/>
+                  <a:uFillTx/>
+                  <a:latin typeface="Arial"/>
+                  <a:ea typeface="+mn-ea"/>
+                  <a:cs typeface="Arial"/>
+                  <a:sym typeface="Arial"/>
+                  <a:rtl val="0"/>
+                </a:rPr>
+                <a:t>BALANCING</a:t>
+              </a:r>
+            </a:p>
+          </p:txBody>
+        </p:sp>
+        <p:sp>
+          <p:nvSpPr>
+            <p:cNvPr id="33" name="Freeform 32">
+              <a:extLst>
+                <a:ext uri="{FF2B5EF4-FFF2-40B4-BE49-F238E27FC236}">
+                  <a16:creationId xmlns:a16="http://schemas.microsoft.com/office/drawing/2014/main" id="{8B672962-D2A7-244F-91EA-54CE884708A7}"/>
+                </a:ext>
+              </a:extLst>
+            </p:cNvPr>
+            <p:cNvSpPr/>
+            <p:nvPr/>
+          </p:nvSpPr>
+          <p:spPr>
+            <a:xfrm>
+              <a:off x="4773168" y="4436641"/>
+              <a:ext cx="235457" cy="169015"/>
+            </a:xfrm>
+            <a:custGeom>
+              <a:avLst/>
+              <a:gdLst>
+                <a:gd name="connsiteX0" fmla="*/ 185928 w 235457"/>
+                <a:gd name="connsiteY0" fmla="*/ 124097 h 169015"/>
+                <a:gd name="connsiteX1" fmla="*/ 178308 w 235457"/>
+                <a:gd name="connsiteY1" fmla="*/ 123336 h 169015"/>
+                <a:gd name="connsiteX2" fmla="*/ 176022 w 235457"/>
+                <a:gd name="connsiteY2" fmla="*/ 154550 h 169015"/>
+                <a:gd name="connsiteX3" fmla="*/ 132588 w 235457"/>
+                <a:gd name="connsiteY3" fmla="*/ 100496 h 169015"/>
+                <a:gd name="connsiteX4" fmla="*/ 142494 w 235457"/>
+                <a:gd name="connsiteY4" fmla="*/ 88314 h 169015"/>
+                <a:gd name="connsiteX5" fmla="*/ 219456 w 235457"/>
+                <a:gd name="connsiteY5" fmla="*/ 89837 h 169015"/>
+                <a:gd name="connsiteX6" fmla="*/ 195834 w 235457"/>
+                <a:gd name="connsiteY6" fmla="*/ 110393 h 169015"/>
+                <a:gd name="connsiteX7" fmla="*/ 201168 w 235457"/>
+                <a:gd name="connsiteY7" fmla="*/ 115722 h 169015"/>
+                <a:gd name="connsiteX8" fmla="*/ 235458 w 235457"/>
+                <a:gd name="connsiteY8" fmla="*/ 85269 h 169015"/>
+                <a:gd name="connsiteX9" fmla="*/ 202692 w 235457"/>
+                <a:gd name="connsiteY9" fmla="*/ 53293 h 169015"/>
+                <a:gd name="connsiteX10" fmla="*/ 197358 w 235457"/>
+                <a:gd name="connsiteY10" fmla="*/ 58622 h 169015"/>
+                <a:gd name="connsiteX11" fmla="*/ 220218 w 235457"/>
+                <a:gd name="connsiteY11" fmla="*/ 80701 h 169015"/>
+                <a:gd name="connsiteX12" fmla="*/ 144018 w 235457"/>
+                <a:gd name="connsiteY12" fmla="*/ 79178 h 169015"/>
+                <a:gd name="connsiteX13" fmla="*/ 136398 w 235457"/>
+                <a:gd name="connsiteY13" fmla="*/ 63952 h 169015"/>
+                <a:gd name="connsiteX14" fmla="*/ 179832 w 235457"/>
+                <a:gd name="connsiteY14" fmla="*/ 14465 h 169015"/>
+                <a:gd name="connsiteX15" fmla="*/ 180594 w 235457"/>
+                <a:gd name="connsiteY15" fmla="*/ 45680 h 169015"/>
+                <a:gd name="connsiteX16" fmla="*/ 188214 w 235457"/>
+                <a:gd name="connsiteY16" fmla="*/ 45680 h 169015"/>
+                <a:gd name="connsiteX17" fmla="*/ 186690 w 235457"/>
+                <a:gd name="connsiteY17" fmla="*/ 0 h 169015"/>
+                <a:gd name="connsiteX18" fmla="*/ 140970 w 235457"/>
+                <a:gd name="connsiteY18" fmla="*/ 4568 h 169015"/>
+                <a:gd name="connsiteX19" fmla="*/ 141732 w 235457"/>
+                <a:gd name="connsiteY19" fmla="*/ 12181 h 169015"/>
+                <a:gd name="connsiteX20" fmla="*/ 172974 w 235457"/>
+                <a:gd name="connsiteY20" fmla="*/ 9136 h 169015"/>
+                <a:gd name="connsiteX21" fmla="*/ 128016 w 235457"/>
+                <a:gd name="connsiteY21" fmla="*/ 60145 h 169015"/>
+                <a:gd name="connsiteX22" fmla="*/ 121920 w 235457"/>
+                <a:gd name="connsiteY22" fmla="*/ 59384 h 169015"/>
+                <a:gd name="connsiteX23" fmla="*/ 102870 w 235457"/>
+                <a:gd name="connsiteY23" fmla="*/ 70804 h 169015"/>
+                <a:gd name="connsiteX24" fmla="*/ 40386 w 235457"/>
+                <a:gd name="connsiteY24" fmla="*/ 70804 h 169015"/>
+                <a:gd name="connsiteX25" fmla="*/ 22098 w 235457"/>
+                <a:gd name="connsiteY25" fmla="*/ 60906 h 169015"/>
+                <a:gd name="connsiteX26" fmla="*/ 0 w 235457"/>
+                <a:gd name="connsiteY26" fmla="*/ 82224 h 169015"/>
+                <a:gd name="connsiteX27" fmla="*/ 21336 w 235457"/>
+                <a:gd name="connsiteY27" fmla="*/ 104302 h 169015"/>
+                <a:gd name="connsiteX28" fmla="*/ 39624 w 235457"/>
+                <a:gd name="connsiteY28" fmla="*/ 94405 h 169015"/>
+                <a:gd name="connsiteX29" fmla="*/ 102870 w 235457"/>
+                <a:gd name="connsiteY29" fmla="*/ 94405 h 169015"/>
+                <a:gd name="connsiteX30" fmla="*/ 121158 w 235457"/>
+                <a:gd name="connsiteY30" fmla="*/ 104302 h 169015"/>
+                <a:gd name="connsiteX31" fmla="*/ 124968 w 235457"/>
+                <a:gd name="connsiteY31" fmla="*/ 103541 h 169015"/>
+                <a:gd name="connsiteX32" fmla="*/ 169164 w 235457"/>
+                <a:gd name="connsiteY32" fmla="*/ 158357 h 169015"/>
+                <a:gd name="connsiteX33" fmla="*/ 137922 w 235457"/>
+                <a:gd name="connsiteY33" fmla="*/ 154550 h 169015"/>
+                <a:gd name="connsiteX34" fmla="*/ 137160 w 235457"/>
+                <a:gd name="connsiteY34" fmla="*/ 162163 h 169015"/>
+                <a:gd name="connsiteX35" fmla="*/ 182880 w 235457"/>
+                <a:gd name="connsiteY35" fmla="*/ 169015 h 169015"/>
+                <a:gd name="connsiteX36" fmla="*/ 185928 w 235457"/>
+                <a:gd name="connsiteY36" fmla="*/ 124097 h 169015"/>
+                <a:gd name="connsiteX37" fmla="*/ 9144 w 235457"/>
+                <a:gd name="connsiteY37" fmla="*/ 82224 h 169015"/>
+                <a:gd name="connsiteX38" fmla="*/ 22098 w 235457"/>
+                <a:gd name="connsiteY38" fmla="*/ 70042 h 169015"/>
+                <a:gd name="connsiteX39" fmla="*/ 34290 w 235457"/>
+                <a:gd name="connsiteY39" fmla="*/ 82985 h 169015"/>
+                <a:gd name="connsiteX40" fmla="*/ 21336 w 235457"/>
+                <a:gd name="connsiteY40" fmla="*/ 95166 h 169015"/>
+                <a:gd name="connsiteX41" fmla="*/ 9144 w 235457"/>
+                <a:gd name="connsiteY41" fmla="*/ 82224 h 169015"/>
+              </a:gdLst>
+              <a:ahLst/>
+              <a:cxnLst>
+                <a:cxn ang="0">
+                  <a:pos x="connsiteX0" y="connsiteY0"/>
+                </a:cxn>
+                <a:cxn ang="0">
+                  <a:pos x="connsiteX1" y="connsiteY1"/>
+                </a:cxn>
+                <a:cxn ang="0">
+                  <a:pos x="connsiteX2" y="connsiteY2"/>
+                </a:cxn>
+                <a:cxn ang="0">
+                  <a:pos x="connsiteX3" y="connsiteY3"/>
+                </a:cxn>
+                <a:cxn ang="0">
+                  <a:pos x="connsiteX4" y="connsiteY4"/>
+                </a:cxn>
+                <a:cxn ang="0">
+                  <a:pos x="connsiteX5" y="connsiteY5"/>
+                </a:cxn>
+                <a:cxn ang="0">
+                  <a:pos x="connsiteX6" y="connsiteY6"/>
+                </a:cxn>
+                <a:cxn ang="0">
+                  <a:pos x="connsiteX7" y="connsiteY7"/>
+                </a:cxn>
+                <a:cxn ang="0">
+                  <a:pos x="connsiteX8" y="connsiteY8"/>
+                </a:cxn>
+                <a:cxn ang="0">
+                  <a:pos x="connsiteX9" y="connsiteY9"/>
+                </a:cxn>
+                <a:cxn ang="0">
+                  <a:pos x="connsiteX10" y="connsiteY10"/>
+                </a:cxn>
+                <a:cxn ang="0">
+                  <a:pos x="connsiteX11" y="connsiteY11"/>
+                </a:cxn>
+                <a:cxn ang="0">
+                  <a:pos x="connsiteX12" y="connsiteY12"/>
+                </a:cxn>
+                <a:cxn ang="0">
+                  <a:pos x="connsiteX13" y="connsiteY13"/>
+                </a:cxn>
+                <a:cxn ang="0">
+                  <a:pos x="connsiteX14" y="connsiteY14"/>
+                </a:cxn>
+                <a:cxn ang="0">
+                  <a:pos x="connsiteX15" y="connsiteY15"/>
+                </a:cxn>
+                <a:cxn ang="0">
+                  <a:pos x="connsiteX16" y="connsiteY16"/>
+                </a:cxn>
+                <a:cxn ang="0">
+                  <a:pos x="connsiteX17" y="connsiteY17"/>
+                </a:cxn>
+                <a:cxn ang="0">
+                  <a:pos x="connsiteX18" y="connsiteY18"/>
+                </a:cxn>
+                <a:cxn ang="0">
+                  <a:pos x="connsiteX19" y="connsiteY19"/>
+                </a:cxn>
+                <a:cxn ang="0">
+                  <a:pos x="connsiteX20" y="connsiteY20"/>
+                </a:cxn>
+                <a:cxn ang="0">
+                  <a:pos x="connsiteX21" y="connsiteY21"/>
+                </a:cxn>
+                <a:cxn ang="0">
+                  <a:pos x="connsiteX22" y="connsiteY22"/>
+                </a:cxn>
+                <a:cxn ang="0">
+                  <a:pos x="connsiteX23" y="connsiteY23"/>
+                </a:cxn>
+                <a:cxn ang="0">
+                  <a:pos x="connsiteX24" y="connsiteY24"/>
+                </a:cxn>
+                <a:cxn ang="0">
+                  <a:pos x="connsiteX25" y="connsiteY25"/>
+                </a:cxn>
+                <a:cxn ang="0">
+                  <a:pos x="connsiteX26" y="connsiteY26"/>
+                </a:cxn>
+                <a:cxn ang="0">
+                  <a:pos x="connsiteX27" y="connsiteY27"/>
+                </a:cxn>
+                <a:cxn ang="0">
+                  <a:pos x="connsiteX28" y="connsiteY28"/>
+                </a:cxn>
+                <a:cxn ang="0">
+                  <a:pos x="connsiteX29" y="connsiteY29"/>
+                </a:cxn>
+                <a:cxn ang="0">
+                  <a:pos x="connsiteX30" y="connsiteY30"/>
+                </a:cxn>
+                <a:cxn ang="0">
+                  <a:pos x="connsiteX31" y="connsiteY31"/>
+                </a:cxn>
+                <a:cxn ang="0">
+                  <a:pos x="connsiteX32" y="connsiteY32"/>
+                </a:cxn>
+                <a:cxn ang="0">
+                  <a:pos x="connsiteX33" y="connsiteY33"/>
+                </a:cxn>
+                <a:cxn ang="0">
+                  <a:pos x="connsiteX34" y="connsiteY34"/>
+                </a:cxn>
+                <a:cxn ang="0">
+                  <a:pos x="connsiteX35" y="connsiteY35"/>
+                </a:cxn>
+                <a:cxn ang="0">
+                  <a:pos x="connsiteX36" y="connsiteY36"/>
+                </a:cxn>
+                <a:cxn ang="0">
+                  <a:pos x="connsiteX37" y="connsiteY37"/>
+                </a:cxn>
+                <a:cxn ang="0">
+                  <a:pos x="connsiteX38" y="connsiteY38"/>
+                </a:cxn>
+                <a:cxn ang="0">
+                  <a:pos x="connsiteX39" y="connsiteY39"/>
+                </a:cxn>
+                <a:cxn ang="0">
+                  <a:pos x="connsiteX40" y="connsiteY40"/>
+                </a:cxn>
+                <a:cxn ang="0">
+                  <a:pos x="connsiteX41" y="connsiteY41"/>
+                </a:cxn>
+              </a:cxnLst>
+              <a:rect l="l" t="t" r="r" b="b"/>
+              <a:pathLst>
+                <a:path w="235457" h="169015">
+                  <a:moveTo>
+                    <a:pt x="185928" y="124097"/>
+                  </a:moveTo>
+                  <a:lnTo>
+                    <a:pt x="178308" y="123336"/>
+                  </a:lnTo>
+                  <a:lnTo>
+                    <a:pt x="176022" y="154550"/>
+                  </a:lnTo>
+                  <a:lnTo>
+                    <a:pt x="132588" y="100496"/>
+                  </a:lnTo>
+                  <a:cubicBezTo>
+                    <a:pt x="137160" y="97450"/>
+                    <a:pt x="140970" y="93644"/>
+                    <a:pt x="142494" y="88314"/>
+                  </a:cubicBezTo>
+                  <a:lnTo>
+                    <a:pt x="219456" y="89837"/>
+                  </a:lnTo>
+                  <a:lnTo>
+                    <a:pt x="195834" y="110393"/>
+                  </a:lnTo>
+                  <a:lnTo>
+                    <a:pt x="201168" y="115722"/>
+                  </a:lnTo>
+                  <a:lnTo>
+                    <a:pt x="235458" y="85269"/>
+                  </a:lnTo>
+                  <a:lnTo>
+                    <a:pt x="202692" y="53293"/>
+                  </a:lnTo>
+                  <a:lnTo>
+                    <a:pt x="197358" y="58622"/>
+                  </a:lnTo>
+                  <a:lnTo>
+                    <a:pt x="220218" y="80701"/>
+                  </a:lnTo>
+                  <a:lnTo>
+                    <a:pt x="144018" y="79178"/>
+                  </a:lnTo>
+                  <a:cubicBezTo>
+                    <a:pt x="143256" y="73088"/>
+                    <a:pt x="140208" y="67759"/>
+                    <a:pt x="136398" y="63952"/>
+                  </a:cubicBezTo>
+                  <a:lnTo>
+                    <a:pt x="179832" y="14465"/>
+                  </a:lnTo>
+                  <a:lnTo>
+                    <a:pt x="180594" y="45680"/>
+                  </a:lnTo>
+                  <a:lnTo>
+                    <a:pt x="188214" y="45680"/>
+                  </a:lnTo>
+                  <a:lnTo>
+                    <a:pt x="186690" y="0"/>
+                  </a:lnTo>
+                  <a:lnTo>
+                    <a:pt x="140970" y="4568"/>
+                  </a:lnTo>
+                  <a:lnTo>
+                    <a:pt x="141732" y="12181"/>
+                  </a:lnTo>
+                  <a:lnTo>
+                    <a:pt x="172974" y="9136"/>
+                  </a:lnTo>
+                  <a:lnTo>
+                    <a:pt x="128016" y="60145"/>
+                  </a:lnTo>
+                  <a:cubicBezTo>
+                    <a:pt x="125730" y="59384"/>
+                    <a:pt x="124206" y="59384"/>
+                    <a:pt x="121920" y="59384"/>
+                  </a:cubicBezTo>
+                  <a:cubicBezTo>
+                    <a:pt x="113538" y="59384"/>
+                    <a:pt x="106680" y="63952"/>
+                    <a:pt x="102870" y="70804"/>
+                  </a:cubicBezTo>
+                  <a:lnTo>
+                    <a:pt x="40386" y="70804"/>
+                  </a:lnTo>
+                  <a:cubicBezTo>
+                    <a:pt x="36576" y="64713"/>
+                    <a:pt x="29718" y="60906"/>
+                    <a:pt x="22098" y="60906"/>
+                  </a:cubicBezTo>
+                  <a:cubicBezTo>
+                    <a:pt x="9906" y="60906"/>
+                    <a:pt x="0" y="70804"/>
+                    <a:pt x="0" y="82224"/>
+                  </a:cubicBezTo>
+                  <a:cubicBezTo>
+                    <a:pt x="0" y="94405"/>
+                    <a:pt x="9906" y="104302"/>
+                    <a:pt x="21336" y="104302"/>
+                  </a:cubicBezTo>
+                  <a:cubicBezTo>
+                    <a:pt x="28956" y="104302"/>
+                    <a:pt x="35814" y="100496"/>
+                    <a:pt x="39624" y="94405"/>
+                  </a:cubicBezTo>
+                  <a:lnTo>
+                    <a:pt x="102870" y="94405"/>
+                  </a:lnTo>
+                  <a:cubicBezTo>
+                    <a:pt x="106680" y="100496"/>
+                    <a:pt x="113538" y="104302"/>
+                    <a:pt x="121158" y="104302"/>
+                  </a:cubicBezTo>
+                  <a:cubicBezTo>
+                    <a:pt x="122682" y="104302"/>
+                    <a:pt x="124206" y="104302"/>
+                    <a:pt x="124968" y="103541"/>
+                  </a:cubicBezTo>
+                  <a:lnTo>
+                    <a:pt x="169164" y="158357"/>
+                  </a:lnTo>
+                  <a:lnTo>
+                    <a:pt x="137922" y="154550"/>
+                  </a:lnTo>
+                  <a:lnTo>
+                    <a:pt x="137160" y="162163"/>
+                  </a:lnTo>
+                  <a:lnTo>
+                    <a:pt x="182880" y="169015"/>
+                  </a:lnTo>
+                  <a:lnTo>
+                    <a:pt x="185928" y="124097"/>
+                  </a:lnTo>
+                  <a:close/>
+                  <a:moveTo>
+                    <a:pt x="9144" y="82224"/>
+                  </a:moveTo>
+                  <a:cubicBezTo>
+                    <a:pt x="9144" y="75372"/>
+                    <a:pt x="14478" y="69281"/>
+                    <a:pt x="22098" y="70042"/>
+                  </a:cubicBezTo>
+                  <a:cubicBezTo>
+                    <a:pt x="28956" y="70042"/>
+                    <a:pt x="35052" y="75372"/>
+                    <a:pt x="34290" y="82985"/>
+                  </a:cubicBezTo>
+                  <a:cubicBezTo>
+                    <a:pt x="34290" y="89837"/>
+                    <a:pt x="28956" y="95928"/>
+                    <a:pt x="21336" y="95166"/>
+                  </a:cubicBezTo>
+                  <a:cubicBezTo>
+                    <a:pt x="14478" y="95166"/>
+                    <a:pt x="9144" y="89076"/>
+                    <a:pt x="9144" y="82224"/>
+                  </a:cubicBezTo>
+                  <a:close/>
+                </a:path>
+              </a:pathLst>
+            </a:custGeom>
+            <a:solidFill>
+              <a:srgbClr val="FFFFFF"/>
+            </a:solidFill>
+            <a:ln w="7620" cap="flat">
+              <a:noFill/>
+              <a:prstDash val="solid"/>
+              <a:miter/>
+            </a:ln>
+          </p:spPr>
+          <p:txBody>
+            <a:bodyPr rtlCol="0" anchor="ctr"/>
+            <a:lstStyle/>
+            <a:p>
+              <a:endParaRPr lang="en-US"/>
+            </a:p>
+          </p:txBody>
+        </p:sp>
+      </p:grpSp>
+      <p:sp>
+        <p:nvSpPr>
+          <p:cNvPr id="35" name="Rectangle 34">
+            <a:extLst>
+              <a:ext uri="{FF2B5EF4-FFF2-40B4-BE49-F238E27FC236}">
+                <a16:creationId xmlns:a16="http://schemas.microsoft.com/office/drawing/2014/main" id="{F9C1017C-D867-4F4D-A5AF-004CE0515778}"/>
+              </a:ext>
+            </a:extLst>
+          </p:cNvPr>
+          <p:cNvSpPr/>
+          <p:nvPr/>
+        </p:nvSpPr>
+        <p:spPr>
+          <a:xfrm>
+            <a:off x="6913089" y="2244729"/>
+            <a:ext cx="2144454" cy="859617"/>
+          </a:xfrm>
+          <a:custGeom>
+            <a:avLst/>
+            <a:gdLst>
+              <a:gd name="connsiteX0" fmla="*/ 0 w 2144454"/>
+              <a:gd name="connsiteY0" fmla="*/ 0 h 859617"/>
+              <a:gd name="connsiteX1" fmla="*/ 514669 w 2144454"/>
+              <a:gd name="connsiteY1" fmla="*/ 0 h 859617"/>
+              <a:gd name="connsiteX2" fmla="*/ 986449 w 2144454"/>
+              <a:gd name="connsiteY2" fmla="*/ 0 h 859617"/>
+              <a:gd name="connsiteX3" fmla="*/ 1565451 w 2144454"/>
+              <a:gd name="connsiteY3" fmla="*/ 0 h 859617"/>
+              <a:gd name="connsiteX4" fmla="*/ 2144454 w 2144454"/>
+              <a:gd name="connsiteY4" fmla="*/ 0 h 859617"/>
+              <a:gd name="connsiteX5" fmla="*/ 2144454 w 2144454"/>
+              <a:gd name="connsiteY5" fmla="*/ 421212 h 859617"/>
+              <a:gd name="connsiteX6" fmla="*/ 2144454 w 2144454"/>
+              <a:gd name="connsiteY6" fmla="*/ 859617 h 859617"/>
+              <a:gd name="connsiteX7" fmla="*/ 1608341 w 2144454"/>
+              <a:gd name="connsiteY7" fmla="*/ 859617 h 859617"/>
+              <a:gd name="connsiteX8" fmla="*/ 1029338 w 2144454"/>
+              <a:gd name="connsiteY8" fmla="*/ 859617 h 859617"/>
+              <a:gd name="connsiteX9" fmla="*/ 557558 w 2144454"/>
+              <a:gd name="connsiteY9" fmla="*/ 859617 h 859617"/>
+              <a:gd name="connsiteX10" fmla="*/ 0 w 2144454"/>
+              <a:gd name="connsiteY10" fmla="*/ 859617 h 859617"/>
+              <a:gd name="connsiteX11" fmla="*/ 0 w 2144454"/>
+              <a:gd name="connsiteY11" fmla="*/ 429809 h 859617"/>
+              <a:gd name="connsiteX12" fmla="*/ 0 w 2144454"/>
+              <a:gd name="connsiteY12" fmla="*/ 0 h 859617"/>
+            </a:gdLst>
+            <a:ahLst/>
+            <a:cxnLst>
+              <a:cxn ang="0">
+                <a:pos x="connsiteX0" y="connsiteY0"/>
+              </a:cxn>
+              <a:cxn ang="0">
+                <a:pos x="connsiteX1" y="connsiteY1"/>
+              </a:cxn>
+              <a:cxn ang="0">
+                <a:pos x="connsiteX2" y="connsiteY2"/>
+              </a:cxn>
+              <a:cxn ang="0">
+                <a:pos x="connsiteX3" y="connsiteY3"/>
+              </a:cxn>
+              <a:cxn ang="0">
+                <a:pos x="connsiteX4" y="connsiteY4"/>
+              </a:cxn>
+              <a:cxn ang="0">
+                <a:pos x="connsiteX5" y="connsiteY5"/>
+              </a:cxn>
+              <a:cxn ang="0">
+                <a:pos x="connsiteX6" y="connsiteY6"/>
+              </a:cxn>
+              <a:cxn ang="0">
+                <a:pos x="connsiteX7" y="connsiteY7"/>
+              </a:cxn>
+              <a:cxn ang="0">
+                <a:pos x="connsiteX8" y="connsiteY8"/>
+              </a:cxn>
+              <a:cxn ang="0">
+                <a:pos x="connsiteX9" y="connsiteY9"/>
+              </a:cxn>
+              <a:cxn ang="0">
+                <a:pos x="connsiteX10" y="connsiteY10"/>
+              </a:cxn>
+              <a:cxn ang="0">
+                <a:pos x="connsiteX11" y="connsiteY11"/>
+              </a:cxn>
+              <a:cxn ang="0">
+                <a:pos x="connsiteX12" y="connsiteY12"/>
+              </a:cxn>
+            </a:cxnLst>
+            <a:rect l="l" t="t" r="r" b="b"/>
+            <a:pathLst>
+              <a:path w="2144454" h="859617" extrusionOk="0">
+                <a:moveTo>
+                  <a:pt x="0" y="0"/>
+                </a:moveTo>
+                <a:cubicBezTo>
+                  <a:pt x="131441" y="-42478"/>
+                  <a:pt x="319129" y="2856"/>
+                  <a:pt x="514669" y="0"/>
+                </a:cubicBezTo>
+                <a:cubicBezTo>
+                  <a:pt x="710209" y="-2856"/>
+                  <a:pt x="800077" y="32347"/>
+                  <a:pt x="986449" y="0"/>
+                </a:cubicBezTo>
+                <a:cubicBezTo>
+                  <a:pt x="1172821" y="-32347"/>
+                  <a:pt x="1332851" y="16934"/>
+                  <a:pt x="1565451" y="0"/>
+                </a:cubicBezTo>
+                <a:cubicBezTo>
+                  <a:pt x="1798051" y="-16934"/>
+                  <a:pt x="1891750" y="59318"/>
+                  <a:pt x="2144454" y="0"/>
+                </a:cubicBezTo>
+                <a:cubicBezTo>
+                  <a:pt x="2176517" y="183065"/>
+                  <a:pt x="2131777" y="239074"/>
+                  <a:pt x="2144454" y="421212"/>
+                </a:cubicBezTo>
+                <a:cubicBezTo>
+                  <a:pt x="2157131" y="603350"/>
+                  <a:pt x="2102682" y="648328"/>
+                  <a:pt x="2144454" y="859617"/>
+                </a:cubicBezTo>
+                <a:cubicBezTo>
+                  <a:pt x="1947491" y="892034"/>
+                  <a:pt x="1751028" y="816019"/>
+                  <a:pt x="1608341" y="859617"/>
+                </a:cubicBezTo>
+                <a:cubicBezTo>
+                  <a:pt x="1465654" y="903215"/>
+                  <a:pt x="1173931" y="814289"/>
+                  <a:pt x="1029338" y="859617"/>
+                </a:cubicBezTo>
+                <a:cubicBezTo>
+                  <a:pt x="884745" y="904945"/>
+                  <a:pt x="687827" y="830348"/>
+                  <a:pt x="557558" y="859617"/>
+                </a:cubicBezTo>
+                <a:cubicBezTo>
+                  <a:pt x="427289" y="888886"/>
+                  <a:pt x="159583" y="835899"/>
+                  <a:pt x="0" y="859617"/>
+                </a:cubicBezTo>
+                <a:cubicBezTo>
+                  <a:pt x="-5409" y="704303"/>
+                  <a:pt x="31111" y="630101"/>
+                  <a:pt x="0" y="429809"/>
+                </a:cubicBezTo>
+                <a:cubicBezTo>
+                  <a:pt x="-31111" y="229517"/>
+                  <a:pt x="27484" y="97686"/>
+                  <a:pt x="0" y="0"/>
+                </a:cubicBezTo>
+                <a:close/>
+              </a:path>
+            </a:pathLst>
+          </a:custGeom>
+          <a:noFill/>
+          <a:ln w="12700">
+            <a:solidFill>
+              <a:srgbClr val="7030A0"/>
+            </a:solidFill>
+            <a:extLst>
+              <a:ext uri="{C807C97D-BFC1-408E-A445-0C87EB9F89A2}">
+                <ask:lineSketchStyleProps xmlns:ask="http://schemas.microsoft.com/office/drawing/2018/sketchyshapes" sd="1219033472">
+                  <a:prstGeom prst="rect">
+                    <a:avLst/>
+                  </a:prstGeom>
+                  <ask:type>
+                    <ask:lineSketchScribble/>
+                  </ask:type>
+                </ask:lineSketchStyleProps>
+              </a:ext>
+            </a:extLst>
+          </a:ln>
+        </p:spPr>
+        <p:style>
+          <a:lnRef idx="2">
+            <a:schemeClr val="accent1">
+              <a:shade val="50000"/>
+            </a:schemeClr>
+          </a:lnRef>
+          <a:fillRef idx="1">
+            <a:schemeClr val="accent1"/>
+          </a:fillRef>
+          <a:effectRef idx="0">
+            <a:schemeClr val="accent1"/>
+          </a:effectRef>
+          <a:fontRef idx="minor">
+            <a:schemeClr val="lt1"/>
+          </a:fontRef>
+        </p:style>
+        <p:txBody>
+          <a:bodyPr rtlCol="0" anchor="b"/>
+          <a:lstStyle/>
+          <a:p>
+            <a:r>
+              <a:rPr lang="en-US" sz="1200" dirty="0">
+                <a:solidFill>
+                  <a:srgbClr val="7030A0"/>
+                </a:solidFill>
+              </a:rPr>
+              <a:t>us-west-1b</a:t>
+            </a:r>
+            <a:endParaRPr sz="1200" dirty="0">
+              <a:solidFill>
+                <a:srgbClr val="7030A0"/>
+              </a:solidFill>
+            </a:endParaRPr>
+          </a:p>
+        </p:txBody>
+      </p:sp>
+      <p:grpSp>
+        <p:nvGrpSpPr>
+          <p:cNvPr id="36" name="Group 35">
+            <a:extLst>
+              <a:ext uri="{FF2B5EF4-FFF2-40B4-BE49-F238E27FC236}">
+                <a16:creationId xmlns:a16="http://schemas.microsoft.com/office/drawing/2014/main" id="{6E586889-4834-5E4D-81B3-C0A7D0AD8E35}"/>
+              </a:ext>
+            </a:extLst>
+          </p:cNvPr>
+          <p:cNvGrpSpPr/>
+          <p:nvPr/>
+        </p:nvGrpSpPr>
+        <p:grpSpPr>
+          <a:xfrm>
+            <a:off x="8088341" y="2312821"/>
+            <a:ext cx="963142" cy="657237"/>
+            <a:chOff x="8616636" y="-1755543"/>
+            <a:chExt cx="963142" cy="657237"/>
+          </a:xfrm>
+        </p:grpSpPr>
+        <p:pic>
+          <p:nvPicPr>
+            <p:cNvPr id="37" name="Picture 36">
+              <a:extLst>
+                <a:ext uri="{FF2B5EF4-FFF2-40B4-BE49-F238E27FC236}">
+                  <a16:creationId xmlns:a16="http://schemas.microsoft.com/office/drawing/2014/main" id="{16167C74-987A-8A4A-8CFC-72B458AC15BF}"/>
+                </a:ext>
+              </a:extLst>
+            </p:cNvPr>
+            <p:cNvPicPr>
+              <a:picLocks noChangeAspect="1"/>
+            </p:cNvPicPr>
+            <p:nvPr/>
+          </p:nvPicPr>
+          <p:blipFill>
+            <a:blip r:embed="rId2"/>
+            <a:stretch>
+              <a:fillRect/>
+            </a:stretch>
+          </p:blipFill>
+          <p:spPr>
+            <a:xfrm>
+              <a:off x="8817828" y="-1755543"/>
+              <a:ext cx="548640" cy="548640"/>
+            </a:xfrm>
+            <a:prstGeom prst="rect">
+              <a:avLst/>
+            </a:prstGeom>
+          </p:spPr>
+        </p:pic>
+        <p:sp>
+          <p:nvSpPr>
+            <p:cNvPr id="38" name="Shape 264">
+              <a:extLst>
+                <a:ext uri="{FF2B5EF4-FFF2-40B4-BE49-F238E27FC236}">
+                  <a16:creationId xmlns:a16="http://schemas.microsoft.com/office/drawing/2014/main" id="{551F8E4A-2DF3-364B-9F05-777C89DC236D}"/>
+                </a:ext>
+              </a:extLst>
+            </p:cNvPr>
+            <p:cNvSpPr/>
+            <p:nvPr/>
+          </p:nvSpPr>
+          <p:spPr>
+            <a:xfrm>
+              <a:off x="8616636" y="-1221417"/>
+              <a:ext cx="963142" cy="123111"/>
+            </a:xfrm>
+            <a:prstGeom prst="rect">
+              <a:avLst/>
+            </a:prstGeom>
+            <a:noFill/>
+            <a:ln w="3175" cap="flat">
+              <a:noFill/>
+              <a:miter lim="400000"/>
+            </a:ln>
+            <a:effectLst/>
+            <a:extLst>
+              <a:ext uri="{C572A759-6A51-4108-AA02-DFA0A04FC94B}">
+                <ma14:wrappingTextBoxFlag xmlns:ma14="http://schemas.microsoft.com/office/mac/drawingml/2011/main" xmlns="" val="1"/>
+              </a:ext>
+            </a:extLst>
+          </p:spPr>
+          <p:txBody>
+            <a:bodyPr wrap="square" lIns="0" tIns="0" rIns="0" bIns="0" numCol="1" anchor="t">
+              <a:spAutoFit/>
+            </a:bodyPr>
+            <a:lstStyle/>
+            <a:p>
+              <a:pPr lvl="0" algn="ctr">
+                <a:defRPr sz="1800"/>
+              </a:pPr>
+              <a:r>
+                <a:rPr lang="en-US" sz="800" b="1" dirty="0">
+                  <a:solidFill>
+                    <a:srgbClr val="4277BB"/>
+                  </a:solidFill>
+                  <a:latin typeface="Helvetica"/>
+                  <a:ea typeface="Helvetica"/>
+                  <a:cs typeface="Helvetica"/>
+                  <a:sym typeface="Helvetica"/>
+                </a:rPr>
+                <a:t>EC2 Machine</a:t>
+              </a:r>
+              <a:endParaRPr sz="800" b="1" dirty="0">
+                <a:solidFill>
+                  <a:srgbClr val="4277BB"/>
+                </a:solidFill>
+                <a:latin typeface="Helvetica"/>
+                <a:ea typeface="Helvetica"/>
+                <a:cs typeface="Helvetica"/>
+                <a:sym typeface="Helvetica"/>
+              </a:endParaRPr>
+            </a:p>
+          </p:txBody>
+        </p:sp>
+      </p:grpSp>
+      <p:cxnSp>
+        <p:nvCxnSpPr>
+          <p:cNvPr id="40" name="Elbow Connector 39">
+            <a:extLst>
+              <a:ext uri="{FF2B5EF4-FFF2-40B4-BE49-F238E27FC236}">
+                <a16:creationId xmlns:a16="http://schemas.microsoft.com/office/drawing/2014/main" id="{21AD684E-F40D-1844-A57E-591F937F44C3}"/>
+              </a:ext>
+            </a:extLst>
+          </p:cNvPr>
+          <p:cNvCxnSpPr>
+            <a:stCxn id="31" idx="0"/>
+            <a:endCxn id="37" idx="1"/>
+          </p:cNvCxnSpPr>
+          <p:nvPr/>
+        </p:nvCxnSpPr>
+        <p:spPr>
+          <a:xfrm flipV="1">
+            <a:off x="5751377" y="2587141"/>
+            <a:ext cx="2538156" cy="77034"/>
+          </a:xfrm>
+          <a:prstGeom prst="straightConnector1">
+            <a:avLst/>
+          </a:prstGeom>
+          <a:ln>
+            <a:solidFill>
+              <a:srgbClr val="00813C"/>
+            </a:solidFill>
+            <a:tailEnd type="triangle"/>
+          </a:ln>
+        </p:spPr>
+        <p:style>
+          <a:lnRef idx="1">
+            <a:schemeClr val="accent1"/>
+          </a:lnRef>
+          <a:fillRef idx="0">
+            <a:schemeClr val="accent1"/>
+          </a:fillRef>
+          <a:effectRef idx="0">
+            <a:schemeClr val="accent1"/>
+          </a:effectRef>
+          <a:fontRef idx="minor">
+            <a:schemeClr val="tx1"/>
+          </a:fontRef>
+        </p:style>
+      </p:cxnSp>
+      <p:cxnSp>
+        <p:nvCxnSpPr>
+          <p:cNvPr id="41" name="Elbow Connector 40">
+            <a:extLst>
+              <a:ext uri="{FF2B5EF4-FFF2-40B4-BE49-F238E27FC236}">
+                <a16:creationId xmlns:a16="http://schemas.microsoft.com/office/drawing/2014/main" id="{A058B82E-5093-6F48-A584-CD2FD2F0D881}"/>
+              </a:ext>
+            </a:extLst>
+          </p:cNvPr>
+          <p:cNvCxnSpPr>
+            <a:cxnSpLocks/>
+            <a:stCxn id="31" idx="0"/>
+            <a:endCxn id="7" idx="1"/>
+          </p:cNvCxnSpPr>
+          <p:nvPr/>
+        </p:nvCxnSpPr>
+        <p:spPr>
+          <a:xfrm>
+            <a:off x="5751377" y="2664175"/>
+            <a:ext cx="2544215" cy="987898"/>
+          </a:xfrm>
+          <a:prstGeom prst="straightConnector1">
+            <a:avLst/>
+          </a:prstGeom>
+          <a:ln>
+            <a:solidFill>
+              <a:srgbClr val="00813C"/>
+            </a:solidFill>
+            <a:tailEnd type="triangle"/>
+          </a:ln>
+        </p:spPr>
+        <p:style>
+          <a:lnRef idx="1">
+            <a:schemeClr val="accent1"/>
+          </a:lnRef>
+          <a:fillRef idx="0">
+            <a:schemeClr val="accent1"/>
+          </a:fillRef>
+          <a:effectRef idx="0">
+            <a:schemeClr val="accent1"/>
+          </a:effectRef>
+          <a:fontRef idx="minor">
+            <a:schemeClr val="tx1"/>
+          </a:fontRef>
+        </p:style>
+      </p:cxnSp>
+      <p:cxnSp>
+        <p:nvCxnSpPr>
+          <p:cNvPr id="53" name="Elbow Connector 52">
+            <a:extLst>
+              <a:ext uri="{FF2B5EF4-FFF2-40B4-BE49-F238E27FC236}">
+                <a16:creationId xmlns:a16="http://schemas.microsoft.com/office/drawing/2014/main" id="{DE3BA750-C0F1-EA4E-9595-78F9258A4368}"/>
+              </a:ext>
+            </a:extLst>
+          </p:cNvPr>
+          <p:cNvCxnSpPr>
+            <a:cxnSpLocks/>
+            <a:endCxn id="62" idx="1"/>
+          </p:cNvCxnSpPr>
+          <p:nvPr/>
+        </p:nvCxnSpPr>
+        <p:spPr>
+          <a:xfrm flipV="1">
+            <a:off x="3179877" y="1577309"/>
+            <a:ext cx="1311557" cy="735512"/>
+          </a:xfrm>
+          <a:prstGeom prst="bentConnector3">
+            <a:avLst>
+              <a:gd name="adj1" fmla="val 50000"/>
+            </a:avLst>
+          </a:prstGeom>
+          <a:ln>
+            <a:solidFill>
+              <a:srgbClr val="00813C"/>
+            </a:solidFill>
+            <a:headEnd type="triangle"/>
+            <a:tailEnd type="triangle"/>
+          </a:ln>
+        </p:spPr>
+        <p:style>
+          <a:lnRef idx="1">
+            <a:schemeClr val="accent1"/>
+          </a:lnRef>
+          <a:fillRef idx="0">
+            <a:schemeClr val="accent1"/>
+          </a:fillRef>
+          <a:effectRef idx="0">
+            <a:schemeClr val="accent1"/>
+          </a:effectRef>
+          <a:fontRef idx="minor">
+            <a:schemeClr val="tx1"/>
+          </a:fontRef>
+        </p:style>
+      </p:cxnSp>
+      <p:grpSp>
+        <p:nvGrpSpPr>
+          <p:cNvPr id="56" name="Group 55">
+            <a:extLst>
+              <a:ext uri="{FF2B5EF4-FFF2-40B4-BE49-F238E27FC236}">
+                <a16:creationId xmlns:a16="http://schemas.microsoft.com/office/drawing/2014/main" id="{EC159E3D-DDD4-AF48-8305-8F1FE7746546}"/>
+              </a:ext>
+            </a:extLst>
+          </p:cNvPr>
+          <p:cNvGrpSpPr/>
+          <p:nvPr/>
+        </p:nvGrpSpPr>
+        <p:grpSpPr>
+          <a:xfrm>
+            <a:off x="4013914" y="2964893"/>
+            <a:ext cx="548640" cy="785180"/>
+            <a:chOff x="7390429" y="-1789102"/>
+            <a:chExt cx="548640" cy="785180"/>
+          </a:xfrm>
+        </p:grpSpPr>
+        <p:pic>
+          <p:nvPicPr>
+            <p:cNvPr id="57" name="Picture 56">
+              <a:extLst>
+                <a:ext uri="{FF2B5EF4-FFF2-40B4-BE49-F238E27FC236}">
+                  <a16:creationId xmlns:a16="http://schemas.microsoft.com/office/drawing/2014/main" id="{83C6D86F-000D-4A44-B75E-D72800709F9A}"/>
+                </a:ext>
+              </a:extLst>
+            </p:cNvPr>
+            <p:cNvPicPr>
+              <a:picLocks noChangeAspect="1"/>
+            </p:cNvPicPr>
+            <p:nvPr/>
+          </p:nvPicPr>
+          <p:blipFill>
+            <a:blip r:embed="rId3"/>
+            <a:stretch>
+              <a:fillRect/>
+            </a:stretch>
+          </p:blipFill>
+          <p:spPr>
+            <a:xfrm>
+              <a:off x="7390429" y="-1789102"/>
+              <a:ext cx="548640" cy="548640"/>
+            </a:xfrm>
+            <a:prstGeom prst="rect">
+              <a:avLst/>
+            </a:prstGeom>
+          </p:spPr>
+        </p:pic>
+        <p:sp>
+          <p:nvSpPr>
+            <p:cNvPr id="58" name="Shape 264">
+              <a:extLst>
+                <a:ext uri="{FF2B5EF4-FFF2-40B4-BE49-F238E27FC236}">
+                  <a16:creationId xmlns:a16="http://schemas.microsoft.com/office/drawing/2014/main" id="{EB53B36A-0845-184A-B8F1-0997E738B21A}"/>
+                </a:ext>
+              </a:extLst>
+            </p:cNvPr>
+            <p:cNvSpPr/>
+            <p:nvPr/>
+          </p:nvSpPr>
+          <p:spPr>
+            <a:xfrm>
+              <a:off x="7404261" y="-1250143"/>
+              <a:ext cx="520976" cy="246221"/>
+            </a:xfrm>
+            <a:prstGeom prst="rect">
+              <a:avLst/>
+            </a:prstGeom>
+            <a:noFill/>
+            <a:ln w="3175" cap="flat">
+              <a:noFill/>
+              <a:miter lim="400000"/>
+            </a:ln>
+            <a:effectLst/>
+            <a:extLst>
+              <a:ext uri="{C572A759-6A51-4108-AA02-DFA0A04FC94B}">
+                <ma14:wrappingTextBoxFlag xmlns:ma14="http://schemas.microsoft.com/office/mac/drawingml/2011/main" xmlns="" val="1"/>
+              </a:ext>
+            </a:extLst>
+          </p:spPr>
+          <p:txBody>
+            <a:bodyPr wrap="square" lIns="0" tIns="0" rIns="0" bIns="0" numCol="1" anchor="t">
+              <a:spAutoFit/>
+            </a:bodyPr>
+            <a:lstStyle/>
+            <a:p>
+              <a:pPr lvl="0" algn="ctr">
+                <a:defRPr sz="1800"/>
+              </a:pPr>
+              <a:r>
+                <a:rPr lang="en-US" sz="800" b="1" dirty="0">
+                  <a:solidFill>
+                    <a:srgbClr val="4277BB"/>
+                  </a:solidFill>
+                  <a:latin typeface="Helvetica"/>
+                  <a:ea typeface="Helvetica"/>
+                  <a:cs typeface="Helvetica"/>
+                  <a:sym typeface="Helvetica"/>
+                </a:rPr>
+                <a:t>SECURITY GROUP</a:t>
+              </a:r>
+              <a:endParaRPr sz="800" b="1" dirty="0">
+                <a:solidFill>
+                  <a:srgbClr val="4277BB"/>
+                </a:solidFill>
+                <a:latin typeface="Helvetica"/>
+                <a:ea typeface="Helvetica"/>
+                <a:cs typeface="Helvetica"/>
+                <a:sym typeface="Helvetica"/>
+              </a:endParaRPr>
+            </a:p>
+          </p:txBody>
+        </p:sp>
+      </p:grpSp>
+      <p:sp>
+        <p:nvSpPr>
+          <p:cNvPr id="42" name="Rectangle 41">
+            <a:extLst>
+              <a:ext uri="{FF2B5EF4-FFF2-40B4-BE49-F238E27FC236}">
+                <a16:creationId xmlns:a16="http://schemas.microsoft.com/office/drawing/2014/main" id="{BD429824-9650-5547-8FEA-EB3056358EDA}"/>
+              </a:ext>
+            </a:extLst>
+          </p:cNvPr>
+          <p:cNvSpPr/>
+          <p:nvPr/>
+        </p:nvSpPr>
+        <p:spPr>
+          <a:xfrm>
+            <a:off x="6913089" y="1314537"/>
+            <a:ext cx="2138393" cy="859617"/>
+          </a:xfrm>
+          <a:custGeom>
+            <a:avLst/>
+            <a:gdLst>
+              <a:gd name="connsiteX0" fmla="*/ 0 w 2138393"/>
+              <a:gd name="connsiteY0" fmla="*/ 0 h 859617"/>
+              <a:gd name="connsiteX1" fmla="*/ 513214 w 2138393"/>
+              <a:gd name="connsiteY1" fmla="*/ 0 h 859617"/>
+              <a:gd name="connsiteX2" fmla="*/ 983661 w 2138393"/>
+              <a:gd name="connsiteY2" fmla="*/ 0 h 859617"/>
+              <a:gd name="connsiteX3" fmla="*/ 1561027 w 2138393"/>
+              <a:gd name="connsiteY3" fmla="*/ 0 h 859617"/>
+              <a:gd name="connsiteX4" fmla="*/ 2138393 w 2138393"/>
+              <a:gd name="connsiteY4" fmla="*/ 0 h 859617"/>
+              <a:gd name="connsiteX5" fmla="*/ 2138393 w 2138393"/>
+              <a:gd name="connsiteY5" fmla="*/ 421212 h 859617"/>
+              <a:gd name="connsiteX6" fmla="*/ 2138393 w 2138393"/>
+              <a:gd name="connsiteY6" fmla="*/ 859617 h 859617"/>
+              <a:gd name="connsiteX7" fmla="*/ 1603795 w 2138393"/>
+              <a:gd name="connsiteY7" fmla="*/ 859617 h 859617"/>
+              <a:gd name="connsiteX8" fmla="*/ 1026429 w 2138393"/>
+              <a:gd name="connsiteY8" fmla="*/ 859617 h 859617"/>
+              <a:gd name="connsiteX9" fmla="*/ 555982 w 2138393"/>
+              <a:gd name="connsiteY9" fmla="*/ 859617 h 859617"/>
+              <a:gd name="connsiteX10" fmla="*/ 0 w 2138393"/>
+              <a:gd name="connsiteY10" fmla="*/ 859617 h 859617"/>
+              <a:gd name="connsiteX11" fmla="*/ 0 w 2138393"/>
+              <a:gd name="connsiteY11" fmla="*/ 429809 h 859617"/>
+              <a:gd name="connsiteX12" fmla="*/ 0 w 2138393"/>
+              <a:gd name="connsiteY12" fmla="*/ 0 h 859617"/>
+            </a:gdLst>
+            <a:ahLst/>
+            <a:cxnLst>
+              <a:cxn ang="0">
+                <a:pos x="connsiteX0" y="connsiteY0"/>
+              </a:cxn>
+              <a:cxn ang="0">
+                <a:pos x="connsiteX1" y="connsiteY1"/>
+              </a:cxn>
+              <a:cxn ang="0">
+                <a:pos x="connsiteX2" y="connsiteY2"/>
+              </a:cxn>
+              <a:cxn ang="0">
+                <a:pos x="connsiteX3" y="connsiteY3"/>
+              </a:cxn>
+              <a:cxn ang="0">
+                <a:pos x="connsiteX4" y="connsiteY4"/>
+              </a:cxn>
+              <a:cxn ang="0">
+                <a:pos x="connsiteX5" y="connsiteY5"/>
+              </a:cxn>
+              <a:cxn ang="0">
+                <a:pos x="connsiteX6" y="connsiteY6"/>
+              </a:cxn>
+              <a:cxn ang="0">
+                <a:pos x="connsiteX7" y="connsiteY7"/>
+              </a:cxn>
+              <a:cxn ang="0">
+                <a:pos x="connsiteX8" y="connsiteY8"/>
+              </a:cxn>
+              <a:cxn ang="0">
+                <a:pos x="connsiteX9" y="connsiteY9"/>
+              </a:cxn>
+              <a:cxn ang="0">
+                <a:pos x="connsiteX10" y="connsiteY10"/>
+              </a:cxn>
+              <a:cxn ang="0">
+                <a:pos x="connsiteX11" y="connsiteY11"/>
+              </a:cxn>
+              <a:cxn ang="0">
+                <a:pos x="connsiteX12" y="connsiteY12"/>
+              </a:cxn>
+            </a:cxnLst>
+            <a:rect l="l" t="t" r="r" b="b"/>
+            <a:pathLst>
+              <a:path w="2138393" h="859617" extrusionOk="0">
+                <a:moveTo>
+                  <a:pt x="0" y="0"/>
+                </a:moveTo>
+                <a:cubicBezTo>
+                  <a:pt x="117307" y="-49333"/>
+                  <a:pt x="274402" y="28806"/>
+                  <a:pt x="513214" y="0"/>
+                </a:cubicBezTo>
+                <a:cubicBezTo>
+                  <a:pt x="752026" y="-28806"/>
+                  <a:pt x="809048" y="1023"/>
+                  <a:pt x="983661" y="0"/>
+                </a:cubicBezTo>
+                <a:cubicBezTo>
+                  <a:pt x="1158274" y="-1023"/>
+                  <a:pt x="1323904" y="48341"/>
+                  <a:pt x="1561027" y="0"/>
+                </a:cubicBezTo>
+                <a:cubicBezTo>
+                  <a:pt x="1798150" y="-48341"/>
+                  <a:pt x="1961601" y="20089"/>
+                  <a:pt x="2138393" y="0"/>
+                </a:cubicBezTo>
+                <a:cubicBezTo>
+                  <a:pt x="2170456" y="183065"/>
+                  <a:pt x="2125716" y="239074"/>
+                  <a:pt x="2138393" y="421212"/>
+                </a:cubicBezTo>
+                <a:cubicBezTo>
+                  <a:pt x="2151070" y="603350"/>
+                  <a:pt x="2096621" y="648328"/>
+                  <a:pt x="2138393" y="859617"/>
+                </a:cubicBezTo>
+                <a:cubicBezTo>
+                  <a:pt x="1934621" y="901260"/>
+                  <a:pt x="1801116" y="844770"/>
+                  <a:pt x="1603795" y="859617"/>
+                </a:cubicBezTo>
+                <a:cubicBezTo>
+                  <a:pt x="1406474" y="874464"/>
+                  <a:pt x="1267831" y="855893"/>
+                  <a:pt x="1026429" y="859617"/>
+                </a:cubicBezTo>
+                <a:cubicBezTo>
+                  <a:pt x="785027" y="863341"/>
+                  <a:pt x="688370" y="822710"/>
+                  <a:pt x="555982" y="859617"/>
+                </a:cubicBezTo>
+                <a:cubicBezTo>
+                  <a:pt x="423594" y="896524"/>
+                  <a:pt x="182311" y="811419"/>
+                  <a:pt x="0" y="859617"/>
+                </a:cubicBezTo>
+                <a:cubicBezTo>
+                  <a:pt x="-5409" y="704303"/>
+                  <a:pt x="31111" y="630101"/>
+                  <a:pt x="0" y="429809"/>
+                </a:cubicBezTo>
+                <a:cubicBezTo>
+                  <a:pt x="-31111" y="229517"/>
+                  <a:pt x="27484" y="97686"/>
+                  <a:pt x="0" y="0"/>
+                </a:cubicBezTo>
+                <a:close/>
+              </a:path>
+            </a:pathLst>
+          </a:custGeom>
+          <a:noFill/>
+          <a:ln w="12700">
+            <a:solidFill>
+              <a:srgbClr val="7030A0"/>
+            </a:solidFill>
+            <a:extLst>
+              <a:ext uri="{C807C97D-BFC1-408E-A445-0C87EB9F89A2}">
+                <ask:lineSketchStyleProps xmlns:ask="http://schemas.microsoft.com/office/drawing/2018/sketchyshapes" sd="1219033472">
+                  <a:prstGeom prst="rect">
+                    <a:avLst/>
+                  </a:prstGeom>
+                  <ask:type>
+                    <ask:lineSketchScribble/>
+                  </ask:type>
+                </ask:lineSketchStyleProps>
+              </a:ext>
+            </a:extLst>
+          </a:ln>
+        </p:spPr>
+        <p:style>
+          <a:lnRef idx="2">
+            <a:schemeClr val="accent1">
+              <a:shade val="50000"/>
+            </a:schemeClr>
+          </a:lnRef>
+          <a:fillRef idx="1">
+            <a:schemeClr val="accent1"/>
+          </a:fillRef>
+          <a:effectRef idx="0">
+            <a:schemeClr val="accent1"/>
+          </a:effectRef>
+          <a:fontRef idx="minor">
+            <a:schemeClr val="lt1"/>
+          </a:fontRef>
+        </p:style>
+        <p:txBody>
+          <a:bodyPr rtlCol="0" anchor="b"/>
+          <a:lstStyle/>
+          <a:p>
+            <a:r>
+              <a:rPr lang="en-US" sz="1200" dirty="0">
+                <a:solidFill>
+                  <a:srgbClr val="7030A0"/>
+                </a:solidFill>
+              </a:rPr>
+              <a:t>us-west-1b</a:t>
+            </a:r>
+            <a:endParaRPr sz="1200" dirty="0">
+              <a:solidFill>
+                <a:srgbClr val="7030A0"/>
+              </a:solidFill>
+            </a:endParaRPr>
+          </a:p>
+        </p:txBody>
+      </p:sp>
+      <p:grpSp>
+        <p:nvGrpSpPr>
+          <p:cNvPr id="43" name="Group 42">
+            <a:extLst>
+              <a:ext uri="{FF2B5EF4-FFF2-40B4-BE49-F238E27FC236}">
+                <a16:creationId xmlns:a16="http://schemas.microsoft.com/office/drawing/2014/main" id="{A3FD126F-4DC8-2249-B038-0242D9E31F13}"/>
+              </a:ext>
+            </a:extLst>
+          </p:cNvPr>
+          <p:cNvGrpSpPr/>
+          <p:nvPr/>
+        </p:nvGrpSpPr>
+        <p:grpSpPr>
+          <a:xfrm>
+            <a:off x="8052414" y="1454131"/>
+            <a:ext cx="963142" cy="657237"/>
+            <a:chOff x="8616636" y="-1755543"/>
+            <a:chExt cx="963142" cy="657237"/>
+          </a:xfrm>
+        </p:grpSpPr>
+        <p:pic>
+          <p:nvPicPr>
+            <p:cNvPr id="45" name="Picture 44">
+              <a:extLst>
+                <a:ext uri="{FF2B5EF4-FFF2-40B4-BE49-F238E27FC236}">
+                  <a16:creationId xmlns:a16="http://schemas.microsoft.com/office/drawing/2014/main" id="{CBEB8EFC-5644-1D4C-B11E-0E523EE31A07}"/>
+                </a:ext>
+              </a:extLst>
+            </p:cNvPr>
+            <p:cNvPicPr>
+              <a:picLocks noChangeAspect="1"/>
+            </p:cNvPicPr>
+            <p:nvPr/>
+          </p:nvPicPr>
+          <p:blipFill>
+            <a:blip r:embed="rId2"/>
+            <a:stretch>
+              <a:fillRect/>
+            </a:stretch>
+          </p:blipFill>
+          <p:spPr>
+            <a:xfrm>
+              <a:off x="8817828" y="-1755543"/>
+              <a:ext cx="548640" cy="548640"/>
+            </a:xfrm>
+            <a:prstGeom prst="rect">
+              <a:avLst/>
+            </a:prstGeom>
+          </p:spPr>
+        </p:pic>
+        <p:sp>
+          <p:nvSpPr>
+            <p:cNvPr id="46" name="Shape 264">
+              <a:extLst>
+                <a:ext uri="{FF2B5EF4-FFF2-40B4-BE49-F238E27FC236}">
+                  <a16:creationId xmlns:a16="http://schemas.microsoft.com/office/drawing/2014/main" id="{0EF3546F-41D4-704D-A1D8-30D32AE0FE74}"/>
+                </a:ext>
+              </a:extLst>
+            </p:cNvPr>
+            <p:cNvSpPr/>
+            <p:nvPr/>
+          </p:nvSpPr>
+          <p:spPr>
+            <a:xfrm>
+              <a:off x="8616636" y="-1221417"/>
+              <a:ext cx="963142" cy="123111"/>
+            </a:xfrm>
+            <a:prstGeom prst="rect">
+              <a:avLst/>
+            </a:prstGeom>
+            <a:noFill/>
+            <a:ln w="3175" cap="flat">
+              <a:noFill/>
+              <a:miter lim="400000"/>
+            </a:ln>
+            <a:effectLst/>
+            <a:extLst>
+              <a:ext uri="{C572A759-6A51-4108-AA02-DFA0A04FC94B}">
+                <ma14:wrappingTextBoxFlag xmlns:ma14="http://schemas.microsoft.com/office/mac/drawingml/2011/main" xmlns="" val="1"/>
+              </a:ext>
+            </a:extLst>
+          </p:spPr>
+          <p:txBody>
+            <a:bodyPr wrap="square" lIns="0" tIns="0" rIns="0" bIns="0" numCol="1" anchor="t">
+              <a:spAutoFit/>
+            </a:bodyPr>
+            <a:lstStyle/>
+            <a:p>
+              <a:pPr lvl="0" algn="ctr">
+                <a:defRPr sz="1800"/>
+              </a:pPr>
+              <a:r>
+                <a:rPr lang="en-US" sz="800" b="1" dirty="0">
+                  <a:solidFill>
+                    <a:srgbClr val="4277BB"/>
+                  </a:solidFill>
+                  <a:latin typeface="Helvetica"/>
+                  <a:ea typeface="Helvetica"/>
+                  <a:cs typeface="Helvetica"/>
+                  <a:sym typeface="Helvetica"/>
+                </a:rPr>
+                <a:t>EC2 Machine</a:t>
+              </a:r>
+              <a:endParaRPr sz="800" b="1" dirty="0">
+                <a:solidFill>
+                  <a:srgbClr val="4277BB"/>
+                </a:solidFill>
+                <a:latin typeface="Helvetica"/>
+                <a:ea typeface="Helvetica"/>
+                <a:cs typeface="Helvetica"/>
+                <a:sym typeface="Helvetica"/>
+              </a:endParaRPr>
+            </a:p>
+          </p:txBody>
+        </p:sp>
+      </p:grpSp>
+      <p:cxnSp>
+        <p:nvCxnSpPr>
+          <p:cNvPr id="47" name="Elbow Connector 46">
+            <a:extLst>
+              <a:ext uri="{FF2B5EF4-FFF2-40B4-BE49-F238E27FC236}">
+                <a16:creationId xmlns:a16="http://schemas.microsoft.com/office/drawing/2014/main" id="{FA166DFA-06C3-734E-8249-3DA62396C31E}"/>
+              </a:ext>
+            </a:extLst>
+          </p:cNvPr>
+          <p:cNvCxnSpPr>
+            <a:cxnSpLocks/>
+            <a:stCxn id="31" idx="0"/>
+            <a:endCxn id="45" idx="1"/>
+          </p:cNvCxnSpPr>
+          <p:nvPr/>
+        </p:nvCxnSpPr>
+        <p:spPr>
+          <a:xfrm flipV="1">
+            <a:off x="5751377" y="1728451"/>
+            <a:ext cx="2502229" cy="935724"/>
+          </a:xfrm>
+          <a:prstGeom prst="straightConnector1">
+            <a:avLst/>
+          </a:prstGeom>
+          <a:ln>
+            <a:solidFill>
+              <a:srgbClr val="00813C"/>
+            </a:solidFill>
+            <a:tailEnd type="triangle"/>
+          </a:ln>
+        </p:spPr>
+        <p:style>
+          <a:lnRef idx="1">
+            <a:schemeClr val="accent1"/>
+          </a:lnRef>
+          <a:fillRef idx="0">
+            <a:schemeClr val="accent1"/>
+          </a:fillRef>
+          <a:effectRef idx="0">
+            <a:schemeClr val="accent1"/>
+          </a:effectRef>
+          <a:fontRef idx="minor">
+            <a:schemeClr val="tx1"/>
+          </a:fontRef>
+        </p:style>
+      </p:cxnSp>
+      <p:sp>
+        <p:nvSpPr>
+          <p:cNvPr id="5" name="Rectangle 4">
+            <a:extLst>
+              <a:ext uri="{FF2B5EF4-FFF2-40B4-BE49-F238E27FC236}">
+                <a16:creationId xmlns:a16="http://schemas.microsoft.com/office/drawing/2014/main" id="{D449079A-45E2-0C49-B3AA-AA772DE397E1}"/>
+              </a:ext>
+            </a:extLst>
+          </p:cNvPr>
+          <p:cNvSpPr/>
+          <p:nvPr/>
+        </p:nvSpPr>
+        <p:spPr>
+          <a:xfrm>
+            <a:off x="7252133" y="1077997"/>
+            <a:ext cx="2029424" cy="3244621"/>
+          </a:xfrm>
+          <a:prstGeom prst="rect">
+            <a:avLst/>
+          </a:prstGeom>
+          <a:noFill/>
+          <a:ln>
+            <a:solidFill>
+              <a:srgbClr val="7030A0"/>
+            </a:solidFill>
+            <a:prstDash val="dash"/>
+          </a:ln>
+        </p:spPr>
+        <p:style>
+          <a:lnRef idx="2">
+            <a:schemeClr val="accent1">
+              <a:shade val="50000"/>
+            </a:schemeClr>
+          </a:lnRef>
+          <a:fillRef idx="1">
+            <a:schemeClr val="accent1"/>
+          </a:fillRef>
+          <a:effectRef idx="0">
+            <a:schemeClr val="accent1"/>
+          </a:effectRef>
+          <a:fontRef idx="minor">
+            <a:schemeClr val="lt1"/>
+          </a:fontRef>
+        </p:style>
+        <p:txBody>
+          <a:bodyPr rtlCol="0" anchor="t"/>
+          <a:lstStyle/>
+          <a:p>
+            <a:pPr algn="ctr"/>
+            <a:r>
+              <a:rPr lang="en-US" sz="1200" dirty="0">
+                <a:solidFill>
+                  <a:srgbClr val="7030A0"/>
+                </a:solidFill>
+              </a:rPr>
+              <a:t>Auto Scaling Group</a:t>
+            </a:r>
+            <a:endParaRPr sz="1200" dirty="0">
+              <a:solidFill>
+                <a:srgbClr val="7030A0"/>
+              </a:solidFill>
+            </a:endParaRPr>
+          </a:p>
+        </p:txBody>
+      </p:sp>
+      <p:grpSp>
+        <p:nvGrpSpPr>
+          <p:cNvPr id="61" name="Group 60">
+            <a:extLst>
+              <a:ext uri="{FF2B5EF4-FFF2-40B4-BE49-F238E27FC236}">
+                <a16:creationId xmlns:a16="http://schemas.microsoft.com/office/drawing/2014/main" id="{7236DDCC-9CC0-464E-B6AF-B50BFC82E7E0}"/>
+              </a:ext>
+            </a:extLst>
+          </p:cNvPr>
+          <p:cNvGrpSpPr/>
+          <p:nvPr/>
+        </p:nvGrpSpPr>
+        <p:grpSpPr>
+          <a:xfrm>
+            <a:off x="4410282" y="1302989"/>
+            <a:ext cx="734297" cy="878486"/>
+            <a:chOff x="4987959" y="-1693546"/>
+            <a:chExt cx="734297" cy="878486"/>
+          </a:xfrm>
+        </p:grpSpPr>
+        <p:pic>
+          <p:nvPicPr>
+            <p:cNvPr id="62" name="Picture 61">
+              <a:extLst>
+                <a:ext uri="{FF2B5EF4-FFF2-40B4-BE49-F238E27FC236}">
+                  <a16:creationId xmlns:a16="http://schemas.microsoft.com/office/drawing/2014/main" id="{6624344D-F055-B44B-A325-A033CB501FF7}"/>
+                </a:ext>
+              </a:extLst>
+            </p:cNvPr>
+            <p:cNvPicPr>
+              <a:picLocks noChangeAspect="1"/>
+            </p:cNvPicPr>
+            <p:nvPr/>
+          </p:nvPicPr>
+          <p:blipFill>
+            <a:blip r:embed="rId6"/>
+            <a:stretch>
+              <a:fillRect/>
+            </a:stretch>
+          </p:blipFill>
+          <p:spPr>
+            <a:xfrm>
+              <a:off x="5069111" y="-1693546"/>
+              <a:ext cx="548640" cy="548640"/>
+            </a:xfrm>
+            <a:prstGeom prst="rect">
+              <a:avLst/>
+            </a:prstGeom>
+          </p:spPr>
+        </p:pic>
+        <p:sp>
+          <p:nvSpPr>
+            <p:cNvPr id="63" name="Shape 264">
+              <a:extLst>
+                <a:ext uri="{FF2B5EF4-FFF2-40B4-BE49-F238E27FC236}">
+                  <a16:creationId xmlns:a16="http://schemas.microsoft.com/office/drawing/2014/main" id="{1CD9FE57-71E8-D84A-A2FD-F510C0B0AE01}"/>
+                </a:ext>
+              </a:extLst>
+            </p:cNvPr>
+            <p:cNvSpPr/>
+            <p:nvPr/>
+          </p:nvSpPr>
+          <p:spPr>
+            <a:xfrm>
+              <a:off x="4987959" y="-1153614"/>
+              <a:ext cx="734297" cy="338554"/>
+            </a:xfrm>
+            <a:prstGeom prst="rect">
+              <a:avLst/>
+            </a:prstGeom>
+            <a:noFill/>
+            <a:ln w="3175" cap="flat">
+              <a:noFill/>
+              <a:miter lim="400000"/>
+            </a:ln>
+            <a:effectLst/>
+            <a:extLst>
+              <a:ext uri="{C572A759-6A51-4108-AA02-DFA0A04FC94B}">
+                <ma14:wrappingTextBoxFlag xmlns:ma14="http://schemas.microsoft.com/office/mac/drawingml/2011/main" xmlns="" val="1"/>
+              </a:ext>
+            </a:extLst>
+          </p:spPr>
+          <p:txBody>
+            <a:bodyPr wrap="square" lIns="0" tIns="0" rIns="0" bIns="0" numCol="1" anchor="t">
+              <a:spAutoFit/>
+            </a:bodyPr>
+            <a:lstStyle/>
+            <a:p>
+              <a:pPr lvl="0" algn="ctr">
+                <a:defRPr sz="1800"/>
+              </a:pPr>
+              <a:r>
+                <a:rPr lang="en-US" sz="1100" b="1" dirty="0">
+                  <a:solidFill>
+                    <a:srgbClr val="4277BB"/>
+                  </a:solidFill>
+                  <a:latin typeface="Helvetica"/>
+                  <a:ea typeface="Helvetica"/>
+                  <a:cs typeface="Helvetica"/>
+                  <a:sym typeface="Helvetica"/>
+                </a:rPr>
+                <a:t>DNS</a:t>
+              </a:r>
+            </a:p>
+            <a:p>
+              <a:pPr lvl="0" algn="ctr">
+                <a:defRPr sz="1800"/>
+              </a:pPr>
+              <a:r>
+                <a:rPr lang="en-US" sz="1100" b="1" dirty="0">
+                  <a:solidFill>
+                    <a:srgbClr val="4277BB"/>
+                  </a:solidFill>
+                  <a:latin typeface="Helvetica"/>
+                  <a:ea typeface="Helvetica"/>
+                  <a:cs typeface="Helvetica"/>
+                  <a:sym typeface="Helvetica"/>
+                </a:rPr>
+                <a:t>Route 53</a:t>
+              </a:r>
+              <a:endParaRPr sz="1100" b="1" dirty="0">
+                <a:solidFill>
+                  <a:srgbClr val="4277BB"/>
+                </a:solidFill>
+                <a:latin typeface="Helvetica"/>
+                <a:ea typeface="Helvetica"/>
+                <a:cs typeface="Helvetica"/>
+                <a:sym typeface="Helvetica"/>
+              </a:endParaRPr>
+            </a:p>
+          </p:txBody>
+        </p:sp>
+      </p:grpSp>
+      <p:sp>
+        <p:nvSpPr>
+          <p:cNvPr id="28" name="Title 27">
+            <a:extLst>
+              <a:ext uri="{FF2B5EF4-FFF2-40B4-BE49-F238E27FC236}">
+                <a16:creationId xmlns:a16="http://schemas.microsoft.com/office/drawing/2014/main" id="{0BB5D495-0AC9-BD46-A60A-F62B76C73787}"/>
+              </a:ext>
+            </a:extLst>
+          </p:cNvPr>
+          <p:cNvSpPr>
+            <a:spLocks noGrp="1"/>
+          </p:cNvSpPr>
+          <p:nvPr>
+            <p:ph type="title"/>
+          </p:nvPr>
+        </p:nvSpPr>
+        <p:spPr>
+          <a:xfrm>
+            <a:off x="609644" y="193965"/>
+            <a:ext cx="10993967" cy="342900"/>
+          </a:xfrm>
+        </p:spPr>
+        <p:txBody>
+          <a:bodyPr/>
+          <a:lstStyle/>
+          <a:p>
+            <a:r>
+              <a:rPr lang="en-US" dirty="0"/>
+              <a:t>Stateful App</a:t>
+            </a:r>
+            <a:endParaRPr dirty="0"/>
+          </a:p>
+        </p:txBody>
+      </p:sp>
+      <p:sp>
+        <p:nvSpPr>
+          <p:cNvPr id="64" name="Rectangle 63">
+            <a:extLst>
+              <a:ext uri="{FF2B5EF4-FFF2-40B4-BE49-F238E27FC236}">
+                <a16:creationId xmlns:a16="http://schemas.microsoft.com/office/drawing/2014/main" id="{2CF6B248-B931-8C46-AD22-708CBEE75603}"/>
+              </a:ext>
+            </a:extLst>
+          </p:cNvPr>
+          <p:cNvSpPr/>
+          <p:nvPr/>
+        </p:nvSpPr>
+        <p:spPr>
+          <a:xfrm>
+            <a:off x="5006396" y="2379925"/>
+            <a:ext cx="1156322" cy="1049075"/>
+          </a:xfrm>
+          <a:custGeom>
+            <a:avLst/>
+            <a:gdLst>
+              <a:gd name="connsiteX0" fmla="*/ 0 w 1156322"/>
+              <a:gd name="connsiteY0" fmla="*/ 0 h 1049075"/>
+              <a:gd name="connsiteX1" fmla="*/ 566598 w 1156322"/>
+              <a:gd name="connsiteY1" fmla="*/ 0 h 1049075"/>
+              <a:gd name="connsiteX2" fmla="*/ 1156322 w 1156322"/>
+              <a:gd name="connsiteY2" fmla="*/ 0 h 1049075"/>
+              <a:gd name="connsiteX3" fmla="*/ 1156322 w 1156322"/>
+              <a:gd name="connsiteY3" fmla="*/ 545519 h 1049075"/>
+              <a:gd name="connsiteX4" fmla="*/ 1156322 w 1156322"/>
+              <a:gd name="connsiteY4" fmla="*/ 1049075 h 1049075"/>
+              <a:gd name="connsiteX5" fmla="*/ 601287 w 1156322"/>
+              <a:gd name="connsiteY5" fmla="*/ 1049075 h 1049075"/>
+              <a:gd name="connsiteX6" fmla="*/ 0 w 1156322"/>
+              <a:gd name="connsiteY6" fmla="*/ 1049075 h 1049075"/>
+              <a:gd name="connsiteX7" fmla="*/ 0 w 1156322"/>
+              <a:gd name="connsiteY7" fmla="*/ 545519 h 1049075"/>
+              <a:gd name="connsiteX8" fmla="*/ 0 w 1156322"/>
+              <a:gd name="connsiteY8" fmla="*/ 0 h 1049075"/>
+            </a:gdLst>
+            <a:ahLst/>
+            <a:cxnLst>
+              <a:cxn ang="0">
+                <a:pos x="connsiteX0" y="connsiteY0"/>
+              </a:cxn>
+              <a:cxn ang="0">
+                <a:pos x="connsiteX1" y="connsiteY1"/>
+              </a:cxn>
+              <a:cxn ang="0">
+                <a:pos x="connsiteX2" y="connsiteY2"/>
+              </a:cxn>
+              <a:cxn ang="0">
+                <a:pos x="connsiteX3" y="connsiteY3"/>
+              </a:cxn>
+              <a:cxn ang="0">
+                <a:pos x="connsiteX4" y="connsiteY4"/>
+              </a:cxn>
+              <a:cxn ang="0">
+                <a:pos x="connsiteX5" y="connsiteY5"/>
+              </a:cxn>
+              <a:cxn ang="0">
+                <a:pos x="connsiteX6" y="connsiteY6"/>
+              </a:cxn>
+              <a:cxn ang="0">
+                <a:pos x="connsiteX7" y="connsiteY7"/>
+              </a:cxn>
+              <a:cxn ang="0">
+                <a:pos x="connsiteX8" y="connsiteY8"/>
+              </a:cxn>
+            </a:cxnLst>
+            <a:rect l="l" t="t" r="r" b="b"/>
+            <a:pathLst>
+              <a:path w="1156322" h="1049075" extrusionOk="0">
+                <a:moveTo>
+                  <a:pt x="0" y="0"/>
+                </a:moveTo>
+                <a:cubicBezTo>
+                  <a:pt x="205829" y="-19585"/>
+                  <a:pt x="415903" y="32705"/>
+                  <a:pt x="566598" y="0"/>
+                </a:cubicBezTo>
+                <a:cubicBezTo>
+                  <a:pt x="717293" y="-32705"/>
+                  <a:pt x="920929" y="23122"/>
+                  <a:pt x="1156322" y="0"/>
+                </a:cubicBezTo>
+                <a:cubicBezTo>
+                  <a:pt x="1200666" y="143389"/>
+                  <a:pt x="1126584" y="418637"/>
+                  <a:pt x="1156322" y="545519"/>
+                </a:cubicBezTo>
+                <a:cubicBezTo>
+                  <a:pt x="1186060" y="672401"/>
+                  <a:pt x="1111223" y="811825"/>
+                  <a:pt x="1156322" y="1049075"/>
+                </a:cubicBezTo>
+                <a:cubicBezTo>
+                  <a:pt x="903076" y="1103769"/>
+                  <a:pt x="762295" y="991754"/>
+                  <a:pt x="601287" y="1049075"/>
+                </a:cubicBezTo>
+                <a:cubicBezTo>
+                  <a:pt x="440279" y="1106396"/>
+                  <a:pt x="250354" y="1012706"/>
+                  <a:pt x="0" y="1049075"/>
+                </a:cubicBezTo>
+                <a:cubicBezTo>
+                  <a:pt x="-51371" y="832812"/>
+                  <a:pt x="4153" y="750154"/>
+                  <a:pt x="0" y="545519"/>
+                </a:cubicBezTo>
+                <a:cubicBezTo>
+                  <a:pt x="-4153" y="340884"/>
+                  <a:pt x="23028" y="170477"/>
+                  <a:pt x="0" y="0"/>
+                </a:cubicBezTo>
+                <a:close/>
+              </a:path>
+            </a:pathLst>
+          </a:custGeom>
+          <a:noFill/>
+          <a:ln w="12700">
+            <a:solidFill>
+              <a:srgbClr val="7030A0"/>
+            </a:solidFill>
+            <a:extLst>
+              <a:ext uri="{C807C97D-BFC1-408E-A445-0C87EB9F89A2}">
+                <ask:lineSketchStyleProps xmlns:ask="http://schemas.microsoft.com/office/drawing/2018/sketchyshapes" sd="1219033472">
+                  <a:prstGeom prst="rect">
+                    <a:avLst/>
+                  </a:prstGeom>
+                  <ask:type>
+                    <ask:lineSketchScribble/>
+                  </ask:type>
+                </ask:lineSketchStyleProps>
+              </a:ext>
+            </a:extLst>
+          </a:ln>
+        </p:spPr>
+        <p:style>
+          <a:lnRef idx="2">
+            <a:schemeClr val="accent1">
+              <a:shade val="50000"/>
+            </a:schemeClr>
+          </a:lnRef>
+          <a:fillRef idx="1">
+            <a:schemeClr val="accent1"/>
+          </a:fillRef>
+          <a:effectRef idx="0">
+            <a:schemeClr val="accent1"/>
+          </a:effectRef>
+          <a:fontRef idx="minor">
+            <a:schemeClr val="lt1"/>
+          </a:fontRef>
+        </p:style>
+        <p:txBody>
+          <a:bodyPr rtlCol="0" anchor="b"/>
+          <a:lstStyle/>
+          <a:p>
+            <a:r>
+              <a:rPr lang="en-US" sz="1200" dirty="0">
+                <a:solidFill>
+                  <a:srgbClr val="7030A0"/>
+                </a:solidFill>
+              </a:rPr>
+              <a:t>Multi AZ</a:t>
+            </a:r>
+            <a:endParaRPr sz="1200" dirty="0">
+              <a:solidFill>
+                <a:srgbClr val="7030A0"/>
+              </a:solidFill>
+            </a:endParaRPr>
+          </a:p>
+        </p:txBody>
+      </p:sp>
+      <p:grpSp>
+        <p:nvGrpSpPr>
+          <p:cNvPr id="65" name="Group 64">
+            <a:extLst>
+              <a:ext uri="{FF2B5EF4-FFF2-40B4-BE49-F238E27FC236}">
+                <a16:creationId xmlns:a16="http://schemas.microsoft.com/office/drawing/2014/main" id="{5FC33EA3-FD67-8B4A-8A96-EF4F2374386A}"/>
+              </a:ext>
+            </a:extLst>
+          </p:cNvPr>
+          <p:cNvGrpSpPr/>
+          <p:nvPr/>
+        </p:nvGrpSpPr>
+        <p:grpSpPr>
+          <a:xfrm>
+            <a:off x="10158070" y="3287318"/>
+            <a:ext cx="548640" cy="670025"/>
+            <a:chOff x="4329965" y="-850115"/>
+            <a:chExt cx="548640" cy="670025"/>
+          </a:xfrm>
+        </p:grpSpPr>
+        <p:pic>
+          <p:nvPicPr>
+            <p:cNvPr id="66" name="Picture 65">
+              <a:extLst>
+                <a:ext uri="{FF2B5EF4-FFF2-40B4-BE49-F238E27FC236}">
+                  <a16:creationId xmlns:a16="http://schemas.microsoft.com/office/drawing/2014/main" id="{FE2978FE-6E84-1444-9923-62726BD7CC69}"/>
+                </a:ext>
+              </a:extLst>
+            </p:cNvPr>
+            <p:cNvPicPr>
+              <a:picLocks noChangeAspect="1"/>
+            </p:cNvPicPr>
+            <p:nvPr/>
+          </p:nvPicPr>
+          <p:blipFill>
+            <a:blip r:embed="rId7"/>
+            <a:stretch>
+              <a:fillRect/>
+            </a:stretch>
+          </p:blipFill>
+          <p:spPr>
+            <a:xfrm>
+              <a:off x="4329965" y="-850115"/>
+              <a:ext cx="548640" cy="548640"/>
+            </a:xfrm>
+            <a:prstGeom prst="rect">
+              <a:avLst/>
+            </a:prstGeom>
+          </p:spPr>
+        </p:pic>
+        <p:sp>
+          <p:nvSpPr>
+            <p:cNvPr id="67" name="Shape 264">
+              <a:extLst>
+                <a:ext uri="{FF2B5EF4-FFF2-40B4-BE49-F238E27FC236}">
+                  <a16:creationId xmlns:a16="http://schemas.microsoft.com/office/drawing/2014/main" id="{3AE113B0-5D7A-454A-B785-83B2D8C4E82A}"/>
+                </a:ext>
+              </a:extLst>
+            </p:cNvPr>
+            <p:cNvSpPr/>
+            <p:nvPr/>
+          </p:nvSpPr>
+          <p:spPr>
+            <a:xfrm>
+              <a:off x="4343797" y="-303201"/>
+              <a:ext cx="520976" cy="123111"/>
+            </a:xfrm>
+            <a:prstGeom prst="rect">
+              <a:avLst/>
+            </a:prstGeom>
+            <a:noFill/>
+            <a:ln w="3175" cap="flat">
+              <a:noFill/>
+              <a:miter lim="400000"/>
+            </a:ln>
+            <a:effectLst/>
+            <a:extLst>
+              <a:ext uri="{C572A759-6A51-4108-AA02-DFA0A04FC94B}">
+                <ma14:wrappingTextBoxFlag xmlns:ma14="http://schemas.microsoft.com/office/mac/drawingml/2011/main" xmlns="" val="1"/>
+              </a:ext>
+            </a:extLst>
+          </p:spPr>
+          <p:txBody>
+            <a:bodyPr wrap="square" lIns="0" tIns="0" rIns="0" bIns="0" numCol="1" anchor="t">
+              <a:spAutoFit/>
+            </a:bodyPr>
+            <a:lstStyle/>
+            <a:p>
+              <a:pPr lvl="0" algn="ctr">
+                <a:defRPr sz="1800"/>
+              </a:pPr>
+              <a:r>
+                <a:rPr lang="en-US" sz="800" b="1" dirty="0">
+                  <a:solidFill>
+                    <a:srgbClr val="4277BB"/>
+                  </a:solidFill>
+                  <a:latin typeface="Helvetica"/>
+                  <a:ea typeface="Helvetica"/>
+                  <a:cs typeface="Helvetica"/>
+                  <a:sym typeface="Helvetica"/>
+                </a:rPr>
+                <a:t>RDS</a:t>
+              </a:r>
+              <a:endParaRPr sz="800" b="1" dirty="0">
+                <a:solidFill>
+                  <a:srgbClr val="4277BB"/>
+                </a:solidFill>
+                <a:latin typeface="Helvetica"/>
+                <a:ea typeface="Helvetica"/>
+                <a:cs typeface="Helvetica"/>
+                <a:sym typeface="Helvetica"/>
+              </a:endParaRPr>
+            </a:p>
+          </p:txBody>
+        </p:sp>
+      </p:grpSp>
+      <p:pic>
+        <p:nvPicPr>
+          <p:cNvPr id="1026" name="Picture 2" descr="Redis Icon of Flat style - Available in SVG, PNG, EPS, AI &amp; Icon fonts">
+            <a:extLst>
+              <a:ext uri="{FF2B5EF4-FFF2-40B4-BE49-F238E27FC236}">
+                <a16:creationId xmlns:a16="http://schemas.microsoft.com/office/drawing/2014/main" id="{BA153600-CF29-4943-99FF-BB682F5970AC}"/>
+              </a:ext>
+            </a:extLst>
+          </p:cNvPr>
+          <p:cNvPicPr>
+            <a:picLocks noChangeAspect="1" noChangeArrowheads="1"/>
+          </p:cNvPicPr>
+          <p:nvPr/>
+        </p:nvPicPr>
+        <p:blipFill>
+          <a:blip r:embed="rId8">
+            <a:extLst>
+              <a:ext uri="{28A0092B-C50C-407E-A947-70E740481C1C}">
+                <a14:useLocalDpi xmlns:a14="http://schemas.microsoft.com/office/drawing/2010/main" val="0"/>
+              </a:ext>
+            </a:extLst>
+          </a:blip>
+          <a:srcRect/>
+          <a:stretch>
+            <a:fillRect/>
+          </a:stretch>
+        </p:blipFill>
+        <p:spPr bwMode="auto">
+          <a:xfrm>
+            <a:off x="9952065" y="1423218"/>
+            <a:ext cx="830248" cy="830248"/>
+          </a:xfrm>
+          <a:prstGeom prst="rect">
+            <a:avLst/>
+          </a:prstGeom>
+          <a:noFill/>
+          <a:extLst>
+            <a:ext uri="{909E8E84-426E-40DD-AFC4-6F175D3DCCD1}">
+              <a14:hiddenFill xmlns:a14="http://schemas.microsoft.com/office/drawing/2010/main">
+                <a:solidFill>
+                  <a:srgbClr val="FFFFFF"/>
+                </a:solidFill>
+              </a14:hiddenFill>
+            </a:ext>
+          </a:extLst>
+        </p:spPr>
+      </p:pic>
+      <p:sp>
+        <p:nvSpPr>
+          <p:cNvPr id="71" name="Rectangle 70">
+            <a:extLst>
+              <a:ext uri="{FF2B5EF4-FFF2-40B4-BE49-F238E27FC236}">
+                <a16:creationId xmlns:a16="http://schemas.microsoft.com/office/drawing/2014/main" id="{DE04AF1D-D06C-FB40-AF3E-EAF6F9C16EA0}"/>
+              </a:ext>
+            </a:extLst>
+          </p:cNvPr>
+          <p:cNvSpPr/>
+          <p:nvPr/>
+        </p:nvSpPr>
+        <p:spPr>
+          <a:xfrm>
+            <a:off x="9813753" y="1288811"/>
+            <a:ext cx="1292001" cy="1373470"/>
+          </a:xfrm>
+          <a:custGeom>
+            <a:avLst/>
+            <a:gdLst>
+              <a:gd name="connsiteX0" fmla="*/ 0 w 1292001"/>
+              <a:gd name="connsiteY0" fmla="*/ 0 h 1373470"/>
+              <a:gd name="connsiteX1" fmla="*/ 417747 w 1292001"/>
+              <a:gd name="connsiteY1" fmla="*/ 0 h 1373470"/>
+              <a:gd name="connsiteX2" fmla="*/ 809654 w 1292001"/>
+              <a:gd name="connsiteY2" fmla="*/ 0 h 1373470"/>
+              <a:gd name="connsiteX3" fmla="*/ 1292001 w 1292001"/>
+              <a:gd name="connsiteY3" fmla="*/ 0 h 1373470"/>
+              <a:gd name="connsiteX4" fmla="*/ 1292001 w 1292001"/>
+              <a:gd name="connsiteY4" fmla="*/ 444089 h 1373470"/>
+              <a:gd name="connsiteX5" fmla="*/ 1292001 w 1292001"/>
+              <a:gd name="connsiteY5" fmla="*/ 874443 h 1373470"/>
+              <a:gd name="connsiteX6" fmla="*/ 1292001 w 1292001"/>
+              <a:gd name="connsiteY6" fmla="*/ 1373470 h 1373470"/>
+              <a:gd name="connsiteX7" fmla="*/ 861334 w 1292001"/>
+              <a:gd name="connsiteY7" fmla="*/ 1373470 h 1373470"/>
+              <a:gd name="connsiteX8" fmla="*/ 404827 w 1292001"/>
+              <a:gd name="connsiteY8" fmla="*/ 1373470 h 1373470"/>
+              <a:gd name="connsiteX9" fmla="*/ 0 w 1292001"/>
+              <a:gd name="connsiteY9" fmla="*/ 1373470 h 1373470"/>
+              <a:gd name="connsiteX10" fmla="*/ 0 w 1292001"/>
+              <a:gd name="connsiteY10" fmla="*/ 915647 h 1373470"/>
+              <a:gd name="connsiteX11" fmla="*/ 0 w 1292001"/>
+              <a:gd name="connsiteY11" fmla="*/ 471558 h 1373470"/>
+              <a:gd name="connsiteX12" fmla="*/ 0 w 1292001"/>
+              <a:gd name="connsiteY12" fmla="*/ 0 h 1373470"/>
+            </a:gdLst>
+            <a:ahLst/>
+            <a:cxnLst>
+              <a:cxn ang="0">
+                <a:pos x="connsiteX0" y="connsiteY0"/>
+              </a:cxn>
+              <a:cxn ang="0">
+                <a:pos x="connsiteX1" y="connsiteY1"/>
+              </a:cxn>
+              <a:cxn ang="0">
+                <a:pos x="connsiteX2" y="connsiteY2"/>
+              </a:cxn>
+              <a:cxn ang="0">
+                <a:pos x="connsiteX3" y="connsiteY3"/>
+              </a:cxn>
+              <a:cxn ang="0">
+                <a:pos x="connsiteX4" y="connsiteY4"/>
+              </a:cxn>
+              <a:cxn ang="0">
+                <a:pos x="connsiteX5" y="connsiteY5"/>
+              </a:cxn>
+              <a:cxn ang="0">
+                <a:pos x="connsiteX6" y="connsiteY6"/>
+              </a:cxn>
+              <a:cxn ang="0">
+                <a:pos x="connsiteX7" y="connsiteY7"/>
+              </a:cxn>
+              <a:cxn ang="0">
+                <a:pos x="connsiteX8" y="connsiteY8"/>
+              </a:cxn>
+              <a:cxn ang="0">
+                <a:pos x="connsiteX9" y="connsiteY9"/>
+              </a:cxn>
+              <a:cxn ang="0">
+                <a:pos x="connsiteX10" y="connsiteY10"/>
+              </a:cxn>
+              <a:cxn ang="0">
+                <a:pos x="connsiteX11" y="connsiteY11"/>
+              </a:cxn>
+              <a:cxn ang="0">
+                <a:pos x="connsiteX12" y="connsiteY12"/>
+              </a:cxn>
+            </a:cxnLst>
+            <a:rect l="l" t="t" r="r" b="b"/>
+            <a:pathLst>
+              <a:path w="1292001" h="1373470" extrusionOk="0">
+                <a:moveTo>
+                  <a:pt x="0" y="0"/>
+                </a:moveTo>
+                <a:cubicBezTo>
+                  <a:pt x="95499" y="-5323"/>
+                  <a:pt x="231869" y="26789"/>
+                  <a:pt x="417747" y="0"/>
+                </a:cubicBezTo>
+                <a:cubicBezTo>
+                  <a:pt x="603625" y="-26789"/>
+                  <a:pt x="667169" y="11939"/>
+                  <a:pt x="809654" y="0"/>
+                </a:cubicBezTo>
+                <a:cubicBezTo>
+                  <a:pt x="952139" y="-11939"/>
+                  <a:pt x="1075680" y="28590"/>
+                  <a:pt x="1292001" y="0"/>
+                </a:cubicBezTo>
+                <a:cubicBezTo>
+                  <a:pt x="1313615" y="110124"/>
+                  <a:pt x="1283654" y="256756"/>
+                  <a:pt x="1292001" y="444089"/>
+                </a:cubicBezTo>
+                <a:cubicBezTo>
+                  <a:pt x="1300348" y="631422"/>
+                  <a:pt x="1251306" y="772283"/>
+                  <a:pt x="1292001" y="874443"/>
+                </a:cubicBezTo>
+                <a:cubicBezTo>
+                  <a:pt x="1332696" y="976603"/>
+                  <a:pt x="1290946" y="1272084"/>
+                  <a:pt x="1292001" y="1373470"/>
+                </a:cubicBezTo>
+                <a:cubicBezTo>
+                  <a:pt x="1178737" y="1389695"/>
+                  <a:pt x="1008353" y="1372038"/>
+                  <a:pt x="861334" y="1373470"/>
+                </a:cubicBezTo>
+                <a:cubicBezTo>
+                  <a:pt x="714315" y="1374902"/>
+                  <a:pt x="539952" y="1367947"/>
+                  <a:pt x="404827" y="1373470"/>
+                </a:cubicBezTo>
+                <a:cubicBezTo>
+                  <a:pt x="269702" y="1378993"/>
+                  <a:pt x="105908" y="1345624"/>
+                  <a:pt x="0" y="1373470"/>
+                </a:cubicBezTo>
+                <a:cubicBezTo>
+                  <a:pt x="-48592" y="1170750"/>
+                  <a:pt x="9276" y="1069728"/>
+                  <a:pt x="0" y="915647"/>
+                </a:cubicBezTo>
+                <a:cubicBezTo>
+                  <a:pt x="-9276" y="761566"/>
+                  <a:pt x="6173" y="637974"/>
+                  <a:pt x="0" y="471558"/>
+                </a:cubicBezTo>
+                <a:cubicBezTo>
+                  <a:pt x="-6173" y="305142"/>
+                  <a:pt x="52822" y="96400"/>
+                  <a:pt x="0" y="0"/>
+                </a:cubicBezTo>
+                <a:close/>
+              </a:path>
+            </a:pathLst>
+          </a:custGeom>
+          <a:noFill/>
+          <a:ln w="12700">
+            <a:solidFill>
+              <a:srgbClr val="7030A0"/>
+            </a:solidFill>
+            <a:extLst>
+              <a:ext uri="{C807C97D-BFC1-408E-A445-0C87EB9F89A2}">
+                <ask:lineSketchStyleProps xmlns:ask="http://schemas.microsoft.com/office/drawing/2018/sketchyshapes" sd="1219033472">
+                  <a:prstGeom prst="rect">
+                    <a:avLst/>
+                  </a:prstGeom>
+                  <ask:type>
+                    <ask:lineSketchScribble/>
+                  </ask:type>
+                </ask:lineSketchStyleProps>
+              </a:ext>
+            </a:extLst>
+          </a:ln>
+        </p:spPr>
+        <p:style>
+          <a:lnRef idx="2">
+            <a:schemeClr val="accent1">
+              <a:shade val="50000"/>
+            </a:schemeClr>
+          </a:lnRef>
+          <a:fillRef idx="1">
+            <a:schemeClr val="accent1"/>
+          </a:fillRef>
+          <a:effectRef idx="0">
+            <a:schemeClr val="accent1"/>
+          </a:effectRef>
+          <a:fontRef idx="minor">
+            <a:schemeClr val="lt1"/>
+          </a:fontRef>
+        </p:style>
+        <p:txBody>
+          <a:bodyPr rtlCol="0" anchor="b"/>
+          <a:lstStyle/>
+          <a:p>
+            <a:r>
+              <a:rPr lang="en-US" sz="1200" dirty="0">
+                <a:solidFill>
+                  <a:srgbClr val="7030A0"/>
+                </a:solidFill>
+              </a:rPr>
+              <a:t>Multi AZ</a:t>
+            </a:r>
+            <a:endParaRPr sz="1200" dirty="0">
+              <a:solidFill>
+                <a:srgbClr val="7030A0"/>
+              </a:solidFill>
+            </a:endParaRPr>
+          </a:p>
+        </p:txBody>
+      </p:sp>
+      <p:sp>
+        <p:nvSpPr>
+          <p:cNvPr id="72" name="Rectangle 71">
+            <a:extLst>
+              <a:ext uri="{FF2B5EF4-FFF2-40B4-BE49-F238E27FC236}">
+                <a16:creationId xmlns:a16="http://schemas.microsoft.com/office/drawing/2014/main" id="{EFAA5EC5-9961-C04C-B15C-ADD2E2AA5E8B}"/>
+              </a:ext>
+            </a:extLst>
+          </p:cNvPr>
+          <p:cNvSpPr/>
+          <p:nvPr/>
+        </p:nvSpPr>
+        <p:spPr>
+          <a:xfrm>
+            <a:off x="9819026" y="2964893"/>
+            <a:ext cx="1292001" cy="1373470"/>
+          </a:xfrm>
+          <a:custGeom>
+            <a:avLst/>
+            <a:gdLst>
+              <a:gd name="connsiteX0" fmla="*/ 0 w 1292001"/>
+              <a:gd name="connsiteY0" fmla="*/ 0 h 1373470"/>
+              <a:gd name="connsiteX1" fmla="*/ 417747 w 1292001"/>
+              <a:gd name="connsiteY1" fmla="*/ 0 h 1373470"/>
+              <a:gd name="connsiteX2" fmla="*/ 809654 w 1292001"/>
+              <a:gd name="connsiteY2" fmla="*/ 0 h 1373470"/>
+              <a:gd name="connsiteX3" fmla="*/ 1292001 w 1292001"/>
+              <a:gd name="connsiteY3" fmla="*/ 0 h 1373470"/>
+              <a:gd name="connsiteX4" fmla="*/ 1292001 w 1292001"/>
+              <a:gd name="connsiteY4" fmla="*/ 444089 h 1373470"/>
+              <a:gd name="connsiteX5" fmla="*/ 1292001 w 1292001"/>
+              <a:gd name="connsiteY5" fmla="*/ 874443 h 1373470"/>
+              <a:gd name="connsiteX6" fmla="*/ 1292001 w 1292001"/>
+              <a:gd name="connsiteY6" fmla="*/ 1373470 h 1373470"/>
+              <a:gd name="connsiteX7" fmla="*/ 861334 w 1292001"/>
+              <a:gd name="connsiteY7" fmla="*/ 1373470 h 1373470"/>
+              <a:gd name="connsiteX8" fmla="*/ 404827 w 1292001"/>
+              <a:gd name="connsiteY8" fmla="*/ 1373470 h 1373470"/>
+              <a:gd name="connsiteX9" fmla="*/ 0 w 1292001"/>
+              <a:gd name="connsiteY9" fmla="*/ 1373470 h 1373470"/>
+              <a:gd name="connsiteX10" fmla="*/ 0 w 1292001"/>
+              <a:gd name="connsiteY10" fmla="*/ 915647 h 1373470"/>
+              <a:gd name="connsiteX11" fmla="*/ 0 w 1292001"/>
+              <a:gd name="connsiteY11" fmla="*/ 471558 h 1373470"/>
+              <a:gd name="connsiteX12" fmla="*/ 0 w 1292001"/>
+              <a:gd name="connsiteY12" fmla="*/ 0 h 1373470"/>
+            </a:gdLst>
+            <a:ahLst/>
+            <a:cxnLst>
+              <a:cxn ang="0">
+                <a:pos x="connsiteX0" y="connsiteY0"/>
+              </a:cxn>
+              <a:cxn ang="0">
+                <a:pos x="connsiteX1" y="connsiteY1"/>
+              </a:cxn>
+              <a:cxn ang="0">
+                <a:pos x="connsiteX2" y="connsiteY2"/>
+              </a:cxn>
+              <a:cxn ang="0">
+                <a:pos x="connsiteX3" y="connsiteY3"/>
+              </a:cxn>
+              <a:cxn ang="0">
+                <a:pos x="connsiteX4" y="connsiteY4"/>
+              </a:cxn>
+              <a:cxn ang="0">
+                <a:pos x="connsiteX5" y="connsiteY5"/>
+              </a:cxn>
+              <a:cxn ang="0">
+                <a:pos x="connsiteX6" y="connsiteY6"/>
+              </a:cxn>
+              <a:cxn ang="0">
+                <a:pos x="connsiteX7" y="connsiteY7"/>
+              </a:cxn>
+              <a:cxn ang="0">
+                <a:pos x="connsiteX8" y="connsiteY8"/>
+              </a:cxn>
+              <a:cxn ang="0">
+                <a:pos x="connsiteX9" y="connsiteY9"/>
+              </a:cxn>
+              <a:cxn ang="0">
+                <a:pos x="connsiteX10" y="connsiteY10"/>
+              </a:cxn>
+              <a:cxn ang="0">
+                <a:pos x="connsiteX11" y="connsiteY11"/>
+              </a:cxn>
+              <a:cxn ang="0">
+                <a:pos x="connsiteX12" y="connsiteY12"/>
+              </a:cxn>
+            </a:cxnLst>
+            <a:rect l="l" t="t" r="r" b="b"/>
+            <a:pathLst>
+              <a:path w="1292001" h="1373470" extrusionOk="0">
+                <a:moveTo>
+                  <a:pt x="0" y="0"/>
+                </a:moveTo>
+                <a:cubicBezTo>
+                  <a:pt x="95499" y="-5323"/>
+                  <a:pt x="231869" y="26789"/>
+                  <a:pt x="417747" y="0"/>
+                </a:cubicBezTo>
+                <a:cubicBezTo>
+                  <a:pt x="603625" y="-26789"/>
+                  <a:pt x="667169" y="11939"/>
+                  <a:pt x="809654" y="0"/>
+                </a:cubicBezTo>
+                <a:cubicBezTo>
+                  <a:pt x="952139" y="-11939"/>
+                  <a:pt x="1075680" y="28590"/>
+                  <a:pt x="1292001" y="0"/>
+                </a:cubicBezTo>
+                <a:cubicBezTo>
+                  <a:pt x="1313615" y="110124"/>
+                  <a:pt x="1283654" y="256756"/>
+                  <a:pt x="1292001" y="444089"/>
+                </a:cubicBezTo>
+                <a:cubicBezTo>
+                  <a:pt x="1300348" y="631422"/>
+                  <a:pt x="1251306" y="772283"/>
+                  <a:pt x="1292001" y="874443"/>
+                </a:cubicBezTo>
+                <a:cubicBezTo>
+                  <a:pt x="1332696" y="976603"/>
+                  <a:pt x="1290946" y="1272084"/>
+                  <a:pt x="1292001" y="1373470"/>
+                </a:cubicBezTo>
+                <a:cubicBezTo>
+                  <a:pt x="1178737" y="1389695"/>
+                  <a:pt x="1008353" y="1372038"/>
+                  <a:pt x="861334" y="1373470"/>
+                </a:cubicBezTo>
+                <a:cubicBezTo>
+                  <a:pt x="714315" y="1374902"/>
+                  <a:pt x="539952" y="1367947"/>
+                  <a:pt x="404827" y="1373470"/>
+                </a:cubicBezTo>
+                <a:cubicBezTo>
+                  <a:pt x="269702" y="1378993"/>
+                  <a:pt x="105908" y="1345624"/>
+                  <a:pt x="0" y="1373470"/>
+                </a:cubicBezTo>
+                <a:cubicBezTo>
+                  <a:pt x="-48592" y="1170750"/>
+                  <a:pt x="9276" y="1069728"/>
+                  <a:pt x="0" y="915647"/>
+                </a:cubicBezTo>
+                <a:cubicBezTo>
+                  <a:pt x="-9276" y="761566"/>
+                  <a:pt x="6173" y="637974"/>
+                  <a:pt x="0" y="471558"/>
+                </a:cubicBezTo>
+                <a:cubicBezTo>
+                  <a:pt x="-6173" y="305142"/>
+                  <a:pt x="52822" y="96400"/>
+                  <a:pt x="0" y="0"/>
+                </a:cubicBezTo>
+                <a:close/>
+              </a:path>
+            </a:pathLst>
+          </a:custGeom>
+          <a:noFill/>
+          <a:ln w="12700">
+            <a:solidFill>
+              <a:srgbClr val="7030A0"/>
+            </a:solidFill>
+            <a:extLst>
+              <a:ext uri="{C807C97D-BFC1-408E-A445-0C87EB9F89A2}">
+                <ask:lineSketchStyleProps xmlns:ask="http://schemas.microsoft.com/office/drawing/2018/sketchyshapes" sd="1219033472">
+                  <a:prstGeom prst="rect">
+                    <a:avLst/>
+                  </a:prstGeom>
+                  <ask:type>
+                    <ask:lineSketchScribble/>
+                  </ask:type>
+                </ask:lineSketchStyleProps>
+              </a:ext>
+            </a:extLst>
+          </a:ln>
+        </p:spPr>
+        <p:style>
+          <a:lnRef idx="2">
+            <a:schemeClr val="accent1">
+              <a:shade val="50000"/>
+            </a:schemeClr>
+          </a:lnRef>
+          <a:fillRef idx="1">
+            <a:schemeClr val="accent1"/>
+          </a:fillRef>
+          <a:effectRef idx="0">
+            <a:schemeClr val="accent1"/>
+          </a:effectRef>
+          <a:fontRef idx="minor">
+            <a:schemeClr val="lt1"/>
+          </a:fontRef>
+        </p:style>
+        <p:txBody>
+          <a:bodyPr rtlCol="0" anchor="b"/>
+          <a:lstStyle/>
+          <a:p>
+            <a:r>
+              <a:rPr lang="en-US" sz="1200" dirty="0">
+                <a:solidFill>
+                  <a:srgbClr val="7030A0"/>
+                </a:solidFill>
+              </a:rPr>
+              <a:t>Multi AZ</a:t>
+            </a:r>
+            <a:endParaRPr sz="1200" dirty="0">
+              <a:solidFill>
+                <a:srgbClr val="7030A0"/>
+              </a:solidFill>
+            </a:endParaRPr>
+          </a:p>
+        </p:txBody>
+      </p:sp>
+      <p:cxnSp>
+        <p:nvCxnSpPr>
+          <p:cNvPr id="73" name="Elbow Connector 72">
+            <a:extLst>
+              <a:ext uri="{FF2B5EF4-FFF2-40B4-BE49-F238E27FC236}">
+                <a16:creationId xmlns:a16="http://schemas.microsoft.com/office/drawing/2014/main" id="{67A5B6CE-B4C9-0647-815D-CD93845AC38E}"/>
+              </a:ext>
+            </a:extLst>
+          </p:cNvPr>
+          <p:cNvCxnSpPr>
+            <a:cxnSpLocks/>
+          </p:cNvCxnSpPr>
+          <p:nvPr/>
+        </p:nvCxnSpPr>
+        <p:spPr>
+          <a:xfrm>
+            <a:off x="3332277" y="2465221"/>
+            <a:ext cx="1904138" cy="156582"/>
+          </a:xfrm>
+          <a:prstGeom prst="bentConnector3">
+            <a:avLst>
+              <a:gd name="adj1" fmla="val 50000"/>
+            </a:avLst>
+          </a:prstGeom>
+          <a:ln>
+            <a:solidFill>
+              <a:srgbClr val="00813C"/>
+            </a:solidFill>
+            <a:headEnd type="triangle"/>
+            <a:tailEnd type="triangle"/>
+          </a:ln>
+        </p:spPr>
+        <p:style>
+          <a:lnRef idx="1">
+            <a:schemeClr val="accent1"/>
+          </a:lnRef>
+          <a:fillRef idx="0">
+            <a:schemeClr val="accent1"/>
+          </a:fillRef>
+          <a:effectRef idx="0">
+            <a:schemeClr val="accent1"/>
+          </a:effectRef>
+          <a:fontRef idx="minor">
+            <a:schemeClr val="tx1"/>
+          </a:fontRef>
+        </p:style>
+      </p:cxnSp>
+      <p:grpSp>
+        <p:nvGrpSpPr>
+          <p:cNvPr id="74" name="Group 73">
+            <a:extLst>
+              <a:ext uri="{FF2B5EF4-FFF2-40B4-BE49-F238E27FC236}">
+                <a16:creationId xmlns:a16="http://schemas.microsoft.com/office/drawing/2014/main" id="{91D4F7A9-8F27-DA4F-96A0-825F6E3F2D41}"/>
+              </a:ext>
+            </a:extLst>
+          </p:cNvPr>
+          <p:cNvGrpSpPr/>
+          <p:nvPr/>
+        </p:nvGrpSpPr>
+        <p:grpSpPr>
+          <a:xfrm>
+            <a:off x="9390526" y="879322"/>
+            <a:ext cx="548640" cy="785180"/>
+            <a:chOff x="7390429" y="-1789102"/>
+            <a:chExt cx="548640" cy="785180"/>
+          </a:xfrm>
+        </p:grpSpPr>
+        <p:pic>
+          <p:nvPicPr>
+            <p:cNvPr id="75" name="Picture 74">
+              <a:extLst>
+                <a:ext uri="{FF2B5EF4-FFF2-40B4-BE49-F238E27FC236}">
+                  <a16:creationId xmlns:a16="http://schemas.microsoft.com/office/drawing/2014/main" id="{07DDDA81-EEB0-4844-B517-0D2EDF279A19}"/>
+                </a:ext>
+              </a:extLst>
+            </p:cNvPr>
+            <p:cNvPicPr>
+              <a:picLocks noChangeAspect="1"/>
+            </p:cNvPicPr>
+            <p:nvPr/>
+          </p:nvPicPr>
+          <p:blipFill>
+            <a:blip r:embed="rId3"/>
+            <a:stretch>
+              <a:fillRect/>
+            </a:stretch>
+          </p:blipFill>
+          <p:spPr>
+            <a:xfrm>
+              <a:off x="7390429" y="-1789102"/>
+              <a:ext cx="548640" cy="548640"/>
+            </a:xfrm>
+            <a:prstGeom prst="rect">
+              <a:avLst/>
+            </a:prstGeom>
+          </p:spPr>
+        </p:pic>
+        <p:sp>
+          <p:nvSpPr>
+            <p:cNvPr id="76" name="Shape 264">
+              <a:extLst>
+                <a:ext uri="{FF2B5EF4-FFF2-40B4-BE49-F238E27FC236}">
+                  <a16:creationId xmlns:a16="http://schemas.microsoft.com/office/drawing/2014/main" id="{3713BE3F-80EC-D149-92B1-96AB1602754F}"/>
+                </a:ext>
+              </a:extLst>
+            </p:cNvPr>
+            <p:cNvSpPr/>
+            <p:nvPr/>
+          </p:nvSpPr>
+          <p:spPr>
+            <a:xfrm>
+              <a:off x="7404261" y="-1250143"/>
+              <a:ext cx="520976" cy="246221"/>
+            </a:xfrm>
+            <a:prstGeom prst="rect">
+              <a:avLst/>
+            </a:prstGeom>
+            <a:noFill/>
+            <a:ln w="3175" cap="flat">
+              <a:noFill/>
+              <a:miter lim="400000"/>
+            </a:ln>
+            <a:effectLst/>
+            <a:extLst>
+              <a:ext uri="{C572A759-6A51-4108-AA02-DFA0A04FC94B}">
+                <ma14:wrappingTextBoxFlag xmlns:ma14="http://schemas.microsoft.com/office/mac/drawingml/2011/main" xmlns="" val="1"/>
+              </a:ext>
+            </a:extLst>
+          </p:spPr>
+          <p:txBody>
+            <a:bodyPr wrap="square" lIns="0" tIns="0" rIns="0" bIns="0" numCol="1" anchor="t">
+              <a:spAutoFit/>
+            </a:bodyPr>
+            <a:lstStyle/>
+            <a:p>
+              <a:pPr lvl="0" algn="ctr">
+                <a:defRPr sz="1800"/>
+              </a:pPr>
+              <a:r>
+                <a:rPr lang="en-US" sz="800" b="1" dirty="0">
+                  <a:solidFill>
+                    <a:srgbClr val="4277BB"/>
+                  </a:solidFill>
+                  <a:latin typeface="Helvetica"/>
+                  <a:ea typeface="Helvetica"/>
+                  <a:cs typeface="Helvetica"/>
+                  <a:sym typeface="Helvetica"/>
+                </a:rPr>
+                <a:t>SECURITY GROUP</a:t>
+              </a:r>
+              <a:endParaRPr sz="800" b="1" dirty="0">
+                <a:solidFill>
+                  <a:srgbClr val="4277BB"/>
+                </a:solidFill>
+                <a:latin typeface="Helvetica"/>
+                <a:ea typeface="Helvetica"/>
+                <a:cs typeface="Helvetica"/>
+                <a:sym typeface="Helvetica"/>
+              </a:endParaRPr>
+            </a:p>
+          </p:txBody>
+        </p:sp>
+      </p:grpSp>
+      <p:grpSp>
+        <p:nvGrpSpPr>
+          <p:cNvPr id="77" name="Group 76">
+            <a:extLst>
+              <a:ext uri="{FF2B5EF4-FFF2-40B4-BE49-F238E27FC236}">
+                <a16:creationId xmlns:a16="http://schemas.microsoft.com/office/drawing/2014/main" id="{F84E72CC-BC15-C84E-8EFB-FBF0F2402EC2}"/>
+              </a:ext>
+            </a:extLst>
+          </p:cNvPr>
+          <p:cNvGrpSpPr/>
+          <p:nvPr/>
+        </p:nvGrpSpPr>
+        <p:grpSpPr>
+          <a:xfrm>
+            <a:off x="9421531" y="3553183"/>
+            <a:ext cx="548640" cy="785180"/>
+            <a:chOff x="7390429" y="-1789102"/>
+            <a:chExt cx="548640" cy="785180"/>
+          </a:xfrm>
+        </p:grpSpPr>
+        <p:pic>
+          <p:nvPicPr>
+            <p:cNvPr id="78" name="Picture 77">
+              <a:extLst>
+                <a:ext uri="{FF2B5EF4-FFF2-40B4-BE49-F238E27FC236}">
+                  <a16:creationId xmlns:a16="http://schemas.microsoft.com/office/drawing/2014/main" id="{9EE918A2-7279-6545-934D-97E95CFE79F7}"/>
+                </a:ext>
+              </a:extLst>
+            </p:cNvPr>
+            <p:cNvPicPr>
+              <a:picLocks noChangeAspect="1"/>
+            </p:cNvPicPr>
+            <p:nvPr/>
+          </p:nvPicPr>
+          <p:blipFill>
+            <a:blip r:embed="rId3"/>
+            <a:stretch>
+              <a:fillRect/>
+            </a:stretch>
+          </p:blipFill>
+          <p:spPr>
+            <a:xfrm>
+              <a:off x="7390429" y="-1789102"/>
+              <a:ext cx="548640" cy="548640"/>
+            </a:xfrm>
+            <a:prstGeom prst="rect">
+              <a:avLst/>
+            </a:prstGeom>
+          </p:spPr>
+        </p:pic>
+        <p:sp>
+          <p:nvSpPr>
+            <p:cNvPr id="79" name="Shape 264">
+              <a:extLst>
+                <a:ext uri="{FF2B5EF4-FFF2-40B4-BE49-F238E27FC236}">
+                  <a16:creationId xmlns:a16="http://schemas.microsoft.com/office/drawing/2014/main" id="{8C03BD0C-4B3F-1D45-891A-7237290CB55E}"/>
+                </a:ext>
+              </a:extLst>
+            </p:cNvPr>
+            <p:cNvSpPr/>
+            <p:nvPr/>
+          </p:nvSpPr>
+          <p:spPr>
+            <a:xfrm>
+              <a:off x="7404261" y="-1250143"/>
+              <a:ext cx="520976" cy="246221"/>
+            </a:xfrm>
+            <a:prstGeom prst="rect">
+              <a:avLst/>
+            </a:prstGeom>
+            <a:noFill/>
+            <a:ln w="3175" cap="flat">
+              <a:noFill/>
+              <a:miter lim="400000"/>
+            </a:ln>
+            <a:effectLst/>
+            <a:extLst>
+              <a:ext uri="{C572A759-6A51-4108-AA02-DFA0A04FC94B}">
+                <ma14:wrappingTextBoxFlag xmlns:ma14="http://schemas.microsoft.com/office/mac/drawingml/2011/main" xmlns="" val="1"/>
+              </a:ext>
+            </a:extLst>
+          </p:spPr>
+          <p:txBody>
+            <a:bodyPr wrap="square" lIns="0" tIns="0" rIns="0" bIns="0" numCol="1" anchor="t">
+              <a:spAutoFit/>
+            </a:bodyPr>
+            <a:lstStyle/>
+            <a:p>
+              <a:pPr lvl="0" algn="ctr">
+                <a:defRPr sz="1800"/>
+              </a:pPr>
+              <a:r>
+                <a:rPr lang="en-US" sz="800" b="1" dirty="0">
+                  <a:solidFill>
+                    <a:srgbClr val="4277BB"/>
+                  </a:solidFill>
+                  <a:latin typeface="Helvetica"/>
+                  <a:ea typeface="Helvetica"/>
+                  <a:cs typeface="Helvetica"/>
+                  <a:sym typeface="Helvetica"/>
+                </a:rPr>
+                <a:t>SECURITY GROUP</a:t>
+              </a:r>
+              <a:endParaRPr sz="800" b="1" dirty="0">
+                <a:solidFill>
+                  <a:srgbClr val="4277BB"/>
+                </a:solidFill>
+                <a:latin typeface="Helvetica"/>
+                <a:ea typeface="Helvetica"/>
+                <a:cs typeface="Helvetica"/>
+                <a:sym typeface="Helvetica"/>
+              </a:endParaRPr>
+            </a:p>
+          </p:txBody>
+        </p:sp>
+      </p:grpSp>
+    </p:spTree>
+    <p:extLst>
+      <p:ext uri="{BB962C8B-B14F-4D97-AF65-F5344CB8AC3E}">
+        <p14:creationId xmlns:p14="http://schemas.microsoft.com/office/powerpoint/2010/main" val="2508026820"/>
       </p:ext>
     </p:extLst>
   </p:cSld>

--- a/docs/Diagrams.pptx
+++ b/docs/Diagrams.pptx
@@ -6,7 +6,7 @@
     <p:sldMasterId id="2147484308" r:id="rId2"/>
   </p:sldMasterIdLst>
   <p:notesMasterIdLst>
-    <p:notesMasterId r:id="rId9"/>
+    <p:notesMasterId r:id="rId10"/>
   </p:notesMasterIdLst>
   <p:sldIdLst>
     <p:sldId id="2670" r:id="rId3"/>
@@ -15,6 +15,7 @@
     <p:sldId id="2673" r:id="rId6"/>
     <p:sldId id="2674" r:id="rId7"/>
     <p:sldId id="2675" r:id="rId8"/>
+    <p:sldId id="2676" r:id="rId9"/>
   </p:sldIdLst>
   <p:sldSz cx="12192000" cy="6858000"/>
   <p:notesSz cx="7086600" cy="9372600"/>
@@ -277,7 +278,7 @@
               <a:pPr>
                 <a:defRPr/>
               </a:pPr>
-              <a:t>11/27/20</a:t>
+              <a:t>12/11/20</a:t>
             </a:fld>
             <a:endParaRPr lang="en-US"/>
           </a:p>
@@ -8753,7 +8754,7 @@
             <a:effectLst/>
             <a:extLst>
               <a:ext uri="{C572A759-6A51-4108-AA02-DFA0A04FC94B}">
-                <ma14:wrappingTextBoxFlag xmlns:ma14="http://schemas.microsoft.com/office/mac/drawingml/2011/main" xmlns="" val="1"/>
+                <ma14:wrappingTextBoxFlag xmlns="" xmlns:ma14="http://schemas.microsoft.com/office/mac/drawingml/2011/main" val="1"/>
               </a:ext>
             </a:extLst>
           </p:spPr>
@@ -8869,7 +8870,7 @@
             <a:effectLst/>
             <a:extLst>
               <a:ext uri="{C572A759-6A51-4108-AA02-DFA0A04FC94B}">
-                <ma14:wrappingTextBoxFlag xmlns:ma14="http://schemas.microsoft.com/office/mac/drawingml/2011/main" xmlns="" val="1"/>
+                <ma14:wrappingTextBoxFlag xmlns="" xmlns:ma14="http://schemas.microsoft.com/office/mac/drawingml/2011/main" val="1"/>
               </a:ext>
             </a:extLst>
           </p:spPr>
@@ -9339,7 +9340,7 @@
             <a:effectLst/>
             <a:extLst>
               <a:ext uri="{C572A759-6A51-4108-AA02-DFA0A04FC94B}">
-                <ma14:wrappingTextBoxFlag xmlns:ma14="http://schemas.microsoft.com/office/mac/drawingml/2011/main" xmlns="" val="1"/>
+                <ma14:wrappingTextBoxFlag xmlns="" xmlns:ma14="http://schemas.microsoft.com/office/mac/drawingml/2011/main" val="1"/>
               </a:ext>
             </a:extLst>
           </p:spPr>
@@ -9649,7 +9650,7 @@
             <a:effectLst/>
             <a:extLst>
               <a:ext uri="{C572A759-6A51-4108-AA02-DFA0A04FC94B}">
-                <ma14:wrappingTextBoxFlag xmlns:ma14="http://schemas.microsoft.com/office/mac/drawingml/2011/main" xmlns="" val="1"/>
+                <ma14:wrappingTextBoxFlag xmlns="" xmlns:ma14="http://schemas.microsoft.com/office/mac/drawingml/2011/main" val="1"/>
               </a:ext>
             </a:extLst>
           </p:spPr>
@@ -9883,7 +9884,7 @@
             <a:effectLst/>
             <a:extLst>
               <a:ext uri="{C572A759-6A51-4108-AA02-DFA0A04FC94B}">
-                <ma14:wrappingTextBoxFlag xmlns:ma14="http://schemas.microsoft.com/office/mac/drawingml/2011/main" xmlns="" val="1"/>
+                <ma14:wrappingTextBoxFlag xmlns="" xmlns:ma14="http://schemas.microsoft.com/office/mac/drawingml/2011/main" val="1"/>
               </a:ext>
             </a:extLst>
           </p:spPr>
@@ -10016,7 +10017,7 @@
             <a:effectLst/>
             <a:extLst>
               <a:ext uri="{C572A759-6A51-4108-AA02-DFA0A04FC94B}">
-                <ma14:wrappingTextBoxFlag xmlns:ma14="http://schemas.microsoft.com/office/mac/drawingml/2011/main" xmlns="" val="1"/>
+                <ma14:wrappingTextBoxFlag xmlns="" xmlns:ma14="http://schemas.microsoft.com/office/mac/drawingml/2011/main" val="1"/>
               </a:ext>
             </a:extLst>
           </p:spPr>
@@ -11089,7 +11090,7 @@
             <a:effectLst/>
             <a:extLst>
               <a:ext uri="{C572A759-6A51-4108-AA02-DFA0A04FC94B}">
-                <ma14:wrappingTextBoxFlag xmlns:ma14="http://schemas.microsoft.com/office/mac/drawingml/2011/main" xmlns="" val="1"/>
+                <ma14:wrappingTextBoxFlag xmlns="" xmlns:ma14="http://schemas.microsoft.com/office/mac/drawingml/2011/main" val="1"/>
               </a:ext>
             </a:extLst>
           </p:spPr>
@@ -11438,7 +11439,7 @@
             <a:effectLst/>
             <a:extLst>
               <a:ext uri="{C572A759-6A51-4108-AA02-DFA0A04FC94B}">
-                <ma14:wrappingTextBoxFlag xmlns:ma14="http://schemas.microsoft.com/office/mac/drawingml/2011/main" xmlns="" val="1"/>
+                <ma14:wrappingTextBoxFlag xmlns="" xmlns:ma14="http://schemas.microsoft.com/office/mac/drawingml/2011/main" val="1"/>
               </a:ext>
             </a:extLst>
           </p:spPr>
@@ -11858,7 +11859,7 @@
             <a:effectLst/>
             <a:extLst>
               <a:ext uri="{C572A759-6A51-4108-AA02-DFA0A04FC94B}">
-                <ma14:wrappingTextBoxFlag xmlns:ma14="http://schemas.microsoft.com/office/mac/drawingml/2011/main" xmlns="" val="1"/>
+                <ma14:wrappingTextBoxFlag xmlns="" xmlns:ma14="http://schemas.microsoft.com/office/mac/drawingml/2011/main" val="1"/>
               </a:ext>
             </a:extLst>
           </p:spPr>
@@ -13356,7 +13357,7 @@
             <a:effectLst/>
             <a:extLst>
               <a:ext uri="{C572A759-6A51-4108-AA02-DFA0A04FC94B}">
-                <ma14:wrappingTextBoxFlag xmlns:ma14="http://schemas.microsoft.com/office/mac/drawingml/2011/main" xmlns="" val="1"/>
+                <ma14:wrappingTextBoxFlag xmlns="" xmlns:ma14="http://schemas.microsoft.com/office/mac/drawingml/2011/main" val="1"/>
               </a:ext>
             </a:extLst>
           </p:spPr>
@@ -14121,7 +14122,7 @@
             <a:effectLst/>
             <a:extLst>
               <a:ext uri="{C572A759-6A51-4108-AA02-DFA0A04FC94B}">
-                <ma14:wrappingTextBoxFlag xmlns="" xmlns:ma14="http://schemas.microsoft.com/office/mac/drawingml/2011/main" val="1"/>
+                <ma14:wrappingTextBoxFlag xmlns:ma14="http://schemas.microsoft.com/office/mac/drawingml/2011/main" xmlns="" val="1"/>
               </a:ext>
             </a:extLst>
           </p:spPr>
@@ -14237,7 +14238,7 @@
             <a:effectLst/>
             <a:extLst>
               <a:ext uri="{C572A759-6A51-4108-AA02-DFA0A04FC94B}">
-                <ma14:wrappingTextBoxFlag xmlns="" xmlns:ma14="http://schemas.microsoft.com/office/mac/drawingml/2011/main" val="1"/>
+                <ma14:wrappingTextBoxFlag xmlns:ma14="http://schemas.microsoft.com/office/mac/drawingml/2011/main" xmlns="" val="1"/>
               </a:ext>
             </a:extLst>
           </p:spPr>
@@ -14353,7 +14354,7 @@
             <a:effectLst/>
             <a:extLst>
               <a:ext uri="{C572A759-6A51-4108-AA02-DFA0A04FC94B}">
-                <ma14:wrappingTextBoxFlag xmlns="" xmlns:ma14="http://schemas.microsoft.com/office/mac/drawingml/2011/main" val="1"/>
+                <ma14:wrappingTextBoxFlag xmlns:ma14="http://schemas.microsoft.com/office/mac/drawingml/2011/main" xmlns="" val="1"/>
               </a:ext>
             </a:extLst>
           </p:spPr>
@@ -14469,7 +14470,7 @@
             <a:effectLst/>
             <a:extLst>
               <a:ext uri="{C572A759-6A51-4108-AA02-DFA0A04FC94B}">
-                <ma14:wrappingTextBoxFlag xmlns="" xmlns:ma14="http://schemas.microsoft.com/office/mac/drawingml/2011/main" val="1"/>
+                <ma14:wrappingTextBoxFlag xmlns:ma14="http://schemas.microsoft.com/office/mac/drawingml/2011/main" xmlns="" val="1"/>
               </a:ext>
             </a:extLst>
           </p:spPr>
@@ -14585,7 +14586,7 @@
             <a:effectLst/>
             <a:extLst>
               <a:ext uri="{C572A759-6A51-4108-AA02-DFA0A04FC94B}">
-                <ma14:wrappingTextBoxFlag xmlns="" xmlns:ma14="http://schemas.microsoft.com/office/mac/drawingml/2011/main" val="1"/>
+                <ma14:wrappingTextBoxFlag xmlns:ma14="http://schemas.microsoft.com/office/mac/drawingml/2011/main" xmlns="" val="1"/>
               </a:ext>
             </a:extLst>
           </p:spPr>
@@ -14701,7 +14702,7 @@
             <a:effectLst/>
             <a:extLst>
               <a:ext uri="{C572A759-6A51-4108-AA02-DFA0A04FC94B}">
-                <ma14:wrappingTextBoxFlag xmlns="" xmlns:ma14="http://schemas.microsoft.com/office/mac/drawingml/2011/main" val="1"/>
+                <ma14:wrappingTextBoxFlag xmlns:ma14="http://schemas.microsoft.com/office/mac/drawingml/2011/main" xmlns="" val="1"/>
               </a:ext>
             </a:extLst>
           </p:spPr>
@@ -16381,7 +16382,7 @@
             <a:effectLst/>
             <a:extLst>
               <a:ext uri="{C572A759-6A51-4108-AA02-DFA0A04FC94B}">
-                <ma14:wrappingTextBoxFlag xmlns:ma14="http://schemas.microsoft.com/office/mac/drawingml/2011/main" xmlns="" val="1"/>
+                <ma14:wrappingTextBoxFlag xmlns="" xmlns:ma14="http://schemas.microsoft.com/office/mac/drawingml/2011/main" val="1"/>
               </a:ext>
             </a:extLst>
           </p:spPr>
@@ -17034,7 +17035,7 @@
             <a:effectLst/>
             <a:extLst>
               <a:ext uri="{C572A759-6A51-4108-AA02-DFA0A04FC94B}">
-                <ma14:wrappingTextBoxFlag xmlns="" xmlns:ma14="http://schemas.microsoft.com/office/mac/drawingml/2011/main" val="1"/>
+                <ma14:wrappingTextBoxFlag xmlns:ma14="http://schemas.microsoft.com/office/mac/drawingml/2011/main" xmlns="" val="1"/>
               </a:ext>
             </a:extLst>
           </p:spPr>
@@ -17523,7 +17524,7 @@
             <a:effectLst/>
             <a:extLst>
               <a:ext uri="{C572A759-6A51-4108-AA02-DFA0A04FC94B}">
-                <ma14:wrappingTextBoxFlag xmlns:ma14="http://schemas.microsoft.com/office/mac/drawingml/2011/main" xmlns="" val="1"/>
+                <ma14:wrappingTextBoxFlag xmlns="" xmlns:ma14="http://schemas.microsoft.com/office/mac/drawingml/2011/main" val="1"/>
               </a:ext>
             </a:extLst>
           </p:spPr>
@@ -17639,7 +17640,7 @@
             <a:effectLst/>
             <a:extLst>
               <a:ext uri="{C572A759-6A51-4108-AA02-DFA0A04FC94B}">
-                <ma14:wrappingTextBoxFlag xmlns:ma14="http://schemas.microsoft.com/office/mac/drawingml/2011/main" xmlns="" val="1"/>
+                <ma14:wrappingTextBoxFlag xmlns="" xmlns:ma14="http://schemas.microsoft.com/office/mac/drawingml/2011/main" val="1"/>
               </a:ext>
             </a:extLst>
           </p:spPr>
@@ -17969,7 +17970,7 @@
             <a:effectLst/>
             <a:extLst>
               <a:ext uri="{C572A759-6A51-4108-AA02-DFA0A04FC94B}">
-                <ma14:wrappingTextBoxFlag xmlns:ma14="http://schemas.microsoft.com/office/mac/drawingml/2011/main" xmlns="" val="1"/>
+                <ma14:wrappingTextBoxFlag xmlns="" xmlns:ma14="http://schemas.microsoft.com/office/mac/drawingml/2011/main" val="1"/>
               </a:ext>
             </a:extLst>
           </p:spPr>
@@ -18397,7 +18398,7 @@
             <a:effectLst/>
             <a:extLst>
               <a:ext uri="{C572A759-6A51-4108-AA02-DFA0A04FC94B}">
-                <ma14:wrappingTextBoxFlag xmlns:ma14="http://schemas.microsoft.com/office/mac/drawingml/2011/main" xmlns="" val="1"/>
+                <ma14:wrappingTextBoxFlag xmlns="" xmlns:ma14="http://schemas.microsoft.com/office/mac/drawingml/2011/main" val="1"/>
               </a:ext>
             </a:extLst>
           </p:spPr>
@@ -19380,7 +19381,7 @@
             <a:effectLst/>
             <a:extLst>
               <a:ext uri="{C572A759-6A51-4108-AA02-DFA0A04FC94B}">
-                <ma14:wrappingTextBoxFlag xmlns:ma14="http://schemas.microsoft.com/office/mac/drawingml/2011/main" xmlns="" val="1"/>
+                <ma14:wrappingTextBoxFlag xmlns="" xmlns:ma14="http://schemas.microsoft.com/office/mac/drawingml/2011/main" val="1"/>
               </a:ext>
             </a:extLst>
           </p:spPr>
@@ -19635,7 +19636,7 @@
             <a:effectLst/>
             <a:extLst>
               <a:ext uri="{C572A759-6A51-4108-AA02-DFA0A04FC94B}">
-                <ma14:wrappingTextBoxFlag xmlns:ma14="http://schemas.microsoft.com/office/mac/drawingml/2011/main" xmlns="" val="1"/>
+                <ma14:wrappingTextBoxFlag xmlns="" xmlns:ma14="http://schemas.microsoft.com/office/mac/drawingml/2011/main" val="1"/>
               </a:ext>
             </a:extLst>
           </p:spPr>
@@ -19965,7 +19966,7 @@
             <a:effectLst/>
             <a:extLst>
               <a:ext uri="{C572A759-6A51-4108-AA02-DFA0A04FC94B}">
-                <ma14:wrappingTextBoxFlag xmlns:ma14="http://schemas.microsoft.com/office/mac/drawingml/2011/main" xmlns="" val="1"/>
+                <ma14:wrappingTextBoxFlag xmlns="" xmlns:ma14="http://schemas.microsoft.com/office/mac/drawingml/2011/main" val="1"/>
               </a:ext>
             </a:extLst>
           </p:spPr>
@@ -20192,7 +20193,7 @@
             <a:effectLst/>
             <a:extLst>
               <a:ext uri="{C572A759-6A51-4108-AA02-DFA0A04FC94B}">
-                <ma14:wrappingTextBoxFlag xmlns:ma14="http://schemas.microsoft.com/office/mac/drawingml/2011/main" xmlns="" val="1"/>
+                <ma14:wrappingTextBoxFlag xmlns="" xmlns:ma14="http://schemas.microsoft.com/office/mac/drawingml/2011/main" val="1"/>
               </a:ext>
             </a:extLst>
           </p:spPr>
@@ -20533,7 +20534,7 @@
             <a:effectLst/>
             <a:extLst>
               <a:ext uri="{C572A759-6A51-4108-AA02-DFA0A04FC94B}">
-                <ma14:wrappingTextBoxFlag xmlns:ma14="http://schemas.microsoft.com/office/mac/drawingml/2011/main" xmlns="" val="1"/>
+                <ma14:wrappingTextBoxFlag xmlns="" xmlns:ma14="http://schemas.microsoft.com/office/mac/drawingml/2011/main" val="1"/>
               </a:ext>
             </a:extLst>
           </p:spPr>
@@ -21171,7 +21172,7 @@
             <a:effectLst/>
             <a:extLst>
               <a:ext uri="{C572A759-6A51-4108-AA02-DFA0A04FC94B}">
-                <ma14:wrappingTextBoxFlag xmlns:ma14="http://schemas.microsoft.com/office/mac/drawingml/2011/main" xmlns="" val="1"/>
+                <ma14:wrappingTextBoxFlag xmlns="" xmlns:ma14="http://schemas.microsoft.com/office/mac/drawingml/2011/main" val="1"/>
               </a:ext>
             </a:extLst>
           </p:spPr>
@@ -21287,7 +21288,7 @@
             <a:effectLst/>
             <a:extLst>
               <a:ext uri="{C572A759-6A51-4108-AA02-DFA0A04FC94B}">
-                <ma14:wrappingTextBoxFlag xmlns:ma14="http://schemas.microsoft.com/office/mac/drawingml/2011/main" xmlns="" val="1"/>
+                <ma14:wrappingTextBoxFlag xmlns="" xmlns:ma14="http://schemas.microsoft.com/office/mac/drawingml/2011/main" val="1"/>
               </a:ext>
             </a:extLst>
           </p:spPr>
@@ -21329,6 +21330,2073 @@
     <p:extLst>
       <p:ext uri="{BB962C8B-B14F-4D97-AF65-F5344CB8AC3E}">
         <p14:creationId xmlns:p14="http://schemas.microsoft.com/office/powerpoint/2010/main" val="2508026820"/>
+      </p:ext>
+    </p:extLst>
+  </p:cSld>
+  <p:clrMapOvr>
+    <a:masterClrMapping/>
+  </p:clrMapOvr>
+</p:sld>
+</file>
+
+<file path=ppt/slides/slide7.xml><?xml version="1.0" encoding="utf-8"?>
+<p:sld xmlns:a="http://schemas.openxmlformats.org/drawingml/2006/main" xmlns:r="http://schemas.openxmlformats.org/officeDocument/2006/relationships" xmlns:p="http://schemas.openxmlformats.org/presentationml/2006/main">
+  <p:cSld>
+    <p:spTree>
+      <p:nvGrpSpPr>
+        <p:cNvPr id="1" name=""/>
+        <p:cNvGrpSpPr/>
+        <p:nvPr/>
+      </p:nvGrpSpPr>
+      <p:grpSpPr>
+        <a:xfrm>
+          <a:off x="0" y="0"/>
+          <a:ext cx="0" cy="0"/>
+          <a:chOff x="0" y="0"/>
+          <a:chExt cx="0" cy="0"/>
+        </a:xfrm>
+      </p:grpSpPr>
+      <p:sp>
+        <p:nvSpPr>
+          <p:cNvPr id="2" name="Title 1">
+            <a:extLst>
+              <a:ext uri="{FF2B5EF4-FFF2-40B4-BE49-F238E27FC236}">
+                <a16:creationId xmlns:a16="http://schemas.microsoft.com/office/drawing/2014/main" id="{F4C8D041-20CE-1142-96AF-4A4C7092343E}"/>
+              </a:ext>
+            </a:extLst>
+          </p:cNvPr>
+          <p:cNvSpPr>
+            <a:spLocks noGrp="1"/>
+          </p:cNvSpPr>
+          <p:nvPr>
+            <p:ph type="title"/>
+          </p:nvPr>
+        </p:nvSpPr>
+        <p:spPr/>
+        <p:txBody>
+          <a:bodyPr/>
+          <a:lstStyle/>
+          <a:p>
+            <a:r>
+              <a:rPr lang="en-US" dirty="0"/>
+              <a:t>AWS Kinesis</a:t>
+            </a:r>
+            <a:endParaRPr dirty="0"/>
+          </a:p>
+        </p:txBody>
+      </p:sp>
+      <p:sp>
+        <p:nvSpPr>
+          <p:cNvPr id="3" name="Slide Number Placeholder 2">
+            <a:extLst>
+              <a:ext uri="{FF2B5EF4-FFF2-40B4-BE49-F238E27FC236}">
+                <a16:creationId xmlns:a16="http://schemas.microsoft.com/office/drawing/2014/main" id="{1CF81344-FFEA-7744-B8D2-829A0D648D69}"/>
+              </a:ext>
+            </a:extLst>
+          </p:cNvPr>
+          <p:cNvSpPr>
+            <a:spLocks noGrp="1"/>
+          </p:cNvSpPr>
+          <p:nvPr>
+            <p:ph type="sldNum" sz="quarter" idx="10"/>
+          </p:nvPr>
+        </p:nvSpPr>
+        <p:spPr/>
+        <p:txBody>
+          <a:bodyPr/>
+          <a:lstStyle/>
+          <a:p>
+            <a:pPr defTabSz="911231" eaLnBrk="1" fontAlgn="auto" hangingPunct="1">
+              <a:spcBef>
+                <a:spcPts val="0"/>
+              </a:spcBef>
+              <a:spcAft>
+                <a:spcPts val="0"/>
+              </a:spcAft>
+              <a:defRPr/>
+            </a:pPr>
+            <a:r>
+              <a:rPr lang="en-US" altLang="en-US">
+                <a:solidFill>
+                  <a:srgbClr val="FFFFFF"/>
+                </a:solidFill>
+                <a:latin typeface="Arial"/>
+                <a:ea typeface="ＭＳ Ｐゴシック" charset="0"/>
+                <a:cs typeface="Arial"/>
+                <a:sym typeface="Helvetica" charset="0"/>
+              </a:rPr>
+              <a:t>IBM Confidential – Page </a:t>
+            </a:r>
+            <a:fld id="{E29CC0C0-E046-4664-B80A-AA818B18C835}" type="slidenum">
+              <a:rPr lang="en-US" altLang="en-US" smtClean="0">
+                <a:solidFill>
+                  <a:srgbClr val="FFFFFF"/>
+                </a:solidFill>
+                <a:latin typeface="Arial"/>
+                <a:ea typeface="ＭＳ Ｐゴシック" charset="0"/>
+                <a:cs typeface="Arial"/>
+                <a:sym typeface="Helvetica" charset="0"/>
+              </a:rPr>
+              <a:pPr defTabSz="911231" eaLnBrk="1" fontAlgn="auto" hangingPunct="1">
+                <a:spcBef>
+                  <a:spcPts val="0"/>
+                </a:spcBef>
+                <a:spcAft>
+                  <a:spcPts val="0"/>
+                </a:spcAft>
+                <a:defRPr/>
+              </a:pPr>
+              <a:t>7</a:t>
+            </a:fld>
+            <a:endParaRPr lang="en-US" altLang="en-US">
+              <a:solidFill>
+                <a:srgbClr val="FFFFFF"/>
+              </a:solidFill>
+              <a:latin typeface="Arial"/>
+              <a:ea typeface="ＭＳ Ｐゴシック" charset="0"/>
+              <a:cs typeface="Arial"/>
+              <a:sym typeface="Helvetica" charset="0"/>
+            </a:endParaRPr>
+          </a:p>
+        </p:txBody>
+      </p:sp>
+      <p:sp>
+        <p:nvSpPr>
+          <p:cNvPr id="4" name="Rectangle 3">
+            <a:extLst>
+              <a:ext uri="{FF2B5EF4-FFF2-40B4-BE49-F238E27FC236}">
+                <a16:creationId xmlns:a16="http://schemas.microsoft.com/office/drawing/2014/main" id="{8F5351DF-B125-0F44-AAA1-7C4CBF695544}"/>
+              </a:ext>
+            </a:extLst>
+          </p:cNvPr>
+          <p:cNvSpPr/>
+          <p:nvPr/>
+        </p:nvSpPr>
+        <p:spPr>
+          <a:xfrm>
+            <a:off x="2364060" y="1279602"/>
+            <a:ext cx="4530812" cy="3122341"/>
+          </a:xfrm>
+          <a:custGeom>
+            <a:avLst/>
+            <a:gdLst>
+              <a:gd name="connsiteX0" fmla="*/ 0 w 4530812"/>
+              <a:gd name="connsiteY0" fmla="*/ 0 h 3122341"/>
+              <a:gd name="connsiteX1" fmla="*/ 521043 w 4530812"/>
+              <a:gd name="connsiteY1" fmla="*/ 0 h 3122341"/>
+              <a:gd name="connsiteX2" fmla="*/ 951471 w 4530812"/>
+              <a:gd name="connsiteY2" fmla="*/ 0 h 3122341"/>
+              <a:gd name="connsiteX3" fmla="*/ 1608438 w 4530812"/>
+              <a:gd name="connsiteY3" fmla="*/ 0 h 3122341"/>
+              <a:gd name="connsiteX4" fmla="*/ 2129482 w 4530812"/>
+              <a:gd name="connsiteY4" fmla="*/ 0 h 3122341"/>
+              <a:gd name="connsiteX5" fmla="*/ 2650525 w 4530812"/>
+              <a:gd name="connsiteY5" fmla="*/ 0 h 3122341"/>
+              <a:gd name="connsiteX6" fmla="*/ 3307493 w 4530812"/>
+              <a:gd name="connsiteY6" fmla="*/ 0 h 3122341"/>
+              <a:gd name="connsiteX7" fmla="*/ 3783228 w 4530812"/>
+              <a:gd name="connsiteY7" fmla="*/ 0 h 3122341"/>
+              <a:gd name="connsiteX8" fmla="*/ 4530812 w 4530812"/>
+              <a:gd name="connsiteY8" fmla="*/ 0 h 3122341"/>
+              <a:gd name="connsiteX9" fmla="*/ 4530812 w 4530812"/>
+              <a:gd name="connsiteY9" fmla="*/ 582837 h 3122341"/>
+              <a:gd name="connsiteX10" fmla="*/ 4530812 w 4530812"/>
+              <a:gd name="connsiteY10" fmla="*/ 1040780 h 3122341"/>
+              <a:gd name="connsiteX11" fmla="*/ 4530812 w 4530812"/>
+              <a:gd name="connsiteY11" fmla="*/ 1561171 h 3122341"/>
+              <a:gd name="connsiteX12" fmla="*/ 4530812 w 4530812"/>
+              <a:gd name="connsiteY12" fmla="*/ 2112784 h 3122341"/>
+              <a:gd name="connsiteX13" fmla="*/ 4530812 w 4530812"/>
+              <a:gd name="connsiteY13" fmla="*/ 2539504 h 3122341"/>
+              <a:gd name="connsiteX14" fmla="*/ 4530812 w 4530812"/>
+              <a:gd name="connsiteY14" fmla="*/ 3122341 h 3122341"/>
+              <a:gd name="connsiteX15" fmla="*/ 3964461 w 4530812"/>
+              <a:gd name="connsiteY15" fmla="*/ 3122341 h 3122341"/>
+              <a:gd name="connsiteX16" fmla="*/ 3398109 w 4530812"/>
+              <a:gd name="connsiteY16" fmla="*/ 3122341 h 3122341"/>
+              <a:gd name="connsiteX17" fmla="*/ 2741141 w 4530812"/>
+              <a:gd name="connsiteY17" fmla="*/ 3122341 h 3122341"/>
+              <a:gd name="connsiteX18" fmla="*/ 2174790 w 4530812"/>
+              <a:gd name="connsiteY18" fmla="*/ 3122341 h 3122341"/>
+              <a:gd name="connsiteX19" fmla="*/ 1744363 w 4530812"/>
+              <a:gd name="connsiteY19" fmla="*/ 3122341 h 3122341"/>
+              <a:gd name="connsiteX20" fmla="*/ 1268627 w 4530812"/>
+              <a:gd name="connsiteY20" fmla="*/ 3122341 h 3122341"/>
+              <a:gd name="connsiteX21" fmla="*/ 611660 w 4530812"/>
+              <a:gd name="connsiteY21" fmla="*/ 3122341 h 3122341"/>
+              <a:gd name="connsiteX22" fmla="*/ 0 w 4530812"/>
+              <a:gd name="connsiteY22" fmla="*/ 3122341 h 3122341"/>
+              <a:gd name="connsiteX23" fmla="*/ 0 w 4530812"/>
+              <a:gd name="connsiteY23" fmla="*/ 2664398 h 3122341"/>
+              <a:gd name="connsiteX24" fmla="*/ 0 w 4530812"/>
+              <a:gd name="connsiteY24" fmla="*/ 2175231 h 3122341"/>
+              <a:gd name="connsiteX25" fmla="*/ 0 w 4530812"/>
+              <a:gd name="connsiteY25" fmla="*/ 1748511 h 3122341"/>
+              <a:gd name="connsiteX26" fmla="*/ 0 w 4530812"/>
+              <a:gd name="connsiteY26" fmla="*/ 1321791 h 3122341"/>
+              <a:gd name="connsiteX27" fmla="*/ 0 w 4530812"/>
+              <a:gd name="connsiteY27" fmla="*/ 770177 h 3122341"/>
+              <a:gd name="connsiteX28" fmla="*/ 0 w 4530812"/>
+              <a:gd name="connsiteY28" fmla="*/ 0 h 3122341"/>
+            </a:gdLst>
+            <a:ahLst/>
+            <a:cxnLst>
+              <a:cxn ang="0">
+                <a:pos x="connsiteX0" y="connsiteY0"/>
+              </a:cxn>
+              <a:cxn ang="0">
+                <a:pos x="connsiteX1" y="connsiteY1"/>
+              </a:cxn>
+              <a:cxn ang="0">
+                <a:pos x="connsiteX2" y="connsiteY2"/>
+              </a:cxn>
+              <a:cxn ang="0">
+                <a:pos x="connsiteX3" y="connsiteY3"/>
+              </a:cxn>
+              <a:cxn ang="0">
+                <a:pos x="connsiteX4" y="connsiteY4"/>
+              </a:cxn>
+              <a:cxn ang="0">
+                <a:pos x="connsiteX5" y="connsiteY5"/>
+              </a:cxn>
+              <a:cxn ang="0">
+                <a:pos x="connsiteX6" y="connsiteY6"/>
+              </a:cxn>
+              <a:cxn ang="0">
+                <a:pos x="connsiteX7" y="connsiteY7"/>
+              </a:cxn>
+              <a:cxn ang="0">
+                <a:pos x="connsiteX8" y="connsiteY8"/>
+              </a:cxn>
+              <a:cxn ang="0">
+                <a:pos x="connsiteX9" y="connsiteY9"/>
+              </a:cxn>
+              <a:cxn ang="0">
+                <a:pos x="connsiteX10" y="connsiteY10"/>
+              </a:cxn>
+              <a:cxn ang="0">
+                <a:pos x="connsiteX11" y="connsiteY11"/>
+              </a:cxn>
+              <a:cxn ang="0">
+                <a:pos x="connsiteX12" y="connsiteY12"/>
+              </a:cxn>
+              <a:cxn ang="0">
+                <a:pos x="connsiteX13" y="connsiteY13"/>
+              </a:cxn>
+              <a:cxn ang="0">
+                <a:pos x="connsiteX14" y="connsiteY14"/>
+              </a:cxn>
+              <a:cxn ang="0">
+                <a:pos x="connsiteX15" y="connsiteY15"/>
+              </a:cxn>
+              <a:cxn ang="0">
+                <a:pos x="connsiteX16" y="connsiteY16"/>
+              </a:cxn>
+              <a:cxn ang="0">
+                <a:pos x="connsiteX17" y="connsiteY17"/>
+              </a:cxn>
+              <a:cxn ang="0">
+                <a:pos x="connsiteX18" y="connsiteY18"/>
+              </a:cxn>
+              <a:cxn ang="0">
+                <a:pos x="connsiteX19" y="connsiteY19"/>
+              </a:cxn>
+              <a:cxn ang="0">
+                <a:pos x="connsiteX20" y="connsiteY20"/>
+              </a:cxn>
+              <a:cxn ang="0">
+                <a:pos x="connsiteX21" y="connsiteY21"/>
+              </a:cxn>
+              <a:cxn ang="0">
+                <a:pos x="connsiteX22" y="connsiteY22"/>
+              </a:cxn>
+              <a:cxn ang="0">
+                <a:pos x="connsiteX23" y="connsiteY23"/>
+              </a:cxn>
+              <a:cxn ang="0">
+                <a:pos x="connsiteX24" y="connsiteY24"/>
+              </a:cxn>
+              <a:cxn ang="0">
+                <a:pos x="connsiteX25" y="connsiteY25"/>
+              </a:cxn>
+              <a:cxn ang="0">
+                <a:pos x="connsiteX26" y="connsiteY26"/>
+              </a:cxn>
+              <a:cxn ang="0">
+                <a:pos x="connsiteX27" y="connsiteY27"/>
+              </a:cxn>
+              <a:cxn ang="0">
+                <a:pos x="connsiteX28" y="connsiteY28"/>
+              </a:cxn>
+            </a:cxnLst>
+            <a:rect l="l" t="t" r="r" b="b"/>
+            <a:pathLst>
+              <a:path w="4530812" h="3122341" extrusionOk="0">
+                <a:moveTo>
+                  <a:pt x="0" y="0"/>
+                </a:moveTo>
+                <a:cubicBezTo>
+                  <a:pt x="155304" y="-38422"/>
+                  <a:pt x="288727" y="50383"/>
+                  <a:pt x="521043" y="0"/>
+                </a:cubicBezTo>
+                <a:cubicBezTo>
+                  <a:pt x="753359" y="-50383"/>
+                  <a:pt x="740233" y="4581"/>
+                  <a:pt x="951471" y="0"/>
+                </a:cubicBezTo>
+                <a:cubicBezTo>
+                  <a:pt x="1162709" y="-4581"/>
+                  <a:pt x="1385872" y="44030"/>
+                  <a:pt x="1608438" y="0"/>
+                </a:cubicBezTo>
+                <a:cubicBezTo>
+                  <a:pt x="1831004" y="-44030"/>
+                  <a:pt x="1962348" y="60515"/>
+                  <a:pt x="2129482" y="0"/>
+                </a:cubicBezTo>
+                <a:cubicBezTo>
+                  <a:pt x="2296616" y="-60515"/>
+                  <a:pt x="2412501" y="25561"/>
+                  <a:pt x="2650525" y="0"/>
+                </a:cubicBezTo>
+                <a:cubicBezTo>
+                  <a:pt x="2888549" y="-25561"/>
+                  <a:pt x="3077760" y="53226"/>
+                  <a:pt x="3307493" y="0"/>
+                </a:cubicBezTo>
+                <a:cubicBezTo>
+                  <a:pt x="3537226" y="-53226"/>
+                  <a:pt x="3583819" y="33092"/>
+                  <a:pt x="3783228" y="0"/>
+                </a:cubicBezTo>
+                <a:cubicBezTo>
+                  <a:pt x="3982637" y="-33092"/>
+                  <a:pt x="4354250" y="48548"/>
+                  <a:pt x="4530812" y="0"/>
+                </a:cubicBezTo>
+                <a:cubicBezTo>
+                  <a:pt x="4551459" y="249764"/>
+                  <a:pt x="4527882" y="319631"/>
+                  <a:pt x="4530812" y="582837"/>
+                </a:cubicBezTo>
+                <a:cubicBezTo>
+                  <a:pt x="4533742" y="846043"/>
+                  <a:pt x="4508848" y="832166"/>
+                  <a:pt x="4530812" y="1040780"/>
+                </a:cubicBezTo>
+                <a:cubicBezTo>
+                  <a:pt x="4552776" y="1249394"/>
+                  <a:pt x="4528435" y="1352555"/>
+                  <a:pt x="4530812" y="1561171"/>
+                </a:cubicBezTo>
+                <a:cubicBezTo>
+                  <a:pt x="4533189" y="1769787"/>
+                  <a:pt x="4515092" y="1887199"/>
+                  <a:pt x="4530812" y="2112784"/>
+                </a:cubicBezTo>
+                <a:cubicBezTo>
+                  <a:pt x="4546532" y="2338369"/>
+                  <a:pt x="4492755" y="2409011"/>
+                  <a:pt x="4530812" y="2539504"/>
+                </a:cubicBezTo>
+                <a:cubicBezTo>
+                  <a:pt x="4568869" y="2669997"/>
+                  <a:pt x="4476231" y="2909254"/>
+                  <a:pt x="4530812" y="3122341"/>
+                </a:cubicBezTo>
+                <a:cubicBezTo>
+                  <a:pt x="4353716" y="3139624"/>
+                  <a:pt x="4168108" y="3119922"/>
+                  <a:pt x="3964461" y="3122341"/>
+                </a:cubicBezTo>
+                <a:cubicBezTo>
+                  <a:pt x="3760814" y="3124760"/>
+                  <a:pt x="3664445" y="3119437"/>
+                  <a:pt x="3398109" y="3122341"/>
+                </a:cubicBezTo>
+                <a:cubicBezTo>
+                  <a:pt x="3131773" y="3125245"/>
+                  <a:pt x="2923760" y="3099989"/>
+                  <a:pt x="2741141" y="3122341"/>
+                </a:cubicBezTo>
+                <a:cubicBezTo>
+                  <a:pt x="2558522" y="3144693"/>
+                  <a:pt x="2407946" y="3082305"/>
+                  <a:pt x="2174790" y="3122341"/>
+                </a:cubicBezTo>
+                <a:cubicBezTo>
+                  <a:pt x="1941634" y="3162377"/>
+                  <a:pt x="1906585" y="3105158"/>
+                  <a:pt x="1744363" y="3122341"/>
+                </a:cubicBezTo>
+                <a:cubicBezTo>
+                  <a:pt x="1582141" y="3139524"/>
+                  <a:pt x="1414561" y="3101227"/>
+                  <a:pt x="1268627" y="3122341"/>
+                </a:cubicBezTo>
+                <a:cubicBezTo>
+                  <a:pt x="1122693" y="3143455"/>
+                  <a:pt x="871740" y="3088194"/>
+                  <a:pt x="611660" y="3122341"/>
+                </a:cubicBezTo>
+                <a:cubicBezTo>
+                  <a:pt x="351580" y="3156488"/>
+                  <a:pt x="156175" y="3102756"/>
+                  <a:pt x="0" y="3122341"/>
+                </a:cubicBezTo>
+                <a:cubicBezTo>
+                  <a:pt x="-41283" y="2923256"/>
+                  <a:pt x="36651" y="2768520"/>
+                  <a:pt x="0" y="2664398"/>
+                </a:cubicBezTo>
+                <a:cubicBezTo>
+                  <a:pt x="-36651" y="2560276"/>
+                  <a:pt x="57058" y="2294337"/>
+                  <a:pt x="0" y="2175231"/>
+                </a:cubicBezTo>
+                <a:cubicBezTo>
+                  <a:pt x="-57058" y="2056125"/>
+                  <a:pt x="24643" y="1951099"/>
+                  <a:pt x="0" y="1748511"/>
+                </a:cubicBezTo>
+                <a:cubicBezTo>
+                  <a:pt x="-24643" y="1545923"/>
+                  <a:pt x="5466" y="1525361"/>
+                  <a:pt x="0" y="1321791"/>
+                </a:cubicBezTo>
+                <a:cubicBezTo>
+                  <a:pt x="-5466" y="1118221"/>
+                  <a:pt x="42284" y="908932"/>
+                  <a:pt x="0" y="770177"/>
+                </a:cubicBezTo>
+                <a:cubicBezTo>
+                  <a:pt x="-42284" y="631422"/>
+                  <a:pt x="17117" y="263400"/>
+                  <a:pt x="0" y="0"/>
+                </a:cubicBezTo>
+                <a:close/>
+              </a:path>
+            </a:pathLst>
+          </a:custGeom>
+          <a:noFill/>
+          <a:ln w="12700">
+            <a:solidFill>
+              <a:srgbClr val="7030A0"/>
+            </a:solidFill>
+            <a:extLst>
+              <a:ext uri="{C807C97D-BFC1-408E-A445-0C87EB9F89A2}">
+                <ask:lineSketchStyleProps xmlns:ask="http://schemas.microsoft.com/office/drawing/2018/sketchyshapes" sd="1219033472">
+                  <a:prstGeom prst="rect">
+                    <a:avLst/>
+                  </a:prstGeom>
+                  <ask:type>
+                    <ask:lineSketchScribble/>
+                  </ask:type>
+                </ask:lineSketchStyleProps>
+              </a:ext>
+            </a:extLst>
+          </a:ln>
+        </p:spPr>
+        <p:style>
+          <a:lnRef idx="2">
+            <a:schemeClr val="accent1">
+              <a:shade val="50000"/>
+            </a:schemeClr>
+          </a:lnRef>
+          <a:fillRef idx="1">
+            <a:schemeClr val="accent1"/>
+          </a:fillRef>
+          <a:effectRef idx="0">
+            <a:schemeClr val="accent1"/>
+          </a:effectRef>
+          <a:fontRef idx="minor">
+            <a:schemeClr val="lt1"/>
+          </a:fontRef>
+        </p:style>
+        <p:txBody>
+          <a:bodyPr rtlCol="0" anchor="b"/>
+          <a:lstStyle/>
+          <a:p>
+            <a:pPr algn="ctr"/>
+            <a:r>
+              <a:rPr lang="en-US" sz="1200" dirty="0">
+                <a:solidFill>
+                  <a:srgbClr val="7030A0"/>
+                </a:solidFill>
+              </a:rPr>
+              <a:t>Kinesis</a:t>
+            </a:r>
+            <a:endParaRPr sz="1200" dirty="0">
+              <a:solidFill>
+                <a:srgbClr val="7030A0"/>
+              </a:solidFill>
+            </a:endParaRPr>
+          </a:p>
+        </p:txBody>
+      </p:sp>
+      <p:sp>
+        <p:nvSpPr>
+          <p:cNvPr id="5" name="Rounded Rectangle 4">
+            <a:extLst>
+              <a:ext uri="{FF2B5EF4-FFF2-40B4-BE49-F238E27FC236}">
+                <a16:creationId xmlns:a16="http://schemas.microsoft.com/office/drawing/2014/main" id="{691D1D33-F0D7-E147-BE57-310B396645EF}"/>
+              </a:ext>
+            </a:extLst>
+          </p:cNvPr>
+          <p:cNvSpPr/>
+          <p:nvPr/>
+        </p:nvSpPr>
+        <p:spPr>
+          <a:xfrm>
+            <a:off x="609644" y="1466977"/>
+            <a:ext cx="1247167" cy="531368"/>
+          </a:xfrm>
+          <a:prstGeom prst="roundRect">
+            <a:avLst>
+              <a:gd name="adj" fmla="val 6808"/>
+            </a:avLst>
+          </a:prstGeom>
+          <a:solidFill>
+            <a:schemeClr val="accent6">
+              <a:lumMod val="60000"/>
+              <a:lumOff val="40000"/>
+            </a:schemeClr>
+          </a:solidFill>
+          <a:ln>
+            <a:noFill/>
+          </a:ln>
+          <a:effectLst>
+            <a:outerShdw blurRad="50800" dist="38100" dir="5400000" algn="t" rotWithShape="0">
+              <a:prstClr val="black">
+                <a:alpha val="40000"/>
+              </a:prstClr>
+            </a:outerShdw>
+          </a:effectLst>
+        </p:spPr>
+        <p:style>
+          <a:lnRef idx="2">
+            <a:schemeClr val="accent1">
+              <a:shade val="50000"/>
+            </a:schemeClr>
+          </a:lnRef>
+          <a:fillRef idx="1">
+            <a:schemeClr val="accent1"/>
+          </a:fillRef>
+          <a:effectRef idx="0">
+            <a:schemeClr val="accent1"/>
+          </a:effectRef>
+          <a:fontRef idx="minor">
+            <a:schemeClr val="lt1"/>
+          </a:fontRef>
+        </p:style>
+        <p:txBody>
+          <a:bodyPr rtlCol="0" anchor="t"/>
+          <a:lstStyle/>
+          <a:p>
+            <a:pPr algn="ctr"/>
+            <a:r>
+              <a:rPr lang="en-US" sz="1100" dirty="0"/>
+              <a:t>Click Stream</a:t>
+            </a:r>
+            <a:endParaRPr sz="1100" dirty="0"/>
+          </a:p>
+        </p:txBody>
+      </p:sp>
+      <p:sp>
+        <p:nvSpPr>
+          <p:cNvPr id="6" name="Rectangle 5">
+            <a:extLst>
+              <a:ext uri="{FF2B5EF4-FFF2-40B4-BE49-F238E27FC236}">
+                <a16:creationId xmlns:a16="http://schemas.microsoft.com/office/drawing/2014/main" id="{B15BCDEF-0707-EC4F-BF07-F53D8FCA0787}"/>
+              </a:ext>
+            </a:extLst>
+          </p:cNvPr>
+          <p:cNvSpPr/>
+          <p:nvPr/>
+        </p:nvSpPr>
+        <p:spPr>
+          <a:xfrm>
+            <a:off x="321899" y="1279602"/>
+            <a:ext cx="1861231" cy="3122341"/>
+          </a:xfrm>
+          <a:custGeom>
+            <a:avLst/>
+            <a:gdLst>
+              <a:gd name="connsiteX0" fmla="*/ 0 w 1861231"/>
+              <a:gd name="connsiteY0" fmla="*/ 0 h 3122341"/>
+              <a:gd name="connsiteX1" fmla="*/ 446695 w 1861231"/>
+              <a:gd name="connsiteY1" fmla="*/ 0 h 3122341"/>
+              <a:gd name="connsiteX2" fmla="*/ 856166 w 1861231"/>
+              <a:gd name="connsiteY2" fmla="*/ 0 h 3122341"/>
+              <a:gd name="connsiteX3" fmla="*/ 1358699 w 1861231"/>
+              <a:gd name="connsiteY3" fmla="*/ 0 h 3122341"/>
+              <a:gd name="connsiteX4" fmla="*/ 1861231 w 1861231"/>
+              <a:gd name="connsiteY4" fmla="*/ 0 h 3122341"/>
+              <a:gd name="connsiteX5" fmla="*/ 1861231 w 1861231"/>
+              <a:gd name="connsiteY5" fmla="*/ 489167 h 3122341"/>
+              <a:gd name="connsiteX6" fmla="*/ 1861231 w 1861231"/>
+              <a:gd name="connsiteY6" fmla="*/ 947110 h 3122341"/>
+              <a:gd name="connsiteX7" fmla="*/ 1861231 w 1861231"/>
+              <a:gd name="connsiteY7" fmla="*/ 1467500 h 3122341"/>
+              <a:gd name="connsiteX8" fmla="*/ 1861231 w 1861231"/>
+              <a:gd name="connsiteY8" fmla="*/ 1987890 h 3122341"/>
+              <a:gd name="connsiteX9" fmla="*/ 1861231 w 1861231"/>
+              <a:gd name="connsiteY9" fmla="*/ 2445834 h 3122341"/>
+              <a:gd name="connsiteX10" fmla="*/ 1861231 w 1861231"/>
+              <a:gd name="connsiteY10" fmla="*/ 3122341 h 3122341"/>
+              <a:gd name="connsiteX11" fmla="*/ 1395923 w 1861231"/>
+              <a:gd name="connsiteY11" fmla="*/ 3122341 h 3122341"/>
+              <a:gd name="connsiteX12" fmla="*/ 949228 w 1861231"/>
+              <a:gd name="connsiteY12" fmla="*/ 3122341 h 3122341"/>
+              <a:gd name="connsiteX13" fmla="*/ 446695 w 1861231"/>
+              <a:gd name="connsiteY13" fmla="*/ 3122341 h 3122341"/>
+              <a:gd name="connsiteX14" fmla="*/ 0 w 1861231"/>
+              <a:gd name="connsiteY14" fmla="*/ 3122341 h 3122341"/>
+              <a:gd name="connsiteX15" fmla="*/ 0 w 1861231"/>
+              <a:gd name="connsiteY15" fmla="*/ 2664398 h 3122341"/>
+              <a:gd name="connsiteX16" fmla="*/ 0 w 1861231"/>
+              <a:gd name="connsiteY16" fmla="*/ 2144007 h 3122341"/>
+              <a:gd name="connsiteX17" fmla="*/ 0 w 1861231"/>
+              <a:gd name="connsiteY17" fmla="*/ 1654841 h 3122341"/>
+              <a:gd name="connsiteX18" fmla="*/ 0 w 1861231"/>
+              <a:gd name="connsiteY18" fmla="*/ 1228121 h 3122341"/>
+              <a:gd name="connsiteX19" fmla="*/ 0 w 1861231"/>
+              <a:gd name="connsiteY19" fmla="*/ 770177 h 3122341"/>
+              <a:gd name="connsiteX20" fmla="*/ 0 w 1861231"/>
+              <a:gd name="connsiteY20" fmla="*/ 0 h 3122341"/>
+            </a:gdLst>
+            <a:ahLst/>
+            <a:cxnLst>
+              <a:cxn ang="0">
+                <a:pos x="connsiteX0" y="connsiteY0"/>
+              </a:cxn>
+              <a:cxn ang="0">
+                <a:pos x="connsiteX1" y="connsiteY1"/>
+              </a:cxn>
+              <a:cxn ang="0">
+                <a:pos x="connsiteX2" y="connsiteY2"/>
+              </a:cxn>
+              <a:cxn ang="0">
+                <a:pos x="connsiteX3" y="connsiteY3"/>
+              </a:cxn>
+              <a:cxn ang="0">
+                <a:pos x="connsiteX4" y="connsiteY4"/>
+              </a:cxn>
+              <a:cxn ang="0">
+                <a:pos x="connsiteX5" y="connsiteY5"/>
+              </a:cxn>
+              <a:cxn ang="0">
+                <a:pos x="connsiteX6" y="connsiteY6"/>
+              </a:cxn>
+              <a:cxn ang="0">
+                <a:pos x="connsiteX7" y="connsiteY7"/>
+              </a:cxn>
+              <a:cxn ang="0">
+                <a:pos x="connsiteX8" y="connsiteY8"/>
+              </a:cxn>
+              <a:cxn ang="0">
+                <a:pos x="connsiteX9" y="connsiteY9"/>
+              </a:cxn>
+              <a:cxn ang="0">
+                <a:pos x="connsiteX10" y="connsiteY10"/>
+              </a:cxn>
+              <a:cxn ang="0">
+                <a:pos x="connsiteX11" y="connsiteY11"/>
+              </a:cxn>
+              <a:cxn ang="0">
+                <a:pos x="connsiteX12" y="connsiteY12"/>
+              </a:cxn>
+              <a:cxn ang="0">
+                <a:pos x="connsiteX13" y="connsiteY13"/>
+              </a:cxn>
+              <a:cxn ang="0">
+                <a:pos x="connsiteX14" y="connsiteY14"/>
+              </a:cxn>
+              <a:cxn ang="0">
+                <a:pos x="connsiteX15" y="connsiteY15"/>
+              </a:cxn>
+              <a:cxn ang="0">
+                <a:pos x="connsiteX16" y="connsiteY16"/>
+              </a:cxn>
+              <a:cxn ang="0">
+                <a:pos x="connsiteX17" y="connsiteY17"/>
+              </a:cxn>
+              <a:cxn ang="0">
+                <a:pos x="connsiteX18" y="connsiteY18"/>
+              </a:cxn>
+              <a:cxn ang="0">
+                <a:pos x="connsiteX19" y="connsiteY19"/>
+              </a:cxn>
+              <a:cxn ang="0">
+                <a:pos x="connsiteX20" y="connsiteY20"/>
+              </a:cxn>
+            </a:cxnLst>
+            <a:rect l="l" t="t" r="r" b="b"/>
+            <a:pathLst>
+              <a:path w="1861231" h="3122341" extrusionOk="0">
+                <a:moveTo>
+                  <a:pt x="0" y="0"/>
+                </a:moveTo>
+                <a:cubicBezTo>
+                  <a:pt x="209539" y="-48619"/>
+                  <a:pt x="270638" y="50754"/>
+                  <a:pt x="446695" y="0"/>
+                </a:cubicBezTo>
+                <a:cubicBezTo>
+                  <a:pt x="622753" y="-50754"/>
+                  <a:pt x="736005" y="32983"/>
+                  <a:pt x="856166" y="0"/>
+                </a:cubicBezTo>
+                <a:cubicBezTo>
+                  <a:pt x="976327" y="-32983"/>
+                  <a:pt x="1147415" y="28385"/>
+                  <a:pt x="1358699" y="0"/>
+                </a:cubicBezTo>
+                <a:cubicBezTo>
+                  <a:pt x="1569983" y="-28385"/>
+                  <a:pt x="1750533" y="16033"/>
+                  <a:pt x="1861231" y="0"/>
+                </a:cubicBezTo>
+                <a:cubicBezTo>
+                  <a:pt x="1892344" y="234449"/>
+                  <a:pt x="1820799" y="340831"/>
+                  <a:pt x="1861231" y="489167"/>
+                </a:cubicBezTo>
+                <a:cubicBezTo>
+                  <a:pt x="1901663" y="637503"/>
+                  <a:pt x="1809304" y="793042"/>
+                  <a:pt x="1861231" y="947110"/>
+                </a:cubicBezTo>
+                <a:cubicBezTo>
+                  <a:pt x="1913158" y="1101178"/>
+                  <a:pt x="1821020" y="1277424"/>
+                  <a:pt x="1861231" y="1467500"/>
+                </a:cubicBezTo>
+                <a:cubicBezTo>
+                  <a:pt x="1901442" y="1657576"/>
+                  <a:pt x="1819975" y="1826786"/>
+                  <a:pt x="1861231" y="1987890"/>
+                </a:cubicBezTo>
+                <a:cubicBezTo>
+                  <a:pt x="1902487" y="2148994"/>
+                  <a:pt x="1831845" y="2316642"/>
+                  <a:pt x="1861231" y="2445834"/>
+                </a:cubicBezTo>
+                <a:cubicBezTo>
+                  <a:pt x="1890617" y="2575026"/>
+                  <a:pt x="1811663" y="2865650"/>
+                  <a:pt x="1861231" y="3122341"/>
+                </a:cubicBezTo>
+                <a:cubicBezTo>
+                  <a:pt x="1751225" y="3154185"/>
+                  <a:pt x="1625772" y="3107764"/>
+                  <a:pt x="1395923" y="3122341"/>
+                </a:cubicBezTo>
+                <a:cubicBezTo>
+                  <a:pt x="1166074" y="3136918"/>
+                  <a:pt x="1064446" y="3073505"/>
+                  <a:pt x="949228" y="3122341"/>
+                </a:cubicBezTo>
+                <a:cubicBezTo>
+                  <a:pt x="834011" y="3171177"/>
+                  <a:pt x="600752" y="3116089"/>
+                  <a:pt x="446695" y="3122341"/>
+                </a:cubicBezTo>
+                <a:cubicBezTo>
+                  <a:pt x="292638" y="3128593"/>
+                  <a:pt x="161934" y="3112594"/>
+                  <a:pt x="0" y="3122341"/>
+                </a:cubicBezTo>
+                <a:cubicBezTo>
+                  <a:pt x="-15621" y="2943394"/>
+                  <a:pt x="3160" y="2845476"/>
+                  <a:pt x="0" y="2664398"/>
+                </a:cubicBezTo>
+                <a:cubicBezTo>
+                  <a:pt x="-3160" y="2483320"/>
+                  <a:pt x="18069" y="2381205"/>
+                  <a:pt x="0" y="2144007"/>
+                </a:cubicBezTo>
+                <a:cubicBezTo>
+                  <a:pt x="-18069" y="1906809"/>
+                  <a:pt x="4220" y="1764735"/>
+                  <a:pt x="0" y="1654841"/>
+                </a:cubicBezTo>
+                <a:cubicBezTo>
+                  <a:pt x="-4220" y="1544947"/>
+                  <a:pt x="47808" y="1429256"/>
+                  <a:pt x="0" y="1228121"/>
+                </a:cubicBezTo>
+                <a:cubicBezTo>
+                  <a:pt x="-47808" y="1026986"/>
+                  <a:pt x="34737" y="958516"/>
+                  <a:pt x="0" y="770177"/>
+                </a:cubicBezTo>
+                <a:cubicBezTo>
+                  <a:pt x="-34737" y="581838"/>
+                  <a:pt x="88776" y="192183"/>
+                  <a:pt x="0" y="0"/>
+                </a:cubicBezTo>
+                <a:close/>
+              </a:path>
+            </a:pathLst>
+          </a:custGeom>
+          <a:noFill/>
+          <a:ln w="12700">
+            <a:solidFill>
+              <a:srgbClr val="7030A0"/>
+            </a:solidFill>
+            <a:extLst>
+              <a:ext uri="{C807C97D-BFC1-408E-A445-0C87EB9F89A2}">
+                <ask:lineSketchStyleProps xmlns:ask="http://schemas.microsoft.com/office/drawing/2018/sketchyshapes" sd="1219033472">
+                  <a:prstGeom prst="rect">
+                    <a:avLst/>
+                  </a:prstGeom>
+                  <ask:type>
+                    <ask:lineSketchScribble/>
+                  </ask:type>
+                </ask:lineSketchStyleProps>
+              </a:ext>
+            </a:extLst>
+          </a:ln>
+        </p:spPr>
+        <p:style>
+          <a:lnRef idx="2">
+            <a:schemeClr val="accent1">
+              <a:shade val="50000"/>
+            </a:schemeClr>
+          </a:lnRef>
+          <a:fillRef idx="1">
+            <a:schemeClr val="accent1"/>
+          </a:fillRef>
+          <a:effectRef idx="0">
+            <a:schemeClr val="accent1"/>
+          </a:effectRef>
+          <a:fontRef idx="minor">
+            <a:schemeClr val="lt1"/>
+          </a:fontRef>
+        </p:style>
+        <p:txBody>
+          <a:bodyPr rtlCol="0" anchor="b"/>
+          <a:lstStyle/>
+          <a:p>
+            <a:pPr algn="ctr"/>
+            <a:r>
+              <a:rPr lang="en-US" sz="1200" dirty="0">
+                <a:solidFill>
+                  <a:srgbClr val="7030A0"/>
+                </a:solidFill>
+              </a:rPr>
+              <a:t>Source</a:t>
+            </a:r>
+            <a:endParaRPr sz="1200" dirty="0">
+              <a:solidFill>
+                <a:srgbClr val="7030A0"/>
+              </a:solidFill>
+            </a:endParaRPr>
+          </a:p>
+        </p:txBody>
+      </p:sp>
+      <p:sp>
+        <p:nvSpPr>
+          <p:cNvPr id="7" name="Rounded Rectangle 6">
+            <a:extLst>
+              <a:ext uri="{FF2B5EF4-FFF2-40B4-BE49-F238E27FC236}">
+                <a16:creationId xmlns:a16="http://schemas.microsoft.com/office/drawing/2014/main" id="{8440B446-F88C-C841-8D73-1E75463B34DC}"/>
+              </a:ext>
+            </a:extLst>
+          </p:cNvPr>
+          <p:cNvSpPr/>
+          <p:nvPr/>
+        </p:nvSpPr>
+        <p:spPr>
+          <a:xfrm>
+            <a:off x="628930" y="2139770"/>
+            <a:ext cx="1247167" cy="531368"/>
+          </a:xfrm>
+          <a:prstGeom prst="roundRect">
+            <a:avLst>
+              <a:gd name="adj" fmla="val 6808"/>
+            </a:avLst>
+          </a:prstGeom>
+          <a:solidFill>
+            <a:schemeClr val="accent6">
+              <a:lumMod val="60000"/>
+              <a:lumOff val="40000"/>
+            </a:schemeClr>
+          </a:solidFill>
+          <a:ln>
+            <a:noFill/>
+          </a:ln>
+          <a:effectLst>
+            <a:outerShdw blurRad="50800" dist="38100" dir="5400000" algn="t" rotWithShape="0">
+              <a:prstClr val="black">
+                <a:alpha val="40000"/>
+              </a:prstClr>
+            </a:outerShdw>
+          </a:effectLst>
+        </p:spPr>
+        <p:style>
+          <a:lnRef idx="2">
+            <a:schemeClr val="accent1">
+              <a:shade val="50000"/>
+            </a:schemeClr>
+          </a:lnRef>
+          <a:fillRef idx="1">
+            <a:schemeClr val="accent1"/>
+          </a:fillRef>
+          <a:effectRef idx="0">
+            <a:schemeClr val="accent1"/>
+          </a:effectRef>
+          <a:fontRef idx="minor">
+            <a:schemeClr val="lt1"/>
+          </a:fontRef>
+        </p:style>
+        <p:txBody>
+          <a:bodyPr rtlCol="0" anchor="t"/>
+          <a:lstStyle/>
+          <a:p>
+            <a:pPr algn="ctr"/>
+            <a:r>
+              <a:rPr lang="en-US" sz="1100" dirty="0"/>
+              <a:t>IoT devices</a:t>
+            </a:r>
+            <a:endParaRPr sz="1100" dirty="0"/>
+          </a:p>
+        </p:txBody>
+      </p:sp>
+      <p:sp>
+        <p:nvSpPr>
+          <p:cNvPr id="8" name="Rounded Rectangle 7">
+            <a:extLst>
+              <a:ext uri="{FF2B5EF4-FFF2-40B4-BE49-F238E27FC236}">
+                <a16:creationId xmlns:a16="http://schemas.microsoft.com/office/drawing/2014/main" id="{9D705C53-E06D-AB4A-9BC4-62CBC304E4AE}"/>
+              </a:ext>
+            </a:extLst>
+          </p:cNvPr>
+          <p:cNvSpPr/>
+          <p:nvPr/>
+        </p:nvSpPr>
+        <p:spPr>
+          <a:xfrm>
+            <a:off x="628930" y="3577570"/>
+            <a:ext cx="1247167" cy="531368"/>
+          </a:xfrm>
+          <a:prstGeom prst="roundRect">
+            <a:avLst>
+              <a:gd name="adj" fmla="val 6808"/>
+            </a:avLst>
+          </a:prstGeom>
+          <a:solidFill>
+            <a:schemeClr val="accent6">
+              <a:lumMod val="60000"/>
+              <a:lumOff val="40000"/>
+            </a:schemeClr>
+          </a:solidFill>
+          <a:ln>
+            <a:noFill/>
+          </a:ln>
+          <a:effectLst>
+            <a:outerShdw blurRad="50800" dist="38100" dir="5400000" algn="t" rotWithShape="0">
+              <a:prstClr val="black">
+                <a:alpha val="40000"/>
+              </a:prstClr>
+            </a:outerShdw>
+          </a:effectLst>
+        </p:spPr>
+        <p:style>
+          <a:lnRef idx="2">
+            <a:schemeClr val="accent1">
+              <a:shade val="50000"/>
+            </a:schemeClr>
+          </a:lnRef>
+          <a:fillRef idx="1">
+            <a:schemeClr val="accent1"/>
+          </a:fillRef>
+          <a:effectRef idx="0">
+            <a:schemeClr val="accent1"/>
+          </a:effectRef>
+          <a:fontRef idx="minor">
+            <a:schemeClr val="lt1"/>
+          </a:fontRef>
+        </p:style>
+        <p:txBody>
+          <a:bodyPr rtlCol="0" anchor="t"/>
+          <a:lstStyle/>
+          <a:p>
+            <a:pPr algn="ctr"/>
+            <a:r>
+              <a:rPr lang="en-US" sz="1100" dirty="0"/>
+              <a:t>Metrics | Logs</a:t>
+            </a:r>
+            <a:endParaRPr sz="1100" dirty="0"/>
+          </a:p>
+        </p:txBody>
+      </p:sp>
+      <p:sp>
+        <p:nvSpPr>
+          <p:cNvPr id="9" name="Rounded Rectangle 8">
+            <a:extLst>
+              <a:ext uri="{FF2B5EF4-FFF2-40B4-BE49-F238E27FC236}">
+                <a16:creationId xmlns:a16="http://schemas.microsoft.com/office/drawing/2014/main" id="{473E7DCB-CD79-814C-9B00-D1C2D5FDBD2F}"/>
+              </a:ext>
+            </a:extLst>
+          </p:cNvPr>
+          <p:cNvSpPr/>
+          <p:nvPr/>
+        </p:nvSpPr>
+        <p:spPr>
+          <a:xfrm>
+            <a:off x="628930" y="2855779"/>
+            <a:ext cx="1247167" cy="531368"/>
+          </a:xfrm>
+          <a:prstGeom prst="roundRect">
+            <a:avLst>
+              <a:gd name="adj" fmla="val 6808"/>
+            </a:avLst>
+          </a:prstGeom>
+          <a:solidFill>
+            <a:schemeClr val="accent6">
+              <a:lumMod val="60000"/>
+              <a:lumOff val="40000"/>
+            </a:schemeClr>
+          </a:solidFill>
+          <a:ln>
+            <a:noFill/>
+          </a:ln>
+          <a:effectLst>
+            <a:outerShdw blurRad="50800" dist="38100" dir="5400000" algn="t" rotWithShape="0">
+              <a:prstClr val="black">
+                <a:alpha val="40000"/>
+              </a:prstClr>
+            </a:outerShdw>
+          </a:effectLst>
+        </p:spPr>
+        <p:style>
+          <a:lnRef idx="2">
+            <a:schemeClr val="accent1">
+              <a:shade val="50000"/>
+            </a:schemeClr>
+          </a:lnRef>
+          <a:fillRef idx="1">
+            <a:schemeClr val="accent1"/>
+          </a:fillRef>
+          <a:effectRef idx="0">
+            <a:schemeClr val="accent1"/>
+          </a:effectRef>
+          <a:fontRef idx="minor">
+            <a:schemeClr val="lt1"/>
+          </a:fontRef>
+        </p:style>
+        <p:txBody>
+          <a:bodyPr rtlCol="0" anchor="t"/>
+          <a:lstStyle/>
+          <a:p>
+            <a:pPr algn="ctr"/>
+            <a:r>
+              <a:rPr lang="en-US" sz="1100" dirty="0"/>
+              <a:t>Event driven services</a:t>
+            </a:r>
+            <a:endParaRPr sz="1100" dirty="0"/>
+          </a:p>
+        </p:txBody>
+      </p:sp>
+      <p:grpSp>
+        <p:nvGrpSpPr>
+          <p:cNvPr id="10" name="Group 9">
+            <a:extLst>
+              <a:ext uri="{FF2B5EF4-FFF2-40B4-BE49-F238E27FC236}">
+                <a16:creationId xmlns:a16="http://schemas.microsoft.com/office/drawing/2014/main" id="{223520F3-6025-E24A-81AF-5800714A8C25}"/>
+              </a:ext>
+            </a:extLst>
+          </p:cNvPr>
+          <p:cNvGrpSpPr/>
+          <p:nvPr/>
+        </p:nvGrpSpPr>
+        <p:grpSpPr>
+          <a:xfrm>
+            <a:off x="2651729" y="2527160"/>
+            <a:ext cx="963142" cy="657237"/>
+            <a:chOff x="8632134" y="-1755543"/>
+            <a:chExt cx="963142" cy="657237"/>
+          </a:xfrm>
+        </p:grpSpPr>
+        <p:pic>
+          <p:nvPicPr>
+            <p:cNvPr id="11" name="Picture 10">
+              <a:extLst>
+                <a:ext uri="{FF2B5EF4-FFF2-40B4-BE49-F238E27FC236}">
+                  <a16:creationId xmlns:a16="http://schemas.microsoft.com/office/drawing/2014/main" id="{1E92D119-7A29-E549-AF30-AFA0F9F14FDC}"/>
+                </a:ext>
+              </a:extLst>
+            </p:cNvPr>
+            <p:cNvPicPr>
+              <a:picLocks noChangeAspect="1"/>
+            </p:cNvPicPr>
+            <p:nvPr/>
+          </p:nvPicPr>
+          <p:blipFill>
+            <a:blip r:embed="rId2"/>
+            <a:stretch>
+              <a:fillRect/>
+            </a:stretch>
+          </p:blipFill>
+          <p:spPr>
+            <a:xfrm>
+              <a:off x="8817828" y="-1755543"/>
+              <a:ext cx="548640" cy="548640"/>
+            </a:xfrm>
+            <a:prstGeom prst="rect">
+              <a:avLst/>
+            </a:prstGeom>
+          </p:spPr>
+        </p:pic>
+        <p:sp>
+          <p:nvSpPr>
+            <p:cNvPr id="12" name="Shape 264">
+              <a:extLst>
+                <a:ext uri="{FF2B5EF4-FFF2-40B4-BE49-F238E27FC236}">
+                  <a16:creationId xmlns:a16="http://schemas.microsoft.com/office/drawing/2014/main" id="{81D7A557-6D38-7D40-9745-9447D3E397B9}"/>
+                </a:ext>
+              </a:extLst>
+            </p:cNvPr>
+            <p:cNvSpPr/>
+            <p:nvPr/>
+          </p:nvSpPr>
+          <p:spPr>
+            <a:xfrm>
+              <a:off x="8632134" y="-1221417"/>
+              <a:ext cx="963142" cy="123111"/>
+            </a:xfrm>
+            <a:prstGeom prst="rect">
+              <a:avLst/>
+            </a:prstGeom>
+            <a:noFill/>
+            <a:ln w="3175" cap="flat">
+              <a:noFill/>
+              <a:miter lim="400000"/>
+            </a:ln>
+            <a:effectLst/>
+            <a:extLst>
+              <a:ext uri="{C572A759-6A51-4108-AA02-DFA0A04FC94B}">
+                <ma14:wrappingTextBoxFlag xmlns="" xmlns:ma14="http://schemas.microsoft.com/office/mac/drawingml/2011/main" val="1"/>
+              </a:ext>
+            </a:extLst>
+          </p:spPr>
+          <p:txBody>
+            <a:bodyPr wrap="square" lIns="0" tIns="0" rIns="0" bIns="0" numCol="1" anchor="t">
+              <a:spAutoFit/>
+            </a:bodyPr>
+            <a:lstStyle/>
+            <a:p>
+              <a:pPr lvl="0" algn="ctr">
+                <a:defRPr sz="1800"/>
+              </a:pPr>
+              <a:r>
+                <a:rPr lang="en-US" sz="800" b="1" dirty="0">
+                  <a:solidFill>
+                    <a:srgbClr val="4277BB"/>
+                  </a:solidFill>
+                  <a:latin typeface="Helvetica"/>
+                  <a:ea typeface="Helvetica"/>
+                  <a:cs typeface="Helvetica"/>
+                  <a:sym typeface="Helvetica"/>
+                </a:rPr>
+                <a:t>Kinesis Streams</a:t>
+              </a:r>
+              <a:endParaRPr sz="800" b="1" dirty="0">
+                <a:solidFill>
+                  <a:srgbClr val="4277BB"/>
+                </a:solidFill>
+                <a:latin typeface="Helvetica"/>
+                <a:ea typeface="Helvetica"/>
+                <a:cs typeface="Helvetica"/>
+                <a:sym typeface="Helvetica"/>
+              </a:endParaRPr>
+            </a:p>
+          </p:txBody>
+        </p:sp>
+      </p:grpSp>
+      <p:grpSp>
+        <p:nvGrpSpPr>
+          <p:cNvPr id="13" name="Group 12">
+            <a:extLst>
+              <a:ext uri="{FF2B5EF4-FFF2-40B4-BE49-F238E27FC236}">
+                <a16:creationId xmlns:a16="http://schemas.microsoft.com/office/drawing/2014/main" id="{CCA655BA-E247-2642-A63E-751C6467B3C8}"/>
+              </a:ext>
+            </a:extLst>
+          </p:cNvPr>
+          <p:cNvGrpSpPr/>
+          <p:nvPr/>
+        </p:nvGrpSpPr>
+        <p:grpSpPr>
+          <a:xfrm>
+            <a:off x="4165001" y="2527160"/>
+            <a:ext cx="963142" cy="657237"/>
+            <a:chOff x="8632134" y="-1755543"/>
+            <a:chExt cx="963142" cy="657237"/>
+          </a:xfrm>
+        </p:grpSpPr>
+        <p:pic>
+          <p:nvPicPr>
+            <p:cNvPr id="14" name="Picture 13">
+              <a:extLst>
+                <a:ext uri="{FF2B5EF4-FFF2-40B4-BE49-F238E27FC236}">
+                  <a16:creationId xmlns:a16="http://schemas.microsoft.com/office/drawing/2014/main" id="{99EEC9A9-422C-FF47-8EA8-1E515BBD93D1}"/>
+                </a:ext>
+              </a:extLst>
+            </p:cNvPr>
+            <p:cNvPicPr>
+              <a:picLocks noChangeAspect="1"/>
+            </p:cNvPicPr>
+            <p:nvPr/>
+          </p:nvPicPr>
+          <p:blipFill>
+            <a:blip r:embed="rId2"/>
+            <a:stretch>
+              <a:fillRect/>
+            </a:stretch>
+          </p:blipFill>
+          <p:spPr>
+            <a:xfrm>
+              <a:off x="8817828" y="-1755543"/>
+              <a:ext cx="548640" cy="548640"/>
+            </a:xfrm>
+            <a:prstGeom prst="rect">
+              <a:avLst/>
+            </a:prstGeom>
+          </p:spPr>
+        </p:pic>
+        <p:sp>
+          <p:nvSpPr>
+            <p:cNvPr id="15" name="Shape 264">
+              <a:extLst>
+                <a:ext uri="{FF2B5EF4-FFF2-40B4-BE49-F238E27FC236}">
+                  <a16:creationId xmlns:a16="http://schemas.microsoft.com/office/drawing/2014/main" id="{61D2B93F-8AFB-BC4A-A83C-2C130D0FE18E}"/>
+                </a:ext>
+              </a:extLst>
+            </p:cNvPr>
+            <p:cNvSpPr/>
+            <p:nvPr/>
+          </p:nvSpPr>
+          <p:spPr>
+            <a:xfrm>
+              <a:off x="8632134" y="-1221417"/>
+              <a:ext cx="963142" cy="123111"/>
+            </a:xfrm>
+            <a:prstGeom prst="rect">
+              <a:avLst/>
+            </a:prstGeom>
+            <a:noFill/>
+            <a:ln w="3175" cap="flat">
+              <a:noFill/>
+              <a:miter lim="400000"/>
+            </a:ln>
+            <a:effectLst/>
+            <a:extLst>
+              <a:ext uri="{C572A759-6A51-4108-AA02-DFA0A04FC94B}">
+                <ma14:wrappingTextBoxFlag xmlns="" xmlns:ma14="http://schemas.microsoft.com/office/mac/drawingml/2011/main" val="1"/>
+              </a:ext>
+            </a:extLst>
+          </p:spPr>
+          <p:txBody>
+            <a:bodyPr wrap="square" lIns="0" tIns="0" rIns="0" bIns="0" numCol="1" anchor="t">
+              <a:spAutoFit/>
+            </a:bodyPr>
+            <a:lstStyle/>
+            <a:p>
+              <a:pPr lvl="0" algn="ctr">
+                <a:defRPr sz="1800"/>
+              </a:pPr>
+              <a:r>
+                <a:rPr lang="en-US" sz="800" b="1" dirty="0">
+                  <a:solidFill>
+                    <a:srgbClr val="4277BB"/>
+                  </a:solidFill>
+                  <a:latin typeface="Helvetica"/>
+                  <a:ea typeface="Helvetica"/>
+                  <a:cs typeface="Helvetica"/>
+                  <a:sym typeface="Helvetica"/>
+                </a:rPr>
+                <a:t>Kinesis Analytics</a:t>
+              </a:r>
+              <a:endParaRPr sz="800" b="1" dirty="0">
+                <a:solidFill>
+                  <a:srgbClr val="4277BB"/>
+                </a:solidFill>
+                <a:latin typeface="Helvetica"/>
+                <a:ea typeface="Helvetica"/>
+                <a:cs typeface="Helvetica"/>
+                <a:sym typeface="Helvetica"/>
+              </a:endParaRPr>
+            </a:p>
+          </p:txBody>
+        </p:sp>
+      </p:grpSp>
+      <p:grpSp>
+        <p:nvGrpSpPr>
+          <p:cNvPr id="16" name="Group 15">
+            <a:extLst>
+              <a:ext uri="{FF2B5EF4-FFF2-40B4-BE49-F238E27FC236}">
+                <a16:creationId xmlns:a16="http://schemas.microsoft.com/office/drawing/2014/main" id="{801C2185-1C22-1D4F-9DEF-74C3A7A6A3A3}"/>
+              </a:ext>
+            </a:extLst>
+          </p:cNvPr>
+          <p:cNvGrpSpPr/>
+          <p:nvPr/>
+        </p:nvGrpSpPr>
+        <p:grpSpPr>
+          <a:xfrm>
+            <a:off x="5492218" y="2527160"/>
+            <a:ext cx="963142" cy="657237"/>
+            <a:chOff x="8632134" y="-1755543"/>
+            <a:chExt cx="963142" cy="657237"/>
+          </a:xfrm>
+        </p:grpSpPr>
+        <p:pic>
+          <p:nvPicPr>
+            <p:cNvPr id="17" name="Picture 16">
+              <a:extLst>
+                <a:ext uri="{FF2B5EF4-FFF2-40B4-BE49-F238E27FC236}">
+                  <a16:creationId xmlns:a16="http://schemas.microsoft.com/office/drawing/2014/main" id="{5EBCE455-EEC2-1245-B838-FB639C7619CE}"/>
+                </a:ext>
+              </a:extLst>
+            </p:cNvPr>
+            <p:cNvPicPr>
+              <a:picLocks noChangeAspect="1"/>
+            </p:cNvPicPr>
+            <p:nvPr/>
+          </p:nvPicPr>
+          <p:blipFill>
+            <a:blip r:embed="rId2"/>
+            <a:stretch>
+              <a:fillRect/>
+            </a:stretch>
+          </p:blipFill>
+          <p:spPr>
+            <a:xfrm>
+              <a:off x="8817828" y="-1755543"/>
+              <a:ext cx="548640" cy="548640"/>
+            </a:xfrm>
+            <a:prstGeom prst="rect">
+              <a:avLst/>
+            </a:prstGeom>
+          </p:spPr>
+        </p:pic>
+        <p:sp>
+          <p:nvSpPr>
+            <p:cNvPr id="18" name="Shape 264">
+              <a:extLst>
+                <a:ext uri="{FF2B5EF4-FFF2-40B4-BE49-F238E27FC236}">
+                  <a16:creationId xmlns:a16="http://schemas.microsoft.com/office/drawing/2014/main" id="{F3CCA87D-D916-6B43-A512-5AAB126DC168}"/>
+                </a:ext>
+              </a:extLst>
+            </p:cNvPr>
+            <p:cNvSpPr/>
+            <p:nvPr/>
+          </p:nvSpPr>
+          <p:spPr>
+            <a:xfrm>
+              <a:off x="8632134" y="-1221417"/>
+              <a:ext cx="963142" cy="123111"/>
+            </a:xfrm>
+            <a:prstGeom prst="rect">
+              <a:avLst/>
+            </a:prstGeom>
+            <a:noFill/>
+            <a:ln w="3175" cap="flat">
+              <a:noFill/>
+              <a:miter lim="400000"/>
+            </a:ln>
+            <a:effectLst/>
+            <a:extLst>
+              <a:ext uri="{C572A759-6A51-4108-AA02-DFA0A04FC94B}">
+                <ma14:wrappingTextBoxFlag xmlns="" xmlns:ma14="http://schemas.microsoft.com/office/mac/drawingml/2011/main" val="1"/>
+              </a:ext>
+            </a:extLst>
+          </p:spPr>
+          <p:txBody>
+            <a:bodyPr wrap="square" lIns="0" tIns="0" rIns="0" bIns="0" numCol="1" anchor="t">
+              <a:spAutoFit/>
+            </a:bodyPr>
+            <a:lstStyle/>
+            <a:p>
+              <a:pPr lvl="0" algn="ctr">
+                <a:defRPr sz="1800"/>
+              </a:pPr>
+              <a:r>
+                <a:rPr lang="en-US" sz="800" b="1" dirty="0">
+                  <a:solidFill>
+                    <a:srgbClr val="4277BB"/>
+                  </a:solidFill>
+                  <a:latin typeface="Helvetica"/>
+                  <a:ea typeface="Helvetica"/>
+                  <a:cs typeface="Helvetica"/>
+                  <a:sym typeface="Helvetica"/>
+                </a:rPr>
+                <a:t>Kinesis Firehose</a:t>
+              </a:r>
+              <a:endParaRPr sz="800" b="1" dirty="0">
+                <a:solidFill>
+                  <a:srgbClr val="4277BB"/>
+                </a:solidFill>
+                <a:latin typeface="Helvetica"/>
+                <a:ea typeface="Helvetica"/>
+                <a:cs typeface="Helvetica"/>
+                <a:sym typeface="Helvetica"/>
+              </a:endParaRPr>
+            </a:p>
+          </p:txBody>
+        </p:sp>
+      </p:grpSp>
+      <p:sp>
+        <p:nvSpPr>
+          <p:cNvPr id="19" name="Rectangle 18">
+            <a:extLst>
+              <a:ext uri="{FF2B5EF4-FFF2-40B4-BE49-F238E27FC236}">
+                <a16:creationId xmlns:a16="http://schemas.microsoft.com/office/drawing/2014/main" id="{C64F9885-A8C4-2149-956F-9562E461F470}"/>
+              </a:ext>
+            </a:extLst>
+          </p:cNvPr>
+          <p:cNvSpPr/>
+          <p:nvPr/>
+        </p:nvSpPr>
+        <p:spPr>
+          <a:xfrm>
+            <a:off x="7075802" y="1279601"/>
+            <a:ext cx="1861231" cy="3122341"/>
+          </a:xfrm>
+          <a:custGeom>
+            <a:avLst/>
+            <a:gdLst>
+              <a:gd name="connsiteX0" fmla="*/ 0 w 1861231"/>
+              <a:gd name="connsiteY0" fmla="*/ 0 h 3122341"/>
+              <a:gd name="connsiteX1" fmla="*/ 446695 w 1861231"/>
+              <a:gd name="connsiteY1" fmla="*/ 0 h 3122341"/>
+              <a:gd name="connsiteX2" fmla="*/ 856166 w 1861231"/>
+              <a:gd name="connsiteY2" fmla="*/ 0 h 3122341"/>
+              <a:gd name="connsiteX3" fmla="*/ 1358699 w 1861231"/>
+              <a:gd name="connsiteY3" fmla="*/ 0 h 3122341"/>
+              <a:gd name="connsiteX4" fmla="*/ 1861231 w 1861231"/>
+              <a:gd name="connsiteY4" fmla="*/ 0 h 3122341"/>
+              <a:gd name="connsiteX5" fmla="*/ 1861231 w 1861231"/>
+              <a:gd name="connsiteY5" fmla="*/ 489167 h 3122341"/>
+              <a:gd name="connsiteX6" fmla="*/ 1861231 w 1861231"/>
+              <a:gd name="connsiteY6" fmla="*/ 947110 h 3122341"/>
+              <a:gd name="connsiteX7" fmla="*/ 1861231 w 1861231"/>
+              <a:gd name="connsiteY7" fmla="*/ 1467500 h 3122341"/>
+              <a:gd name="connsiteX8" fmla="*/ 1861231 w 1861231"/>
+              <a:gd name="connsiteY8" fmla="*/ 1987890 h 3122341"/>
+              <a:gd name="connsiteX9" fmla="*/ 1861231 w 1861231"/>
+              <a:gd name="connsiteY9" fmla="*/ 2445834 h 3122341"/>
+              <a:gd name="connsiteX10" fmla="*/ 1861231 w 1861231"/>
+              <a:gd name="connsiteY10" fmla="*/ 3122341 h 3122341"/>
+              <a:gd name="connsiteX11" fmla="*/ 1395923 w 1861231"/>
+              <a:gd name="connsiteY11" fmla="*/ 3122341 h 3122341"/>
+              <a:gd name="connsiteX12" fmla="*/ 949228 w 1861231"/>
+              <a:gd name="connsiteY12" fmla="*/ 3122341 h 3122341"/>
+              <a:gd name="connsiteX13" fmla="*/ 446695 w 1861231"/>
+              <a:gd name="connsiteY13" fmla="*/ 3122341 h 3122341"/>
+              <a:gd name="connsiteX14" fmla="*/ 0 w 1861231"/>
+              <a:gd name="connsiteY14" fmla="*/ 3122341 h 3122341"/>
+              <a:gd name="connsiteX15" fmla="*/ 0 w 1861231"/>
+              <a:gd name="connsiteY15" fmla="*/ 2664398 h 3122341"/>
+              <a:gd name="connsiteX16" fmla="*/ 0 w 1861231"/>
+              <a:gd name="connsiteY16" fmla="*/ 2144007 h 3122341"/>
+              <a:gd name="connsiteX17" fmla="*/ 0 w 1861231"/>
+              <a:gd name="connsiteY17" fmla="*/ 1654841 h 3122341"/>
+              <a:gd name="connsiteX18" fmla="*/ 0 w 1861231"/>
+              <a:gd name="connsiteY18" fmla="*/ 1228121 h 3122341"/>
+              <a:gd name="connsiteX19" fmla="*/ 0 w 1861231"/>
+              <a:gd name="connsiteY19" fmla="*/ 770177 h 3122341"/>
+              <a:gd name="connsiteX20" fmla="*/ 0 w 1861231"/>
+              <a:gd name="connsiteY20" fmla="*/ 0 h 3122341"/>
+            </a:gdLst>
+            <a:ahLst/>
+            <a:cxnLst>
+              <a:cxn ang="0">
+                <a:pos x="connsiteX0" y="connsiteY0"/>
+              </a:cxn>
+              <a:cxn ang="0">
+                <a:pos x="connsiteX1" y="connsiteY1"/>
+              </a:cxn>
+              <a:cxn ang="0">
+                <a:pos x="connsiteX2" y="connsiteY2"/>
+              </a:cxn>
+              <a:cxn ang="0">
+                <a:pos x="connsiteX3" y="connsiteY3"/>
+              </a:cxn>
+              <a:cxn ang="0">
+                <a:pos x="connsiteX4" y="connsiteY4"/>
+              </a:cxn>
+              <a:cxn ang="0">
+                <a:pos x="connsiteX5" y="connsiteY5"/>
+              </a:cxn>
+              <a:cxn ang="0">
+                <a:pos x="connsiteX6" y="connsiteY6"/>
+              </a:cxn>
+              <a:cxn ang="0">
+                <a:pos x="connsiteX7" y="connsiteY7"/>
+              </a:cxn>
+              <a:cxn ang="0">
+                <a:pos x="connsiteX8" y="connsiteY8"/>
+              </a:cxn>
+              <a:cxn ang="0">
+                <a:pos x="connsiteX9" y="connsiteY9"/>
+              </a:cxn>
+              <a:cxn ang="0">
+                <a:pos x="connsiteX10" y="connsiteY10"/>
+              </a:cxn>
+              <a:cxn ang="0">
+                <a:pos x="connsiteX11" y="connsiteY11"/>
+              </a:cxn>
+              <a:cxn ang="0">
+                <a:pos x="connsiteX12" y="connsiteY12"/>
+              </a:cxn>
+              <a:cxn ang="0">
+                <a:pos x="connsiteX13" y="connsiteY13"/>
+              </a:cxn>
+              <a:cxn ang="0">
+                <a:pos x="connsiteX14" y="connsiteY14"/>
+              </a:cxn>
+              <a:cxn ang="0">
+                <a:pos x="connsiteX15" y="connsiteY15"/>
+              </a:cxn>
+              <a:cxn ang="0">
+                <a:pos x="connsiteX16" y="connsiteY16"/>
+              </a:cxn>
+              <a:cxn ang="0">
+                <a:pos x="connsiteX17" y="connsiteY17"/>
+              </a:cxn>
+              <a:cxn ang="0">
+                <a:pos x="connsiteX18" y="connsiteY18"/>
+              </a:cxn>
+              <a:cxn ang="0">
+                <a:pos x="connsiteX19" y="connsiteY19"/>
+              </a:cxn>
+              <a:cxn ang="0">
+                <a:pos x="connsiteX20" y="connsiteY20"/>
+              </a:cxn>
+            </a:cxnLst>
+            <a:rect l="l" t="t" r="r" b="b"/>
+            <a:pathLst>
+              <a:path w="1861231" h="3122341" extrusionOk="0">
+                <a:moveTo>
+                  <a:pt x="0" y="0"/>
+                </a:moveTo>
+                <a:cubicBezTo>
+                  <a:pt x="209539" y="-48619"/>
+                  <a:pt x="270638" y="50754"/>
+                  <a:pt x="446695" y="0"/>
+                </a:cubicBezTo>
+                <a:cubicBezTo>
+                  <a:pt x="622753" y="-50754"/>
+                  <a:pt x="736005" y="32983"/>
+                  <a:pt x="856166" y="0"/>
+                </a:cubicBezTo>
+                <a:cubicBezTo>
+                  <a:pt x="976327" y="-32983"/>
+                  <a:pt x="1147415" y="28385"/>
+                  <a:pt x="1358699" y="0"/>
+                </a:cubicBezTo>
+                <a:cubicBezTo>
+                  <a:pt x="1569983" y="-28385"/>
+                  <a:pt x="1750533" y="16033"/>
+                  <a:pt x="1861231" y="0"/>
+                </a:cubicBezTo>
+                <a:cubicBezTo>
+                  <a:pt x="1892344" y="234449"/>
+                  <a:pt x="1820799" y="340831"/>
+                  <a:pt x="1861231" y="489167"/>
+                </a:cubicBezTo>
+                <a:cubicBezTo>
+                  <a:pt x="1901663" y="637503"/>
+                  <a:pt x="1809304" y="793042"/>
+                  <a:pt x="1861231" y="947110"/>
+                </a:cubicBezTo>
+                <a:cubicBezTo>
+                  <a:pt x="1913158" y="1101178"/>
+                  <a:pt x="1821020" y="1277424"/>
+                  <a:pt x="1861231" y="1467500"/>
+                </a:cubicBezTo>
+                <a:cubicBezTo>
+                  <a:pt x="1901442" y="1657576"/>
+                  <a:pt x="1819975" y="1826786"/>
+                  <a:pt x="1861231" y="1987890"/>
+                </a:cubicBezTo>
+                <a:cubicBezTo>
+                  <a:pt x="1902487" y="2148994"/>
+                  <a:pt x="1831845" y="2316642"/>
+                  <a:pt x="1861231" y="2445834"/>
+                </a:cubicBezTo>
+                <a:cubicBezTo>
+                  <a:pt x="1890617" y="2575026"/>
+                  <a:pt x="1811663" y="2865650"/>
+                  <a:pt x="1861231" y="3122341"/>
+                </a:cubicBezTo>
+                <a:cubicBezTo>
+                  <a:pt x="1751225" y="3154185"/>
+                  <a:pt x="1625772" y="3107764"/>
+                  <a:pt x="1395923" y="3122341"/>
+                </a:cubicBezTo>
+                <a:cubicBezTo>
+                  <a:pt x="1166074" y="3136918"/>
+                  <a:pt x="1064446" y="3073505"/>
+                  <a:pt x="949228" y="3122341"/>
+                </a:cubicBezTo>
+                <a:cubicBezTo>
+                  <a:pt x="834011" y="3171177"/>
+                  <a:pt x="600752" y="3116089"/>
+                  <a:pt x="446695" y="3122341"/>
+                </a:cubicBezTo>
+                <a:cubicBezTo>
+                  <a:pt x="292638" y="3128593"/>
+                  <a:pt x="161934" y="3112594"/>
+                  <a:pt x="0" y="3122341"/>
+                </a:cubicBezTo>
+                <a:cubicBezTo>
+                  <a:pt x="-15621" y="2943394"/>
+                  <a:pt x="3160" y="2845476"/>
+                  <a:pt x="0" y="2664398"/>
+                </a:cubicBezTo>
+                <a:cubicBezTo>
+                  <a:pt x="-3160" y="2483320"/>
+                  <a:pt x="18069" y="2381205"/>
+                  <a:pt x="0" y="2144007"/>
+                </a:cubicBezTo>
+                <a:cubicBezTo>
+                  <a:pt x="-18069" y="1906809"/>
+                  <a:pt x="4220" y="1764735"/>
+                  <a:pt x="0" y="1654841"/>
+                </a:cubicBezTo>
+                <a:cubicBezTo>
+                  <a:pt x="-4220" y="1544947"/>
+                  <a:pt x="47808" y="1429256"/>
+                  <a:pt x="0" y="1228121"/>
+                </a:cubicBezTo>
+                <a:cubicBezTo>
+                  <a:pt x="-47808" y="1026986"/>
+                  <a:pt x="34737" y="958516"/>
+                  <a:pt x="0" y="770177"/>
+                </a:cubicBezTo>
+                <a:cubicBezTo>
+                  <a:pt x="-34737" y="581838"/>
+                  <a:pt x="88776" y="192183"/>
+                  <a:pt x="0" y="0"/>
+                </a:cubicBezTo>
+                <a:close/>
+              </a:path>
+            </a:pathLst>
+          </a:custGeom>
+          <a:noFill/>
+          <a:ln w="12700">
+            <a:solidFill>
+              <a:srgbClr val="7030A0"/>
+            </a:solidFill>
+            <a:extLst>
+              <a:ext uri="{C807C97D-BFC1-408E-A445-0C87EB9F89A2}">
+                <ask:lineSketchStyleProps xmlns:ask="http://schemas.microsoft.com/office/drawing/2018/sketchyshapes" sd="1219033472">
+                  <a:prstGeom prst="rect">
+                    <a:avLst/>
+                  </a:prstGeom>
+                  <ask:type>
+                    <ask:lineSketchScribble/>
+                  </ask:type>
+                </ask:lineSketchStyleProps>
+              </a:ext>
+            </a:extLst>
+          </a:ln>
+        </p:spPr>
+        <p:style>
+          <a:lnRef idx="2">
+            <a:schemeClr val="accent1">
+              <a:shade val="50000"/>
+            </a:schemeClr>
+          </a:lnRef>
+          <a:fillRef idx="1">
+            <a:schemeClr val="accent1"/>
+          </a:fillRef>
+          <a:effectRef idx="0">
+            <a:schemeClr val="accent1"/>
+          </a:effectRef>
+          <a:fontRef idx="minor">
+            <a:schemeClr val="lt1"/>
+          </a:fontRef>
+        </p:style>
+        <p:txBody>
+          <a:bodyPr rtlCol="0" anchor="b"/>
+          <a:lstStyle/>
+          <a:p>
+            <a:pPr algn="ctr"/>
+            <a:r>
+              <a:rPr lang="en-US" sz="1200" dirty="0">
+                <a:solidFill>
+                  <a:srgbClr val="7030A0"/>
+                </a:solidFill>
+              </a:rPr>
+              <a:t>Sink</a:t>
+            </a:r>
+            <a:endParaRPr sz="1200" dirty="0">
+              <a:solidFill>
+                <a:srgbClr val="7030A0"/>
+              </a:solidFill>
+            </a:endParaRPr>
+          </a:p>
+        </p:txBody>
+      </p:sp>
+      <p:grpSp>
+        <p:nvGrpSpPr>
+          <p:cNvPr id="20" name="Group 19">
+            <a:extLst>
+              <a:ext uri="{FF2B5EF4-FFF2-40B4-BE49-F238E27FC236}">
+                <a16:creationId xmlns:a16="http://schemas.microsoft.com/office/drawing/2014/main" id="{3137A772-88AD-574B-B1C1-095F7A3240C6}"/>
+              </a:ext>
+            </a:extLst>
+          </p:cNvPr>
+          <p:cNvGrpSpPr/>
+          <p:nvPr/>
+        </p:nvGrpSpPr>
+        <p:grpSpPr>
+          <a:xfrm>
+            <a:off x="7632585" y="1469745"/>
+            <a:ext cx="548640" cy="670025"/>
+            <a:chOff x="4329965" y="-850115"/>
+            <a:chExt cx="548640" cy="670025"/>
+          </a:xfrm>
+        </p:grpSpPr>
+        <p:pic>
+          <p:nvPicPr>
+            <p:cNvPr id="21" name="Picture 20">
+              <a:extLst>
+                <a:ext uri="{FF2B5EF4-FFF2-40B4-BE49-F238E27FC236}">
+                  <a16:creationId xmlns:a16="http://schemas.microsoft.com/office/drawing/2014/main" id="{94052BF4-924C-A240-BE28-894A8AA735B5}"/>
+                </a:ext>
+              </a:extLst>
+            </p:cNvPr>
+            <p:cNvPicPr>
+              <a:picLocks noChangeAspect="1"/>
+            </p:cNvPicPr>
+            <p:nvPr/>
+          </p:nvPicPr>
+          <p:blipFill>
+            <a:blip r:embed="rId3"/>
+            <a:stretch>
+              <a:fillRect/>
+            </a:stretch>
+          </p:blipFill>
+          <p:spPr>
+            <a:xfrm>
+              <a:off x="4329965" y="-850115"/>
+              <a:ext cx="548640" cy="548640"/>
+            </a:xfrm>
+            <a:prstGeom prst="rect">
+              <a:avLst/>
+            </a:prstGeom>
+          </p:spPr>
+        </p:pic>
+        <p:sp>
+          <p:nvSpPr>
+            <p:cNvPr id="22" name="Shape 264">
+              <a:extLst>
+                <a:ext uri="{FF2B5EF4-FFF2-40B4-BE49-F238E27FC236}">
+                  <a16:creationId xmlns:a16="http://schemas.microsoft.com/office/drawing/2014/main" id="{A429290F-D266-7948-8ADD-3F700A51AE4B}"/>
+                </a:ext>
+              </a:extLst>
+            </p:cNvPr>
+            <p:cNvSpPr/>
+            <p:nvPr/>
+          </p:nvSpPr>
+          <p:spPr>
+            <a:xfrm>
+              <a:off x="4343797" y="-303201"/>
+              <a:ext cx="520976" cy="123111"/>
+            </a:xfrm>
+            <a:prstGeom prst="rect">
+              <a:avLst/>
+            </a:prstGeom>
+            <a:noFill/>
+            <a:ln w="3175" cap="flat">
+              <a:noFill/>
+              <a:miter lim="400000"/>
+            </a:ln>
+            <a:effectLst/>
+            <a:extLst>
+              <a:ext uri="{C572A759-6A51-4108-AA02-DFA0A04FC94B}">
+                <ma14:wrappingTextBoxFlag xmlns="" xmlns:ma14="http://schemas.microsoft.com/office/mac/drawingml/2011/main" val="1"/>
+              </a:ext>
+            </a:extLst>
+          </p:spPr>
+          <p:txBody>
+            <a:bodyPr wrap="square" lIns="0" tIns="0" rIns="0" bIns="0" numCol="1" anchor="t">
+              <a:spAutoFit/>
+            </a:bodyPr>
+            <a:lstStyle/>
+            <a:p>
+              <a:pPr lvl="0" algn="ctr">
+                <a:defRPr sz="1800"/>
+              </a:pPr>
+              <a:r>
+                <a:rPr lang="en-US" sz="800" b="1" dirty="0">
+                  <a:solidFill>
+                    <a:srgbClr val="4277BB"/>
+                  </a:solidFill>
+                  <a:latin typeface="Helvetica"/>
+                  <a:ea typeface="Helvetica"/>
+                  <a:cs typeface="Helvetica"/>
+                  <a:sym typeface="Helvetica"/>
+                </a:rPr>
+                <a:t>S3</a:t>
+              </a:r>
+              <a:endParaRPr sz="800" b="1" dirty="0">
+                <a:solidFill>
+                  <a:srgbClr val="4277BB"/>
+                </a:solidFill>
+                <a:latin typeface="Helvetica"/>
+                <a:ea typeface="Helvetica"/>
+                <a:cs typeface="Helvetica"/>
+                <a:sym typeface="Helvetica"/>
+              </a:endParaRPr>
+            </a:p>
+          </p:txBody>
+        </p:sp>
+      </p:grpSp>
+      <p:grpSp>
+        <p:nvGrpSpPr>
+          <p:cNvPr id="23" name="Group 22">
+            <a:extLst>
+              <a:ext uri="{FF2B5EF4-FFF2-40B4-BE49-F238E27FC236}">
+                <a16:creationId xmlns:a16="http://schemas.microsoft.com/office/drawing/2014/main" id="{76EE15BF-86C5-2244-889E-06BAFB843BC4}"/>
+              </a:ext>
+            </a:extLst>
+          </p:cNvPr>
+          <p:cNvGrpSpPr/>
+          <p:nvPr/>
+        </p:nvGrpSpPr>
+        <p:grpSpPr>
+          <a:xfrm>
+            <a:off x="7618753" y="2336125"/>
+            <a:ext cx="548640" cy="670025"/>
+            <a:chOff x="4329965" y="-850115"/>
+            <a:chExt cx="548640" cy="670025"/>
+          </a:xfrm>
+        </p:grpSpPr>
+        <p:pic>
+          <p:nvPicPr>
+            <p:cNvPr id="24" name="Picture 23">
+              <a:extLst>
+                <a:ext uri="{FF2B5EF4-FFF2-40B4-BE49-F238E27FC236}">
+                  <a16:creationId xmlns:a16="http://schemas.microsoft.com/office/drawing/2014/main" id="{70F9177E-5039-2343-9042-0795B8820099}"/>
+                </a:ext>
+              </a:extLst>
+            </p:cNvPr>
+            <p:cNvPicPr>
+              <a:picLocks noChangeAspect="1"/>
+            </p:cNvPicPr>
+            <p:nvPr/>
+          </p:nvPicPr>
+          <p:blipFill>
+            <a:blip r:embed="rId3"/>
+            <a:stretch>
+              <a:fillRect/>
+            </a:stretch>
+          </p:blipFill>
+          <p:spPr>
+            <a:xfrm>
+              <a:off x="4329965" y="-850115"/>
+              <a:ext cx="548640" cy="548640"/>
+            </a:xfrm>
+            <a:prstGeom prst="rect">
+              <a:avLst/>
+            </a:prstGeom>
+          </p:spPr>
+        </p:pic>
+        <p:sp>
+          <p:nvSpPr>
+            <p:cNvPr id="25" name="Shape 264">
+              <a:extLst>
+                <a:ext uri="{FF2B5EF4-FFF2-40B4-BE49-F238E27FC236}">
+                  <a16:creationId xmlns:a16="http://schemas.microsoft.com/office/drawing/2014/main" id="{C0EBFFBE-AD12-894D-A6AE-8090A4C6C54D}"/>
+                </a:ext>
+              </a:extLst>
+            </p:cNvPr>
+            <p:cNvSpPr/>
+            <p:nvPr/>
+          </p:nvSpPr>
+          <p:spPr>
+            <a:xfrm>
+              <a:off x="4343797" y="-303201"/>
+              <a:ext cx="520976" cy="123111"/>
+            </a:xfrm>
+            <a:prstGeom prst="rect">
+              <a:avLst/>
+            </a:prstGeom>
+            <a:noFill/>
+            <a:ln w="3175" cap="flat">
+              <a:noFill/>
+              <a:miter lim="400000"/>
+            </a:ln>
+            <a:effectLst/>
+            <a:extLst>
+              <a:ext uri="{C572A759-6A51-4108-AA02-DFA0A04FC94B}">
+                <ma14:wrappingTextBoxFlag xmlns="" xmlns:ma14="http://schemas.microsoft.com/office/mac/drawingml/2011/main" val="1"/>
+              </a:ext>
+            </a:extLst>
+          </p:spPr>
+          <p:txBody>
+            <a:bodyPr wrap="square" lIns="0" tIns="0" rIns="0" bIns="0" numCol="1" anchor="t">
+              <a:spAutoFit/>
+            </a:bodyPr>
+            <a:lstStyle/>
+            <a:p>
+              <a:pPr lvl="0" algn="ctr">
+                <a:defRPr sz="1800"/>
+              </a:pPr>
+              <a:r>
+                <a:rPr lang="en-US" sz="800" b="1" dirty="0">
+                  <a:solidFill>
+                    <a:srgbClr val="4277BB"/>
+                  </a:solidFill>
+                  <a:latin typeface="Helvetica"/>
+                  <a:ea typeface="Helvetica"/>
+                  <a:cs typeface="Helvetica"/>
+                  <a:sym typeface="Helvetica"/>
+                </a:rPr>
+                <a:t>REDSHIFT</a:t>
+              </a:r>
+              <a:endParaRPr sz="800" b="1" dirty="0">
+                <a:solidFill>
+                  <a:srgbClr val="4277BB"/>
+                </a:solidFill>
+                <a:latin typeface="Helvetica"/>
+                <a:ea typeface="Helvetica"/>
+                <a:cs typeface="Helvetica"/>
+                <a:sym typeface="Helvetica"/>
+              </a:endParaRPr>
+            </a:p>
+          </p:txBody>
+        </p:sp>
+      </p:grpSp>
+      <p:grpSp>
+        <p:nvGrpSpPr>
+          <p:cNvPr id="26" name="Group 25">
+            <a:extLst>
+              <a:ext uri="{FF2B5EF4-FFF2-40B4-BE49-F238E27FC236}">
+                <a16:creationId xmlns:a16="http://schemas.microsoft.com/office/drawing/2014/main" id="{98CBA0CE-1E20-B84B-A878-A3036900644C}"/>
+              </a:ext>
+            </a:extLst>
+          </p:cNvPr>
+          <p:cNvGrpSpPr/>
+          <p:nvPr/>
+        </p:nvGrpSpPr>
+        <p:grpSpPr>
+          <a:xfrm>
+            <a:off x="7605309" y="3175457"/>
+            <a:ext cx="548640" cy="793135"/>
+            <a:chOff x="4329965" y="-850115"/>
+            <a:chExt cx="548640" cy="793135"/>
+          </a:xfrm>
+        </p:grpSpPr>
+        <p:pic>
+          <p:nvPicPr>
+            <p:cNvPr id="27" name="Picture 26">
+              <a:extLst>
+                <a:ext uri="{FF2B5EF4-FFF2-40B4-BE49-F238E27FC236}">
+                  <a16:creationId xmlns:a16="http://schemas.microsoft.com/office/drawing/2014/main" id="{174F34FA-268F-C54B-951C-E4C1CD501250}"/>
+                </a:ext>
+              </a:extLst>
+            </p:cNvPr>
+            <p:cNvPicPr>
+              <a:picLocks noChangeAspect="1"/>
+            </p:cNvPicPr>
+            <p:nvPr/>
+          </p:nvPicPr>
+          <p:blipFill>
+            <a:blip r:embed="rId3"/>
+            <a:stretch>
+              <a:fillRect/>
+            </a:stretch>
+          </p:blipFill>
+          <p:spPr>
+            <a:xfrm>
+              <a:off x="4329965" y="-850115"/>
+              <a:ext cx="548640" cy="548640"/>
+            </a:xfrm>
+            <a:prstGeom prst="rect">
+              <a:avLst/>
+            </a:prstGeom>
+          </p:spPr>
+        </p:pic>
+        <p:sp>
+          <p:nvSpPr>
+            <p:cNvPr id="28" name="Shape 264">
+              <a:extLst>
+                <a:ext uri="{FF2B5EF4-FFF2-40B4-BE49-F238E27FC236}">
+                  <a16:creationId xmlns:a16="http://schemas.microsoft.com/office/drawing/2014/main" id="{7C29CA64-2A33-6143-B325-8B100D6C868F}"/>
+                </a:ext>
+              </a:extLst>
+            </p:cNvPr>
+            <p:cNvSpPr/>
+            <p:nvPr/>
+          </p:nvSpPr>
+          <p:spPr>
+            <a:xfrm>
+              <a:off x="4343797" y="-303201"/>
+              <a:ext cx="520976" cy="246221"/>
+            </a:xfrm>
+            <a:prstGeom prst="rect">
+              <a:avLst/>
+            </a:prstGeom>
+            <a:noFill/>
+            <a:ln w="3175" cap="flat">
+              <a:noFill/>
+              <a:miter lim="400000"/>
+            </a:ln>
+            <a:effectLst/>
+            <a:extLst>
+              <a:ext uri="{C572A759-6A51-4108-AA02-DFA0A04FC94B}">
+                <ma14:wrappingTextBoxFlag xmlns="" xmlns:ma14="http://schemas.microsoft.com/office/mac/drawingml/2011/main" val="1"/>
+              </a:ext>
+            </a:extLst>
+          </p:spPr>
+          <p:txBody>
+            <a:bodyPr wrap="square" lIns="0" tIns="0" rIns="0" bIns="0" numCol="1" anchor="t">
+              <a:spAutoFit/>
+            </a:bodyPr>
+            <a:lstStyle/>
+            <a:p>
+              <a:pPr lvl="0" algn="ctr">
+                <a:defRPr sz="1800"/>
+              </a:pPr>
+              <a:r>
+                <a:rPr lang="en-US" sz="800" b="1" dirty="0">
+                  <a:solidFill>
+                    <a:srgbClr val="4277BB"/>
+                  </a:solidFill>
+                  <a:latin typeface="Helvetica"/>
+                  <a:ea typeface="Helvetica"/>
+                  <a:cs typeface="Helvetica"/>
+                  <a:sym typeface="Helvetica"/>
+                </a:rPr>
+                <a:t>ELASTIC SEARCH</a:t>
+              </a:r>
+              <a:endParaRPr sz="800" b="1" dirty="0">
+                <a:solidFill>
+                  <a:srgbClr val="4277BB"/>
+                </a:solidFill>
+                <a:latin typeface="Helvetica"/>
+                <a:ea typeface="Helvetica"/>
+                <a:cs typeface="Helvetica"/>
+                <a:sym typeface="Helvetica"/>
+              </a:endParaRPr>
+            </a:p>
+          </p:txBody>
+        </p:sp>
+      </p:grpSp>
+    </p:spTree>
+    <p:extLst>
+      <p:ext uri="{BB962C8B-B14F-4D97-AF65-F5344CB8AC3E}">
+        <p14:creationId xmlns:p14="http://schemas.microsoft.com/office/powerpoint/2010/main" val="1329792894"/>
       </p:ext>
     </p:extLst>
   </p:cSld>

--- a/docs/Diagrams.pptx
+++ b/docs/Diagrams.pptx
@@ -6,7 +6,7 @@
     <p:sldMasterId id="2147484308" r:id="rId2"/>
   </p:sldMasterIdLst>
   <p:notesMasterIdLst>
-    <p:notesMasterId r:id="rId10"/>
+    <p:notesMasterId r:id="rId11"/>
   </p:notesMasterIdLst>
   <p:sldIdLst>
     <p:sldId id="2670" r:id="rId3"/>
@@ -16,6 +16,7 @@
     <p:sldId id="2674" r:id="rId7"/>
     <p:sldId id="2675" r:id="rId8"/>
     <p:sldId id="2676" r:id="rId9"/>
+    <p:sldId id="2677" r:id="rId10"/>
   </p:sldIdLst>
   <p:sldSz cx="12192000" cy="6858000"/>
   <p:notesSz cx="7086600" cy="9372600"/>
@@ -278,7 +279,7 @@
               <a:pPr>
                 <a:defRPr/>
               </a:pPr>
-              <a:t>12/11/20</a:t>
+              <a:t>12/17/20</a:t>
             </a:fld>
             <a:endParaRPr lang="en-US"/>
           </a:p>
@@ -23406,6 +23407,2393 @@
 </p:sld>
 </file>
 
+<file path=ppt/slides/slide8.xml><?xml version="1.0" encoding="utf-8"?>
+<p:sld xmlns:a="http://schemas.openxmlformats.org/drawingml/2006/main" xmlns:r="http://schemas.openxmlformats.org/officeDocument/2006/relationships" xmlns:p="http://schemas.openxmlformats.org/presentationml/2006/main">
+  <p:cSld>
+    <p:spTree>
+      <p:nvGrpSpPr>
+        <p:cNvPr id="1" name=""/>
+        <p:cNvGrpSpPr/>
+        <p:nvPr/>
+      </p:nvGrpSpPr>
+      <p:grpSpPr>
+        <a:xfrm>
+          <a:off x="0" y="0"/>
+          <a:ext cx="0" cy="0"/>
+          <a:chOff x="0" y="0"/>
+          <a:chExt cx="0" cy="0"/>
+        </a:xfrm>
+      </p:grpSpPr>
+      <p:sp>
+        <p:nvSpPr>
+          <p:cNvPr id="2" name="Title 1">
+            <a:extLst>
+              <a:ext uri="{FF2B5EF4-FFF2-40B4-BE49-F238E27FC236}">
+                <a16:creationId xmlns:a16="http://schemas.microsoft.com/office/drawing/2014/main" id="{747AFB5C-0E89-E14D-9D9D-1B6F7821D359}"/>
+              </a:ext>
+            </a:extLst>
+          </p:cNvPr>
+          <p:cNvSpPr>
+            <a:spLocks noGrp="1"/>
+          </p:cNvSpPr>
+          <p:nvPr>
+            <p:ph type="title"/>
+          </p:nvPr>
+        </p:nvSpPr>
+        <p:spPr/>
+        <p:txBody>
+          <a:bodyPr/>
+          <a:lstStyle/>
+          <a:p>
+            <a:r>
+              <a:rPr lang="en-US" dirty="0"/>
+              <a:t>Serverless Architecture</a:t>
+            </a:r>
+            <a:endParaRPr dirty="0"/>
+          </a:p>
+        </p:txBody>
+      </p:sp>
+      <p:sp>
+        <p:nvSpPr>
+          <p:cNvPr id="3" name="Slide Number Placeholder 2">
+            <a:extLst>
+              <a:ext uri="{FF2B5EF4-FFF2-40B4-BE49-F238E27FC236}">
+                <a16:creationId xmlns:a16="http://schemas.microsoft.com/office/drawing/2014/main" id="{99036B59-5CD6-6643-861B-F7A5D6387ACC}"/>
+              </a:ext>
+            </a:extLst>
+          </p:cNvPr>
+          <p:cNvSpPr>
+            <a:spLocks noGrp="1"/>
+          </p:cNvSpPr>
+          <p:nvPr>
+            <p:ph type="sldNum" sz="quarter" idx="10"/>
+          </p:nvPr>
+        </p:nvSpPr>
+        <p:spPr/>
+        <p:txBody>
+          <a:bodyPr/>
+          <a:lstStyle/>
+          <a:p>
+            <a:pPr defTabSz="911231" eaLnBrk="1" fontAlgn="auto" hangingPunct="1">
+              <a:spcBef>
+                <a:spcPts val="0"/>
+              </a:spcBef>
+              <a:spcAft>
+                <a:spcPts val="0"/>
+              </a:spcAft>
+              <a:defRPr/>
+            </a:pPr>
+            <a:r>
+              <a:rPr lang="en-US" altLang="en-US">
+                <a:solidFill>
+                  <a:srgbClr val="FFFFFF"/>
+                </a:solidFill>
+                <a:latin typeface="Arial"/>
+                <a:ea typeface="ＭＳ Ｐゴシック" charset="0"/>
+                <a:cs typeface="Arial"/>
+                <a:sym typeface="Helvetica" charset="0"/>
+              </a:rPr>
+              <a:t>IBM Confidential – Page </a:t>
+            </a:r>
+            <a:fld id="{E29CC0C0-E046-4664-B80A-AA818B18C835}" type="slidenum">
+              <a:rPr lang="en-US" altLang="en-US" smtClean="0">
+                <a:solidFill>
+                  <a:srgbClr val="FFFFFF"/>
+                </a:solidFill>
+                <a:latin typeface="Arial"/>
+                <a:ea typeface="ＭＳ Ｐゴシック" charset="0"/>
+                <a:cs typeface="Arial"/>
+                <a:sym typeface="Helvetica" charset="0"/>
+              </a:rPr>
+              <a:pPr defTabSz="911231" eaLnBrk="1" fontAlgn="auto" hangingPunct="1">
+                <a:spcBef>
+                  <a:spcPts val="0"/>
+                </a:spcBef>
+                <a:spcAft>
+                  <a:spcPts val="0"/>
+                </a:spcAft>
+                <a:defRPr/>
+              </a:pPr>
+              <a:t>8</a:t>
+            </a:fld>
+            <a:endParaRPr lang="en-US" altLang="en-US">
+              <a:solidFill>
+                <a:srgbClr val="FFFFFF"/>
+              </a:solidFill>
+              <a:latin typeface="Arial"/>
+              <a:ea typeface="ＭＳ Ｐゴシック" charset="0"/>
+              <a:cs typeface="Arial"/>
+              <a:sym typeface="Helvetica" charset="0"/>
+            </a:endParaRPr>
+          </a:p>
+        </p:txBody>
+      </p:sp>
+      <p:grpSp>
+        <p:nvGrpSpPr>
+          <p:cNvPr id="4" name="Group 3">
+            <a:extLst>
+              <a:ext uri="{FF2B5EF4-FFF2-40B4-BE49-F238E27FC236}">
+                <a16:creationId xmlns:a16="http://schemas.microsoft.com/office/drawing/2014/main" id="{19499B35-05CC-C546-81E0-AB392B68DC98}"/>
+              </a:ext>
+            </a:extLst>
+          </p:cNvPr>
+          <p:cNvGrpSpPr/>
+          <p:nvPr/>
+        </p:nvGrpSpPr>
+        <p:grpSpPr>
+          <a:xfrm>
+            <a:off x="335324" y="2641095"/>
+            <a:ext cx="555874" cy="787905"/>
+            <a:chOff x="-774327" y="1676400"/>
+            <a:chExt cx="555874" cy="787905"/>
+          </a:xfrm>
+        </p:grpSpPr>
+        <p:grpSp>
+          <p:nvGrpSpPr>
+            <p:cNvPr id="5" name="Group 4">
+              <a:extLst>
+                <a:ext uri="{FF2B5EF4-FFF2-40B4-BE49-F238E27FC236}">
+                  <a16:creationId xmlns:a16="http://schemas.microsoft.com/office/drawing/2014/main" id="{119648D5-30EB-F54E-B5AD-177593E6C8CD}"/>
+                </a:ext>
+              </a:extLst>
+            </p:cNvPr>
+            <p:cNvGrpSpPr/>
+            <p:nvPr/>
+          </p:nvGrpSpPr>
+          <p:grpSpPr>
+            <a:xfrm>
+              <a:off x="-774327" y="1676400"/>
+              <a:ext cx="548640" cy="548640"/>
+              <a:chOff x="-923414" y="1676400"/>
+              <a:chExt cx="1019446" cy="1019446"/>
+            </a:xfrm>
+          </p:grpSpPr>
+          <p:sp>
+            <p:nvSpPr>
+              <p:cNvPr id="7" name="Shape 189">
+                <a:extLst>
+                  <a:ext uri="{FF2B5EF4-FFF2-40B4-BE49-F238E27FC236}">
+                    <a16:creationId xmlns:a16="http://schemas.microsoft.com/office/drawing/2014/main" id="{7493A15C-F1B6-9343-BE4C-F03F9D495501}"/>
+                  </a:ext>
+                </a:extLst>
+              </p:cNvPr>
+              <p:cNvSpPr>
+                <a:spLocks noChangeAspect="1"/>
+              </p:cNvSpPr>
+              <p:nvPr/>
+            </p:nvSpPr>
+            <p:spPr>
+              <a:xfrm>
+                <a:off x="-923414" y="1676400"/>
+                <a:ext cx="1019446" cy="1019446"/>
+              </a:xfrm>
+              <a:custGeom>
+                <a:avLst/>
+                <a:gdLst/>
+                <a:ahLst/>
+                <a:cxnLst>
+                  <a:cxn ang="0">
+                    <a:pos x="wd2" y="hd2"/>
+                  </a:cxn>
+                  <a:cxn ang="5400000">
+                    <a:pos x="wd2" y="hd2"/>
+                  </a:cxn>
+                  <a:cxn ang="10800000">
+                    <a:pos x="wd2" y="hd2"/>
+                  </a:cxn>
+                  <a:cxn ang="16200000">
+                    <a:pos x="wd2" y="hd2"/>
+                  </a:cxn>
+                </a:cxnLst>
+                <a:rect l="0" t="0" r="r" b="b"/>
+                <a:pathLst>
+                  <a:path w="19679" h="19679" extrusionOk="0">
+                    <a:moveTo>
+                      <a:pt x="16796" y="2882"/>
+                    </a:moveTo>
+                    <a:cubicBezTo>
+                      <a:pt x="20639" y="6724"/>
+                      <a:pt x="20639" y="12954"/>
+                      <a:pt x="16796" y="16796"/>
+                    </a:cubicBezTo>
+                    <a:cubicBezTo>
+                      <a:pt x="12954" y="20639"/>
+                      <a:pt x="6724" y="20639"/>
+                      <a:pt x="2882" y="16796"/>
+                    </a:cubicBezTo>
+                    <a:cubicBezTo>
+                      <a:pt x="-961" y="12954"/>
+                      <a:pt x="-961" y="6724"/>
+                      <a:pt x="2882" y="2882"/>
+                    </a:cubicBezTo>
+                    <a:cubicBezTo>
+                      <a:pt x="6724" y="-961"/>
+                      <a:pt x="12954" y="-961"/>
+                      <a:pt x="16796" y="2882"/>
+                    </a:cubicBezTo>
+                    <a:close/>
+                  </a:path>
+                </a:pathLst>
+              </a:custGeom>
+              <a:solidFill>
+                <a:srgbClr val="C6982C"/>
+              </a:solidFill>
+              <a:ln w="3175" cap="flat">
+                <a:noFill/>
+                <a:miter lim="400000"/>
+              </a:ln>
+              <a:effectLst/>
+            </p:spPr>
+            <p:txBody>
+              <a:bodyPr wrap="square" lIns="0" tIns="0" rIns="0" bIns="0" numCol="1" anchor="ctr">
+                <a:noAutofit/>
+              </a:bodyPr>
+              <a:lstStyle/>
+              <a:p>
+                <a:pPr lvl="0">
+                  <a:defRPr sz="1800">
+                    <a:solidFill>
+                      <a:srgbClr val="FFFFFF"/>
+                    </a:solidFill>
+                  </a:defRPr>
+                </a:pPr>
+                <a:endParaRPr dirty="0"/>
+              </a:p>
+            </p:txBody>
+          </p:sp>
+          <p:pic>
+            <p:nvPicPr>
+              <p:cNvPr id="8" name="_-02.png">
+                <a:extLst>
+                  <a:ext uri="{FF2B5EF4-FFF2-40B4-BE49-F238E27FC236}">
+                    <a16:creationId xmlns:a16="http://schemas.microsoft.com/office/drawing/2014/main" id="{FFE349D2-B1E8-734F-89C7-6E62070F21FF}"/>
+                  </a:ext>
+                </a:extLst>
+              </p:cNvPr>
+              <p:cNvPicPr/>
+              <p:nvPr/>
+            </p:nvPicPr>
+            <p:blipFill>
+              <a:blip r:embed="rId2"/>
+              <a:srcRect l="24323" t="21763" r="24323" b="21763"/>
+              <a:stretch>
+                <a:fillRect/>
+              </a:stretch>
+            </p:blipFill>
+            <p:spPr>
+              <a:xfrm>
+                <a:off x="-701490" y="1858969"/>
+                <a:ext cx="580271" cy="689776"/>
+              </a:xfrm>
+              <a:prstGeom prst="rect">
+                <a:avLst/>
+              </a:prstGeom>
+              <a:ln w="3175" cap="flat">
+                <a:noFill/>
+                <a:miter lim="400000"/>
+              </a:ln>
+              <a:effectLst/>
+            </p:spPr>
+          </p:pic>
+        </p:grpSp>
+        <p:sp>
+          <p:nvSpPr>
+            <p:cNvPr id="6" name="Shape 264">
+              <a:extLst>
+                <a:ext uri="{FF2B5EF4-FFF2-40B4-BE49-F238E27FC236}">
+                  <a16:creationId xmlns:a16="http://schemas.microsoft.com/office/drawing/2014/main" id="{D1FA90B7-C36A-B948-B28C-7B44A26A7A74}"/>
+                </a:ext>
+              </a:extLst>
+            </p:cNvPr>
+            <p:cNvSpPr/>
+            <p:nvPr/>
+          </p:nvSpPr>
+          <p:spPr>
+            <a:xfrm>
+              <a:off x="-744238" y="2218084"/>
+              <a:ext cx="525785" cy="246221"/>
+            </a:xfrm>
+            <a:prstGeom prst="rect">
+              <a:avLst/>
+            </a:prstGeom>
+            <a:noFill/>
+            <a:ln w="3175" cap="flat">
+              <a:noFill/>
+              <a:miter lim="400000"/>
+            </a:ln>
+            <a:effectLst/>
+            <a:extLst>
+              <a:ext uri="{C572A759-6A51-4108-AA02-DFA0A04FC94B}">
+                <ma14:wrappingTextBoxFlag xmlns="" xmlns:ma14="http://schemas.microsoft.com/office/mac/drawingml/2011/main" val="1"/>
+              </a:ext>
+            </a:extLst>
+          </p:spPr>
+          <p:txBody>
+            <a:bodyPr wrap="none" lIns="0" tIns="0" rIns="0" bIns="0" numCol="1" anchor="t">
+              <a:spAutoFit/>
+            </a:bodyPr>
+            <a:lstStyle/>
+            <a:p>
+              <a:pPr lvl="0" algn="ctr">
+                <a:defRPr sz="1800"/>
+              </a:pPr>
+              <a:r>
+                <a:rPr lang="en-US" sz="800" b="1" dirty="0">
+                  <a:solidFill>
+                    <a:srgbClr val="4277BB"/>
+                  </a:solidFill>
+                  <a:latin typeface="Helvetica"/>
+                  <a:ea typeface="Helvetica"/>
+                  <a:cs typeface="Helvetica"/>
+                  <a:sym typeface="Helvetica"/>
+                </a:rPr>
+                <a:t>END </a:t>
+              </a:r>
+            </a:p>
+            <a:p>
+              <a:pPr lvl="0" algn="ctr">
+                <a:defRPr sz="1800"/>
+              </a:pPr>
+              <a:r>
+                <a:rPr lang="en-US" sz="800" b="1" dirty="0">
+                  <a:solidFill>
+                    <a:srgbClr val="4277BB"/>
+                  </a:solidFill>
+                  <a:latin typeface="Helvetica"/>
+                  <a:ea typeface="Helvetica"/>
+                  <a:cs typeface="Helvetica"/>
+                  <a:sym typeface="Helvetica"/>
+                </a:rPr>
+                <a:t>USER APP</a:t>
+              </a:r>
+              <a:endParaRPr sz="800" b="1" dirty="0">
+                <a:solidFill>
+                  <a:srgbClr val="4277BB"/>
+                </a:solidFill>
+                <a:latin typeface="Helvetica"/>
+                <a:ea typeface="Helvetica"/>
+                <a:cs typeface="Helvetica"/>
+                <a:sym typeface="Helvetica"/>
+              </a:endParaRPr>
+            </a:p>
+          </p:txBody>
+        </p:sp>
+      </p:grpSp>
+      <p:grpSp>
+        <p:nvGrpSpPr>
+          <p:cNvPr id="9" name="Group 8">
+            <a:extLst>
+              <a:ext uri="{FF2B5EF4-FFF2-40B4-BE49-F238E27FC236}">
+                <a16:creationId xmlns:a16="http://schemas.microsoft.com/office/drawing/2014/main" id="{C2FF062D-6EC3-B74F-B6A8-CEE5F5E865FC}"/>
+              </a:ext>
+            </a:extLst>
+          </p:cNvPr>
+          <p:cNvGrpSpPr/>
+          <p:nvPr/>
+        </p:nvGrpSpPr>
+        <p:grpSpPr>
+          <a:xfrm>
+            <a:off x="1595590" y="4267975"/>
+            <a:ext cx="548640" cy="662070"/>
+            <a:chOff x="7390429" y="-1789102"/>
+            <a:chExt cx="548640" cy="662070"/>
+          </a:xfrm>
+        </p:grpSpPr>
+        <p:pic>
+          <p:nvPicPr>
+            <p:cNvPr id="10" name="Picture 9">
+              <a:extLst>
+                <a:ext uri="{FF2B5EF4-FFF2-40B4-BE49-F238E27FC236}">
+                  <a16:creationId xmlns:a16="http://schemas.microsoft.com/office/drawing/2014/main" id="{5F17099A-3283-B440-AA57-2AEA34AE5692}"/>
+                </a:ext>
+              </a:extLst>
+            </p:cNvPr>
+            <p:cNvPicPr>
+              <a:picLocks noChangeAspect="1"/>
+            </p:cNvPicPr>
+            <p:nvPr/>
+          </p:nvPicPr>
+          <p:blipFill>
+            <a:blip r:embed="rId3"/>
+            <a:stretch>
+              <a:fillRect/>
+            </a:stretch>
+          </p:blipFill>
+          <p:spPr>
+            <a:xfrm>
+              <a:off x="7390429" y="-1789102"/>
+              <a:ext cx="548640" cy="548640"/>
+            </a:xfrm>
+            <a:prstGeom prst="rect">
+              <a:avLst/>
+            </a:prstGeom>
+          </p:spPr>
+        </p:pic>
+        <p:sp>
+          <p:nvSpPr>
+            <p:cNvPr id="11" name="Shape 264">
+              <a:extLst>
+                <a:ext uri="{FF2B5EF4-FFF2-40B4-BE49-F238E27FC236}">
+                  <a16:creationId xmlns:a16="http://schemas.microsoft.com/office/drawing/2014/main" id="{DC705403-6E16-204D-8FB0-2DF039140013}"/>
+                </a:ext>
+              </a:extLst>
+            </p:cNvPr>
+            <p:cNvSpPr/>
+            <p:nvPr/>
+          </p:nvSpPr>
+          <p:spPr>
+            <a:xfrm>
+              <a:off x="7404261" y="-1250143"/>
+              <a:ext cx="520976" cy="123111"/>
+            </a:xfrm>
+            <a:prstGeom prst="rect">
+              <a:avLst/>
+            </a:prstGeom>
+            <a:noFill/>
+            <a:ln w="3175" cap="flat">
+              <a:noFill/>
+              <a:miter lim="400000"/>
+            </a:ln>
+            <a:effectLst/>
+            <a:extLst>
+              <a:ext uri="{C572A759-6A51-4108-AA02-DFA0A04FC94B}">
+                <ma14:wrappingTextBoxFlag xmlns="" xmlns:ma14="http://schemas.microsoft.com/office/mac/drawingml/2011/main" val="1"/>
+              </a:ext>
+            </a:extLst>
+          </p:spPr>
+          <p:txBody>
+            <a:bodyPr wrap="square" lIns="0" tIns="0" rIns="0" bIns="0" numCol="1" anchor="t">
+              <a:spAutoFit/>
+            </a:bodyPr>
+            <a:lstStyle/>
+            <a:p>
+              <a:pPr lvl="0" algn="ctr">
+                <a:defRPr sz="1800"/>
+              </a:pPr>
+              <a:r>
+                <a:rPr lang="en-US" sz="800" b="1" dirty="0">
+                  <a:solidFill>
+                    <a:srgbClr val="4277BB"/>
+                  </a:solidFill>
+                  <a:latin typeface="Helvetica"/>
+                  <a:ea typeface="Helvetica"/>
+                  <a:cs typeface="Helvetica"/>
+                  <a:sym typeface="Helvetica"/>
+                </a:rPr>
+                <a:t>Cognito</a:t>
+              </a:r>
+              <a:endParaRPr sz="800" b="1" dirty="0">
+                <a:solidFill>
+                  <a:srgbClr val="4277BB"/>
+                </a:solidFill>
+                <a:latin typeface="Helvetica"/>
+                <a:ea typeface="Helvetica"/>
+                <a:cs typeface="Helvetica"/>
+                <a:sym typeface="Helvetica"/>
+              </a:endParaRPr>
+            </a:p>
+          </p:txBody>
+        </p:sp>
+      </p:grpSp>
+      <p:grpSp>
+        <p:nvGrpSpPr>
+          <p:cNvPr id="12" name="Group 11">
+            <a:extLst>
+              <a:ext uri="{FF2B5EF4-FFF2-40B4-BE49-F238E27FC236}">
+                <a16:creationId xmlns:a16="http://schemas.microsoft.com/office/drawing/2014/main" id="{71C869AD-DE31-AC41-9F33-F1CC1CE0DC3C}"/>
+              </a:ext>
+            </a:extLst>
+          </p:cNvPr>
+          <p:cNvGrpSpPr/>
+          <p:nvPr/>
+        </p:nvGrpSpPr>
+        <p:grpSpPr>
+          <a:xfrm>
+            <a:off x="7253686" y="2635865"/>
+            <a:ext cx="548640" cy="793135"/>
+            <a:chOff x="4329965" y="-850115"/>
+            <a:chExt cx="548640" cy="793135"/>
+          </a:xfrm>
+        </p:grpSpPr>
+        <p:pic>
+          <p:nvPicPr>
+            <p:cNvPr id="13" name="Picture 12">
+              <a:extLst>
+                <a:ext uri="{FF2B5EF4-FFF2-40B4-BE49-F238E27FC236}">
+                  <a16:creationId xmlns:a16="http://schemas.microsoft.com/office/drawing/2014/main" id="{E75CD5D0-C14A-1C44-84E1-F03D2AF72DC5}"/>
+                </a:ext>
+              </a:extLst>
+            </p:cNvPr>
+            <p:cNvPicPr>
+              <a:picLocks noChangeAspect="1"/>
+            </p:cNvPicPr>
+            <p:nvPr/>
+          </p:nvPicPr>
+          <p:blipFill>
+            <a:blip r:embed="rId4"/>
+            <a:stretch>
+              <a:fillRect/>
+            </a:stretch>
+          </p:blipFill>
+          <p:spPr>
+            <a:xfrm>
+              <a:off x="4329965" y="-850115"/>
+              <a:ext cx="548640" cy="548640"/>
+            </a:xfrm>
+            <a:prstGeom prst="rect">
+              <a:avLst/>
+            </a:prstGeom>
+          </p:spPr>
+        </p:pic>
+        <p:sp>
+          <p:nvSpPr>
+            <p:cNvPr id="14" name="Shape 264">
+              <a:extLst>
+                <a:ext uri="{FF2B5EF4-FFF2-40B4-BE49-F238E27FC236}">
+                  <a16:creationId xmlns:a16="http://schemas.microsoft.com/office/drawing/2014/main" id="{55866B3B-C1F0-6145-A613-475EF1D2E264}"/>
+                </a:ext>
+              </a:extLst>
+            </p:cNvPr>
+            <p:cNvSpPr/>
+            <p:nvPr/>
+          </p:nvSpPr>
+          <p:spPr>
+            <a:xfrm>
+              <a:off x="4343797" y="-303201"/>
+              <a:ext cx="520976" cy="246221"/>
+            </a:xfrm>
+            <a:prstGeom prst="rect">
+              <a:avLst/>
+            </a:prstGeom>
+            <a:noFill/>
+            <a:ln w="3175" cap="flat">
+              <a:noFill/>
+              <a:miter lim="400000"/>
+            </a:ln>
+            <a:effectLst/>
+            <a:extLst>
+              <a:ext uri="{C572A759-6A51-4108-AA02-DFA0A04FC94B}">
+                <ma14:wrappingTextBoxFlag xmlns="" xmlns:ma14="http://schemas.microsoft.com/office/mac/drawingml/2011/main" val="1"/>
+              </a:ext>
+            </a:extLst>
+          </p:spPr>
+          <p:txBody>
+            <a:bodyPr wrap="square" lIns="0" tIns="0" rIns="0" bIns="0" numCol="1" anchor="t">
+              <a:spAutoFit/>
+            </a:bodyPr>
+            <a:lstStyle/>
+            <a:p>
+              <a:pPr lvl="0" algn="ctr">
+                <a:defRPr sz="1800"/>
+              </a:pPr>
+              <a:r>
+                <a:rPr lang="en-US" sz="800" b="1" dirty="0">
+                  <a:solidFill>
+                    <a:srgbClr val="4277BB"/>
+                  </a:solidFill>
+                  <a:latin typeface="Helvetica"/>
+                  <a:ea typeface="Helvetica"/>
+                  <a:cs typeface="Helvetica"/>
+                  <a:sym typeface="Helvetica"/>
+                </a:rPr>
+                <a:t>DYNAMO</a:t>
+              </a:r>
+            </a:p>
+            <a:p>
+              <a:pPr lvl="0" algn="ctr">
+                <a:defRPr sz="1800"/>
+              </a:pPr>
+              <a:r>
+                <a:rPr lang="en-US" sz="800" b="1" dirty="0">
+                  <a:solidFill>
+                    <a:srgbClr val="4277BB"/>
+                  </a:solidFill>
+                  <a:latin typeface="Helvetica"/>
+                  <a:ea typeface="Helvetica"/>
+                  <a:cs typeface="Helvetica"/>
+                  <a:sym typeface="Helvetica"/>
+                </a:rPr>
+                <a:t>DB</a:t>
+              </a:r>
+              <a:endParaRPr sz="800" b="1" dirty="0">
+                <a:solidFill>
+                  <a:srgbClr val="4277BB"/>
+                </a:solidFill>
+                <a:latin typeface="Helvetica"/>
+                <a:ea typeface="Helvetica"/>
+                <a:cs typeface="Helvetica"/>
+                <a:sym typeface="Helvetica"/>
+              </a:endParaRPr>
+            </a:p>
+          </p:txBody>
+        </p:sp>
+      </p:grpSp>
+      <p:cxnSp>
+        <p:nvCxnSpPr>
+          <p:cNvPr id="16" name="Straight Arrow Connector 15">
+            <a:extLst>
+              <a:ext uri="{FF2B5EF4-FFF2-40B4-BE49-F238E27FC236}">
+                <a16:creationId xmlns:a16="http://schemas.microsoft.com/office/drawing/2014/main" id="{2B513BEB-36B5-D04C-AD5A-751ED8E67BDC}"/>
+              </a:ext>
+            </a:extLst>
+          </p:cNvPr>
+          <p:cNvCxnSpPr>
+            <a:cxnSpLocks/>
+          </p:cNvCxnSpPr>
+          <p:nvPr/>
+        </p:nvCxnSpPr>
+        <p:spPr>
+          <a:xfrm>
+            <a:off x="767045" y="3429000"/>
+            <a:ext cx="912576" cy="867074"/>
+          </a:xfrm>
+          <a:prstGeom prst="straightConnector1">
+            <a:avLst/>
+          </a:prstGeom>
+          <a:ln>
+            <a:headEnd type="triangle"/>
+            <a:tailEnd type="triangle"/>
+          </a:ln>
+        </p:spPr>
+        <p:style>
+          <a:lnRef idx="1">
+            <a:schemeClr val="accent2"/>
+          </a:lnRef>
+          <a:fillRef idx="0">
+            <a:schemeClr val="accent2"/>
+          </a:fillRef>
+          <a:effectRef idx="0">
+            <a:schemeClr val="accent2"/>
+          </a:effectRef>
+          <a:fontRef idx="minor">
+            <a:schemeClr val="tx1"/>
+          </a:fontRef>
+        </p:style>
+      </p:cxnSp>
+      <p:sp>
+        <p:nvSpPr>
+          <p:cNvPr id="17" name="TextBox 16">
+            <a:extLst>
+              <a:ext uri="{FF2B5EF4-FFF2-40B4-BE49-F238E27FC236}">
+                <a16:creationId xmlns:a16="http://schemas.microsoft.com/office/drawing/2014/main" id="{EE45ACB7-52C6-014B-B527-574460A2F633}"/>
+              </a:ext>
+            </a:extLst>
+          </p:cNvPr>
+          <p:cNvSpPr txBox="1"/>
+          <p:nvPr/>
+        </p:nvSpPr>
+        <p:spPr>
+          <a:xfrm>
+            <a:off x="622896" y="3625131"/>
+            <a:ext cx="891591" cy="246221"/>
+          </a:xfrm>
+          <a:prstGeom prst="rect">
+            <a:avLst/>
+          </a:prstGeom>
+          <a:solidFill>
+            <a:schemeClr val="bg1"/>
+          </a:solidFill>
+        </p:spPr>
+        <p:txBody>
+          <a:bodyPr wrap="none" rtlCol="0">
+            <a:spAutoFit/>
+          </a:bodyPr>
+          <a:lstStyle/>
+          <a:p>
+            <a:r>
+              <a:rPr lang="en-US" sz="1000" dirty="0"/>
+              <a:t>Authenticate</a:t>
+            </a:r>
+            <a:endParaRPr sz="1000" dirty="0"/>
+          </a:p>
+        </p:txBody>
+      </p:sp>
+      <p:grpSp>
+        <p:nvGrpSpPr>
+          <p:cNvPr id="18" name="Group 17">
+            <a:extLst>
+              <a:ext uri="{FF2B5EF4-FFF2-40B4-BE49-F238E27FC236}">
+                <a16:creationId xmlns:a16="http://schemas.microsoft.com/office/drawing/2014/main" id="{FF50E5A1-2F3F-3340-9F8B-4F72EB9F4667}"/>
+              </a:ext>
+            </a:extLst>
+          </p:cNvPr>
+          <p:cNvGrpSpPr/>
+          <p:nvPr/>
+        </p:nvGrpSpPr>
+        <p:grpSpPr>
+          <a:xfrm>
+            <a:off x="2357126" y="5562393"/>
+            <a:ext cx="764759" cy="914604"/>
+            <a:chOff x="10202840" y="-858415"/>
+            <a:chExt cx="764759" cy="914604"/>
+          </a:xfrm>
+        </p:grpSpPr>
+        <p:pic>
+          <p:nvPicPr>
+            <p:cNvPr id="19" name="Picture 18">
+              <a:extLst>
+                <a:ext uri="{FF2B5EF4-FFF2-40B4-BE49-F238E27FC236}">
+                  <a16:creationId xmlns:a16="http://schemas.microsoft.com/office/drawing/2014/main" id="{9BC97DC8-CC17-9744-A184-1DA660F90896}"/>
+                </a:ext>
+              </a:extLst>
+            </p:cNvPr>
+            <p:cNvPicPr>
+              <a:picLocks noChangeAspect="1"/>
+            </p:cNvPicPr>
+            <p:nvPr/>
+          </p:nvPicPr>
+          <p:blipFill>
+            <a:blip r:embed="rId5"/>
+            <a:stretch>
+              <a:fillRect/>
+            </a:stretch>
+          </p:blipFill>
+          <p:spPr>
+            <a:xfrm>
+              <a:off x="10313700" y="-858415"/>
+              <a:ext cx="548640" cy="548640"/>
+            </a:xfrm>
+            <a:prstGeom prst="rect">
+              <a:avLst/>
+            </a:prstGeom>
+          </p:spPr>
+        </p:pic>
+        <p:sp>
+          <p:nvSpPr>
+            <p:cNvPr id="20" name="Shape 264">
+              <a:extLst>
+                <a:ext uri="{FF2B5EF4-FFF2-40B4-BE49-F238E27FC236}">
+                  <a16:creationId xmlns:a16="http://schemas.microsoft.com/office/drawing/2014/main" id="{7F482492-CE41-AB4E-AB91-C3E0696A7C3C}"/>
+                </a:ext>
+              </a:extLst>
+            </p:cNvPr>
+            <p:cNvSpPr/>
+            <p:nvPr/>
+          </p:nvSpPr>
+          <p:spPr>
+            <a:xfrm>
+              <a:off x="10202840" y="-313143"/>
+              <a:ext cx="764759" cy="369332"/>
+            </a:xfrm>
+            <a:prstGeom prst="rect">
+              <a:avLst/>
+            </a:prstGeom>
+            <a:noFill/>
+            <a:ln w="3175" cap="flat">
+              <a:noFill/>
+              <a:miter lim="400000"/>
+            </a:ln>
+            <a:effectLst/>
+            <a:extLst>
+              <a:ext uri="{C572A759-6A51-4108-AA02-DFA0A04FC94B}">
+                <ma14:wrappingTextBoxFlag xmlns:ma14="http://schemas.microsoft.com/office/mac/drawingml/2011/main" xmlns="" val="1"/>
+              </a:ext>
+            </a:extLst>
+          </p:spPr>
+          <p:txBody>
+            <a:bodyPr wrap="square" lIns="0" tIns="0" rIns="0" bIns="0" numCol="1" anchor="t">
+              <a:spAutoFit/>
+            </a:bodyPr>
+            <a:lstStyle/>
+            <a:p>
+              <a:pPr lvl="0" algn="ctr">
+                <a:defRPr sz="1800"/>
+              </a:pPr>
+              <a:r>
+                <a:rPr lang="en-US" sz="800" b="1" dirty="0">
+                  <a:solidFill>
+                    <a:srgbClr val="4277BB"/>
+                  </a:solidFill>
+                  <a:latin typeface="Helvetica"/>
+                  <a:ea typeface="Helvetica"/>
+                  <a:cs typeface="Helvetica"/>
+                  <a:sym typeface="Helvetica"/>
+                </a:rPr>
+                <a:t>IDENTITY &amp; ACCESS MANAGEMENT</a:t>
+              </a:r>
+              <a:endParaRPr sz="800" b="1" dirty="0">
+                <a:solidFill>
+                  <a:srgbClr val="4277BB"/>
+                </a:solidFill>
+                <a:latin typeface="Helvetica"/>
+                <a:ea typeface="Helvetica"/>
+                <a:cs typeface="Helvetica"/>
+                <a:sym typeface="Helvetica"/>
+              </a:endParaRPr>
+            </a:p>
+          </p:txBody>
+        </p:sp>
+      </p:grpSp>
+      <p:grpSp>
+        <p:nvGrpSpPr>
+          <p:cNvPr id="21" name="Group 379">
+            <a:extLst>
+              <a:ext uri="{FF2B5EF4-FFF2-40B4-BE49-F238E27FC236}">
+                <a16:creationId xmlns:a16="http://schemas.microsoft.com/office/drawing/2014/main" id="{B84894CA-3751-1942-85B0-4A74B5A6CE81}"/>
+              </a:ext>
+            </a:extLst>
+          </p:cNvPr>
+          <p:cNvGrpSpPr/>
+          <p:nvPr/>
+        </p:nvGrpSpPr>
+        <p:grpSpPr>
+          <a:xfrm>
+            <a:off x="1514487" y="2609089"/>
+            <a:ext cx="891591" cy="864025"/>
+            <a:chOff x="0" y="0"/>
+            <a:chExt cx="1175438" cy="932542"/>
+          </a:xfrm>
+        </p:grpSpPr>
+        <p:sp>
+          <p:nvSpPr>
+            <p:cNvPr id="22" name="Shape 375">
+              <a:extLst>
+                <a:ext uri="{FF2B5EF4-FFF2-40B4-BE49-F238E27FC236}">
+                  <a16:creationId xmlns:a16="http://schemas.microsoft.com/office/drawing/2014/main" id="{ADF5DC0E-8664-9E45-9F6C-9C8CF3206AF5}"/>
+                </a:ext>
+              </a:extLst>
+            </p:cNvPr>
+            <p:cNvSpPr/>
+            <p:nvPr/>
+          </p:nvSpPr>
+          <p:spPr>
+            <a:xfrm>
+              <a:off x="217706" y="0"/>
+              <a:ext cx="707232" cy="707232"/>
+            </a:xfrm>
+            <a:custGeom>
+              <a:avLst/>
+              <a:gdLst/>
+              <a:ahLst/>
+              <a:cxnLst>
+                <a:cxn ang="0">
+                  <a:pos x="wd2" y="hd2"/>
+                </a:cxn>
+                <a:cxn ang="5400000">
+                  <a:pos x="wd2" y="hd2"/>
+                </a:cxn>
+                <a:cxn ang="10800000">
+                  <a:pos x="wd2" y="hd2"/>
+                </a:cxn>
+                <a:cxn ang="16200000">
+                  <a:pos x="wd2" y="hd2"/>
+                </a:cxn>
+              </a:cxnLst>
+              <a:rect l="0" t="0" r="r" b="b"/>
+              <a:pathLst>
+                <a:path w="19679" h="19679" extrusionOk="0">
+                  <a:moveTo>
+                    <a:pt x="16796" y="2882"/>
+                  </a:moveTo>
+                  <a:cubicBezTo>
+                    <a:pt x="20639" y="6724"/>
+                    <a:pt x="20639" y="12954"/>
+                    <a:pt x="16796" y="16796"/>
+                  </a:cubicBezTo>
+                  <a:cubicBezTo>
+                    <a:pt x="12954" y="20639"/>
+                    <a:pt x="6724" y="20639"/>
+                    <a:pt x="2882" y="16796"/>
+                  </a:cubicBezTo>
+                  <a:cubicBezTo>
+                    <a:pt x="-961" y="12954"/>
+                    <a:pt x="-961" y="6724"/>
+                    <a:pt x="2882" y="2882"/>
+                  </a:cubicBezTo>
+                  <a:cubicBezTo>
+                    <a:pt x="6724" y="-961"/>
+                    <a:pt x="12954" y="-961"/>
+                    <a:pt x="16796" y="2882"/>
+                  </a:cubicBezTo>
+                  <a:close/>
+                </a:path>
+              </a:pathLst>
+            </a:custGeom>
+            <a:solidFill>
+              <a:srgbClr val="00B19E"/>
+            </a:solidFill>
+            <a:ln w="3175" cap="flat">
+              <a:noFill/>
+              <a:miter lim="400000"/>
+            </a:ln>
+            <a:effectLst/>
+          </p:spPr>
+          <p:txBody>
+            <a:bodyPr wrap="square" lIns="0" tIns="0" rIns="0" bIns="0" numCol="1" anchor="ctr">
+              <a:noAutofit/>
+            </a:bodyPr>
+            <a:lstStyle/>
+            <a:p>
+              <a:pPr lvl="0">
+                <a:defRPr sz="1800">
+                  <a:solidFill>
+                    <a:srgbClr val="FFFFFF"/>
+                  </a:solidFill>
+                </a:defRPr>
+              </a:pPr>
+              <a:endParaRPr/>
+            </a:p>
+          </p:txBody>
+        </p:sp>
+        <p:grpSp>
+          <p:nvGrpSpPr>
+            <p:cNvPr id="23" name="Group 378">
+              <a:extLst>
+                <a:ext uri="{FF2B5EF4-FFF2-40B4-BE49-F238E27FC236}">
+                  <a16:creationId xmlns:a16="http://schemas.microsoft.com/office/drawing/2014/main" id="{8E164CB2-DBB7-2243-BC6D-697C6A5884D1}"/>
+                </a:ext>
+              </a:extLst>
+            </p:cNvPr>
+            <p:cNvGrpSpPr/>
+            <p:nvPr/>
+          </p:nvGrpSpPr>
+          <p:grpSpPr>
+            <a:xfrm>
+              <a:off x="-1" y="139612"/>
+              <a:ext cx="1175440" cy="792931"/>
+              <a:chOff x="0" y="130399"/>
+              <a:chExt cx="1175438" cy="792929"/>
+            </a:xfrm>
+          </p:grpSpPr>
+          <p:pic>
+            <p:nvPicPr>
+              <p:cNvPr id="24" name="_-19.png">
+                <a:extLst>
+                  <a:ext uri="{FF2B5EF4-FFF2-40B4-BE49-F238E27FC236}">
+                    <a16:creationId xmlns:a16="http://schemas.microsoft.com/office/drawing/2014/main" id="{827D0EA9-2AD3-2D4B-8787-182FE73D6F13}"/>
+                  </a:ext>
+                </a:extLst>
+              </p:cNvPr>
+              <p:cNvPicPr/>
+              <p:nvPr/>
+            </p:nvPicPr>
+            <p:blipFill>
+              <a:blip r:embed="rId6"/>
+              <a:srcRect l="11328" t="18438" r="11328" b="18438"/>
+              <a:stretch>
+                <a:fillRect/>
+              </a:stretch>
+            </p:blipFill>
+            <p:spPr>
+              <a:xfrm>
+                <a:off x="306810" y="130399"/>
+                <a:ext cx="547001" cy="446433"/>
+              </a:xfrm>
+              <a:prstGeom prst="rect">
+                <a:avLst/>
+              </a:prstGeom>
+              <a:ln w="3175" cap="flat">
+                <a:noFill/>
+                <a:miter lim="400000"/>
+              </a:ln>
+              <a:effectLst/>
+            </p:spPr>
+          </p:pic>
+          <p:sp>
+            <p:nvSpPr>
+              <p:cNvPr id="25" name="Shape 377">
+                <a:extLst>
+                  <a:ext uri="{FF2B5EF4-FFF2-40B4-BE49-F238E27FC236}">
+                    <a16:creationId xmlns:a16="http://schemas.microsoft.com/office/drawing/2014/main" id="{527328AB-FED0-8E48-974C-3F9731394A80}"/>
+                  </a:ext>
+                </a:extLst>
+              </p:cNvPr>
+              <p:cNvSpPr/>
+              <p:nvPr/>
+            </p:nvSpPr>
+            <p:spPr>
+              <a:xfrm>
+                <a:off x="0" y="707231"/>
+                <a:ext cx="1175439" cy="216099"/>
+              </a:xfrm>
+              <a:prstGeom prst="rect">
+                <a:avLst/>
+              </a:prstGeom>
+              <a:noFill/>
+              <a:ln w="3175" cap="flat">
+                <a:noFill/>
+                <a:miter lim="400000"/>
+              </a:ln>
+              <a:effectLst/>
+              <a:extLst>
+                <a:ext uri="{C572A759-6A51-4108-AA02-DFA0A04FC94B}">
+                  <ma14:wrappingTextBoxFlag xmlns:ma14="http://schemas.microsoft.com/office/mac/drawingml/2011/main" xmlns="" val="1"/>
+                </a:ext>
+              </a:extLst>
+            </p:spPr>
+            <p:txBody>
+              <a:bodyPr wrap="square" lIns="0" tIns="0" rIns="0" bIns="0" numCol="1" anchor="t">
+                <a:noAutofit/>
+              </a:bodyPr>
+              <a:lstStyle>
+                <a:lvl1pPr>
+                  <a:defRPr sz="800" b="1">
+                    <a:solidFill>
+                      <a:srgbClr val="4277BB"/>
+                    </a:solidFill>
+                    <a:latin typeface="Helvetica"/>
+                    <a:ea typeface="Helvetica"/>
+                    <a:cs typeface="Helvetica"/>
+                    <a:sym typeface="Helvetica"/>
+                  </a:defRPr>
+                </a:lvl1pPr>
+              </a:lstStyle>
+              <a:p>
+                <a:pPr lvl="0">
+                  <a:defRPr sz="1800" b="0">
+                    <a:solidFill>
+                      <a:srgbClr val="000000"/>
+                    </a:solidFill>
+                  </a:defRPr>
+                </a:pPr>
+                <a:r>
+                  <a:rPr sz="800" b="1" dirty="0">
+                    <a:solidFill>
+                      <a:srgbClr val="4277BB"/>
+                    </a:solidFill>
+                  </a:rPr>
+                  <a:t>API </a:t>
+                </a:r>
+                <a:r>
+                  <a:rPr lang="en-US" sz="800" b="1" dirty="0">
+                    <a:solidFill>
+                      <a:srgbClr val="4277BB"/>
+                    </a:solidFill>
+                  </a:rPr>
+                  <a:t>GATEWAY</a:t>
+                </a:r>
+                <a:endParaRPr sz="800" b="1" dirty="0">
+                  <a:solidFill>
+                    <a:srgbClr val="4277BB"/>
+                  </a:solidFill>
+                </a:endParaRPr>
+              </a:p>
+            </p:txBody>
+          </p:sp>
+        </p:grpSp>
+      </p:grpSp>
+      <p:cxnSp>
+        <p:nvCxnSpPr>
+          <p:cNvPr id="26" name="Straight Arrow Connector 25">
+            <a:extLst>
+              <a:ext uri="{FF2B5EF4-FFF2-40B4-BE49-F238E27FC236}">
+                <a16:creationId xmlns:a16="http://schemas.microsoft.com/office/drawing/2014/main" id="{EFA8A8E8-B409-C645-82C1-542747104C89}"/>
+              </a:ext>
+            </a:extLst>
+          </p:cNvPr>
+          <p:cNvCxnSpPr>
+            <a:cxnSpLocks/>
+          </p:cNvCxnSpPr>
+          <p:nvPr/>
+        </p:nvCxnSpPr>
+        <p:spPr>
+          <a:xfrm>
+            <a:off x="891198" y="2903551"/>
+            <a:ext cx="740207" cy="0"/>
+          </a:xfrm>
+          <a:prstGeom prst="straightConnector1">
+            <a:avLst/>
+          </a:prstGeom>
+          <a:ln>
+            <a:headEnd type="triangle"/>
+            <a:tailEnd type="triangle"/>
+          </a:ln>
+        </p:spPr>
+        <p:style>
+          <a:lnRef idx="1">
+            <a:schemeClr val="accent2"/>
+          </a:lnRef>
+          <a:fillRef idx="0">
+            <a:schemeClr val="accent2"/>
+          </a:fillRef>
+          <a:effectRef idx="0">
+            <a:schemeClr val="accent2"/>
+          </a:effectRef>
+          <a:fontRef idx="minor">
+            <a:schemeClr val="tx1"/>
+          </a:fontRef>
+        </p:style>
+      </p:cxnSp>
+      <p:sp>
+        <p:nvSpPr>
+          <p:cNvPr id="29" name="TextBox 28">
+            <a:extLst>
+              <a:ext uri="{FF2B5EF4-FFF2-40B4-BE49-F238E27FC236}">
+                <a16:creationId xmlns:a16="http://schemas.microsoft.com/office/drawing/2014/main" id="{24836AB1-B33E-3346-9DCC-ED3661071677}"/>
+              </a:ext>
+            </a:extLst>
+          </p:cNvPr>
+          <p:cNvSpPr txBox="1"/>
+          <p:nvPr/>
+        </p:nvSpPr>
+        <p:spPr>
+          <a:xfrm>
+            <a:off x="986719" y="2615332"/>
+            <a:ext cx="526106" cy="246221"/>
+          </a:xfrm>
+          <a:prstGeom prst="rect">
+            <a:avLst/>
+          </a:prstGeom>
+          <a:solidFill>
+            <a:schemeClr val="bg1"/>
+          </a:solidFill>
+        </p:spPr>
+        <p:txBody>
+          <a:bodyPr wrap="none" rtlCol="0">
+            <a:spAutoFit/>
+          </a:bodyPr>
+          <a:lstStyle/>
+          <a:p>
+            <a:r>
+              <a:rPr lang="en-US" sz="1000" dirty="0"/>
+              <a:t>REST</a:t>
+            </a:r>
+            <a:endParaRPr sz="1000" dirty="0"/>
+          </a:p>
+        </p:txBody>
+      </p:sp>
+      <p:cxnSp>
+        <p:nvCxnSpPr>
+          <p:cNvPr id="30" name="Straight Arrow Connector 29">
+            <a:extLst>
+              <a:ext uri="{FF2B5EF4-FFF2-40B4-BE49-F238E27FC236}">
+                <a16:creationId xmlns:a16="http://schemas.microsoft.com/office/drawing/2014/main" id="{C6AD1BE3-B031-6B47-89B4-3EAA0911B5DA}"/>
+              </a:ext>
+            </a:extLst>
+          </p:cNvPr>
+          <p:cNvCxnSpPr>
+            <a:cxnSpLocks/>
+            <a:stCxn id="25" idx="2"/>
+            <a:endCxn id="10" idx="0"/>
+          </p:cNvCxnSpPr>
+          <p:nvPr/>
+        </p:nvCxnSpPr>
+        <p:spPr>
+          <a:xfrm flipH="1">
+            <a:off x="1869910" y="3473117"/>
+            <a:ext cx="90373" cy="794858"/>
+          </a:xfrm>
+          <a:prstGeom prst="straightConnector1">
+            <a:avLst/>
+          </a:prstGeom>
+          <a:ln>
+            <a:headEnd type="triangle"/>
+            <a:tailEnd type="triangle"/>
+          </a:ln>
+        </p:spPr>
+        <p:style>
+          <a:lnRef idx="1">
+            <a:schemeClr val="accent2"/>
+          </a:lnRef>
+          <a:fillRef idx="0">
+            <a:schemeClr val="accent2"/>
+          </a:fillRef>
+          <a:effectRef idx="0">
+            <a:schemeClr val="accent2"/>
+          </a:effectRef>
+          <a:fontRef idx="minor">
+            <a:schemeClr val="tx1"/>
+          </a:fontRef>
+        </p:style>
+      </p:cxnSp>
+      <p:sp>
+        <p:nvSpPr>
+          <p:cNvPr id="33" name="TextBox 32">
+            <a:extLst>
+              <a:ext uri="{FF2B5EF4-FFF2-40B4-BE49-F238E27FC236}">
+                <a16:creationId xmlns:a16="http://schemas.microsoft.com/office/drawing/2014/main" id="{A6A005F4-4AA3-E945-B377-D273B2B2F716}"/>
+              </a:ext>
+            </a:extLst>
+          </p:cNvPr>
+          <p:cNvSpPr txBox="1"/>
+          <p:nvPr/>
+        </p:nvSpPr>
+        <p:spPr>
+          <a:xfrm>
+            <a:off x="1747207" y="3602266"/>
+            <a:ext cx="990977" cy="400110"/>
+          </a:xfrm>
+          <a:prstGeom prst="rect">
+            <a:avLst/>
+          </a:prstGeom>
+          <a:solidFill>
+            <a:schemeClr val="bg1"/>
+          </a:solidFill>
+        </p:spPr>
+        <p:txBody>
+          <a:bodyPr wrap="none" rtlCol="0">
+            <a:spAutoFit/>
+          </a:bodyPr>
+          <a:lstStyle/>
+          <a:p>
+            <a:r>
+              <a:rPr lang="en-US" sz="1000" dirty="0"/>
+              <a:t>Verify </a:t>
+            </a:r>
+          </a:p>
+          <a:p>
+            <a:r>
+              <a:rPr lang="en-US" sz="1000" dirty="0"/>
+              <a:t>Authentication</a:t>
+            </a:r>
+            <a:endParaRPr sz="1000" dirty="0"/>
+          </a:p>
+        </p:txBody>
+      </p:sp>
+      <p:cxnSp>
+        <p:nvCxnSpPr>
+          <p:cNvPr id="39" name="Straight Arrow Connector 38">
+            <a:extLst>
+              <a:ext uri="{FF2B5EF4-FFF2-40B4-BE49-F238E27FC236}">
+                <a16:creationId xmlns:a16="http://schemas.microsoft.com/office/drawing/2014/main" id="{76258717-FB62-7F4A-8EA5-1B0F3CAD3876}"/>
+              </a:ext>
+            </a:extLst>
+          </p:cNvPr>
+          <p:cNvCxnSpPr>
+            <a:cxnSpLocks/>
+          </p:cNvCxnSpPr>
+          <p:nvPr/>
+        </p:nvCxnSpPr>
+        <p:spPr>
+          <a:xfrm>
+            <a:off x="2242695" y="2910185"/>
+            <a:ext cx="1293296" cy="6995"/>
+          </a:xfrm>
+          <a:prstGeom prst="straightConnector1">
+            <a:avLst/>
+          </a:prstGeom>
+          <a:ln>
+            <a:headEnd type="triangle"/>
+            <a:tailEnd type="triangle"/>
+          </a:ln>
+        </p:spPr>
+        <p:style>
+          <a:lnRef idx="1">
+            <a:schemeClr val="accent2"/>
+          </a:lnRef>
+          <a:fillRef idx="0">
+            <a:schemeClr val="accent2"/>
+          </a:fillRef>
+          <a:effectRef idx="0">
+            <a:schemeClr val="accent2"/>
+          </a:effectRef>
+          <a:fontRef idx="minor">
+            <a:schemeClr val="tx1"/>
+          </a:fontRef>
+        </p:style>
+      </p:cxnSp>
+      <p:cxnSp>
+        <p:nvCxnSpPr>
+          <p:cNvPr id="42" name="Straight Arrow Connector 41">
+            <a:extLst>
+              <a:ext uri="{FF2B5EF4-FFF2-40B4-BE49-F238E27FC236}">
+                <a16:creationId xmlns:a16="http://schemas.microsoft.com/office/drawing/2014/main" id="{2334D32E-479F-B64C-A001-08F317DC7B0B}"/>
+              </a:ext>
+            </a:extLst>
+          </p:cNvPr>
+          <p:cNvCxnSpPr>
+            <a:cxnSpLocks/>
+          </p:cNvCxnSpPr>
+          <p:nvPr/>
+        </p:nvCxnSpPr>
+        <p:spPr>
+          <a:xfrm flipV="1">
+            <a:off x="4296343" y="2940220"/>
+            <a:ext cx="1090192" cy="5039"/>
+          </a:xfrm>
+          <a:prstGeom prst="straightConnector1">
+            <a:avLst/>
+          </a:prstGeom>
+          <a:ln>
+            <a:headEnd type="triangle"/>
+            <a:tailEnd type="triangle"/>
+          </a:ln>
+        </p:spPr>
+        <p:style>
+          <a:lnRef idx="1">
+            <a:schemeClr val="accent2"/>
+          </a:lnRef>
+          <a:fillRef idx="0">
+            <a:schemeClr val="accent2"/>
+          </a:fillRef>
+          <a:effectRef idx="0">
+            <a:schemeClr val="accent2"/>
+          </a:effectRef>
+          <a:fontRef idx="minor">
+            <a:schemeClr val="tx1"/>
+          </a:fontRef>
+        </p:style>
+      </p:cxnSp>
+      <p:grpSp>
+        <p:nvGrpSpPr>
+          <p:cNvPr id="43" name="Group 42">
+            <a:extLst>
+              <a:ext uri="{FF2B5EF4-FFF2-40B4-BE49-F238E27FC236}">
+                <a16:creationId xmlns:a16="http://schemas.microsoft.com/office/drawing/2014/main" id="{0985F01F-31D0-5145-BAE7-F2745450CD84}"/>
+              </a:ext>
+            </a:extLst>
+          </p:cNvPr>
+          <p:cNvGrpSpPr/>
+          <p:nvPr/>
+        </p:nvGrpSpPr>
+        <p:grpSpPr>
+          <a:xfrm>
+            <a:off x="3535991" y="2529168"/>
+            <a:ext cx="715987" cy="820840"/>
+            <a:chOff x="-3132954" y="533400"/>
+            <a:chExt cx="715987" cy="820840"/>
+          </a:xfrm>
+        </p:grpSpPr>
+        <p:grpSp>
+          <p:nvGrpSpPr>
+            <p:cNvPr id="44" name="Group 239">
+              <a:extLst>
+                <a:ext uri="{FF2B5EF4-FFF2-40B4-BE49-F238E27FC236}">
+                  <a16:creationId xmlns:a16="http://schemas.microsoft.com/office/drawing/2014/main" id="{BD5B82F0-0B78-0949-80FF-329E23D0F2CE}"/>
+                </a:ext>
+              </a:extLst>
+            </p:cNvPr>
+            <p:cNvGrpSpPr/>
+            <p:nvPr/>
+          </p:nvGrpSpPr>
+          <p:grpSpPr>
+            <a:xfrm>
+              <a:off x="-3132954" y="533400"/>
+              <a:ext cx="715987" cy="820840"/>
+              <a:chOff x="-7060" y="9504"/>
+              <a:chExt cx="715986" cy="820838"/>
+            </a:xfrm>
+          </p:grpSpPr>
+          <p:sp>
+            <p:nvSpPr>
+              <p:cNvPr id="46" name="Shape 237">
+                <a:extLst>
+                  <a:ext uri="{FF2B5EF4-FFF2-40B4-BE49-F238E27FC236}">
+                    <a16:creationId xmlns:a16="http://schemas.microsoft.com/office/drawing/2014/main" id="{E74E9391-3331-EA4A-974E-49B491BC867B}"/>
+                  </a:ext>
+                </a:extLst>
+              </p:cNvPr>
+              <p:cNvSpPr/>
+              <p:nvPr/>
+            </p:nvSpPr>
+            <p:spPr>
+              <a:xfrm>
+                <a:off x="1694" y="9504"/>
+                <a:ext cx="707232" cy="707232"/>
+              </a:xfrm>
+              <a:custGeom>
+                <a:avLst/>
+                <a:gdLst/>
+                <a:ahLst/>
+                <a:cxnLst>
+                  <a:cxn ang="0">
+                    <a:pos x="wd2" y="hd2"/>
+                  </a:cxn>
+                  <a:cxn ang="5400000">
+                    <a:pos x="wd2" y="hd2"/>
+                  </a:cxn>
+                  <a:cxn ang="10800000">
+                    <a:pos x="wd2" y="hd2"/>
+                  </a:cxn>
+                  <a:cxn ang="16200000">
+                    <a:pos x="wd2" y="hd2"/>
+                  </a:cxn>
+                </a:cxnLst>
+                <a:rect l="0" t="0" r="r" b="b"/>
+                <a:pathLst>
+                  <a:path w="19679" h="19679" extrusionOk="0">
+                    <a:moveTo>
+                      <a:pt x="16796" y="2882"/>
+                    </a:moveTo>
+                    <a:cubicBezTo>
+                      <a:pt x="20639" y="6724"/>
+                      <a:pt x="20639" y="12954"/>
+                      <a:pt x="16796" y="16796"/>
+                    </a:cubicBezTo>
+                    <a:cubicBezTo>
+                      <a:pt x="12954" y="20639"/>
+                      <a:pt x="6724" y="20639"/>
+                      <a:pt x="2882" y="16796"/>
+                    </a:cubicBezTo>
+                    <a:cubicBezTo>
+                      <a:pt x="-961" y="12954"/>
+                      <a:pt x="-961" y="6724"/>
+                      <a:pt x="2882" y="2882"/>
+                    </a:cubicBezTo>
+                    <a:cubicBezTo>
+                      <a:pt x="6724" y="-961"/>
+                      <a:pt x="12954" y="-961"/>
+                      <a:pt x="16796" y="2882"/>
+                    </a:cubicBezTo>
+                    <a:close/>
+                  </a:path>
+                </a:pathLst>
+              </a:custGeom>
+              <a:solidFill>
+                <a:srgbClr val="ECC01B"/>
+              </a:solidFill>
+              <a:ln w="3175" cap="flat">
+                <a:noFill/>
+                <a:miter lim="400000"/>
+              </a:ln>
+              <a:effectLst/>
+            </p:spPr>
+            <p:txBody>
+              <a:bodyPr wrap="square" lIns="0" tIns="0" rIns="0" bIns="0" numCol="1" anchor="ctr">
+                <a:noAutofit/>
+              </a:bodyPr>
+              <a:lstStyle/>
+              <a:p>
+                <a:pPr lvl="0">
+                  <a:defRPr sz="1800">
+                    <a:solidFill>
+                      <a:srgbClr val="FFFFFF"/>
+                    </a:solidFill>
+                  </a:defRPr>
+                </a:pPr>
+                <a:endParaRPr/>
+              </a:p>
+            </p:txBody>
+          </p:sp>
+          <p:sp>
+            <p:nvSpPr>
+              <p:cNvPr id="47" name="Shape 238">
+                <a:extLst>
+                  <a:ext uri="{FF2B5EF4-FFF2-40B4-BE49-F238E27FC236}">
+                    <a16:creationId xmlns:a16="http://schemas.microsoft.com/office/drawing/2014/main" id="{73038515-EAF9-CC4B-8BBF-0B3F5A931846}"/>
+                  </a:ext>
+                </a:extLst>
+              </p:cNvPr>
+              <p:cNvSpPr/>
+              <p:nvPr/>
+            </p:nvSpPr>
+            <p:spPr>
+              <a:xfrm>
+                <a:off x="-7060" y="707231"/>
+                <a:ext cx="442428" cy="123111"/>
+              </a:xfrm>
+              <a:prstGeom prst="rect">
+                <a:avLst/>
+              </a:prstGeom>
+              <a:noFill/>
+              <a:ln w="3175" cap="flat">
+                <a:noFill/>
+                <a:miter lim="400000"/>
+              </a:ln>
+              <a:effectLst/>
+              <a:extLst>
+                <a:ext uri="{C572A759-6A51-4108-AA02-DFA0A04FC94B}">
+                  <ma14:wrappingTextBoxFlag xmlns:ma14="http://schemas.microsoft.com/office/mac/drawingml/2011/main" xmlns="" val="1"/>
+                </a:ext>
+              </a:extLst>
+            </p:spPr>
+            <p:txBody>
+              <a:bodyPr wrap="none" lIns="0" tIns="0" rIns="0" bIns="0" numCol="1" anchor="t">
+                <a:spAutoFit/>
+              </a:bodyPr>
+              <a:lstStyle>
+                <a:lvl1pPr>
+                  <a:defRPr sz="800" b="1">
+                    <a:solidFill>
+                      <a:srgbClr val="4277BB"/>
+                    </a:solidFill>
+                    <a:latin typeface="Helvetica"/>
+                    <a:ea typeface="Helvetica"/>
+                    <a:cs typeface="Helvetica"/>
+                    <a:sym typeface="Helvetica"/>
+                  </a:defRPr>
+                </a:lvl1pPr>
+              </a:lstStyle>
+              <a:p>
+                <a:pPr lvl="0">
+                  <a:defRPr sz="1800" b="0">
+                    <a:solidFill>
+                      <a:srgbClr val="000000"/>
+                    </a:solidFill>
+                  </a:defRPr>
+                </a:pPr>
+                <a:r>
+                  <a:rPr lang="en-US" sz="800" b="1" dirty="0">
+                    <a:solidFill>
+                      <a:srgbClr val="4277BB"/>
+                    </a:solidFill>
+                  </a:rPr>
+                  <a:t>LAMBDA</a:t>
+                </a:r>
+              </a:p>
+            </p:txBody>
+          </p:sp>
+        </p:grpSp>
+        <p:pic>
+          <p:nvPicPr>
+            <p:cNvPr id="45" name="Picture 44">
+              <a:extLst>
+                <a:ext uri="{FF2B5EF4-FFF2-40B4-BE49-F238E27FC236}">
+                  <a16:creationId xmlns:a16="http://schemas.microsoft.com/office/drawing/2014/main" id="{39FD08D1-6A6E-1749-B288-A66E37EB3F83}"/>
+                </a:ext>
+              </a:extLst>
+            </p:cNvPr>
+            <p:cNvPicPr>
+              <a:picLocks noChangeAspect="1"/>
+            </p:cNvPicPr>
+            <p:nvPr/>
+          </p:nvPicPr>
+          <p:blipFill>
+            <a:blip r:embed="rId7"/>
+            <a:stretch>
+              <a:fillRect/>
+            </a:stretch>
+          </p:blipFill>
+          <p:spPr>
+            <a:xfrm>
+              <a:off x="-3079835" y="642450"/>
+              <a:ext cx="584700" cy="441283"/>
+            </a:xfrm>
+            <a:prstGeom prst="rect">
+              <a:avLst/>
+            </a:prstGeom>
+          </p:spPr>
+        </p:pic>
+      </p:grpSp>
+      <p:grpSp>
+        <p:nvGrpSpPr>
+          <p:cNvPr id="54" name="Group 53">
+            <a:extLst>
+              <a:ext uri="{FF2B5EF4-FFF2-40B4-BE49-F238E27FC236}">
+                <a16:creationId xmlns:a16="http://schemas.microsoft.com/office/drawing/2014/main" id="{AECBAC9D-7723-CD42-9FBC-E500F26B1D41}"/>
+              </a:ext>
+            </a:extLst>
+          </p:cNvPr>
+          <p:cNvGrpSpPr/>
+          <p:nvPr/>
+        </p:nvGrpSpPr>
+        <p:grpSpPr>
+          <a:xfrm>
+            <a:off x="1659222" y="1267798"/>
+            <a:ext cx="693528" cy="832902"/>
+            <a:chOff x="5254443" y="5121838"/>
+            <a:chExt cx="454343" cy="521461"/>
+          </a:xfrm>
+        </p:grpSpPr>
+        <p:sp>
+          <p:nvSpPr>
+            <p:cNvPr id="50" name="Freeform 49">
+              <a:extLst>
+                <a:ext uri="{FF2B5EF4-FFF2-40B4-BE49-F238E27FC236}">
+                  <a16:creationId xmlns:a16="http://schemas.microsoft.com/office/drawing/2014/main" id="{3F87F872-8B10-D342-A007-5FABCB115A08}"/>
+                </a:ext>
+              </a:extLst>
+            </p:cNvPr>
+            <p:cNvSpPr/>
+            <p:nvPr/>
+          </p:nvSpPr>
+          <p:spPr>
+            <a:xfrm>
+              <a:off x="5304926" y="5121838"/>
+              <a:ext cx="403860" cy="403504"/>
+            </a:xfrm>
+            <a:custGeom>
+              <a:avLst/>
+              <a:gdLst>
+                <a:gd name="connsiteX0" fmla="*/ 403860 w 403860"/>
+                <a:gd name="connsiteY0" fmla="*/ 201752 h 403504"/>
+                <a:gd name="connsiteX1" fmla="*/ 201930 w 403860"/>
+                <a:gd name="connsiteY1" fmla="*/ 403505 h 403504"/>
+                <a:gd name="connsiteX2" fmla="*/ 0 w 403860"/>
+                <a:gd name="connsiteY2" fmla="*/ 201752 h 403504"/>
+                <a:gd name="connsiteX3" fmla="*/ 201930 w 403860"/>
+                <a:gd name="connsiteY3" fmla="*/ 0 h 403504"/>
+                <a:gd name="connsiteX4" fmla="*/ 403860 w 403860"/>
+                <a:gd name="connsiteY4" fmla="*/ 201752 h 403504"/>
+              </a:gdLst>
+              <a:ahLst/>
+              <a:cxnLst>
+                <a:cxn ang="0">
+                  <a:pos x="connsiteX0" y="connsiteY0"/>
+                </a:cxn>
+                <a:cxn ang="0">
+                  <a:pos x="connsiteX1" y="connsiteY1"/>
+                </a:cxn>
+                <a:cxn ang="0">
+                  <a:pos x="connsiteX2" y="connsiteY2"/>
+                </a:cxn>
+                <a:cxn ang="0">
+                  <a:pos x="connsiteX3" y="connsiteY3"/>
+                </a:cxn>
+                <a:cxn ang="0">
+                  <a:pos x="connsiteX4" y="connsiteY4"/>
+                </a:cxn>
+              </a:cxnLst>
+              <a:rect l="l" t="t" r="r" b="b"/>
+              <a:pathLst>
+                <a:path w="403860" h="403504">
+                  <a:moveTo>
+                    <a:pt x="403860" y="201752"/>
+                  </a:moveTo>
+                  <a:cubicBezTo>
+                    <a:pt x="403860" y="313177"/>
+                    <a:pt x="313453" y="403505"/>
+                    <a:pt x="201930" y="403505"/>
+                  </a:cubicBezTo>
+                  <a:cubicBezTo>
+                    <a:pt x="90407" y="403505"/>
+                    <a:pt x="0" y="313177"/>
+                    <a:pt x="0" y="201752"/>
+                  </a:cubicBezTo>
+                  <a:cubicBezTo>
+                    <a:pt x="0" y="90327"/>
+                    <a:pt x="90407" y="0"/>
+                    <a:pt x="201930" y="0"/>
+                  </a:cubicBezTo>
+                  <a:cubicBezTo>
+                    <a:pt x="313453" y="0"/>
+                    <a:pt x="403860" y="90327"/>
+                    <a:pt x="403860" y="201752"/>
+                  </a:cubicBezTo>
+                  <a:close/>
+                </a:path>
+              </a:pathLst>
+            </a:custGeom>
+            <a:solidFill>
+              <a:srgbClr val="417193"/>
+            </a:solidFill>
+            <a:ln w="7620" cap="flat">
+              <a:noFill/>
+              <a:prstDash val="solid"/>
+              <a:miter/>
+            </a:ln>
+          </p:spPr>
+          <p:txBody>
+            <a:bodyPr rtlCol="0" anchor="ctr"/>
+            <a:lstStyle/>
+            <a:p>
+              <a:endParaRPr lang="en-US"/>
+            </a:p>
+          </p:txBody>
+        </p:sp>
+        <p:sp>
+          <p:nvSpPr>
+            <p:cNvPr id="51" name="Freeform 50">
+              <a:extLst>
+                <a:ext uri="{FF2B5EF4-FFF2-40B4-BE49-F238E27FC236}">
+                  <a16:creationId xmlns:a16="http://schemas.microsoft.com/office/drawing/2014/main" id="{0BA8F5A0-F5D4-2944-A2C8-095FE9D29022}"/>
+                </a:ext>
+              </a:extLst>
+            </p:cNvPr>
+            <p:cNvSpPr/>
+            <p:nvPr/>
+          </p:nvSpPr>
+          <p:spPr>
+            <a:xfrm>
+              <a:off x="5412368" y="5196448"/>
+              <a:ext cx="188975" cy="80700"/>
+            </a:xfrm>
+            <a:custGeom>
+              <a:avLst/>
+              <a:gdLst>
+                <a:gd name="connsiteX0" fmla="*/ 188976 w 188975"/>
+                <a:gd name="connsiteY0" fmla="*/ 40351 h 80700"/>
+                <a:gd name="connsiteX1" fmla="*/ 94488 w 188975"/>
+                <a:gd name="connsiteY1" fmla="*/ 80701 h 80700"/>
+                <a:gd name="connsiteX2" fmla="*/ 0 w 188975"/>
+                <a:gd name="connsiteY2" fmla="*/ 40351 h 80700"/>
+                <a:gd name="connsiteX3" fmla="*/ 94488 w 188975"/>
+                <a:gd name="connsiteY3" fmla="*/ 0 h 80700"/>
+                <a:gd name="connsiteX4" fmla="*/ 188976 w 188975"/>
+                <a:gd name="connsiteY4" fmla="*/ 40351 h 80700"/>
+              </a:gdLst>
+              <a:ahLst/>
+              <a:cxnLst>
+                <a:cxn ang="0">
+                  <a:pos x="connsiteX0" y="connsiteY0"/>
+                </a:cxn>
+                <a:cxn ang="0">
+                  <a:pos x="connsiteX1" y="connsiteY1"/>
+                </a:cxn>
+                <a:cxn ang="0">
+                  <a:pos x="connsiteX2" y="connsiteY2"/>
+                </a:cxn>
+                <a:cxn ang="0">
+                  <a:pos x="connsiteX3" y="connsiteY3"/>
+                </a:cxn>
+                <a:cxn ang="0">
+                  <a:pos x="connsiteX4" y="connsiteY4"/>
+                </a:cxn>
+              </a:cxnLst>
+              <a:rect l="l" t="t" r="r" b="b"/>
+              <a:pathLst>
+                <a:path w="188975" h="80700">
+                  <a:moveTo>
+                    <a:pt x="188976" y="40351"/>
+                  </a:moveTo>
+                  <a:cubicBezTo>
+                    <a:pt x="188976" y="62636"/>
+                    <a:pt x="146672" y="80701"/>
+                    <a:pt x="94488" y="80701"/>
+                  </a:cubicBezTo>
+                  <a:cubicBezTo>
+                    <a:pt x="42304" y="80701"/>
+                    <a:pt x="0" y="62636"/>
+                    <a:pt x="0" y="40351"/>
+                  </a:cubicBezTo>
+                  <a:cubicBezTo>
+                    <a:pt x="0" y="18066"/>
+                    <a:pt x="42304" y="0"/>
+                    <a:pt x="94488" y="0"/>
+                  </a:cubicBezTo>
+                  <a:cubicBezTo>
+                    <a:pt x="146672" y="0"/>
+                    <a:pt x="188976" y="18066"/>
+                    <a:pt x="188976" y="40351"/>
+                  </a:cubicBezTo>
+                  <a:close/>
+                </a:path>
+              </a:pathLst>
+            </a:custGeom>
+            <a:solidFill>
+              <a:srgbClr val="FFFFFF"/>
+            </a:solidFill>
+            <a:ln w="7620" cap="flat">
+              <a:noFill/>
+              <a:prstDash val="solid"/>
+              <a:miter/>
+            </a:ln>
+          </p:spPr>
+          <p:txBody>
+            <a:bodyPr rtlCol="0" anchor="ctr"/>
+            <a:lstStyle/>
+            <a:p>
+              <a:endParaRPr lang="en-US"/>
+            </a:p>
+          </p:txBody>
+        </p:sp>
+        <p:sp>
+          <p:nvSpPr>
+            <p:cNvPr id="52" name="Freeform 51">
+              <a:extLst>
+                <a:ext uri="{FF2B5EF4-FFF2-40B4-BE49-F238E27FC236}">
+                  <a16:creationId xmlns:a16="http://schemas.microsoft.com/office/drawing/2014/main" id="{15DD7610-5D5A-924D-8AB5-C7519893BDFB}"/>
+                </a:ext>
+              </a:extLst>
+            </p:cNvPr>
+            <p:cNvSpPr/>
+            <p:nvPr/>
+          </p:nvSpPr>
+          <p:spPr>
+            <a:xfrm>
+              <a:off x="5407034" y="5250503"/>
+              <a:ext cx="197357" cy="198706"/>
+            </a:xfrm>
+            <a:custGeom>
+              <a:avLst/>
+              <a:gdLst>
+                <a:gd name="connsiteX0" fmla="*/ 197358 w 197357"/>
+                <a:gd name="connsiteY0" fmla="*/ 0 h 198706"/>
+                <a:gd name="connsiteX1" fmla="*/ 99060 w 197357"/>
+                <a:gd name="connsiteY1" fmla="*/ 37305 h 198706"/>
+                <a:gd name="connsiteX2" fmla="*/ 762 w 197357"/>
+                <a:gd name="connsiteY2" fmla="*/ 0 h 198706"/>
+                <a:gd name="connsiteX3" fmla="*/ 0 w 197357"/>
+                <a:gd name="connsiteY3" fmla="*/ 0 h 198706"/>
+                <a:gd name="connsiteX4" fmla="*/ 0 w 197357"/>
+                <a:gd name="connsiteY4" fmla="*/ 156834 h 198706"/>
+                <a:gd name="connsiteX5" fmla="*/ 0 w 197357"/>
+                <a:gd name="connsiteY5" fmla="*/ 156834 h 198706"/>
+                <a:gd name="connsiteX6" fmla="*/ 98298 w 197357"/>
+                <a:gd name="connsiteY6" fmla="*/ 198707 h 198706"/>
+                <a:gd name="connsiteX7" fmla="*/ 196596 w 197357"/>
+                <a:gd name="connsiteY7" fmla="*/ 156834 h 198706"/>
+                <a:gd name="connsiteX8" fmla="*/ 197358 w 197357"/>
+                <a:gd name="connsiteY8" fmla="*/ 0 h 198706"/>
+                <a:gd name="connsiteX9" fmla="*/ 197358 w 197357"/>
+                <a:gd name="connsiteY9" fmla="*/ 0 h 198706"/>
+              </a:gdLst>
+              <a:ahLst/>
+              <a:cxnLst>
+                <a:cxn ang="0">
+                  <a:pos x="connsiteX0" y="connsiteY0"/>
+                </a:cxn>
+                <a:cxn ang="0">
+                  <a:pos x="connsiteX1" y="connsiteY1"/>
+                </a:cxn>
+                <a:cxn ang="0">
+                  <a:pos x="connsiteX2" y="connsiteY2"/>
+                </a:cxn>
+                <a:cxn ang="0">
+                  <a:pos x="connsiteX3" y="connsiteY3"/>
+                </a:cxn>
+                <a:cxn ang="0">
+                  <a:pos x="connsiteX4" y="connsiteY4"/>
+                </a:cxn>
+                <a:cxn ang="0">
+                  <a:pos x="connsiteX5" y="connsiteY5"/>
+                </a:cxn>
+                <a:cxn ang="0">
+                  <a:pos x="connsiteX6" y="connsiteY6"/>
+                </a:cxn>
+                <a:cxn ang="0">
+                  <a:pos x="connsiteX7" y="connsiteY7"/>
+                </a:cxn>
+                <a:cxn ang="0">
+                  <a:pos x="connsiteX8" y="connsiteY8"/>
+                </a:cxn>
+                <a:cxn ang="0">
+                  <a:pos x="connsiteX9" y="connsiteY9"/>
+                </a:cxn>
+              </a:cxnLst>
+              <a:rect l="l" t="t" r="r" b="b"/>
+              <a:pathLst>
+                <a:path w="197357" h="198706">
+                  <a:moveTo>
+                    <a:pt x="197358" y="0"/>
+                  </a:moveTo>
+                  <a:cubicBezTo>
+                    <a:pt x="192786" y="21317"/>
+                    <a:pt x="150114" y="37305"/>
+                    <a:pt x="99060" y="37305"/>
+                  </a:cubicBezTo>
+                  <a:cubicBezTo>
+                    <a:pt x="48006" y="37305"/>
+                    <a:pt x="6096" y="20556"/>
+                    <a:pt x="762" y="0"/>
+                  </a:cubicBezTo>
+                  <a:lnTo>
+                    <a:pt x="0" y="0"/>
+                  </a:lnTo>
+                  <a:lnTo>
+                    <a:pt x="0" y="156834"/>
+                  </a:lnTo>
+                  <a:lnTo>
+                    <a:pt x="0" y="156834"/>
+                  </a:lnTo>
+                  <a:cubicBezTo>
+                    <a:pt x="0" y="179674"/>
+                    <a:pt x="44196" y="198707"/>
+                    <a:pt x="98298" y="198707"/>
+                  </a:cubicBezTo>
+                  <a:cubicBezTo>
+                    <a:pt x="152400" y="198707"/>
+                    <a:pt x="196596" y="179674"/>
+                    <a:pt x="196596" y="156834"/>
+                  </a:cubicBezTo>
+                  <a:lnTo>
+                    <a:pt x="197358" y="0"/>
+                  </a:lnTo>
+                  <a:lnTo>
+                    <a:pt x="197358" y="0"/>
+                  </a:lnTo>
+                  <a:close/>
+                </a:path>
+              </a:pathLst>
+            </a:custGeom>
+            <a:solidFill>
+              <a:srgbClr val="FFFFFF"/>
+            </a:solidFill>
+            <a:ln w="7620" cap="flat">
+              <a:noFill/>
+              <a:prstDash val="solid"/>
+              <a:miter/>
+            </a:ln>
+          </p:spPr>
+          <p:txBody>
+            <a:bodyPr rtlCol="0" anchor="ctr"/>
+            <a:lstStyle/>
+            <a:p>
+              <a:endParaRPr lang="en-US"/>
+            </a:p>
+          </p:txBody>
+        </p:sp>
+        <p:sp>
+          <p:nvSpPr>
+            <p:cNvPr id="53" name="TextBox 52">
+              <a:extLst>
+                <a:ext uri="{FF2B5EF4-FFF2-40B4-BE49-F238E27FC236}">
+                  <a16:creationId xmlns:a16="http://schemas.microsoft.com/office/drawing/2014/main" id="{AF27793C-74FD-214E-8B99-A676AC56E60F}"/>
+                </a:ext>
+              </a:extLst>
+            </p:cNvPr>
+            <p:cNvSpPr txBox="1"/>
+            <p:nvPr/>
+          </p:nvSpPr>
+          <p:spPr>
+            <a:xfrm>
+              <a:off x="5254443" y="5492458"/>
+              <a:ext cx="160148" cy="150841"/>
+            </a:xfrm>
+            <a:prstGeom prst="rect">
+              <a:avLst/>
+            </a:prstGeom>
+            <a:noFill/>
+            <a:ln w="3175" cap="flat">
+              <a:noFill/>
+              <a:miter lim="400000"/>
+            </a:ln>
+            <a:effectLst/>
+          </p:spPr>
+          <p:txBody>
+            <a:bodyPr rot="0" spcFirstLastPara="1" vertOverflow="overflow" horzOverflow="overflow" vert="horz" wrap="none" lIns="39290" tIns="39290" rIns="39290" bIns="39290" numCol="1" spcCol="38100" rtlCol="0" anchor="ctr">
+              <a:spAutoFit/>
+            </a:bodyPr>
+            <a:lstStyle/>
+            <a:p>
+              <a:pPr marL="0" marR="0" indent="0" algn="l" defTabSz="584200" rtl="0" fontAlgn="auto" latinLnBrk="1" hangingPunct="0">
+                <a:lnSpc>
+                  <a:spcPct val="100000"/>
+                </a:lnSpc>
+                <a:spcBef>
+                  <a:spcPts val="0"/>
+                </a:spcBef>
+                <a:spcAft>
+                  <a:spcPts val="0"/>
+                </a:spcAft>
+                <a:buClrTx/>
+                <a:buSzTx/>
+                <a:buFontTx/>
+                <a:buNone/>
+                <a:tabLst/>
+              </a:pPr>
+              <a:r>
+                <a:rPr kumimoji="0" lang="en-US" sz="1050" b="0" i="0" u="none" strike="noStrike" cap="none" spc="0" normalizeH="0" baseline="0" dirty="0">
+                  <a:ln>
+                    <a:noFill/>
+                  </a:ln>
+                  <a:solidFill>
+                    <a:schemeClr val="accent2">
+                      <a:lumMod val="75000"/>
+                    </a:schemeClr>
+                  </a:solidFill>
+                  <a:effectLst/>
+                  <a:uFillTx/>
+                  <a:latin typeface="Arial"/>
+                  <a:ea typeface="+mn-ea"/>
+                  <a:cs typeface="Arial"/>
+                  <a:sym typeface="Arial"/>
+                  <a:rtl val="0"/>
+                </a:rPr>
+                <a:t>S3</a:t>
+              </a:r>
+            </a:p>
+          </p:txBody>
+        </p:sp>
+      </p:grpSp>
+      <p:cxnSp>
+        <p:nvCxnSpPr>
+          <p:cNvPr id="55" name="Straight Arrow Connector 54">
+            <a:extLst>
+              <a:ext uri="{FF2B5EF4-FFF2-40B4-BE49-F238E27FC236}">
+                <a16:creationId xmlns:a16="http://schemas.microsoft.com/office/drawing/2014/main" id="{43ABE90F-AB0E-CE44-86D4-0ADEB264A10B}"/>
+              </a:ext>
+            </a:extLst>
+          </p:cNvPr>
+          <p:cNvCxnSpPr>
+            <a:cxnSpLocks/>
+          </p:cNvCxnSpPr>
+          <p:nvPr/>
+        </p:nvCxnSpPr>
+        <p:spPr>
+          <a:xfrm flipV="1">
+            <a:off x="793673" y="1761250"/>
+            <a:ext cx="885948" cy="960766"/>
+          </a:xfrm>
+          <a:prstGeom prst="straightConnector1">
+            <a:avLst/>
+          </a:prstGeom>
+          <a:ln>
+            <a:headEnd type="triangle"/>
+            <a:tailEnd type="triangle"/>
+          </a:ln>
+        </p:spPr>
+        <p:style>
+          <a:lnRef idx="1">
+            <a:schemeClr val="accent2"/>
+          </a:lnRef>
+          <a:fillRef idx="0">
+            <a:schemeClr val="accent2"/>
+          </a:fillRef>
+          <a:effectRef idx="0">
+            <a:schemeClr val="accent2"/>
+          </a:effectRef>
+          <a:fontRef idx="minor">
+            <a:schemeClr val="tx1"/>
+          </a:fontRef>
+        </p:style>
+      </p:cxnSp>
+      <p:cxnSp>
+        <p:nvCxnSpPr>
+          <p:cNvPr id="58" name="Straight Arrow Connector 57">
+            <a:extLst>
+              <a:ext uri="{FF2B5EF4-FFF2-40B4-BE49-F238E27FC236}">
+                <a16:creationId xmlns:a16="http://schemas.microsoft.com/office/drawing/2014/main" id="{197C7B99-AFF8-C642-8E73-72510B51F859}"/>
+              </a:ext>
+            </a:extLst>
+          </p:cNvPr>
+          <p:cNvCxnSpPr>
+            <a:cxnSpLocks/>
+          </p:cNvCxnSpPr>
+          <p:nvPr/>
+        </p:nvCxnSpPr>
+        <p:spPr>
+          <a:xfrm flipV="1">
+            <a:off x="6117102" y="2945259"/>
+            <a:ext cx="1090192" cy="5039"/>
+          </a:xfrm>
+          <a:prstGeom prst="straightConnector1">
+            <a:avLst/>
+          </a:prstGeom>
+          <a:ln>
+            <a:headEnd type="triangle"/>
+            <a:tailEnd type="triangle"/>
+          </a:ln>
+        </p:spPr>
+        <p:style>
+          <a:lnRef idx="1">
+            <a:schemeClr val="accent2"/>
+          </a:lnRef>
+          <a:fillRef idx="0">
+            <a:schemeClr val="accent2"/>
+          </a:fillRef>
+          <a:effectRef idx="0">
+            <a:schemeClr val="accent2"/>
+          </a:effectRef>
+          <a:fontRef idx="minor">
+            <a:schemeClr val="tx1"/>
+          </a:fontRef>
+        </p:style>
+      </p:cxnSp>
+      <p:grpSp>
+        <p:nvGrpSpPr>
+          <p:cNvPr id="60" name="Group 59">
+            <a:extLst>
+              <a:ext uri="{FF2B5EF4-FFF2-40B4-BE49-F238E27FC236}">
+                <a16:creationId xmlns:a16="http://schemas.microsoft.com/office/drawing/2014/main" id="{94896B02-6217-2345-9119-9BB6F509BB9C}"/>
+              </a:ext>
+            </a:extLst>
+          </p:cNvPr>
+          <p:cNvGrpSpPr/>
+          <p:nvPr/>
+        </p:nvGrpSpPr>
+        <p:grpSpPr>
+          <a:xfrm>
+            <a:off x="5323662" y="2676366"/>
+            <a:ext cx="883255" cy="776855"/>
+            <a:chOff x="6344886" y="3947160"/>
+            <a:chExt cx="883255" cy="776855"/>
+          </a:xfrm>
+        </p:grpSpPr>
+        <p:grpSp>
+          <p:nvGrpSpPr>
+            <p:cNvPr id="61" name="Group 60">
+              <a:extLst>
+                <a:ext uri="{FF2B5EF4-FFF2-40B4-BE49-F238E27FC236}">
+                  <a16:creationId xmlns:a16="http://schemas.microsoft.com/office/drawing/2014/main" id="{ED79F8F2-7CCD-F24B-BCA1-5A4FC3D5C977}"/>
+                </a:ext>
+              </a:extLst>
+            </p:cNvPr>
+            <p:cNvGrpSpPr/>
+            <p:nvPr/>
+          </p:nvGrpSpPr>
+          <p:grpSpPr>
+            <a:xfrm>
+              <a:off x="6344886" y="3947160"/>
+              <a:ext cx="883255" cy="776855"/>
+              <a:chOff x="7171374" y="3263404"/>
+              <a:chExt cx="968383" cy="851727"/>
+            </a:xfrm>
+          </p:grpSpPr>
+          <p:sp>
+            <p:nvSpPr>
+              <p:cNvPr id="63" name="Shape 149">
+                <a:extLst>
+                  <a:ext uri="{FF2B5EF4-FFF2-40B4-BE49-F238E27FC236}">
+                    <a16:creationId xmlns:a16="http://schemas.microsoft.com/office/drawing/2014/main" id="{1C373587-9A77-DE4C-9876-C45CDC32A8D6}"/>
+                  </a:ext>
+                </a:extLst>
+              </p:cNvPr>
+              <p:cNvSpPr/>
+              <p:nvPr/>
+            </p:nvSpPr>
+            <p:spPr>
+              <a:xfrm>
+                <a:off x="7367227" y="3263404"/>
+                <a:ext cx="585216" cy="585216"/>
+              </a:xfrm>
+              <a:custGeom>
+                <a:avLst/>
+                <a:gdLst/>
+                <a:ahLst/>
+                <a:cxnLst>
+                  <a:cxn ang="0">
+                    <a:pos x="wd2" y="hd2"/>
+                  </a:cxn>
+                  <a:cxn ang="5400000">
+                    <a:pos x="wd2" y="hd2"/>
+                  </a:cxn>
+                  <a:cxn ang="10800000">
+                    <a:pos x="wd2" y="hd2"/>
+                  </a:cxn>
+                  <a:cxn ang="16200000">
+                    <a:pos x="wd2" y="hd2"/>
+                  </a:cxn>
+                </a:cxnLst>
+                <a:rect l="0" t="0" r="r" b="b"/>
+                <a:pathLst>
+                  <a:path w="19679" h="19679" extrusionOk="0">
+                    <a:moveTo>
+                      <a:pt x="16796" y="2882"/>
+                    </a:moveTo>
+                    <a:cubicBezTo>
+                      <a:pt x="20639" y="6724"/>
+                      <a:pt x="20639" y="12954"/>
+                      <a:pt x="16796" y="16796"/>
+                    </a:cubicBezTo>
+                    <a:cubicBezTo>
+                      <a:pt x="12954" y="20639"/>
+                      <a:pt x="6724" y="20639"/>
+                      <a:pt x="2882" y="16796"/>
+                    </a:cubicBezTo>
+                    <a:cubicBezTo>
+                      <a:pt x="-961" y="12954"/>
+                      <a:pt x="-961" y="6724"/>
+                      <a:pt x="2882" y="2882"/>
+                    </a:cubicBezTo>
+                    <a:cubicBezTo>
+                      <a:pt x="6724" y="-961"/>
+                      <a:pt x="12954" y="-961"/>
+                      <a:pt x="16796" y="2882"/>
+                    </a:cubicBezTo>
+                    <a:close/>
+                  </a:path>
+                </a:pathLst>
+              </a:custGeom>
+              <a:solidFill>
+                <a:srgbClr val="8DC53F"/>
+              </a:solidFill>
+              <a:ln w="3175" cap="flat">
+                <a:noFill/>
+                <a:miter lim="400000"/>
+              </a:ln>
+              <a:effectLst/>
+            </p:spPr>
+            <p:txBody>
+              <a:bodyPr wrap="square" lIns="0" tIns="0" rIns="0" bIns="0" numCol="1" anchor="ctr">
+                <a:noAutofit/>
+              </a:bodyPr>
+              <a:lstStyle/>
+              <a:p>
+                <a:pPr lvl="0">
+                  <a:defRPr sz="1800">
+                    <a:solidFill>
+                      <a:srgbClr val="FFFFFF"/>
+                    </a:solidFill>
+                  </a:defRPr>
+                </a:pPr>
+                <a:endParaRPr/>
+              </a:p>
+            </p:txBody>
+          </p:sp>
+          <p:sp>
+            <p:nvSpPr>
+              <p:cNvPr id="64" name="Shape 151">
+                <a:extLst>
+                  <a:ext uri="{FF2B5EF4-FFF2-40B4-BE49-F238E27FC236}">
+                    <a16:creationId xmlns:a16="http://schemas.microsoft.com/office/drawing/2014/main" id="{492460FF-1C92-F24C-BE22-905793F62A41}"/>
+                  </a:ext>
+                </a:extLst>
+              </p:cNvPr>
+              <p:cNvSpPr/>
+              <p:nvPr/>
+            </p:nvSpPr>
+            <p:spPr>
+              <a:xfrm>
+                <a:off x="7171374" y="3845180"/>
+                <a:ext cx="968383" cy="269951"/>
+              </a:xfrm>
+              <a:prstGeom prst="rect">
+                <a:avLst/>
+              </a:prstGeom>
+              <a:noFill/>
+              <a:ln w="3175" cap="flat">
+                <a:noFill/>
+                <a:miter lim="400000"/>
+              </a:ln>
+              <a:effectLst/>
+              <a:extLst>
+                <a:ext uri="{C572A759-6A51-4108-AA02-DFA0A04FC94B}">
+                  <ma14:wrappingTextBoxFlag xmlns:ma14="http://schemas.microsoft.com/office/mac/drawingml/2011/main" xmlns="" val="1"/>
+                </a:ext>
+              </a:extLst>
+            </p:spPr>
+            <p:txBody>
+              <a:bodyPr wrap="none" lIns="0" tIns="0" rIns="0" bIns="0" numCol="1" anchor="t">
+                <a:spAutoFit/>
+              </a:bodyPr>
+              <a:lstStyle/>
+              <a:p>
+                <a:pPr lvl="0" algn="ctr">
+                  <a:defRPr sz="1800"/>
+                </a:pPr>
+                <a:r>
+                  <a:rPr lang="en-US" sz="800" b="1" dirty="0">
+                    <a:solidFill>
+                      <a:srgbClr val="4277BB"/>
+                    </a:solidFill>
+                    <a:latin typeface="Helvetica"/>
+                    <a:ea typeface="Helvetica"/>
+                    <a:cs typeface="Helvetica"/>
+                    <a:sym typeface="Helvetica"/>
+                  </a:rPr>
+                  <a:t>DAX</a:t>
+                </a:r>
+              </a:p>
+              <a:p>
+                <a:pPr lvl="0" algn="ctr">
+                  <a:defRPr sz="1800"/>
+                </a:pPr>
+                <a:r>
+                  <a:rPr lang="en-US" sz="800" b="1" dirty="0">
+                    <a:solidFill>
+                      <a:srgbClr val="4277BB"/>
+                    </a:solidFill>
+                    <a:latin typeface="Helvetica"/>
+                    <a:ea typeface="Helvetica"/>
+                    <a:cs typeface="Helvetica"/>
+                    <a:sym typeface="Helvetica"/>
+                  </a:rPr>
+                  <a:t> CACHING LAYER</a:t>
+                </a:r>
+                <a:endParaRPr sz="800" b="1" dirty="0">
+                  <a:solidFill>
+                    <a:srgbClr val="4277BB"/>
+                  </a:solidFill>
+                  <a:latin typeface="Helvetica"/>
+                  <a:ea typeface="Helvetica"/>
+                  <a:cs typeface="Helvetica"/>
+                  <a:sym typeface="Helvetica"/>
+                </a:endParaRPr>
+              </a:p>
+            </p:txBody>
+          </p:sp>
+        </p:grpSp>
+        <p:pic>
+          <p:nvPicPr>
+            <p:cNvPr id="62" name="Picture 61">
+              <a:extLst>
+                <a:ext uri="{FF2B5EF4-FFF2-40B4-BE49-F238E27FC236}">
+                  <a16:creationId xmlns:a16="http://schemas.microsoft.com/office/drawing/2014/main" id="{2CB1D7BD-BDE5-A248-9D5E-01AE33243C3D}"/>
+                </a:ext>
+              </a:extLst>
+            </p:cNvPr>
+            <p:cNvPicPr>
+              <a:picLocks noChangeAspect="1"/>
+            </p:cNvPicPr>
+            <p:nvPr/>
+          </p:nvPicPr>
+          <p:blipFill>
+            <a:blip r:embed="rId8"/>
+            <a:stretch>
+              <a:fillRect/>
+            </a:stretch>
+          </p:blipFill>
+          <p:spPr>
+            <a:xfrm>
+              <a:off x="6615235" y="4035669"/>
+              <a:ext cx="365858" cy="365858"/>
+            </a:xfrm>
+            <a:prstGeom prst="rect">
+              <a:avLst/>
+            </a:prstGeom>
+          </p:spPr>
+        </p:pic>
+      </p:grpSp>
+      <p:sp>
+        <p:nvSpPr>
+          <p:cNvPr id="66" name="TextBox 65">
+            <a:extLst>
+              <a:ext uri="{FF2B5EF4-FFF2-40B4-BE49-F238E27FC236}">
+                <a16:creationId xmlns:a16="http://schemas.microsoft.com/office/drawing/2014/main" id="{2C200626-7D14-E340-AE51-B8A360A8A904}"/>
+              </a:ext>
+            </a:extLst>
+          </p:cNvPr>
+          <p:cNvSpPr txBox="1"/>
+          <p:nvPr/>
+        </p:nvSpPr>
+        <p:spPr>
+          <a:xfrm>
+            <a:off x="2406080" y="2641463"/>
+            <a:ext cx="559769" cy="246221"/>
+          </a:xfrm>
+          <a:prstGeom prst="rect">
+            <a:avLst/>
+          </a:prstGeom>
+          <a:solidFill>
+            <a:schemeClr val="bg1"/>
+          </a:solidFill>
+        </p:spPr>
+        <p:txBody>
+          <a:bodyPr wrap="none" rtlCol="0">
+            <a:spAutoFit/>
+          </a:bodyPr>
+          <a:lstStyle/>
+          <a:p>
+            <a:r>
+              <a:rPr lang="en-US" sz="1000" dirty="0"/>
+              <a:t>Invoke</a:t>
+            </a:r>
+            <a:endParaRPr sz="1000" dirty="0"/>
+          </a:p>
+        </p:txBody>
+      </p:sp>
+      <p:sp>
+        <p:nvSpPr>
+          <p:cNvPr id="67" name="TextBox 66">
+            <a:extLst>
+              <a:ext uri="{FF2B5EF4-FFF2-40B4-BE49-F238E27FC236}">
+                <a16:creationId xmlns:a16="http://schemas.microsoft.com/office/drawing/2014/main" id="{5E71C72C-9FC3-5A41-957D-A403FEF703D4}"/>
+              </a:ext>
+            </a:extLst>
+          </p:cNvPr>
+          <p:cNvSpPr txBox="1"/>
+          <p:nvPr/>
+        </p:nvSpPr>
+        <p:spPr>
+          <a:xfrm>
+            <a:off x="4395643" y="2641462"/>
+            <a:ext cx="878767" cy="246221"/>
+          </a:xfrm>
+          <a:prstGeom prst="rect">
+            <a:avLst/>
+          </a:prstGeom>
+          <a:solidFill>
+            <a:schemeClr val="bg1"/>
+          </a:solidFill>
+        </p:spPr>
+        <p:txBody>
+          <a:bodyPr wrap="none" rtlCol="0">
+            <a:spAutoFit/>
+          </a:bodyPr>
+          <a:lstStyle/>
+          <a:p>
+            <a:r>
+              <a:rPr lang="en-US" sz="1000" dirty="0"/>
+              <a:t>Read/ query</a:t>
+            </a:r>
+            <a:endParaRPr sz="1000" dirty="0"/>
+          </a:p>
+        </p:txBody>
+      </p:sp>
+    </p:spTree>
+    <p:extLst>
+      <p:ext uri="{BB962C8B-B14F-4D97-AF65-F5344CB8AC3E}">
+        <p14:creationId xmlns:p14="http://schemas.microsoft.com/office/powerpoint/2010/main" val="3250871607"/>
+      </p:ext>
+    </p:extLst>
+  </p:cSld>
+  <p:clrMapOvr>
+    <a:masterClrMapping/>
+  </p:clrMapOvr>
+</p:sld>
+</file>
+
 <file path=ppt/theme/theme1.xml><?xml version="1.0" encoding="utf-8"?>
 <a:theme xmlns:a="http://schemas.openxmlformats.org/drawingml/2006/main" name="BLANK">
   <a:themeElements>

--- a/docs/Diagrams.pptx
+++ b/docs/Diagrams.pptx
@@ -6,7 +6,7 @@
     <p:sldMasterId id="2147484308" r:id="rId2"/>
   </p:sldMasterIdLst>
   <p:notesMasterIdLst>
-    <p:notesMasterId r:id="rId15"/>
+    <p:notesMasterId r:id="rId17"/>
   </p:notesMasterIdLst>
   <p:sldIdLst>
     <p:sldId id="2670" r:id="rId3"/>
@@ -21,6 +21,8 @@
     <p:sldId id="2679" r:id="rId12"/>
     <p:sldId id="2680" r:id="rId13"/>
     <p:sldId id="2681" r:id="rId14"/>
+    <p:sldId id="2682" r:id="rId15"/>
+    <p:sldId id="2683" r:id="rId16"/>
   </p:sldIdLst>
   <p:sldSz cx="12192000" cy="6858000"/>
   <p:notesSz cx="7086600" cy="9372600"/>
@@ -283,7 +285,7 @@
               <a:pPr>
                 <a:defRPr/>
               </a:pPr>
-              <a:t>2/10/21</a:t>
+              <a:t>4/7/21</a:t>
             </a:fld>
             <a:endParaRPr lang="en-US"/>
           </a:p>
@@ -18058,6 +18060,3159 @@
 </p:sld>
 </file>
 
+<file path=ppt/slides/slide13.xml><?xml version="1.0" encoding="utf-8"?>
+<p:sld xmlns:a="http://schemas.openxmlformats.org/drawingml/2006/main" xmlns:r="http://schemas.openxmlformats.org/officeDocument/2006/relationships" xmlns:p="http://schemas.openxmlformats.org/presentationml/2006/main">
+  <p:cSld>
+    <p:spTree>
+      <p:nvGrpSpPr>
+        <p:cNvPr id="1" name=""/>
+        <p:cNvGrpSpPr/>
+        <p:nvPr/>
+      </p:nvGrpSpPr>
+      <p:grpSpPr>
+        <a:xfrm>
+          <a:off x="0" y="0"/>
+          <a:ext cx="0" cy="0"/>
+          <a:chOff x="0" y="0"/>
+          <a:chExt cx="0" cy="0"/>
+        </a:xfrm>
+      </p:grpSpPr>
+      <p:sp>
+        <p:nvSpPr>
+          <p:cNvPr id="2" name="Title 1">
+            <a:extLst>
+              <a:ext uri="{FF2B5EF4-FFF2-40B4-BE49-F238E27FC236}">
+                <a16:creationId xmlns:a16="http://schemas.microsoft.com/office/drawing/2014/main" id="{8023CDE6-F605-9D4B-86B5-F33B9D90A637}"/>
+              </a:ext>
+            </a:extLst>
+          </p:cNvPr>
+          <p:cNvSpPr>
+            <a:spLocks noGrp="1"/>
+          </p:cNvSpPr>
+          <p:nvPr>
+            <p:ph type="title"/>
+          </p:nvPr>
+        </p:nvSpPr>
+        <p:spPr/>
+        <p:txBody>
+          <a:bodyPr/>
+          <a:lstStyle/>
+          <a:p>
+            <a:r>
+              <a:rPr lang="en-US" dirty="0"/>
+              <a:t>Bridge digital to core</a:t>
+            </a:r>
+            <a:endParaRPr dirty="0"/>
+          </a:p>
+        </p:txBody>
+      </p:sp>
+      <p:sp>
+        <p:nvSpPr>
+          <p:cNvPr id="3" name="Slide Number Placeholder 2">
+            <a:extLst>
+              <a:ext uri="{FF2B5EF4-FFF2-40B4-BE49-F238E27FC236}">
+                <a16:creationId xmlns:a16="http://schemas.microsoft.com/office/drawing/2014/main" id="{546FEDF8-698A-C24F-BC8C-CCA06614B4EF}"/>
+              </a:ext>
+            </a:extLst>
+          </p:cNvPr>
+          <p:cNvSpPr>
+            <a:spLocks noGrp="1"/>
+          </p:cNvSpPr>
+          <p:nvPr>
+            <p:ph type="sldNum" sz="quarter" idx="10"/>
+          </p:nvPr>
+        </p:nvSpPr>
+        <p:spPr/>
+        <p:txBody>
+          <a:bodyPr/>
+          <a:lstStyle/>
+          <a:p>
+            <a:pPr defTabSz="911231" eaLnBrk="1" fontAlgn="auto" hangingPunct="1">
+              <a:spcBef>
+                <a:spcPts val="0"/>
+              </a:spcBef>
+              <a:spcAft>
+                <a:spcPts val="0"/>
+              </a:spcAft>
+              <a:defRPr/>
+            </a:pPr>
+            <a:r>
+              <a:rPr lang="en-US" altLang="en-US">
+                <a:solidFill>
+                  <a:srgbClr val="FFFFFF"/>
+                </a:solidFill>
+                <a:latin typeface="Arial"/>
+                <a:ea typeface="ＭＳ Ｐゴシック" charset="0"/>
+                <a:cs typeface="Arial"/>
+                <a:sym typeface="Helvetica" charset="0"/>
+              </a:rPr>
+              <a:t>IBM Confidential – Page </a:t>
+            </a:r>
+            <a:fld id="{E29CC0C0-E046-4664-B80A-AA818B18C835}" type="slidenum">
+              <a:rPr lang="en-US" altLang="en-US" smtClean="0">
+                <a:solidFill>
+                  <a:srgbClr val="FFFFFF"/>
+                </a:solidFill>
+                <a:latin typeface="Arial"/>
+                <a:ea typeface="ＭＳ Ｐゴシック" charset="0"/>
+                <a:cs typeface="Arial"/>
+                <a:sym typeface="Helvetica" charset="0"/>
+              </a:rPr>
+              <a:pPr defTabSz="911231" eaLnBrk="1" fontAlgn="auto" hangingPunct="1">
+                <a:spcBef>
+                  <a:spcPts val="0"/>
+                </a:spcBef>
+                <a:spcAft>
+                  <a:spcPts val="0"/>
+                </a:spcAft>
+                <a:defRPr/>
+              </a:pPr>
+              <a:t>13</a:t>
+            </a:fld>
+            <a:endParaRPr lang="en-US" altLang="en-US">
+              <a:solidFill>
+                <a:srgbClr val="FFFFFF"/>
+              </a:solidFill>
+              <a:latin typeface="Arial"/>
+              <a:ea typeface="ＭＳ Ｐゴシック" charset="0"/>
+              <a:cs typeface="Arial"/>
+              <a:sym typeface="Helvetica" charset="0"/>
+            </a:endParaRPr>
+          </a:p>
+        </p:txBody>
+      </p:sp>
+      <p:sp>
+        <p:nvSpPr>
+          <p:cNvPr id="4" name="Rectangle 3">
+            <a:extLst>
+              <a:ext uri="{FF2B5EF4-FFF2-40B4-BE49-F238E27FC236}">
+                <a16:creationId xmlns:a16="http://schemas.microsoft.com/office/drawing/2014/main" id="{765C9779-9333-4741-82B8-4F55F5FE819C}"/>
+              </a:ext>
+            </a:extLst>
+          </p:cNvPr>
+          <p:cNvSpPr/>
+          <p:nvPr/>
+        </p:nvSpPr>
+        <p:spPr>
+          <a:xfrm>
+            <a:off x="9281784" y="1336465"/>
+            <a:ext cx="1627094" cy="736723"/>
+          </a:xfrm>
+          <a:prstGeom prst="rect">
+            <a:avLst/>
+          </a:prstGeom>
+          <a:solidFill>
+            <a:schemeClr val="tx2">
+              <a:lumMod val="75000"/>
+              <a:lumOff val="25000"/>
+            </a:schemeClr>
+          </a:solidFill>
+          <a:ln>
+            <a:noFill/>
+          </a:ln>
+          <a:effectLst>
+            <a:outerShdw blurRad="50800" dist="38100" dir="5400000" algn="t" rotWithShape="0">
+              <a:prstClr val="black">
+                <a:alpha val="40000"/>
+              </a:prstClr>
+            </a:outerShdw>
+          </a:effectLst>
+        </p:spPr>
+        <p:style>
+          <a:lnRef idx="2">
+            <a:schemeClr val="accent1">
+              <a:shade val="50000"/>
+            </a:schemeClr>
+          </a:lnRef>
+          <a:fillRef idx="1">
+            <a:schemeClr val="accent1"/>
+          </a:fillRef>
+          <a:effectRef idx="0">
+            <a:schemeClr val="accent1"/>
+          </a:effectRef>
+          <a:fontRef idx="minor">
+            <a:schemeClr val="lt1"/>
+          </a:fontRef>
+        </p:style>
+        <p:txBody>
+          <a:bodyPr rtlCol="0" anchor="ctr"/>
+          <a:lstStyle/>
+          <a:p>
+            <a:pPr algn="ctr"/>
+            <a:r>
+              <a:rPr lang="en-US" sz="1400" dirty="0">
+                <a:solidFill>
+                  <a:schemeClr val="bg1"/>
+                </a:solidFill>
+              </a:rPr>
+              <a:t>Cloud Services</a:t>
+            </a:r>
+            <a:endParaRPr sz="1400" dirty="0">
+              <a:solidFill>
+                <a:schemeClr val="bg1"/>
+              </a:solidFill>
+            </a:endParaRPr>
+          </a:p>
+        </p:txBody>
+      </p:sp>
+      <p:sp>
+        <p:nvSpPr>
+          <p:cNvPr id="5" name="Rectangle 4">
+            <a:extLst>
+              <a:ext uri="{FF2B5EF4-FFF2-40B4-BE49-F238E27FC236}">
+                <a16:creationId xmlns:a16="http://schemas.microsoft.com/office/drawing/2014/main" id="{C888B0AC-5E05-C344-9900-51FB2C5AF690}"/>
+              </a:ext>
+            </a:extLst>
+          </p:cNvPr>
+          <p:cNvSpPr/>
+          <p:nvPr/>
+        </p:nvSpPr>
+        <p:spPr>
+          <a:xfrm>
+            <a:off x="945776" y="1277473"/>
+            <a:ext cx="1627094" cy="591668"/>
+          </a:xfrm>
+          <a:prstGeom prst="rect">
+            <a:avLst/>
+          </a:prstGeom>
+          <a:solidFill>
+            <a:schemeClr val="tx2">
+              <a:lumMod val="75000"/>
+              <a:lumOff val="25000"/>
+            </a:schemeClr>
+          </a:solidFill>
+          <a:ln>
+            <a:noFill/>
+          </a:ln>
+          <a:effectLst>
+            <a:outerShdw blurRad="50800" dist="38100" dir="5400000" algn="t" rotWithShape="0">
+              <a:prstClr val="black">
+                <a:alpha val="40000"/>
+              </a:prstClr>
+            </a:outerShdw>
+          </a:effectLst>
+        </p:spPr>
+        <p:style>
+          <a:lnRef idx="2">
+            <a:schemeClr val="accent1">
+              <a:shade val="50000"/>
+            </a:schemeClr>
+          </a:lnRef>
+          <a:fillRef idx="1">
+            <a:schemeClr val="accent1"/>
+          </a:fillRef>
+          <a:effectRef idx="0">
+            <a:schemeClr val="accent1"/>
+          </a:effectRef>
+          <a:fontRef idx="minor">
+            <a:schemeClr val="lt1"/>
+          </a:fontRef>
+        </p:style>
+        <p:txBody>
+          <a:bodyPr rtlCol="0" anchor="ctr"/>
+          <a:lstStyle/>
+          <a:p>
+            <a:pPr algn="ctr"/>
+            <a:r>
+              <a:rPr lang="en-US" sz="1400" dirty="0">
+                <a:solidFill>
+                  <a:schemeClr val="bg1"/>
+                </a:solidFill>
+              </a:rPr>
+              <a:t>Mobile Apps</a:t>
+            </a:r>
+            <a:endParaRPr sz="1400" dirty="0">
+              <a:solidFill>
+                <a:schemeClr val="bg1"/>
+              </a:solidFill>
+            </a:endParaRPr>
+          </a:p>
+        </p:txBody>
+      </p:sp>
+      <p:sp>
+        <p:nvSpPr>
+          <p:cNvPr id="6" name="Rectangle 5">
+            <a:extLst>
+              <a:ext uri="{FF2B5EF4-FFF2-40B4-BE49-F238E27FC236}">
+                <a16:creationId xmlns:a16="http://schemas.microsoft.com/office/drawing/2014/main" id="{CA8CB7E3-E477-9449-A764-BACB8400358F}"/>
+              </a:ext>
+            </a:extLst>
+          </p:cNvPr>
+          <p:cNvSpPr/>
+          <p:nvPr/>
+        </p:nvSpPr>
+        <p:spPr>
+          <a:xfrm>
+            <a:off x="945776" y="2232213"/>
+            <a:ext cx="1627094" cy="591668"/>
+          </a:xfrm>
+          <a:prstGeom prst="rect">
+            <a:avLst/>
+          </a:prstGeom>
+          <a:solidFill>
+            <a:schemeClr val="tx2">
+              <a:lumMod val="75000"/>
+              <a:lumOff val="25000"/>
+            </a:schemeClr>
+          </a:solidFill>
+          <a:ln>
+            <a:noFill/>
+          </a:ln>
+          <a:effectLst>
+            <a:outerShdw blurRad="50800" dist="38100" dir="5400000" algn="t" rotWithShape="0">
+              <a:prstClr val="black">
+                <a:alpha val="40000"/>
+              </a:prstClr>
+            </a:outerShdw>
+          </a:effectLst>
+        </p:spPr>
+        <p:style>
+          <a:lnRef idx="2">
+            <a:schemeClr val="accent1">
+              <a:shade val="50000"/>
+            </a:schemeClr>
+          </a:lnRef>
+          <a:fillRef idx="1">
+            <a:schemeClr val="accent1"/>
+          </a:fillRef>
+          <a:effectRef idx="0">
+            <a:schemeClr val="accent1"/>
+          </a:effectRef>
+          <a:fontRef idx="minor">
+            <a:schemeClr val="lt1"/>
+          </a:fontRef>
+        </p:style>
+        <p:txBody>
+          <a:bodyPr rtlCol="0" anchor="ctr"/>
+          <a:lstStyle/>
+          <a:p>
+            <a:pPr algn="ctr"/>
+            <a:r>
+              <a:rPr lang="en-US" sz="1400" dirty="0">
+                <a:solidFill>
+                  <a:schemeClr val="bg1"/>
+                </a:solidFill>
+              </a:rPr>
+              <a:t>Web Apps</a:t>
+            </a:r>
+            <a:endParaRPr sz="1400" dirty="0">
+              <a:solidFill>
+                <a:schemeClr val="bg1"/>
+              </a:solidFill>
+            </a:endParaRPr>
+          </a:p>
+        </p:txBody>
+      </p:sp>
+      <p:sp>
+        <p:nvSpPr>
+          <p:cNvPr id="7" name="Rectangle 6">
+            <a:extLst>
+              <a:ext uri="{FF2B5EF4-FFF2-40B4-BE49-F238E27FC236}">
+                <a16:creationId xmlns:a16="http://schemas.microsoft.com/office/drawing/2014/main" id="{CAAE2F69-F742-0D45-AE7A-A50A01D9B988}"/>
+              </a:ext>
+            </a:extLst>
+          </p:cNvPr>
+          <p:cNvSpPr/>
+          <p:nvPr/>
+        </p:nvSpPr>
+        <p:spPr>
+          <a:xfrm>
+            <a:off x="945776" y="3429000"/>
+            <a:ext cx="1627094" cy="591668"/>
+          </a:xfrm>
+          <a:prstGeom prst="rect">
+            <a:avLst/>
+          </a:prstGeom>
+          <a:solidFill>
+            <a:schemeClr val="tx2">
+              <a:lumMod val="75000"/>
+              <a:lumOff val="25000"/>
+            </a:schemeClr>
+          </a:solidFill>
+          <a:ln>
+            <a:noFill/>
+          </a:ln>
+          <a:effectLst>
+            <a:outerShdw blurRad="50800" dist="38100" dir="5400000" algn="t" rotWithShape="0">
+              <a:prstClr val="black">
+                <a:alpha val="40000"/>
+              </a:prstClr>
+            </a:outerShdw>
+          </a:effectLst>
+        </p:spPr>
+        <p:style>
+          <a:lnRef idx="2">
+            <a:schemeClr val="accent1">
+              <a:shade val="50000"/>
+            </a:schemeClr>
+          </a:lnRef>
+          <a:fillRef idx="1">
+            <a:schemeClr val="accent1"/>
+          </a:fillRef>
+          <a:effectRef idx="0">
+            <a:schemeClr val="accent1"/>
+          </a:effectRef>
+          <a:fontRef idx="minor">
+            <a:schemeClr val="lt1"/>
+          </a:fontRef>
+        </p:style>
+        <p:txBody>
+          <a:bodyPr rtlCol="0" anchor="ctr"/>
+          <a:lstStyle/>
+          <a:p>
+            <a:pPr algn="ctr"/>
+            <a:r>
+              <a:rPr lang="en-US" sz="1400" dirty="0">
+                <a:solidFill>
+                  <a:schemeClr val="bg1"/>
+                </a:solidFill>
+              </a:rPr>
+              <a:t>IoT Apps</a:t>
+            </a:r>
+            <a:endParaRPr sz="1400" dirty="0">
+              <a:solidFill>
+                <a:schemeClr val="bg1"/>
+              </a:solidFill>
+            </a:endParaRPr>
+          </a:p>
+        </p:txBody>
+      </p:sp>
+      <p:sp>
+        <p:nvSpPr>
+          <p:cNvPr id="8" name="Rounded Rectangle 7">
+            <a:extLst>
+              <a:ext uri="{FF2B5EF4-FFF2-40B4-BE49-F238E27FC236}">
+                <a16:creationId xmlns:a16="http://schemas.microsoft.com/office/drawing/2014/main" id="{1A70034B-2BBD-724C-8467-5067FC593EFC}"/>
+              </a:ext>
+            </a:extLst>
+          </p:cNvPr>
+          <p:cNvSpPr/>
+          <p:nvPr/>
+        </p:nvSpPr>
+        <p:spPr>
+          <a:xfrm>
+            <a:off x="9071114" y="1239904"/>
+            <a:ext cx="2123440" cy="1748021"/>
+          </a:xfrm>
+          <a:prstGeom prst="roundRect">
+            <a:avLst>
+              <a:gd name="adj" fmla="val 2992"/>
+            </a:avLst>
+          </a:prstGeom>
+          <a:noFill/>
+          <a:ln>
+            <a:solidFill>
+              <a:schemeClr val="tx1"/>
+            </a:solidFill>
+            <a:prstDash val="dash"/>
+          </a:ln>
+        </p:spPr>
+        <p:style>
+          <a:lnRef idx="2">
+            <a:schemeClr val="accent1">
+              <a:shade val="50000"/>
+            </a:schemeClr>
+          </a:lnRef>
+          <a:fillRef idx="1">
+            <a:schemeClr val="accent1"/>
+          </a:fillRef>
+          <a:effectRef idx="0">
+            <a:schemeClr val="accent1"/>
+          </a:effectRef>
+          <a:fontRef idx="minor">
+            <a:schemeClr val="lt1"/>
+          </a:fontRef>
+        </p:style>
+        <p:txBody>
+          <a:bodyPr rtlCol="0" anchor="b"/>
+          <a:lstStyle/>
+          <a:p>
+            <a:pPr algn="ctr"/>
+            <a:r>
+              <a:rPr lang="en-US" sz="1200" dirty="0">
+                <a:solidFill>
+                  <a:schemeClr val="accent1">
+                    <a:lumMod val="25000"/>
+                  </a:schemeClr>
+                </a:solidFill>
+              </a:rPr>
+              <a:t>Cloud Provider</a:t>
+            </a:r>
+            <a:endParaRPr sz="1200" dirty="0">
+              <a:solidFill>
+                <a:schemeClr val="accent1">
+                  <a:lumMod val="25000"/>
+                </a:schemeClr>
+              </a:solidFill>
+            </a:endParaRPr>
+          </a:p>
+        </p:txBody>
+      </p:sp>
+      <p:sp>
+        <p:nvSpPr>
+          <p:cNvPr id="9" name="Rectangle 8">
+            <a:extLst>
+              <a:ext uri="{FF2B5EF4-FFF2-40B4-BE49-F238E27FC236}">
+                <a16:creationId xmlns:a16="http://schemas.microsoft.com/office/drawing/2014/main" id="{2C0C6287-886A-A14F-A1AB-57CE03AEC2B4}"/>
+              </a:ext>
+            </a:extLst>
+          </p:cNvPr>
+          <p:cNvSpPr/>
+          <p:nvPr/>
+        </p:nvSpPr>
+        <p:spPr>
+          <a:xfrm>
+            <a:off x="9281784" y="2214382"/>
+            <a:ext cx="1627094" cy="374807"/>
+          </a:xfrm>
+          <a:prstGeom prst="rect">
+            <a:avLst/>
+          </a:prstGeom>
+          <a:solidFill>
+            <a:schemeClr val="tx2">
+              <a:lumMod val="75000"/>
+              <a:lumOff val="25000"/>
+            </a:schemeClr>
+          </a:solidFill>
+          <a:ln>
+            <a:noFill/>
+          </a:ln>
+          <a:effectLst>
+            <a:outerShdw blurRad="50800" dist="38100" dir="5400000" algn="t" rotWithShape="0">
+              <a:prstClr val="black">
+                <a:alpha val="40000"/>
+              </a:prstClr>
+            </a:outerShdw>
+          </a:effectLst>
+        </p:spPr>
+        <p:style>
+          <a:lnRef idx="2">
+            <a:schemeClr val="accent1">
+              <a:shade val="50000"/>
+            </a:schemeClr>
+          </a:lnRef>
+          <a:fillRef idx="1">
+            <a:schemeClr val="accent1"/>
+          </a:fillRef>
+          <a:effectRef idx="0">
+            <a:schemeClr val="accent1"/>
+          </a:effectRef>
+          <a:fontRef idx="minor">
+            <a:schemeClr val="lt1"/>
+          </a:fontRef>
+        </p:style>
+        <p:txBody>
+          <a:bodyPr rtlCol="0" anchor="ctr"/>
+          <a:lstStyle/>
+          <a:p>
+            <a:pPr algn="ctr"/>
+            <a:r>
+              <a:rPr lang="en-US" sz="1400" dirty="0">
+                <a:solidFill>
+                  <a:schemeClr val="bg1"/>
+                </a:solidFill>
+              </a:rPr>
+              <a:t>SaaS</a:t>
+            </a:r>
+            <a:endParaRPr sz="1400" dirty="0">
+              <a:solidFill>
+                <a:schemeClr val="bg1"/>
+              </a:solidFill>
+            </a:endParaRPr>
+          </a:p>
+        </p:txBody>
+      </p:sp>
+      <p:sp>
+        <p:nvSpPr>
+          <p:cNvPr id="10" name="Rectangle 9">
+            <a:extLst>
+              <a:ext uri="{FF2B5EF4-FFF2-40B4-BE49-F238E27FC236}">
+                <a16:creationId xmlns:a16="http://schemas.microsoft.com/office/drawing/2014/main" id="{39820C69-49F2-A840-A4CC-0BFA306177E0}"/>
+              </a:ext>
+            </a:extLst>
+          </p:cNvPr>
+          <p:cNvSpPr/>
+          <p:nvPr/>
+        </p:nvSpPr>
+        <p:spPr>
+          <a:xfrm>
+            <a:off x="2797674" y="1286690"/>
+            <a:ext cx="813547" cy="2747229"/>
+          </a:xfrm>
+          <a:prstGeom prst="rect">
+            <a:avLst/>
+          </a:prstGeom>
+          <a:solidFill>
+            <a:srgbClr val="4040EA"/>
+          </a:solidFill>
+          <a:ln>
+            <a:noFill/>
+          </a:ln>
+          <a:effectLst>
+            <a:outerShdw blurRad="50800" dist="38100" dir="5400000" algn="t" rotWithShape="0">
+              <a:prstClr val="black">
+                <a:alpha val="40000"/>
+              </a:prstClr>
+            </a:outerShdw>
+          </a:effectLst>
+        </p:spPr>
+        <p:style>
+          <a:lnRef idx="2">
+            <a:schemeClr val="accent1">
+              <a:shade val="50000"/>
+            </a:schemeClr>
+          </a:lnRef>
+          <a:fillRef idx="1">
+            <a:schemeClr val="accent1"/>
+          </a:fillRef>
+          <a:effectRef idx="0">
+            <a:schemeClr val="accent1"/>
+          </a:effectRef>
+          <a:fontRef idx="minor">
+            <a:schemeClr val="lt1"/>
+          </a:fontRef>
+        </p:style>
+        <p:txBody>
+          <a:bodyPr rtlCol="0" anchor="ctr"/>
+          <a:lstStyle/>
+          <a:p>
+            <a:pPr algn="ctr"/>
+            <a:r>
+              <a:rPr lang="en-US" sz="1200" dirty="0">
+                <a:solidFill>
+                  <a:schemeClr val="bg1"/>
+                </a:solidFill>
+              </a:rPr>
+              <a:t>API Gateway</a:t>
+            </a:r>
+            <a:endParaRPr sz="1200" dirty="0">
+              <a:solidFill>
+                <a:schemeClr val="bg1"/>
+              </a:solidFill>
+            </a:endParaRPr>
+          </a:p>
+        </p:txBody>
+      </p:sp>
+      <p:sp>
+        <p:nvSpPr>
+          <p:cNvPr id="12" name="Rectangle 11">
+            <a:extLst>
+              <a:ext uri="{FF2B5EF4-FFF2-40B4-BE49-F238E27FC236}">
+                <a16:creationId xmlns:a16="http://schemas.microsoft.com/office/drawing/2014/main" id="{1A46F6F4-9A8C-3840-9595-264F757F67A7}"/>
+              </a:ext>
+            </a:extLst>
+          </p:cNvPr>
+          <p:cNvSpPr/>
+          <p:nvPr/>
+        </p:nvSpPr>
+        <p:spPr>
+          <a:xfrm>
+            <a:off x="9281784" y="3870075"/>
+            <a:ext cx="1627094" cy="591669"/>
+          </a:xfrm>
+          <a:prstGeom prst="rect">
+            <a:avLst/>
+          </a:prstGeom>
+          <a:solidFill>
+            <a:schemeClr val="tx2">
+              <a:lumMod val="75000"/>
+              <a:lumOff val="25000"/>
+            </a:schemeClr>
+          </a:solidFill>
+          <a:ln>
+            <a:noFill/>
+          </a:ln>
+          <a:effectLst>
+            <a:outerShdw blurRad="50800" dist="38100" dir="5400000" algn="t" rotWithShape="0">
+              <a:prstClr val="black">
+                <a:alpha val="40000"/>
+              </a:prstClr>
+            </a:outerShdw>
+          </a:effectLst>
+        </p:spPr>
+        <p:style>
+          <a:lnRef idx="2">
+            <a:schemeClr val="accent1">
+              <a:shade val="50000"/>
+            </a:schemeClr>
+          </a:lnRef>
+          <a:fillRef idx="1">
+            <a:schemeClr val="accent1"/>
+          </a:fillRef>
+          <a:effectRef idx="0">
+            <a:schemeClr val="accent1"/>
+          </a:effectRef>
+          <a:fontRef idx="minor">
+            <a:schemeClr val="lt1"/>
+          </a:fontRef>
+        </p:style>
+        <p:txBody>
+          <a:bodyPr rtlCol="0" anchor="ctr"/>
+          <a:lstStyle/>
+          <a:p>
+            <a:pPr algn="ctr"/>
+            <a:r>
+              <a:rPr lang="en-US" sz="1400" dirty="0">
+                <a:solidFill>
+                  <a:schemeClr val="bg1"/>
+                </a:solidFill>
+              </a:rPr>
+              <a:t>Data Lake</a:t>
+            </a:r>
+            <a:endParaRPr sz="1400" dirty="0">
+              <a:solidFill>
+                <a:schemeClr val="bg1"/>
+              </a:solidFill>
+            </a:endParaRPr>
+          </a:p>
+        </p:txBody>
+      </p:sp>
+      <p:sp>
+        <p:nvSpPr>
+          <p:cNvPr id="13" name="Rectangle 12">
+            <a:extLst>
+              <a:ext uri="{FF2B5EF4-FFF2-40B4-BE49-F238E27FC236}">
+                <a16:creationId xmlns:a16="http://schemas.microsoft.com/office/drawing/2014/main" id="{503C1461-0FD7-2E46-85AB-7AEAE9171DCE}"/>
+              </a:ext>
+            </a:extLst>
+          </p:cNvPr>
+          <p:cNvSpPr/>
+          <p:nvPr/>
+        </p:nvSpPr>
+        <p:spPr>
+          <a:xfrm>
+            <a:off x="6427306" y="4554021"/>
+            <a:ext cx="2701328" cy="342900"/>
+          </a:xfrm>
+          <a:prstGeom prst="rect">
+            <a:avLst/>
+          </a:prstGeom>
+          <a:solidFill>
+            <a:srgbClr val="4040EA"/>
+          </a:solidFill>
+          <a:ln>
+            <a:noFill/>
+          </a:ln>
+          <a:effectLst>
+            <a:outerShdw blurRad="50800" dist="38100" dir="5400000" algn="t" rotWithShape="0">
+              <a:prstClr val="black">
+                <a:alpha val="40000"/>
+              </a:prstClr>
+            </a:outerShdw>
+          </a:effectLst>
+        </p:spPr>
+        <p:style>
+          <a:lnRef idx="2">
+            <a:schemeClr val="accent1">
+              <a:shade val="50000"/>
+            </a:schemeClr>
+          </a:lnRef>
+          <a:fillRef idx="1">
+            <a:schemeClr val="accent1"/>
+          </a:fillRef>
+          <a:effectRef idx="0">
+            <a:schemeClr val="accent1"/>
+          </a:effectRef>
+          <a:fontRef idx="minor">
+            <a:schemeClr val="lt1"/>
+          </a:fontRef>
+        </p:style>
+        <p:txBody>
+          <a:bodyPr rtlCol="0" anchor="ctr"/>
+          <a:lstStyle/>
+          <a:p>
+            <a:pPr algn="ctr"/>
+            <a:r>
+              <a:rPr lang="en-US" sz="1200" dirty="0">
+                <a:solidFill>
+                  <a:schemeClr val="bg1"/>
+                </a:solidFill>
+              </a:rPr>
+              <a:t>Centralized Integration</a:t>
+            </a:r>
+            <a:endParaRPr sz="1200" dirty="0">
+              <a:solidFill>
+                <a:schemeClr val="bg1"/>
+              </a:solidFill>
+            </a:endParaRPr>
+          </a:p>
+        </p:txBody>
+      </p:sp>
+      <p:sp>
+        <p:nvSpPr>
+          <p:cNvPr id="14" name="Rectangle 13">
+            <a:extLst>
+              <a:ext uri="{FF2B5EF4-FFF2-40B4-BE49-F238E27FC236}">
+                <a16:creationId xmlns:a16="http://schemas.microsoft.com/office/drawing/2014/main" id="{7565ADAA-8167-F94B-A8DA-4FBD295EEBD3}"/>
+              </a:ext>
+            </a:extLst>
+          </p:cNvPr>
+          <p:cNvSpPr/>
+          <p:nvPr/>
+        </p:nvSpPr>
+        <p:spPr>
+          <a:xfrm>
+            <a:off x="3970001" y="2140422"/>
+            <a:ext cx="1439320" cy="591668"/>
+          </a:xfrm>
+          <a:prstGeom prst="rect">
+            <a:avLst/>
+          </a:prstGeom>
+          <a:solidFill>
+            <a:schemeClr val="tx2">
+              <a:lumMod val="75000"/>
+              <a:lumOff val="25000"/>
+            </a:schemeClr>
+          </a:solidFill>
+          <a:ln>
+            <a:noFill/>
+          </a:ln>
+          <a:effectLst>
+            <a:outerShdw blurRad="50800" dist="38100" dir="5400000" algn="t" rotWithShape="0">
+              <a:prstClr val="black">
+                <a:alpha val="40000"/>
+              </a:prstClr>
+            </a:outerShdw>
+          </a:effectLst>
+        </p:spPr>
+        <p:style>
+          <a:lnRef idx="2">
+            <a:schemeClr val="accent1">
+              <a:shade val="50000"/>
+            </a:schemeClr>
+          </a:lnRef>
+          <a:fillRef idx="1">
+            <a:schemeClr val="accent1"/>
+          </a:fillRef>
+          <a:effectRef idx="0">
+            <a:schemeClr val="accent1"/>
+          </a:effectRef>
+          <a:fontRef idx="minor">
+            <a:schemeClr val="lt1"/>
+          </a:fontRef>
+        </p:style>
+        <p:txBody>
+          <a:bodyPr rtlCol="0" anchor="ctr"/>
+          <a:lstStyle/>
+          <a:p>
+            <a:pPr algn="ctr"/>
+            <a:r>
+              <a:rPr lang="en-US" sz="1400" dirty="0">
+                <a:solidFill>
+                  <a:schemeClr val="bg1"/>
+                </a:solidFill>
+              </a:rPr>
+              <a:t>Microservices</a:t>
+            </a:r>
+            <a:endParaRPr sz="1400" dirty="0">
+              <a:solidFill>
+                <a:schemeClr val="bg1"/>
+              </a:solidFill>
+            </a:endParaRPr>
+          </a:p>
+        </p:txBody>
+      </p:sp>
+      <p:sp>
+        <p:nvSpPr>
+          <p:cNvPr id="15" name="Rectangle 14">
+            <a:extLst>
+              <a:ext uri="{FF2B5EF4-FFF2-40B4-BE49-F238E27FC236}">
+                <a16:creationId xmlns:a16="http://schemas.microsoft.com/office/drawing/2014/main" id="{6DC5F059-C34B-284B-B346-5B99A8780DBA}"/>
+              </a:ext>
+            </a:extLst>
+          </p:cNvPr>
+          <p:cNvSpPr/>
+          <p:nvPr/>
+        </p:nvSpPr>
+        <p:spPr>
+          <a:xfrm>
+            <a:off x="5535973" y="2133461"/>
+            <a:ext cx="1354674" cy="591668"/>
+          </a:xfrm>
+          <a:prstGeom prst="rect">
+            <a:avLst/>
+          </a:prstGeom>
+          <a:solidFill>
+            <a:schemeClr val="tx2">
+              <a:lumMod val="75000"/>
+              <a:lumOff val="25000"/>
+            </a:schemeClr>
+          </a:solidFill>
+          <a:ln>
+            <a:noFill/>
+          </a:ln>
+          <a:effectLst>
+            <a:outerShdw blurRad="50800" dist="38100" dir="5400000" algn="t" rotWithShape="0">
+              <a:prstClr val="black">
+                <a:alpha val="40000"/>
+              </a:prstClr>
+            </a:outerShdw>
+          </a:effectLst>
+        </p:spPr>
+        <p:style>
+          <a:lnRef idx="2">
+            <a:schemeClr val="accent1">
+              <a:shade val="50000"/>
+            </a:schemeClr>
+          </a:lnRef>
+          <a:fillRef idx="1">
+            <a:schemeClr val="accent1"/>
+          </a:fillRef>
+          <a:effectRef idx="0">
+            <a:schemeClr val="accent1"/>
+          </a:effectRef>
+          <a:fontRef idx="minor">
+            <a:schemeClr val="lt1"/>
+          </a:fontRef>
+        </p:style>
+        <p:txBody>
+          <a:bodyPr rtlCol="0" anchor="ctr"/>
+          <a:lstStyle/>
+          <a:p>
+            <a:pPr algn="ctr"/>
+            <a:r>
+              <a:rPr lang="en-US" sz="1400" dirty="0">
+                <a:solidFill>
+                  <a:schemeClr val="bg1"/>
+                </a:solidFill>
+              </a:rPr>
+              <a:t>Functions</a:t>
+            </a:r>
+            <a:endParaRPr sz="1400" dirty="0">
+              <a:solidFill>
+                <a:schemeClr val="bg1"/>
+              </a:solidFill>
+            </a:endParaRPr>
+          </a:p>
+        </p:txBody>
+      </p:sp>
+      <p:sp>
+        <p:nvSpPr>
+          <p:cNvPr id="16" name="Rectangle 15">
+            <a:extLst>
+              <a:ext uri="{FF2B5EF4-FFF2-40B4-BE49-F238E27FC236}">
+                <a16:creationId xmlns:a16="http://schemas.microsoft.com/office/drawing/2014/main" id="{6D2D4B4F-3874-7F47-9B4F-283EE9A84DF6}"/>
+              </a:ext>
+            </a:extLst>
+          </p:cNvPr>
+          <p:cNvSpPr/>
+          <p:nvPr/>
+        </p:nvSpPr>
+        <p:spPr>
+          <a:xfrm>
+            <a:off x="7030989" y="2140422"/>
+            <a:ext cx="1354674" cy="591669"/>
+          </a:xfrm>
+          <a:prstGeom prst="rect">
+            <a:avLst/>
+          </a:prstGeom>
+          <a:solidFill>
+            <a:schemeClr val="tx2">
+              <a:lumMod val="75000"/>
+              <a:lumOff val="25000"/>
+            </a:schemeClr>
+          </a:solidFill>
+          <a:ln>
+            <a:noFill/>
+          </a:ln>
+          <a:effectLst>
+            <a:outerShdw blurRad="50800" dist="38100" dir="5400000" algn="t" rotWithShape="0">
+              <a:prstClr val="black">
+                <a:alpha val="40000"/>
+              </a:prstClr>
+            </a:outerShdw>
+          </a:effectLst>
+        </p:spPr>
+        <p:style>
+          <a:lnRef idx="2">
+            <a:schemeClr val="accent1">
+              <a:shade val="50000"/>
+            </a:schemeClr>
+          </a:lnRef>
+          <a:fillRef idx="1">
+            <a:schemeClr val="accent1"/>
+          </a:fillRef>
+          <a:effectRef idx="0">
+            <a:schemeClr val="accent1"/>
+          </a:effectRef>
+          <a:fontRef idx="minor">
+            <a:schemeClr val="lt1"/>
+          </a:fontRef>
+        </p:style>
+        <p:txBody>
+          <a:bodyPr rtlCol="0" anchor="ctr"/>
+          <a:lstStyle/>
+          <a:p>
+            <a:pPr algn="ctr"/>
+            <a:r>
+              <a:rPr lang="en-US" sz="1200" dirty="0">
+                <a:solidFill>
+                  <a:schemeClr val="bg1"/>
+                </a:solidFill>
+              </a:rPr>
+              <a:t>Microservice with  Agile Integration</a:t>
+            </a:r>
+            <a:endParaRPr sz="1200" dirty="0">
+              <a:solidFill>
+                <a:schemeClr val="bg1"/>
+              </a:solidFill>
+            </a:endParaRPr>
+          </a:p>
+        </p:txBody>
+      </p:sp>
+      <p:sp>
+        <p:nvSpPr>
+          <p:cNvPr id="17" name="Rectangle 16">
+            <a:extLst>
+              <a:ext uri="{FF2B5EF4-FFF2-40B4-BE49-F238E27FC236}">
+                <a16:creationId xmlns:a16="http://schemas.microsoft.com/office/drawing/2014/main" id="{CFA37546-8E32-5A4D-8A8E-4F6334D414EF}"/>
+              </a:ext>
+            </a:extLst>
+          </p:cNvPr>
+          <p:cNvSpPr/>
+          <p:nvPr/>
+        </p:nvSpPr>
+        <p:spPr>
+          <a:xfrm>
+            <a:off x="3929270" y="4937606"/>
+            <a:ext cx="1627094" cy="591668"/>
+          </a:xfrm>
+          <a:prstGeom prst="rect">
+            <a:avLst/>
+          </a:prstGeom>
+          <a:solidFill>
+            <a:schemeClr val="tx2">
+              <a:lumMod val="75000"/>
+              <a:lumOff val="25000"/>
+            </a:schemeClr>
+          </a:solidFill>
+          <a:ln>
+            <a:noFill/>
+          </a:ln>
+          <a:effectLst>
+            <a:outerShdw blurRad="50800" dist="38100" dir="5400000" algn="t" rotWithShape="0">
+              <a:prstClr val="black">
+                <a:alpha val="40000"/>
+              </a:prstClr>
+            </a:outerShdw>
+          </a:effectLst>
+        </p:spPr>
+        <p:style>
+          <a:lnRef idx="2">
+            <a:schemeClr val="accent1">
+              <a:shade val="50000"/>
+            </a:schemeClr>
+          </a:lnRef>
+          <a:fillRef idx="1">
+            <a:schemeClr val="accent1"/>
+          </a:fillRef>
+          <a:effectRef idx="0">
+            <a:schemeClr val="accent1"/>
+          </a:effectRef>
+          <a:fontRef idx="minor">
+            <a:schemeClr val="lt1"/>
+          </a:fontRef>
+        </p:style>
+        <p:txBody>
+          <a:bodyPr rtlCol="0" anchor="ctr"/>
+          <a:lstStyle/>
+          <a:p>
+            <a:pPr algn="ctr"/>
+            <a:r>
+              <a:rPr lang="en-US" sz="1400" dirty="0">
+                <a:solidFill>
+                  <a:schemeClr val="bg1"/>
+                </a:solidFill>
+              </a:rPr>
+              <a:t>System of Records</a:t>
+            </a:r>
+            <a:endParaRPr sz="1400" dirty="0">
+              <a:solidFill>
+                <a:schemeClr val="bg1"/>
+              </a:solidFill>
+            </a:endParaRPr>
+          </a:p>
+        </p:txBody>
+      </p:sp>
+      <p:sp>
+        <p:nvSpPr>
+          <p:cNvPr id="18" name="Rectangle 17">
+            <a:extLst>
+              <a:ext uri="{FF2B5EF4-FFF2-40B4-BE49-F238E27FC236}">
+                <a16:creationId xmlns:a16="http://schemas.microsoft.com/office/drawing/2014/main" id="{1FC7542A-1057-254A-907B-D861B5AC17CD}"/>
+              </a:ext>
+            </a:extLst>
+          </p:cNvPr>
+          <p:cNvSpPr/>
+          <p:nvPr/>
+        </p:nvSpPr>
+        <p:spPr>
+          <a:xfrm>
+            <a:off x="5822091" y="4937606"/>
+            <a:ext cx="1627094" cy="591668"/>
+          </a:xfrm>
+          <a:prstGeom prst="rect">
+            <a:avLst/>
+          </a:prstGeom>
+          <a:solidFill>
+            <a:schemeClr val="tx2">
+              <a:lumMod val="75000"/>
+              <a:lumOff val="25000"/>
+            </a:schemeClr>
+          </a:solidFill>
+          <a:ln>
+            <a:noFill/>
+          </a:ln>
+          <a:effectLst>
+            <a:outerShdw blurRad="50800" dist="38100" dir="5400000" algn="t" rotWithShape="0">
+              <a:prstClr val="black">
+                <a:alpha val="40000"/>
+              </a:prstClr>
+            </a:outerShdw>
+          </a:effectLst>
+        </p:spPr>
+        <p:style>
+          <a:lnRef idx="2">
+            <a:schemeClr val="accent1">
+              <a:shade val="50000"/>
+            </a:schemeClr>
+          </a:lnRef>
+          <a:fillRef idx="1">
+            <a:schemeClr val="accent1"/>
+          </a:fillRef>
+          <a:effectRef idx="0">
+            <a:schemeClr val="accent1"/>
+          </a:effectRef>
+          <a:fontRef idx="minor">
+            <a:schemeClr val="lt1"/>
+          </a:fontRef>
+        </p:style>
+        <p:txBody>
+          <a:bodyPr rtlCol="0" anchor="ctr"/>
+          <a:lstStyle/>
+          <a:p>
+            <a:pPr algn="ctr"/>
+            <a:r>
+              <a:rPr lang="en-US" sz="1400" dirty="0">
+                <a:solidFill>
+                  <a:schemeClr val="bg1"/>
+                </a:solidFill>
+              </a:rPr>
+              <a:t>Transactional Systems</a:t>
+            </a:r>
+            <a:endParaRPr sz="1400" dirty="0">
+              <a:solidFill>
+                <a:schemeClr val="bg1"/>
+              </a:solidFill>
+            </a:endParaRPr>
+          </a:p>
+        </p:txBody>
+      </p:sp>
+      <p:sp>
+        <p:nvSpPr>
+          <p:cNvPr id="19" name="Rounded Rectangle 18">
+            <a:extLst>
+              <a:ext uri="{FF2B5EF4-FFF2-40B4-BE49-F238E27FC236}">
+                <a16:creationId xmlns:a16="http://schemas.microsoft.com/office/drawing/2014/main" id="{7FC64FB5-B5AD-DB4C-8994-67B02E3E30A7}"/>
+              </a:ext>
+            </a:extLst>
+          </p:cNvPr>
+          <p:cNvSpPr/>
+          <p:nvPr/>
+        </p:nvSpPr>
+        <p:spPr>
+          <a:xfrm>
+            <a:off x="3783502" y="1249447"/>
+            <a:ext cx="5212606" cy="3212298"/>
+          </a:xfrm>
+          <a:prstGeom prst="roundRect">
+            <a:avLst>
+              <a:gd name="adj" fmla="val 2992"/>
+            </a:avLst>
+          </a:prstGeom>
+          <a:noFill/>
+          <a:ln>
+            <a:solidFill>
+              <a:schemeClr val="tx1"/>
+            </a:solidFill>
+            <a:prstDash val="dash"/>
+          </a:ln>
+        </p:spPr>
+        <p:style>
+          <a:lnRef idx="2">
+            <a:schemeClr val="accent1">
+              <a:shade val="50000"/>
+            </a:schemeClr>
+          </a:lnRef>
+          <a:fillRef idx="1">
+            <a:schemeClr val="accent1"/>
+          </a:fillRef>
+          <a:effectRef idx="0">
+            <a:schemeClr val="accent1"/>
+          </a:effectRef>
+          <a:fontRef idx="minor">
+            <a:schemeClr val="lt1"/>
+          </a:fontRef>
+        </p:style>
+        <p:txBody>
+          <a:bodyPr rtlCol="0" anchor="b"/>
+          <a:lstStyle/>
+          <a:p>
+            <a:pPr algn="ctr"/>
+            <a:r>
+              <a:rPr lang="en-US" sz="1200" dirty="0">
+                <a:solidFill>
+                  <a:schemeClr val="accent1">
+                    <a:lumMod val="25000"/>
+                  </a:schemeClr>
+                </a:solidFill>
+              </a:rPr>
+              <a:t>Container Orchestration</a:t>
+            </a:r>
+            <a:endParaRPr sz="1200" dirty="0">
+              <a:solidFill>
+                <a:schemeClr val="accent1">
+                  <a:lumMod val="25000"/>
+                </a:schemeClr>
+              </a:solidFill>
+            </a:endParaRPr>
+          </a:p>
+        </p:txBody>
+      </p:sp>
+      <p:sp>
+        <p:nvSpPr>
+          <p:cNvPr id="20" name="Rectangle 19">
+            <a:extLst>
+              <a:ext uri="{FF2B5EF4-FFF2-40B4-BE49-F238E27FC236}">
+                <a16:creationId xmlns:a16="http://schemas.microsoft.com/office/drawing/2014/main" id="{DADBF445-834B-1644-BF03-08B79DA1E62B}"/>
+              </a:ext>
+            </a:extLst>
+          </p:cNvPr>
+          <p:cNvSpPr/>
+          <p:nvPr/>
+        </p:nvSpPr>
+        <p:spPr>
+          <a:xfrm>
+            <a:off x="7504881" y="4938544"/>
+            <a:ext cx="1627094" cy="591668"/>
+          </a:xfrm>
+          <a:prstGeom prst="rect">
+            <a:avLst/>
+          </a:prstGeom>
+          <a:solidFill>
+            <a:schemeClr val="tx2">
+              <a:lumMod val="75000"/>
+              <a:lumOff val="25000"/>
+            </a:schemeClr>
+          </a:solidFill>
+          <a:ln>
+            <a:noFill/>
+          </a:ln>
+          <a:effectLst>
+            <a:outerShdw blurRad="50800" dist="38100" dir="5400000" algn="t" rotWithShape="0">
+              <a:prstClr val="black">
+                <a:alpha val="40000"/>
+              </a:prstClr>
+            </a:outerShdw>
+          </a:effectLst>
+        </p:spPr>
+        <p:style>
+          <a:lnRef idx="2">
+            <a:schemeClr val="accent1">
+              <a:shade val="50000"/>
+            </a:schemeClr>
+          </a:lnRef>
+          <a:fillRef idx="1">
+            <a:schemeClr val="accent1"/>
+          </a:fillRef>
+          <a:effectRef idx="0">
+            <a:schemeClr val="accent1"/>
+          </a:effectRef>
+          <a:fontRef idx="minor">
+            <a:schemeClr val="lt1"/>
+          </a:fontRef>
+        </p:style>
+        <p:txBody>
+          <a:bodyPr rtlCol="0" anchor="ctr"/>
+          <a:lstStyle/>
+          <a:p>
+            <a:pPr algn="ctr"/>
+            <a:r>
+              <a:rPr lang="en-US" sz="1400" dirty="0">
+                <a:solidFill>
+                  <a:schemeClr val="bg1"/>
+                </a:solidFill>
+              </a:rPr>
+              <a:t>Legacy App</a:t>
+            </a:r>
+            <a:endParaRPr sz="1400" dirty="0">
+              <a:solidFill>
+                <a:schemeClr val="bg1"/>
+              </a:solidFill>
+            </a:endParaRPr>
+          </a:p>
+        </p:txBody>
+      </p:sp>
+      <p:sp>
+        <p:nvSpPr>
+          <p:cNvPr id="23" name="Rectangle 22">
+            <a:extLst>
+              <a:ext uri="{FF2B5EF4-FFF2-40B4-BE49-F238E27FC236}">
+                <a16:creationId xmlns:a16="http://schemas.microsoft.com/office/drawing/2014/main" id="{ED46473C-AAB9-154A-B44F-535938BF9D32}"/>
+              </a:ext>
+            </a:extLst>
+          </p:cNvPr>
+          <p:cNvSpPr/>
+          <p:nvPr/>
+        </p:nvSpPr>
+        <p:spPr>
+          <a:xfrm>
+            <a:off x="3929270" y="3603903"/>
+            <a:ext cx="4691636" cy="438587"/>
+          </a:xfrm>
+          <a:prstGeom prst="rect">
+            <a:avLst/>
+          </a:prstGeom>
+          <a:solidFill>
+            <a:srgbClr val="4040EA"/>
+          </a:solidFill>
+          <a:ln>
+            <a:noFill/>
+          </a:ln>
+          <a:effectLst>
+            <a:outerShdw blurRad="50800" dist="38100" dir="5400000" algn="t" rotWithShape="0">
+              <a:prstClr val="black">
+                <a:alpha val="40000"/>
+              </a:prstClr>
+            </a:outerShdw>
+          </a:effectLst>
+        </p:spPr>
+        <p:style>
+          <a:lnRef idx="2">
+            <a:schemeClr val="accent1">
+              <a:shade val="50000"/>
+            </a:schemeClr>
+          </a:lnRef>
+          <a:fillRef idx="1">
+            <a:schemeClr val="accent1"/>
+          </a:fillRef>
+          <a:effectRef idx="0">
+            <a:schemeClr val="accent1"/>
+          </a:effectRef>
+          <a:fontRef idx="minor">
+            <a:schemeClr val="lt1"/>
+          </a:fontRef>
+        </p:style>
+        <p:txBody>
+          <a:bodyPr rtlCol="0" anchor="ctr"/>
+          <a:lstStyle/>
+          <a:p>
+            <a:pPr algn="ctr"/>
+            <a:r>
+              <a:rPr lang="en-US" sz="1200" dirty="0">
+                <a:solidFill>
+                  <a:schemeClr val="bg1"/>
+                </a:solidFill>
+              </a:rPr>
+              <a:t>Event Backbone </a:t>
+            </a:r>
+          </a:p>
+        </p:txBody>
+      </p:sp>
+      <p:sp>
+        <p:nvSpPr>
+          <p:cNvPr id="24" name="Rectangle 23">
+            <a:extLst>
+              <a:ext uri="{FF2B5EF4-FFF2-40B4-BE49-F238E27FC236}">
+                <a16:creationId xmlns:a16="http://schemas.microsoft.com/office/drawing/2014/main" id="{2DF8F086-32DE-5E44-AADF-F94C6E2D8D12}"/>
+              </a:ext>
+            </a:extLst>
+          </p:cNvPr>
+          <p:cNvSpPr/>
+          <p:nvPr/>
+        </p:nvSpPr>
+        <p:spPr>
+          <a:xfrm>
+            <a:off x="3911451" y="3133132"/>
+            <a:ext cx="4691636" cy="402470"/>
+          </a:xfrm>
+          <a:prstGeom prst="rect">
+            <a:avLst/>
+          </a:prstGeom>
+          <a:solidFill>
+            <a:srgbClr val="4040EA"/>
+          </a:solidFill>
+          <a:ln>
+            <a:noFill/>
+          </a:ln>
+          <a:effectLst>
+            <a:outerShdw blurRad="50800" dist="38100" dir="5400000" algn="t" rotWithShape="0">
+              <a:prstClr val="black">
+                <a:alpha val="40000"/>
+              </a:prstClr>
+            </a:outerShdw>
+          </a:effectLst>
+        </p:spPr>
+        <p:style>
+          <a:lnRef idx="2">
+            <a:schemeClr val="accent1">
+              <a:shade val="50000"/>
+            </a:schemeClr>
+          </a:lnRef>
+          <a:fillRef idx="1">
+            <a:schemeClr val="accent1"/>
+          </a:fillRef>
+          <a:effectRef idx="0">
+            <a:schemeClr val="accent1"/>
+          </a:effectRef>
+          <a:fontRef idx="minor">
+            <a:schemeClr val="lt1"/>
+          </a:fontRef>
+        </p:style>
+        <p:txBody>
+          <a:bodyPr rtlCol="0" anchor="ctr"/>
+          <a:lstStyle/>
+          <a:p>
+            <a:pPr algn="ctr"/>
+            <a:r>
+              <a:rPr lang="en-US" sz="1200" dirty="0">
+                <a:solidFill>
+                  <a:schemeClr val="bg1"/>
+                </a:solidFill>
+              </a:rPr>
+              <a:t>Messaging Queue </a:t>
+            </a:r>
+          </a:p>
+        </p:txBody>
+      </p:sp>
+    </p:spTree>
+    <p:extLst>
+      <p:ext uri="{BB962C8B-B14F-4D97-AF65-F5344CB8AC3E}">
+        <p14:creationId xmlns:p14="http://schemas.microsoft.com/office/powerpoint/2010/main" val="3541919812"/>
+      </p:ext>
+    </p:extLst>
+  </p:cSld>
+  <p:clrMapOvr>
+    <a:masterClrMapping/>
+  </p:clrMapOvr>
+</p:sld>
+</file>
+
+<file path=ppt/slides/slide14.xml><?xml version="1.0" encoding="utf-8"?>
+<p:sld xmlns:a="http://schemas.openxmlformats.org/drawingml/2006/main" xmlns:r="http://schemas.openxmlformats.org/officeDocument/2006/relationships" xmlns:p="http://schemas.openxmlformats.org/presentationml/2006/main">
+  <p:cSld>
+    <p:spTree>
+      <p:nvGrpSpPr>
+        <p:cNvPr id="1" name=""/>
+        <p:cNvGrpSpPr/>
+        <p:nvPr/>
+      </p:nvGrpSpPr>
+      <p:grpSpPr>
+        <a:xfrm>
+          <a:off x="0" y="0"/>
+          <a:ext cx="0" cy="0"/>
+          <a:chOff x="0" y="0"/>
+          <a:chExt cx="0" cy="0"/>
+        </a:xfrm>
+      </p:grpSpPr>
+      <p:sp>
+        <p:nvSpPr>
+          <p:cNvPr id="2" name="Title 1">
+            <a:extLst>
+              <a:ext uri="{FF2B5EF4-FFF2-40B4-BE49-F238E27FC236}">
+                <a16:creationId xmlns:a16="http://schemas.microsoft.com/office/drawing/2014/main" id="{8023CDE6-F605-9D4B-86B5-F33B9D90A637}"/>
+              </a:ext>
+            </a:extLst>
+          </p:cNvPr>
+          <p:cNvSpPr>
+            <a:spLocks noGrp="1"/>
+          </p:cNvSpPr>
+          <p:nvPr>
+            <p:ph type="title"/>
+          </p:nvPr>
+        </p:nvSpPr>
+        <p:spPr/>
+        <p:txBody>
+          <a:bodyPr/>
+          <a:lstStyle/>
+          <a:p>
+            <a:r>
+              <a:rPr lang="en-US" dirty="0"/>
+              <a:t>Bridge digital to core</a:t>
+            </a:r>
+            <a:endParaRPr dirty="0"/>
+          </a:p>
+        </p:txBody>
+      </p:sp>
+      <p:sp>
+        <p:nvSpPr>
+          <p:cNvPr id="3" name="Slide Number Placeholder 2">
+            <a:extLst>
+              <a:ext uri="{FF2B5EF4-FFF2-40B4-BE49-F238E27FC236}">
+                <a16:creationId xmlns:a16="http://schemas.microsoft.com/office/drawing/2014/main" id="{546FEDF8-698A-C24F-BC8C-CCA06614B4EF}"/>
+              </a:ext>
+            </a:extLst>
+          </p:cNvPr>
+          <p:cNvSpPr>
+            <a:spLocks noGrp="1"/>
+          </p:cNvSpPr>
+          <p:nvPr>
+            <p:ph type="sldNum" sz="quarter" idx="10"/>
+          </p:nvPr>
+        </p:nvSpPr>
+        <p:spPr/>
+        <p:txBody>
+          <a:bodyPr/>
+          <a:lstStyle/>
+          <a:p>
+            <a:pPr defTabSz="911231" eaLnBrk="1" fontAlgn="auto" hangingPunct="1">
+              <a:spcBef>
+                <a:spcPts val="0"/>
+              </a:spcBef>
+              <a:spcAft>
+                <a:spcPts val="0"/>
+              </a:spcAft>
+              <a:defRPr/>
+            </a:pPr>
+            <a:r>
+              <a:rPr lang="en-US" altLang="en-US">
+                <a:solidFill>
+                  <a:srgbClr val="FFFFFF"/>
+                </a:solidFill>
+                <a:latin typeface="Arial"/>
+                <a:ea typeface="ＭＳ Ｐゴシック" charset="0"/>
+                <a:cs typeface="Arial"/>
+                <a:sym typeface="Helvetica" charset="0"/>
+              </a:rPr>
+              <a:t>IBM Confidential – Page </a:t>
+            </a:r>
+            <a:fld id="{E29CC0C0-E046-4664-B80A-AA818B18C835}" type="slidenum">
+              <a:rPr lang="en-US" altLang="en-US" smtClean="0">
+                <a:solidFill>
+                  <a:srgbClr val="FFFFFF"/>
+                </a:solidFill>
+                <a:latin typeface="Arial"/>
+                <a:ea typeface="ＭＳ Ｐゴシック" charset="0"/>
+                <a:cs typeface="Arial"/>
+                <a:sym typeface="Helvetica" charset="0"/>
+              </a:rPr>
+              <a:pPr defTabSz="911231" eaLnBrk="1" fontAlgn="auto" hangingPunct="1">
+                <a:spcBef>
+                  <a:spcPts val="0"/>
+                </a:spcBef>
+                <a:spcAft>
+                  <a:spcPts val="0"/>
+                </a:spcAft>
+                <a:defRPr/>
+              </a:pPr>
+              <a:t>14</a:t>
+            </a:fld>
+            <a:endParaRPr lang="en-US" altLang="en-US">
+              <a:solidFill>
+                <a:srgbClr val="FFFFFF"/>
+              </a:solidFill>
+              <a:latin typeface="Arial"/>
+              <a:ea typeface="ＭＳ Ｐゴシック" charset="0"/>
+              <a:cs typeface="Arial"/>
+              <a:sym typeface="Helvetica" charset="0"/>
+            </a:endParaRPr>
+          </a:p>
+        </p:txBody>
+      </p:sp>
+      <p:sp>
+        <p:nvSpPr>
+          <p:cNvPr id="4" name="Rectangle 3">
+            <a:extLst>
+              <a:ext uri="{FF2B5EF4-FFF2-40B4-BE49-F238E27FC236}">
+                <a16:creationId xmlns:a16="http://schemas.microsoft.com/office/drawing/2014/main" id="{765C9779-9333-4741-82B8-4F55F5FE819C}"/>
+              </a:ext>
+            </a:extLst>
+          </p:cNvPr>
+          <p:cNvSpPr/>
+          <p:nvPr/>
+        </p:nvSpPr>
+        <p:spPr>
+          <a:xfrm>
+            <a:off x="619507" y="4554334"/>
+            <a:ext cx="1627094" cy="487502"/>
+          </a:xfrm>
+          <a:prstGeom prst="rect">
+            <a:avLst/>
+          </a:prstGeom>
+          <a:solidFill>
+            <a:schemeClr val="tx2">
+              <a:lumMod val="75000"/>
+              <a:lumOff val="25000"/>
+            </a:schemeClr>
+          </a:solidFill>
+          <a:ln>
+            <a:noFill/>
+          </a:ln>
+          <a:effectLst>
+            <a:outerShdw blurRad="50800" dist="38100" dir="5400000" algn="t" rotWithShape="0">
+              <a:prstClr val="black">
+                <a:alpha val="40000"/>
+              </a:prstClr>
+            </a:outerShdw>
+          </a:effectLst>
+        </p:spPr>
+        <p:style>
+          <a:lnRef idx="2">
+            <a:schemeClr val="accent1">
+              <a:shade val="50000"/>
+            </a:schemeClr>
+          </a:lnRef>
+          <a:fillRef idx="1">
+            <a:schemeClr val="accent1"/>
+          </a:fillRef>
+          <a:effectRef idx="0">
+            <a:schemeClr val="accent1"/>
+          </a:effectRef>
+          <a:fontRef idx="minor">
+            <a:schemeClr val="lt1"/>
+          </a:fontRef>
+        </p:style>
+        <p:txBody>
+          <a:bodyPr rtlCol="0" anchor="ctr"/>
+          <a:lstStyle/>
+          <a:p>
+            <a:pPr algn="ctr"/>
+            <a:r>
+              <a:rPr lang="en-US" sz="1400" dirty="0">
+                <a:solidFill>
+                  <a:schemeClr val="bg1"/>
+                </a:solidFill>
+              </a:rPr>
+              <a:t>B2B</a:t>
+            </a:r>
+            <a:endParaRPr sz="1400" dirty="0">
+              <a:solidFill>
+                <a:schemeClr val="bg1"/>
+              </a:solidFill>
+            </a:endParaRPr>
+          </a:p>
+        </p:txBody>
+      </p:sp>
+      <p:sp>
+        <p:nvSpPr>
+          <p:cNvPr id="5" name="Rectangle 4">
+            <a:extLst>
+              <a:ext uri="{FF2B5EF4-FFF2-40B4-BE49-F238E27FC236}">
+                <a16:creationId xmlns:a16="http://schemas.microsoft.com/office/drawing/2014/main" id="{C888B0AC-5E05-C344-9900-51FB2C5AF690}"/>
+              </a:ext>
+            </a:extLst>
+          </p:cNvPr>
+          <p:cNvSpPr/>
+          <p:nvPr/>
+        </p:nvSpPr>
+        <p:spPr>
+          <a:xfrm>
+            <a:off x="619507" y="3621545"/>
+            <a:ext cx="1627094" cy="679419"/>
+          </a:xfrm>
+          <a:prstGeom prst="rect">
+            <a:avLst/>
+          </a:prstGeom>
+          <a:solidFill>
+            <a:schemeClr val="tx2">
+              <a:lumMod val="75000"/>
+              <a:lumOff val="25000"/>
+            </a:schemeClr>
+          </a:solidFill>
+          <a:ln>
+            <a:noFill/>
+          </a:ln>
+          <a:effectLst>
+            <a:outerShdw blurRad="50800" dist="38100" dir="5400000" algn="t" rotWithShape="0">
+              <a:prstClr val="black">
+                <a:alpha val="40000"/>
+              </a:prstClr>
+            </a:outerShdw>
+          </a:effectLst>
+        </p:spPr>
+        <p:style>
+          <a:lnRef idx="2">
+            <a:schemeClr val="accent1">
+              <a:shade val="50000"/>
+            </a:schemeClr>
+          </a:lnRef>
+          <a:fillRef idx="1">
+            <a:schemeClr val="accent1"/>
+          </a:fillRef>
+          <a:effectRef idx="0">
+            <a:schemeClr val="accent1"/>
+          </a:effectRef>
+          <a:fontRef idx="minor">
+            <a:schemeClr val="lt1"/>
+          </a:fontRef>
+        </p:style>
+        <p:txBody>
+          <a:bodyPr rtlCol="0" anchor="ctr"/>
+          <a:lstStyle/>
+          <a:p>
+            <a:pPr algn="ctr"/>
+            <a:r>
+              <a:rPr lang="en-US" sz="1400" dirty="0">
+                <a:solidFill>
+                  <a:schemeClr val="bg1"/>
+                </a:solidFill>
+              </a:rPr>
+              <a:t>DBaaS</a:t>
+            </a:r>
+            <a:endParaRPr sz="1400" dirty="0">
+              <a:solidFill>
+                <a:schemeClr val="bg1"/>
+              </a:solidFill>
+            </a:endParaRPr>
+          </a:p>
+        </p:txBody>
+      </p:sp>
+      <p:sp>
+        <p:nvSpPr>
+          <p:cNvPr id="6" name="Rectangle 5">
+            <a:extLst>
+              <a:ext uri="{FF2B5EF4-FFF2-40B4-BE49-F238E27FC236}">
+                <a16:creationId xmlns:a16="http://schemas.microsoft.com/office/drawing/2014/main" id="{CA8CB7E3-E477-9449-A764-BACB8400358F}"/>
+              </a:ext>
+            </a:extLst>
+          </p:cNvPr>
+          <p:cNvSpPr/>
+          <p:nvPr/>
+        </p:nvSpPr>
+        <p:spPr>
+          <a:xfrm>
+            <a:off x="619507" y="1931469"/>
+            <a:ext cx="1627094" cy="591668"/>
+          </a:xfrm>
+          <a:prstGeom prst="rect">
+            <a:avLst/>
+          </a:prstGeom>
+          <a:solidFill>
+            <a:schemeClr val="tx2">
+              <a:lumMod val="75000"/>
+              <a:lumOff val="25000"/>
+            </a:schemeClr>
+          </a:solidFill>
+          <a:ln>
+            <a:noFill/>
+          </a:ln>
+          <a:effectLst>
+            <a:outerShdw blurRad="50800" dist="38100" dir="5400000" algn="t" rotWithShape="0">
+              <a:prstClr val="black">
+                <a:alpha val="40000"/>
+              </a:prstClr>
+            </a:outerShdw>
+          </a:effectLst>
+        </p:spPr>
+        <p:style>
+          <a:lnRef idx="2">
+            <a:schemeClr val="accent1">
+              <a:shade val="50000"/>
+            </a:schemeClr>
+          </a:lnRef>
+          <a:fillRef idx="1">
+            <a:schemeClr val="accent1"/>
+          </a:fillRef>
+          <a:effectRef idx="0">
+            <a:schemeClr val="accent1"/>
+          </a:effectRef>
+          <a:fontRef idx="minor">
+            <a:schemeClr val="lt1"/>
+          </a:fontRef>
+        </p:style>
+        <p:txBody>
+          <a:bodyPr rtlCol="0" anchor="ctr"/>
+          <a:lstStyle/>
+          <a:p>
+            <a:pPr algn="ctr"/>
+            <a:r>
+              <a:rPr lang="en-US" sz="1400" dirty="0">
+                <a:solidFill>
+                  <a:schemeClr val="bg1"/>
+                </a:solidFill>
+              </a:rPr>
+              <a:t>Modernized Apps</a:t>
+            </a:r>
+            <a:endParaRPr sz="1400" dirty="0">
+              <a:solidFill>
+                <a:schemeClr val="bg1"/>
+              </a:solidFill>
+            </a:endParaRPr>
+          </a:p>
+        </p:txBody>
+      </p:sp>
+      <p:sp>
+        <p:nvSpPr>
+          <p:cNvPr id="7" name="Rectangle 6">
+            <a:extLst>
+              <a:ext uri="{FF2B5EF4-FFF2-40B4-BE49-F238E27FC236}">
+                <a16:creationId xmlns:a16="http://schemas.microsoft.com/office/drawing/2014/main" id="{CAAE2F69-F742-0D45-AE7A-A50A01D9B988}"/>
+              </a:ext>
+            </a:extLst>
+          </p:cNvPr>
+          <p:cNvSpPr/>
+          <p:nvPr/>
+        </p:nvSpPr>
+        <p:spPr>
+          <a:xfrm>
+            <a:off x="619507" y="2776507"/>
+            <a:ext cx="1627094" cy="591668"/>
+          </a:xfrm>
+          <a:prstGeom prst="rect">
+            <a:avLst/>
+          </a:prstGeom>
+          <a:solidFill>
+            <a:schemeClr val="tx2">
+              <a:lumMod val="75000"/>
+              <a:lumOff val="25000"/>
+            </a:schemeClr>
+          </a:solidFill>
+          <a:ln>
+            <a:noFill/>
+          </a:ln>
+          <a:effectLst>
+            <a:outerShdw blurRad="50800" dist="38100" dir="5400000" algn="t" rotWithShape="0">
+              <a:prstClr val="black">
+                <a:alpha val="40000"/>
+              </a:prstClr>
+            </a:outerShdw>
+          </a:effectLst>
+        </p:spPr>
+        <p:style>
+          <a:lnRef idx="2">
+            <a:schemeClr val="accent1">
+              <a:shade val="50000"/>
+            </a:schemeClr>
+          </a:lnRef>
+          <a:fillRef idx="1">
+            <a:schemeClr val="accent1"/>
+          </a:fillRef>
+          <a:effectRef idx="0">
+            <a:schemeClr val="accent1"/>
+          </a:effectRef>
+          <a:fontRef idx="minor">
+            <a:schemeClr val="lt1"/>
+          </a:fontRef>
+        </p:style>
+        <p:txBody>
+          <a:bodyPr rtlCol="0" anchor="ctr"/>
+          <a:lstStyle/>
+          <a:p>
+            <a:pPr algn="ctr"/>
+            <a:r>
+              <a:rPr lang="en-US" sz="1400" dirty="0">
+                <a:solidFill>
+                  <a:schemeClr val="bg1"/>
+                </a:solidFill>
+              </a:rPr>
+              <a:t>IoT channel</a:t>
+            </a:r>
+            <a:endParaRPr sz="1400" dirty="0">
+              <a:solidFill>
+                <a:schemeClr val="bg1"/>
+              </a:solidFill>
+            </a:endParaRPr>
+          </a:p>
+        </p:txBody>
+      </p:sp>
+      <p:sp>
+        <p:nvSpPr>
+          <p:cNvPr id="8" name="Rounded Rectangle 7">
+            <a:extLst>
+              <a:ext uri="{FF2B5EF4-FFF2-40B4-BE49-F238E27FC236}">
+                <a16:creationId xmlns:a16="http://schemas.microsoft.com/office/drawing/2014/main" id="{1A70034B-2BBD-724C-8467-5067FC593EFC}"/>
+              </a:ext>
+            </a:extLst>
+          </p:cNvPr>
+          <p:cNvSpPr/>
+          <p:nvPr/>
+        </p:nvSpPr>
+        <p:spPr>
+          <a:xfrm>
+            <a:off x="227386" y="995130"/>
+            <a:ext cx="2514591" cy="5286400"/>
+          </a:xfrm>
+          <a:prstGeom prst="roundRect">
+            <a:avLst>
+              <a:gd name="adj" fmla="val 2992"/>
+            </a:avLst>
+          </a:prstGeom>
+          <a:noFill/>
+          <a:ln>
+            <a:solidFill>
+              <a:schemeClr val="tx1"/>
+            </a:solidFill>
+            <a:prstDash val="dash"/>
+          </a:ln>
+        </p:spPr>
+        <p:style>
+          <a:lnRef idx="2">
+            <a:schemeClr val="accent1">
+              <a:shade val="50000"/>
+            </a:schemeClr>
+          </a:lnRef>
+          <a:fillRef idx="1">
+            <a:schemeClr val="accent1"/>
+          </a:fillRef>
+          <a:effectRef idx="0">
+            <a:schemeClr val="accent1"/>
+          </a:effectRef>
+          <a:fontRef idx="minor">
+            <a:schemeClr val="lt1"/>
+          </a:fontRef>
+        </p:style>
+        <p:txBody>
+          <a:bodyPr rtlCol="0" anchor="b"/>
+          <a:lstStyle/>
+          <a:p>
+            <a:pPr algn="ctr"/>
+            <a:r>
+              <a:rPr lang="en-US" sz="1200" dirty="0">
+                <a:solidFill>
+                  <a:schemeClr val="accent1">
+                    <a:lumMod val="25000"/>
+                  </a:schemeClr>
+                </a:solidFill>
+              </a:rPr>
+              <a:t>Cloud Provider</a:t>
+            </a:r>
+            <a:endParaRPr sz="1200" dirty="0">
+              <a:solidFill>
+                <a:schemeClr val="accent1">
+                  <a:lumMod val="25000"/>
+                </a:schemeClr>
+              </a:solidFill>
+            </a:endParaRPr>
+          </a:p>
+        </p:txBody>
+      </p:sp>
+      <p:sp>
+        <p:nvSpPr>
+          <p:cNvPr id="10" name="Rectangle 9">
+            <a:extLst>
+              <a:ext uri="{FF2B5EF4-FFF2-40B4-BE49-F238E27FC236}">
+                <a16:creationId xmlns:a16="http://schemas.microsoft.com/office/drawing/2014/main" id="{39820C69-49F2-A840-A4CC-0BFA306177E0}"/>
+              </a:ext>
+            </a:extLst>
+          </p:cNvPr>
+          <p:cNvSpPr/>
+          <p:nvPr/>
+        </p:nvSpPr>
+        <p:spPr>
+          <a:xfrm>
+            <a:off x="3027653" y="1972368"/>
+            <a:ext cx="813547" cy="2095016"/>
+          </a:xfrm>
+          <a:prstGeom prst="rect">
+            <a:avLst/>
+          </a:prstGeom>
+          <a:solidFill>
+            <a:srgbClr val="4040EA"/>
+          </a:solidFill>
+          <a:ln>
+            <a:noFill/>
+          </a:ln>
+          <a:effectLst>
+            <a:outerShdw blurRad="50800" dist="38100" dir="5400000" algn="t" rotWithShape="0">
+              <a:prstClr val="black">
+                <a:alpha val="40000"/>
+              </a:prstClr>
+            </a:outerShdw>
+          </a:effectLst>
+        </p:spPr>
+        <p:style>
+          <a:lnRef idx="2">
+            <a:schemeClr val="accent1">
+              <a:shade val="50000"/>
+            </a:schemeClr>
+          </a:lnRef>
+          <a:fillRef idx="1">
+            <a:schemeClr val="accent1"/>
+          </a:fillRef>
+          <a:effectRef idx="0">
+            <a:schemeClr val="accent1"/>
+          </a:effectRef>
+          <a:fontRef idx="minor">
+            <a:schemeClr val="lt1"/>
+          </a:fontRef>
+        </p:style>
+        <p:txBody>
+          <a:bodyPr rtlCol="0" anchor="ctr"/>
+          <a:lstStyle/>
+          <a:p>
+            <a:pPr algn="ctr"/>
+            <a:r>
+              <a:rPr lang="en-US" sz="1200" dirty="0">
+                <a:solidFill>
+                  <a:schemeClr val="bg1"/>
+                </a:solidFill>
+              </a:rPr>
+              <a:t>API Gateway</a:t>
+            </a:r>
+            <a:endParaRPr sz="1200" dirty="0">
+              <a:solidFill>
+                <a:schemeClr val="bg1"/>
+              </a:solidFill>
+            </a:endParaRPr>
+          </a:p>
+        </p:txBody>
+      </p:sp>
+      <p:sp>
+        <p:nvSpPr>
+          <p:cNvPr id="11" name="Rectangle 10">
+            <a:extLst>
+              <a:ext uri="{FF2B5EF4-FFF2-40B4-BE49-F238E27FC236}">
+                <a16:creationId xmlns:a16="http://schemas.microsoft.com/office/drawing/2014/main" id="{F138F1A0-FEE0-4047-A980-F73497F09BD7}"/>
+              </a:ext>
+            </a:extLst>
+          </p:cNvPr>
+          <p:cNvSpPr/>
+          <p:nvPr/>
+        </p:nvSpPr>
+        <p:spPr>
+          <a:xfrm>
+            <a:off x="3929270" y="3603903"/>
+            <a:ext cx="4691636" cy="438587"/>
+          </a:xfrm>
+          <a:prstGeom prst="rect">
+            <a:avLst/>
+          </a:prstGeom>
+          <a:solidFill>
+            <a:srgbClr val="4040EA"/>
+          </a:solidFill>
+          <a:ln>
+            <a:noFill/>
+          </a:ln>
+          <a:effectLst>
+            <a:outerShdw blurRad="50800" dist="38100" dir="5400000" algn="t" rotWithShape="0">
+              <a:prstClr val="black">
+                <a:alpha val="40000"/>
+              </a:prstClr>
+            </a:outerShdw>
+          </a:effectLst>
+        </p:spPr>
+        <p:style>
+          <a:lnRef idx="2">
+            <a:schemeClr val="accent1">
+              <a:shade val="50000"/>
+            </a:schemeClr>
+          </a:lnRef>
+          <a:fillRef idx="1">
+            <a:schemeClr val="accent1"/>
+          </a:fillRef>
+          <a:effectRef idx="0">
+            <a:schemeClr val="accent1"/>
+          </a:effectRef>
+          <a:fontRef idx="minor">
+            <a:schemeClr val="lt1"/>
+          </a:fontRef>
+        </p:style>
+        <p:txBody>
+          <a:bodyPr rtlCol="0" anchor="ctr"/>
+          <a:lstStyle/>
+          <a:p>
+            <a:pPr algn="ctr"/>
+            <a:r>
+              <a:rPr lang="en-US" sz="1200" dirty="0">
+                <a:solidFill>
+                  <a:schemeClr val="bg1"/>
+                </a:solidFill>
+              </a:rPr>
+              <a:t>Event Backbone </a:t>
+            </a:r>
+          </a:p>
+        </p:txBody>
+      </p:sp>
+      <p:sp>
+        <p:nvSpPr>
+          <p:cNvPr id="12" name="Rectangle 11">
+            <a:extLst>
+              <a:ext uri="{FF2B5EF4-FFF2-40B4-BE49-F238E27FC236}">
+                <a16:creationId xmlns:a16="http://schemas.microsoft.com/office/drawing/2014/main" id="{1A46F6F4-9A8C-3840-9595-264F757F67A7}"/>
+              </a:ext>
+            </a:extLst>
+          </p:cNvPr>
+          <p:cNvSpPr/>
+          <p:nvPr/>
+        </p:nvSpPr>
+        <p:spPr>
+          <a:xfrm>
+            <a:off x="9281784" y="3870075"/>
+            <a:ext cx="1627094" cy="591669"/>
+          </a:xfrm>
+          <a:prstGeom prst="rect">
+            <a:avLst/>
+          </a:prstGeom>
+          <a:solidFill>
+            <a:schemeClr val="tx2">
+              <a:lumMod val="75000"/>
+              <a:lumOff val="25000"/>
+            </a:schemeClr>
+          </a:solidFill>
+          <a:ln>
+            <a:noFill/>
+          </a:ln>
+          <a:effectLst>
+            <a:outerShdw blurRad="50800" dist="38100" dir="5400000" algn="t" rotWithShape="0">
+              <a:prstClr val="black">
+                <a:alpha val="40000"/>
+              </a:prstClr>
+            </a:outerShdw>
+          </a:effectLst>
+        </p:spPr>
+        <p:style>
+          <a:lnRef idx="2">
+            <a:schemeClr val="accent1">
+              <a:shade val="50000"/>
+            </a:schemeClr>
+          </a:lnRef>
+          <a:fillRef idx="1">
+            <a:schemeClr val="accent1"/>
+          </a:fillRef>
+          <a:effectRef idx="0">
+            <a:schemeClr val="accent1"/>
+          </a:effectRef>
+          <a:fontRef idx="minor">
+            <a:schemeClr val="lt1"/>
+          </a:fontRef>
+        </p:style>
+        <p:txBody>
+          <a:bodyPr rtlCol="0" anchor="ctr"/>
+          <a:lstStyle/>
+          <a:p>
+            <a:pPr algn="ctr"/>
+            <a:r>
+              <a:rPr lang="en-US" sz="1400" dirty="0">
+                <a:solidFill>
+                  <a:schemeClr val="bg1"/>
+                </a:solidFill>
+              </a:rPr>
+              <a:t>Data Lake</a:t>
+            </a:r>
+            <a:endParaRPr sz="1400" dirty="0">
+              <a:solidFill>
+                <a:schemeClr val="bg1"/>
+              </a:solidFill>
+            </a:endParaRPr>
+          </a:p>
+        </p:txBody>
+      </p:sp>
+      <p:sp>
+        <p:nvSpPr>
+          <p:cNvPr id="14" name="Rectangle 13">
+            <a:extLst>
+              <a:ext uri="{FF2B5EF4-FFF2-40B4-BE49-F238E27FC236}">
+                <a16:creationId xmlns:a16="http://schemas.microsoft.com/office/drawing/2014/main" id="{7565ADAA-8167-F94B-A8DA-4FBD295EEBD3}"/>
+              </a:ext>
+            </a:extLst>
+          </p:cNvPr>
+          <p:cNvSpPr/>
+          <p:nvPr/>
+        </p:nvSpPr>
+        <p:spPr>
+          <a:xfrm>
+            <a:off x="6802663" y="2478001"/>
+            <a:ext cx="1439320" cy="591668"/>
+          </a:xfrm>
+          <a:prstGeom prst="rect">
+            <a:avLst/>
+          </a:prstGeom>
+          <a:solidFill>
+            <a:schemeClr val="tx2">
+              <a:lumMod val="75000"/>
+              <a:lumOff val="25000"/>
+            </a:schemeClr>
+          </a:solidFill>
+          <a:ln>
+            <a:noFill/>
+          </a:ln>
+          <a:effectLst>
+            <a:outerShdw blurRad="50800" dist="38100" dir="5400000" algn="t" rotWithShape="0">
+              <a:prstClr val="black">
+                <a:alpha val="40000"/>
+              </a:prstClr>
+            </a:outerShdw>
+          </a:effectLst>
+        </p:spPr>
+        <p:style>
+          <a:lnRef idx="2">
+            <a:schemeClr val="accent1">
+              <a:shade val="50000"/>
+            </a:schemeClr>
+          </a:lnRef>
+          <a:fillRef idx="1">
+            <a:schemeClr val="accent1"/>
+          </a:fillRef>
+          <a:effectRef idx="0">
+            <a:schemeClr val="accent1"/>
+          </a:effectRef>
+          <a:fontRef idx="minor">
+            <a:schemeClr val="lt1"/>
+          </a:fontRef>
+        </p:style>
+        <p:txBody>
+          <a:bodyPr rtlCol="0" anchor="ctr"/>
+          <a:lstStyle/>
+          <a:p>
+            <a:pPr algn="ctr"/>
+            <a:r>
+              <a:rPr lang="en-US" sz="1400" dirty="0">
+                <a:solidFill>
+                  <a:schemeClr val="bg1"/>
+                </a:solidFill>
+              </a:rPr>
+              <a:t>Microservices</a:t>
+            </a:r>
+            <a:endParaRPr sz="1400" dirty="0">
+              <a:solidFill>
+                <a:schemeClr val="bg1"/>
+              </a:solidFill>
+            </a:endParaRPr>
+          </a:p>
+        </p:txBody>
+      </p:sp>
+      <p:sp>
+        <p:nvSpPr>
+          <p:cNvPr id="15" name="Rectangle 14">
+            <a:extLst>
+              <a:ext uri="{FF2B5EF4-FFF2-40B4-BE49-F238E27FC236}">
+                <a16:creationId xmlns:a16="http://schemas.microsoft.com/office/drawing/2014/main" id="{6DC5F059-C34B-284B-B346-5B99A8780DBA}"/>
+              </a:ext>
+            </a:extLst>
+          </p:cNvPr>
+          <p:cNvSpPr/>
+          <p:nvPr/>
+        </p:nvSpPr>
+        <p:spPr>
+          <a:xfrm>
+            <a:off x="5342086" y="2465122"/>
+            <a:ext cx="1354674" cy="591668"/>
+          </a:xfrm>
+          <a:prstGeom prst="rect">
+            <a:avLst/>
+          </a:prstGeom>
+          <a:solidFill>
+            <a:schemeClr val="tx2">
+              <a:lumMod val="75000"/>
+              <a:lumOff val="25000"/>
+            </a:schemeClr>
+          </a:solidFill>
+          <a:ln>
+            <a:noFill/>
+          </a:ln>
+          <a:effectLst>
+            <a:outerShdw blurRad="50800" dist="38100" dir="5400000" algn="t" rotWithShape="0">
+              <a:prstClr val="black">
+                <a:alpha val="40000"/>
+              </a:prstClr>
+            </a:outerShdw>
+          </a:effectLst>
+        </p:spPr>
+        <p:style>
+          <a:lnRef idx="2">
+            <a:schemeClr val="accent1">
+              <a:shade val="50000"/>
+            </a:schemeClr>
+          </a:lnRef>
+          <a:fillRef idx="1">
+            <a:schemeClr val="accent1"/>
+          </a:fillRef>
+          <a:effectRef idx="0">
+            <a:schemeClr val="accent1"/>
+          </a:effectRef>
+          <a:fontRef idx="minor">
+            <a:schemeClr val="lt1"/>
+          </a:fontRef>
+        </p:style>
+        <p:txBody>
+          <a:bodyPr rtlCol="0" anchor="ctr"/>
+          <a:lstStyle/>
+          <a:p>
+            <a:pPr algn="ctr"/>
+            <a:r>
+              <a:rPr lang="en-US" sz="1400" dirty="0">
+                <a:solidFill>
+                  <a:schemeClr val="bg1"/>
+                </a:solidFill>
+              </a:rPr>
+              <a:t>Functions</a:t>
+            </a:r>
+            <a:endParaRPr sz="1400" dirty="0">
+              <a:solidFill>
+                <a:schemeClr val="bg1"/>
+              </a:solidFill>
+            </a:endParaRPr>
+          </a:p>
+        </p:txBody>
+      </p:sp>
+      <p:sp>
+        <p:nvSpPr>
+          <p:cNvPr id="16" name="Rectangle 15">
+            <a:extLst>
+              <a:ext uri="{FF2B5EF4-FFF2-40B4-BE49-F238E27FC236}">
+                <a16:creationId xmlns:a16="http://schemas.microsoft.com/office/drawing/2014/main" id="{6D2D4B4F-3874-7F47-9B4F-283EE9A84DF6}"/>
+              </a:ext>
+            </a:extLst>
+          </p:cNvPr>
+          <p:cNvSpPr/>
+          <p:nvPr/>
+        </p:nvSpPr>
+        <p:spPr>
+          <a:xfrm>
+            <a:off x="3926718" y="2465897"/>
+            <a:ext cx="1354674" cy="591669"/>
+          </a:xfrm>
+          <a:prstGeom prst="rect">
+            <a:avLst/>
+          </a:prstGeom>
+          <a:solidFill>
+            <a:schemeClr val="tx2">
+              <a:lumMod val="75000"/>
+              <a:lumOff val="25000"/>
+            </a:schemeClr>
+          </a:solidFill>
+          <a:ln>
+            <a:noFill/>
+          </a:ln>
+          <a:effectLst>
+            <a:outerShdw blurRad="50800" dist="38100" dir="5400000" algn="t" rotWithShape="0">
+              <a:prstClr val="black">
+                <a:alpha val="40000"/>
+              </a:prstClr>
+            </a:outerShdw>
+          </a:effectLst>
+        </p:spPr>
+        <p:style>
+          <a:lnRef idx="2">
+            <a:schemeClr val="accent1">
+              <a:shade val="50000"/>
+            </a:schemeClr>
+          </a:lnRef>
+          <a:fillRef idx="1">
+            <a:schemeClr val="accent1"/>
+          </a:fillRef>
+          <a:effectRef idx="0">
+            <a:schemeClr val="accent1"/>
+          </a:effectRef>
+          <a:fontRef idx="minor">
+            <a:schemeClr val="lt1"/>
+          </a:fontRef>
+        </p:style>
+        <p:txBody>
+          <a:bodyPr rtlCol="0" anchor="ctr"/>
+          <a:lstStyle/>
+          <a:p>
+            <a:pPr algn="ctr"/>
+            <a:r>
+              <a:rPr lang="en-US" sz="1200" dirty="0">
+                <a:solidFill>
+                  <a:schemeClr val="bg1"/>
+                </a:solidFill>
+              </a:rPr>
+              <a:t>Microservice with  Agile Integration</a:t>
+            </a:r>
+            <a:endParaRPr sz="1200" dirty="0">
+              <a:solidFill>
+                <a:schemeClr val="bg1"/>
+              </a:solidFill>
+            </a:endParaRPr>
+          </a:p>
+        </p:txBody>
+      </p:sp>
+      <p:sp>
+        <p:nvSpPr>
+          <p:cNvPr id="17" name="Rectangle 16">
+            <a:extLst>
+              <a:ext uri="{FF2B5EF4-FFF2-40B4-BE49-F238E27FC236}">
+                <a16:creationId xmlns:a16="http://schemas.microsoft.com/office/drawing/2014/main" id="{CFA37546-8E32-5A4D-8A8E-4F6334D414EF}"/>
+              </a:ext>
+            </a:extLst>
+          </p:cNvPr>
+          <p:cNvSpPr/>
+          <p:nvPr/>
+        </p:nvSpPr>
+        <p:spPr>
+          <a:xfrm>
+            <a:off x="9268909" y="1624926"/>
+            <a:ext cx="1627094" cy="591668"/>
+          </a:xfrm>
+          <a:prstGeom prst="rect">
+            <a:avLst/>
+          </a:prstGeom>
+          <a:solidFill>
+            <a:schemeClr val="tx2">
+              <a:lumMod val="75000"/>
+              <a:lumOff val="25000"/>
+            </a:schemeClr>
+          </a:solidFill>
+          <a:ln>
+            <a:noFill/>
+          </a:ln>
+          <a:effectLst>
+            <a:outerShdw blurRad="50800" dist="38100" dir="5400000" algn="t" rotWithShape="0">
+              <a:prstClr val="black">
+                <a:alpha val="40000"/>
+              </a:prstClr>
+            </a:outerShdw>
+          </a:effectLst>
+        </p:spPr>
+        <p:style>
+          <a:lnRef idx="2">
+            <a:schemeClr val="accent1">
+              <a:shade val="50000"/>
+            </a:schemeClr>
+          </a:lnRef>
+          <a:fillRef idx="1">
+            <a:schemeClr val="accent1"/>
+          </a:fillRef>
+          <a:effectRef idx="0">
+            <a:schemeClr val="accent1"/>
+          </a:effectRef>
+          <a:fontRef idx="minor">
+            <a:schemeClr val="lt1"/>
+          </a:fontRef>
+        </p:style>
+        <p:txBody>
+          <a:bodyPr rtlCol="0" anchor="ctr"/>
+          <a:lstStyle/>
+          <a:p>
+            <a:pPr algn="ctr"/>
+            <a:r>
+              <a:rPr lang="en-US" sz="1400" dirty="0">
+                <a:solidFill>
+                  <a:schemeClr val="bg1"/>
+                </a:solidFill>
+              </a:rPr>
+              <a:t>System of Records</a:t>
+            </a:r>
+            <a:endParaRPr sz="1400" dirty="0">
+              <a:solidFill>
+                <a:schemeClr val="bg1"/>
+              </a:solidFill>
+            </a:endParaRPr>
+          </a:p>
+        </p:txBody>
+      </p:sp>
+      <p:sp>
+        <p:nvSpPr>
+          <p:cNvPr id="18" name="Rectangle 17">
+            <a:extLst>
+              <a:ext uri="{FF2B5EF4-FFF2-40B4-BE49-F238E27FC236}">
+                <a16:creationId xmlns:a16="http://schemas.microsoft.com/office/drawing/2014/main" id="{1FC7542A-1057-254A-907B-D861B5AC17CD}"/>
+              </a:ext>
+            </a:extLst>
+          </p:cNvPr>
+          <p:cNvSpPr/>
+          <p:nvPr/>
+        </p:nvSpPr>
+        <p:spPr>
+          <a:xfrm>
+            <a:off x="9294254" y="2396257"/>
+            <a:ext cx="1627094" cy="591668"/>
+          </a:xfrm>
+          <a:prstGeom prst="rect">
+            <a:avLst/>
+          </a:prstGeom>
+          <a:solidFill>
+            <a:schemeClr val="tx2">
+              <a:lumMod val="75000"/>
+              <a:lumOff val="25000"/>
+            </a:schemeClr>
+          </a:solidFill>
+          <a:ln>
+            <a:noFill/>
+          </a:ln>
+          <a:effectLst>
+            <a:outerShdw blurRad="50800" dist="38100" dir="5400000" algn="t" rotWithShape="0">
+              <a:prstClr val="black">
+                <a:alpha val="40000"/>
+              </a:prstClr>
+            </a:outerShdw>
+          </a:effectLst>
+        </p:spPr>
+        <p:style>
+          <a:lnRef idx="2">
+            <a:schemeClr val="accent1">
+              <a:shade val="50000"/>
+            </a:schemeClr>
+          </a:lnRef>
+          <a:fillRef idx="1">
+            <a:schemeClr val="accent1"/>
+          </a:fillRef>
+          <a:effectRef idx="0">
+            <a:schemeClr val="accent1"/>
+          </a:effectRef>
+          <a:fontRef idx="minor">
+            <a:schemeClr val="lt1"/>
+          </a:fontRef>
+        </p:style>
+        <p:txBody>
+          <a:bodyPr rtlCol="0" anchor="ctr"/>
+          <a:lstStyle/>
+          <a:p>
+            <a:pPr algn="ctr"/>
+            <a:r>
+              <a:rPr lang="en-US" sz="1400" dirty="0">
+                <a:solidFill>
+                  <a:schemeClr val="bg1"/>
+                </a:solidFill>
+              </a:rPr>
+              <a:t>Transactional Systems</a:t>
+            </a:r>
+            <a:endParaRPr sz="1400" dirty="0">
+              <a:solidFill>
+                <a:schemeClr val="bg1"/>
+              </a:solidFill>
+            </a:endParaRPr>
+          </a:p>
+        </p:txBody>
+      </p:sp>
+      <p:sp>
+        <p:nvSpPr>
+          <p:cNvPr id="19" name="Rounded Rectangle 18">
+            <a:extLst>
+              <a:ext uri="{FF2B5EF4-FFF2-40B4-BE49-F238E27FC236}">
+                <a16:creationId xmlns:a16="http://schemas.microsoft.com/office/drawing/2014/main" id="{7FC64FB5-B5AD-DB4C-8994-67B02E3E30A7}"/>
+              </a:ext>
+            </a:extLst>
+          </p:cNvPr>
+          <p:cNvSpPr/>
+          <p:nvPr/>
+        </p:nvSpPr>
+        <p:spPr>
+          <a:xfrm>
+            <a:off x="2897746" y="1214073"/>
+            <a:ext cx="5997735" cy="3827763"/>
+          </a:xfrm>
+          <a:prstGeom prst="roundRect">
+            <a:avLst>
+              <a:gd name="adj" fmla="val 2992"/>
+            </a:avLst>
+          </a:prstGeom>
+          <a:noFill/>
+          <a:ln>
+            <a:solidFill>
+              <a:srgbClr val="FF0000"/>
+            </a:solidFill>
+            <a:prstDash val="dash"/>
+          </a:ln>
+        </p:spPr>
+        <p:style>
+          <a:lnRef idx="2">
+            <a:schemeClr val="accent1">
+              <a:shade val="50000"/>
+            </a:schemeClr>
+          </a:lnRef>
+          <a:fillRef idx="1">
+            <a:schemeClr val="accent1"/>
+          </a:fillRef>
+          <a:effectRef idx="0">
+            <a:schemeClr val="accent1"/>
+          </a:effectRef>
+          <a:fontRef idx="minor">
+            <a:schemeClr val="lt1"/>
+          </a:fontRef>
+        </p:style>
+        <p:txBody>
+          <a:bodyPr rtlCol="0" anchor="b"/>
+          <a:lstStyle/>
+          <a:p>
+            <a:pPr algn="ctr"/>
+            <a:r>
+              <a:rPr lang="en-US" sz="1200" dirty="0">
+                <a:solidFill>
+                  <a:schemeClr val="accent1">
+                    <a:lumMod val="25000"/>
+                  </a:schemeClr>
+                </a:solidFill>
+              </a:rPr>
+              <a:t>Container Orchestration</a:t>
+            </a:r>
+            <a:endParaRPr sz="1200" dirty="0">
+              <a:solidFill>
+                <a:schemeClr val="accent1">
+                  <a:lumMod val="25000"/>
+                </a:schemeClr>
+              </a:solidFill>
+            </a:endParaRPr>
+          </a:p>
+        </p:txBody>
+      </p:sp>
+      <p:sp>
+        <p:nvSpPr>
+          <p:cNvPr id="20" name="Rectangle 19">
+            <a:extLst>
+              <a:ext uri="{FF2B5EF4-FFF2-40B4-BE49-F238E27FC236}">
+                <a16:creationId xmlns:a16="http://schemas.microsoft.com/office/drawing/2014/main" id="{DADBF445-834B-1644-BF03-08B79DA1E62B}"/>
+              </a:ext>
+            </a:extLst>
+          </p:cNvPr>
+          <p:cNvSpPr/>
+          <p:nvPr/>
+        </p:nvSpPr>
+        <p:spPr>
+          <a:xfrm>
+            <a:off x="9294254" y="3154987"/>
+            <a:ext cx="1627094" cy="591668"/>
+          </a:xfrm>
+          <a:prstGeom prst="rect">
+            <a:avLst/>
+          </a:prstGeom>
+          <a:solidFill>
+            <a:schemeClr val="tx2">
+              <a:lumMod val="75000"/>
+              <a:lumOff val="25000"/>
+            </a:schemeClr>
+          </a:solidFill>
+          <a:ln>
+            <a:noFill/>
+          </a:ln>
+          <a:effectLst>
+            <a:outerShdw blurRad="50800" dist="38100" dir="5400000" algn="t" rotWithShape="0">
+              <a:prstClr val="black">
+                <a:alpha val="40000"/>
+              </a:prstClr>
+            </a:outerShdw>
+          </a:effectLst>
+        </p:spPr>
+        <p:style>
+          <a:lnRef idx="2">
+            <a:schemeClr val="accent1">
+              <a:shade val="50000"/>
+            </a:schemeClr>
+          </a:lnRef>
+          <a:fillRef idx="1">
+            <a:schemeClr val="accent1"/>
+          </a:fillRef>
+          <a:effectRef idx="0">
+            <a:schemeClr val="accent1"/>
+          </a:effectRef>
+          <a:fontRef idx="minor">
+            <a:schemeClr val="lt1"/>
+          </a:fontRef>
+        </p:style>
+        <p:txBody>
+          <a:bodyPr rtlCol="0" anchor="ctr"/>
+          <a:lstStyle/>
+          <a:p>
+            <a:pPr algn="ctr"/>
+            <a:r>
+              <a:rPr lang="en-US" sz="1400" dirty="0">
+                <a:solidFill>
+                  <a:schemeClr val="bg1"/>
+                </a:solidFill>
+              </a:rPr>
+              <a:t>Legacy App</a:t>
+            </a:r>
+            <a:endParaRPr sz="1400" dirty="0">
+              <a:solidFill>
+                <a:schemeClr val="bg1"/>
+              </a:solidFill>
+            </a:endParaRPr>
+          </a:p>
+        </p:txBody>
+      </p:sp>
+      <p:sp>
+        <p:nvSpPr>
+          <p:cNvPr id="21" name="Rectangle 20">
+            <a:extLst>
+              <a:ext uri="{FF2B5EF4-FFF2-40B4-BE49-F238E27FC236}">
+                <a16:creationId xmlns:a16="http://schemas.microsoft.com/office/drawing/2014/main" id="{CC6E1F3E-8239-7545-9B89-00B2388321C3}"/>
+              </a:ext>
+            </a:extLst>
+          </p:cNvPr>
+          <p:cNvSpPr/>
+          <p:nvPr/>
+        </p:nvSpPr>
+        <p:spPr>
+          <a:xfrm>
+            <a:off x="619507" y="5295205"/>
+            <a:ext cx="1627094" cy="736723"/>
+          </a:xfrm>
+          <a:prstGeom prst="rect">
+            <a:avLst/>
+          </a:prstGeom>
+          <a:solidFill>
+            <a:schemeClr val="tx2">
+              <a:lumMod val="75000"/>
+              <a:lumOff val="25000"/>
+            </a:schemeClr>
+          </a:solidFill>
+          <a:ln>
+            <a:noFill/>
+          </a:ln>
+          <a:effectLst>
+            <a:outerShdw blurRad="50800" dist="38100" dir="5400000" algn="t" rotWithShape="0">
+              <a:prstClr val="black">
+                <a:alpha val="40000"/>
+              </a:prstClr>
+            </a:outerShdw>
+          </a:effectLst>
+        </p:spPr>
+        <p:style>
+          <a:lnRef idx="2">
+            <a:schemeClr val="accent1">
+              <a:shade val="50000"/>
+            </a:schemeClr>
+          </a:lnRef>
+          <a:fillRef idx="1">
+            <a:schemeClr val="accent1"/>
+          </a:fillRef>
+          <a:effectRef idx="0">
+            <a:schemeClr val="accent1"/>
+          </a:effectRef>
+          <a:fontRef idx="minor">
+            <a:schemeClr val="lt1"/>
+          </a:fontRef>
+        </p:style>
+        <p:txBody>
+          <a:bodyPr rtlCol="0" anchor="ctr"/>
+          <a:lstStyle/>
+          <a:p>
+            <a:pPr algn="ctr"/>
+            <a:r>
+              <a:rPr lang="en-US" sz="1400" dirty="0">
+                <a:solidFill>
+                  <a:schemeClr val="bg1"/>
+                </a:solidFill>
+              </a:rPr>
+              <a:t>AI Cloud Services</a:t>
+            </a:r>
+            <a:endParaRPr sz="1400" dirty="0">
+              <a:solidFill>
+                <a:schemeClr val="bg1"/>
+              </a:solidFill>
+            </a:endParaRPr>
+          </a:p>
+        </p:txBody>
+      </p:sp>
+      <p:sp>
+        <p:nvSpPr>
+          <p:cNvPr id="22" name="Rectangle 21">
+            <a:extLst>
+              <a:ext uri="{FF2B5EF4-FFF2-40B4-BE49-F238E27FC236}">
+                <a16:creationId xmlns:a16="http://schemas.microsoft.com/office/drawing/2014/main" id="{B4655208-E084-554B-85C6-ED92AEEEAD73}"/>
+              </a:ext>
+            </a:extLst>
+          </p:cNvPr>
+          <p:cNvSpPr/>
+          <p:nvPr/>
+        </p:nvSpPr>
+        <p:spPr>
+          <a:xfrm>
+            <a:off x="619507" y="1303292"/>
+            <a:ext cx="1627094" cy="374807"/>
+          </a:xfrm>
+          <a:prstGeom prst="rect">
+            <a:avLst/>
+          </a:prstGeom>
+          <a:solidFill>
+            <a:schemeClr val="tx2">
+              <a:lumMod val="75000"/>
+              <a:lumOff val="25000"/>
+            </a:schemeClr>
+          </a:solidFill>
+          <a:ln>
+            <a:noFill/>
+          </a:ln>
+          <a:effectLst>
+            <a:outerShdw blurRad="50800" dist="38100" dir="5400000" algn="t" rotWithShape="0">
+              <a:prstClr val="black">
+                <a:alpha val="40000"/>
+              </a:prstClr>
+            </a:outerShdw>
+          </a:effectLst>
+        </p:spPr>
+        <p:style>
+          <a:lnRef idx="2">
+            <a:schemeClr val="accent1">
+              <a:shade val="50000"/>
+            </a:schemeClr>
+          </a:lnRef>
+          <a:fillRef idx="1">
+            <a:schemeClr val="accent1"/>
+          </a:fillRef>
+          <a:effectRef idx="0">
+            <a:schemeClr val="accent1"/>
+          </a:effectRef>
+          <a:fontRef idx="minor">
+            <a:schemeClr val="lt1"/>
+          </a:fontRef>
+        </p:style>
+        <p:txBody>
+          <a:bodyPr rtlCol="0" anchor="ctr"/>
+          <a:lstStyle/>
+          <a:p>
+            <a:pPr algn="ctr"/>
+            <a:r>
+              <a:rPr lang="en-US" sz="1400" dirty="0">
+                <a:solidFill>
+                  <a:schemeClr val="bg1"/>
+                </a:solidFill>
+              </a:rPr>
+              <a:t>SaaS</a:t>
+            </a:r>
+            <a:endParaRPr sz="1400" dirty="0">
+              <a:solidFill>
+                <a:schemeClr val="bg1"/>
+              </a:solidFill>
+            </a:endParaRPr>
+          </a:p>
+        </p:txBody>
+      </p:sp>
+      <p:sp>
+        <p:nvSpPr>
+          <p:cNvPr id="23" name="Rounded Rectangle 22">
+            <a:extLst>
+              <a:ext uri="{FF2B5EF4-FFF2-40B4-BE49-F238E27FC236}">
+                <a16:creationId xmlns:a16="http://schemas.microsoft.com/office/drawing/2014/main" id="{CE8B7C71-33A6-714F-BA20-6A2252F45F8B}"/>
+              </a:ext>
+            </a:extLst>
+          </p:cNvPr>
+          <p:cNvSpPr/>
+          <p:nvPr/>
+        </p:nvSpPr>
+        <p:spPr>
+          <a:xfrm>
+            <a:off x="9164347" y="997119"/>
+            <a:ext cx="2143304" cy="5267626"/>
+          </a:xfrm>
+          <a:prstGeom prst="roundRect">
+            <a:avLst>
+              <a:gd name="adj" fmla="val 2992"/>
+            </a:avLst>
+          </a:prstGeom>
+          <a:noFill/>
+          <a:ln>
+            <a:solidFill>
+              <a:schemeClr val="tx1"/>
+            </a:solidFill>
+            <a:prstDash val="dash"/>
+          </a:ln>
+        </p:spPr>
+        <p:style>
+          <a:lnRef idx="2">
+            <a:schemeClr val="accent1">
+              <a:shade val="50000"/>
+            </a:schemeClr>
+          </a:lnRef>
+          <a:fillRef idx="1">
+            <a:schemeClr val="accent1"/>
+          </a:fillRef>
+          <a:effectRef idx="0">
+            <a:schemeClr val="accent1"/>
+          </a:effectRef>
+          <a:fontRef idx="minor">
+            <a:schemeClr val="lt1"/>
+          </a:fontRef>
+        </p:style>
+        <p:txBody>
+          <a:bodyPr rtlCol="0" anchor="b"/>
+          <a:lstStyle/>
+          <a:p>
+            <a:pPr algn="ctr"/>
+            <a:r>
+              <a:rPr lang="en-US" sz="1200" dirty="0">
+                <a:solidFill>
+                  <a:schemeClr val="accent1">
+                    <a:lumMod val="25000"/>
+                  </a:schemeClr>
+                </a:solidFill>
+              </a:rPr>
+              <a:t>On-premise Data Center</a:t>
+            </a:r>
+            <a:endParaRPr sz="1200" dirty="0">
+              <a:solidFill>
+                <a:schemeClr val="accent1">
+                  <a:lumMod val="25000"/>
+                </a:schemeClr>
+              </a:solidFill>
+            </a:endParaRPr>
+          </a:p>
+        </p:txBody>
+      </p:sp>
+      <p:sp>
+        <p:nvSpPr>
+          <p:cNvPr id="24" name="Rounded Rectangle 23">
+            <a:extLst>
+              <a:ext uri="{FF2B5EF4-FFF2-40B4-BE49-F238E27FC236}">
+                <a16:creationId xmlns:a16="http://schemas.microsoft.com/office/drawing/2014/main" id="{F51F0051-D5FF-D340-A739-A6D2F9036241}"/>
+              </a:ext>
+            </a:extLst>
+          </p:cNvPr>
+          <p:cNvSpPr/>
+          <p:nvPr/>
+        </p:nvSpPr>
+        <p:spPr>
+          <a:xfrm>
+            <a:off x="2827495" y="978345"/>
+            <a:ext cx="6213474" cy="5286400"/>
+          </a:xfrm>
+          <a:prstGeom prst="roundRect">
+            <a:avLst>
+              <a:gd name="adj" fmla="val 2992"/>
+            </a:avLst>
+          </a:prstGeom>
+          <a:noFill/>
+          <a:ln>
+            <a:solidFill>
+              <a:schemeClr val="tx1"/>
+            </a:solidFill>
+            <a:prstDash val="dash"/>
+          </a:ln>
+        </p:spPr>
+        <p:style>
+          <a:lnRef idx="2">
+            <a:schemeClr val="accent1">
+              <a:shade val="50000"/>
+            </a:schemeClr>
+          </a:lnRef>
+          <a:fillRef idx="1">
+            <a:schemeClr val="accent1"/>
+          </a:fillRef>
+          <a:effectRef idx="0">
+            <a:schemeClr val="accent1"/>
+          </a:effectRef>
+          <a:fontRef idx="minor">
+            <a:schemeClr val="lt1"/>
+          </a:fontRef>
+        </p:style>
+        <p:txBody>
+          <a:bodyPr rtlCol="0" anchor="b"/>
+          <a:lstStyle/>
+          <a:p>
+            <a:pPr algn="ctr"/>
+            <a:r>
+              <a:rPr lang="en-US" sz="1200" dirty="0">
+                <a:solidFill>
+                  <a:schemeClr val="accent1">
+                    <a:lumMod val="25000"/>
+                  </a:schemeClr>
+                </a:solidFill>
+              </a:rPr>
+              <a:t>Cloud or On-Premise Data Center</a:t>
+            </a:r>
+            <a:endParaRPr sz="1200" dirty="0">
+              <a:solidFill>
+                <a:schemeClr val="accent1">
+                  <a:lumMod val="25000"/>
+                </a:schemeClr>
+              </a:solidFill>
+            </a:endParaRPr>
+          </a:p>
+        </p:txBody>
+      </p:sp>
+      <p:sp>
+        <p:nvSpPr>
+          <p:cNvPr id="26" name="Rectangle 25">
+            <a:extLst>
+              <a:ext uri="{FF2B5EF4-FFF2-40B4-BE49-F238E27FC236}">
+                <a16:creationId xmlns:a16="http://schemas.microsoft.com/office/drawing/2014/main" id="{C5BFB9CC-6200-3345-A950-DB97D4B04055}"/>
+              </a:ext>
+            </a:extLst>
+          </p:cNvPr>
+          <p:cNvSpPr/>
+          <p:nvPr/>
+        </p:nvSpPr>
+        <p:spPr>
+          <a:xfrm>
+            <a:off x="3911451" y="3133132"/>
+            <a:ext cx="4691636" cy="402470"/>
+          </a:xfrm>
+          <a:prstGeom prst="rect">
+            <a:avLst/>
+          </a:prstGeom>
+          <a:solidFill>
+            <a:srgbClr val="4040EA"/>
+          </a:solidFill>
+          <a:ln>
+            <a:noFill/>
+          </a:ln>
+          <a:effectLst>
+            <a:outerShdw blurRad="50800" dist="38100" dir="5400000" algn="t" rotWithShape="0">
+              <a:prstClr val="black">
+                <a:alpha val="40000"/>
+              </a:prstClr>
+            </a:outerShdw>
+          </a:effectLst>
+        </p:spPr>
+        <p:style>
+          <a:lnRef idx="2">
+            <a:schemeClr val="accent1">
+              <a:shade val="50000"/>
+            </a:schemeClr>
+          </a:lnRef>
+          <a:fillRef idx="1">
+            <a:schemeClr val="accent1"/>
+          </a:fillRef>
+          <a:effectRef idx="0">
+            <a:schemeClr val="accent1"/>
+          </a:effectRef>
+          <a:fontRef idx="minor">
+            <a:schemeClr val="lt1"/>
+          </a:fontRef>
+        </p:style>
+        <p:txBody>
+          <a:bodyPr rtlCol="0" anchor="ctr"/>
+          <a:lstStyle/>
+          <a:p>
+            <a:pPr algn="ctr"/>
+            <a:r>
+              <a:rPr lang="en-US" sz="1200" dirty="0">
+                <a:solidFill>
+                  <a:schemeClr val="bg1"/>
+                </a:solidFill>
+              </a:rPr>
+              <a:t>Messaging Queue </a:t>
+            </a:r>
+          </a:p>
+        </p:txBody>
+      </p:sp>
+      <p:sp>
+        <p:nvSpPr>
+          <p:cNvPr id="27" name="Rectangle 26">
+            <a:extLst>
+              <a:ext uri="{FF2B5EF4-FFF2-40B4-BE49-F238E27FC236}">
+                <a16:creationId xmlns:a16="http://schemas.microsoft.com/office/drawing/2014/main" id="{B723D712-2299-8947-B52A-9B0A8EFC339E}"/>
+              </a:ext>
+            </a:extLst>
+          </p:cNvPr>
+          <p:cNvSpPr/>
+          <p:nvPr/>
+        </p:nvSpPr>
+        <p:spPr>
+          <a:xfrm>
+            <a:off x="3928524" y="4089676"/>
+            <a:ext cx="4674563" cy="402470"/>
+          </a:xfrm>
+          <a:prstGeom prst="rect">
+            <a:avLst/>
+          </a:prstGeom>
+          <a:solidFill>
+            <a:srgbClr val="4040EA"/>
+          </a:solidFill>
+          <a:ln>
+            <a:noFill/>
+          </a:ln>
+          <a:effectLst>
+            <a:outerShdw blurRad="50800" dist="38100" dir="5400000" algn="t" rotWithShape="0">
+              <a:prstClr val="black">
+                <a:alpha val="40000"/>
+              </a:prstClr>
+            </a:outerShdw>
+          </a:effectLst>
+        </p:spPr>
+        <p:style>
+          <a:lnRef idx="2">
+            <a:schemeClr val="accent1">
+              <a:shade val="50000"/>
+            </a:schemeClr>
+          </a:lnRef>
+          <a:fillRef idx="1">
+            <a:schemeClr val="accent1"/>
+          </a:fillRef>
+          <a:effectRef idx="0">
+            <a:schemeClr val="accent1"/>
+          </a:effectRef>
+          <a:fontRef idx="minor">
+            <a:schemeClr val="lt1"/>
+          </a:fontRef>
+        </p:style>
+        <p:txBody>
+          <a:bodyPr rtlCol="0" anchor="ctr"/>
+          <a:lstStyle/>
+          <a:p>
+            <a:pPr algn="ctr"/>
+            <a:r>
+              <a:rPr lang="en-US" sz="1200" dirty="0">
+                <a:solidFill>
+                  <a:schemeClr val="bg1"/>
+                </a:solidFill>
+              </a:rPr>
+              <a:t>High speed – high volume file transfer</a:t>
+            </a:r>
+          </a:p>
+        </p:txBody>
+      </p:sp>
+      <p:sp>
+        <p:nvSpPr>
+          <p:cNvPr id="28" name="Rectangle 27">
+            <a:extLst>
+              <a:ext uri="{FF2B5EF4-FFF2-40B4-BE49-F238E27FC236}">
+                <a16:creationId xmlns:a16="http://schemas.microsoft.com/office/drawing/2014/main" id="{47D7C5C5-999F-E243-A286-DF6A62F84B12}"/>
+              </a:ext>
+            </a:extLst>
+          </p:cNvPr>
+          <p:cNvSpPr/>
+          <p:nvPr/>
+        </p:nvSpPr>
+        <p:spPr>
+          <a:xfrm>
+            <a:off x="3928524" y="1972368"/>
+            <a:ext cx="4313459" cy="402470"/>
+          </a:xfrm>
+          <a:prstGeom prst="rect">
+            <a:avLst/>
+          </a:prstGeom>
+          <a:solidFill>
+            <a:srgbClr val="4040EA"/>
+          </a:solidFill>
+          <a:ln>
+            <a:noFill/>
+          </a:ln>
+          <a:effectLst>
+            <a:outerShdw blurRad="50800" dist="38100" dir="5400000" algn="t" rotWithShape="0">
+              <a:prstClr val="black">
+                <a:alpha val="40000"/>
+              </a:prstClr>
+            </a:outerShdw>
+          </a:effectLst>
+        </p:spPr>
+        <p:style>
+          <a:lnRef idx="2">
+            <a:schemeClr val="accent1">
+              <a:shade val="50000"/>
+            </a:schemeClr>
+          </a:lnRef>
+          <a:fillRef idx="1">
+            <a:schemeClr val="accent1"/>
+          </a:fillRef>
+          <a:effectRef idx="0">
+            <a:schemeClr val="accent1"/>
+          </a:effectRef>
+          <a:fontRef idx="minor">
+            <a:schemeClr val="lt1"/>
+          </a:fontRef>
+        </p:style>
+        <p:txBody>
+          <a:bodyPr rtlCol="0" anchor="ctr"/>
+          <a:lstStyle/>
+          <a:p>
+            <a:pPr algn="ctr"/>
+            <a:r>
+              <a:rPr lang="en-US" sz="1200" dirty="0">
+                <a:solidFill>
+                  <a:schemeClr val="bg1"/>
+                </a:solidFill>
+              </a:rPr>
+              <a:t>APIs </a:t>
+            </a:r>
+          </a:p>
+        </p:txBody>
+      </p:sp>
+    </p:spTree>
+    <p:extLst>
+      <p:ext uri="{BB962C8B-B14F-4D97-AF65-F5344CB8AC3E}">
+        <p14:creationId xmlns:p14="http://schemas.microsoft.com/office/powerpoint/2010/main" val="1797596132"/>
+      </p:ext>
+    </p:extLst>
+  </p:cSld>
+  <p:clrMapOvr>
+    <a:masterClrMapping/>
+  </p:clrMapOvr>
+</p:sld>
+</file>
+
 <file path=ppt/slides/slide2.xml><?xml version="1.0" encoding="utf-8"?>
 <p:sld xmlns:a="http://schemas.openxmlformats.org/drawingml/2006/main" xmlns:r="http://schemas.openxmlformats.org/officeDocument/2006/relationships" xmlns:p="http://schemas.openxmlformats.org/presentationml/2006/main">
   <p:cSld>

--- a/docs/Diagrams.pptx
+++ b/docs/Diagrams.pptx
@@ -6,7 +6,7 @@
     <p:sldMasterId id="2147484308" r:id="rId2"/>
   </p:sldMasterIdLst>
   <p:notesMasterIdLst>
-    <p:notesMasterId r:id="rId17"/>
+    <p:notesMasterId r:id="rId18"/>
   </p:notesMasterIdLst>
   <p:sldIdLst>
     <p:sldId id="2670" r:id="rId3"/>
@@ -23,6 +23,7 @@
     <p:sldId id="2681" r:id="rId14"/>
     <p:sldId id="2682" r:id="rId15"/>
     <p:sldId id="2683" r:id="rId16"/>
+    <p:sldId id="2684" r:id="rId17"/>
   </p:sldIdLst>
   <p:sldSz cx="12192000" cy="6858000"/>
   <p:notesSz cx="7086600" cy="9372600"/>
@@ -285,7 +286,7 @@
               <a:pPr>
                 <a:defRPr/>
               </a:pPr>
-              <a:t>4/7/21</a:t>
+              <a:t>5/3/21</a:t>
             </a:fld>
             <a:endParaRPr lang="en-US"/>
           </a:p>
@@ -9163,7 +9164,7 @@
             <a:effectLst/>
             <a:extLst>
               <a:ext uri="{C572A759-6A51-4108-AA02-DFA0A04FC94B}">
-                <ma14:wrappingTextBoxFlag xmlns:ma14="http://schemas.microsoft.com/office/mac/drawingml/2011/main" xmlns="" val="1"/>
+                <ma14:wrappingTextBoxFlag xmlns="" xmlns:ma14="http://schemas.microsoft.com/office/mac/drawingml/2011/main" val="1"/>
               </a:ext>
             </a:extLst>
           </p:spPr>
@@ -9979,7 +9980,7 @@
             <a:effectLst/>
             <a:extLst>
               <a:ext uri="{C572A759-6A51-4108-AA02-DFA0A04FC94B}">
-                <ma14:wrappingTextBoxFlag xmlns:ma14="http://schemas.microsoft.com/office/mac/drawingml/2011/main" xmlns="" val="1"/>
+                <ma14:wrappingTextBoxFlag xmlns="" xmlns:ma14="http://schemas.microsoft.com/office/mac/drawingml/2011/main" val="1"/>
               </a:ext>
             </a:extLst>
           </p:spPr>
@@ -10095,7 +10096,7 @@
             <a:effectLst/>
             <a:extLst>
               <a:ext uri="{C572A759-6A51-4108-AA02-DFA0A04FC94B}">
-                <ma14:wrappingTextBoxFlag xmlns:ma14="http://schemas.microsoft.com/office/mac/drawingml/2011/main" xmlns="" val="1"/>
+                <ma14:wrappingTextBoxFlag xmlns="" xmlns:ma14="http://schemas.microsoft.com/office/mac/drawingml/2011/main" val="1"/>
               </a:ext>
             </a:extLst>
           </p:spPr>
@@ -10275,7 +10276,7 @@
             <a:effectLst/>
             <a:extLst>
               <a:ext uri="{C572A759-6A51-4108-AA02-DFA0A04FC94B}">
-                <ma14:wrappingTextBoxFlag xmlns="" xmlns:ma14="http://schemas.microsoft.com/office/mac/drawingml/2011/main" val="1"/>
+                <ma14:wrappingTextBoxFlag xmlns:ma14="http://schemas.microsoft.com/office/mac/drawingml/2011/main" xmlns="" val="1"/>
               </a:ext>
             </a:extLst>
           </p:spPr>
@@ -10590,7 +10591,7 @@
               <a:effectLst/>
               <a:extLst>
                 <a:ext uri="{C572A759-6A51-4108-AA02-DFA0A04FC94B}">
-                  <ma14:wrappingTextBoxFlag xmlns:ma14="http://schemas.microsoft.com/office/mac/drawingml/2011/main" xmlns="" val="1"/>
+                  <ma14:wrappingTextBoxFlag xmlns="" xmlns:ma14="http://schemas.microsoft.com/office/mac/drawingml/2011/main" val="1"/>
                 </a:ext>
               </a:extLst>
             </p:spPr>
@@ -10804,7 +10805,7 @@
               <a:effectLst/>
               <a:extLst>
                 <a:ext uri="{C572A759-6A51-4108-AA02-DFA0A04FC94B}">
-                  <ma14:wrappingTextBoxFlag xmlns:ma14="http://schemas.microsoft.com/office/mac/drawingml/2011/main" xmlns="" val="1"/>
+                  <ma14:wrappingTextBoxFlag xmlns="" xmlns:ma14="http://schemas.microsoft.com/office/mac/drawingml/2011/main" val="1"/>
                 </a:ext>
               </a:extLst>
             </p:spPr>
@@ -11086,7 +11087,7 @@
             <a:effectLst/>
             <a:extLst>
               <a:ext uri="{C572A759-6A51-4108-AA02-DFA0A04FC94B}">
-                <ma14:wrappingTextBoxFlag xmlns:ma14="http://schemas.microsoft.com/office/mac/drawingml/2011/main" xmlns="" val="1"/>
+                <ma14:wrappingTextBoxFlag xmlns="" xmlns:ma14="http://schemas.microsoft.com/office/mac/drawingml/2011/main" val="1"/>
               </a:ext>
             </a:extLst>
           </p:spPr>
@@ -11202,7 +11203,7 @@
             <a:effectLst/>
             <a:extLst>
               <a:ext uri="{C572A759-6A51-4108-AA02-DFA0A04FC94B}">
-                <ma14:wrappingTextBoxFlag xmlns:ma14="http://schemas.microsoft.com/office/mac/drawingml/2011/main" xmlns="" val="1"/>
+                <ma14:wrappingTextBoxFlag xmlns="" xmlns:ma14="http://schemas.microsoft.com/office/mac/drawingml/2011/main" val="1"/>
               </a:ext>
             </a:extLst>
           </p:spPr>
@@ -12340,7 +12341,7 @@
             <a:effectLst/>
             <a:extLst>
               <a:ext uri="{C572A759-6A51-4108-AA02-DFA0A04FC94B}">
-                <ma14:wrappingTextBoxFlag xmlns="" xmlns:ma14="http://schemas.microsoft.com/office/mac/drawingml/2011/main" val="1"/>
+                <ma14:wrappingTextBoxFlag xmlns:ma14="http://schemas.microsoft.com/office/mac/drawingml/2011/main" xmlns="" val="1"/>
               </a:ext>
             </a:extLst>
           </p:spPr>
@@ -12473,7 +12474,7 @@
             <a:effectLst/>
             <a:extLst>
               <a:ext uri="{C572A759-6A51-4108-AA02-DFA0A04FC94B}">
-                <ma14:wrappingTextBoxFlag xmlns="" xmlns:ma14="http://schemas.microsoft.com/office/mac/drawingml/2011/main" val="1"/>
+                <ma14:wrappingTextBoxFlag xmlns:ma14="http://schemas.microsoft.com/office/mac/drawingml/2011/main" xmlns="" val="1"/>
               </a:ext>
             </a:extLst>
           </p:spPr>
@@ -12785,7 +12786,7 @@
               <a:effectLst/>
               <a:extLst>
                 <a:ext uri="{C572A759-6A51-4108-AA02-DFA0A04FC94B}">
-                  <ma14:wrappingTextBoxFlag xmlns:ma14="http://schemas.microsoft.com/office/mac/drawingml/2011/main" xmlns="" val="1"/>
+                  <ma14:wrappingTextBoxFlag xmlns="" xmlns:ma14="http://schemas.microsoft.com/office/mac/drawingml/2011/main" val="1"/>
                 </a:ext>
               </a:extLst>
             </p:spPr>
@@ -13209,7 +13210,7 @@
               <a:effectLst/>
               <a:extLst>
                 <a:ext uri="{C572A759-6A51-4108-AA02-DFA0A04FC94B}">
-                  <ma14:wrappingTextBoxFlag xmlns:ma14="http://schemas.microsoft.com/office/mac/drawingml/2011/main" xmlns="" val="1"/>
+                  <ma14:wrappingTextBoxFlag xmlns="" xmlns:ma14="http://schemas.microsoft.com/office/mac/drawingml/2011/main" val="1"/>
                 </a:ext>
               </a:extLst>
             </p:spPr>
@@ -13860,7 +13861,7 @@
             <a:effectLst/>
             <a:extLst>
               <a:ext uri="{C572A759-6A51-4108-AA02-DFA0A04FC94B}">
-                <ma14:wrappingTextBoxFlag xmlns:ma14="http://schemas.microsoft.com/office/mac/drawingml/2011/main" xmlns="" val="1"/>
+                <ma14:wrappingTextBoxFlag xmlns="" xmlns:ma14="http://schemas.microsoft.com/office/mac/drawingml/2011/main" val="1"/>
               </a:ext>
             </a:extLst>
           </p:spPr>
@@ -14115,7 +14116,7 @@
             <a:effectLst/>
             <a:extLst>
               <a:ext uri="{C572A759-6A51-4108-AA02-DFA0A04FC94B}">
-                <ma14:wrappingTextBoxFlag xmlns="" xmlns:ma14="http://schemas.microsoft.com/office/mac/drawingml/2011/main" val="1"/>
+                <ma14:wrappingTextBoxFlag xmlns:ma14="http://schemas.microsoft.com/office/mac/drawingml/2011/main" xmlns="" val="1"/>
               </a:ext>
             </a:extLst>
           </p:spPr>
@@ -14363,7 +14364,7 @@
               <a:effectLst/>
               <a:extLst>
                 <a:ext uri="{C572A759-6A51-4108-AA02-DFA0A04FC94B}">
-                  <ma14:wrappingTextBoxFlag xmlns:ma14="http://schemas.microsoft.com/office/mac/drawingml/2011/main" xmlns="" val="1"/>
+                  <ma14:wrappingTextBoxFlag xmlns="" xmlns:ma14="http://schemas.microsoft.com/office/mac/drawingml/2011/main" val="1"/>
                 </a:ext>
               </a:extLst>
             </p:spPr>
@@ -14661,7 +14662,7 @@
               <a:effectLst/>
               <a:extLst>
                 <a:ext uri="{C572A759-6A51-4108-AA02-DFA0A04FC94B}">
-                  <ma14:wrappingTextBoxFlag xmlns:ma14="http://schemas.microsoft.com/office/mac/drawingml/2011/main" xmlns="" val="1"/>
+                  <ma14:wrappingTextBoxFlag xmlns="" xmlns:ma14="http://schemas.microsoft.com/office/mac/drawingml/2011/main" val="1"/>
                 </a:ext>
               </a:extLst>
             </p:spPr>
@@ -15971,7 +15972,7 @@
             <a:effectLst/>
             <a:extLst>
               <a:ext uri="{C572A759-6A51-4108-AA02-DFA0A04FC94B}">
-                <ma14:wrappingTextBoxFlag xmlns="" xmlns:ma14="http://schemas.microsoft.com/office/mac/drawingml/2011/main" val="1"/>
+                <ma14:wrappingTextBoxFlag xmlns:ma14="http://schemas.microsoft.com/office/mac/drawingml/2011/main" xmlns="" val="1"/>
               </a:ext>
             </a:extLst>
           </p:spPr>
@@ -16087,7 +16088,7 @@
             <a:effectLst/>
             <a:extLst>
               <a:ext uri="{C572A759-6A51-4108-AA02-DFA0A04FC94B}">
-                <ma14:wrappingTextBoxFlag xmlns="" xmlns:ma14="http://schemas.microsoft.com/office/mac/drawingml/2011/main" val="1"/>
+                <ma14:wrappingTextBoxFlag xmlns:ma14="http://schemas.microsoft.com/office/mac/drawingml/2011/main" xmlns="" val="1"/>
               </a:ext>
             </a:extLst>
           </p:spPr>
@@ -16508,7 +16509,7 @@
             <a:effectLst/>
             <a:extLst>
               <a:ext uri="{C572A759-6A51-4108-AA02-DFA0A04FC94B}">
-                <ma14:wrappingTextBoxFlag xmlns="" xmlns:ma14="http://schemas.microsoft.com/office/mac/drawingml/2011/main" val="1"/>
+                <ma14:wrappingTextBoxFlag xmlns:ma14="http://schemas.microsoft.com/office/mac/drawingml/2011/main" xmlns="" val="1"/>
               </a:ext>
             </a:extLst>
           </p:spPr>
@@ -16667,7 +16668,7 @@
             <a:effectLst/>
             <a:extLst>
               <a:ext uri="{C572A759-6A51-4108-AA02-DFA0A04FC94B}">
-                <ma14:wrappingTextBoxFlag xmlns:ma14="http://schemas.microsoft.com/office/mac/drawingml/2011/main" xmlns="" val="1"/>
+                <ma14:wrappingTextBoxFlag xmlns="" xmlns:ma14="http://schemas.microsoft.com/office/mac/drawingml/2011/main" val="1"/>
               </a:ext>
             </a:extLst>
           </p:spPr>
@@ -17186,7 +17187,7 @@
               <a:effectLst/>
               <a:extLst>
                 <a:ext uri="{C572A759-6A51-4108-AA02-DFA0A04FC94B}">
-                  <ma14:wrappingTextBoxFlag xmlns:ma14="http://schemas.microsoft.com/office/mac/drawingml/2011/main" xmlns="" val="1"/>
+                  <ma14:wrappingTextBoxFlag xmlns="" xmlns:ma14="http://schemas.microsoft.com/office/mac/drawingml/2011/main" val="1"/>
                 </a:ext>
               </a:extLst>
             </p:spPr>
@@ -17336,7 +17337,7 @@
             <a:effectLst/>
             <a:extLst>
               <a:ext uri="{C572A759-6A51-4108-AA02-DFA0A04FC94B}">
-                <ma14:wrappingTextBoxFlag xmlns="" xmlns:ma14="http://schemas.microsoft.com/office/mac/drawingml/2011/main" val="1"/>
+                <ma14:wrappingTextBoxFlag xmlns:ma14="http://schemas.microsoft.com/office/mac/drawingml/2011/main" xmlns="" val="1"/>
               </a:ext>
             </a:extLst>
           </p:spPr>
@@ -17496,7 +17497,7 @@
             <a:effectLst/>
             <a:extLst>
               <a:ext uri="{C572A759-6A51-4108-AA02-DFA0A04FC94B}">
-                <ma14:wrappingTextBoxFlag xmlns:ma14="http://schemas.microsoft.com/office/mac/drawingml/2011/main" xmlns="" val="1"/>
+                <ma14:wrappingTextBoxFlag xmlns="" xmlns:ma14="http://schemas.microsoft.com/office/mac/drawingml/2011/main" val="1"/>
               </a:ext>
             </a:extLst>
           </p:spPr>
@@ -17797,7 +17798,7 @@
               <a:effectLst/>
               <a:extLst>
                 <a:ext uri="{C572A759-6A51-4108-AA02-DFA0A04FC94B}">
-                  <ma14:wrappingTextBoxFlag xmlns:ma14="http://schemas.microsoft.com/office/mac/drawingml/2011/main" xmlns="" val="1"/>
+                  <ma14:wrappingTextBoxFlag xmlns="" xmlns:ma14="http://schemas.microsoft.com/office/mac/drawingml/2011/main" val="1"/>
                 </a:ext>
               </a:extLst>
             </p:spPr>
@@ -21213,6 +21214,676 @@
 </p:sld>
 </file>
 
+<file path=ppt/slides/slide15.xml><?xml version="1.0" encoding="utf-8"?>
+<p:sld xmlns:a="http://schemas.openxmlformats.org/drawingml/2006/main" xmlns:r="http://schemas.openxmlformats.org/officeDocument/2006/relationships" xmlns:p="http://schemas.openxmlformats.org/presentationml/2006/main">
+  <p:cSld>
+    <p:spTree>
+      <p:nvGrpSpPr>
+        <p:cNvPr id="1" name=""/>
+        <p:cNvGrpSpPr/>
+        <p:nvPr/>
+      </p:nvGrpSpPr>
+      <p:grpSpPr>
+        <a:xfrm>
+          <a:off x="0" y="0"/>
+          <a:ext cx="0" cy="0"/>
+          <a:chOff x="0" y="0"/>
+          <a:chExt cx="0" cy="0"/>
+        </a:xfrm>
+      </p:grpSpPr>
+      <p:sp>
+        <p:nvSpPr>
+          <p:cNvPr id="2" name="Title 1">
+            <a:extLst>
+              <a:ext uri="{FF2B5EF4-FFF2-40B4-BE49-F238E27FC236}">
+                <a16:creationId xmlns:a16="http://schemas.microsoft.com/office/drawing/2014/main" id="{70F591F0-5F5A-024B-9AB3-82538EA75689}"/>
+              </a:ext>
+            </a:extLst>
+          </p:cNvPr>
+          <p:cNvSpPr>
+            <a:spLocks noGrp="1"/>
+          </p:cNvSpPr>
+          <p:nvPr>
+            <p:ph type="title"/>
+          </p:nvPr>
+        </p:nvSpPr>
+        <p:spPr>
+          <a:xfrm>
+            <a:off x="599016" y="125846"/>
+            <a:ext cx="10993967" cy="342900"/>
+          </a:xfrm>
+        </p:spPr>
+        <p:txBody>
+          <a:bodyPr/>
+          <a:lstStyle/>
+          <a:p>
+            <a:r>
+              <a:rPr lang="en-US" dirty="0"/>
+              <a:t>ADS</a:t>
+            </a:r>
+          </a:p>
+        </p:txBody>
+      </p:sp>
+      <p:sp>
+        <p:nvSpPr>
+          <p:cNvPr id="3" name="Slide Number Placeholder 2">
+            <a:extLst>
+              <a:ext uri="{FF2B5EF4-FFF2-40B4-BE49-F238E27FC236}">
+                <a16:creationId xmlns:a16="http://schemas.microsoft.com/office/drawing/2014/main" id="{E5C81BE9-47C6-2E4B-A85F-02B6E9FAE09E}"/>
+              </a:ext>
+            </a:extLst>
+          </p:cNvPr>
+          <p:cNvSpPr>
+            <a:spLocks noGrp="1"/>
+          </p:cNvSpPr>
+          <p:nvPr>
+            <p:ph type="sldNum" sz="quarter" idx="10"/>
+          </p:nvPr>
+        </p:nvSpPr>
+        <p:spPr/>
+        <p:txBody>
+          <a:bodyPr/>
+          <a:lstStyle/>
+          <a:p>
+            <a:pPr defTabSz="911231" eaLnBrk="1" fontAlgn="auto" hangingPunct="1">
+              <a:spcBef>
+                <a:spcPts val="0"/>
+              </a:spcBef>
+              <a:spcAft>
+                <a:spcPts val="0"/>
+              </a:spcAft>
+              <a:defRPr/>
+            </a:pPr>
+            <a:r>
+              <a:rPr lang="en-US" altLang="en-US">
+                <a:solidFill>
+                  <a:srgbClr val="FFFFFF"/>
+                </a:solidFill>
+                <a:latin typeface="Arial"/>
+                <a:ea typeface="ＭＳ Ｐゴシック" charset="0"/>
+                <a:cs typeface="Arial"/>
+                <a:sym typeface="Helvetica" charset="0"/>
+              </a:rPr>
+              <a:t>IBM Confidential – Page </a:t>
+            </a:r>
+            <a:fld id="{E29CC0C0-E046-4664-B80A-AA818B18C835}" type="slidenum">
+              <a:rPr lang="en-US" altLang="en-US" smtClean="0">
+                <a:solidFill>
+                  <a:srgbClr val="FFFFFF"/>
+                </a:solidFill>
+                <a:latin typeface="Arial"/>
+                <a:ea typeface="ＭＳ Ｐゴシック" charset="0"/>
+                <a:cs typeface="Arial"/>
+                <a:sym typeface="Helvetica" charset="0"/>
+              </a:rPr>
+              <a:pPr defTabSz="911231" eaLnBrk="1" fontAlgn="auto" hangingPunct="1">
+                <a:spcBef>
+                  <a:spcPts val="0"/>
+                </a:spcBef>
+                <a:spcAft>
+                  <a:spcPts val="0"/>
+                </a:spcAft>
+                <a:defRPr/>
+              </a:pPr>
+              <a:t>15</a:t>
+            </a:fld>
+            <a:endParaRPr lang="en-US" altLang="en-US">
+              <a:solidFill>
+                <a:srgbClr val="FFFFFF"/>
+              </a:solidFill>
+              <a:latin typeface="Arial"/>
+              <a:ea typeface="ＭＳ Ｐゴシック" charset="0"/>
+              <a:cs typeface="Arial"/>
+              <a:sym typeface="Helvetica" charset="0"/>
+            </a:endParaRPr>
+          </a:p>
+        </p:txBody>
+      </p:sp>
+      <p:sp>
+        <p:nvSpPr>
+          <p:cNvPr id="4" name="Rectangle 3">
+            <a:extLst>
+              <a:ext uri="{FF2B5EF4-FFF2-40B4-BE49-F238E27FC236}">
+                <a16:creationId xmlns:a16="http://schemas.microsoft.com/office/drawing/2014/main" id="{E69F3A93-983B-C442-ACB2-1D3C2DF02FAE}"/>
+              </a:ext>
+            </a:extLst>
+          </p:cNvPr>
+          <p:cNvSpPr/>
+          <p:nvPr/>
+        </p:nvSpPr>
+        <p:spPr>
+          <a:xfrm>
+            <a:off x="4641447" y="984370"/>
+            <a:ext cx="1454551" cy="438587"/>
+          </a:xfrm>
+          <a:prstGeom prst="rect">
+            <a:avLst/>
+          </a:prstGeom>
+          <a:solidFill>
+            <a:srgbClr val="4040EA"/>
+          </a:solidFill>
+          <a:ln>
+            <a:noFill/>
+          </a:ln>
+          <a:effectLst>
+            <a:outerShdw blurRad="50800" dist="38100" dir="5400000" algn="t" rotWithShape="0">
+              <a:prstClr val="black">
+                <a:alpha val="40000"/>
+              </a:prstClr>
+            </a:outerShdw>
+          </a:effectLst>
+        </p:spPr>
+        <p:style>
+          <a:lnRef idx="2">
+            <a:schemeClr val="accent1">
+              <a:shade val="50000"/>
+            </a:schemeClr>
+          </a:lnRef>
+          <a:fillRef idx="1">
+            <a:schemeClr val="accent1"/>
+          </a:fillRef>
+          <a:effectRef idx="0">
+            <a:schemeClr val="accent1"/>
+          </a:effectRef>
+          <a:fontRef idx="minor">
+            <a:schemeClr val="lt1"/>
+          </a:fontRef>
+        </p:style>
+        <p:txBody>
+          <a:bodyPr rtlCol="0" anchor="ctr"/>
+          <a:lstStyle/>
+          <a:p>
+            <a:pPr algn="ctr"/>
+            <a:r>
+              <a:rPr lang="en-US" sz="1200" dirty="0">
+                <a:solidFill>
+                  <a:schemeClr val="bg1"/>
+                </a:solidFill>
+              </a:rPr>
+              <a:t>Decision Designer</a:t>
+            </a:r>
+          </a:p>
+        </p:txBody>
+      </p:sp>
+      <p:sp>
+        <p:nvSpPr>
+          <p:cNvPr id="5" name="Rounded Rectangle 4">
+            <a:extLst>
+              <a:ext uri="{FF2B5EF4-FFF2-40B4-BE49-F238E27FC236}">
+                <a16:creationId xmlns:a16="http://schemas.microsoft.com/office/drawing/2014/main" id="{D20B5100-9FC1-5246-A30E-DD2E227B6910}"/>
+              </a:ext>
+            </a:extLst>
+          </p:cNvPr>
+          <p:cNvSpPr/>
+          <p:nvPr/>
+        </p:nvSpPr>
+        <p:spPr>
+          <a:xfrm>
+            <a:off x="277353" y="841625"/>
+            <a:ext cx="5997735" cy="3827763"/>
+          </a:xfrm>
+          <a:prstGeom prst="roundRect">
+            <a:avLst>
+              <a:gd name="adj" fmla="val 2992"/>
+            </a:avLst>
+          </a:prstGeom>
+          <a:noFill/>
+          <a:ln>
+            <a:solidFill>
+              <a:srgbClr val="FF0000"/>
+            </a:solidFill>
+            <a:prstDash val="dash"/>
+          </a:ln>
+        </p:spPr>
+        <p:style>
+          <a:lnRef idx="2">
+            <a:schemeClr val="accent1">
+              <a:shade val="50000"/>
+            </a:schemeClr>
+          </a:lnRef>
+          <a:fillRef idx="1">
+            <a:schemeClr val="accent1"/>
+          </a:fillRef>
+          <a:effectRef idx="0">
+            <a:schemeClr val="accent1"/>
+          </a:effectRef>
+          <a:fontRef idx="minor">
+            <a:schemeClr val="lt1"/>
+          </a:fontRef>
+        </p:style>
+        <p:txBody>
+          <a:bodyPr rtlCol="0" anchor="b"/>
+          <a:lstStyle/>
+          <a:p>
+            <a:pPr algn="ctr"/>
+            <a:r>
+              <a:rPr lang="en-US" sz="1200" dirty="0">
+                <a:solidFill>
+                  <a:schemeClr val="accent1">
+                    <a:lumMod val="25000"/>
+                  </a:schemeClr>
+                </a:solidFill>
+              </a:rPr>
+              <a:t>Container Orchestration</a:t>
+            </a:r>
+            <a:endParaRPr sz="1200" dirty="0">
+              <a:solidFill>
+                <a:schemeClr val="accent1">
+                  <a:lumMod val="25000"/>
+                </a:schemeClr>
+              </a:solidFill>
+            </a:endParaRPr>
+          </a:p>
+        </p:txBody>
+      </p:sp>
+      <p:sp>
+        <p:nvSpPr>
+          <p:cNvPr id="6" name="Rounded Rectangle 5">
+            <a:extLst>
+              <a:ext uri="{FF2B5EF4-FFF2-40B4-BE49-F238E27FC236}">
+                <a16:creationId xmlns:a16="http://schemas.microsoft.com/office/drawing/2014/main" id="{56109B89-C21A-0C45-BA8E-38DA913A240F}"/>
+              </a:ext>
+            </a:extLst>
+          </p:cNvPr>
+          <p:cNvSpPr/>
+          <p:nvPr/>
+        </p:nvSpPr>
+        <p:spPr>
+          <a:xfrm>
+            <a:off x="153743" y="729975"/>
+            <a:ext cx="6213474" cy="5286400"/>
+          </a:xfrm>
+          <a:prstGeom prst="roundRect">
+            <a:avLst>
+              <a:gd name="adj" fmla="val 2992"/>
+            </a:avLst>
+          </a:prstGeom>
+          <a:noFill/>
+          <a:ln>
+            <a:solidFill>
+              <a:schemeClr val="tx1"/>
+            </a:solidFill>
+            <a:prstDash val="dash"/>
+          </a:ln>
+        </p:spPr>
+        <p:style>
+          <a:lnRef idx="2">
+            <a:schemeClr val="accent1">
+              <a:shade val="50000"/>
+            </a:schemeClr>
+          </a:lnRef>
+          <a:fillRef idx="1">
+            <a:schemeClr val="accent1"/>
+          </a:fillRef>
+          <a:effectRef idx="0">
+            <a:schemeClr val="accent1"/>
+          </a:effectRef>
+          <a:fontRef idx="minor">
+            <a:schemeClr val="lt1"/>
+          </a:fontRef>
+        </p:style>
+        <p:txBody>
+          <a:bodyPr rtlCol="0" anchor="b"/>
+          <a:lstStyle/>
+          <a:p>
+            <a:pPr algn="ctr"/>
+            <a:r>
+              <a:rPr lang="en-US" sz="1200" dirty="0">
+                <a:solidFill>
+                  <a:schemeClr val="accent1">
+                    <a:lumMod val="25000"/>
+                  </a:schemeClr>
+                </a:solidFill>
+              </a:rPr>
+              <a:t>Cloud or On-Premise Data Center</a:t>
+            </a:r>
+            <a:endParaRPr sz="1200" dirty="0">
+              <a:solidFill>
+                <a:schemeClr val="accent1">
+                  <a:lumMod val="25000"/>
+                </a:schemeClr>
+              </a:solidFill>
+            </a:endParaRPr>
+          </a:p>
+        </p:txBody>
+      </p:sp>
+      <p:pic>
+        <p:nvPicPr>
+          <p:cNvPr id="7" name="Picture 6">
+            <a:extLst>
+              <a:ext uri="{FF2B5EF4-FFF2-40B4-BE49-F238E27FC236}">
+                <a16:creationId xmlns:a16="http://schemas.microsoft.com/office/drawing/2014/main" id="{47414214-4EE5-AF46-953D-5609BB9ED94F}"/>
+              </a:ext>
+            </a:extLst>
+          </p:cNvPr>
+          <p:cNvPicPr>
+            <a:picLocks noChangeAspect="1"/>
+          </p:cNvPicPr>
+          <p:nvPr/>
+        </p:nvPicPr>
+        <p:blipFill>
+          <a:blip r:embed="rId2"/>
+          <a:stretch>
+            <a:fillRect/>
+          </a:stretch>
+        </p:blipFill>
+        <p:spPr>
+          <a:xfrm>
+            <a:off x="5521122" y="4781038"/>
+            <a:ext cx="622300" cy="558800"/>
+          </a:xfrm>
+          <a:prstGeom prst="rect">
+            <a:avLst/>
+          </a:prstGeom>
+        </p:spPr>
+      </p:pic>
+      <p:pic>
+        <p:nvPicPr>
+          <p:cNvPr id="8" name="Picture 7">
+            <a:extLst>
+              <a:ext uri="{FF2B5EF4-FFF2-40B4-BE49-F238E27FC236}">
+                <a16:creationId xmlns:a16="http://schemas.microsoft.com/office/drawing/2014/main" id="{E82F6022-4B01-5343-B423-8C91DCE8EAA8}"/>
+              </a:ext>
+            </a:extLst>
+          </p:cNvPr>
+          <p:cNvPicPr>
+            <a:picLocks noChangeAspect="1"/>
+          </p:cNvPicPr>
+          <p:nvPr/>
+        </p:nvPicPr>
+        <p:blipFill>
+          <a:blip r:embed="rId3"/>
+          <a:stretch>
+            <a:fillRect/>
+          </a:stretch>
+        </p:blipFill>
+        <p:spPr>
+          <a:xfrm>
+            <a:off x="424378" y="3518704"/>
+            <a:ext cx="349276" cy="451650"/>
+          </a:xfrm>
+          <a:prstGeom prst="rect">
+            <a:avLst/>
+          </a:prstGeom>
+        </p:spPr>
+      </p:pic>
+      <p:sp>
+        <p:nvSpPr>
+          <p:cNvPr id="9" name="Rectangle 8">
+            <a:extLst>
+              <a:ext uri="{FF2B5EF4-FFF2-40B4-BE49-F238E27FC236}">
+                <a16:creationId xmlns:a16="http://schemas.microsoft.com/office/drawing/2014/main" id="{C4B9F69B-26D4-044C-82BA-5B135C64AD76}"/>
+              </a:ext>
+            </a:extLst>
+          </p:cNvPr>
+          <p:cNvSpPr/>
+          <p:nvPr/>
+        </p:nvSpPr>
+        <p:spPr>
+          <a:xfrm>
+            <a:off x="1425614" y="1958573"/>
+            <a:ext cx="1454551" cy="438587"/>
+          </a:xfrm>
+          <a:prstGeom prst="rect">
+            <a:avLst/>
+          </a:prstGeom>
+          <a:solidFill>
+            <a:srgbClr val="4040EA"/>
+          </a:solidFill>
+          <a:ln>
+            <a:noFill/>
+          </a:ln>
+          <a:effectLst>
+            <a:outerShdw blurRad="50800" dist="38100" dir="5400000" algn="t" rotWithShape="0">
+              <a:prstClr val="black">
+                <a:alpha val="40000"/>
+              </a:prstClr>
+            </a:outerShdw>
+          </a:effectLst>
+        </p:spPr>
+        <p:style>
+          <a:lnRef idx="2">
+            <a:schemeClr val="accent1">
+              <a:shade val="50000"/>
+            </a:schemeClr>
+          </a:lnRef>
+          <a:fillRef idx="1">
+            <a:schemeClr val="accent1"/>
+          </a:fillRef>
+          <a:effectRef idx="0">
+            <a:schemeClr val="accent1"/>
+          </a:effectRef>
+          <a:fontRef idx="minor">
+            <a:schemeClr val="lt1"/>
+          </a:fontRef>
+        </p:style>
+        <p:txBody>
+          <a:bodyPr rtlCol="0" anchor="ctr"/>
+          <a:lstStyle/>
+          <a:p>
+            <a:pPr algn="ctr"/>
+            <a:r>
+              <a:rPr lang="en-US" sz="1200" dirty="0">
+                <a:solidFill>
+                  <a:schemeClr val="bg1"/>
+                </a:solidFill>
+              </a:rPr>
+              <a:t>Embedded build service</a:t>
+            </a:r>
+          </a:p>
+        </p:txBody>
+      </p:sp>
+      <p:sp>
+        <p:nvSpPr>
+          <p:cNvPr id="10" name="Rectangle 9">
+            <a:extLst>
+              <a:ext uri="{FF2B5EF4-FFF2-40B4-BE49-F238E27FC236}">
+                <a16:creationId xmlns:a16="http://schemas.microsoft.com/office/drawing/2014/main" id="{6FB2014A-DC82-4A4A-B599-036F158E3F6E}"/>
+              </a:ext>
+            </a:extLst>
+          </p:cNvPr>
+          <p:cNvSpPr/>
+          <p:nvPr/>
+        </p:nvSpPr>
+        <p:spPr>
+          <a:xfrm>
+            <a:off x="424378" y="5090522"/>
+            <a:ext cx="1454551" cy="438587"/>
+          </a:xfrm>
+          <a:prstGeom prst="rect">
+            <a:avLst/>
+          </a:prstGeom>
+          <a:solidFill>
+            <a:srgbClr val="4040EA"/>
+          </a:solidFill>
+          <a:ln>
+            <a:noFill/>
+          </a:ln>
+          <a:effectLst>
+            <a:outerShdw blurRad="50800" dist="38100" dir="5400000" algn="t" rotWithShape="0">
+              <a:prstClr val="black">
+                <a:alpha val="40000"/>
+              </a:prstClr>
+            </a:outerShdw>
+          </a:effectLst>
+        </p:spPr>
+        <p:style>
+          <a:lnRef idx="2">
+            <a:schemeClr val="accent1">
+              <a:shade val="50000"/>
+            </a:schemeClr>
+          </a:lnRef>
+          <a:fillRef idx="1">
+            <a:schemeClr val="accent1"/>
+          </a:fillRef>
+          <a:effectRef idx="0">
+            <a:schemeClr val="accent1"/>
+          </a:effectRef>
+          <a:fontRef idx="minor">
+            <a:schemeClr val="lt1"/>
+          </a:fontRef>
+        </p:style>
+        <p:txBody>
+          <a:bodyPr rtlCol="0" anchor="ctr"/>
+          <a:lstStyle/>
+          <a:p>
+            <a:pPr algn="ctr"/>
+            <a:r>
+              <a:rPr lang="en-US" sz="1200" dirty="0">
+                <a:solidFill>
+                  <a:schemeClr val="bg1"/>
+                </a:solidFill>
+              </a:rPr>
+              <a:t>Business Automation Studio</a:t>
+            </a:r>
+          </a:p>
+        </p:txBody>
+      </p:sp>
+      <p:sp>
+        <p:nvSpPr>
+          <p:cNvPr id="11" name="Rectangle 10">
+            <a:extLst>
+              <a:ext uri="{FF2B5EF4-FFF2-40B4-BE49-F238E27FC236}">
+                <a16:creationId xmlns:a16="http://schemas.microsoft.com/office/drawing/2014/main" id="{3274F9DA-C03A-CE48-8F4A-CDE52FDB86E6}"/>
+              </a:ext>
+            </a:extLst>
+          </p:cNvPr>
+          <p:cNvSpPr/>
+          <p:nvPr/>
+        </p:nvSpPr>
+        <p:spPr>
+          <a:xfrm>
+            <a:off x="4528928" y="2755506"/>
+            <a:ext cx="1454551" cy="438587"/>
+          </a:xfrm>
+          <a:prstGeom prst="rect">
+            <a:avLst/>
+          </a:prstGeom>
+          <a:solidFill>
+            <a:srgbClr val="4040EA"/>
+          </a:solidFill>
+          <a:ln>
+            <a:noFill/>
+          </a:ln>
+          <a:effectLst>
+            <a:outerShdw blurRad="50800" dist="38100" dir="5400000" algn="t" rotWithShape="0">
+              <a:prstClr val="black">
+                <a:alpha val="40000"/>
+              </a:prstClr>
+            </a:outerShdw>
+          </a:effectLst>
+        </p:spPr>
+        <p:style>
+          <a:lnRef idx="2">
+            <a:schemeClr val="accent1">
+              <a:shade val="50000"/>
+            </a:schemeClr>
+          </a:lnRef>
+          <a:fillRef idx="1">
+            <a:schemeClr val="accent1"/>
+          </a:fillRef>
+          <a:effectRef idx="0">
+            <a:schemeClr val="accent1"/>
+          </a:effectRef>
+          <a:fontRef idx="minor">
+            <a:schemeClr val="lt1"/>
+          </a:fontRef>
+        </p:style>
+        <p:txBody>
+          <a:bodyPr rtlCol="0" anchor="ctr"/>
+          <a:lstStyle/>
+          <a:p>
+            <a:pPr algn="ctr"/>
+            <a:r>
+              <a:rPr lang="en-US" sz="1200" dirty="0">
+                <a:solidFill>
+                  <a:schemeClr val="bg1"/>
+                </a:solidFill>
+              </a:rPr>
+              <a:t>Decision runtime</a:t>
+            </a:r>
+          </a:p>
+        </p:txBody>
+      </p:sp>
+      <p:sp>
+        <p:nvSpPr>
+          <p:cNvPr id="12" name="Rectangle 11">
+            <a:extLst>
+              <a:ext uri="{FF2B5EF4-FFF2-40B4-BE49-F238E27FC236}">
+                <a16:creationId xmlns:a16="http://schemas.microsoft.com/office/drawing/2014/main" id="{02564780-DF20-2942-B672-E66FF79C2B3B}"/>
+              </a:ext>
+            </a:extLst>
+          </p:cNvPr>
+          <p:cNvSpPr/>
+          <p:nvPr/>
+        </p:nvSpPr>
+        <p:spPr>
+          <a:xfrm>
+            <a:off x="495123" y="1040245"/>
+            <a:ext cx="1454551" cy="438587"/>
+          </a:xfrm>
+          <a:prstGeom prst="rect">
+            <a:avLst/>
+          </a:prstGeom>
+          <a:solidFill>
+            <a:srgbClr val="4040EA"/>
+          </a:solidFill>
+          <a:ln>
+            <a:noFill/>
+          </a:ln>
+          <a:effectLst>
+            <a:outerShdw blurRad="50800" dist="38100" dir="5400000" algn="t" rotWithShape="0">
+              <a:prstClr val="black">
+                <a:alpha val="40000"/>
+              </a:prstClr>
+            </a:outerShdw>
+          </a:effectLst>
+        </p:spPr>
+        <p:style>
+          <a:lnRef idx="2">
+            <a:schemeClr val="accent1">
+              <a:shade val="50000"/>
+            </a:schemeClr>
+          </a:lnRef>
+          <a:fillRef idx="1">
+            <a:schemeClr val="accent1"/>
+          </a:fillRef>
+          <a:effectRef idx="0">
+            <a:schemeClr val="accent1"/>
+          </a:effectRef>
+          <a:fontRef idx="minor">
+            <a:schemeClr val="lt1"/>
+          </a:fontRef>
+        </p:style>
+        <p:txBody>
+          <a:bodyPr rtlCol="0" anchor="ctr"/>
+          <a:lstStyle/>
+          <a:p>
+            <a:pPr algn="ctr"/>
+            <a:r>
+              <a:rPr lang="en-US" sz="1200" dirty="0">
+                <a:solidFill>
+                  <a:schemeClr val="bg1"/>
+                </a:solidFill>
+              </a:rPr>
+              <a:t>Machine Learning Predict</a:t>
+            </a:r>
+          </a:p>
+        </p:txBody>
+      </p:sp>
+    </p:spTree>
+    <p:extLst>
+      <p:ext uri="{BB962C8B-B14F-4D97-AF65-F5344CB8AC3E}">
+        <p14:creationId xmlns:p14="http://schemas.microsoft.com/office/powerpoint/2010/main" val="3806424803"/>
+      </p:ext>
+    </p:extLst>
+  </p:cSld>
+  <p:clrMapOvr>
+    <a:masterClrMapping/>
+  </p:clrMapOvr>
+</p:sld>
+</file>
+
 <file path=ppt/slides/slide2.xml><?xml version="1.0" encoding="utf-8"?>
 <p:sld xmlns:a="http://schemas.openxmlformats.org/drawingml/2006/main" xmlns:r="http://schemas.openxmlformats.org/officeDocument/2006/relationships" xmlns:p="http://schemas.openxmlformats.org/presentationml/2006/main">
   <p:cSld>
@@ -21308,7 +21979,7 @@
             <a:effectLst/>
             <a:extLst>
               <a:ext uri="{C572A759-6A51-4108-AA02-DFA0A04FC94B}">
-                <ma14:wrappingTextBoxFlag xmlns:ma14="http://schemas.microsoft.com/office/mac/drawingml/2011/main" xmlns="" val="1"/>
+                <ma14:wrappingTextBoxFlag xmlns="" xmlns:ma14="http://schemas.microsoft.com/office/mac/drawingml/2011/main" val="1"/>
               </a:ext>
             </a:extLst>
           </p:spPr>
@@ -21424,7 +22095,7 @@
             <a:effectLst/>
             <a:extLst>
               <a:ext uri="{C572A759-6A51-4108-AA02-DFA0A04FC94B}">
-                <ma14:wrappingTextBoxFlag xmlns:ma14="http://schemas.microsoft.com/office/mac/drawingml/2011/main" xmlns="" val="1"/>
+                <ma14:wrappingTextBoxFlag xmlns="" xmlns:ma14="http://schemas.microsoft.com/office/mac/drawingml/2011/main" val="1"/>
               </a:ext>
             </a:extLst>
           </p:spPr>
@@ -21894,7 +22565,7 @@
             <a:effectLst/>
             <a:extLst>
               <a:ext uri="{C572A759-6A51-4108-AA02-DFA0A04FC94B}">
-                <ma14:wrappingTextBoxFlag xmlns:ma14="http://schemas.microsoft.com/office/mac/drawingml/2011/main" xmlns="" val="1"/>
+                <ma14:wrappingTextBoxFlag xmlns="" xmlns:ma14="http://schemas.microsoft.com/office/mac/drawingml/2011/main" val="1"/>
               </a:ext>
             </a:extLst>
           </p:spPr>
@@ -22204,7 +22875,7 @@
             <a:effectLst/>
             <a:extLst>
               <a:ext uri="{C572A759-6A51-4108-AA02-DFA0A04FC94B}">
-                <ma14:wrappingTextBoxFlag xmlns:ma14="http://schemas.microsoft.com/office/mac/drawingml/2011/main" xmlns="" val="1"/>
+                <ma14:wrappingTextBoxFlag xmlns="" xmlns:ma14="http://schemas.microsoft.com/office/mac/drawingml/2011/main" val="1"/>
               </a:ext>
             </a:extLst>
           </p:spPr>
@@ -22438,7 +23109,7 @@
             <a:effectLst/>
             <a:extLst>
               <a:ext uri="{C572A759-6A51-4108-AA02-DFA0A04FC94B}">
-                <ma14:wrappingTextBoxFlag xmlns:ma14="http://schemas.microsoft.com/office/mac/drawingml/2011/main" xmlns="" val="1"/>
+                <ma14:wrappingTextBoxFlag xmlns="" xmlns:ma14="http://schemas.microsoft.com/office/mac/drawingml/2011/main" val="1"/>
               </a:ext>
             </a:extLst>
           </p:spPr>
@@ -22571,7 +23242,7 @@
             <a:effectLst/>
             <a:extLst>
               <a:ext uri="{C572A759-6A51-4108-AA02-DFA0A04FC94B}">
-                <ma14:wrappingTextBoxFlag xmlns:ma14="http://schemas.microsoft.com/office/mac/drawingml/2011/main" xmlns="" val="1"/>
+                <ma14:wrappingTextBoxFlag xmlns="" xmlns:ma14="http://schemas.microsoft.com/office/mac/drawingml/2011/main" val="1"/>
               </a:ext>
             </a:extLst>
           </p:spPr>
@@ -23644,7 +24315,7 @@
             <a:effectLst/>
             <a:extLst>
               <a:ext uri="{C572A759-6A51-4108-AA02-DFA0A04FC94B}">
-                <ma14:wrappingTextBoxFlag xmlns:ma14="http://schemas.microsoft.com/office/mac/drawingml/2011/main" xmlns="" val="1"/>
+                <ma14:wrappingTextBoxFlag xmlns="" xmlns:ma14="http://schemas.microsoft.com/office/mac/drawingml/2011/main" val="1"/>
               </a:ext>
             </a:extLst>
           </p:spPr>
@@ -23993,7 +24664,7 @@
             <a:effectLst/>
             <a:extLst>
               <a:ext uri="{C572A759-6A51-4108-AA02-DFA0A04FC94B}">
-                <ma14:wrappingTextBoxFlag xmlns:ma14="http://schemas.microsoft.com/office/mac/drawingml/2011/main" xmlns="" val="1"/>
+                <ma14:wrappingTextBoxFlag xmlns="" xmlns:ma14="http://schemas.microsoft.com/office/mac/drawingml/2011/main" val="1"/>
               </a:ext>
             </a:extLst>
           </p:spPr>
@@ -24413,7 +25084,7 @@
             <a:effectLst/>
             <a:extLst>
               <a:ext uri="{C572A759-6A51-4108-AA02-DFA0A04FC94B}">
-                <ma14:wrappingTextBoxFlag xmlns:ma14="http://schemas.microsoft.com/office/mac/drawingml/2011/main" xmlns="" val="1"/>
+                <ma14:wrappingTextBoxFlag xmlns="" xmlns:ma14="http://schemas.microsoft.com/office/mac/drawingml/2011/main" val="1"/>
               </a:ext>
             </a:extLst>
           </p:spPr>
@@ -25911,7 +26582,7 @@
             <a:effectLst/>
             <a:extLst>
               <a:ext uri="{C572A759-6A51-4108-AA02-DFA0A04FC94B}">
-                <ma14:wrappingTextBoxFlag xmlns:ma14="http://schemas.microsoft.com/office/mac/drawingml/2011/main" xmlns="" val="1"/>
+                <ma14:wrappingTextBoxFlag xmlns="" xmlns:ma14="http://schemas.microsoft.com/office/mac/drawingml/2011/main" val="1"/>
               </a:ext>
             </a:extLst>
           </p:spPr>
@@ -26676,7 +27347,7 @@
             <a:effectLst/>
             <a:extLst>
               <a:ext uri="{C572A759-6A51-4108-AA02-DFA0A04FC94B}">
-                <ma14:wrappingTextBoxFlag xmlns="" xmlns:ma14="http://schemas.microsoft.com/office/mac/drawingml/2011/main" val="1"/>
+                <ma14:wrappingTextBoxFlag xmlns:ma14="http://schemas.microsoft.com/office/mac/drawingml/2011/main" xmlns="" val="1"/>
               </a:ext>
             </a:extLst>
           </p:spPr>
@@ -26792,7 +27463,7 @@
             <a:effectLst/>
             <a:extLst>
               <a:ext uri="{C572A759-6A51-4108-AA02-DFA0A04FC94B}">
-                <ma14:wrappingTextBoxFlag xmlns="" xmlns:ma14="http://schemas.microsoft.com/office/mac/drawingml/2011/main" val="1"/>
+                <ma14:wrappingTextBoxFlag xmlns:ma14="http://schemas.microsoft.com/office/mac/drawingml/2011/main" xmlns="" val="1"/>
               </a:ext>
             </a:extLst>
           </p:spPr>
@@ -26908,7 +27579,7 @@
             <a:effectLst/>
             <a:extLst>
               <a:ext uri="{C572A759-6A51-4108-AA02-DFA0A04FC94B}">
-                <ma14:wrappingTextBoxFlag xmlns="" xmlns:ma14="http://schemas.microsoft.com/office/mac/drawingml/2011/main" val="1"/>
+                <ma14:wrappingTextBoxFlag xmlns:ma14="http://schemas.microsoft.com/office/mac/drawingml/2011/main" xmlns="" val="1"/>
               </a:ext>
             </a:extLst>
           </p:spPr>
@@ -27024,7 +27695,7 @@
             <a:effectLst/>
             <a:extLst>
               <a:ext uri="{C572A759-6A51-4108-AA02-DFA0A04FC94B}">
-                <ma14:wrappingTextBoxFlag xmlns="" xmlns:ma14="http://schemas.microsoft.com/office/mac/drawingml/2011/main" val="1"/>
+                <ma14:wrappingTextBoxFlag xmlns:ma14="http://schemas.microsoft.com/office/mac/drawingml/2011/main" xmlns="" val="1"/>
               </a:ext>
             </a:extLst>
           </p:spPr>
@@ -27140,7 +27811,7 @@
             <a:effectLst/>
             <a:extLst>
               <a:ext uri="{C572A759-6A51-4108-AA02-DFA0A04FC94B}">
-                <ma14:wrappingTextBoxFlag xmlns="" xmlns:ma14="http://schemas.microsoft.com/office/mac/drawingml/2011/main" val="1"/>
+                <ma14:wrappingTextBoxFlag xmlns:ma14="http://schemas.microsoft.com/office/mac/drawingml/2011/main" xmlns="" val="1"/>
               </a:ext>
             </a:extLst>
           </p:spPr>
@@ -27256,7 +27927,7 @@
             <a:effectLst/>
             <a:extLst>
               <a:ext uri="{C572A759-6A51-4108-AA02-DFA0A04FC94B}">
-                <ma14:wrappingTextBoxFlag xmlns="" xmlns:ma14="http://schemas.microsoft.com/office/mac/drawingml/2011/main" val="1"/>
+                <ma14:wrappingTextBoxFlag xmlns:ma14="http://schemas.microsoft.com/office/mac/drawingml/2011/main" xmlns="" val="1"/>
               </a:ext>
             </a:extLst>
           </p:spPr>
@@ -28936,7 +29607,7 @@
             <a:effectLst/>
             <a:extLst>
               <a:ext uri="{C572A759-6A51-4108-AA02-DFA0A04FC94B}">
-                <ma14:wrappingTextBoxFlag xmlns:ma14="http://schemas.microsoft.com/office/mac/drawingml/2011/main" xmlns="" val="1"/>
+                <ma14:wrappingTextBoxFlag xmlns="" xmlns:ma14="http://schemas.microsoft.com/office/mac/drawingml/2011/main" val="1"/>
               </a:ext>
             </a:extLst>
           </p:spPr>
@@ -29589,7 +30260,7 @@
             <a:effectLst/>
             <a:extLst>
               <a:ext uri="{C572A759-6A51-4108-AA02-DFA0A04FC94B}">
-                <ma14:wrappingTextBoxFlag xmlns="" xmlns:ma14="http://schemas.microsoft.com/office/mac/drawingml/2011/main" val="1"/>
+                <ma14:wrappingTextBoxFlag xmlns:ma14="http://schemas.microsoft.com/office/mac/drawingml/2011/main" xmlns="" val="1"/>
               </a:ext>
             </a:extLst>
           </p:spPr>
@@ -30078,7 +30749,7 @@
             <a:effectLst/>
             <a:extLst>
               <a:ext uri="{C572A759-6A51-4108-AA02-DFA0A04FC94B}">
-                <ma14:wrappingTextBoxFlag xmlns:ma14="http://schemas.microsoft.com/office/mac/drawingml/2011/main" xmlns="" val="1"/>
+                <ma14:wrappingTextBoxFlag xmlns="" xmlns:ma14="http://schemas.microsoft.com/office/mac/drawingml/2011/main" val="1"/>
               </a:ext>
             </a:extLst>
           </p:spPr>
@@ -30194,7 +30865,7 @@
             <a:effectLst/>
             <a:extLst>
               <a:ext uri="{C572A759-6A51-4108-AA02-DFA0A04FC94B}">
-                <ma14:wrappingTextBoxFlag xmlns:ma14="http://schemas.microsoft.com/office/mac/drawingml/2011/main" xmlns="" val="1"/>
+                <ma14:wrappingTextBoxFlag xmlns="" xmlns:ma14="http://schemas.microsoft.com/office/mac/drawingml/2011/main" val="1"/>
               </a:ext>
             </a:extLst>
           </p:spPr>
@@ -30524,7 +31195,7 @@
             <a:effectLst/>
             <a:extLst>
               <a:ext uri="{C572A759-6A51-4108-AA02-DFA0A04FC94B}">
-                <ma14:wrappingTextBoxFlag xmlns:ma14="http://schemas.microsoft.com/office/mac/drawingml/2011/main" xmlns="" val="1"/>
+                <ma14:wrappingTextBoxFlag xmlns="" xmlns:ma14="http://schemas.microsoft.com/office/mac/drawingml/2011/main" val="1"/>
               </a:ext>
             </a:extLst>
           </p:spPr>
@@ -30952,7 +31623,7 @@
             <a:effectLst/>
             <a:extLst>
               <a:ext uri="{C572A759-6A51-4108-AA02-DFA0A04FC94B}">
-                <ma14:wrappingTextBoxFlag xmlns:ma14="http://schemas.microsoft.com/office/mac/drawingml/2011/main" xmlns="" val="1"/>
+                <ma14:wrappingTextBoxFlag xmlns="" xmlns:ma14="http://schemas.microsoft.com/office/mac/drawingml/2011/main" val="1"/>
               </a:ext>
             </a:extLst>
           </p:spPr>
@@ -31935,7 +32606,7 @@
             <a:effectLst/>
             <a:extLst>
               <a:ext uri="{C572A759-6A51-4108-AA02-DFA0A04FC94B}">
-                <ma14:wrappingTextBoxFlag xmlns:ma14="http://schemas.microsoft.com/office/mac/drawingml/2011/main" xmlns="" val="1"/>
+                <ma14:wrappingTextBoxFlag xmlns="" xmlns:ma14="http://schemas.microsoft.com/office/mac/drawingml/2011/main" val="1"/>
               </a:ext>
             </a:extLst>
           </p:spPr>
@@ -32190,7 +32861,7 @@
             <a:effectLst/>
             <a:extLst>
               <a:ext uri="{C572A759-6A51-4108-AA02-DFA0A04FC94B}">
-                <ma14:wrappingTextBoxFlag xmlns:ma14="http://schemas.microsoft.com/office/mac/drawingml/2011/main" xmlns="" val="1"/>
+                <ma14:wrappingTextBoxFlag xmlns="" xmlns:ma14="http://schemas.microsoft.com/office/mac/drawingml/2011/main" val="1"/>
               </a:ext>
             </a:extLst>
           </p:spPr>
@@ -32520,7 +33191,7 @@
             <a:effectLst/>
             <a:extLst>
               <a:ext uri="{C572A759-6A51-4108-AA02-DFA0A04FC94B}">
-                <ma14:wrappingTextBoxFlag xmlns:ma14="http://schemas.microsoft.com/office/mac/drawingml/2011/main" xmlns="" val="1"/>
+                <ma14:wrappingTextBoxFlag xmlns="" xmlns:ma14="http://schemas.microsoft.com/office/mac/drawingml/2011/main" val="1"/>
               </a:ext>
             </a:extLst>
           </p:spPr>
@@ -32747,7 +33418,7 @@
             <a:effectLst/>
             <a:extLst>
               <a:ext uri="{C572A759-6A51-4108-AA02-DFA0A04FC94B}">
-                <ma14:wrappingTextBoxFlag xmlns:ma14="http://schemas.microsoft.com/office/mac/drawingml/2011/main" xmlns="" val="1"/>
+                <ma14:wrappingTextBoxFlag xmlns="" xmlns:ma14="http://schemas.microsoft.com/office/mac/drawingml/2011/main" val="1"/>
               </a:ext>
             </a:extLst>
           </p:spPr>
@@ -33088,7 +33759,7 @@
             <a:effectLst/>
             <a:extLst>
               <a:ext uri="{C572A759-6A51-4108-AA02-DFA0A04FC94B}">
-                <ma14:wrappingTextBoxFlag xmlns:ma14="http://schemas.microsoft.com/office/mac/drawingml/2011/main" xmlns="" val="1"/>
+                <ma14:wrappingTextBoxFlag xmlns="" xmlns:ma14="http://schemas.microsoft.com/office/mac/drawingml/2011/main" val="1"/>
               </a:ext>
             </a:extLst>
           </p:spPr>
@@ -33726,7 +34397,7 @@
             <a:effectLst/>
             <a:extLst>
               <a:ext uri="{C572A759-6A51-4108-AA02-DFA0A04FC94B}">
-                <ma14:wrappingTextBoxFlag xmlns:ma14="http://schemas.microsoft.com/office/mac/drawingml/2011/main" xmlns="" val="1"/>
+                <ma14:wrappingTextBoxFlag xmlns="" xmlns:ma14="http://schemas.microsoft.com/office/mac/drawingml/2011/main" val="1"/>
               </a:ext>
             </a:extLst>
           </p:spPr>
@@ -33842,7 +34513,7 @@
             <a:effectLst/>
             <a:extLst>
               <a:ext uri="{C572A759-6A51-4108-AA02-DFA0A04FC94B}">
-                <ma14:wrappingTextBoxFlag xmlns:ma14="http://schemas.microsoft.com/office/mac/drawingml/2011/main" xmlns="" val="1"/>
+                <ma14:wrappingTextBoxFlag xmlns="" xmlns:ma14="http://schemas.microsoft.com/office/mac/drawingml/2011/main" val="1"/>
               </a:ext>
             </a:extLst>
           </p:spPr>
@@ -35034,7 +35705,7 @@
             <a:effectLst/>
             <a:extLst>
               <a:ext uri="{C572A759-6A51-4108-AA02-DFA0A04FC94B}">
-                <ma14:wrappingTextBoxFlag xmlns:ma14="http://schemas.microsoft.com/office/mac/drawingml/2011/main" xmlns="" val="1"/>
+                <ma14:wrappingTextBoxFlag xmlns="" xmlns:ma14="http://schemas.microsoft.com/office/mac/drawingml/2011/main" val="1"/>
               </a:ext>
             </a:extLst>
           </p:spPr>
@@ -35150,7 +35821,7 @@
             <a:effectLst/>
             <a:extLst>
               <a:ext uri="{C572A759-6A51-4108-AA02-DFA0A04FC94B}">
-                <ma14:wrappingTextBoxFlag xmlns:ma14="http://schemas.microsoft.com/office/mac/drawingml/2011/main" xmlns="" val="1"/>
+                <ma14:wrappingTextBoxFlag xmlns="" xmlns:ma14="http://schemas.microsoft.com/office/mac/drawingml/2011/main" val="1"/>
               </a:ext>
             </a:extLst>
           </p:spPr>
@@ -35266,7 +35937,7 @@
             <a:effectLst/>
             <a:extLst>
               <a:ext uri="{C572A759-6A51-4108-AA02-DFA0A04FC94B}">
-                <ma14:wrappingTextBoxFlag xmlns:ma14="http://schemas.microsoft.com/office/mac/drawingml/2011/main" xmlns="" val="1"/>
+                <ma14:wrappingTextBoxFlag xmlns="" xmlns:ma14="http://schemas.microsoft.com/office/mac/drawingml/2011/main" val="1"/>
               </a:ext>
             </a:extLst>
           </p:spPr>
@@ -35677,7 +36348,7 @@
             <a:effectLst/>
             <a:extLst>
               <a:ext uri="{C572A759-6A51-4108-AA02-DFA0A04FC94B}">
-                <ma14:wrappingTextBoxFlag xmlns:ma14="http://schemas.microsoft.com/office/mac/drawingml/2011/main" xmlns="" val="1"/>
+                <ma14:wrappingTextBoxFlag xmlns="" xmlns:ma14="http://schemas.microsoft.com/office/mac/drawingml/2011/main" val="1"/>
               </a:ext>
             </a:extLst>
           </p:spPr>
@@ -35793,7 +36464,7 @@
             <a:effectLst/>
             <a:extLst>
               <a:ext uri="{C572A759-6A51-4108-AA02-DFA0A04FC94B}">
-                <ma14:wrappingTextBoxFlag xmlns:ma14="http://schemas.microsoft.com/office/mac/drawingml/2011/main" xmlns="" val="1"/>
+                <ma14:wrappingTextBoxFlag xmlns="" xmlns:ma14="http://schemas.microsoft.com/office/mac/drawingml/2011/main" val="1"/>
               </a:ext>
             </a:extLst>
           </p:spPr>
@@ -35909,7 +36580,7 @@
             <a:effectLst/>
             <a:extLst>
               <a:ext uri="{C572A759-6A51-4108-AA02-DFA0A04FC94B}">
-                <ma14:wrappingTextBoxFlag xmlns:ma14="http://schemas.microsoft.com/office/mac/drawingml/2011/main" xmlns="" val="1"/>
+                <ma14:wrappingTextBoxFlag xmlns="" xmlns:ma14="http://schemas.microsoft.com/office/mac/drawingml/2011/main" val="1"/>
               </a:ext>
             </a:extLst>
           </p:spPr>
@@ -36285,7 +36956,7 @@
             <a:effectLst/>
             <a:extLst>
               <a:ext uri="{C572A759-6A51-4108-AA02-DFA0A04FC94B}">
-                <ma14:wrappingTextBoxFlag xmlns:ma14="http://schemas.microsoft.com/office/mac/drawingml/2011/main" xmlns="" val="1"/>
+                <ma14:wrappingTextBoxFlag xmlns="" xmlns:ma14="http://schemas.microsoft.com/office/mac/drawingml/2011/main" val="1"/>
               </a:ext>
             </a:extLst>
           </p:spPr>
@@ -36418,7 +37089,7 @@
             <a:effectLst/>
             <a:extLst>
               <a:ext uri="{C572A759-6A51-4108-AA02-DFA0A04FC94B}">
-                <ma14:wrappingTextBoxFlag xmlns:ma14="http://schemas.microsoft.com/office/mac/drawingml/2011/main" xmlns="" val="1"/>
+                <ma14:wrappingTextBoxFlag xmlns="" xmlns:ma14="http://schemas.microsoft.com/office/mac/drawingml/2011/main" val="1"/>
               </a:ext>
             </a:extLst>
           </p:spPr>
@@ -36534,7 +37205,7 @@
             <a:effectLst/>
             <a:extLst>
               <a:ext uri="{C572A759-6A51-4108-AA02-DFA0A04FC94B}">
-                <ma14:wrappingTextBoxFlag xmlns:ma14="http://schemas.microsoft.com/office/mac/drawingml/2011/main" xmlns="" val="1"/>
+                <ma14:wrappingTextBoxFlag xmlns="" xmlns:ma14="http://schemas.microsoft.com/office/mac/drawingml/2011/main" val="1"/>
               </a:ext>
             </a:extLst>
           </p:spPr>
@@ -36747,7 +37418,7 @@
             <a:effectLst/>
             <a:extLst>
               <a:ext uri="{C572A759-6A51-4108-AA02-DFA0A04FC94B}">
-                <ma14:wrappingTextBoxFlag xmlns="" xmlns:ma14="http://schemas.microsoft.com/office/mac/drawingml/2011/main" val="1"/>
+                <ma14:wrappingTextBoxFlag xmlns:ma14="http://schemas.microsoft.com/office/mac/drawingml/2011/main" xmlns="" val="1"/>
               </a:ext>
             </a:extLst>
           </p:spPr>
@@ -36978,7 +37649,7 @@
               <a:effectLst/>
               <a:extLst>
                 <a:ext uri="{C572A759-6A51-4108-AA02-DFA0A04FC94B}">
-                  <ma14:wrappingTextBoxFlag xmlns="" xmlns:ma14="http://schemas.microsoft.com/office/mac/drawingml/2011/main" val="1"/>
+                  <ma14:wrappingTextBoxFlag xmlns:ma14="http://schemas.microsoft.com/office/mac/drawingml/2011/main" xmlns="" val="1"/>
                 </a:ext>
               </a:extLst>
             </p:spPr>
@@ -37444,7 +38115,7 @@
               <a:effectLst/>
               <a:extLst>
                 <a:ext uri="{C572A759-6A51-4108-AA02-DFA0A04FC94B}">
-                  <ma14:wrappingTextBoxFlag xmlns="" xmlns:ma14="http://schemas.microsoft.com/office/mac/drawingml/2011/main" val="1"/>
+                  <ma14:wrappingTextBoxFlag xmlns:ma14="http://schemas.microsoft.com/office/mac/drawingml/2011/main" xmlns="" val="1"/>
                 </a:ext>
               </a:extLst>
             </p:spPr>
@@ -38180,7 +38851,7 @@
               <a:effectLst/>
               <a:extLst>
                 <a:ext uri="{C572A759-6A51-4108-AA02-DFA0A04FC94B}">
-                  <ma14:wrappingTextBoxFlag xmlns="" xmlns:ma14="http://schemas.microsoft.com/office/mac/drawingml/2011/main" val="1"/>
+                  <ma14:wrappingTextBoxFlag xmlns:ma14="http://schemas.microsoft.com/office/mac/drawingml/2011/main" xmlns="" val="1"/>
                 </a:ext>
               </a:extLst>
             </p:spPr>
@@ -38672,7 +39343,7 @@
             <a:effectLst/>
             <a:extLst>
               <a:ext uri="{C572A759-6A51-4108-AA02-DFA0A04FC94B}">
-                <ma14:wrappingTextBoxFlag xmlns="" xmlns:ma14="http://schemas.microsoft.com/office/mac/drawingml/2011/main" val="1"/>
+                <ma14:wrappingTextBoxFlag xmlns:ma14="http://schemas.microsoft.com/office/mac/drawingml/2011/main" xmlns="" val="1"/>
               </a:ext>
             </a:extLst>
           </p:spPr>
@@ -38805,7 +39476,7 @@
             <a:effectLst/>
             <a:extLst>
               <a:ext uri="{C572A759-6A51-4108-AA02-DFA0A04FC94B}">
-                <ma14:wrappingTextBoxFlag xmlns="" xmlns:ma14="http://schemas.microsoft.com/office/mac/drawingml/2011/main" val="1"/>
+                <ma14:wrappingTextBoxFlag xmlns:ma14="http://schemas.microsoft.com/office/mac/drawingml/2011/main" xmlns="" val="1"/>
               </a:ext>
             </a:extLst>
           </p:spPr>
@@ -38938,7 +39609,7 @@
             <a:effectLst/>
             <a:extLst>
               <a:ext uri="{C572A759-6A51-4108-AA02-DFA0A04FC94B}">
-                <ma14:wrappingTextBoxFlag xmlns:ma14="http://schemas.microsoft.com/office/mac/drawingml/2011/main" xmlns="" val="1"/>
+                <ma14:wrappingTextBoxFlag xmlns="" xmlns:ma14="http://schemas.microsoft.com/office/mac/drawingml/2011/main" val="1"/>
               </a:ext>
             </a:extLst>
           </p:spPr>
@@ -39169,7 +39840,7 @@
               <a:effectLst/>
               <a:extLst>
                 <a:ext uri="{C572A759-6A51-4108-AA02-DFA0A04FC94B}">
-                  <ma14:wrappingTextBoxFlag xmlns:ma14="http://schemas.microsoft.com/office/mac/drawingml/2011/main" xmlns="" val="1"/>
+                  <ma14:wrappingTextBoxFlag xmlns="" xmlns:ma14="http://schemas.microsoft.com/office/mac/drawingml/2011/main" val="1"/>
                 </a:ext>
               </a:extLst>
             </p:spPr>
@@ -39547,7 +40218,7 @@
               <a:effectLst/>
               <a:extLst>
                 <a:ext uri="{C572A759-6A51-4108-AA02-DFA0A04FC94B}">
-                  <ma14:wrappingTextBoxFlag xmlns:ma14="http://schemas.microsoft.com/office/mac/drawingml/2011/main" xmlns="" val="1"/>
+                  <ma14:wrappingTextBoxFlag xmlns="" xmlns:ma14="http://schemas.microsoft.com/office/mac/drawingml/2011/main" val="1"/>
                 </a:ext>
               </a:extLst>
             </p:spPr>
@@ -40283,7 +40954,7 @@
               <a:effectLst/>
               <a:extLst>
                 <a:ext uri="{C572A759-6A51-4108-AA02-DFA0A04FC94B}">
-                  <ma14:wrappingTextBoxFlag xmlns:ma14="http://schemas.microsoft.com/office/mac/drawingml/2011/main" xmlns="" val="1"/>
+                  <ma14:wrappingTextBoxFlag xmlns="" xmlns:ma14="http://schemas.microsoft.com/office/mac/drawingml/2011/main" val="1"/>
                 </a:ext>
               </a:extLst>
             </p:spPr>
@@ -40523,7 +41194,7 @@
             <a:effectLst/>
             <a:extLst>
               <a:ext uri="{C572A759-6A51-4108-AA02-DFA0A04FC94B}">
-                <ma14:wrappingTextBoxFlag xmlns:ma14="http://schemas.microsoft.com/office/mac/drawingml/2011/main" xmlns="" val="1"/>
+                <ma14:wrappingTextBoxFlag xmlns="" xmlns:ma14="http://schemas.microsoft.com/office/mac/drawingml/2011/main" val="1"/>
               </a:ext>
             </a:extLst>
           </p:spPr>
@@ -40776,7 +41447,7 @@
             <a:effectLst/>
             <a:extLst>
               <a:ext uri="{C572A759-6A51-4108-AA02-DFA0A04FC94B}">
-                <ma14:wrappingTextBoxFlag xmlns:ma14="http://schemas.microsoft.com/office/mac/drawingml/2011/main" xmlns="" val="1"/>
+                <ma14:wrappingTextBoxFlag xmlns="" xmlns:ma14="http://schemas.microsoft.com/office/mac/drawingml/2011/main" val="1"/>
               </a:ext>
             </a:extLst>
           </p:spPr>
@@ -41108,7 +41779,7 @@
               <a:effectLst/>
               <a:extLst>
                 <a:ext uri="{C572A759-6A51-4108-AA02-DFA0A04FC94B}">
-                  <ma14:wrappingTextBoxFlag xmlns:ma14="http://schemas.microsoft.com/office/mac/drawingml/2011/main" xmlns="" val="1"/>
+                  <ma14:wrappingTextBoxFlag xmlns="" xmlns:ma14="http://schemas.microsoft.com/office/mac/drawingml/2011/main" val="1"/>
                 </a:ext>
               </a:extLst>
             </p:spPr>
@@ -41301,7 +41972,7 @@
             <a:effectLst/>
             <a:extLst>
               <a:ext uri="{C572A759-6A51-4108-AA02-DFA0A04FC94B}">
-                <ma14:wrappingTextBoxFlag xmlns:ma14="http://schemas.microsoft.com/office/mac/drawingml/2011/main" xmlns="" val="1"/>
+                <ma14:wrappingTextBoxFlag xmlns="" xmlns:ma14="http://schemas.microsoft.com/office/mac/drawingml/2011/main" val="1"/>
               </a:ext>
             </a:extLst>
           </p:spPr>

--- a/docs/Diagrams.pptx
+++ b/docs/Diagrams.pptx
@@ -6,7 +6,7 @@
     <p:sldMasterId id="2147484308" r:id="rId2"/>
   </p:sldMasterIdLst>
   <p:notesMasterIdLst>
-    <p:notesMasterId r:id="rId18"/>
+    <p:notesMasterId r:id="rId19"/>
   </p:notesMasterIdLst>
   <p:sldIdLst>
     <p:sldId id="2670" r:id="rId3"/>
@@ -24,6 +24,7 @@
     <p:sldId id="2682" r:id="rId15"/>
     <p:sldId id="2683" r:id="rId16"/>
     <p:sldId id="2684" r:id="rId17"/>
+    <p:sldId id="2685" r:id="rId18"/>
   </p:sldIdLst>
   <p:sldSz cx="12192000" cy="6858000"/>
   <p:notesSz cx="7086600" cy="9372600"/>
@@ -286,7 +287,7 @@
               <a:pPr>
                 <a:defRPr/>
               </a:pPr>
-              <a:t>5/3/21</a:t>
+              <a:t>5/16/21</a:t>
             </a:fld>
             <a:endParaRPr lang="en-US"/>
           </a:p>
@@ -9164,7 +9165,7 @@
             <a:effectLst/>
             <a:extLst>
               <a:ext uri="{C572A759-6A51-4108-AA02-DFA0A04FC94B}">
-                <ma14:wrappingTextBoxFlag xmlns="" xmlns:ma14="http://schemas.microsoft.com/office/mac/drawingml/2011/main" val="1"/>
+                <ma14:wrappingTextBoxFlag xmlns:ma14="http://schemas.microsoft.com/office/mac/drawingml/2011/main" xmlns="" val="1"/>
               </a:ext>
             </a:extLst>
           </p:spPr>
@@ -9980,7 +9981,7 @@
             <a:effectLst/>
             <a:extLst>
               <a:ext uri="{C572A759-6A51-4108-AA02-DFA0A04FC94B}">
-                <ma14:wrappingTextBoxFlag xmlns="" xmlns:ma14="http://schemas.microsoft.com/office/mac/drawingml/2011/main" val="1"/>
+                <ma14:wrappingTextBoxFlag xmlns:ma14="http://schemas.microsoft.com/office/mac/drawingml/2011/main" xmlns="" val="1"/>
               </a:ext>
             </a:extLst>
           </p:spPr>
@@ -10096,7 +10097,7 @@
             <a:effectLst/>
             <a:extLst>
               <a:ext uri="{C572A759-6A51-4108-AA02-DFA0A04FC94B}">
-                <ma14:wrappingTextBoxFlag xmlns="" xmlns:ma14="http://schemas.microsoft.com/office/mac/drawingml/2011/main" val="1"/>
+                <ma14:wrappingTextBoxFlag xmlns:ma14="http://schemas.microsoft.com/office/mac/drawingml/2011/main" xmlns="" val="1"/>
               </a:ext>
             </a:extLst>
           </p:spPr>
@@ -10276,7 +10277,7 @@
             <a:effectLst/>
             <a:extLst>
               <a:ext uri="{C572A759-6A51-4108-AA02-DFA0A04FC94B}">
-                <ma14:wrappingTextBoxFlag xmlns:ma14="http://schemas.microsoft.com/office/mac/drawingml/2011/main" xmlns="" val="1"/>
+                <ma14:wrappingTextBoxFlag xmlns="" xmlns:ma14="http://schemas.microsoft.com/office/mac/drawingml/2011/main" val="1"/>
               </a:ext>
             </a:extLst>
           </p:spPr>
@@ -10591,7 +10592,7 @@
               <a:effectLst/>
               <a:extLst>
                 <a:ext uri="{C572A759-6A51-4108-AA02-DFA0A04FC94B}">
-                  <ma14:wrappingTextBoxFlag xmlns="" xmlns:ma14="http://schemas.microsoft.com/office/mac/drawingml/2011/main" val="1"/>
+                  <ma14:wrappingTextBoxFlag xmlns:ma14="http://schemas.microsoft.com/office/mac/drawingml/2011/main" xmlns="" val="1"/>
                 </a:ext>
               </a:extLst>
             </p:spPr>
@@ -10805,7 +10806,7 @@
               <a:effectLst/>
               <a:extLst>
                 <a:ext uri="{C572A759-6A51-4108-AA02-DFA0A04FC94B}">
-                  <ma14:wrappingTextBoxFlag xmlns="" xmlns:ma14="http://schemas.microsoft.com/office/mac/drawingml/2011/main" val="1"/>
+                  <ma14:wrappingTextBoxFlag xmlns:ma14="http://schemas.microsoft.com/office/mac/drawingml/2011/main" xmlns="" val="1"/>
                 </a:ext>
               </a:extLst>
             </p:spPr>
@@ -11087,7 +11088,7 @@
             <a:effectLst/>
             <a:extLst>
               <a:ext uri="{C572A759-6A51-4108-AA02-DFA0A04FC94B}">
-                <ma14:wrappingTextBoxFlag xmlns="" xmlns:ma14="http://schemas.microsoft.com/office/mac/drawingml/2011/main" val="1"/>
+                <ma14:wrappingTextBoxFlag xmlns:ma14="http://schemas.microsoft.com/office/mac/drawingml/2011/main" xmlns="" val="1"/>
               </a:ext>
             </a:extLst>
           </p:spPr>
@@ -11203,7 +11204,7 @@
             <a:effectLst/>
             <a:extLst>
               <a:ext uri="{C572A759-6A51-4108-AA02-DFA0A04FC94B}">
-                <ma14:wrappingTextBoxFlag xmlns="" xmlns:ma14="http://schemas.microsoft.com/office/mac/drawingml/2011/main" val="1"/>
+                <ma14:wrappingTextBoxFlag xmlns:ma14="http://schemas.microsoft.com/office/mac/drawingml/2011/main" xmlns="" val="1"/>
               </a:ext>
             </a:extLst>
           </p:spPr>
@@ -12341,7 +12342,7 @@
             <a:effectLst/>
             <a:extLst>
               <a:ext uri="{C572A759-6A51-4108-AA02-DFA0A04FC94B}">
-                <ma14:wrappingTextBoxFlag xmlns:ma14="http://schemas.microsoft.com/office/mac/drawingml/2011/main" xmlns="" val="1"/>
+                <ma14:wrappingTextBoxFlag xmlns="" xmlns:ma14="http://schemas.microsoft.com/office/mac/drawingml/2011/main" val="1"/>
               </a:ext>
             </a:extLst>
           </p:spPr>
@@ -12474,7 +12475,7 @@
             <a:effectLst/>
             <a:extLst>
               <a:ext uri="{C572A759-6A51-4108-AA02-DFA0A04FC94B}">
-                <ma14:wrappingTextBoxFlag xmlns:ma14="http://schemas.microsoft.com/office/mac/drawingml/2011/main" xmlns="" val="1"/>
+                <ma14:wrappingTextBoxFlag xmlns="" xmlns:ma14="http://schemas.microsoft.com/office/mac/drawingml/2011/main" val="1"/>
               </a:ext>
             </a:extLst>
           </p:spPr>
@@ -12786,7 +12787,7 @@
               <a:effectLst/>
               <a:extLst>
                 <a:ext uri="{C572A759-6A51-4108-AA02-DFA0A04FC94B}">
-                  <ma14:wrappingTextBoxFlag xmlns="" xmlns:ma14="http://schemas.microsoft.com/office/mac/drawingml/2011/main" val="1"/>
+                  <ma14:wrappingTextBoxFlag xmlns:ma14="http://schemas.microsoft.com/office/mac/drawingml/2011/main" xmlns="" val="1"/>
                 </a:ext>
               </a:extLst>
             </p:spPr>
@@ -13210,7 +13211,7 @@
               <a:effectLst/>
               <a:extLst>
                 <a:ext uri="{C572A759-6A51-4108-AA02-DFA0A04FC94B}">
-                  <ma14:wrappingTextBoxFlag xmlns="" xmlns:ma14="http://schemas.microsoft.com/office/mac/drawingml/2011/main" val="1"/>
+                  <ma14:wrappingTextBoxFlag xmlns:ma14="http://schemas.microsoft.com/office/mac/drawingml/2011/main" xmlns="" val="1"/>
                 </a:ext>
               </a:extLst>
             </p:spPr>
@@ -13861,7 +13862,7 @@
             <a:effectLst/>
             <a:extLst>
               <a:ext uri="{C572A759-6A51-4108-AA02-DFA0A04FC94B}">
-                <ma14:wrappingTextBoxFlag xmlns="" xmlns:ma14="http://schemas.microsoft.com/office/mac/drawingml/2011/main" val="1"/>
+                <ma14:wrappingTextBoxFlag xmlns:ma14="http://schemas.microsoft.com/office/mac/drawingml/2011/main" xmlns="" val="1"/>
               </a:ext>
             </a:extLst>
           </p:spPr>
@@ -14116,7 +14117,7 @@
             <a:effectLst/>
             <a:extLst>
               <a:ext uri="{C572A759-6A51-4108-AA02-DFA0A04FC94B}">
-                <ma14:wrappingTextBoxFlag xmlns:ma14="http://schemas.microsoft.com/office/mac/drawingml/2011/main" xmlns="" val="1"/>
+                <ma14:wrappingTextBoxFlag xmlns="" xmlns:ma14="http://schemas.microsoft.com/office/mac/drawingml/2011/main" val="1"/>
               </a:ext>
             </a:extLst>
           </p:spPr>
@@ -14364,7 +14365,7 @@
               <a:effectLst/>
               <a:extLst>
                 <a:ext uri="{C572A759-6A51-4108-AA02-DFA0A04FC94B}">
-                  <ma14:wrappingTextBoxFlag xmlns="" xmlns:ma14="http://schemas.microsoft.com/office/mac/drawingml/2011/main" val="1"/>
+                  <ma14:wrappingTextBoxFlag xmlns:ma14="http://schemas.microsoft.com/office/mac/drawingml/2011/main" xmlns="" val="1"/>
                 </a:ext>
               </a:extLst>
             </p:spPr>
@@ -14662,7 +14663,7 @@
               <a:effectLst/>
               <a:extLst>
                 <a:ext uri="{C572A759-6A51-4108-AA02-DFA0A04FC94B}">
-                  <ma14:wrappingTextBoxFlag xmlns="" xmlns:ma14="http://schemas.microsoft.com/office/mac/drawingml/2011/main" val="1"/>
+                  <ma14:wrappingTextBoxFlag xmlns:ma14="http://schemas.microsoft.com/office/mac/drawingml/2011/main" xmlns="" val="1"/>
                 </a:ext>
               </a:extLst>
             </p:spPr>
@@ -15972,7 +15973,7 @@
             <a:effectLst/>
             <a:extLst>
               <a:ext uri="{C572A759-6A51-4108-AA02-DFA0A04FC94B}">
-                <ma14:wrappingTextBoxFlag xmlns:ma14="http://schemas.microsoft.com/office/mac/drawingml/2011/main" xmlns="" val="1"/>
+                <ma14:wrappingTextBoxFlag xmlns="" xmlns:ma14="http://schemas.microsoft.com/office/mac/drawingml/2011/main" val="1"/>
               </a:ext>
             </a:extLst>
           </p:spPr>
@@ -16088,7 +16089,7 @@
             <a:effectLst/>
             <a:extLst>
               <a:ext uri="{C572A759-6A51-4108-AA02-DFA0A04FC94B}">
-                <ma14:wrappingTextBoxFlag xmlns:ma14="http://schemas.microsoft.com/office/mac/drawingml/2011/main" xmlns="" val="1"/>
+                <ma14:wrappingTextBoxFlag xmlns="" xmlns:ma14="http://schemas.microsoft.com/office/mac/drawingml/2011/main" val="1"/>
               </a:ext>
             </a:extLst>
           </p:spPr>
@@ -16509,7 +16510,7 @@
             <a:effectLst/>
             <a:extLst>
               <a:ext uri="{C572A759-6A51-4108-AA02-DFA0A04FC94B}">
-                <ma14:wrappingTextBoxFlag xmlns:ma14="http://schemas.microsoft.com/office/mac/drawingml/2011/main" xmlns="" val="1"/>
+                <ma14:wrappingTextBoxFlag xmlns="" xmlns:ma14="http://schemas.microsoft.com/office/mac/drawingml/2011/main" val="1"/>
               </a:ext>
             </a:extLst>
           </p:spPr>
@@ -16668,7 +16669,7 @@
             <a:effectLst/>
             <a:extLst>
               <a:ext uri="{C572A759-6A51-4108-AA02-DFA0A04FC94B}">
-                <ma14:wrappingTextBoxFlag xmlns="" xmlns:ma14="http://schemas.microsoft.com/office/mac/drawingml/2011/main" val="1"/>
+                <ma14:wrappingTextBoxFlag xmlns:ma14="http://schemas.microsoft.com/office/mac/drawingml/2011/main" xmlns="" val="1"/>
               </a:ext>
             </a:extLst>
           </p:spPr>
@@ -17187,7 +17188,7 @@
               <a:effectLst/>
               <a:extLst>
                 <a:ext uri="{C572A759-6A51-4108-AA02-DFA0A04FC94B}">
-                  <ma14:wrappingTextBoxFlag xmlns="" xmlns:ma14="http://schemas.microsoft.com/office/mac/drawingml/2011/main" val="1"/>
+                  <ma14:wrappingTextBoxFlag xmlns:ma14="http://schemas.microsoft.com/office/mac/drawingml/2011/main" xmlns="" val="1"/>
                 </a:ext>
               </a:extLst>
             </p:spPr>
@@ -17337,7 +17338,7 @@
             <a:effectLst/>
             <a:extLst>
               <a:ext uri="{C572A759-6A51-4108-AA02-DFA0A04FC94B}">
-                <ma14:wrappingTextBoxFlag xmlns:ma14="http://schemas.microsoft.com/office/mac/drawingml/2011/main" xmlns="" val="1"/>
+                <ma14:wrappingTextBoxFlag xmlns="" xmlns:ma14="http://schemas.microsoft.com/office/mac/drawingml/2011/main" val="1"/>
               </a:ext>
             </a:extLst>
           </p:spPr>
@@ -17497,7 +17498,7 @@
             <a:effectLst/>
             <a:extLst>
               <a:ext uri="{C572A759-6A51-4108-AA02-DFA0A04FC94B}">
-                <ma14:wrappingTextBoxFlag xmlns="" xmlns:ma14="http://schemas.microsoft.com/office/mac/drawingml/2011/main" val="1"/>
+                <ma14:wrappingTextBoxFlag xmlns:ma14="http://schemas.microsoft.com/office/mac/drawingml/2011/main" xmlns="" val="1"/>
               </a:ext>
             </a:extLst>
           </p:spPr>
@@ -17798,7 +17799,7 @@
               <a:effectLst/>
               <a:extLst>
                 <a:ext uri="{C572A759-6A51-4108-AA02-DFA0A04FC94B}">
-                  <ma14:wrappingTextBoxFlag xmlns="" xmlns:ma14="http://schemas.microsoft.com/office/mac/drawingml/2011/main" val="1"/>
+                  <ma14:wrappingTextBoxFlag xmlns:ma14="http://schemas.microsoft.com/office/mac/drawingml/2011/main" xmlns="" val="1"/>
                 </a:ext>
               </a:extLst>
             </p:spPr>
@@ -21884,6 +21885,1279 @@
 </p:sld>
 </file>
 
+<file path=ppt/slides/slide16.xml><?xml version="1.0" encoding="utf-8"?>
+<p:sld xmlns:a="http://schemas.openxmlformats.org/drawingml/2006/main" xmlns:r="http://schemas.openxmlformats.org/officeDocument/2006/relationships" xmlns:p="http://schemas.openxmlformats.org/presentationml/2006/main">
+  <p:cSld>
+    <p:spTree>
+      <p:nvGrpSpPr>
+        <p:cNvPr id="1" name=""/>
+        <p:cNvGrpSpPr/>
+        <p:nvPr/>
+      </p:nvGrpSpPr>
+      <p:grpSpPr>
+        <a:xfrm>
+          <a:off x="0" y="0"/>
+          <a:ext cx="0" cy="0"/>
+          <a:chOff x="0" y="0"/>
+          <a:chExt cx="0" cy="0"/>
+        </a:xfrm>
+      </p:grpSpPr>
+      <p:sp>
+        <p:nvSpPr>
+          <p:cNvPr id="2" name="Title 1">
+            <a:extLst>
+              <a:ext uri="{FF2B5EF4-FFF2-40B4-BE49-F238E27FC236}">
+                <a16:creationId xmlns:a16="http://schemas.microsoft.com/office/drawing/2014/main" id="{70F591F0-5F5A-024B-9AB3-82538EA75689}"/>
+              </a:ext>
+            </a:extLst>
+          </p:cNvPr>
+          <p:cNvSpPr>
+            <a:spLocks noGrp="1"/>
+          </p:cNvSpPr>
+          <p:nvPr>
+            <p:ph type="title"/>
+          </p:nvPr>
+        </p:nvSpPr>
+        <p:spPr>
+          <a:xfrm>
+            <a:off x="609644" y="247652"/>
+            <a:ext cx="10993967" cy="342900"/>
+          </a:xfrm>
+        </p:spPr>
+        <p:txBody>
+          <a:bodyPr/>
+          <a:lstStyle/>
+          <a:p>
+            <a:r>
+              <a:rPr lang="en-US" dirty="0"/>
+              <a:t>KAR</a:t>
+            </a:r>
+          </a:p>
+        </p:txBody>
+      </p:sp>
+      <p:sp>
+        <p:nvSpPr>
+          <p:cNvPr id="13" name="Content Placeholder 12">
+            <a:extLst>
+              <a:ext uri="{FF2B5EF4-FFF2-40B4-BE49-F238E27FC236}">
+                <a16:creationId xmlns:a16="http://schemas.microsoft.com/office/drawing/2014/main" id="{C412286E-D559-6240-864B-B67AC135D707}"/>
+              </a:ext>
+            </a:extLst>
+          </p:cNvPr>
+          <p:cNvSpPr>
+            <a:spLocks noGrp="1"/>
+          </p:cNvSpPr>
+          <p:nvPr>
+            <p:ph idx="1"/>
+          </p:nvPr>
+        </p:nvSpPr>
+        <p:spPr>
+          <a:xfrm>
+            <a:off x="7239086" y="1447800"/>
+            <a:ext cx="4648114" cy="5257800"/>
+          </a:xfrm>
+        </p:spPr>
+        <p:txBody>
+          <a:bodyPr/>
+          <a:lstStyle/>
+          <a:p>
+            <a:pPr marL="0" indent="0">
+              <a:buNone/>
+            </a:pPr>
+            <a:r>
+              <a:rPr lang="en-US" sz="1600" dirty="0"/>
+              <a:t>KAR runtime makes it easy to </a:t>
+            </a:r>
+            <a:r>
+              <a:rPr lang="en-US" sz="1600" i="1" dirty="0"/>
+              <a:t>develop</a:t>
+            </a:r>
+            <a:r>
+              <a:rPr lang="en-US" sz="1600" dirty="0"/>
+              <a:t> and </a:t>
+            </a:r>
+            <a:r>
+              <a:rPr lang="en-US" sz="1600" i="1" dirty="0"/>
+              <a:t>run</a:t>
+            </a:r>
+            <a:r>
+              <a:rPr lang="en-US" sz="1600" dirty="0"/>
+              <a:t> stateful, scalable, resilient applications for the </a:t>
+            </a:r>
+            <a:r>
+              <a:rPr lang="en-US" sz="1600" i="1" dirty="0"/>
+              <a:t>hybrid cloud</a:t>
+            </a:r>
+            <a:r>
+              <a:rPr lang="en-US" sz="1600" dirty="0"/>
+              <a:t> that combine microservices and managed services</a:t>
+            </a:r>
+          </a:p>
+          <a:p>
+            <a:pPr marL="0" indent="0">
+              <a:buNone/>
+            </a:pPr>
+            <a:endParaRPr lang="en-US" sz="1600" dirty="0"/>
+          </a:p>
+          <a:p>
+            <a:pPr marL="0" indent="0">
+              <a:buNone/>
+            </a:pPr>
+            <a:r>
+              <a:rPr lang="en-US" sz="1600" dirty="0"/>
+              <a:t>Persist states in Redis</a:t>
+            </a:r>
+          </a:p>
+          <a:p>
+            <a:pPr marL="0" indent="0">
+              <a:buNone/>
+            </a:pPr>
+            <a:endParaRPr lang="en-US" sz="1600" dirty="0"/>
+          </a:p>
+          <a:p>
+            <a:pPr marL="0" indent="0">
+              <a:buNone/>
+            </a:pPr>
+            <a:r>
+              <a:rPr lang="en-US" sz="1600" dirty="0"/>
+              <a:t>Leverage Kafka for asynchronous communication</a:t>
+            </a:r>
+          </a:p>
+          <a:p>
+            <a:pPr marL="0" indent="0">
+              <a:buNone/>
+            </a:pPr>
+            <a:endParaRPr lang="en-US" sz="1600" dirty="0"/>
+          </a:p>
+          <a:p>
+            <a:pPr marL="0" indent="0">
+              <a:buNone/>
+            </a:pPr>
+            <a:r>
+              <a:rPr lang="en-US" sz="1600" dirty="0"/>
+              <a:t>Integrate with source and sink via Camel connectors</a:t>
+            </a:r>
+          </a:p>
+          <a:p>
+            <a:pPr marL="0" indent="0">
+              <a:buNone/>
+            </a:pPr>
+            <a:endParaRPr lang="en-US" sz="1600" dirty="0"/>
+          </a:p>
+          <a:p>
+            <a:pPr marL="0" indent="0">
+              <a:buNone/>
+            </a:pPr>
+            <a:r>
+              <a:rPr lang="en-US" sz="1600" dirty="0"/>
+              <a:t>KAR mesh can spread between environments</a:t>
+            </a:r>
+          </a:p>
+        </p:txBody>
+      </p:sp>
+      <p:sp>
+        <p:nvSpPr>
+          <p:cNvPr id="3" name="Slide Number Placeholder 2">
+            <a:extLst>
+              <a:ext uri="{FF2B5EF4-FFF2-40B4-BE49-F238E27FC236}">
+                <a16:creationId xmlns:a16="http://schemas.microsoft.com/office/drawing/2014/main" id="{E5C81BE9-47C6-2E4B-A85F-02B6E9FAE09E}"/>
+              </a:ext>
+            </a:extLst>
+          </p:cNvPr>
+          <p:cNvSpPr>
+            <a:spLocks noGrp="1"/>
+          </p:cNvSpPr>
+          <p:nvPr>
+            <p:ph type="sldNum" sz="quarter" idx="10"/>
+          </p:nvPr>
+        </p:nvSpPr>
+        <p:spPr/>
+        <p:txBody>
+          <a:bodyPr/>
+          <a:lstStyle/>
+          <a:p>
+            <a:pPr defTabSz="911231" eaLnBrk="1" fontAlgn="auto" hangingPunct="1">
+              <a:spcBef>
+                <a:spcPts val="0"/>
+              </a:spcBef>
+              <a:spcAft>
+                <a:spcPts val="0"/>
+              </a:spcAft>
+              <a:defRPr/>
+            </a:pPr>
+            <a:r>
+              <a:rPr lang="en-US" altLang="en-US">
+                <a:solidFill>
+                  <a:srgbClr val="FFFFFF"/>
+                </a:solidFill>
+                <a:latin typeface="Arial"/>
+                <a:ea typeface="ＭＳ Ｐゴシック" charset="0"/>
+                <a:cs typeface="Arial"/>
+                <a:sym typeface="Helvetica" charset="0"/>
+              </a:rPr>
+              <a:t>IBM Confidential – Page </a:t>
+            </a:r>
+            <a:fld id="{E29CC0C0-E046-4664-B80A-AA818B18C835}" type="slidenum">
+              <a:rPr lang="en-US" altLang="en-US" smtClean="0">
+                <a:solidFill>
+                  <a:srgbClr val="FFFFFF"/>
+                </a:solidFill>
+                <a:latin typeface="Arial"/>
+                <a:ea typeface="ＭＳ Ｐゴシック" charset="0"/>
+                <a:cs typeface="Arial"/>
+                <a:sym typeface="Helvetica" charset="0"/>
+              </a:rPr>
+              <a:pPr defTabSz="911231" eaLnBrk="1" fontAlgn="auto" hangingPunct="1">
+                <a:spcBef>
+                  <a:spcPts val="0"/>
+                </a:spcBef>
+                <a:spcAft>
+                  <a:spcPts val="0"/>
+                </a:spcAft>
+                <a:defRPr/>
+              </a:pPr>
+              <a:t>16</a:t>
+            </a:fld>
+            <a:endParaRPr lang="en-US" altLang="en-US">
+              <a:solidFill>
+                <a:srgbClr val="FFFFFF"/>
+              </a:solidFill>
+              <a:latin typeface="Arial"/>
+              <a:ea typeface="ＭＳ Ｐゴシック" charset="0"/>
+              <a:cs typeface="Arial"/>
+              <a:sym typeface="Helvetica" charset="0"/>
+            </a:endParaRPr>
+          </a:p>
+        </p:txBody>
+      </p:sp>
+      <p:sp>
+        <p:nvSpPr>
+          <p:cNvPr id="6" name="Rounded Rectangle 5">
+            <a:extLst>
+              <a:ext uri="{FF2B5EF4-FFF2-40B4-BE49-F238E27FC236}">
+                <a16:creationId xmlns:a16="http://schemas.microsoft.com/office/drawing/2014/main" id="{56109B89-C21A-0C45-BA8E-38DA913A240F}"/>
+              </a:ext>
+            </a:extLst>
+          </p:cNvPr>
+          <p:cNvSpPr/>
+          <p:nvPr/>
+        </p:nvSpPr>
+        <p:spPr>
+          <a:xfrm>
+            <a:off x="153743" y="729975"/>
+            <a:ext cx="6629442" cy="5747022"/>
+          </a:xfrm>
+          <a:prstGeom prst="roundRect">
+            <a:avLst>
+              <a:gd name="adj" fmla="val 2992"/>
+            </a:avLst>
+          </a:prstGeom>
+          <a:noFill/>
+          <a:ln>
+            <a:solidFill>
+              <a:schemeClr val="tx1"/>
+            </a:solidFill>
+            <a:prstDash val="dash"/>
+          </a:ln>
+        </p:spPr>
+        <p:style>
+          <a:lnRef idx="2">
+            <a:schemeClr val="accent1">
+              <a:shade val="50000"/>
+            </a:schemeClr>
+          </a:lnRef>
+          <a:fillRef idx="1">
+            <a:schemeClr val="accent1"/>
+          </a:fillRef>
+          <a:effectRef idx="0">
+            <a:schemeClr val="accent1"/>
+          </a:effectRef>
+          <a:fontRef idx="minor">
+            <a:schemeClr val="lt1"/>
+          </a:fontRef>
+        </p:style>
+        <p:txBody>
+          <a:bodyPr rtlCol="0" anchor="b"/>
+          <a:lstStyle/>
+          <a:p>
+            <a:pPr algn="ctr"/>
+            <a:r>
+              <a:rPr lang="en-US" sz="1200" dirty="0">
+                <a:solidFill>
+                  <a:schemeClr val="accent1">
+                    <a:lumMod val="25000"/>
+                  </a:schemeClr>
+                </a:solidFill>
+              </a:rPr>
+              <a:t>Cloud or On-Premise Data Center</a:t>
+            </a:r>
+            <a:endParaRPr sz="1200" dirty="0">
+              <a:solidFill>
+                <a:schemeClr val="accent1">
+                  <a:lumMod val="25000"/>
+                </a:schemeClr>
+              </a:solidFill>
+            </a:endParaRPr>
+          </a:p>
+        </p:txBody>
+      </p:sp>
+      <p:sp>
+        <p:nvSpPr>
+          <p:cNvPr id="9" name="Rectangle 8">
+            <a:extLst>
+              <a:ext uri="{FF2B5EF4-FFF2-40B4-BE49-F238E27FC236}">
+                <a16:creationId xmlns:a16="http://schemas.microsoft.com/office/drawing/2014/main" id="{C4B9F69B-26D4-044C-82BA-5B135C64AD76}"/>
+              </a:ext>
+            </a:extLst>
+          </p:cNvPr>
+          <p:cNvSpPr/>
+          <p:nvPr/>
+        </p:nvSpPr>
+        <p:spPr>
+          <a:xfrm>
+            <a:off x="495122" y="3077554"/>
+            <a:ext cx="1454551" cy="438587"/>
+          </a:xfrm>
+          <a:prstGeom prst="rect">
+            <a:avLst/>
+          </a:prstGeom>
+          <a:solidFill>
+            <a:srgbClr val="4040EA"/>
+          </a:solidFill>
+          <a:ln>
+            <a:noFill/>
+          </a:ln>
+          <a:effectLst>
+            <a:outerShdw blurRad="50800" dist="38100" dir="5400000" algn="t" rotWithShape="0">
+              <a:prstClr val="black">
+                <a:alpha val="40000"/>
+              </a:prstClr>
+            </a:outerShdw>
+          </a:effectLst>
+        </p:spPr>
+        <p:style>
+          <a:lnRef idx="2">
+            <a:schemeClr val="accent1">
+              <a:shade val="50000"/>
+            </a:schemeClr>
+          </a:lnRef>
+          <a:fillRef idx="1">
+            <a:schemeClr val="accent1"/>
+          </a:fillRef>
+          <a:effectRef idx="0">
+            <a:schemeClr val="accent1"/>
+          </a:effectRef>
+          <a:fontRef idx="minor">
+            <a:schemeClr val="lt1"/>
+          </a:fontRef>
+        </p:style>
+        <p:txBody>
+          <a:bodyPr rtlCol="0" anchor="ctr"/>
+          <a:lstStyle/>
+          <a:p>
+            <a:pPr algn="ctr"/>
+            <a:r>
+              <a:rPr lang="en-US" sz="1200" dirty="0">
+                <a:solidFill>
+                  <a:schemeClr val="bg1"/>
+                </a:solidFill>
+              </a:rPr>
+              <a:t>Service app</a:t>
+            </a:r>
+          </a:p>
+        </p:txBody>
+      </p:sp>
+      <p:sp>
+        <p:nvSpPr>
+          <p:cNvPr id="12" name="Rectangle 11">
+            <a:extLst>
+              <a:ext uri="{FF2B5EF4-FFF2-40B4-BE49-F238E27FC236}">
+                <a16:creationId xmlns:a16="http://schemas.microsoft.com/office/drawing/2014/main" id="{02564780-DF20-2942-B672-E66FF79C2B3B}"/>
+              </a:ext>
+            </a:extLst>
+          </p:cNvPr>
+          <p:cNvSpPr/>
+          <p:nvPr/>
+        </p:nvSpPr>
+        <p:spPr>
+          <a:xfrm>
+            <a:off x="495122" y="2469523"/>
+            <a:ext cx="1454551" cy="438587"/>
+          </a:xfrm>
+          <a:prstGeom prst="rect">
+            <a:avLst/>
+          </a:prstGeom>
+          <a:solidFill>
+            <a:srgbClr val="4040EA"/>
+          </a:solidFill>
+          <a:ln>
+            <a:noFill/>
+          </a:ln>
+          <a:effectLst>
+            <a:outerShdw blurRad="50800" dist="38100" dir="5400000" algn="t" rotWithShape="0">
+              <a:prstClr val="black">
+                <a:alpha val="40000"/>
+              </a:prstClr>
+            </a:outerShdw>
+          </a:effectLst>
+        </p:spPr>
+        <p:style>
+          <a:lnRef idx="2">
+            <a:schemeClr val="accent1">
+              <a:shade val="50000"/>
+            </a:schemeClr>
+          </a:lnRef>
+          <a:fillRef idx="1">
+            <a:schemeClr val="accent1"/>
+          </a:fillRef>
+          <a:effectRef idx="0">
+            <a:schemeClr val="accent1"/>
+          </a:effectRef>
+          <a:fontRef idx="minor">
+            <a:schemeClr val="lt1"/>
+          </a:fontRef>
+        </p:style>
+        <p:txBody>
+          <a:bodyPr rtlCol="0" anchor="ctr"/>
+          <a:lstStyle/>
+          <a:p>
+            <a:pPr algn="ctr"/>
+            <a:r>
+              <a:rPr lang="en-US" sz="1200" dirty="0">
+                <a:solidFill>
+                  <a:schemeClr val="bg1"/>
+                </a:solidFill>
+              </a:rPr>
+              <a:t>KAR runtime</a:t>
+            </a:r>
+          </a:p>
+        </p:txBody>
+      </p:sp>
+      <p:sp>
+        <p:nvSpPr>
+          <p:cNvPr id="14" name="Rounded Rectangle 13">
+            <a:extLst>
+              <a:ext uri="{FF2B5EF4-FFF2-40B4-BE49-F238E27FC236}">
+                <a16:creationId xmlns:a16="http://schemas.microsoft.com/office/drawing/2014/main" id="{72016FF9-C72C-C640-A1EA-BF3B19420147}"/>
+              </a:ext>
+            </a:extLst>
+          </p:cNvPr>
+          <p:cNvSpPr/>
+          <p:nvPr/>
+        </p:nvSpPr>
+        <p:spPr>
+          <a:xfrm>
+            <a:off x="306143" y="2392916"/>
+            <a:ext cx="1838541" cy="1426615"/>
+          </a:xfrm>
+          <a:prstGeom prst="roundRect">
+            <a:avLst>
+              <a:gd name="adj" fmla="val 2992"/>
+            </a:avLst>
+          </a:prstGeom>
+          <a:noFill/>
+          <a:ln>
+            <a:solidFill>
+              <a:schemeClr val="tx1"/>
+            </a:solidFill>
+            <a:prstDash val="dash"/>
+          </a:ln>
+        </p:spPr>
+        <p:style>
+          <a:lnRef idx="2">
+            <a:schemeClr val="accent1">
+              <a:shade val="50000"/>
+            </a:schemeClr>
+          </a:lnRef>
+          <a:fillRef idx="1">
+            <a:schemeClr val="accent1"/>
+          </a:fillRef>
+          <a:effectRef idx="0">
+            <a:schemeClr val="accent1"/>
+          </a:effectRef>
+          <a:fontRef idx="minor">
+            <a:schemeClr val="lt1"/>
+          </a:fontRef>
+        </p:style>
+        <p:txBody>
+          <a:bodyPr rtlCol="0" anchor="b"/>
+          <a:lstStyle/>
+          <a:p>
+            <a:pPr algn="ctr"/>
+            <a:r>
+              <a:rPr lang="en-US" sz="1200" dirty="0">
+                <a:solidFill>
+                  <a:schemeClr val="accent1">
+                    <a:lumMod val="25000"/>
+                  </a:schemeClr>
+                </a:solidFill>
+              </a:rPr>
+              <a:t>Container</a:t>
+            </a:r>
+            <a:endParaRPr sz="1200" dirty="0">
+              <a:solidFill>
+                <a:schemeClr val="accent1">
+                  <a:lumMod val="25000"/>
+                </a:schemeClr>
+              </a:solidFill>
+            </a:endParaRPr>
+          </a:p>
+        </p:txBody>
+      </p:sp>
+      <p:pic>
+        <p:nvPicPr>
+          <p:cNvPr id="16" name="Picture 2">
+            <a:extLst>
+              <a:ext uri="{FF2B5EF4-FFF2-40B4-BE49-F238E27FC236}">
+                <a16:creationId xmlns:a16="http://schemas.microsoft.com/office/drawing/2014/main" id="{2D442285-0C09-BF42-B05C-E809426B9D32}"/>
+              </a:ext>
+            </a:extLst>
+          </p:cNvPr>
+          <p:cNvPicPr>
+            <a:picLocks noChangeAspect="1" noChangeArrowheads="1"/>
+          </p:cNvPicPr>
+          <p:nvPr/>
+        </p:nvPicPr>
+        <p:blipFill>
+          <a:blip r:embed="rId2">
+            <a:extLst>
+              <a:ext uri="{28A0092B-C50C-407E-A947-70E740481C1C}">
+                <a14:useLocalDpi xmlns:a14="http://schemas.microsoft.com/office/drawing/2010/main" val="0"/>
+              </a:ext>
+            </a:extLst>
+          </a:blip>
+          <a:srcRect/>
+          <a:stretch>
+            <a:fillRect/>
+          </a:stretch>
+        </p:blipFill>
+        <p:spPr bwMode="auto">
+          <a:xfrm>
+            <a:off x="1399898" y="1224278"/>
+            <a:ext cx="555458" cy="555458"/>
+          </a:xfrm>
+          <a:prstGeom prst="rect">
+            <a:avLst/>
+          </a:prstGeom>
+          <a:noFill/>
+          <a:ln>
+            <a:noFill/>
+          </a:ln>
+        </p:spPr>
+      </p:pic>
+      <p:pic>
+        <p:nvPicPr>
+          <p:cNvPr id="1026" name="Picture 2" descr="Free Redis Icon of Flat style - Available in SVG, PNG, EPS, AI &amp; Icon fonts">
+            <a:extLst>
+              <a:ext uri="{FF2B5EF4-FFF2-40B4-BE49-F238E27FC236}">
+                <a16:creationId xmlns:a16="http://schemas.microsoft.com/office/drawing/2014/main" id="{ECF5C2C2-902F-B44D-9BDF-C2CF5557CC94}"/>
+              </a:ext>
+            </a:extLst>
+          </p:cNvPr>
+          <p:cNvPicPr>
+            <a:picLocks noChangeAspect="1" noChangeArrowheads="1"/>
+          </p:cNvPicPr>
+          <p:nvPr/>
+        </p:nvPicPr>
+        <p:blipFill>
+          <a:blip r:embed="rId3">
+            <a:extLst>
+              <a:ext uri="{28A0092B-C50C-407E-A947-70E740481C1C}">
+                <a14:useLocalDpi xmlns:a14="http://schemas.microsoft.com/office/drawing/2010/main" val="0"/>
+              </a:ext>
+            </a:extLst>
+          </a:blip>
+          <a:srcRect/>
+          <a:stretch>
+            <a:fillRect/>
+          </a:stretch>
+        </p:blipFill>
+        <p:spPr bwMode="auto">
+          <a:xfrm>
+            <a:off x="3917429" y="1102334"/>
+            <a:ext cx="864985" cy="864985"/>
+          </a:xfrm>
+          <a:prstGeom prst="rect">
+            <a:avLst/>
+          </a:prstGeom>
+          <a:noFill/>
+          <a:extLst>
+            <a:ext uri="{909E8E84-426E-40DD-AFC4-6F175D3DCCD1}">
+              <a14:hiddenFill xmlns:a14="http://schemas.microsoft.com/office/drawing/2010/main">
+                <a:solidFill>
+                  <a:srgbClr val="FFFFFF"/>
+                </a:solidFill>
+              </a14:hiddenFill>
+            </a:ext>
+          </a:extLst>
+        </p:spPr>
+      </p:pic>
+      <p:sp>
+        <p:nvSpPr>
+          <p:cNvPr id="18" name="Rectangle 17">
+            <a:extLst>
+              <a:ext uri="{FF2B5EF4-FFF2-40B4-BE49-F238E27FC236}">
+                <a16:creationId xmlns:a16="http://schemas.microsoft.com/office/drawing/2014/main" id="{A3499D7B-869B-2E4D-A044-7A92AD06D016}"/>
+              </a:ext>
+            </a:extLst>
+          </p:cNvPr>
+          <p:cNvSpPr/>
+          <p:nvPr/>
+        </p:nvSpPr>
+        <p:spPr>
+          <a:xfrm>
+            <a:off x="2859952" y="3077554"/>
+            <a:ext cx="1454551" cy="438587"/>
+          </a:xfrm>
+          <a:prstGeom prst="rect">
+            <a:avLst/>
+          </a:prstGeom>
+          <a:solidFill>
+            <a:srgbClr val="4040EA"/>
+          </a:solidFill>
+          <a:ln>
+            <a:noFill/>
+          </a:ln>
+          <a:effectLst>
+            <a:outerShdw blurRad="50800" dist="38100" dir="5400000" algn="t" rotWithShape="0">
+              <a:prstClr val="black">
+                <a:alpha val="40000"/>
+              </a:prstClr>
+            </a:outerShdw>
+          </a:effectLst>
+        </p:spPr>
+        <p:style>
+          <a:lnRef idx="2">
+            <a:schemeClr val="accent1">
+              <a:shade val="50000"/>
+            </a:schemeClr>
+          </a:lnRef>
+          <a:fillRef idx="1">
+            <a:schemeClr val="accent1"/>
+          </a:fillRef>
+          <a:effectRef idx="0">
+            <a:schemeClr val="accent1"/>
+          </a:effectRef>
+          <a:fontRef idx="minor">
+            <a:schemeClr val="lt1"/>
+          </a:fontRef>
+        </p:style>
+        <p:txBody>
+          <a:bodyPr rtlCol="0" anchor="ctr"/>
+          <a:lstStyle/>
+          <a:p>
+            <a:pPr algn="ctr"/>
+            <a:r>
+              <a:rPr lang="en-US" sz="1200" dirty="0">
+                <a:solidFill>
+                  <a:schemeClr val="bg1"/>
+                </a:solidFill>
+              </a:rPr>
+              <a:t>Service app</a:t>
+            </a:r>
+          </a:p>
+        </p:txBody>
+      </p:sp>
+      <p:sp>
+        <p:nvSpPr>
+          <p:cNvPr id="19" name="Rectangle 18">
+            <a:extLst>
+              <a:ext uri="{FF2B5EF4-FFF2-40B4-BE49-F238E27FC236}">
+                <a16:creationId xmlns:a16="http://schemas.microsoft.com/office/drawing/2014/main" id="{C6D13CD5-C2C8-164F-B1E5-CEB15CFF7E37}"/>
+              </a:ext>
+            </a:extLst>
+          </p:cNvPr>
+          <p:cNvSpPr/>
+          <p:nvPr/>
+        </p:nvSpPr>
+        <p:spPr>
+          <a:xfrm>
+            <a:off x="2859952" y="2469523"/>
+            <a:ext cx="1454551" cy="438587"/>
+          </a:xfrm>
+          <a:prstGeom prst="rect">
+            <a:avLst/>
+          </a:prstGeom>
+          <a:solidFill>
+            <a:srgbClr val="4040EA"/>
+          </a:solidFill>
+          <a:ln>
+            <a:noFill/>
+          </a:ln>
+          <a:effectLst>
+            <a:outerShdw blurRad="50800" dist="38100" dir="5400000" algn="t" rotWithShape="0">
+              <a:prstClr val="black">
+                <a:alpha val="40000"/>
+              </a:prstClr>
+            </a:outerShdw>
+          </a:effectLst>
+        </p:spPr>
+        <p:style>
+          <a:lnRef idx="2">
+            <a:schemeClr val="accent1">
+              <a:shade val="50000"/>
+            </a:schemeClr>
+          </a:lnRef>
+          <a:fillRef idx="1">
+            <a:schemeClr val="accent1"/>
+          </a:fillRef>
+          <a:effectRef idx="0">
+            <a:schemeClr val="accent1"/>
+          </a:effectRef>
+          <a:fontRef idx="minor">
+            <a:schemeClr val="lt1"/>
+          </a:fontRef>
+        </p:style>
+        <p:txBody>
+          <a:bodyPr rtlCol="0" anchor="ctr"/>
+          <a:lstStyle/>
+          <a:p>
+            <a:pPr algn="ctr"/>
+            <a:r>
+              <a:rPr lang="en-US" sz="1200" dirty="0">
+                <a:solidFill>
+                  <a:schemeClr val="bg1"/>
+                </a:solidFill>
+              </a:rPr>
+              <a:t>KAR runtime</a:t>
+            </a:r>
+          </a:p>
+        </p:txBody>
+      </p:sp>
+      <p:sp>
+        <p:nvSpPr>
+          <p:cNvPr id="20" name="Rounded Rectangle 19">
+            <a:extLst>
+              <a:ext uri="{FF2B5EF4-FFF2-40B4-BE49-F238E27FC236}">
+                <a16:creationId xmlns:a16="http://schemas.microsoft.com/office/drawing/2014/main" id="{4A807C95-321F-E24A-9291-707FB0D29C0F}"/>
+              </a:ext>
+            </a:extLst>
+          </p:cNvPr>
+          <p:cNvSpPr/>
+          <p:nvPr/>
+        </p:nvSpPr>
+        <p:spPr>
+          <a:xfrm>
+            <a:off x="2670973" y="2392916"/>
+            <a:ext cx="1838541" cy="1426615"/>
+          </a:xfrm>
+          <a:prstGeom prst="roundRect">
+            <a:avLst>
+              <a:gd name="adj" fmla="val 2992"/>
+            </a:avLst>
+          </a:prstGeom>
+          <a:noFill/>
+          <a:ln>
+            <a:solidFill>
+              <a:schemeClr val="tx1"/>
+            </a:solidFill>
+            <a:prstDash val="dash"/>
+          </a:ln>
+        </p:spPr>
+        <p:style>
+          <a:lnRef idx="2">
+            <a:schemeClr val="accent1">
+              <a:shade val="50000"/>
+            </a:schemeClr>
+          </a:lnRef>
+          <a:fillRef idx="1">
+            <a:schemeClr val="accent1"/>
+          </a:fillRef>
+          <a:effectRef idx="0">
+            <a:schemeClr val="accent1"/>
+          </a:effectRef>
+          <a:fontRef idx="minor">
+            <a:schemeClr val="lt1"/>
+          </a:fontRef>
+        </p:style>
+        <p:txBody>
+          <a:bodyPr rtlCol="0" anchor="b"/>
+          <a:lstStyle/>
+          <a:p>
+            <a:pPr algn="ctr"/>
+            <a:r>
+              <a:rPr lang="en-US" sz="1200" dirty="0">
+                <a:solidFill>
+                  <a:schemeClr val="accent1">
+                    <a:lumMod val="25000"/>
+                  </a:schemeClr>
+                </a:solidFill>
+              </a:rPr>
+              <a:t>Container</a:t>
+            </a:r>
+            <a:endParaRPr sz="1200" dirty="0">
+              <a:solidFill>
+                <a:schemeClr val="accent1">
+                  <a:lumMod val="25000"/>
+                </a:schemeClr>
+              </a:solidFill>
+            </a:endParaRPr>
+          </a:p>
+        </p:txBody>
+      </p:sp>
+      <p:sp>
+        <p:nvSpPr>
+          <p:cNvPr id="21" name="Rectangle 20">
+            <a:extLst>
+              <a:ext uri="{FF2B5EF4-FFF2-40B4-BE49-F238E27FC236}">
+                <a16:creationId xmlns:a16="http://schemas.microsoft.com/office/drawing/2014/main" id="{80E0BE9F-E9F0-5740-9C1B-509B432519A6}"/>
+              </a:ext>
+            </a:extLst>
+          </p:cNvPr>
+          <p:cNvSpPr/>
+          <p:nvPr/>
+        </p:nvSpPr>
+        <p:spPr>
+          <a:xfrm>
+            <a:off x="4893979" y="3077554"/>
+            <a:ext cx="1454551" cy="438587"/>
+          </a:xfrm>
+          <a:prstGeom prst="rect">
+            <a:avLst/>
+          </a:prstGeom>
+          <a:solidFill>
+            <a:srgbClr val="4040EA"/>
+          </a:solidFill>
+          <a:ln>
+            <a:noFill/>
+          </a:ln>
+          <a:effectLst>
+            <a:outerShdw blurRad="50800" dist="38100" dir="5400000" algn="t" rotWithShape="0">
+              <a:prstClr val="black">
+                <a:alpha val="40000"/>
+              </a:prstClr>
+            </a:outerShdw>
+          </a:effectLst>
+        </p:spPr>
+        <p:style>
+          <a:lnRef idx="2">
+            <a:schemeClr val="accent1">
+              <a:shade val="50000"/>
+            </a:schemeClr>
+          </a:lnRef>
+          <a:fillRef idx="1">
+            <a:schemeClr val="accent1"/>
+          </a:fillRef>
+          <a:effectRef idx="0">
+            <a:schemeClr val="accent1"/>
+          </a:effectRef>
+          <a:fontRef idx="minor">
+            <a:schemeClr val="lt1"/>
+          </a:fontRef>
+        </p:style>
+        <p:txBody>
+          <a:bodyPr rtlCol="0" anchor="ctr"/>
+          <a:lstStyle/>
+          <a:p>
+            <a:pPr algn="ctr"/>
+            <a:r>
+              <a:rPr lang="en-US" sz="1200" dirty="0">
+                <a:solidFill>
+                  <a:schemeClr val="bg1"/>
+                </a:solidFill>
+              </a:rPr>
+              <a:t>Service app</a:t>
+            </a:r>
+          </a:p>
+        </p:txBody>
+      </p:sp>
+      <p:sp>
+        <p:nvSpPr>
+          <p:cNvPr id="22" name="Rectangle 21">
+            <a:extLst>
+              <a:ext uri="{FF2B5EF4-FFF2-40B4-BE49-F238E27FC236}">
+                <a16:creationId xmlns:a16="http://schemas.microsoft.com/office/drawing/2014/main" id="{EBCD7DEB-6217-B048-B728-8EA138E2B44B}"/>
+              </a:ext>
+            </a:extLst>
+          </p:cNvPr>
+          <p:cNvSpPr/>
+          <p:nvPr/>
+        </p:nvSpPr>
+        <p:spPr>
+          <a:xfrm>
+            <a:off x="4893979" y="2469523"/>
+            <a:ext cx="1454551" cy="438587"/>
+          </a:xfrm>
+          <a:prstGeom prst="rect">
+            <a:avLst/>
+          </a:prstGeom>
+          <a:solidFill>
+            <a:srgbClr val="4040EA"/>
+          </a:solidFill>
+          <a:ln>
+            <a:noFill/>
+          </a:ln>
+          <a:effectLst>
+            <a:outerShdw blurRad="50800" dist="38100" dir="5400000" algn="t" rotWithShape="0">
+              <a:prstClr val="black">
+                <a:alpha val="40000"/>
+              </a:prstClr>
+            </a:outerShdw>
+          </a:effectLst>
+        </p:spPr>
+        <p:style>
+          <a:lnRef idx="2">
+            <a:schemeClr val="accent1">
+              <a:shade val="50000"/>
+            </a:schemeClr>
+          </a:lnRef>
+          <a:fillRef idx="1">
+            <a:schemeClr val="accent1"/>
+          </a:fillRef>
+          <a:effectRef idx="0">
+            <a:schemeClr val="accent1"/>
+          </a:effectRef>
+          <a:fontRef idx="minor">
+            <a:schemeClr val="lt1"/>
+          </a:fontRef>
+        </p:style>
+        <p:txBody>
+          <a:bodyPr rtlCol="0" anchor="ctr"/>
+          <a:lstStyle/>
+          <a:p>
+            <a:pPr algn="ctr"/>
+            <a:r>
+              <a:rPr lang="en-US" sz="1200" dirty="0">
+                <a:solidFill>
+                  <a:schemeClr val="bg1"/>
+                </a:solidFill>
+              </a:rPr>
+              <a:t>KAR runtime</a:t>
+            </a:r>
+          </a:p>
+        </p:txBody>
+      </p:sp>
+      <p:sp>
+        <p:nvSpPr>
+          <p:cNvPr id="23" name="Rounded Rectangle 22">
+            <a:extLst>
+              <a:ext uri="{FF2B5EF4-FFF2-40B4-BE49-F238E27FC236}">
+                <a16:creationId xmlns:a16="http://schemas.microsoft.com/office/drawing/2014/main" id="{B61FEE96-2D30-034B-85DB-258DAB5C99E4}"/>
+              </a:ext>
+            </a:extLst>
+          </p:cNvPr>
+          <p:cNvSpPr/>
+          <p:nvPr/>
+        </p:nvSpPr>
+        <p:spPr>
+          <a:xfrm>
+            <a:off x="4705000" y="2392916"/>
+            <a:ext cx="1838541" cy="1426615"/>
+          </a:xfrm>
+          <a:prstGeom prst="roundRect">
+            <a:avLst>
+              <a:gd name="adj" fmla="val 2992"/>
+            </a:avLst>
+          </a:prstGeom>
+          <a:noFill/>
+          <a:ln>
+            <a:solidFill>
+              <a:schemeClr val="tx1"/>
+            </a:solidFill>
+            <a:prstDash val="dash"/>
+          </a:ln>
+        </p:spPr>
+        <p:style>
+          <a:lnRef idx="2">
+            <a:schemeClr val="accent1">
+              <a:shade val="50000"/>
+            </a:schemeClr>
+          </a:lnRef>
+          <a:fillRef idx="1">
+            <a:schemeClr val="accent1"/>
+          </a:fillRef>
+          <a:effectRef idx="0">
+            <a:schemeClr val="accent1"/>
+          </a:effectRef>
+          <a:fontRef idx="minor">
+            <a:schemeClr val="lt1"/>
+          </a:fontRef>
+        </p:style>
+        <p:txBody>
+          <a:bodyPr rtlCol="0" anchor="b"/>
+          <a:lstStyle/>
+          <a:p>
+            <a:pPr algn="ctr"/>
+            <a:r>
+              <a:rPr lang="en-US" sz="1200" dirty="0">
+                <a:solidFill>
+                  <a:schemeClr val="accent1">
+                    <a:lumMod val="25000"/>
+                  </a:schemeClr>
+                </a:solidFill>
+              </a:rPr>
+              <a:t>Container</a:t>
+            </a:r>
+            <a:endParaRPr sz="1200" dirty="0">
+              <a:solidFill>
+                <a:schemeClr val="accent1">
+                  <a:lumMod val="25000"/>
+                </a:schemeClr>
+              </a:solidFill>
+            </a:endParaRPr>
+          </a:p>
+        </p:txBody>
+      </p:sp>
+      <p:pic>
+        <p:nvPicPr>
+          <p:cNvPr id="1028" name="Picture 4" descr="Home - Apache Camel">
+            <a:extLst>
+              <a:ext uri="{FF2B5EF4-FFF2-40B4-BE49-F238E27FC236}">
+                <a16:creationId xmlns:a16="http://schemas.microsoft.com/office/drawing/2014/main" id="{06FC9BC0-7FBD-BE44-A83B-FBADDE43760A}"/>
+              </a:ext>
+            </a:extLst>
+          </p:cNvPr>
+          <p:cNvPicPr>
+            <a:picLocks noChangeAspect="1" noChangeArrowheads="1"/>
+          </p:cNvPicPr>
+          <p:nvPr/>
+        </p:nvPicPr>
+        <p:blipFill>
+          <a:blip r:embed="rId4">
+            <a:extLst>
+              <a:ext uri="{28A0092B-C50C-407E-A947-70E740481C1C}">
+                <a14:useLocalDpi xmlns:a14="http://schemas.microsoft.com/office/drawing/2010/main" val="0"/>
+              </a:ext>
+            </a:extLst>
+          </a:blip>
+          <a:srcRect/>
+          <a:stretch>
+            <a:fillRect/>
+          </a:stretch>
+        </p:blipFill>
+        <p:spPr bwMode="auto">
+          <a:xfrm>
+            <a:off x="495122" y="4473822"/>
+            <a:ext cx="449628" cy="449628"/>
+          </a:xfrm>
+          <a:prstGeom prst="rect">
+            <a:avLst/>
+          </a:prstGeom>
+          <a:noFill/>
+          <a:extLst>
+            <a:ext uri="{909E8E84-426E-40DD-AFC4-6F175D3DCCD1}">
+              <a14:hiddenFill xmlns:a14="http://schemas.microsoft.com/office/drawing/2010/main">
+                <a:solidFill>
+                  <a:srgbClr val="FFFFFF"/>
+                </a:solidFill>
+              </a14:hiddenFill>
+            </a:ext>
+          </a:extLst>
+        </p:spPr>
+      </p:pic>
+      <p:sp>
+        <p:nvSpPr>
+          <p:cNvPr id="25" name="Rounded Rectangle 24">
+            <a:extLst>
+              <a:ext uri="{FF2B5EF4-FFF2-40B4-BE49-F238E27FC236}">
+                <a16:creationId xmlns:a16="http://schemas.microsoft.com/office/drawing/2014/main" id="{706A4BAD-EE6C-7446-B03E-7ED1CA616CC2}"/>
+              </a:ext>
+            </a:extLst>
+          </p:cNvPr>
+          <p:cNvSpPr/>
+          <p:nvPr/>
+        </p:nvSpPr>
+        <p:spPr>
+          <a:xfrm>
+            <a:off x="303126" y="4421797"/>
+            <a:ext cx="1838541" cy="1426615"/>
+          </a:xfrm>
+          <a:prstGeom prst="roundRect">
+            <a:avLst>
+              <a:gd name="adj" fmla="val 2992"/>
+            </a:avLst>
+          </a:prstGeom>
+          <a:noFill/>
+          <a:ln>
+            <a:solidFill>
+              <a:schemeClr val="tx1"/>
+            </a:solidFill>
+            <a:prstDash val="dash"/>
+          </a:ln>
+        </p:spPr>
+        <p:style>
+          <a:lnRef idx="2">
+            <a:schemeClr val="accent1">
+              <a:shade val="50000"/>
+            </a:schemeClr>
+          </a:lnRef>
+          <a:fillRef idx="1">
+            <a:schemeClr val="accent1"/>
+          </a:fillRef>
+          <a:effectRef idx="0">
+            <a:schemeClr val="accent1"/>
+          </a:effectRef>
+          <a:fontRef idx="minor">
+            <a:schemeClr val="lt1"/>
+          </a:fontRef>
+        </p:style>
+        <p:txBody>
+          <a:bodyPr rtlCol="0" anchor="b"/>
+          <a:lstStyle/>
+          <a:p>
+            <a:pPr algn="ctr"/>
+            <a:r>
+              <a:rPr lang="en-US" sz="1200" dirty="0">
+                <a:solidFill>
+                  <a:schemeClr val="accent1">
+                    <a:lumMod val="25000"/>
+                  </a:schemeClr>
+                </a:solidFill>
+              </a:rPr>
+              <a:t>Container</a:t>
+            </a:r>
+            <a:endParaRPr sz="1200" dirty="0">
+              <a:solidFill>
+                <a:schemeClr val="accent1">
+                  <a:lumMod val="25000"/>
+                </a:schemeClr>
+              </a:solidFill>
+            </a:endParaRPr>
+          </a:p>
+        </p:txBody>
+      </p:sp>
+      <p:sp>
+        <p:nvSpPr>
+          <p:cNvPr id="26" name="Rectangle 25">
+            <a:extLst>
+              <a:ext uri="{FF2B5EF4-FFF2-40B4-BE49-F238E27FC236}">
+                <a16:creationId xmlns:a16="http://schemas.microsoft.com/office/drawing/2014/main" id="{82B85D14-9CB9-5543-9197-507141A94653}"/>
+              </a:ext>
+            </a:extLst>
+          </p:cNvPr>
+          <p:cNvSpPr/>
+          <p:nvPr/>
+        </p:nvSpPr>
+        <p:spPr>
+          <a:xfrm>
+            <a:off x="495120" y="5122621"/>
+            <a:ext cx="1454551" cy="438587"/>
+          </a:xfrm>
+          <a:prstGeom prst="rect">
+            <a:avLst/>
+          </a:prstGeom>
+          <a:solidFill>
+            <a:srgbClr val="4040EA"/>
+          </a:solidFill>
+          <a:ln>
+            <a:noFill/>
+          </a:ln>
+          <a:effectLst>
+            <a:outerShdw blurRad="50800" dist="38100" dir="5400000" algn="t" rotWithShape="0">
+              <a:prstClr val="black">
+                <a:alpha val="40000"/>
+              </a:prstClr>
+            </a:outerShdw>
+          </a:effectLst>
+        </p:spPr>
+        <p:style>
+          <a:lnRef idx="2">
+            <a:schemeClr val="accent1">
+              <a:shade val="50000"/>
+            </a:schemeClr>
+          </a:lnRef>
+          <a:fillRef idx="1">
+            <a:schemeClr val="accent1"/>
+          </a:fillRef>
+          <a:effectRef idx="0">
+            <a:schemeClr val="accent1"/>
+          </a:effectRef>
+          <a:fontRef idx="minor">
+            <a:schemeClr val="lt1"/>
+          </a:fontRef>
+        </p:style>
+        <p:txBody>
+          <a:bodyPr rtlCol="0" anchor="ctr"/>
+          <a:lstStyle/>
+          <a:p>
+            <a:pPr algn="ctr"/>
+            <a:r>
+              <a:rPr lang="en-US" sz="1200" dirty="0">
+                <a:solidFill>
+                  <a:schemeClr val="bg1"/>
+                </a:solidFill>
+              </a:rPr>
+              <a:t>Notifier</a:t>
+            </a:r>
+          </a:p>
+        </p:txBody>
+      </p:sp>
+      <p:sp>
+        <p:nvSpPr>
+          <p:cNvPr id="27" name="Rectangle 26">
+            <a:extLst>
+              <a:ext uri="{FF2B5EF4-FFF2-40B4-BE49-F238E27FC236}">
+                <a16:creationId xmlns:a16="http://schemas.microsoft.com/office/drawing/2014/main" id="{88431D3E-542B-F246-81EA-760B0F299904}"/>
+              </a:ext>
+            </a:extLst>
+          </p:cNvPr>
+          <p:cNvSpPr/>
+          <p:nvPr/>
+        </p:nvSpPr>
+        <p:spPr>
+          <a:xfrm>
+            <a:off x="495119" y="4479342"/>
+            <a:ext cx="1454551" cy="438587"/>
+          </a:xfrm>
+          <a:prstGeom prst="rect">
+            <a:avLst/>
+          </a:prstGeom>
+          <a:noFill/>
+          <a:ln>
+            <a:solidFill>
+              <a:srgbClr val="FFC000"/>
+            </a:solidFill>
+          </a:ln>
+          <a:effectLst>
+            <a:outerShdw blurRad="50800" dist="38100" dir="5400000" algn="t" rotWithShape="0">
+              <a:prstClr val="black">
+                <a:alpha val="40000"/>
+              </a:prstClr>
+            </a:outerShdw>
+          </a:effectLst>
+        </p:spPr>
+        <p:style>
+          <a:lnRef idx="2">
+            <a:schemeClr val="accent1">
+              <a:shade val="50000"/>
+            </a:schemeClr>
+          </a:lnRef>
+          <a:fillRef idx="1">
+            <a:schemeClr val="accent1"/>
+          </a:fillRef>
+          <a:effectRef idx="0">
+            <a:schemeClr val="accent1"/>
+          </a:effectRef>
+          <a:fontRef idx="minor">
+            <a:schemeClr val="lt1"/>
+          </a:fontRef>
+        </p:style>
+        <p:txBody>
+          <a:bodyPr rtlCol="0" anchor="ctr"/>
+          <a:lstStyle/>
+          <a:p>
+            <a:pPr algn="ctr"/>
+            <a:endParaRPr lang="en-US" sz="1200" dirty="0">
+              <a:solidFill>
+                <a:schemeClr val="bg1"/>
+              </a:solidFill>
+            </a:endParaRPr>
+          </a:p>
+        </p:txBody>
+      </p:sp>
+    </p:spTree>
+    <p:extLst>
+      <p:ext uri="{BB962C8B-B14F-4D97-AF65-F5344CB8AC3E}">
+        <p14:creationId xmlns:p14="http://schemas.microsoft.com/office/powerpoint/2010/main" val="598606613"/>
+      </p:ext>
+    </p:extLst>
+  </p:cSld>
+  <p:clrMapOvr>
+    <a:masterClrMapping/>
+  </p:clrMapOvr>
+</p:sld>
+</file>
+
 <file path=ppt/slides/slide2.xml><?xml version="1.0" encoding="utf-8"?>
 <p:sld xmlns:a="http://schemas.openxmlformats.org/drawingml/2006/main" xmlns:r="http://schemas.openxmlformats.org/officeDocument/2006/relationships" xmlns:p="http://schemas.openxmlformats.org/presentationml/2006/main">
   <p:cSld>
@@ -21979,7 +23253,7 @@
             <a:effectLst/>
             <a:extLst>
               <a:ext uri="{C572A759-6A51-4108-AA02-DFA0A04FC94B}">
-                <ma14:wrappingTextBoxFlag xmlns="" xmlns:ma14="http://schemas.microsoft.com/office/mac/drawingml/2011/main" val="1"/>
+                <ma14:wrappingTextBoxFlag xmlns:ma14="http://schemas.microsoft.com/office/mac/drawingml/2011/main" xmlns="" val="1"/>
               </a:ext>
             </a:extLst>
           </p:spPr>
@@ -22095,7 +23369,7 @@
             <a:effectLst/>
             <a:extLst>
               <a:ext uri="{C572A759-6A51-4108-AA02-DFA0A04FC94B}">
-                <ma14:wrappingTextBoxFlag xmlns="" xmlns:ma14="http://schemas.microsoft.com/office/mac/drawingml/2011/main" val="1"/>
+                <ma14:wrappingTextBoxFlag xmlns:ma14="http://schemas.microsoft.com/office/mac/drawingml/2011/main" xmlns="" val="1"/>
               </a:ext>
             </a:extLst>
           </p:spPr>
@@ -22565,7 +23839,7 @@
             <a:effectLst/>
             <a:extLst>
               <a:ext uri="{C572A759-6A51-4108-AA02-DFA0A04FC94B}">
-                <ma14:wrappingTextBoxFlag xmlns="" xmlns:ma14="http://schemas.microsoft.com/office/mac/drawingml/2011/main" val="1"/>
+                <ma14:wrappingTextBoxFlag xmlns:ma14="http://schemas.microsoft.com/office/mac/drawingml/2011/main" xmlns="" val="1"/>
               </a:ext>
             </a:extLst>
           </p:spPr>
@@ -22875,7 +24149,7 @@
             <a:effectLst/>
             <a:extLst>
               <a:ext uri="{C572A759-6A51-4108-AA02-DFA0A04FC94B}">
-                <ma14:wrappingTextBoxFlag xmlns="" xmlns:ma14="http://schemas.microsoft.com/office/mac/drawingml/2011/main" val="1"/>
+                <ma14:wrappingTextBoxFlag xmlns:ma14="http://schemas.microsoft.com/office/mac/drawingml/2011/main" xmlns="" val="1"/>
               </a:ext>
             </a:extLst>
           </p:spPr>
@@ -23109,7 +24383,7 @@
             <a:effectLst/>
             <a:extLst>
               <a:ext uri="{C572A759-6A51-4108-AA02-DFA0A04FC94B}">
-                <ma14:wrappingTextBoxFlag xmlns="" xmlns:ma14="http://schemas.microsoft.com/office/mac/drawingml/2011/main" val="1"/>
+                <ma14:wrappingTextBoxFlag xmlns:ma14="http://schemas.microsoft.com/office/mac/drawingml/2011/main" xmlns="" val="1"/>
               </a:ext>
             </a:extLst>
           </p:spPr>
@@ -23242,7 +24516,7 @@
             <a:effectLst/>
             <a:extLst>
               <a:ext uri="{C572A759-6A51-4108-AA02-DFA0A04FC94B}">
-                <ma14:wrappingTextBoxFlag xmlns="" xmlns:ma14="http://schemas.microsoft.com/office/mac/drawingml/2011/main" val="1"/>
+                <ma14:wrappingTextBoxFlag xmlns:ma14="http://schemas.microsoft.com/office/mac/drawingml/2011/main" xmlns="" val="1"/>
               </a:ext>
             </a:extLst>
           </p:spPr>
@@ -24315,7 +25589,7 @@
             <a:effectLst/>
             <a:extLst>
               <a:ext uri="{C572A759-6A51-4108-AA02-DFA0A04FC94B}">
-                <ma14:wrappingTextBoxFlag xmlns="" xmlns:ma14="http://schemas.microsoft.com/office/mac/drawingml/2011/main" val="1"/>
+                <ma14:wrappingTextBoxFlag xmlns:ma14="http://schemas.microsoft.com/office/mac/drawingml/2011/main" xmlns="" val="1"/>
               </a:ext>
             </a:extLst>
           </p:spPr>
@@ -24664,7 +25938,7 @@
             <a:effectLst/>
             <a:extLst>
               <a:ext uri="{C572A759-6A51-4108-AA02-DFA0A04FC94B}">
-                <ma14:wrappingTextBoxFlag xmlns="" xmlns:ma14="http://schemas.microsoft.com/office/mac/drawingml/2011/main" val="1"/>
+                <ma14:wrappingTextBoxFlag xmlns:ma14="http://schemas.microsoft.com/office/mac/drawingml/2011/main" xmlns="" val="1"/>
               </a:ext>
             </a:extLst>
           </p:spPr>
@@ -25084,7 +26358,7 @@
             <a:effectLst/>
             <a:extLst>
               <a:ext uri="{C572A759-6A51-4108-AA02-DFA0A04FC94B}">
-                <ma14:wrappingTextBoxFlag xmlns="" xmlns:ma14="http://schemas.microsoft.com/office/mac/drawingml/2011/main" val="1"/>
+                <ma14:wrappingTextBoxFlag xmlns:ma14="http://schemas.microsoft.com/office/mac/drawingml/2011/main" xmlns="" val="1"/>
               </a:ext>
             </a:extLst>
           </p:spPr>
@@ -26582,7 +27856,7 @@
             <a:effectLst/>
             <a:extLst>
               <a:ext uri="{C572A759-6A51-4108-AA02-DFA0A04FC94B}">
-                <ma14:wrappingTextBoxFlag xmlns="" xmlns:ma14="http://schemas.microsoft.com/office/mac/drawingml/2011/main" val="1"/>
+                <ma14:wrappingTextBoxFlag xmlns:ma14="http://schemas.microsoft.com/office/mac/drawingml/2011/main" xmlns="" val="1"/>
               </a:ext>
             </a:extLst>
           </p:spPr>
@@ -27347,7 +28621,7 @@
             <a:effectLst/>
             <a:extLst>
               <a:ext uri="{C572A759-6A51-4108-AA02-DFA0A04FC94B}">
-                <ma14:wrappingTextBoxFlag xmlns:ma14="http://schemas.microsoft.com/office/mac/drawingml/2011/main" xmlns="" val="1"/>
+                <ma14:wrappingTextBoxFlag xmlns="" xmlns:ma14="http://schemas.microsoft.com/office/mac/drawingml/2011/main" val="1"/>
               </a:ext>
             </a:extLst>
           </p:spPr>
@@ -27463,7 +28737,7 @@
             <a:effectLst/>
             <a:extLst>
               <a:ext uri="{C572A759-6A51-4108-AA02-DFA0A04FC94B}">
-                <ma14:wrappingTextBoxFlag xmlns:ma14="http://schemas.microsoft.com/office/mac/drawingml/2011/main" xmlns="" val="1"/>
+                <ma14:wrappingTextBoxFlag xmlns="" xmlns:ma14="http://schemas.microsoft.com/office/mac/drawingml/2011/main" val="1"/>
               </a:ext>
             </a:extLst>
           </p:spPr>
@@ -27579,7 +28853,7 @@
             <a:effectLst/>
             <a:extLst>
               <a:ext uri="{C572A759-6A51-4108-AA02-DFA0A04FC94B}">
-                <ma14:wrappingTextBoxFlag xmlns:ma14="http://schemas.microsoft.com/office/mac/drawingml/2011/main" xmlns="" val="1"/>
+                <ma14:wrappingTextBoxFlag xmlns="" xmlns:ma14="http://schemas.microsoft.com/office/mac/drawingml/2011/main" val="1"/>
               </a:ext>
             </a:extLst>
           </p:spPr>
@@ -27695,7 +28969,7 @@
             <a:effectLst/>
             <a:extLst>
               <a:ext uri="{C572A759-6A51-4108-AA02-DFA0A04FC94B}">
-                <ma14:wrappingTextBoxFlag xmlns:ma14="http://schemas.microsoft.com/office/mac/drawingml/2011/main" xmlns="" val="1"/>
+                <ma14:wrappingTextBoxFlag xmlns="" xmlns:ma14="http://schemas.microsoft.com/office/mac/drawingml/2011/main" val="1"/>
               </a:ext>
             </a:extLst>
           </p:spPr>
@@ -27811,7 +29085,7 @@
             <a:effectLst/>
             <a:extLst>
               <a:ext uri="{C572A759-6A51-4108-AA02-DFA0A04FC94B}">
-                <ma14:wrappingTextBoxFlag xmlns:ma14="http://schemas.microsoft.com/office/mac/drawingml/2011/main" xmlns="" val="1"/>
+                <ma14:wrappingTextBoxFlag xmlns="" xmlns:ma14="http://schemas.microsoft.com/office/mac/drawingml/2011/main" val="1"/>
               </a:ext>
             </a:extLst>
           </p:spPr>
@@ -27927,7 +29201,7 @@
             <a:effectLst/>
             <a:extLst>
               <a:ext uri="{C572A759-6A51-4108-AA02-DFA0A04FC94B}">
-                <ma14:wrappingTextBoxFlag xmlns:ma14="http://schemas.microsoft.com/office/mac/drawingml/2011/main" xmlns="" val="1"/>
+                <ma14:wrappingTextBoxFlag xmlns="" xmlns:ma14="http://schemas.microsoft.com/office/mac/drawingml/2011/main" val="1"/>
               </a:ext>
             </a:extLst>
           </p:spPr>
@@ -29607,7 +30881,7 @@
             <a:effectLst/>
             <a:extLst>
               <a:ext uri="{C572A759-6A51-4108-AA02-DFA0A04FC94B}">
-                <ma14:wrappingTextBoxFlag xmlns="" xmlns:ma14="http://schemas.microsoft.com/office/mac/drawingml/2011/main" val="1"/>
+                <ma14:wrappingTextBoxFlag xmlns:ma14="http://schemas.microsoft.com/office/mac/drawingml/2011/main" xmlns="" val="1"/>
               </a:ext>
             </a:extLst>
           </p:spPr>
@@ -30260,7 +31534,7 @@
             <a:effectLst/>
             <a:extLst>
               <a:ext uri="{C572A759-6A51-4108-AA02-DFA0A04FC94B}">
-                <ma14:wrappingTextBoxFlag xmlns:ma14="http://schemas.microsoft.com/office/mac/drawingml/2011/main" xmlns="" val="1"/>
+                <ma14:wrappingTextBoxFlag xmlns="" xmlns:ma14="http://schemas.microsoft.com/office/mac/drawingml/2011/main" val="1"/>
               </a:ext>
             </a:extLst>
           </p:spPr>
@@ -30749,7 +32023,7 @@
             <a:effectLst/>
             <a:extLst>
               <a:ext uri="{C572A759-6A51-4108-AA02-DFA0A04FC94B}">
-                <ma14:wrappingTextBoxFlag xmlns="" xmlns:ma14="http://schemas.microsoft.com/office/mac/drawingml/2011/main" val="1"/>
+                <ma14:wrappingTextBoxFlag xmlns:ma14="http://schemas.microsoft.com/office/mac/drawingml/2011/main" xmlns="" val="1"/>
               </a:ext>
             </a:extLst>
           </p:spPr>
@@ -30865,7 +32139,7 @@
             <a:effectLst/>
             <a:extLst>
               <a:ext uri="{C572A759-6A51-4108-AA02-DFA0A04FC94B}">
-                <ma14:wrappingTextBoxFlag xmlns="" xmlns:ma14="http://schemas.microsoft.com/office/mac/drawingml/2011/main" val="1"/>
+                <ma14:wrappingTextBoxFlag xmlns:ma14="http://schemas.microsoft.com/office/mac/drawingml/2011/main" xmlns="" val="1"/>
               </a:ext>
             </a:extLst>
           </p:spPr>
@@ -31195,7 +32469,7 @@
             <a:effectLst/>
             <a:extLst>
               <a:ext uri="{C572A759-6A51-4108-AA02-DFA0A04FC94B}">
-                <ma14:wrappingTextBoxFlag xmlns="" xmlns:ma14="http://schemas.microsoft.com/office/mac/drawingml/2011/main" val="1"/>
+                <ma14:wrappingTextBoxFlag xmlns:ma14="http://schemas.microsoft.com/office/mac/drawingml/2011/main" xmlns="" val="1"/>
               </a:ext>
             </a:extLst>
           </p:spPr>
@@ -31623,7 +32897,7 @@
             <a:effectLst/>
             <a:extLst>
               <a:ext uri="{C572A759-6A51-4108-AA02-DFA0A04FC94B}">
-                <ma14:wrappingTextBoxFlag xmlns="" xmlns:ma14="http://schemas.microsoft.com/office/mac/drawingml/2011/main" val="1"/>
+                <ma14:wrappingTextBoxFlag xmlns:ma14="http://schemas.microsoft.com/office/mac/drawingml/2011/main" xmlns="" val="1"/>
               </a:ext>
             </a:extLst>
           </p:spPr>
@@ -32606,7 +33880,7 @@
             <a:effectLst/>
             <a:extLst>
               <a:ext uri="{C572A759-6A51-4108-AA02-DFA0A04FC94B}">
-                <ma14:wrappingTextBoxFlag xmlns="" xmlns:ma14="http://schemas.microsoft.com/office/mac/drawingml/2011/main" val="1"/>
+                <ma14:wrappingTextBoxFlag xmlns:ma14="http://schemas.microsoft.com/office/mac/drawingml/2011/main" xmlns="" val="1"/>
               </a:ext>
             </a:extLst>
           </p:spPr>
@@ -32861,7 +34135,7 @@
             <a:effectLst/>
             <a:extLst>
               <a:ext uri="{C572A759-6A51-4108-AA02-DFA0A04FC94B}">
-                <ma14:wrappingTextBoxFlag xmlns="" xmlns:ma14="http://schemas.microsoft.com/office/mac/drawingml/2011/main" val="1"/>
+                <ma14:wrappingTextBoxFlag xmlns:ma14="http://schemas.microsoft.com/office/mac/drawingml/2011/main" xmlns="" val="1"/>
               </a:ext>
             </a:extLst>
           </p:spPr>
@@ -33191,7 +34465,7 @@
             <a:effectLst/>
             <a:extLst>
               <a:ext uri="{C572A759-6A51-4108-AA02-DFA0A04FC94B}">
-                <ma14:wrappingTextBoxFlag xmlns="" xmlns:ma14="http://schemas.microsoft.com/office/mac/drawingml/2011/main" val="1"/>
+                <ma14:wrappingTextBoxFlag xmlns:ma14="http://schemas.microsoft.com/office/mac/drawingml/2011/main" xmlns="" val="1"/>
               </a:ext>
             </a:extLst>
           </p:spPr>
@@ -33418,7 +34692,7 @@
             <a:effectLst/>
             <a:extLst>
               <a:ext uri="{C572A759-6A51-4108-AA02-DFA0A04FC94B}">
-                <ma14:wrappingTextBoxFlag xmlns="" xmlns:ma14="http://schemas.microsoft.com/office/mac/drawingml/2011/main" val="1"/>
+                <ma14:wrappingTextBoxFlag xmlns:ma14="http://schemas.microsoft.com/office/mac/drawingml/2011/main" xmlns="" val="1"/>
               </a:ext>
             </a:extLst>
           </p:spPr>
@@ -33759,7 +35033,7 @@
             <a:effectLst/>
             <a:extLst>
               <a:ext uri="{C572A759-6A51-4108-AA02-DFA0A04FC94B}">
-                <ma14:wrappingTextBoxFlag xmlns="" xmlns:ma14="http://schemas.microsoft.com/office/mac/drawingml/2011/main" val="1"/>
+                <ma14:wrappingTextBoxFlag xmlns:ma14="http://schemas.microsoft.com/office/mac/drawingml/2011/main" xmlns="" val="1"/>
               </a:ext>
             </a:extLst>
           </p:spPr>
@@ -34397,7 +35671,7 @@
             <a:effectLst/>
             <a:extLst>
               <a:ext uri="{C572A759-6A51-4108-AA02-DFA0A04FC94B}">
-                <ma14:wrappingTextBoxFlag xmlns="" xmlns:ma14="http://schemas.microsoft.com/office/mac/drawingml/2011/main" val="1"/>
+                <ma14:wrappingTextBoxFlag xmlns:ma14="http://schemas.microsoft.com/office/mac/drawingml/2011/main" xmlns="" val="1"/>
               </a:ext>
             </a:extLst>
           </p:spPr>
@@ -34513,7 +35787,7 @@
             <a:effectLst/>
             <a:extLst>
               <a:ext uri="{C572A759-6A51-4108-AA02-DFA0A04FC94B}">
-                <ma14:wrappingTextBoxFlag xmlns="" xmlns:ma14="http://schemas.microsoft.com/office/mac/drawingml/2011/main" val="1"/>
+                <ma14:wrappingTextBoxFlag xmlns:ma14="http://schemas.microsoft.com/office/mac/drawingml/2011/main" xmlns="" val="1"/>
               </a:ext>
             </a:extLst>
           </p:spPr>
@@ -35705,7 +36979,7 @@
             <a:effectLst/>
             <a:extLst>
               <a:ext uri="{C572A759-6A51-4108-AA02-DFA0A04FC94B}">
-                <ma14:wrappingTextBoxFlag xmlns="" xmlns:ma14="http://schemas.microsoft.com/office/mac/drawingml/2011/main" val="1"/>
+                <ma14:wrappingTextBoxFlag xmlns:ma14="http://schemas.microsoft.com/office/mac/drawingml/2011/main" xmlns="" val="1"/>
               </a:ext>
             </a:extLst>
           </p:spPr>
@@ -35821,7 +37095,7 @@
             <a:effectLst/>
             <a:extLst>
               <a:ext uri="{C572A759-6A51-4108-AA02-DFA0A04FC94B}">
-                <ma14:wrappingTextBoxFlag xmlns="" xmlns:ma14="http://schemas.microsoft.com/office/mac/drawingml/2011/main" val="1"/>
+                <ma14:wrappingTextBoxFlag xmlns:ma14="http://schemas.microsoft.com/office/mac/drawingml/2011/main" xmlns="" val="1"/>
               </a:ext>
             </a:extLst>
           </p:spPr>
@@ -35937,7 +37211,7 @@
             <a:effectLst/>
             <a:extLst>
               <a:ext uri="{C572A759-6A51-4108-AA02-DFA0A04FC94B}">
-                <ma14:wrappingTextBoxFlag xmlns="" xmlns:ma14="http://schemas.microsoft.com/office/mac/drawingml/2011/main" val="1"/>
+                <ma14:wrappingTextBoxFlag xmlns:ma14="http://schemas.microsoft.com/office/mac/drawingml/2011/main" xmlns="" val="1"/>
               </a:ext>
             </a:extLst>
           </p:spPr>
@@ -36348,7 +37622,7 @@
             <a:effectLst/>
             <a:extLst>
               <a:ext uri="{C572A759-6A51-4108-AA02-DFA0A04FC94B}">
-                <ma14:wrappingTextBoxFlag xmlns="" xmlns:ma14="http://schemas.microsoft.com/office/mac/drawingml/2011/main" val="1"/>
+                <ma14:wrappingTextBoxFlag xmlns:ma14="http://schemas.microsoft.com/office/mac/drawingml/2011/main" xmlns="" val="1"/>
               </a:ext>
             </a:extLst>
           </p:spPr>
@@ -36464,7 +37738,7 @@
             <a:effectLst/>
             <a:extLst>
               <a:ext uri="{C572A759-6A51-4108-AA02-DFA0A04FC94B}">
-                <ma14:wrappingTextBoxFlag xmlns="" xmlns:ma14="http://schemas.microsoft.com/office/mac/drawingml/2011/main" val="1"/>
+                <ma14:wrappingTextBoxFlag xmlns:ma14="http://schemas.microsoft.com/office/mac/drawingml/2011/main" xmlns="" val="1"/>
               </a:ext>
             </a:extLst>
           </p:spPr>
@@ -36580,7 +37854,7 @@
             <a:effectLst/>
             <a:extLst>
               <a:ext uri="{C572A759-6A51-4108-AA02-DFA0A04FC94B}">
-                <ma14:wrappingTextBoxFlag xmlns="" xmlns:ma14="http://schemas.microsoft.com/office/mac/drawingml/2011/main" val="1"/>
+                <ma14:wrappingTextBoxFlag xmlns:ma14="http://schemas.microsoft.com/office/mac/drawingml/2011/main" xmlns="" val="1"/>
               </a:ext>
             </a:extLst>
           </p:spPr>
@@ -36956,7 +38230,7 @@
             <a:effectLst/>
             <a:extLst>
               <a:ext uri="{C572A759-6A51-4108-AA02-DFA0A04FC94B}">
-                <ma14:wrappingTextBoxFlag xmlns="" xmlns:ma14="http://schemas.microsoft.com/office/mac/drawingml/2011/main" val="1"/>
+                <ma14:wrappingTextBoxFlag xmlns:ma14="http://schemas.microsoft.com/office/mac/drawingml/2011/main" xmlns="" val="1"/>
               </a:ext>
             </a:extLst>
           </p:spPr>
@@ -37089,7 +38363,7 @@
             <a:effectLst/>
             <a:extLst>
               <a:ext uri="{C572A759-6A51-4108-AA02-DFA0A04FC94B}">
-                <ma14:wrappingTextBoxFlag xmlns="" xmlns:ma14="http://schemas.microsoft.com/office/mac/drawingml/2011/main" val="1"/>
+                <ma14:wrappingTextBoxFlag xmlns:ma14="http://schemas.microsoft.com/office/mac/drawingml/2011/main" xmlns="" val="1"/>
               </a:ext>
             </a:extLst>
           </p:spPr>
@@ -37205,7 +38479,7 @@
             <a:effectLst/>
             <a:extLst>
               <a:ext uri="{C572A759-6A51-4108-AA02-DFA0A04FC94B}">
-                <ma14:wrappingTextBoxFlag xmlns="" xmlns:ma14="http://schemas.microsoft.com/office/mac/drawingml/2011/main" val="1"/>
+                <ma14:wrappingTextBoxFlag xmlns:ma14="http://schemas.microsoft.com/office/mac/drawingml/2011/main" xmlns="" val="1"/>
               </a:ext>
             </a:extLst>
           </p:spPr>
@@ -37418,7 +38692,7 @@
             <a:effectLst/>
             <a:extLst>
               <a:ext uri="{C572A759-6A51-4108-AA02-DFA0A04FC94B}">
-                <ma14:wrappingTextBoxFlag xmlns:ma14="http://schemas.microsoft.com/office/mac/drawingml/2011/main" xmlns="" val="1"/>
+                <ma14:wrappingTextBoxFlag xmlns="" xmlns:ma14="http://schemas.microsoft.com/office/mac/drawingml/2011/main" val="1"/>
               </a:ext>
             </a:extLst>
           </p:spPr>
@@ -37649,7 +38923,7 @@
               <a:effectLst/>
               <a:extLst>
                 <a:ext uri="{C572A759-6A51-4108-AA02-DFA0A04FC94B}">
-                  <ma14:wrappingTextBoxFlag xmlns:ma14="http://schemas.microsoft.com/office/mac/drawingml/2011/main" xmlns="" val="1"/>
+                  <ma14:wrappingTextBoxFlag xmlns="" xmlns:ma14="http://schemas.microsoft.com/office/mac/drawingml/2011/main" val="1"/>
                 </a:ext>
               </a:extLst>
             </p:spPr>
@@ -38115,7 +39389,7 @@
               <a:effectLst/>
               <a:extLst>
                 <a:ext uri="{C572A759-6A51-4108-AA02-DFA0A04FC94B}">
-                  <ma14:wrappingTextBoxFlag xmlns:ma14="http://schemas.microsoft.com/office/mac/drawingml/2011/main" xmlns="" val="1"/>
+                  <ma14:wrappingTextBoxFlag xmlns="" xmlns:ma14="http://schemas.microsoft.com/office/mac/drawingml/2011/main" val="1"/>
                 </a:ext>
               </a:extLst>
             </p:spPr>
@@ -38851,7 +40125,7 @@
               <a:effectLst/>
               <a:extLst>
                 <a:ext uri="{C572A759-6A51-4108-AA02-DFA0A04FC94B}">
-                  <ma14:wrappingTextBoxFlag xmlns:ma14="http://schemas.microsoft.com/office/mac/drawingml/2011/main" xmlns="" val="1"/>
+                  <ma14:wrappingTextBoxFlag xmlns="" xmlns:ma14="http://schemas.microsoft.com/office/mac/drawingml/2011/main" val="1"/>
                 </a:ext>
               </a:extLst>
             </p:spPr>
@@ -39343,7 +40617,7 @@
             <a:effectLst/>
             <a:extLst>
               <a:ext uri="{C572A759-6A51-4108-AA02-DFA0A04FC94B}">
-                <ma14:wrappingTextBoxFlag xmlns:ma14="http://schemas.microsoft.com/office/mac/drawingml/2011/main" xmlns="" val="1"/>
+                <ma14:wrappingTextBoxFlag xmlns="" xmlns:ma14="http://schemas.microsoft.com/office/mac/drawingml/2011/main" val="1"/>
               </a:ext>
             </a:extLst>
           </p:spPr>
@@ -39476,7 +40750,7 @@
             <a:effectLst/>
             <a:extLst>
               <a:ext uri="{C572A759-6A51-4108-AA02-DFA0A04FC94B}">
-                <ma14:wrappingTextBoxFlag xmlns:ma14="http://schemas.microsoft.com/office/mac/drawingml/2011/main" xmlns="" val="1"/>
+                <ma14:wrappingTextBoxFlag xmlns="" xmlns:ma14="http://schemas.microsoft.com/office/mac/drawingml/2011/main" val="1"/>
               </a:ext>
             </a:extLst>
           </p:spPr>
@@ -39609,7 +40883,7 @@
             <a:effectLst/>
             <a:extLst>
               <a:ext uri="{C572A759-6A51-4108-AA02-DFA0A04FC94B}">
-                <ma14:wrappingTextBoxFlag xmlns="" xmlns:ma14="http://schemas.microsoft.com/office/mac/drawingml/2011/main" val="1"/>
+                <ma14:wrappingTextBoxFlag xmlns:ma14="http://schemas.microsoft.com/office/mac/drawingml/2011/main" xmlns="" val="1"/>
               </a:ext>
             </a:extLst>
           </p:spPr>
@@ -39840,7 +41114,7 @@
               <a:effectLst/>
               <a:extLst>
                 <a:ext uri="{C572A759-6A51-4108-AA02-DFA0A04FC94B}">
-                  <ma14:wrappingTextBoxFlag xmlns="" xmlns:ma14="http://schemas.microsoft.com/office/mac/drawingml/2011/main" val="1"/>
+                  <ma14:wrappingTextBoxFlag xmlns:ma14="http://schemas.microsoft.com/office/mac/drawingml/2011/main" xmlns="" val="1"/>
                 </a:ext>
               </a:extLst>
             </p:spPr>
@@ -40218,7 +41492,7 @@
               <a:effectLst/>
               <a:extLst>
                 <a:ext uri="{C572A759-6A51-4108-AA02-DFA0A04FC94B}">
-                  <ma14:wrappingTextBoxFlag xmlns="" xmlns:ma14="http://schemas.microsoft.com/office/mac/drawingml/2011/main" val="1"/>
+                  <ma14:wrappingTextBoxFlag xmlns:ma14="http://schemas.microsoft.com/office/mac/drawingml/2011/main" xmlns="" val="1"/>
                 </a:ext>
               </a:extLst>
             </p:spPr>
@@ -40954,7 +42228,7 @@
               <a:effectLst/>
               <a:extLst>
                 <a:ext uri="{C572A759-6A51-4108-AA02-DFA0A04FC94B}">
-                  <ma14:wrappingTextBoxFlag xmlns="" xmlns:ma14="http://schemas.microsoft.com/office/mac/drawingml/2011/main" val="1"/>
+                  <ma14:wrappingTextBoxFlag xmlns:ma14="http://schemas.microsoft.com/office/mac/drawingml/2011/main" xmlns="" val="1"/>
                 </a:ext>
               </a:extLst>
             </p:spPr>
@@ -41194,7 +42468,7 @@
             <a:effectLst/>
             <a:extLst>
               <a:ext uri="{C572A759-6A51-4108-AA02-DFA0A04FC94B}">
-                <ma14:wrappingTextBoxFlag xmlns="" xmlns:ma14="http://schemas.microsoft.com/office/mac/drawingml/2011/main" val="1"/>
+                <ma14:wrappingTextBoxFlag xmlns:ma14="http://schemas.microsoft.com/office/mac/drawingml/2011/main" xmlns="" val="1"/>
               </a:ext>
             </a:extLst>
           </p:spPr>
@@ -41447,7 +42721,7 @@
             <a:effectLst/>
             <a:extLst>
               <a:ext uri="{C572A759-6A51-4108-AA02-DFA0A04FC94B}">
-                <ma14:wrappingTextBoxFlag xmlns="" xmlns:ma14="http://schemas.microsoft.com/office/mac/drawingml/2011/main" val="1"/>
+                <ma14:wrappingTextBoxFlag xmlns:ma14="http://schemas.microsoft.com/office/mac/drawingml/2011/main" xmlns="" val="1"/>
               </a:ext>
             </a:extLst>
           </p:spPr>
@@ -41779,7 +43053,7 @@
               <a:effectLst/>
               <a:extLst>
                 <a:ext uri="{C572A759-6A51-4108-AA02-DFA0A04FC94B}">
-                  <ma14:wrappingTextBoxFlag xmlns="" xmlns:ma14="http://schemas.microsoft.com/office/mac/drawingml/2011/main" val="1"/>
+                  <ma14:wrappingTextBoxFlag xmlns:ma14="http://schemas.microsoft.com/office/mac/drawingml/2011/main" xmlns="" val="1"/>
                 </a:ext>
               </a:extLst>
             </p:spPr>
@@ -41972,7 +43246,7 @@
             <a:effectLst/>
             <a:extLst>
               <a:ext uri="{C572A759-6A51-4108-AA02-DFA0A04FC94B}">
-                <ma14:wrappingTextBoxFlag xmlns="" xmlns:ma14="http://schemas.microsoft.com/office/mac/drawingml/2011/main" val="1"/>
+                <ma14:wrappingTextBoxFlag xmlns:ma14="http://schemas.microsoft.com/office/mac/drawingml/2011/main" xmlns="" val="1"/>
               </a:ext>
             </a:extLst>
           </p:spPr>

--- a/docs/Diagrams.pptx
+++ b/docs/Diagrams.pptx
@@ -6,7 +6,7 @@
     <p:sldMasterId id="2147484308" r:id="rId2"/>
   </p:sldMasterIdLst>
   <p:notesMasterIdLst>
-    <p:notesMasterId r:id="rId19"/>
+    <p:notesMasterId r:id="rId20"/>
   </p:notesMasterIdLst>
   <p:sldIdLst>
     <p:sldId id="2670" r:id="rId3"/>
@@ -25,6 +25,7 @@
     <p:sldId id="2683" r:id="rId16"/>
     <p:sldId id="2684" r:id="rId17"/>
     <p:sldId id="2685" r:id="rId18"/>
+    <p:sldId id="2686" r:id="rId19"/>
   </p:sldIdLst>
   <p:sldSz cx="12192000" cy="6858000"/>
   <p:notesSz cx="7086600" cy="9372600"/>
@@ -287,7 +288,7 @@
               <a:pPr>
                 <a:defRPr/>
               </a:pPr>
-              <a:t>5/16/21</a:t>
+              <a:t>6/15/21</a:t>
             </a:fld>
             <a:endParaRPr lang="en-US"/>
           </a:p>
@@ -9165,7 +9166,7 @@
             <a:effectLst/>
             <a:extLst>
               <a:ext uri="{C572A759-6A51-4108-AA02-DFA0A04FC94B}">
-                <ma14:wrappingTextBoxFlag xmlns:ma14="http://schemas.microsoft.com/office/mac/drawingml/2011/main" xmlns="" val="1"/>
+                <ma14:wrappingTextBoxFlag xmlns="" xmlns:ma14="http://schemas.microsoft.com/office/mac/drawingml/2011/main" val="1"/>
               </a:ext>
             </a:extLst>
           </p:spPr>
@@ -9981,7 +9982,7 @@
             <a:effectLst/>
             <a:extLst>
               <a:ext uri="{C572A759-6A51-4108-AA02-DFA0A04FC94B}">
-                <ma14:wrappingTextBoxFlag xmlns:ma14="http://schemas.microsoft.com/office/mac/drawingml/2011/main" xmlns="" val="1"/>
+                <ma14:wrappingTextBoxFlag xmlns="" xmlns:ma14="http://schemas.microsoft.com/office/mac/drawingml/2011/main" val="1"/>
               </a:ext>
             </a:extLst>
           </p:spPr>
@@ -10097,7 +10098,7 @@
             <a:effectLst/>
             <a:extLst>
               <a:ext uri="{C572A759-6A51-4108-AA02-DFA0A04FC94B}">
-                <ma14:wrappingTextBoxFlag xmlns:ma14="http://schemas.microsoft.com/office/mac/drawingml/2011/main" xmlns="" val="1"/>
+                <ma14:wrappingTextBoxFlag xmlns="" xmlns:ma14="http://schemas.microsoft.com/office/mac/drawingml/2011/main" val="1"/>
               </a:ext>
             </a:extLst>
           </p:spPr>
@@ -10277,7 +10278,7 @@
             <a:effectLst/>
             <a:extLst>
               <a:ext uri="{C572A759-6A51-4108-AA02-DFA0A04FC94B}">
-                <ma14:wrappingTextBoxFlag xmlns="" xmlns:ma14="http://schemas.microsoft.com/office/mac/drawingml/2011/main" val="1"/>
+                <ma14:wrappingTextBoxFlag xmlns:ma14="http://schemas.microsoft.com/office/mac/drawingml/2011/main" xmlns="" val="1"/>
               </a:ext>
             </a:extLst>
           </p:spPr>
@@ -10592,7 +10593,7 @@
               <a:effectLst/>
               <a:extLst>
                 <a:ext uri="{C572A759-6A51-4108-AA02-DFA0A04FC94B}">
-                  <ma14:wrappingTextBoxFlag xmlns:ma14="http://schemas.microsoft.com/office/mac/drawingml/2011/main" xmlns="" val="1"/>
+                  <ma14:wrappingTextBoxFlag xmlns="" xmlns:ma14="http://schemas.microsoft.com/office/mac/drawingml/2011/main" val="1"/>
                 </a:ext>
               </a:extLst>
             </p:spPr>
@@ -10806,7 +10807,7 @@
               <a:effectLst/>
               <a:extLst>
                 <a:ext uri="{C572A759-6A51-4108-AA02-DFA0A04FC94B}">
-                  <ma14:wrappingTextBoxFlag xmlns:ma14="http://schemas.microsoft.com/office/mac/drawingml/2011/main" xmlns="" val="1"/>
+                  <ma14:wrappingTextBoxFlag xmlns="" xmlns:ma14="http://schemas.microsoft.com/office/mac/drawingml/2011/main" val="1"/>
                 </a:ext>
               </a:extLst>
             </p:spPr>
@@ -11088,7 +11089,7 @@
             <a:effectLst/>
             <a:extLst>
               <a:ext uri="{C572A759-6A51-4108-AA02-DFA0A04FC94B}">
-                <ma14:wrappingTextBoxFlag xmlns:ma14="http://schemas.microsoft.com/office/mac/drawingml/2011/main" xmlns="" val="1"/>
+                <ma14:wrappingTextBoxFlag xmlns="" xmlns:ma14="http://schemas.microsoft.com/office/mac/drawingml/2011/main" val="1"/>
               </a:ext>
             </a:extLst>
           </p:spPr>
@@ -11204,7 +11205,7 @@
             <a:effectLst/>
             <a:extLst>
               <a:ext uri="{C572A759-6A51-4108-AA02-DFA0A04FC94B}">
-                <ma14:wrappingTextBoxFlag xmlns:ma14="http://schemas.microsoft.com/office/mac/drawingml/2011/main" xmlns="" val="1"/>
+                <ma14:wrappingTextBoxFlag xmlns="" xmlns:ma14="http://schemas.microsoft.com/office/mac/drawingml/2011/main" val="1"/>
               </a:ext>
             </a:extLst>
           </p:spPr>
@@ -12342,7 +12343,7 @@
             <a:effectLst/>
             <a:extLst>
               <a:ext uri="{C572A759-6A51-4108-AA02-DFA0A04FC94B}">
-                <ma14:wrappingTextBoxFlag xmlns="" xmlns:ma14="http://schemas.microsoft.com/office/mac/drawingml/2011/main" val="1"/>
+                <ma14:wrappingTextBoxFlag xmlns:ma14="http://schemas.microsoft.com/office/mac/drawingml/2011/main" xmlns="" val="1"/>
               </a:ext>
             </a:extLst>
           </p:spPr>
@@ -12475,7 +12476,7 @@
             <a:effectLst/>
             <a:extLst>
               <a:ext uri="{C572A759-6A51-4108-AA02-DFA0A04FC94B}">
-                <ma14:wrappingTextBoxFlag xmlns="" xmlns:ma14="http://schemas.microsoft.com/office/mac/drawingml/2011/main" val="1"/>
+                <ma14:wrappingTextBoxFlag xmlns:ma14="http://schemas.microsoft.com/office/mac/drawingml/2011/main" xmlns="" val="1"/>
               </a:ext>
             </a:extLst>
           </p:spPr>
@@ -12787,7 +12788,7 @@
               <a:effectLst/>
               <a:extLst>
                 <a:ext uri="{C572A759-6A51-4108-AA02-DFA0A04FC94B}">
-                  <ma14:wrappingTextBoxFlag xmlns:ma14="http://schemas.microsoft.com/office/mac/drawingml/2011/main" xmlns="" val="1"/>
+                  <ma14:wrappingTextBoxFlag xmlns="" xmlns:ma14="http://schemas.microsoft.com/office/mac/drawingml/2011/main" val="1"/>
                 </a:ext>
               </a:extLst>
             </p:spPr>
@@ -13211,7 +13212,7 @@
               <a:effectLst/>
               <a:extLst>
                 <a:ext uri="{C572A759-6A51-4108-AA02-DFA0A04FC94B}">
-                  <ma14:wrappingTextBoxFlag xmlns:ma14="http://schemas.microsoft.com/office/mac/drawingml/2011/main" xmlns="" val="1"/>
+                  <ma14:wrappingTextBoxFlag xmlns="" xmlns:ma14="http://schemas.microsoft.com/office/mac/drawingml/2011/main" val="1"/>
                 </a:ext>
               </a:extLst>
             </p:spPr>
@@ -13862,7 +13863,7 @@
             <a:effectLst/>
             <a:extLst>
               <a:ext uri="{C572A759-6A51-4108-AA02-DFA0A04FC94B}">
-                <ma14:wrappingTextBoxFlag xmlns:ma14="http://schemas.microsoft.com/office/mac/drawingml/2011/main" xmlns="" val="1"/>
+                <ma14:wrappingTextBoxFlag xmlns="" xmlns:ma14="http://schemas.microsoft.com/office/mac/drawingml/2011/main" val="1"/>
               </a:ext>
             </a:extLst>
           </p:spPr>
@@ -14117,7 +14118,7 @@
             <a:effectLst/>
             <a:extLst>
               <a:ext uri="{C572A759-6A51-4108-AA02-DFA0A04FC94B}">
-                <ma14:wrappingTextBoxFlag xmlns="" xmlns:ma14="http://schemas.microsoft.com/office/mac/drawingml/2011/main" val="1"/>
+                <ma14:wrappingTextBoxFlag xmlns:ma14="http://schemas.microsoft.com/office/mac/drawingml/2011/main" xmlns="" val="1"/>
               </a:ext>
             </a:extLst>
           </p:spPr>
@@ -14365,7 +14366,7 @@
               <a:effectLst/>
               <a:extLst>
                 <a:ext uri="{C572A759-6A51-4108-AA02-DFA0A04FC94B}">
-                  <ma14:wrappingTextBoxFlag xmlns:ma14="http://schemas.microsoft.com/office/mac/drawingml/2011/main" xmlns="" val="1"/>
+                  <ma14:wrappingTextBoxFlag xmlns="" xmlns:ma14="http://schemas.microsoft.com/office/mac/drawingml/2011/main" val="1"/>
                 </a:ext>
               </a:extLst>
             </p:spPr>
@@ -14663,7 +14664,7 @@
               <a:effectLst/>
               <a:extLst>
                 <a:ext uri="{C572A759-6A51-4108-AA02-DFA0A04FC94B}">
-                  <ma14:wrappingTextBoxFlag xmlns:ma14="http://schemas.microsoft.com/office/mac/drawingml/2011/main" xmlns="" val="1"/>
+                  <ma14:wrappingTextBoxFlag xmlns="" xmlns:ma14="http://schemas.microsoft.com/office/mac/drawingml/2011/main" val="1"/>
                 </a:ext>
               </a:extLst>
             </p:spPr>
@@ -15973,7 +15974,7 @@
             <a:effectLst/>
             <a:extLst>
               <a:ext uri="{C572A759-6A51-4108-AA02-DFA0A04FC94B}">
-                <ma14:wrappingTextBoxFlag xmlns="" xmlns:ma14="http://schemas.microsoft.com/office/mac/drawingml/2011/main" val="1"/>
+                <ma14:wrappingTextBoxFlag xmlns:ma14="http://schemas.microsoft.com/office/mac/drawingml/2011/main" xmlns="" val="1"/>
               </a:ext>
             </a:extLst>
           </p:spPr>
@@ -16089,7 +16090,7 @@
             <a:effectLst/>
             <a:extLst>
               <a:ext uri="{C572A759-6A51-4108-AA02-DFA0A04FC94B}">
-                <ma14:wrappingTextBoxFlag xmlns="" xmlns:ma14="http://schemas.microsoft.com/office/mac/drawingml/2011/main" val="1"/>
+                <ma14:wrappingTextBoxFlag xmlns:ma14="http://schemas.microsoft.com/office/mac/drawingml/2011/main" xmlns="" val="1"/>
               </a:ext>
             </a:extLst>
           </p:spPr>
@@ -16510,7 +16511,7 @@
             <a:effectLst/>
             <a:extLst>
               <a:ext uri="{C572A759-6A51-4108-AA02-DFA0A04FC94B}">
-                <ma14:wrappingTextBoxFlag xmlns="" xmlns:ma14="http://schemas.microsoft.com/office/mac/drawingml/2011/main" val="1"/>
+                <ma14:wrappingTextBoxFlag xmlns:ma14="http://schemas.microsoft.com/office/mac/drawingml/2011/main" xmlns="" val="1"/>
               </a:ext>
             </a:extLst>
           </p:spPr>
@@ -16669,7 +16670,7 @@
             <a:effectLst/>
             <a:extLst>
               <a:ext uri="{C572A759-6A51-4108-AA02-DFA0A04FC94B}">
-                <ma14:wrappingTextBoxFlag xmlns:ma14="http://schemas.microsoft.com/office/mac/drawingml/2011/main" xmlns="" val="1"/>
+                <ma14:wrappingTextBoxFlag xmlns="" xmlns:ma14="http://schemas.microsoft.com/office/mac/drawingml/2011/main" val="1"/>
               </a:ext>
             </a:extLst>
           </p:spPr>
@@ -17188,7 +17189,7 @@
               <a:effectLst/>
               <a:extLst>
                 <a:ext uri="{C572A759-6A51-4108-AA02-DFA0A04FC94B}">
-                  <ma14:wrappingTextBoxFlag xmlns:ma14="http://schemas.microsoft.com/office/mac/drawingml/2011/main" xmlns="" val="1"/>
+                  <ma14:wrappingTextBoxFlag xmlns="" xmlns:ma14="http://schemas.microsoft.com/office/mac/drawingml/2011/main" val="1"/>
                 </a:ext>
               </a:extLst>
             </p:spPr>
@@ -17338,7 +17339,7 @@
             <a:effectLst/>
             <a:extLst>
               <a:ext uri="{C572A759-6A51-4108-AA02-DFA0A04FC94B}">
-                <ma14:wrappingTextBoxFlag xmlns="" xmlns:ma14="http://schemas.microsoft.com/office/mac/drawingml/2011/main" val="1"/>
+                <ma14:wrappingTextBoxFlag xmlns:ma14="http://schemas.microsoft.com/office/mac/drawingml/2011/main" xmlns="" val="1"/>
               </a:ext>
             </a:extLst>
           </p:spPr>
@@ -17498,7 +17499,7 @@
             <a:effectLst/>
             <a:extLst>
               <a:ext uri="{C572A759-6A51-4108-AA02-DFA0A04FC94B}">
-                <ma14:wrappingTextBoxFlag xmlns:ma14="http://schemas.microsoft.com/office/mac/drawingml/2011/main" xmlns="" val="1"/>
+                <ma14:wrappingTextBoxFlag xmlns="" xmlns:ma14="http://schemas.microsoft.com/office/mac/drawingml/2011/main" val="1"/>
               </a:ext>
             </a:extLst>
           </p:spPr>
@@ -17799,7 +17800,7 @@
               <a:effectLst/>
               <a:extLst>
                 <a:ext uri="{C572A759-6A51-4108-AA02-DFA0A04FC94B}">
-                  <ma14:wrappingTextBoxFlag xmlns:ma14="http://schemas.microsoft.com/office/mac/drawingml/2011/main" xmlns="" val="1"/>
+                  <ma14:wrappingTextBoxFlag xmlns="" xmlns:ma14="http://schemas.microsoft.com/office/mac/drawingml/2011/main" val="1"/>
                 </a:ext>
               </a:extLst>
             </p:spPr>
@@ -23158,6 +23159,601 @@
 </p:sld>
 </file>
 
+<file path=ppt/slides/slide17.xml><?xml version="1.0" encoding="utf-8"?>
+<p:sld xmlns:a="http://schemas.openxmlformats.org/drawingml/2006/main" xmlns:r="http://schemas.openxmlformats.org/officeDocument/2006/relationships" xmlns:p="http://schemas.openxmlformats.org/presentationml/2006/main">
+  <p:cSld>
+    <p:spTree>
+      <p:nvGrpSpPr>
+        <p:cNvPr id="1" name=""/>
+        <p:cNvGrpSpPr/>
+        <p:nvPr/>
+      </p:nvGrpSpPr>
+      <p:grpSpPr>
+        <a:xfrm>
+          <a:off x="0" y="0"/>
+          <a:ext cx="0" cy="0"/>
+          <a:chOff x="0" y="0"/>
+          <a:chExt cx="0" cy="0"/>
+        </a:xfrm>
+      </p:grpSpPr>
+      <p:sp>
+        <p:nvSpPr>
+          <p:cNvPr id="2" name="Title 1">
+            <a:extLst>
+              <a:ext uri="{FF2B5EF4-FFF2-40B4-BE49-F238E27FC236}">
+                <a16:creationId xmlns:a16="http://schemas.microsoft.com/office/drawing/2014/main" id="{CE89E68C-850A-9D46-A3BA-FA631A9F114A}"/>
+              </a:ext>
+            </a:extLst>
+          </p:cNvPr>
+          <p:cNvSpPr>
+            <a:spLocks noGrp="1"/>
+          </p:cNvSpPr>
+          <p:nvPr>
+            <p:ph type="title"/>
+          </p:nvPr>
+        </p:nvSpPr>
+        <p:spPr/>
+        <p:txBody>
+          <a:bodyPr/>
+          <a:lstStyle/>
+          <a:p>
+            <a:r>
+              <a:rPr lang="en-US" dirty="0" err="1"/>
+              <a:t>Tekton</a:t>
+            </a:r>
+            <a:endParaRPr lang="en-US" dirty="0"/>
+          </a:p>
+        </p:txBody>
+      </p:sp>
+      <p:sp>
+        <p:nvSpPr>
+          <p:cNvPr id="4" name="Slide Number Placeholder 3">
+            <a:extLst>
+              <a:ext uri="{FF2B5EF4-FFF2-40B4-BE49-F238E27FC236}">
+                <a16:creationId xmlns:a16="http://schemas.microsoft.com/office/drawing/2014/main" id="{FF5B5E3E-7475-7F49-8B70-FB10F0950A96}"/>
+              </a:ext>
+            </a:extLst>
+          </p:cNvPr>
+          <p:cNvSpPr>
+            <a:spLocks noGrp="1"/>
+          </p:cNvSpPr>
+          <p:nvPr>
+            <p:ph type="sldNum" sz="quarter" idx="10"/>
+          </p:nvPr>
+        </p:nvSpPr>
+        <p:spPr/>
+        <p:txBody>
+          <a:bodyPr/>
+          <a:lstStyle/>
+          <a:p>
+            <a:pPr defTabSz="911231" eaLnBrk="1" fontAlgn="auto" hangingPunct="1">
+              <a:spcBef>
+                <a:spcPts val="0"/>
+              </a:spcBef>
+              <a:spcAft>
+                <a:spcPts val="0"/>
+              </a:spcAft>
+              <a:defRPr/>
+            </a:pPr>
+            <a:r>
+              <a:rPr lang="en-US" altLang="en-US">
+                <a:solidFill>
+                  <a:srgbClr val="FFFFFF"/>
+                </a:solidFill>
+                <a:latin typeface="Arial"/>
+                <a:ea typeface="ＭＳ Ｐゴシック" charset="0"/>
+                <a:cs typeface="Arial"/>
+                <a:sym typeface="Helvetica" charset="0"/>
+              </a:rPr>
+              <a:t>IBM Confidential – Page </a:t>
+            </a:r>
+            <a:fld id="{3AD35F64-7BFE-4AA6-B41F-771B1133FB22}" type="slidenum">
+              <a:rPr lang="en-US" altLang="en-US" smtClean="0">
+                <a:solidFill>
+                  <a:srgbClr val="FFFFFF"/>
+                </a:solidFill>
+                <a:latin typeface="Arial"/>
+                <a:ea typeface="ＭＳ Ｐゴシック" charset="0"/>
+                <a:cs typeface="Arial"/>
+                <a:sym typeface="Helvetica" charset="0"/>
+              </a:rPr>
+              <a:pPr defTabSz="911231" eaLnBrk="1" fontAlgn="auto" hangingPunct="1">
+                <a:spcBef>
+                  <a:spcPts val="0"/>
+                </a:spcBef>
+                <a:spcAft>
+                  <a:spcPts val="0"/>
+                </a:spcAft>
+                <a:defRPr/>
+              </a:pPr>
+              <a:t>17</a:t>
+            </a:fld>
+            <a:endParaRPr lang="en-US" altLang="en-US">
+              <a:solidFill>
+                <a:srgbClr val="FFFFFF"/>
+              </a:solidFill>
+              <a:latin typeface="Arial"/>
+              <a:ea typeface="ＭＳ Ｐゴシック" charset="0"/>
+              <a:cs typeface="Arial"/>
+              <a:sym typeface="Helvetica" charset="0"/>
+            </a:endParaRPr>
+          </a:p>
+        </p:txBody>
+      </p:sp>
+      <p:sp>
+        <p:nvSpPr>
+          <p:cNvPr id="5" name="Rectangle 4">
+            <a:extLst>
+              <a:ext uri="{FF2B5EF4-FFF2-40B4-BE49-F238E27FC236}">
+                <a16:creationId xmlns:a16="http://schemas.microsoft.com/office/drawing/2014/main" id="{F9DD17F8-933F-E340-9188-FE1E777184E1}"/>
+              </a:ext>
+            </a:extLst>
+          </p:cNvPr>
+          <p:cNvSpPr/>
+          <p:nvPr/>
+        </p:nvSpPr>
+        <p:spPr>
+          <a:xfrm>
+            <a:off x="8111924" y="2468177"/>
+            <a:ext cx="1454551" cy="438587"/>
+          </a:xfrm>
+          <a:prstGeom prst="rect">
+            <a:avLst/>
+          </a:prstGeom>
+          <a:solidFill>
+            <a:srgbClr val="4040EA"/>
+          </a:solidFill>
+          <a:ln>
+            <a:noFill/>
+          </a:ln>
+          <a:effectLst>
+            <a:outerShdw blurRad="50800" dist="38100" dir="5400000" algn="t" rotWithShape="0">
+              <a:prstClr val="black">
+                <a:alpha val="40000"/>
+              </a:prstClr>
+            </a:outerShdw>
+          </a:effectLst>
+        </p:spPr>
+        <p:style>
+          <a:lnRef idx="2">
+            <a:schemeClr val="accent1">
+              <a:shade val="50000"/>
+            </a:schemeClr>
+          </a:lnRef>
+          <a:fillRef idx="1">
+            <a:schemeClr val="accent1"/>
+          </a:fillRef>
+          <a:effectRef idx="0">
+            <a:schemeClr val="accent1"/>
+          </a:effectRef>
+          <a:fontRef idx="minor">
+            <a:schemeClr val="lt1"/>
+          </a:fontRef>
+        </p:style>
+        <p:txBody>
+          <a:bodyPr rtlCol="0" anchor="ctr"/>
+          <a:lstStyle/>
+          <a:p>
+            <a:pPr algn="ctr"/>
+            <a:r>
+              <a:rPr lang="en-US" sz="1200" dirty="0">
+                <a:solidFill>
+                  <a:schemeClr val="bg1"/>
+                </a:solidFill>
+              </a:rPr>
+              <a:t>Task</a:t>
+            </a:r>
+          </a:p>
+        </p:txBody>
+      </p:sp>
+      <p:sp>
+        <p:nvSpPr>
+          <p:cNvPr id="6" name="Rectangle 5">
+            <a:extLst>
+              <a:ext uri="{FF2B5EF4-FFF2-40B4-BE49-F238E27FC236}">
+                <a16:creationId xmlns:a16="http://schemas.microsoft.com/office/drawing/2014/main" id="{26F50E6B-DC04-FF43-A259-5C27FEFB2553}"/>
+              </a:ext>
+            </a:extLst>
+          </p:cNvPr>
+          <p:cNvSpPr/>
+          <p:nvPr/>
+        </p:nvSpPr>
+        <p:spPr>
+          <a:xfrm>
+            <a:off x="5585281" y="2468178"/>
+            <a:ext cx="1454551" cy="438587"/>
+          </a:xfrm>
+          <a:prstGeom prst="rect">
+            <a:avLst/>
+          </a:prstGeom>
+          <a:solidFill>
+            <a:srgbClr val="4040EA"/>
+          </a:solidFill>
+          <a:ln>
+            <a:noFill/>
+          </a:ln>
+          <a:effectLst>
+            <a:outerShdw blurRad="50800" dist="38100" dir="5400000" algn="t" rotWithShape="0">
+              <a:prstClr val="black">
+                <a:alpha val="40000"/>
+              </a:prstClr>
+            </a:outerShdw>
+          </a:effectLst>
+        </p:spPr>
+        <p:style>
+          <a:lnRef idx="2">
+            <a:schemeClr val="accent1">
+              <a:shade val="50000"/>
+            </a:schemeClr>
+          </a:lnRef>
+          <a:fillRef idx="1">
+            <a:schemeClr val="accent1"/>
+          </a:fillRef>
+          <a:effectRef idx="0">
+            <a:schemeClr val="accent1"/>
+          </a:effectRef>
+          <a:fontRef idx="minor">
+            <a:schemeClr val="lt1"/>
+          </a:fontRef>
+        </p:style>
+        <p:txBody>
+          <a:bodyPr rtlCol="0" anchor="ctr"/>
+          <a:lstStyle/>
+          <a:p>
+            <a:pPr algn="ctr"/>
+            <a:r>
+              <a:rPr lang="en-US" sz="1200" dirty="0">
+                <a:solidFill>
+                  <a:schemeClr val="bg1"/>
+                </a:solidFill>
+              </a:rPr>
+              <a:t>Pipeline</a:t>
+            </a:r>
+          </a:p>
+        </p:txBody>
+      </p:sp>
+      <p:cxnSp>
+        <p:nvCxnSpPr>
+          <p:cNvPr id="8" name="Straight Arrow Connector 7">
+            <a:extLst>
+              <a:ext uri="{FF2B5EF4-FFF2-40B4-BE49-F238E27FC236}">
+                <a16:creationId xmlns:a16="http://schemas.microsoft.com/office/drawing/2014/main" id="{783F49DF-30FE-2248-A757-D7DF274F9F4A}"/>
+              </a:ext>
+            </a:extLst>
+          </p:cNvPr>
+          <p:cNvCxnSpPr>
+            <a:stCxn id="6" idx="3"/>
+            <a:endCxn id="5" idx="1"/>
+          </p:cNvCxnSpPr>
+          <p:nvPr/>
+        </p:nvCxnSpPr>
+        <p:spPr>
+          <a:xfrm flipV="1">
+            <a:off x="7039832" y="2687471"/>
+            <a:ext cx="1072092" cy="1"/>
+          </a:xfrm>
+          <a:prstGeom prst="straightConnector1">
+            <a:avLst/>
+          </a:prstGeom>
+          <a:ln>
+            <a:tailEnd type="triangle"/>
+          </a:ln>
+        </p:spPr>
+        <p:style>
+          <a:lnRef idx="2">
+            <a:schemeClr val="dk1"/>
+          </a:lnRef>
+          <a:fillRef idx="0">
+            <a:schemeClr val="dk1"/>
+          </a:fillRef>
+          <a:effectRef idx="1">
+            <a:schemeClr val="dk1"/>
+          </a:effectRef>
+          <a:fontRef idx="minor">
+            <a:schemeClr val="tx1"/>
+          </a:fontRef>
+        </p:style>
+      </p:cxnSp>
+      <p:sp>
+        <p:nvSpPr>
+          <p:cNvPr id="9" name="Rectangle 8">
+            <a:extLst>
+              <a:ext uri="{FF2B5EF4-FFF2-40B4-BE49-F238E27FC236}">
+                <a16:creationId xmlns:a16="http://schemas.microsoft.com/office/drawing/2014/main" id="{28D8BFF4-08F9-E346-9C61-30283FADD3B3}"/>
+              </a:ext>
+            </a:extLst>
+          </p:cNvPr>
+          <p:cNvSpPr/>
+          <p:nvPr/>
+        </p:nvSpPr>
+        <p:spPr>
+          <a:xfrm>
+            <a:off x="2855869" y="2468176"/>
+            <a:ext cx="1454551" cy="438587"/>
+          </a:xfrm>
+          <a:prstGeom prst="rect">
+            <a:avLst/>
+          </a:prstGeom>
+          <a:solidFill>
+            <a:srgbClr val="4040EA"/>
+          </a:solidFill>
+          <a:ln>
+            <a:noFill/>
+          </a:ln>
+          <a:effectLst>
+            <a:outerShdw blurRad="50800" dist="38100" dir="5400000" algn="t" rotWithShape="0">
+              <a:prstClr val="black">
+                <a:alpha val="40000"/>
+              </a:prstClr>
+            </a:outerShdw>
+          </a:effectLst>
+        </p:spPr>
+        <p:style>
+          <a:lnRef idx="2">
+            <a:schemeClr val="accent1">
+              <a:shade val="50000"/>
+            </a:schemeClr>
+          </a:lnRef>
+          <a:fillRef idx="1">
+            <a:schemeClr val="accent1"/>
+          </a:fillRef>
+          <a:effectRef idx="0">
+            <a:schemeClr val="accent1"/>
+          </a:effectRef>
+          <a:fontRef idx="minor">
+            <a:schemeClr val="lt1"/>
+          </a:fontRef>
+        </p:style>
+        <p:txBody>
+          <a:bodyPr rtlCol="0" anchor="ctr"/>
+          <a:lstStyle/>
+          <a:p>
+            <a:pPr algn="ctr"/>
+            <a:r>
+              <a:rPr lang="en-US" sz="1200" dirty="0">
+                <a:solidFill>
+                  <a:schemeClr val="bg1"/>
+                </a:solidFill>
+              </a:rPr>
+              <a:t>PipelineRun</a:t>
+            </a:r>
+          </a:p>
+        </p:txBody>
+      </p:sp>
+      <p:sp>
+        <p:nvSpPr>
+          <p:cNvPr id="10" name="TextBox 9">
+            <a:extLst>
+              <a:ext uri="{FF2B5EF4-FFF2-40B4-BE49-F238E27FC236}">
+                <a16:creationId xmlns:a16="http://schemas.microsoft.com/office/drawing/2014/main" id="{03DBF425-A3D9-DC40-8274-0A9B415A95F7}"/>
+              </a:ext>
+            </a:extLst>
+          </p:cNvPr>
+          <p:cNvSpPr txBox="1"/>
+          <p:nvPr/>
+        </p:nvSpPr>
+        <p:spPr>
+          <a:xfrm>
+            <a:off x="7730836" y="2344189"/>
+            <a:ext cx="274434" cy="369332"/>
+          </a:xfrm>
+          <a:prstGeom prst="rect">
+            <a:avLst/>
+          </a:prstGeom>
+          <a:noFill/>
+        </p:spPr>
+        <p:txBody>
+          <a:bodyPr wrap="none" rtlCol="0">
+            <a:spAutoFit/>
+          </a:bodyPr>
+          <a:lstStyle/>
+          <a:p>
+            <a:r>
+              <a:rPr lang="en-US" dirty="0"/>
+              <a:t>*</a:t>
+            </a:r>
+          </a:p>
+        </p:txBody>
+      </p:sp>
+      <p:cxnSp>
+        <p:nvCxnSpPr>
+          <p:cNvPr id="11" name="Straight Arrow Connector 10">
+            <a:extLst>
+              <a:ext uri="{FF2B5EF4-FFF2-40B4-BE49-F238E27FC236}">
+                <a16:creationId xmlns:a16="http://schemas.microsoft.com/office/drawing/2014/main" id="{0C9FC251-8D66-8743-9A05-C637ACF00D23}"/>
+              </a:ext>
+            </a:extLst>
+          </p:cNvPr>
+          <p:cNvCxnSpPr>
+            <a:cxnSpLocks/>
+            <a:endCxn id="6" idx="1"/>
+          </p:cNvCxnSpPr>
+          <p:nvPr/>
+        </p:nvCxnSpPr>
+        <p:spPr>
+          <a:xfrm>
+            <a:off x="4321960" y="2687470"/>
+            <a:ext cx="1263321" cy="2"/>
+          </a:xfrm>
+          <a:prstGeom prst="straightConnector1">
+            <a:avLst/>
+          </a:prstGeom>
+          <a:ln>
+            <a:tailEnd type="triangle"/>
+          </a:ln>
+        </p:spPr>
+        <p:style>
+          <a:lnRef idx="2">
+            <a:schemeClr val="dk1"/>
+          </a:lnRef>
+          <a:fillRef idx="0">
+            <a:schemeClr val="dk1"/>
+          </a:fillRef>
+          <a:effectRef idx="1">
+            <a:schemeClr val="dk1"/>
+          </a:effectRef>
+          <a:fontRef idx="minor">
+            <a:schemeClr val="tx1"/>
+          </a:fontRef>
+        </p:style>
+      </p:cxnSp>
+      <p:sp>
+        <p:nvSpPr>
+          <p:cNvPr id="13" name="Rectangle 12">
+            <a:extLst>
+              <a:ext uri="{FF2B5EF4-FFF2-40B4-BE49-F238E27FC236}">
+                <a16:creationId xmlns:a16="http://schemas.microsoft.com/office/drawing/2014/main" id="{F6D1676E-BCB3-614B-8FA7-C8B7825FD427}"/>
+              </a:ext>
+            </a:extLst>
+          </p:cNvPr>
+          <p:cNvSpPr/>
+          <p:nvPr/>
+        </p:nvSpPr>
+        <p:spPr>
+          <a:xfrm>
+            <a:off x="2867409" y="3865419"/>
+            <a:ext cx="1454551" cy="438587"/>
+          </a:xfrm>
+          <a:prstGeom prst="rect">
+            <a:avLst/>
+          </a:prstGeom>
+          <a:solidFill>
+            <a:srgbClr val="4040EA"/>
+          </a:solidFill>
+          <a:ln>
+            <a:noFill/>
+          </a:ln>
+          <a:effectLst>
+            <a:outerShdw blurRad="50800" dist="38100" dir="5400000" algn="t" rotWithShape="0">
+              <a:prstClr val="black">
+                <a:alpha val="40000"/>
+              </a:prstClr>
+            </a:outerShdw>
+          </a:effectLst>
+        </p:spPr>
+        <p:style>
+          <a:lnRef idx="2">
+            <a:schemeClr val="accent1">
+              <a:shade val="50000"/>
+            </a:schemeClr>
+          </a:lnRef>
+          <a:fillRef idx="1">
+            <a:schemeClr val="accent1"/>
+          </a:fillRef>
+          <a:effectRef idx="0">
+            <a:schemeClr val="accent1"/>
+          </a:effectRef>
+          <a:fontRef idx="minor">
+            <a:schemeClr val="lt1"/>
+          </a:fontRef>
+        </p:style>
+        <p:txBody>
+          <a:bodyPr rtlCol="0" anchor="ctr"/>
+          <a:lstStyle/>
+          <a:p>
+            <a:pPr algn="ctr"/>
+            <a:r>
+              <a:rPr lang="en-US" sz="1200" dirty="0">
+                <a:solidFill>
+                  <a:schemeClr val="bg1"/>
+                </a:solidFill>
+              </a:rPr>
+              <a:t>PipelineResource</a:t>
+            </a:r>
+          </a:p>
+        </p:txBody>
+      </p:sp>
+      <p:cxnSp>
+        <p:nvCxnSpPr>
+          <p:cNvPr id="14" name="Straight Arrow Connector 13">
+            <a:extLst>
+              <a:ext uri="{FF2B5EF4-FFF2-40B4-BE49-F238E27FC236}">
+                <a16:creationId xmlns:a16="http://schemas.microsoft.com/office/drawing/2014/main" id="{0DC4772D-9979-2345-B214-5A5D61169266}"/>
+              </a:ext>
+            </a:extLst>
+          </p:cNvPr>
+          <p:cNvCxnSpPr>
+            <a:cxnSpLocks/>
+            <a:stCxn id="9" idx="2"/>
+            <a:endCxn id="13" idx="0"/>
+          </p:cNvCxnSpPr>
+          <p:nvPr/>
+        </p:nvCxnSpPr>
+        <p:spPr>
+          <a:xfrm>
+            <a:off x="3583145" y="2906763"/>
+            <a:ext cx="11540" cy="958656"/>
+          </a:xfrm>
+          <a:prstGeom prst="straightConnector1">
+            <a:avLst/>
+          </a:prstGeom>
+          <a:ln>
+            <a:tailEnd type="triangle"/>
+          </a:ln>
+        </p:spPr>
+        <p:style>
+          <a:lnRef idx="2">
+            <a:schemeClr val="dk1"/>
+          </a:lnRef>
+          <a:fillRef idx="0">
+            <a:schemeClr val="dk1"/>
+          </a:fillRef>
+          <a:effectRef idx="1">
+            <a:schemeClr val="dk1"/>
+          </a:effectRef>
+          <a:fontRef idx="minor">
+            <a:schemeClr val="tx1"/>
+          </a:fontRef>
+        </p:style>
+      </p:cxnSp>
+      <p:sp>
+        <p:nvSpPr>
+          <p:cNvPr id="17" name="TextBox 16">
+            <a:extLst>
+              <a:ext uri="{FF2B5EF4-FFF2-40B4-BE49-F238E27FC236}">
+                <a16:creationId xmlns:a16="http://schemas.microsoft.com/office/drawing/2014/main" id="{7A9C8853-61A2-3B4E-8045-56334F50CCA7}"/>
+              </a:ext>
+            </a:extLst>
+          </p:cNvPr>
+          <p:cNvSpPr txBox="1"/>
+          <p:nvPr/>
+        </p:nvSpPr>
+        <p:spPr>
+          <a:xfrm>
+            <a:off x="3594684" y="3510021"/>
+            <a:ext cx="274434" cy="369332"/>
+          </a:xfrm>
+          <a:prstGeom prst="rect">
+            <a:avLst/>
+          </a:prstGeom>
+          <a:noFill/>
+        </p:spPr>
+        <p:txBody>
+          <a:bodyPr wrap="none" rtlCol="0">
+            <a:spAutoFit/>
+          </a:bodyPr>
+          <a:lstStyle/>
+          <a:p>
+            <a:r>
+              <a:rPr lang="en-US" dirty="0"/>
+              <a:t>*</a:t>
+            </a:r>
+          </a:p>
+        </p:txBody>
+      </p:sp>
+    </p:spTree>
+    <p:extLst>
+      <p:ext uri="{BB962C8B-B14F-4D97-AF65-F5344CB8AC3E}">
+        <p14:creationId xmlns:p14="http://schemas.microsoft.com/office/powerpoint/2010/main" val="3907147412"/>
+      </p:ext>
+    </p:extLst>
+  </p:cSld>
+  <p:clrMapOvr>
+    <a:masterClrMapping/>
+  </p:clrMapOvr>
+</p:sld>
+</file>
+
 <file path=ppt/slides/slide2.xml><?xml version="1.0" encoding="utf-8"?>
 <p:sld xmlns:a="http://schemas.openxmlformats.org/drawingml/2006/main" xmlns:r="http://schemas.openxmlformats.org/officeDocument/2006/relationships" xmlns:p="http://schemas.openxmlformats.org/presentationml/2006/main">
   <p:cSld>
@@ -23253,7 +23849,7 @@
             <a:effectLst/>
             <a:extLst>
               <a:ext uri="{C572A759-6A51-4108-AA02-DFA0A04FC94B}">
-                <ma14:wrappingTextBoxFlag xmlns:ma14="http://schemas.microsoft.com/office/mac/drawingml/2011/main" xmlns="" val="1"/>
+                <ma14:wrappingTextBoxFlag xmlns="" xmlns:ma14="http://schemas.microsoft.com/office/mac/drawingml/2011/main" val="1"/>
               </a:ext>
             </a:extLst>
           </p:spPr>
@@ -23369,7 +23965,7 @@
             <a:effectLst/>
             <a:extLst>
               <a:ext uri="{C572A759-6A51-4108-AA02-DFA0A04FC94B}">
-                <ma14:wrappingTextBoxFlag xmlns:ma14="http://schemas.microsoft.com/office/mac/drawingml/2011/main" xmlns="" val="1"/>
+                <ma14:wrappingTextBoxFlag xmlns="" xmlns:ma14="http://schemas.microsoft.com/office/mac/drawingml/2011/main" val="1"/>
               </a:ext>
             </a:extLst>
           </p:spPr>
@@ -23839,7 +24435,7 @@
             <a:effectLst/>
             <a:extLst>
               <a:ext uri="{C572A759-6A51-4108-AA02-DFA0A04FC94B}">
-                <ma14:wrappingTextBoxFlag xmlns:ma14="http://schemas.microsoft.com/office/mac/drawingml/2011/main" xmlns="" val="1"/>
+                <ma14:wrappingTextBoxFlag xmlns="" xmlns:ma14="http://schemas.microsoft.com/office/mac/drawingml/2011/main" val="1"/>
               </a:ext>
             </a:extLst>
           </p:spPr>
@@ -24149,7 +24745,7 @@
             <a:effectLst/>
             <a:extLst>
               <a:ext uri="{C572A759-6A51-4108-AA02-DFA0A04FC94B}">
-                <ma14:wrappingTextBoxFlag xmlns:ma14="http://schemas.microsoft.com/office/mac/drawingml/2011/main" xmlns="" val="1"/>
+                <ma14:wrappingTextBoxFlag xmlns="" xmlns:ma14="http://schemas.microsoft.com/office/mac/drawingml/2011/main" val="1"/>
               </a:ext>
             </a:extLst>
           </p:spPr>
@@ -24383,7 +24979,7 @@
             <a:effectLst/>
             <a:extLst>
               <a:ext uri="{C572A759-6A51-4108-AA02-DFA0A04FC94B}">
-                <ma14:wrappingTextBoxFlag xmlns:ma14="http://schemas.microsoft.com/office/mac/drawingml/2011/main" xmlns="" val="1"/>
+                <ma14:wrappingTextBoxFlag xmlns="" xmlns:ma14="http://schemas.microsoft.com/office/mac/drawingml/2011/main" val="1"/>
               </a:ext>
             </a:extLst>
           </p:spPr>
@@ -24516,7 +25112,7 @@
             <a:effectLst/>
             <a:extLst>
               <a:ext uri="{C572A759-6A51-4108-AA02-DFA0A04FC94B}">
-                <ma14:wrappingTextBoxFlag xmlns:ma14="http://schemas.microsoft.com/office/mac/drawingml/2011/main" xmlns="" val="1"/>
+                <ma14:wrappingTextBoxFlag xmlns="" xmlns:ma14="http://schemas.microsoft.com/office/mac/drawingml/2011/main" val="1"/>
               </a:ext>
             </a:extLst>
           </p:spPr>
@@ -25589,7 +26185,7 @@
             <a:effectLst/>
             <a:extLst>
               <a:ext uri="{C572A759-6A51-4108-AA02-DFA0A04FC94B}">
-                <ma14:wrappingTextBoxFlag xmlns:ma14="http://schemas.microsoft.com/office/mac/drawingml/2011/main" xmlns="" val="1"/>
+                <ma14:wrappingTextBoxFlag xmlns="" xmlns:ma14="http://schemas.microsoft.com/office/mac/drawingml/2011/main" val="1"/>
               </a:ext>
             </a:extLst>
           </p:spPr>
@@ -25938,7 +26534,7 @@
             <a:effectLst/>
             <a:extLst>
               <a:ext uri="{C572A759-6A51-4108-AA02-DFA0A04FC94B}">
-                <ma14:wrappingTextBoxFlag xmlns:ma14="http://schemas.microsoft.com/office/mac/drawingml/2011/main" xmlns="" val="1"/>
+                <ma14:wrappingTextBoxFlag xmlns="" xmlns:ma14="http://schemas.microsoft.com/office/mac/drawingml/2011/main" val="1"/>
               </a:ext>
             </a:extLst>
           </p:spPr>
@@ -26358,7 +26954,7 @@
             <a:effectLst/>
             <a:extLst>
               <a:ext uri="{C572A759-6A51-4108-AA02-DFA0A04FC94B}">
-                <ma14:wrappingTextBoxFlag xmlns:ma14="http://schemas.microsoft.com/office/mac/drawingml/2011/main" xmlns="" val="1"/>
+                <ma14:wrappingTextBoxFlag xmlns="" xmlns:ma14="http://schemas.microsoft.com/office/mac/drawingml/2011/main" val="1"/>
               </a:ext>
             </a:extLst>
           </p:spPr>
@@ -27856,7 +28452,7 @@
             <a:effectLst/>
             <a:extLst>
               <a:ext uri="{C572A759-6A51-4108-AA02-DFA0A04FC94B}">
-                <ma14:wrappingTextBoxFlag xmlns:ma14="http://schemas.microsoft.com/office/mac/drawingml/2011/main" xmlns="" val="1"/>
+                <ma14:wrappingTextBoxFlag xmlns="" xmlns:ma14="http://schemas.microsoft.com/office/mac/drawingml/2011/main" val="1"/>
               </a:ext>
             </a:extLst>
           </p:spPr>
@@ -28621,7 +29217,7 @@
             <a:effectLst/>
             <a:extLst>
               <a:ext uri="{C572A759-6A51-4108-AA02-DFA0A04FC94B}">
-                <ma14:wrappingTextBoxFlag xmlns="" xmlns:ma14="http://schemas.microsoft.com/office/mac/drawingml/2011/main" val="1"/>
+                <ma14:wrappingTextBoxFlag xmlns:ma14="http://schemas.microsoft.com/office/mac/drawingml/2011/main" xmlns="" val="1"/>
               </a:ext>
             </a:extLst>
           </p:spPr>
@@ -28737,7 +29333,7 @@
             <a:effectLst/>
             <a:extLst>
               <a:ext uri="{C572A759-6A51-4108-AA02-DFA0A04FC94B}">
-                <ma14:wrappingTextBoxFlag xmlns="" xmlns:ma14="http://schemas.microsoft.com/office/mac/drawingml/2011/main" val="1"/>
+                <ma14:wrappingTextBoxFlag xmlns:ma14="http://schemas.microsoft.com/office/mac/drawingml/2011/main" xmlns="" val="1"/>
               </a:ext>
             </a:extLst>
           </p:spPr>
@@ -28853,7 +29449,7 @@
             <a:effectLst/>
             <a:extLst>
               <a:ext uri="{C572A759-6A51-4108-AA02-DFA0A04FC94B}">
-                <ma14:wrappingTextBoxFlag xmlns="" xmlns:ma14="http://schemas.microsoft.com/office/mac/drawingml/2011/main" val="1"/>
+                <ma14:wrappingTextBoxFlag xmlns:ma14="http://schemas.microsoft.com/office/mac/drawingml/2011/main" xmlns="" val="1"/>
               </a:ext>
             </a:extLst>
           </p:spPr>
@@ -28969,7 +29565,7 @@
             <a:effectLst/>
             <a:extLst>
               <a:ext uri="{C572A759-6A51-4108-AA02-DFA0A04FC94B}">
-                <ma14:wrappingTextBoxFlag xmlns="" xmlns:ma14="http://schemas.microsoft.com/office/mac/drawingml/2011/main" val="1"/>
+                <ma14:wrappingTextBoxFlag xmlns:ma14="http://schemas.microsoft.com/office/mac/drawingml/2011/main" xmlns="" val="1"/>
               </a:ext>
             </a:extLst>
           </p:spPr>
@@ -29085,7 +29681,7 @@
             <a:effectLst/>
             <a:extLst>
               <a:ext uri="{C572A759-6A51-4108-AA02-DFA0A04FC94B}">
-                <ma14:wrappingTextBoxFlag xmlns="" xmlns:ma14="http://schemas.microsoft.com/office/mac/drawingml/2011/main" val="1"/>
+                <ma14:wrappingTextBoxFlag xmlns:ma14="http://schemas.microsoft.com/office/mac/drawingml/2011/main" xmlns="" val="1"/>
               </a:ext>
             </a:extLst>
           </p:spPr>
@@ -29201,7 +29797,7 @@
             <a:effectLst/>
             <a:extLst>
               <a:ext uri="{C572A759-6A51-4108-AA02-DFA0A04FC94B}">
-                <ma14:wrappingTextBoxFlag xmlns="" xmlns:ma14="http://schemas.microsoft.com/office/mac/drawingml/2011/main" val="1"/>
+                <ma14:wrappingTextBoxFlag xmlns:ma14="http://schemas.microsoft.com/office/mac/drawingml/2011/main" xmlns="" val="1"/>
               </a:ext>
             </a:extLst>
           </p:spPr>
@@ -30881,7 +31477,7 @@
             <a:effectLst/>
             <a:extLst>
               <a:ext uri="{C572A759-6A51-4108-AA02-DFA0A04FC94B}">
-                <ma14:wrappingTextBoxFlag xmlns:ma14="http://schemas.microsoft.com/office/mac/drawingml/2011/main" xmlns="" val="1"/>
+                <ma14:wrappingTextBoxFlag xmlns="" xmlns:ma14="http://schemas.microsoft.com/office/mac/drawingml/2011/main" val="1"/>
               </a:ext>
             </a:extLst>
           </p:spPr>
@@ -31534,7 +32130,7 @@
             <a:effectLst/>
             <a:extLst>
               <a:ext uri="{C572A759-6A51-4108-AA02-DFA0A04FC94B}">
-                <ma14:wrappingTextBoxFlag xmlns="" xmlns:ma14="http://schemas.microsoft.com/office/mac/drawingml/2011/main" val="1"/>
+                <ma14:wrappingTextBoxFlag xmlns:ma14="http://schemas.microsoft.com/office/mac/drawingml/2011/main" xmlns="" val="1"/>
               </a:ext>
             </a:extLst>
           </p:spPr>
@@ -32023,7 +32619,7 @@
             <a:effectLst/>
             <a:extLst>
               <a:ext uri="{C572A759-6A51-4108-AA02-DFA0A04FC94B}">
-                <ma14:wrappingTextBoxFlag xmlns:ma14="http://schemas.microsoft.com/office/mac/drawingml/2011/main" xmlns="" val="1"/>
+                <ma14:wrappingTextBoxFlag xmlns="" xmlns:ma14="http://schemas.microsoft.com/office/mac/drawingml/2011/main" val="1"/>
               </a:ext>
             </a:extLst>
           </p:spPr>
@@ -32139,7 +32735,7 @@
             <a:effectLst/>
             <a:extLst>
               <a:ext uri="{C572A759-6A51-4108-AA02-DFA0A04FC94B}">
-                <ma14:wrappingTextBoxFlag xmlns:ma14="http://schemas.microsoft.com/office/mac/drawingml/2011/main" xmlns="" val="1"/>
+                <ma14:wrappingTextBoxFlag xmlns="" xmlns:ma14="http://schemas.microsoft.com/office/mac/drawingml/2011/main" val="1"/>
               </a:ext>
             </a:extLst>
           </p:spPr>
@@ -32469,7 +33065,7 @@
             <a:effectLst/>
             <a:extLst>
               <a:ext uri="{C572A759-6A51-4108-AA02-DFA0A04FC94B}">
-                <ma14:wrappingTextBoxFlag xmlns:ma14="http://schemas.microsoft.com/office/mac/drawingml/2011/main" xmlns="" val="1"/>
+                <ma14:wrappingTextBoxFlag xmlns="" xmlns:ma14="http://schemas.microsoft.com/office/mac/drawingml/2011/main" val="1"/>
               </a:ext>
             </a:extLst>
           </p:spPr>
@@ -32897,7 +33493,7 @@
             <a:effectLst/>
             <a:extLst>
               <a:ext uri="{C572A759-6A51-4108-AA02-DFA0A04FC94B}">
-                <ma14:wrappingTextBoxFlag xmlns:ma14="http://schemas.microsoft.com/office/mac/drawingml/2011/main" xmlns="" val="1"/>
+                <ma14:wrappingTextBoxFlag xmlns="" xmlns:ma14="http://schemas.microsoft.com/office/mac/drawingml/2011/main" val="1"/>
               </a:ext>
             </a:extLst>
           </p:spPr>
@@ -33880,7 +34476,7 @@
             <a:effectLst/>
             <a:extLst>
               <a:ext uri="{C572A759-6A51-4108-AA02-DFA0A04FC94B}">
-                <ma14:wrappingTextBoxFlag xmlns:ma14="http://schemas.microsoft.com/office/mac/drawingml/2011/main" xmlns="" val="1"/>
+                <ma14:wrappingTextBoxFlag xmlns="" xmlns:ma14="http://schemas.microsoft.com/office/mac/drawingml/2011/main" val="1"/>
               </a:ext>
             </a:extLst>
           </p:spPr>
@@ -34135,7 +34731,7 @@
             <a:effectLst/>
             <a:extLst>
               <a:ext uri="{C572A759-6A51-4108-AA02-DFA0A04FC94B}">
-                <ma14:wrappingTextBoxFlag xmlns:ma14="http://schemas.microsoft.com/office/mac/drawingml/2011/main" xmlns="" val="1"/>
+                <ma14:wrappingTextBoxFlag xmlns="" xmlns:ma14="http://schemas.microsoft.com/office/mac/drawingml/2011/main" val="1"/>
               </a:ext>
             </a:extLst>
           </p:spPr>
@@ -34465,7 +35061,7 @@
             <a:effectLst/>
             <a:extLst>
               <a:ext uri="{C572A759-6A51-4108-AA02-DFA0A04FC94B}">
-                <ma14:wrappingTextBoxFlag xmlns:ma14="http://schemas.microsoft.com/office/mac/drawingml/2011/main" xmlns="" val="1"/>
+                <ma14:wrappingTextBoxFlag xmlns="" xmlns:ma14="http://schemas.microsoft.com/office/mac/drawingml/2011/main" val="1"/>
               </a:ext>
             </a:extLst>
           </p:spPr>
@@ -34692,7 +35288,7 @@
             <a:effectLst/>
             <a:extLst>
               <a:ext uri="{C572A759-6A51-4108-AA02-DFA0A04FC94B}">
-                <ma14:wrappingTextBoxFlag xmlns:ma14="http://schemas.microsoft.com/office/mac/drawingml/2011/main" xmlns="" val="1"/>
+                <ma14:wrappingTextBoxFlag xmlns="" xmlns:ma14="http://schemas.microsoft.com/office/mac/drawingml/2011/main" val="1"/>
               </a:ext>
             </a:extLst>
           </p:spPr>
@@ -35033,7 +35629,7 @@
             <a:effectLst/>
             <a:extLst>
               <a:ext uri="{C572A759-6A51-4108-AA02-DFA0A04FC94B}">
-                <ma14:wrappingTextBoxFlag xmlns:ma14="http://schemas.microsoft.com/office/mac/drawingml/2011/main" xmlns="" val="1"/>
+                <ma14:wrappingTextBoxFlag xmlns="" xmlns:ma14="http://schemas.microsoft.com/office/mac/drawingml/2011/main" val="1"/>
               </a:ext>
             </a:extLst>
           </p:spPr>
@@ -35671,7 +36267,7 @@
             <a:effectLst/>
             <a:extLst>
               <a:ext uri="{C572A759-6A51-4108-AA02-DFA0A04FC94B}">
-                <ma14:wrappingTextBoxFlag xmlns:ma14="http://schemas.microsoft.com/office/mac/drawingml/2011/main" xmlns="" val="1"/>
+                <ma14:wrappingTextBoxFlag xmlns="" xmlns:ma14="http://schemas.microsoft.com/office/mac/drawingml/2011/main" val="1"/>
               </a:ext>
             </a:extLst>
           </p:spPr>
@@ -35787,7 +36383,7 @@
             <a:effectLst/>
             <a:extLst>
               <a:ext uri="{C572A759-6A51-4108-AA02-DFA0A04FC94B}">
-                <ma14:wrappingTextBoxFlag xmlns:ma14="http://schemas.microsoft.com/office/mac/drawingml/2011/main" xmlns="" val="1"/>
+                <ma14:wrappingTextBoxFlag xmlns="" xmlns:ma14="http://schemas.microsoft.com/office/mac/drawingml/2011/main" val="1"/>
               </a:ext>
             </a:extLst>
           </p:spPr>
@@ -36979,7 +37575,7 @@
             <a:effectLst/>
             <a:extLst>
               <a:ext uri="{C572A759-6A51-4108-AA02-DFA0A04FC94B}">
-                <ma14:wrappingTextBoxFlag xmlns:ma14="http://schemas.microsoft.com/office/mac/drawingml/2011/main" xmlns="" val="1"/>
+                <ma14:wrappingTextBoxFlag xmlns="" xmlns:ma14="http://schemas.microsoft.com/office/mac/drawingml/2011/main" val="1"/>
               </a:ext>
             </a:extLst>
           </p:spPr>
@@ -37095,7 +37691,7 @@
             <a:effectLst/>
             <a:extLst>
               <a:ext uri="{C572A759-6A51-4108-AA02-DFA0A04FC94B}">
-                <ma14:wrappingTextBoxFlag xmlns:ma14="http://schemas.microsoft.com/office/mac/drawingml/2011/main" xmlns="" val="1"/>
+                <ma14:wrappingTextBoxFlag xmlns="" xmlns:ma14="http://schemas.microsoft.com/office/mac/drawingml/2011/main" val="1"/>
               </a:ext>
             </a:extLst>
           </p:spPr>
@@ -37211,7 +37807,7 @@
             <a:effectLst/>
             <a:extLst>
               <a:ext uri="{C572A759-6A51-4108-AA02-DFA0A04FC94B}">
-                <ma14:wrappingTextBoxFlag xmlns:ma14="http://schemas.microsoft.com/office/mac/drawingml/2011/main" xmlns="" val="1"/>
+                <ma14:wrappingTextBoxFlag xmlns="" xmlns:ma14="http://schemas.microsoft.com/office/mac/drawingml/2011/main" val="1"/>
               </a:ext>
             </a:extLst>
           </p:spPr>
@@ -37622,7 +38218,7 @@
             <a:effectLst/>
             <a:extLst>
               <a:ext uri="{C572A759-6A51-4108-AA02-DFA0A04FC94B}">
-                <ma14:wrappingTextBoxFlag xmlns:ma14="http://schemas.microsoft.com/office/mac/drawingml/2011/main" xmlns="" val="1"/>
+                <ma14:wrappingTextBoxFlag xmlns="" xmlns:ma14="http://schemas.microsoft.com/office/mac/drawingml/2011/main" val="1"/>
               </a:ext>
             </a:extLst>
           </p:spPr>
@@ -37738,7 +38334,7 @@
             <a:effectLst/>
             <a:extLst>
               <a:ext uri="{C572A759-6A51-4108-AA02-DFA0A04FC94B}">
-                <ma14:wrappingTextBoxFlag xmlns:ma14="http://schemas.microsoft.com/office/mac/drawingml/2011/main" xmlns="" val="1"/>
+                <ma14:wrappingTextBoxFlag xmlns="" xmlns:ma14="http://schemas.microsoft.com/office/mac/drawingml/2011/main" val="1"/>
               </a:ext>
             </a:extLst>
           </p:spPr>
@@ -37854,7 +38450,7 @@
             <a:effectLst/>
             <a:extLst>
               <a:ext uri="{C572A759-6A51-4108-AA02-DFA0A04FC94B}">
-                <ma14:wrappingTextBoxFlag xmlns:ma14="http://schemas.microsoft.com/office/mac/drawingml/2011/main" xmlns="" val="1"/>
+                <ma14:wrappingTextBoxFlag xmlns="" xmlns:ma14="http://schemas.microsoft.com/office/mac/drawingml/2011/main" val="1"/>
               </a:ext>
             </a:extLst>
           </p:spPr>
@@ -38230,7 +38826,7 @@
             <a:effectLst/>
             <a:extLst>
               <a:ext uri="{C572A759-6A51-4108-AA02-DFA0A04FC94B}">
-                <ma14:wrappingTextBoxFlag xmlns:ma14="http://schemas.microsoft.com/office/mac/drawingml/2011/main" xmlns="" val="1"/>
+                <ma14:wrappingTextBoxFlag xmlns="" xmlns:ma14="http://schemas.microsoft.com/office/mac/drawingml/2011/main" val="1"/>
               </a:ext>
             </a:extLst>
           </p:spPr>
@@ -38363,7 +38959,7 @@
             <a:effectLst/>
             <a:extLst>
               <a:ext uri="{C572A759-6A51-4108-AA02-DFA0A04FC94B}">
-                <ma14:wrappingTextBoxFlag xmlns:ma14="http://schemas.microsoft.com/office/mac/drawingml/2011/main" xmlns="" val="1"/>
+                <ma14:wrappingTextBoxFlag xmlns="" xmlns:ma14="http://schemas.microsoft.com/office/mac/drawingml/2011/main" val="1"/>
               </a:ext>
             </a:extLst>
           </p:spPr>
@@ -38479,7 +39075,7 @@
             <a:effectLst/>
             <a:extLst>
               <a:ext uri="{C572A759-6A51-4108-AA02-DFA0A04FC94B}">
-                <ma14:wrappingTextBoxFlag xmlns:ma14="http://schemas.microsoft.com/office/mac/drawingml/2011/main" xmlns="" val="1"/>
+                <ma14:wrappingTextBoxFlag xmlns="" xmlns:ma14="http://schemas.microsoft.com/office/mac/drawingml/2011/main" val="1"/>
               </a:ext>
             </a:extLst>
           </p:spPr>
@@ -38692,7 +39288,7 @@
             <a:effectLst/>
             <a:extLst>
               <a:ext uri="{C572A759-6A51-4108-AA02-DFA0A04FC94B}">
-                <ma14:wrappingTextBoxFlag xmlns="" xmlns:ma14="http://schemas.microsoft.com/office/mac/drawingml/2011/main" val="1"/>
+                <ma14:wrappingTextBoxFlag xmlns:ma14="http://schemas.microsoft.com/office/mac/drawingml/2011/main" xmlns="" val="1"/>
               </a:ext>
             </a:extLst>
           </p:spPr>
@@ -38923,7 +39519,7 @@
               <a:effectLst/>
               <a:extLst>
                 <a:ext uri="{C572A759-6A51-4108-AA02-DFA0A04FC94B}">
-                  <ma14:wrappingTextBoxFlag xmlns="" xmlns:ma14="http://schemas.microsoft.com/office/mac/drawingml/2011/main" val="1"/>
+                  <ma14:wrappingTextBoxFlag xmlns:ma14="http://schemas.microsoft.com/office/mac/drawingml/2011/main" xmlns="" val="1"/>
                 </a:ext>
               </a:extLst>
             </p:spPr>
@@ -39389,7 +39985,7 @@
               <a:effectLst/>
               <a:extLst>
                 <a:ext uri="{C572A759-6A51-4108-AA02-DFA0A04FC94B}">
-                  <ma14:wrappingTextBoxFlag xmlns="" xmlns:ma14="http://schemas.microsoft.com/office/mac/drawingml/2011/main" val="1"/>
+                  <ma14:wrappingTextBoxFlag xmlns:ma14="http://schemas.microsoft.com/office/mac/drawingml/2011/main" xmlns="" val="1"/>
                 </a:ext>
               </a:extLst>
             </p:spPr>
@@ -40125,7 +40721,7 @@
               <a:effectLst/>
               <a:extLst>
                 <a:ext uri="{C572A759-6A51-4108-AA02-DFA0A04FC94B}">
-                  <ma14:wrappingTextBoxFlag xmlns="" xmlns:ma14="http://schemas.microsoft.com/office/mac/drawingml/2011/main" val="1"/>
+                  <ma14:wrappingTextBoxFlag xmlns:ma14="http://schemas.microsoft.com/office/mac/drawingml/2011/main" xmlns="" val="1"/>
                 </a:ext>
               </a:extLst>
             </p:spPr>
@@ -40617,7 +41213,7 @@
             <a:effectLst/>
             <a:extLst>
               <a:ext uri="{C572A759-6A51-4108-AA02-DFA0A04FC94B}">
-                <ma14:wrappingTextBoxFlag xmlns="" xmlns:ma14="http://schemas.microsoft.com/office/mac/drawingml/2011/main" val="1"/>
+                <ma14:wrappingTextBoxFlag xmlns:ma14="http://schemas.microsoft.com/office/mac/drawingml/2011/main" xmlns="" val="1"/>
               </a:ext>
             </a:extLst>
           </p:spPr>
@@ -40750,7 +41346,7 @@
             <a:effectLst/>
             <a:extLst>
               <a:ext uri="{C572A759-6A51-4108-AA02-DFA0A04FC94B}">
-                <ma14:wrappingTextBoxFlag xmlns="" xmlns:ma14="http://schemas.microsoft.com/office/mac/drawingml/2011/main" val="1"/>
+                <ma14:wrappingTextBoxFlag xmlns:ma14="http://schemas.microsoft.com/office/mac/drawingml/2011/main" xmlns="" val="1"/>
               </a:ext>
             </a:extLst>
           </p:spPr>
@@ -40883,7 +41479,7 @@
             <a:effectLst/>
             <a:extLst>
               <a:ext uri="{C572A759-6A51-4108-AA02-DFA0A04FC94B}">
-                <ma14:wrappingTextBoxFlag xmlns:ma14="http://schemas.microsoft.com/office/mac/drawingml/2011/main" xmlns="" val="1"/>
+                <ma14:wrappingTextBoxFlag xmlns="" xmlns:ma14="http://schemas.microsoft.com/office/mac/drawingml/2011/main" val="1"/>
               </a:ext>
             </a:extLst>
           </p:spPr>
@@ -41114,7 +41710,7 @@
               <a:effectLst/>
               <a:extLst>
                 <a:ext uri="{C572A759-6A51-4108-AA02-DFA0A04FC94B}">
-                  <ma14:wrappingTextBoxFlag xmlns:ma14="http://schemas.microsoft.com/office/mac/drawingml/2011/main" xmlns="" val="1"/>
+                  <ma14:wrappingTextBoxFlag xmlns="" xmlns:ma14="http://schemas.microsoft.com/office/mac/drawingml/2011/main" val="1"/>
                 </a:ext>
               </a:extLst>
             </p:spPr>
@@ -41492,7 +42088,7 @@
               <a:effectLst/>
               <a:extLst>
                 <a:ext uri="{C572A759-6A51-4108-AA02-DFA0A04FC94B}">
-                  <ma14:wrappingTextBoxFlag xmlns:ma14="http://schemas.microsoft.com/office/mac/drawingml/2011/main" xmlns="" val="1"/>
+                  <ma14:wrappingTextBoxFlag xmlns="" xmlns:ma14="http://schemas.microsoft.com/office/mac/drawingml/2011/main" val="1"/>
                 </a:ext>
               </a:extLst>
             </p:spPr>
@@ -42228,7 +42824,7 @@
               <a:effectLst/>
               <a:extLst>
                 <a:ext uri="{C572A759-6A51-4108-AA02-DFA0A04FC94B}">
-                  <ma14:wrappingTextBoxFlag xmlns:ma14="http://schemas.microsoft.com/office/mac/drawingml/2011/main" xmlns="" val="1"/>
+                  <ma14:wrappingTextBoxFlag xmlns="" xmlns:ma14="http://schemas.microsoft.com/office/mac/drawingml/2011/main" val="1"/>
                 </a:ext>
               </a:extLst>
             </p:spPr>
@@ -42468,7 +43064,7 @@
             <a:effectLst/>
             <a:extLst>
               <a:ext uri="{C572A759-6A51-4108-AA02-DFA0A04FC94B}">
-                <ma14:wrappingTextBoxFlag xmlns:ma14="http://schemas.microsoft.com/office/mac/drawingml/2011/main" xmlns="" val="1"/>
+                <ma14:wrappingTextBoxFlag xmlns="" xmlns:ma14="http://schemas.microsoft.com/office/mac/drawingml/2011/main" val="1"/>
               </a:ext>
             </a:extLst>
           </p:spPr>
@@ -42721,7 +43317,7 @@
             <a:effectLst/>
             <a:extLst>
               <a:ext uri="{C572A759-6A51-4108-AA02-DFA0A04FC94B}">
-                <ma14:wrappingTextBoxFlag xmlns:ma14="http://schemas.microsoft.com/office/mac/drawingml/2011/main" xmlns="" val="1"/>
+                <ma14:wrappingTextBoxFlag xmlns="" xmlns:ma14="http://schemas.microsoft.com/office/mac/drawingml/2011/main" val="1"/>
               </a:ext>
             </a:extLst>
           </p:spPr>
@@ -43053,7 +43649,7 @@
               <a:effectLst/>
               <a:extLst>
                 <a:ext uri="{C572A759-6A51-4108-AA02-DFA0A04FC94B}">
-                  <ma14:wrappingTextBoxFlag xmlns:ma14="http://schemas.microsoft.com/office/mac/drawingml/2011/main" xmlns="" val="1"/>
+                  <ma14:wrappingTextBoxFlag xmlns="" xmlns:ma14="http://schemas.microsoft.com/office/mac/drawingml/2011/main" val="1"/>
                 </a:ext>
               </a:extLst>
             </p:spPr>
@@ -43246,7 +43842,7 @@
             <a:effectLst/>
             <a:extLst>
               <a:ext uri="{C572A759-6A51-4108-AA02-DFA0A04FC94B}">
-                <ma14:wrappingTextBoxFlag xmlns:ma14="http://schemas.microsoft.com/office/mac/drawingml/2011/main" xmlns="" val="1"/>
+                <ma14:wrappingTextBoxFlag xmlns="" xmlns:ma14="http://schemas.microsoft.com/office/mac/drawingml/2011/main" val="1"/>
               </a:ext>
             </a:extLst>
           </p:spPr>

--- a/docs/Diagrams.pptx
+++ b/docs/Diagrams.pptx
@@ -6,7 +6,7 @@
     <p:sldMasterId id="2147484308" r:id="rId2"/>
   </p:sldMasterIdLst>
   <p:notesMasterIdLst>
-    <p:notesMasterId r:id="rId20"/>
+    <p:notesMasterId r:id="rId22"/>
   </p:notesMasterIdLst>
   <p:sldIdLst>
     <p:sldId id="2670" r:id="rId3"/>
@@ -26,6 +26,8 @@
     <p:sldId id="2684" r:id="rId17"/>
     <p:sldId id="2685" r:id="rId18"/>
     <p:sldId id="2686" r:id="rId19"/>
+    <p:sldId id="2687" r:id="rId20"/>
+    <p:sldId id="2688" r:id="rId21"/>
   </p:sldIdLst>
   <p:sldSz cx="12192000" cy="6858000"/>
   <p:notesSz cx="7086600" cy="9372600"/>
@@ -288,7 +290,7 @@
               <a:pPr>
                 <a:defRPr/>
               </a:pPr>
-              <a:t>6/15/21</a:t>
+              <a:t>9/1/21</a:t>
             </a:fld>
             <a:endParaRPr lang="en-US"/>
           </a:p>
@@ -9166,7 +9168,7 @@
             <a:effectLst/>
             <a:extLst>
               <a:ext uri="{C572A759-6A51-4108-AA02-DFA0A04FC94B}">
-                <ma14:wrappingTextBoxFlag xmlns="" xmlns:ma14="http://schemas.microsoft.com/office/mac/drawingml/2011/main" val="1"/>
+                <ma14:wrappingTextBoxFlag xmlns:ma14="http://schemas.microsoft.com/office/mac/drawingml/2011/main" xmlns="" val="1"/>
               </a:ext>
             </a:extLst>
           </p:spPr>
@@ -9982,7 +9984,7 @@
             <a:effectLst/>
             <a:extLst>
               <a:ext uri="{C572A759-6A51-4108-AA02-DFA0A04FC94B}">
-                <ma14:wrappingTextBoxFlag xmlns="" xmlns:ma14="http://schemas.microsoft.com/office/mac/drawingml/2011/main" val="1"/>
+                <ma14:wrappingTextBoxFlag xmlns:ma14="http://schemas.microsoft.com/office/mac/drawingml/2011/main" xmlns="" val="1"/>
               </a:ext>
             </a:extLst>
           </p:spPr>
@@ -10098,7 +10100,7 @@
             <a:effectLst/>
             <a:extLst>
               <a:ext uri="{C572A759-6A51-4108-AA02-DFA0A04FC94B}">
-                <ma14:wrappingTextBoxFlag xmlns="" xmlns:ma14="http://schemas.microsoft.com/office/mac/drawingml/2011/main" val="1"/>
+                <ma14:wrappingTextBoxFlag xmlns:ma14="http://schemas.microsoft.com/office/mac/drawingml/2011/main" xmlns="" val="1"/>
               </a:ext>
             </a:extLst>
           </p:spPr>
@@ -10278,7 +10280,7 @@
             <a:effectLst/>
             <a:extLst>
               <a:ext uri="{C572A759-6A51-4108-AA02-DFA0A04FC94B}">
-                <ma14:wrappingTextBoxFlag xmlns:ma14="http://schemas.microsoft.com/office/mac/drawingml/2011/main" xmlns="" val="1"/>
+                <ma14:wrappingTextBoxFlag xmlns="" xmlns:ma14="http://schemas.microsoft.com/office/mac/drawingml/2011/main" val="1"/>
               </a:ext>
             </a:extLst>
           </p:spPr>
@@ -10593,7 +10595,7 @@
               <a:effectLst/>
               <a:extLst>
                 <a:ext uri="{C572A759-6A51-4108-AA02-DFA0A04FC94B}">
-                  <ma14:wrappingTextBoxFlag xmlns="" xmlns:ma14="http://schemas.microsoft.com/office/mac/drawingml/2011/main" val="1"/>
+                  <ma14:wrappingTextBoxFlag xmlns:ma14="http://schemas.microsoft.com/office/mac/drawingml/2011/main" xmlns="" val="1"/>
                 </a:ext>
               </a:extLst>
             </p:spPr>
@@ -10807,7 +10809,7 @@
               <a:effectLst/>
               <a:extLst>
                 <a:ext uri="{C572A759-6A51-4108-AA02-DFA0A04FC94B}">
-                  <ma14:wrappingTextBoxFlag xmlns="" xmlns:ma14="http://schemas.microsoft.com/office/mac/drawingml/2011/main" val="1"/>
+                  <ma14:wrappingTextBoxFlag xmlns:ma14="http://schemas.microsoft.com/office/mac/drawingml/2011/main" xmlns="" val="1"/>
                 </a:ext>
               </a:extLst>
             </p:spPr>
@@ -11089,7 +11091,7 @@
             <a:effectLst/>
             <a:extLst>
               <a:ext uri="{C572A759-6A51-4108-AA02-DFA0A04FC94B}">
-                <ma14:wrappingTextBoxFlag xmlns="" xmlns:ma14="http://schemas.microsoft.com/office/mac/drawingml/2011/main" val="1"/>
+                <ma14:wrappingTextBoxFlag xmlns:ma14="http://schemas.microsoft.com/office/mac/drawingml/2011/main" xmlns="" val="1"/>
               </a:ext>
             </a:extLst>
           </p:spPr>
@@ -11205,7 +11207,7 @@
             <a:effectLst/>
             <a:extLst>
               <a:ext uri="{C572A759-6A51-4108-AA02-DFA0A04FC94B}">
-                <ma14:wrappingTextBoxFlag xmlns="" xmlns:ma14="http://schemas.microsoft.com/office/mac/drawingml/2011/main" val="1"/>
+                <ma14:wrappingTextBoxFlag xmlns:ma14="http://schemas.microsoft.com/office/mac/drawingml/2011/main" xmlns="" val="1"/>
               </a:ext>
             </a:extLst>
           </p:spPr>
@@ -12343,7 +12345,7 @@
             <a:effectLst/>
             <a:extLst>
               <a:ext uri="{C572A759-6A51-4108-AA02-DFA0A04FC94B}">
-                <ma14:wrappingTextBoxFlag xmlns:ma14="http://schemas.microsoft.com/office/mac/drawingml/2011/main" xmlns="" val="1"/>
+                <ma14:wrappingTextBoxFlag xmlns="" xmlns:ma14="http://schemas.microsoft.com/office/mac/drawingml/2011/main" val="1"/>
               </a:ext>
             </a:extLst>
           </p:spPr>
@@ -12476,7 +12478,7 @@
             <a:effectLst/>
             <a:extLst>
               <a:ext uri="{C572A759-6A51-4108-AA02-DFA0A04FC94B}">
-                <ma14:wrappingTextBoxFlag xmlns:ma14="http://schemas.microsoft.com/office/mac/drawingml/2011/main" xmlns="" val="1"/>
+                <ma14:wrappingTextBoxFlag xmlns="" xmlns:ma14="http://schemas.microsoft.com/office/mac/drawingml/2011/main" val="1"/>
               </a:ext>
             </a:extLst>
           </p:spPr>
@@ -12788,7 +12790,7 @@
               <a:effectLst/>
               <a:extLst>
                 <a:ext uri="{C572A759-6A51-4108-AA02-DFA0A04FC94B}">
-                  <ma14:wrappingTextBoxFlag xmlns="" xmlns:ma14="http://schemas.microsoft.com/office/mac/drawingml/2011/main" val="1"/>
+                  <ma14:wrappingTextBoxFlag xmlns:ma14="http://schemas.microsoft.com/office/mac/drawingml/2011/main" xmlns="" val="1"/>
                 </a:ext>
               </a:extLst>
             </p:spPr>
@@ -13212,7 +13214,7 @@
               <a:effectLst/>
               <a:extLst>
                 <a:ext uri="{C572A759-6A51-4108-AA02-DFA0A04FC94B}">
-                  <ma14:wrappingTextBoxFlag xmlns="" xmlns:ma14="http://schemas.microsoft.com/office/mac/drawingml/2011/main" val="1"/>
+                  <ma14:wrappingTextBoxFlag xmlns:ma14="http://schemas.microsoft.com/office/mac/drawingml/2011/main" xmlns="" val="1"/>
                 </a:ext>
               </a:extLst>
             </p:spPr>
@@ -13863,7 +13865,7 @@
             <a:effectLst/>
             <a:extLst>
               <a:ext uri="{C572A759-6A51-4108-AA02-DFA0A04FC94B}">
-                <ma14:wrappingTextBoxFlag xmlns="" xmlns:ma14="http://schemas.microsoft.com/office/mac/drawingml/2011/main" val="1"/>
+                <ma14:wrappingTextBoxFlag xmlns:ma14="http://schemas.microsoft.com/office/mac/drawingml/2011/main" xmlns="" val="1"/>
               </a:ext>
             </a:extLst>
           </p:spPr>
@@ -14118,7 +14120,7 @@
             <a:effectLst/>
             <a:extLst>
               <a:ext uri="{C572A759-6A51-4108-AA02-DFA0A04FC94B}">
-                <ma14:wrappingTextBoxFlag xmlns:ma14="http://schemas.microsoft.com/office/mac/drawingml/2011/main" xmlns="" val="1"/>
+                <ma14:wrappingTextBoxFlag xmlns="" xmlns:ma14="http://schemas.microsoft.com/office/mac/drawingml/2011/main" val="1"/>
               </a:ext>
             </a:extLst>
           </p:spPr>
@@ -14366,7 +14368,7 @@
               <a:effectLst/>
               <a:extLst>
                 <a:ext uri="{C572A759-6A51-4108-AA02-DFA0A04FC94B}">
-                  <ma14:wrappingTextBoxFlag xmlns="" xmlns:ma14="http://schemas.microsoft.com/office/mac/drawingml/2011/main" val="1"/>
+                  <ma14:wrappingTextBoxFlag xmlns:ma14="http://schemas.microsoft.com/office/mac/drawingml/2011/main" xmlns="" val="1"/>
                 </a:ext>
               </a:extLst>
             </p:spPr>
@@ -14664,7 +14666,7 @@
               <a:effectLst/>
               <a:extLst>
                 <a:ext uri="{C572A759-6A51-4108-AA02-DFA0A04FC94B}">
-                  <ma14:wrappingTextBoxFlag xmlns="" xmlns:ma14="http://schemas.microsoft.com/office/mac/drawingml/2011/main" val="1"/>
+                  <ma14:wrappingTextBoxFlag xmlns:ma14="http://schemas.microsoft.com/office/mac/drawingml/2011/main" xmlns="" val="1"/>
                 </a:ext>
               </a:extLst>
             </p:spPr>
@@ -15974,7 +15976,7 @@
             <a:effectLst/>
             <a:extLst>
               <a:ext uri="{C572A759-6A51-4108-AA02-DFA0A04FC94B}">
-                <ma14:wrappingTextBoxFlag xmlns:ma14="http://schemas.microsoft.com/office/mac/drawingml/2011/main" xmlns="" val="1"/>
+                <ma14:wrappingTextBoxFlag xmlns="" xmlns:ma14="http://schemas.microsoft.com/office/mac/drawingml/2011/main" val="1"/>
               </a:ext>
             </a:extLst>
           </p:spPr>
@@ -16090,7 +16092,7 @@
             <a:effectLst/>
             <a:extLst>
               <a:ext uri="{C572A759-6A51-4108-AA02-DFA0A04FC94B}">
-                <ma14:wrappingTextBoxFlag xmlns:ma14="http://schemas.microsoft.com/office/mac/drawingml/2011/main" xmlns="" val="1"/>
+                <ma14:wrappingTextBoxFlag xmlns="" xmlns:ma14="http://schemas.microsoft.com/office/mac/drawingml/2011/main" val="1"/>
               </a:ext>
             </a:extLst>
           </p:spPr>
@@ -16511,7 +16513,7 @@
             <a:effectLst/>
             <a:extLst>
               <a:ext uri="{C572A759-6A51-4108-AA02-DFA0A04FC94B}">
-                <ma14:wrappingTextBoxFlag xmlns:ma14="http://schemas.microsoft.com/office/mac/drawingml/2011/main" xmlns="" val="1"/>
+                <ma14:wrappingTextBoxFlag xmlns="" xmlns:ma14="http://schemas.microsoft.com/office/mac/drawingml/2011/main" val="1"/>
               </a:ext>
             </a:extLst>
           </p:spPr>
@@ -16670,7 +16672,7 @@
             <a:effectLst/>
             <a:extLst>
               <a:ext uri="{C572A759-6A51-4108-AA02-DFA0A04FC94B}">
-                <ma14:wrappingTextBoxFlag xmlns="" xmlns:ma14="http://schemas.microsoft.com/office/mac/drawingml/2011/main" val="1"/>
+                <ma14:wrappingTextBoxFlag xmlns:ma14="http://schemas.microsoft.com/office/mac/drawingml/2011/main" xmlns="" val="1"/>
               </a:ext>
             </a:extLst>
           </p:spPr>
@@ -17189,7 +17191,7 @@
               <a:effectLst/>
               <a:extLst>
                 <a:ext uri="{C572A759-6A51-4108-AA02-DFA0A04FC94B}">
-                  <ma14:wrappingTextBoxFlag xmlns="" xmlns:ma14="http://schemas.microsoft.com/office/mac/drawingml/2011/main" val="1"/>
+                  <ma14:wrappingTextBoxFlag xmlns:ma14="http://schemas.microsoft.com/office/mac/drawingml/2011/main" xmlns="" val="1"/>
                 </a:ext>
               </a:extLst>
             </p:spPr>
@@ -17339,7 +17341,7 @@
             <a:effectLst/>
             <a:extLst>
               <a:ext uri="{C572A759-6A51-4108-AA02-DFA0A04FC94B}">
-                <ma14:wrappingTextBoxFlag xmlns:ma14="http://schemas.microsoft.com/office/mac/drawingml/2011/main" xmlns="" val="1"/>
+                <ma14:wrappingTextBoxFlag xmlns="" xmlns:ma14="http://schemas.microsoft.com/office/mac/drawingml/2011/main" val="1"/>
               </a:ext>
             </a:extLst>
           </p:spPr>
@@ -17499,7 +17501,7 @@
             <a:effectLst/>
             <a:extLst>
               <a:ext uri="{C572A759-6A51-4108-AA02-DFA0A04FC94B}">
-                <ma14:wrappingTextBoxFlag xmlns="" xmlns:ma14="http://schemas.microsoft.com/office/mac/drawingml/2011/main" val="1"/>
+                <ma14:wrappingTextBoxFlag xmlns:ma14="http://schemas.microsoft.com/office/mac/drawingml/2011/main" xmlns="" val="1"/>
               </a:ext>
             </a:extLst>
           </p:spPr>
@@ -17800,7 +17802,7 @@
               <a:effectLst/>
               <a:extLst>
                 <a:ext uri="{C572A759-6A51-4108-AA02-DFA0A04FC94B}">
-                  <ma14:wrappingTextBoxFlag xmlns="" xmlns:ma14="http://schemas.microsoft.com/office/mac/drawingml/2011/main" val="1"/>
+                  <ma14:wrappingTextBoxFlag xmlns:ma14="http://schemas.microsoft.com/office/mac/drawingml/2011/main" xmlns="" val="1"/>
                 </a:ext>
               </a:extLst>
             </p:spPr>
@@ -23754,6 +23756,1237 @@
 </p:sld>
 </file>
 
+<file path=ppt/slides/slide18.xml><?xml version="1.0" encoding="utf-8"?>
+<p:sld xmlns:a="http://schemas.openxmlformats.org/drawingml/2006/main" xmlns:r="http://schemas.openxmlformats.org/officeDocument/2006/relationships" xmlns:p="http://schemas.openxmlformats.org/presentationml/2006/main">
+  <p:cSld>
+    <p:spTree>
+      <p:nvGrpSpPr>
+        <p:cNvPr id="1" name=""/>
+        <p:cNvGrpSpPr/>
+        <p:nvPr/>
+      </p:nvGrpSpPr>
+      <p:grpSpPr>
+        <a:xfrm>
+          <a:off x="0" y="0"/>
+          <a:ext cx="0" cy="0"/>
+          <a:chOff x="0" y="0"/>
+          <a:chExt cx="0" cy="0"/>
+        </a:xfrm>
+      </p:grpSpPr>
+      <p:sp>
+        <p:nvSpPr>
+          <p:cNvPr id="2" name="Title 1">
+            <a:extLst>
+              <a:ext uri="{FF2B5EF4-FFF2-40B4-BE49-F238E27FC236}">
+                <a16:creationId xmlns:a16="http://schemas.microsoft.com/office/drawing/2014/main" id="{C1146E00-F36B-ED4E-8139-73C266E41712}"/>
+              </a:ext>
+            </a:extLst>
+          </p:cNvPr>
+          <p:cNvSpPr>
+            <a:spLocks noGrp="1"/>
+          </p:cNvSpPr>
+          <p:nvPr>
+            <p:ph type="title"/>
+          </p:nvPr>
+        </p:nvSpPr>
+        <p:spPr/>
+        <p:txBody>
+          <a:bodyPr/>
+          <a:lstStyle/>
+          <a:p>
+            <a:r>
+              <a:rPr lang="en-US" dirty="0"/>
+              <a:t>TLS</a:t>
+            </a:r>
+          </a:p>
+        </p:txBody>
+      </p:sp>
+      <p:sp>
+        <p:nvSpPr>
+          <p:cNvPr id="4" name="Slide Number Placeholder 3">
+            <a:extLst>
+              <a:ext uri="{FF2B5EF4-FFF2-40B4-BE49-F238E27FC236}">
+                <a16:creationId xmlns:a16="http://schemas.microsoft.com/office/drawing/2014/main" id="{AF2CAADE-728A-394D-8302-F78083E20EF6}"/>
+              </a:ext>
+            </a:extLst>
+          </p:cNvPr>
+          <p:cNvSpPr>
+            <a:spLocks noGrp="1"/>
+          </p:cNvSpPr>
+          <p:nvPr>
+            <p:ph type="sldNum" sz="quarter" idx="10"/>
+          </p:nvPr>
+        </p:nvSpPr>
+        <p:spPr/>
+        <p:txBody>
+          <a:bodyPr/>
+          <a:lstStyle/>
+          <a:p>
+            <a:pPr defTabSz="911231" eaLnBrk="1" fontAlgn="auto" hangingPunct="1">
+              <a:spcBef>
+                <a:spcPts val="0"/>
+              </a:spcBef>
+              <a:spcAft>
+                <a:spcPts val="0"/>
+              </a:spcAft>
+              <a:defRPr/>
+            </a:pPr>
+            <a:r>
+              <a:rPr lang="en-US" altLang="en-US">
+                <a:solidFill>
+                  <a:srgbClr val="FFFFFF"/>
+                </a:solidFill>
+                <a:latin typeface="Arial"/>
+                <a:ea typeface="ＭＳ Ｐゴシック" charset="0"/>
+                <a:cs typeface="Arial"/>
+                <a:sym typeface="Helvetica" charset="0"/>
+              </a:rPr>
+              <a:t>IBM Confidential – Page </a:t>
+            </a:r>
+            <a:fld id="{3AD35F64-7BFE-4AA6-B41F-771B1133FB22}" type="slidenum">
+              <a:rPr lang="en-US" altLang="en-US" smtClean="0">
+                <a:solidFill>
+                  <a:srgbClr val="FFFFFF"/>
+                </a:solidFill>
+                <a:latin typeface="Arial"/>
+                <a:ea typeface="ＭＳ Ｐゴシック" charset="0"/>
+                <a:cs typeface="Arial"/>
+                <a:sym typeface="Helvetica" charset="0"/>
+              </a:rPr>
+              <a:pPr defTabSz="911231" eaLnBrk="1" fontAlgn="auto" hangingPunct="1">
+                <a:spcBef>
+                  <a:spcPts val="0"/>
+                </a:spcBef>
+                <a:spcAft>
+                  <a:spcPts val="0"/>
+                </a:spcAft>
+                <a:defRPr/>
+              </a:pPr>
+              <a:t>18</a:t>
+            </a:fld>
+            <a:endParaRPr lang="en-US" altLang="en-US">
+              <a:solidFill>
+                <a:srgbClr val="FFFFFF"/>
+              </a:solidFill>
+              <a:latin typeface="Arial"/>
+              <a:ea typeface="ＭＳ Ｐゴシック" charset="0"/>
+              <a:cs typeface="Arial"/>
+              <a:sym typeface="Helvetica" charset="0"/>
+            </a:endParaRPr>
+          </a:p>
+        </p:txBody>
+      </p:sp>
+      <p:sp>
+        <p:nvSpPr>
+          <p:cNvPr id="5" name="Rounded Rectangle 4">
+            <a:extLst>
+              <a:ext uri="{FF2B5EF4-FFF2-40B4-BE49-F238E27FC236}">
+                <a16:creationId xmlns:a16="http://schemas.microsoft.com/office/drawing/2014/main" id="{824FDA8D-47D4-2840-8757-B6631F41C265}"/>
+              </a:ext>
+            </a:extLst>
+          </p:cNvPr>
+          <p:cNvSpPr/>
+          <p:nvPr/>
+        </p:nvSpPr>
+        <p:spPr>
+          <a:xfrm>
+            <a:off x="1326610" y="1637020"/>
+            <a:ext cx="914400" cy="3051355"/>
+          </a:xfrm>
+          <a:prstGeom prst="roundRect">
+            <a:avLst/>
+          </a:prstGeom>
+          <a:solidFill>
+            <a:schemeClr val="accent2"/>
+          </a:solidFill>
+          <a:effectLst>
+            <a:outerShdw blurRad="50800" dist="38100" dir="5400000" algn="t" rotWithShape="0">
+              <a:prstClr val="black">
+                <a:alpha val="40000"/>
+              </a:prstClr>
+            </a:outerShdw>
+          </a:effectLst>
+        </p:spPr>
+        <p:style>
+          <a:lnRef idx="2">
+            <a:schemeClr val="accent1">
+              <a:shade val="50000"/>
+            </a:schemeClr>
+          </a:lnRef>
+          <a:fillRef idx="1">
+            <a:schemeClr val="accent1"/>
+          </a:fillRef>
+          <a:effectRef idx="0">
+            <a:schemeClr val="accent1"/>
+          </a:effectRef>
+          <a:fontRef idx="minor">
+            <a:schemeClr val="lt1"/>
+          </a:fontRef>
+        </p:style>
+        <p:txBody>
+          <a:bodyPr rtlCol="0" anchor="ctr"/>
+          <a:lstStyle/>
+          <a:p>
+            <a:pPr algn="ctr"/>
+            <a:r>
+              <a:rPr lang="en-US" dirty="0"/>
+              <a:t>App</a:t>
+            </a:r>
+          </a:p>
+        </p:txBody>
+      </p:sp>
+      <p:sp>
+        <p:nvSpPr>
+          <p:cNvPr id="6" name="Rounded Rectangle 5">
+            <a:extLst>
+              <a:ext uri="{FF2B5EF4-FFF2-40B4-BE49-F238E27FC236}">
+                <a16:creationId xmlns:a16="http://schemas.microsoft.com/office/drawing/2014/main" id="{339DBD7A-B11A-3F4A-9D36-21D318F34F31}"/>
+              </a:ext>
+            </a:extLst>
+          </p:cNvPr>
+          <p:cNvSpPr/>
+          <p:nvPr/>
+        </p:nvSpPr>
+        <p:spPr>
+          <a:xfrm>
+            <a:off x="9178734" y="1637019"/>
+            <a:ext cx="1476895" cy="3051353"/>
+          </a:xfrm>
+          <a:prstGeom prst="roundRect">
+            <a:avLst/>
+          </a:prstGeom>
+          <a:solidFill>
+            <a:schemeClr val="accent2"/>
+          </a:solidFill>
+          <a:effectLst>
+            <a:outerShdw blurRad="50800" dist="38100" dir="5400000" algn="t" rotWithShape="0">
+              <a:prstClr val="black">
+                <a:alpha val="40000"/>
+              </a:prstClr>
+            </a:outerShdw>
+          </a:effectLst>
+        </p:spPr>
+        <p:style>
+          <a:lnRef idx="2">
+            <a:schemeClr val="accent1">
+              <a:shade val="50000"/>
+            </a:schemeClr>
+          </a:lnRef>
+          <a:fillRef idx="1">
+            <a:schemeClr val="accent1"/>
+          </a:fillRef>
+          <a:effectRef idx="0">
+            <a:schemeClr val="accent1"/>
+          </a:effectRef>
+          <a:fontRef idx="minor">
+            <a:schemeClr val="lt1"/>
+          </a:fontRef>
+        </p:style>
+        <p:txBody>
+          <a:bodyPr rtlCol="0" anchor="ctr"/>
+          <a:lstStyle/>
+          <a:p>
+            <a:pPr algn="ctr"/>
+            <a:r>
+              <a:rPr lang="en-US" dirty="0"/>
+              <a:t>Server</a:t>
+            </a:r>
+          </a:p>
+        </p:txBody>
+      </p:sp>
+      <p:cxnSp>
+        <p:nvCxnSpPr>
+          <p:cNvPr id="8" name="Straight Arrow Connector 7">
+            <a:extLst>
+              <a:ext uri="{FF2B5EF4-FFF2-40B4-BE49-F238E27FC236}">
+                <a16:creationId xmlns:a16="http://schemas.microsoft.com/office/drawing/2014/main" id="{8FB28C20-04E0-2E4E-81B6-688B2544AB74}"/>
+              </a:ext>
+            </a:extLst>
+          </p:cNvPr>
+          <p:cNvCxnSpPr>
+            <a:cxnSpLocks/>
+          </p:cNvCxnSpPr>
+          <p:nvPr/>
+        </p:nvCxnSpPr>
+        <p:spPr>
+          <a:xfrm>
+            <a:off x="2477193" y="2177941"/>
+            <a:ext cx="6084916" cy="0"/>
+          </a:xfrm>
+          <a:prstGeom prst="straightConnector1">
+            <a:avLst/>
+          </a:prstGeom>
+          <a:ln w="15875">
+            <a:solidFill>
+              <a:srgbClr val="9D381C"/>
+            </a:solidFill>
+            <a:tailEnd type="triangle"/>
+          </a:ln>
+        </p:spPr>
+        <p:style>
+          <a:lnRef idx="1">
+            <a:schemeClr val="accent1"/>
+          </a:lnRef>
+          <a:fillRef idx="0">
+            <a:schemeClr val="accent1"/>
+          </a:fillRef>
+          <a:effectRef idx="0">
+            <a:schemeClr val="accent1"/>
+          </a:effectRef>
+          <a:fontRef idx="minor">
+            <a:schemeClr val="tx1"/>
+          </a:fontRef>
+        </p:style>
+      </p:cxnSp>
+      <p:sp>
+        <p:nvSpPr>
+          <p:cNvPr id="9" name="TextBox 8">
+            <a:extLst>
+              <a:ext uri="{FF2B5EF4-FFF2-40B4-BE49-F238E27FC236}">
+                <a16:creationId xmlns:a16="http://schemas.microsoft.com/office/drawing/2014/main" id="{E93AA34A-1E8F-BF47-ACBB-FC1779E7848B}"/>
+              </a:ext>
+            </a:extLst>
+          </p:cNvPr>
+          <p:cNvSpPr txBox="1"/>
+          <p:nvPr/>
+        </p:nvSpPr>
+        <p:spPr>
+          <a:xfrm>
+            <a:off x="4015105" y="1858484"/>
+            <a:ext cx="2043893" cy="307777"/>
+          </a:xfrm>
+          <a:prstGeom prst="rect">
+            <a:avLst/>
+          </a:prstGeom>
+          <a:noFill/>
+        </p:spPr>
+        <p:txBody>
+          <a:bodyPr wrap="none" rtlCol="0">
+            <a:spAutoFit/>
+          </a:bodyPr>
+          <a:lstStyle/>
+          <a:p>
+            <a:pPr algn="ctr"/>
+            <a:r>
+              <a:rPr lang="en-US" sz="1400" dirty="0"/>
+              <a:t>https://server.dns.name</a:t>
+            </a:r>
+          </a:p>
+        </p:txBody>
+      </p:sp>
+      <p:cxnSp>
+        <p:nvCxnSpPr>
+          <p:cNvPr id="10" name="Straight Arrow Connector 9">
+            <a:extLst>
+              <a:ext uri="{FF2B5EF4-FFF2-40B4-BE49-F238E27FC236}">
+                <a16:creationId xmlns:a16="http://schemas.microsoft.com/office/drawing/2014/main" id="{BE004155-591A-6643-A079-872E28560657}"/>
+              </a:ext>
+            </a:extLst>
+          </p:cNvPr>
+          <p:cNvCxnSpPr>
+            <a:cxnSpLocks/>
+          </p:cNvCxnSpPr>
+          <p:nvPr/>
+        </p:nvCxnSpPr>
+        <p:spPr>
+          <a:xfrm>
+            <a:off x="2477193" y="3137410"/>
+            <a:ext cx="6084916" cy="0"/>
+          </a:xfrm>
+          <a:prstGeom prst="straightConnector1">
+            <a:avLst/>
+          </a:prstGeom>
+          <a:ln w="15875">
+            <a:solidFill>
+              <a:srgbClr val="9D381C"/>
+            </a:solidFill>
+            <a:headEnd type="triangle"/>
+            <a:tailEnd type="none"/>
+          </a:ln>
+        </p:spPr>
+        <p:style>
+          <a:lnRef idx="1">
+            <a:schemeClr val="accent1"/>
+          </a:lnRef>
+          <a:fillRef idx="0">
+            <a:schemeClr val="accent1"/>
+          </a:fillRef>
+          <a:effectRef idx="0">
+            <a:schemeClr val="accent1"/>
+          </a:effectRef>
+          <a:fontRef idx="minor">
+            <a:schemeClr val="tx1"/>
+          </a:fontRef>
+        </p:style>
+      </p:cxnSp>
+      <p:sp>
+        <p:nvSpPr>
+          <p:cNvPr id="11" name="TextBox 10">
+            <a:extLst>
+              <a:ext uri="{FF2B5EF4-FFF2-40B4-BE49-F238E27FC236}">
+                <a16:creationId xmlns:a16="http://schemas.microsoft.com/office/drawing/2014/main" id="{1E369665-764E-BC42-8F5D-03DDBC8837D0}"/>
+              </a:ext>
+            </a:extLst>
+          </p:cNvPr>
+          <p:cNvSpPr txBox="1"/>
+          <p:nvPr/>
+        </p:nvSpPr>
+        <p:spPr>
+          <a:xfrm>
+            <a:off x="3640675" y="2514012"/>
+            <a:ext cx="2792752" cy="523220"/>
+          </a:xfrm>
+          <a:prstGeom prst="rect">
+            <a:avLst/>
+          </a:prstGeom>
+          <a:noFill/>
+        </p:spPr>
+        <p:txBody>
+          <a:bodyPr wrap="none" rtlCol="0">
+            <a:spAutoFit/>
+          </a:bodyPr>
+          <a:lstStyle/>
+          <a:p>
+            <a:pPr algn="ctr"/>
+            <a:r>
+              <a:rPr lang="en-US" sz="1400" dirty="0"/>
+              <a:t>Server certificate with public key </a:t>
+            </a:r>
+          </a:p>
+          <a:p>
+            <a:pPr algn="ctr"/>
+            <a:r>
+              <a:rPr lang="en-US" sz="1400" dirty="0"/>
+              <a:t>signed by a Certificate Authority</a:t>
+            </a:r>
+          </a:p>
+        </p:txBody>
+      </p:sp>
+      <p:cxnSp>
+        <p:nvCxnSpPr>
+          <p:cNvPr id="16" name="Straight Arrow Connector 15">
+            <a:extLst>
+              <a:ext uri="{FF2B5EF4-FFF2-40B4-BE49-F238E27FC236}">
+                <a16:creationId xmlns:a16="http://schemas.microsoft.com/office/drawing/2014/main" id="{A8F22ADD-0C10-324A-B06F-0F0B90950B4F}"/>
+              </a:ext>
+            </a:extLst>
+          </p:cNvPr>
+          <p:cNvCxnSpPr>
+            <a:cxnSpLocks/>
+          </p:cNvCxnSpPr>
+          <p:nvPr/>
+        </p:nvCxnSpPr>
+        <p:spPr>
+          <a:xfrm>
+            <a:off x="2477193" y="3743504"/>
+            <a:ext cx="6084916" cy="0"/>
+          </a:xfrm>
+          <a:prstGeom prst="straightConnector1">
+            <a:avLst/>
+          </a:prstGeom>
+          <a:ln w="15875">
+            <a:solidFill>
+              <a:srgbClr val="9D381C"/>
+            </a:solidFill>
+            <a:tailEnd type="triangle"/>
+          </a:ln>
+        </p:spPr>
+        <p:style>
+          <a:lnRef idx="1">
+            <a:schemeClr val="accent1"/>
+          </a:lnRef>
+          <a:fillRef idx="0">
+            <a:schemeClr val="accent1"/>
+          </a:fillRef>
+          <a:effectRef idx="0">
+            <a:schemeClr val="accent1"/>
+          </a:effectRef>
+          <a:fontRef idx="minor">
+            <a:schemeClr val="tx1"/>
+          </a:fontRef>
+        </p:style>
+      </p:cxnSp>
+      <p:sp>
+        <p:nvSpPr>
+          <p:cNvPr id="19" name="TextBox 18">
+            <a:extLst>
+              <a:ext uri="{FF2B5EF4-FFF2-40B4-BE49-F238E27FC236}">
+                <a16:creationId xmlns:a16="http://schemas.microsoft.com/office/drawing/2014/main" id="{906CD1C4-D2CF-0245-84ED-6A25E9765647}"/>
+              </a:ext>
+            </a:extLst>
+          </p:cNvPr>
+          <p:cNvSpPr txBox="1"/>
+          <p:nvPr/>
+        </p:nvSpPr>
+        <p:spPr>
+          <a:xfrm>
+            <a:off x="3372974" y="3456080"/>
+            <a:ext cx="3328155" cy="523220"/>
+          </a:xfrm>
+          <a:prstGeom prst="rect">
+            <a:avLst/>
+          </a:prstGeom>
+          <a:noFill/>
+        </p:spPr>
+        <p:txBody>
+          <a:bodyPr wrap="none" rtlCol="0">
+            <a:spAutoFit/>
+          </a:bodyPr>
+          <a:lstStyle/>
+          <a:p>
+            <a:pPr algn="ctr"/>
+            <a:r>
+              <a:rPr lang="en-US" sz="1400" dirty="0"/>
+              <a:t>App trusts server and sends secret key </a:t>
+            </a:r>
+          </a:p>
+          <a:p>
+            <a:pPr algn="ctr"/>
+            <a:r>
+              <a:rPr lang="en-US" sz="1400" dirty="0"/>
+              <a:t>encrypted with server public key</a:t>
+            </a:r>
+          </a:p>
+        </p:txBody>
+      </p:sp>
+      <p:cxnSp>
+        <p:nvCxnSpPr>
+          <p:cNvPr id="20" name="Straight Arrow Connector 19">
+            <a:extLst>
+              <a:ext uri="{FF2B5EF4-FFF2-40B4-BE49-F238E27FC236}">
+                <a16:creationId xmlns:a16="http://schemas.microsoft.com/office/drawing/2014/main" id="{6FD114FC-CD5E-EF4B-AC48-106AE86D200D}"/>
+              </a:ext>
+            </a:extLst>
+          </p:cNvPr>
+          <p:cNvCxnSpPr>
+            <a:cxnSpLocks/>
+          </p:cNvCxnSpPr>
+          <p:nvPr/>
+        </p:nvCxnSpPr>
+        <p:spPr>
+          <a:xfrm>
+            <a:off x="2477193" y="4688372"/>
+            <a:ext cx="6084916" cy="0"/>
+          </a:xfrm>
+          <a:prstGeom prst="straightConnector1">
+            <a:avLst/>
+          </a:prstGeom>
+          <a:ln w="15875">
+            <a:solidFill>
+              <a:srgbClr val="9D381C"/>
+            </a:solidFill>
+            <a:headEnd type="triangle"/>
+            <a:tailEnd type="triangle"/>
+          </a:ln>
+        </p:spPr>
+        <p:style>
+          <a:lnRef idx="1">
+            <a:schemeClr val="accent1"/>
+          </a:lnRef>
+          <a:fillRef idx="0">
+            <a:schemeClr val="accent1"/>
+          </a:fillRef>
+          <a:effectRef idx="0">
+            <a:schemeClr val="accent1"/>
+          </a:effectRef>
+          <a:fontRef idx="minor">
+            <a:schemeClr val="tx1"/>
+          </a:fontRef>
+        </p:style>
+      </p:cxnSp>
+      <p:sp>
+        <p:nvSpPr>
+          <p:cNvPr id="21" name="TextBox 20">
+            <a:extLst>
+              <a:ext uri="{FF2B5EF4-FFF2-40B4-BE49-F238E27FC236}">
+                <a16:creationId xmlns:a16="http://schemas.microsoft.com/office/drawing/2014/main" id="{0DC02887-7DC5-A940-B343-32083F5C4573}"/>
+              </a:ext>
+            </a:extLst>
+          </p:cNvPr>
+          <p:cNvSpPr txBox="1"/>
+          <p:nvPr/>
+        </p:nvSpPr>
+        <p:spPr>
+          <a:xfrm>
+            <a:off x="2795988" y="4343327"/>
+            <a:ext cx="5447325" cy="738664"/>
+          </a:xfrm>
+          <a:prstGeom prst="rect">
+            <a:avLst/>
+          </a:prstGeom>
+          <a:noFill/>
+        </p:spPr>
+        <p:txBody>
+          <a:bodyPr wrap="none" rtlCol="0">
+            <a:spAutoFit/>
+          </a:bodyPr>
+          <a:lstStyle/>
+          <a:p>
+            <a:pPr algn="ctr"/>
+            <a:r>
+              <a:rPr lang="en-US" sz="1400" dirty="0"/>
+              <a:t>The two machines are the only ones who know the new secret key</a:t>
+            </a:r>
+          </a:p>
+          <a:p>
+            <a:pPr algn="ctr"/>
+            <a:endParaRPr lang="en-US" sz="1400" dirty="0"/>
+          </a:p>
+          <a:p>
+            <a:pPr algn="ctr"/>
+            <a:r>
+              <a:rPr lang="en-US" sz="1400" dirty="0"/>
+              <a:t>All communication is encrypted with this key</a:t>
+            </a:r>
+          </a:p>
+        </p:txBody>
+      </p:sp>
+    </p:spTree>
+    <p:extLst>
+      <p:ext uri="{BB962C8B-B14F-4D97-AF65-F5344CB8AC3E}">
+        <p14:creationId xmlns:p14="http://schemas.microsoft.com/office/powerpoint/2010/main" val="467888498"/>
+      </p:ext>
+    </p:extLst>
+  </p:cSld>
+  <p:clrMapOvr>
+    <a:masterClrMapping/>
+  </p:clrMapOvr>
+</p:sld>
+</file>
+
+<file path=ppt/slides/slide19.xml><?xml version="1.0" encoding="utf-8"?>
+<p:sld xmlns:a="http://schemas.openxmlformats.org/drawingml/2006/main" xmlns:r="http://schemas.openxmlformats.org/officeDocument/2006/relationships" xmlns:p="http://schemas.openxmlformats.org/presentationml/2006/main">
+  <p:cSld>
+    <p:spTree>
+      <p:nvGrpSpPr>
+        <p:cNvPr id="1" name=""/>
+        <p:cNvGrpSpPr/>
+        <p:nvPr/>
+      </p:nvGrpSpPr>
+      <p:grpSpPr>
+        <a:xfrm>
+          <a:off x="0" y="0"/>
+          <a:ext cx="0" cy="0"/>
+          <a:chOff x="0" y="0"/>
+          <a:chExt cx="0" cy="0"/>
+        </a:xfrm>
+      </p:grpSpPr>
+      <p:sp>
+        <p:nvSpPr>
+          <p:cNvPr id="2" name="Title 1">
+            <a:extLst>
+              <a:ext uri="{FF2B5EF4-FFF2-40B4-BE49-F238E27FC236}">
+                <a16:creationId xmlns:a16="http://schemas.microsoft.com/office/drawing/2014/main" id="{C1146E00-F36B-ED4E-8139-73C266E41712}"/>
+              </a:ext>
+            </a:extLst>
+          </p:cNvPr>
+          <p:cNvSpPr>
+            <a:spLocks noGrp="1"/>
+          </p:cNvSpPr>
+          <p:nvPr>
+            <p:ph type="title"/>
+          </p:nvPr>
+        </p:nvSpPr>
+        <p:spPr/>
+        <p:txBody>
+          <a:bodyPr/>
+          <a:lstStyle/>
+          <a:p>
+            <a:r>
+              <a:rPr lang="en-US" dirty="0"/>
+              <a:t>TLS: Certificate Signing Request</a:t>
+            </a:r>
+          </a:p>
+        </p:txBody>
+      </p:sp>
+      <p:sp>
+        <p:nvSpPr>
+          <p:cNvPr id="4" name="Slide Number Placeholder 3">
+            <a:extLst>
+              <a:ext uri="{FF2B5EF4-FFF2-40B4-BE49-F238E27FC236}">
+                <a16:creationId xmlns:a16="http://schemas.microsoft.com/office/drawing/2014/main" id="{AF2CAADE-728A-394D-8302-F78083E20EF6}"/>
+              </a:ext>
+            </a:extLst>
+          </p:cNvPr>
+          <p:cNvSpPr>
+            <a:spLocks noGrp="1"/>
+          </p:cNvSpPr>
+          <p:nvPr>
+            <p:ph type="sldNum" sz="quarter" idx="10"/>
+          </p:nvPr>
+        </p:nvSpPr>
+        <p:spPr/>
+        <p:txBody>
+          <a:bodyPr/>
+          <a:lstStyle/>
+          <a:p>
+            <a:pPr defTabSz="911231" eaLnBrk="1" fontAlgn="auto" hangingPunct="1">
+              <a:spcBef>
+                <a:spcPts val="0"/>
+              </a:spcBef>
+              <a:spcAft>
+                <a:spcPts val="0"/>
+              </a:spcAft>
+              <a:defRPr/>
+            </a:pPr>
+            <a:r>
+              <a:rPr lang="en-US" altLang="en-US">
+                <a:solidFill>
+                  <a:srgbClr val="FFFFFF"/>
+                </a:solidFill>
+                <a:latin typeface="Arial"/>
+                <a:ea typeface="ＭＳ Ｐゴシック" charset="0"/>
+                <a:cs typeface="Arial"/>
+                <a:sym typeface="Helvetica" charset="0"/>
+              </a:rPr>
+              <a:t>IBM Confidential – Page </a:t>
+            </a:r>
+            <a:fld id="{3AD35F64-7BFE-4AA6-B41F-771B1133FB22}" type="slidenum">
+              <a:rPr lang="en-US" altLang="en-US" smtClean="0">
+                <a:solidFill>
+                  <a:srgbClr val="FFFFFF"/>
+                </a:solidFill>
+                <a:latin typeface="Arial"/>
+                <a:ea typeface="ＭＳ Ｐゴシック" charset="0"/>
+                <a:cs typeface="Arial"/>
+                <a:sym typeface="Helvetica" charset="0"/>
+              </a:rPr>
+              <a:pPr defTabSz="911231" eaLnBrk="1" fontAlgn="auto" hangingPunct="1">
+                <a:spcBef>
+                  <a:spcPts val="0"/>
+                </a:spcBef>
+                <a:spcAft>
+                  <a:spcPts val="0"/>
+                </a:spcAft>
+                <a:defRPr/>
+              </a:pPr>
+              <a:t>19</a:t>
+            </a:fld>
+            <a:endParaRPr lang="en-US" altLang="en-US">
+              <a:solidFill>
+                <a:srgbClr val="FFFFFF"/>
+              </a:solidFill>
+              <a:latin typeface="Arial"/>
+              <a:ea typeface="ＭＳ Ｐゴシック" charset="0"/>
+              <a:cs typeface="Arial"/>
+              <a:sym typeface="Helvetica" charset="0"/>
+            </a:endParaRPr>
+          </a:p>
+        </p:txBody>
+      </p:sp>
+      <p:sp>
+        <p:nvSpPr>
+          <p:cNvPr id="5" name="Rounded Rectangle 4">
+            <a:extLst>
+              <a:ext uri="{FF2B5EF4-FFF2-40B4-BE49-F238E27FC236}">
+                <a16:creationId xmlns:a16="http://schemas.microsoft.com/office/drawing/2014/main" id="{824FDA8D-47D4-2840-8757-B6631F41C265}"/>
+              </a:ext>
+            </a:extLst>
+          </p:cNvPr>
+          <p:cNvSpPr/>
+          <p:nvPr/>
+        </p:nvSpPr>
+        <p:spPr>
+          <a:xfrm>
+            <a:off x="895368" y="1637020"/>
+            <a:ext cx="1345642" cy="3051355"/>
+          </a:xfrm>
+          <a:prstGeom prst="roundRect">
+            <a:avLst/>
+          </a:prstGeom>
+          <a:solidFill>
+            <a:schemeClr val="accent2"/>
+          </a:solidFill>
+          <a:effectLst>
+            <a:outerShdw blurRad="50800" dist="38100" dir="5400000" algn="t" rotWithShape="0">
+              <a:prstClr val="black">
+                <a:alpha val="40000"/>
+              </a:prstClr>
+            </a:outerShdw>
+          </a:effectLst>
+        </p:spPr>
+        <p:style>
+          <a:lnRef idx="2">
+            <a:schemeClr val="accent1">
+              <a:shade val="50000"/>
+            </a:schemeClr>
+          </a:lnRef>
+          <a:fillRef idx="1">
+            <a:schemeClr val="accent1"/>
+          </a:fillRef>
+          <a:effectRef idx="0">
+            <a:schemeClr val="accent1"/>
+          </a:effectRef>
+          <a:fontRef idx="minor">
+            <a:schemeClr val="lt1"/>
+          </a:fontRef>
+        </p:style>
+        <p:txBody>
+          <a:bodyPr rtlCol="0" anchor="ctr"/>
+          <a:lstStyle/>
+          <a:p>
+            <a:pPr algn="ctr"/>
+            <a:r>
+              <a:rPr lang="en-US" dirty="0"/>
+              <a:t>Server</a:t>
+            </a:r>
+          </a:p>
+        </p:txBody>
+      </p:sp>
+      <p:sp>
+        <p:nvSpPr>
+          <p:cNvPr id="6" name="Rounded Rectangle 5">
+            <a:extLst>
+              <a:ext uri="{FF2B5EF4-FFF2-40B4-BE49-F238E27FC236}">
+                <a16:creationId xmlns:a16="http://schemas.microsoft.com/office/drawing/2014/main" id="{339DBD7A-B11A-3F4A-9D36-21D318F34F31}"/>
+              </a:ext>
+            </a:extLst>
+          </p:cNvPr>
+          <p:cNvSpPr/>
+          <p:nvPr/>
+        </p:nvSpPr>
+        <p:spPr>
+          <a:xfrm>
+            <a:off x="9178734" y="1637019"/>
+            <a:ext cx="1476895" cy="3051353"/>
+          </a:xfrm>
+          <a:prstGeom prst="roundRect">
+            <a:avLst/>
+          </a:prstGeom>
+          <a:solidFill>
+            <a:schemeClr val="accent2"/>
+          </a:solidFill>
+          <a:effectLst>
+            <a:outerShdw blurRad="50800" dist="38100" dir="5400000" algn="t" rotWithShape="0">
+              <a:prstClr val="black">
+                <a:alpha val="40000"/>
+              </a:prstClr>
+            </a:outerShdw>
+          </a:effectLst>
+        </p:spPr>
+        <p:style>
+          <a:lnRef idx="2">
+            <a:schemeClr val="accent1">
+              <a:shade val="50000"/>
+            </a:schemeClr>
+          </a:lnRef>
+          <a:fillRef idx="1">
+            <a:schemeClr val="accent1"/>
+          </a:fillRef>
+          <a:effectRef idx="0">
+            <a:schemeClr val="accent1"/>
+          </a:effectRef>
+          <a:fontRef idx="minor">
+            <a:schemeClr val="lt1"/>
+          </a:fontRef>
+        </p:style>
+        <p:txBody>
+          <a:bodyPr rtlCol="0" anchor="ctr"/>
+          <a:lstStyle/>
+          <a:p>
+            <a:pPr algn="ctr"/>
+            <a:r>
+              <a:rPr lang="en-US" dirty="0"/>
+              <a:t>Certificate Authority</a:t>
+            </a:r>
+          </a:p>
+        </p:txBody>
+      </p:sp>
+      <p:cxnSp>
+        <p:nvCxnSpPr>
+          <p:cNvPr id="8" name="Straight Arrow Connector 7">
+            <a:extLst>
+              <a:ext uri="{FF2B5EF4-FFF2-40B4-BE49-F238E27FC236}">
+                <a16:creationId xmlns:a16="http://schemas.microsoft.com/office/drawing/2014/main" id="{8FB28C20-04E0-2E4E-81B6-688B2544AB74}"/>
+              </a:ext>
+            </a:extLst>
+          </p:cNvPr>
+          <p:cNvCxnSpPr>
+            <a:cxnSpLocks/>
+          </p:cNvCxnSpPr>
+          <p:nvPr/>
+        </p:nvCxnSpPr>
+        <p:spPr>
+          <a:xfrm>
+            <a:off x="2477193" y="2177941"/>
+            <a:ext cx="6084916" cy="0"/>
+          </a:xfrm>
+          <a:prstGeom prst="straightConnector1">
+            <a:avLst/>
+          </a:prstGeom>
+          <a:ln w="15875">
+            <a:solidFill>
+              <a:srgbClr val="9D381C"/>
+            </a:solidFill>
+            <a:tailEnd type="triangle"/>
+          </a:ln>
+        </p:spPr>
+        <p:style>
+          <a:lnRef idx="1">
+            <a:schemeClr val="accent1"/>
+          </a:lnRef>
+          <a:fillRef idx="0">
+            <a:schemeClr val="accent1"/>
+          </a:fillRef>
+          <a:effectRef idx="0">
+            <a:schemeClr val="accent1"/>
+          </a:effectRef>
+          <a:fontRef idx="minor">
+            <a:schemeClr val="tx1"/>
+          </a:fontRef>
+        </p:style>
+      </p:cxnSp>
+      <p:sp>
+        <p:nvSpPr>
+          <p:cNvPr id="9" name="TextBox 8">
+            <a:extLst>
+              <a:ext uri="{FF2B5EF4-FFF2-40B4-BE49-F238E27FC236}">
+                <a16:creationId xmlns:a16="http://schemas.microsoft.com/office/drawing/2014/main" id="{E93AA34A-1E8F-BF47-ACBB-FC1779E7848B}"/>
+              </a:ext>
+            </a:extLst>
+          </p:cNvPr>
+          <p:cNvSpPr txBox="1"/>
+          <p:nvPr/>
+        </p:nvSpPr>
+        <p:spPr>
+          <a:xfrm>
+            <a:off x="2695716" y="1858484"/>
+            <a:ext cx="4682693" cy="307777"/>
+          </a:xfrm>
+          <a:prstGeom prst="rect">
+            <a:avLst/>
+          </a:prstGeom>
+          <a:noFill/>
+        </p:spPr>
+        <p:txBody>
+          <a:bodyPr wrap="none" rtlCol="0">
+            <a:spAutoFit/>
+          </a:bodyPr>
+          <a:lstStyle/>
+          <a:p>
+            <a:pPr algn="ctr"/>
+            <a:r>
+              <a:rPr lang="en-US" sz="1400" dirty="0"/>
+              <a:t>Create a Certificate Signing Request with server key pair</a:t>
+            </a:r>
+          </a:p>
+        </p:txBody>
+      </p:sp>
+      <p:cxnSp>
+        <p:nvCxnSpPr>
+          <p:cNvPr id="10" name="Straight Arrow Connector 9">
+            <a:extLst>
+              <a:ext uri="{FF2B5EF4-FFF2-40B4-BE49-F238E27FC236}">
+                <a16:creationId xmlns:a16="http://schemas.microsoft.com/office/drawing/2014/main" id="{BE004155-591A-6643-A079-872E28560657}"/>
+              </a:ext>
+            </a:extLst>
+          </p:cNvPr>
+          <p:cNvCxnSpPr>
+            <a:cxnSpLocks/>
+          </p:cNvCxnSpPr>
+          <p:nvPr/>
+        </p:nvCxnSpPr>
+        <p:spPr>
+          <a:xfrm>
+            <a:off x="2477193" y="3137410"/>
+            <a:ext cx="6084916" cy="0"/>
+          </a:xfrm>
+          <a:prstGeom prst="straightConnector1">
+            <a:avLst/>
+          </a:prstGeom>
+          <a:ln w="15875">
+            <a:solidFill>
+              <a:srgbClr val="9D381C"/>
+            </a:solidFill>
+            <a:headEnd type="triangle"/>
+            <a:tailEnd type="none"/>
+          </a:ln>
+        </p:spPr>
+        <p:style>
+          <a:lnRef idx="1">
+            <a:schemeClr val="accent1"/>
+          </a:lnRef>
+          <a:fillRef idx="0">
+            <a:schemeClr val="accent1"/>
+          </a:fillRef>
+          <a:effectRef idx="0">
+            <a:schemeClr val="accent1"/>
+          </a:effectRef>
+          <a:fontRef idx="minor">
+            <a:schemeClr val="tx1"/>
+          </a:fontRef>
+        </p:style>
+      </p:cxnSp>
+      <p:sp>
+        <p:nvSpPr>
+          <p:cNvPr id="11" name="TextBox 10">
+            <a:extLst>
+              <a:ext uri="{FF2B5EF4-FFF2-40B4-BE49-F238E27FC236}">
+                <a16:creationId xmlns:a16="http://schemas.microsoft.com/office/drawing/2014/main" id="{1E369665-764E-BC42-8F5D-03DDBC8837D0}"/>
+              </a:ext>
+            </a:extLst>
+          </p:cNvPr>
+          <p:cNvSpPr txBox="1"/>
+          <p:nvPr/>
+        </p:nvSpPr>
+        <p:spPr>
+          <a:xfrm>
+            <a:off x="2600476" y="2514012"/>
+            <a:ext cx="4873194" cy="523220"/>
+          </a:xfrm>
+          <a:prstGeom prst="rect">
+            <a:avLst/>
+          </a:prstGeom>
+          <a:noFill/>
+        </p:spPr>
+        <p:txBody>
+          <a:bodyPr wrap="none" rtlCol="0">
+            <a:spAutoFit/>
+          </a:bodyPr>
+          <a:lstStyle/>
+          <a:p>
+            <a:pPr algn="ctr"/>
+            <a:r>
+              <a:rPr lang="en-US" sz="1400" dirty="0"/>
+              <a:t>Signed request by CA private key, </a:t>
+            </a:r>
+          </a:p>
+          <a:p>
+            <a:pPr algn="ctr"/>
+            <a:r>
+              <a:rPr lang="en-US" sz="1400" dirty="0"/>
+              <a:t>anyone who has CA public key can verify it is signed by me</a:t>
+            </a:r>
+          </a:p>
+        </p:txBody>
+      </p:sp>
+      <p:pic>
+        <p:nvPicPr>
+          <p:cNvPr id="3" name="Picture 2">
+            <a:extLst>
+              <a:ext uri="{FF2B5EF4-FFF2-40B4-BE49-F238E27FC236}">
+                <a16:creationId xmlns:a16="http://schemas.microsoft.com/office/drawing/2014/main" id="{69278E5A-1ADD-C04A-A438-BC63AC2F0A44}"/>
+              </a:ext>
+            </a:extLst>
+          </p:cNvPr>
+          <p:cNvPicPr>
+            <a:picLocks noChangeAspect="1"/>
+          </p:cNvPicPr>
+          <p:nvPr/>
+        </p:nvPicPr>
+        <p:blipFill>
+          <a:blip r:embed="rId2"/>
+          <a:stretch>
+            <a:fillRect/>
+          </a:stretch>
+        </p:blipFill>
+        <p:spPr>
+          <a:xfrm>
+            <a:off x="609644" y="4896427"/>
+            <a:ext cx="1727200" cy="889000"/>
+          </a:xfrm>
+          <a:prstGeom prst="rect">
+            <a:avLst/>
+          </a:prstGeom>
+        </p:spPr>
+      </p:pic>
+      <p:pic>
+        <p:nvPicPr>
+          <p:cNvPr id="7" name="Picture 6">
+            <a:extLst>
+              <a:ext uri="{FF2B5EF4-FFF2-40B4-BE49-F238E27FC236}">
+                <a16:creationId xmlns:a16="http://schemas.microsoft.com/office/drawing/2014/main" id="{2432C1A6-1F58-8B4C-AC39-BEC929D35642}"/>
+              </a:ext>
+            </a:extLst>
+          </p:cNvPr>
+          <p:cNvPicPr>
+            <a:picLocks noChangeAspect="1"/>
+          </p:cNvPicPr>
+          <p:nvPr/>
+        </p:nvPicPr>
+        <p:blipFill>
+          <a:blip r:embed="rId2"/>
+          <a:stretch>
+            <a:fillRect/>
+          </a:stretch>
+        </p:blipFill>
+        <p:spPr>
+          <a:xfrm>
+            <a:off x="9178734" y="4889468"/>
+            <a:ext cx="1727200" cy="889000"/>
+          </a:xfrm>
+          <a:prstGeom prst="rect">
+            <a:avLst/>
+          </a:prstGeom>
+        </p:spPr>
+      </p:pic>
+      <p:sp>
+        <p:nvSpPr>
+          <p:cNvPr id="17" name="Rounded Rectangle 16">
+            <a:extLst>
+              <a:ext uri="{FF2B5EF4-FFF2-40B4-BE49-F238E27FC236}">
+                <a16:creationId xmlns:a16="http://schemas.microsoft.com/office/drawing/2014/main" id="{EA32F050-AC7A-8D4F-AC77-001764561A25}"/>
+              </a:ext>
+            </a:extLst>
+          </p:cNvPr>
+          <p:cNvSpPr/>
+          <p:nvPr/>
+        </p:nvSpPr>
+        <p:spPr>
+          <a:xfrm>
+            <a:off x="4405745" y="5333968"/>
+            <a:ext cx="1957446" cy="768440"/>
+          </a:xfrm>
+          <a:prstGeom prst="roundRect">
+            <a:avLst/>
+          </a:prstGeom>
+          <a:solidFill>
+            <a:schemeClr val="accent2"/>
+          </a:solidFill>
+          <a:effectLst>
+            <a:outerShdw blurRad="50800" dist="38100" dir="5400000" algn="t" rotWithShape="0">
+              <a:prstClr val="black">
+                <a:alpha val="40000"/>
+              </a:prstClr>
+            </a:outerShdw>
+          </a:effectLst>
+        </p:spPr>
+        <p:style>
+          <a:lnRef idx="2">
+            <a:schemeClr val="accent1">
+              <a:shade val="50000"/>
+            </a:schemeClr>
+          </a:lnRef>
+          <a:fillRef idx="1">
+            <a:schemeClr val="accent1"/>
+          </a:fillRef>
+          <a:effectRef idx="0">
+            <a:schemeClr val="accent1"/>
+          </a:effectRef>
+          <a:fontRef idx="minor">
+            <a:schemeClr val="lt1"/>
+          </a:fontRef>
+        </p:style>
+        <p:txBody>
+          <a:bodyPr rtlCol="0" anchor="ctr"/>
+          <a:lstStyle/>
+          <a:p>
+            <a:pPr algn="ctr"/>
+            <a:r>
+              <a:rPr lang="en-US" dirty="0"/>
+              <a:t>App</a:t>
+            </a:r>
+          </a:p>
+        </p:txBody>
+      </p:sp>
+      <p:cxnSp>
+        <p:nvCxnSpPr>
+          <p:cNvPr id="13" name="Elbow Connector 12">
+            <a:extLst>
+              <a:ext uri="{FF2B5EF4-FFF2-40B4-BE49-F238E27FC236}">
+                <a16:creationId xmlns:a16="http://schemas.microsoft.com/office/drawing/2014/main" id="{44C5645A-52A6-454D-9F51-147E3D209BA9}"/>
+              </a:ext>
+            </a:extLst>
+          </p:cNvPr>
+          <p:cNvCxnSpPr>
+            <a:cxnSpLocks/>
+            <a:stCxn id="7" idx="3"/>
+            <a:endCxn id="17" idx="3"/>
+          </p:cNvCxnSpPr>
+          <p:nvPr/>
+        </p:nvCxnSpPr>
+        <p:spPr>
+          <a:xfrm flipH="1">
+            <a:off x="6363191" y="5333968"/>
+            <a:ext cx="4542743" cy="384220"/>
+          </a:xfrm>
+          <a:prstGeom prst="bentConnector5">
+            <a:avLst>
+              <a:gd name="adj1" fmla="val -5032"/>
+              <a:gd name="adj2" fmla="val 175186"/>
+              <a:gd name="adj3" fmla="val 69011"/>
+            </a:avLst>
+          </a:prstGeom>
+          <a:ln w="22225">
+            <a:solidFill>
+              <a:srgbClr val="9D381C"/>
+            </a:solidFill>
+            <a:tailEnd type="triangle"/>
+          </a:ln>
+        </p:spPr>
+        <p:style>
+          <a:lnRef idx="1">
+            <a:schemeClr val="accent1"/>
+          </a:lnRef>
+          <a:fillRef idx="0">
+            <a:schemeClr val="accent1"/>
+          </a:fillRef>
+          <a:effectRef idx="0">
+            <a:schemeClr val="accent1"/>
+          </a:effectRef>
+          <a:fontRef idx="minor">
+            <a:schemeClr val="tx1"/>
+          </a:fontRef>
+        </p:style>
+      </p:cxnSp>
+      <p:cxnSp>
+        <p:nvCxnSpPr>
+          <p:cNvPr id="23" name="Elbow Connector 22">
+            <a:extLst>
+              <a:ext uri="{FF2B5EF4-FFF2-40B4-BE49-F238E27FC236}">
+                <a16:creationId xmlns:a16="http://schemas.microsoft.com/office/drawing/2014/main" id="{FA2B403A-623E-9A4F-89B1-A3EFF2A097DD}"/>
+              </a:ext>
+            </a:extLst>
+          </p:cNvPr>
+          <p:cNvCxnSpPr>
+            <a:cxnSpLocks/>
+            <a:stCxn id="17" idx="0"/>
+          </p:cNvCxnSpPr>
+          <p:nvPr/>
+        </p:nvCxnSpPr>
+        <p:spPr>
+          <a:xfrm rot="16200000" flipV="1">
+            <a:off x="3344809" y="3294309"/>
+            <a:ext cx="1390568" cy="2688750"/>
+          </a:xfrm>
+          <a:prstGeom prst="bentConnector2">
+            <a:avLst/>
+          </a:prstGeom>
+          <a:ln w="22225">
+            <a:solidFill>
+              <a:srgbClr val="9D381C"/>
+            </a:solidFill>
+            <a:tailEnd type="triangle"/>
+          </a:ln>
+        </p:spPr>
+        <p:style>
+          <a:lnRef idx="1">
+            <a:schemeClr val="accent1"/>
+          </a:lnRef>
+          <a:fillRef idx="0">
+            <a:schemeClr val="accent1"/>
+          </a:fillRef>
+          <a:effectRef idx="0">
+            <a:schemeClr val="accent1"/>
+          </a:effectRef>
+          <a:fontRef idx="minor">
+            <a:schemeClr val="tx1"/>
+          </a:fontRef>
+        </p:style>
+      </p:cxnSp>
+    </p:spTree>
+    <p:extLst>
+      <p:ext uri="{BB962C8B-B14F-4D97-AF65-F5344CB8AC3E}">
+        <p14:creationId xmlns:p14="http://schemas.microsoft.com/office/powerpoint/2010/main" val="1292618329"/>
+      </p:ext>
+    </p:extLst>
+  </p:cSld>
+  <p:clrMapOvr>
+    <a:masterClrMapping/>
+  </p:clrMapOvr>
+</p:sld>
+</file>
+
 <file path=ppt/slides/slide2.xml><?xml version="1.0" encoding="utf-8"?>
 <p:sld xmlns:a="http://schemas.openxmlformats.org/drawingml/2006/main" xmlns:r="http://schemas.openxmlformats.org/officeDocument/2006/relationships" xmlns:p="http://schemas.openxmlformats.org/presentationml/2006/main">
   <p:cSld>
@@ -23849,7 +25082,7 @@
             <a:effectLst/>
             <a:extLst>
               <a:ext uri="{C572A759-6A51-4108-AA02-DFA0A04FC94B}">
-                <ma14:wrappingTextBoxFlag xmlns="" xmlns:ma14="http://schemas.microsoft.com/office/mac/drawingml/2011/main" val="1"/>
+                <ma14:wrappingTextBoxFlag xmlns:ma14="http://schemas.microsoft.com/office/mac/drawingml/2011/main" xmlns="" val="1"/>
               </a:ext>
             </a:extLst>
           </p:spPr>
@@ -23965,7 +25198,7 @@
             <a:effectLst/>
             <a:extLst>
               <a:ext uri="{C572A759-6A51-4108-AA02-DFA0A04FC94B}">
-                <ma14:wrappingTextBoxFlag xmlns="" xmlns:ma14="http://schemas.microsoft.com/office/mac/drawingml/2011/main" val="1"/>
+                <ma14:wrappingTextBoxFlag xmlns:ma14="http://schemas.microsoft.com/office/mac/drawingml/2011/main" xmlns="" val="1"/>
               </a:ext>
             </a:extLst>
           </p:spPr>
@@ -24435,7 +25668,7 @@
             <a:effectLst/>
             <a:extLst>
               <a:ext uri="{C572A759-6A51-4108-AA02-DFA0A04FC94B}">
-                <ma14:wrappingTextBoxFlag xmlns="" xmlns:ma14="http://schemas.microsoft.com/office/mac/drawingml/2011/main" val="1"/>
+                <ma14:wrappingTextBoxFlag xmlns:ma14="http://schemas.microsoft.com/office/mac/drawingml/2011/main" xmlns="" val="1"/>
               </a:ext>
             </a:extLst>
           </p:spPr>
@@ -24745,7 +25978,7 @@
             <a:effectLst/>
             <a:extLst>
               <a:ext uri="{C572A759-6A51-4108-AA02-DFA0A04FC94B}">
-                <ma14:wrappingTextBoxFlag xmlns="" xmlns:ma14="http://schemas.microsoft.com/office/mac/drawingml/2011/main" val="1"/>
+                <ma14:wrappingTextBoxFlag xmlns:ma14="http://schemas.microsoft.com/office/mac/drawingml/2011/main" xmlns="" val="1"/>
               </a:ext>
             </a:extLst>
           </p:spPr>
@@ -24979,7 +26212,7 @@
             <a:effectLst/>
             <a:extLst>
               <a:ext uri="{C572A759-6A51-4108-AA02-DFA0A04FC94B}">
-                <ma14:wrappingTextBoxFlag xmlns="" xmlns:ma14="http://schemas.microsoft.com/office/mac/drawingml/2011/main" val="1"/>
+                <ma14:wrappingTextBoxFlag xmlns:ma14="http://schemas.microsoft.com/office/mac/drawingml/2011/main" xmlns="" val="1"/>
               </a:ext>
             </a:extLst>
           </p:spPr>
@@ -25112,7 +26345,7 @@
             <a:effectLst/>
             <a:extLst>
               <a:ext uri="{C572A759-6A51-4108-AA02-DFA0A04FC94B}">
-                <ma14:wrappingTextBoxFlag xmlns="" xmlns:ma14="http://schemas.microsoft.com/office/mac/drawingml/2011/main" val="1"/>
+                <ma14:wrappingTextBoxFlag xmlns:ma14="http://schemas.microsoft.com/office/mac/drawingml/2011/main" xmlns="" val="1"/>
               </a:ext>
             </a:extLst>
           </p:spPr>
@@ -26185,7 +27418,7 @@
             <a:effectLst/>
             <a:extLst>
               <a:ext uri="{C572A759-6A51-4108-AA02-DFA0A04FC94B}">
-                <ma14:wrappingTextBoxFlag xmlns="" xmlns:ma14="http://schemas.microsoft.com/office/mac/drawingml/2011/main" val="1"/>
+                <ma14:wrappingTextBoxFlag xmlns:ma14="http://schemas.microsoft.com/office/mac/drawingml/2011/main" xmlns="" val="1"/>
               </a:ext>
             </a:extLst>
           </p:spPr>
@@ -26534,7 +27767,7 @@
             <a:effectLst/>
             <a:extLst>
               <a:ext uri="{C572A759-6A51-4108-AA02-DFA0A04FC94B}">
-                <ma14:wrappingTextBoxFlag xmlns="" xmlns:ma14="http://schemas.microsoft.com/office/mac/drawingml/2011/main" val="1"/>
+                <ma14:wrappingTextBoxFlag xmlns:ma14="http://schemas.microsoft.com/office/mac/drawingml/2011/main" xmlns="" val="1"/>
               </a:ext>
             </a:extLst>
           </p:spPr>
@@ -26954,7 +28187,7 @@
             <a:effectLst/>
             <a:extLst>
               <a:ext uri="{C572A759-6A51-4108-AA02-DFA0A04FC94B}">
-                <ma14:wrappingTextBoxFlag xmlns="" xmlns:ma14="http://schemas.microsoft.com/office/mac/drawingml/2011/main" val="1"/>
+                <ma14:wrappingTextBoxFlag xmlns:ma14="http://schemas.microsoft.com/office/mac/drawingml/2011/main" xmlns="" val="1"/>
               </a:ext>
             </a:extLst>
           </p:spPr>
@@ -28452,7 +29685,7 @@
             <a:effectLst/>
             <a:extLst>
               <a:ext uri="{C572A759-6A51-4108-AA02-DFA0A04FC94B}">
-                <ma14:wrappingTextBoxFlag xmlns="" xmlns:ma14="http://schemas.microsoft.com/office/mac/drawingml/2011/main" val="1"/>
+                <ma14:wrappingTextBoxFlag xmlns:ma14="http://schemas.microsoft.com/office/mac/drawingml/2011/main" xmlns="" val="1"/>
               </a:ext>
             </a:extLst>
           </p:spPr>
@@ -29217,7 +30450,7 @@
             <a:effectLst/>
             <a:extLst>
               <a:ext uri="{C572A759-6A51-4108-AA02-DFA0A04FC94B}">
-                <ma14:wrappingTextBoxFlag xmlns:ma14="http://schemas.microsoft.com/office/mac/drawingml/2011/main" xmlns="" val="1"/>
+                <ma14:wrappingTextBoxFlag xmlns="" xmlns:ma14="http://schemas.microsoft.com/office/mac/drawingml/2011/main" val="1"/>
               </a:ext>
             </a:extLst>
           </p:spPr>
@@ -29333,7 +30566,7 @@
             <a:effectLst/>
             <a:extLst>
               <a:ext uri="{C572A759-6A51-4108-AA02-DFA0A04FC94B}">
-                <ma14:wrappingTextBoxFlag xmlns:ma14="http://schemas.microsoft.com/office/mac/drawingml/2011/main" xmlns="" val="1"/>
+                <ma14:wrappingTextBoxFlag xmlns="" xmlns:ma14="http://schemas.microsoft.com/office/mac/drawingml/2011/main" val="1"/>
               </a:ext>
             </a:extLst>
           </p:spPr>
@@ -29449,7 +30682,7 @@
             <a:effectLst/>
             <a:extLst>
               <a:ext uri="{C572A759-6A51-4108-AA02-DFA0A04FC94B}">
-                <ma14:wrappingTextBoxFlag xmlns:ma14="http://schemas.microsoft.com/office/mac/drawingml/2011/main" xmlns="" val="1"/>
+                <ma14:wrappingTextBoxFlag xmlns="" xmlns:ma14="http://schemas.microsoft.com/office/mac/drawingml/2011/main" val="1"/>
               </a:ext>
             </a:extLst>
           </p:spPr>
@@ -29565,7 +30798,7 @@
             <a:effectLst/>
             <a:extLst>
               <a:ext uri="{C572A759-6A51-4108-AA02-DFA0A04FC94B}">
-                <ma14:wrappingTextBoxFlag xmlns:ma14="http://schemas.microsoft.com/office/mac/drawingml/2011/main" xmlns="" val="1"/>
+                <ma14:wrappingTextBoxFlag xmlns="" xmlns:ma14="http://schemas.microsoft.com/office/mac/drawingml/2011/main" val="1"/>
               </a:ext>
             </a:extLst>
           </p:spPr>
@@ -29681,7 +30914,7 @@
             <a:effectLst/>
             <a:extLst>
               <a:ext uri="{C572A759-6A51-4108-AA02-DFA0A04FC94B}">
-                <ma14:wrappingTextBoxFlag xmlns:ma14="http://schemas.microsoft.com/office/mac/drawingml/2011/main" xmlns="" val="1"/>
+                <ma14:wrappingTextBoxFlag xmlns="" xmlns:ma14="http://schemas.microsoft.com/office/mac/drawingml/2011/main" val="1"/>
               </a:ext>
             </a:extLst>
           </p:spPr>
@@ -29797,7 +31030,7 @@
             <a:effectLst/>
             <a:extLst>
               <a:ext uri="{C572A759-6A51-4108-AA02-DFA0A04FC94B}">
-                <ma14:wrappingTextBoxFlag xmlns:ma14="http://schemas.microsoft.com/office/mac/drawingml/2011/main" xmlns="" val="1"/>
+                <ma14:wrappingTextBoxFlag xmlns="" xmlns:ma14="http://schemas.microsoft.com/office/mac/drawingml/2011/main" val="1"/>
               </a:ext>
             </a:extLst>
           </p:spPr>
@@ -31477,7 +32710,7 @@
             <a:effectLst/>
             <a:extLst>
               <a:ext uri="{C572A759-6A51-4108-AA02-DFA0A04FC94B}">
-                <ma14:wrappingTextBoxFlag xmlns="" xmlns:ma14="http://schemas.microsoft.com/office/mac/drawingml/2011/main" val="1"/>
+                <ma14:wrappingTextBoxFlag xmlns:ma14="http://schemas.microsoft.com/office/mac/drawingml/2011/main" xmlns="" val="1"/>
               </a:ext>
             </a:extLst>
           </p:spPr>
@@ -32130,7 +33363,7 @@
             <a:effectLst/>
             <a:extLst>
               <a:ext uri="{C572A759-6A51-4108-AA02-DFA0A04FC94B}">
-                <ma14:wrappingTextBoxFlag xmlns:ma14="http://schemas.microsoft.com/office/mac/drawingml/2011/main" xmlns="" val="1"/>
+                <ma14:wrappingTextBoxFlag xmlns="" xmlns:ma14="http://schemas.microsoft.com/office/mac/drawingml/2011/main" val="1"/>
               </a:ext>
             </a:extLst>
           </p:spPr>
@@ -32619,7 +33852,7 @@
             <a:effectLst/>
             <a:extLst>
               <a:ext uri="{C572A759-6A51-4108-AA02-DFA0A04FC94B}">
-                <ma14:wrappingTextBoxFlag xmlns="" xmlns:ma14="http://schemas.microsoft.com/office/mac/drawingml/2011/main" val="1"/>
+                <ma14:wrappingTextBoxFlag xmlns:ma14="http://schemas.microsoft.com/office/mac/drawingml/2011/main" xmlns="" val="1"/>
               </a:ext>
             </a:extLst>
           </p:spPr>
@@ -32735,7 +33968,7 @@
             <a:effectLst/>
             <a:extLst>
               <a:ext uri="{C572A759-6A51-4108-AA02-DFA0A04FC94B}">
-                <ma14:wrappingTextBoxFlag xmlns="" xmlns:ma14="http://schemas.microsoft.com/office/mac/drawingml/2011/main" val="1"/>
+                <ma14:wrappingTextBoxFlag xmlns:ma14="http://schemas.microsoft.com/office/mac/drawingml/2011/main" xmlns="" val="1"/>
               </a:ext>
             </a:extLst>
           </p:spPr>
@@ -33065,7 +34298,7 @@
             <a:effectLst/>
             <a:extLst>
               <a:ext uri="{C572A759-6A51-4108-AA02-DFA0A04FC94B}">
-                <ma14:wrappingTextBoxFlag xmlns="" xmlns:ma14="http://schemas.microsoft.com/office/mac/drawingml/2011/main" val="1"/>
+                <ma14:wrappingTextBoxFlag xmlns:ma14="http://schemas.microsoft.com/office/mac/drawingml/2011/main" xmlns="" val="1"/>
               </a:ext>
             </a:extLst>
           </p:spPr>
@@ -33493,7 +34726,7 @@
             <a:effectLst/>
             <a:extLst>
               <a:ext uri="{C572A759-6A51-4108-AA02-DFA0A04FC94B}">
-                <ma14:wrappingTextBoxFlag xmlns="" xmlns:ma14="http://schemas.microsoft.com/office/mac/drawingml/2011/main" val="1"/>
+                <ma14:wrappingTextBoxFlag xmlns:ma14="http://schemas.microsoft.com/office/mac/drawingml/2011/main" xmlns="" val="1"/>
               </a:ext>
             </a:extLst>
           </p:spPr>
@@ -34476,7 +35709,7 @@
             <a:effectLst/>
             <a:extLst>
               <a:ext uri="{C572A759-6A51-4108-AA02-DFA0A04FC94B}">
-                <ma14:wrappingTextBoxFlag xmlns="" xmlns:ma14="http://schemas.microsoft.com/office/mac/drawingml/2011/main" val="1"/>
+                <ma14:wrappingTextBoxFlag xmlns:ma14="http://schemas.microsoft.com/office/mac/drawingml/2011/main" xmlns="" val="1"/>
               </a:ext>
             </a:extLst>
           </p:spPr>
@@ -34731,7 +35964,7 @@
             <a:effectLst/>
             <a:extLst>
               <a:ext uri="{C572A759-6A51-4108-AA02-DFA0A04FC94B}">
-                <ma14:wrappingTextBoxFlag xmlns="" xmlns:ma14="http://schemas.microsoft.com/office/mac/drawingml/2011/main" val="1"/>
+                <ma14:wrappingTextBoxFlag xmlns:ma14="http://schemas.microsoft.com/office/mac/drawingml/2011/main" xmlns="" val="1"/>
               </a:ext>
             </a:extLst>
           </p:spPr>
@@ -35061,7 +36294,7 @@
             <a:effectLst/>
             <a:extLst>
               <a:ext uri="{C572A759-6A51-4108-AA02-DFA0A04FC94B}">
-                <ma14:wrappingTextBoxFlag xmlns="" xmlns:ma14="http://schemas.microsoft.com/office/mac/drawingml/2011/main" val="1"/>
+                <ma14:wrappingTextBoxFlag xmlns:ma14="http://schemas.microsoft.com/office/mac/drawingml/2011/main" xmlns="" val="1"/>
               </a:ext>
             </a:extLst>
           </p:spPr>
@@ -35288,7 +36521,7 @@
             <a:effectLst/>
             <a:extLst>
               <a:ext uri="{C572A759-6A51-4108-AA02-DFA0A04FC94B}">
-                <ma14:wrappingTextBoxFlag xmlns="" xmlns:ma14="http://schemas.microsoft.com/office/mac/drawingml/2011/main" val="1"/>
+                <ma14:wrappingTextBoxFlag xmlns:ma14="http://schemas.microsoft.com/office/mac/drawingml/2011/main" xmlns="" val="1"/>
               </a:ext>
             </a:extLst>
           </p:spPr>
@@ -35629,7 +36862,7 @@
             <a:effectLst/>
             <a:extLst>
               <a:ext uri="{C572A759-6A51-4108-AA02-DFA0A04FC94B}">
-                <ma14:wrappingTextBoxFlag xmlns="" xmlns:ma14="http://schemas.microsoft.com/office/mac/drawingml/2011/main" val="1"/>
+                <ma14:wrappingTextBoxFlag xmlns:ma14="http://schemas.microsoft.com/office/mac/drawingml/2011/main" xmlns="" val="1"/>
               </a:ext>
             </a:extLst>
           </p:spPr>
@@ -36267,7 +37500,7 @@
             <a:effectLst/>
             <a:extLst>
               <a:ext uri="{C572A759-6A51-4108-AA02-DFA0A04FC94B}">
-                <ma14:wrappingTextBoxFlag xmlns="" xmlns:ma14="http://schemas.microsoft.com/office/mac/drawingml/2011/main" val="1"/>
+                <ma14:wrappingTextBoxFlag xmlns:ma14="http://schemas.microsoft.com/office/mac/drawingml/2011/main" xmlns="" val="1"/>
               </a:ext>
             </a:extLst>
           </p:spPr>
@@ -36383,7 +37616,7 @@
             <a:effectLst/>
             <a:extLst>
               <a:ext uri="{C572A759-6A51-4108-AA02-DFA0A04FC94B}">
-                <ma14:wrappingTextBoxFlag xmlns="" xmlns:ma14="http://schemas.microsoft.com/office/mac/drawingml/2011/main" val="1"/>
+                <ma14:wrappingTextBoxFlag xmlns:ma14="http://schemas.microsoft.com/office/mac/drawingml/2011/main" xmlns="" val="1"/>
               </a:ext>
             </a:extLst>
           </p:spPr>
@@ -37575,7 +38808,7 @@
             <a:effectLst/>
             <a:extLst>
               <a:ext uri="{C572A759-6A51-4108-AA02-DFA0A04FC94B}">
-                <ma14:wrappingTextBoxFlag xmlns="" xmlns:ma14="http://schemas.microsoft.com/office/mac/drawingml/2011/main" val="1"/>
+                <ma14:wrappingTextBoxFlag xmlns:ma14="http://schemas.microsoft.com/office/mac/drawingml/2011/main" xmlns="" val="1"/>
               </a:ext>
             </a:extLst>
           </p:spPr>
@@ -37691,7 +38924,7 @@
             <a:effectLst/>
             <a:extLst>
               <a:ext uri="{C572A759-6A51-4108-AA02-DFA0A04FC94B}">
-                <ma14:wrappingTextBoxFlag xmlns="" xmlns:ma14="http://schemas.microsoft.com/office/mac/drawingml/2011/main" val="1"/>
+                <ma14:wrappingTextBoxFlag xmlns:ma14="http://schemas.microsoft.com/office/mac/drawingml/2011/main" xmlns="" val="1"/>
               </a:ext>
             </a:extLst>
           </p:spPr>
@@ -37807,7 +39040,7 @@
             <a:effectLst/>
             <a:extLst>
               <a:ext uri="{C572A759-6A51-4108-AA02-DFA0A04FC94B}">
-                <ma14:wrappingTextBoxFlag xmlns="" xmlns:ma14="http://schemas.microsoft.com/office/mac/drawingml/2011/main" val="1"/>
+                <ma14:wrappingTextBoxFlag xmlns:ma14="http://schemas.microsoft.com/office/mac/drawingml/2011/main" xmlns="" val="1"/>
               </a:ext>
             </a:extLst>
           </p:spPr>
@@ -38218,7 +39451,7 @@
             <a:effectLst/>
             <a:extLst>
               <a:ext uri="{C572A759-6A51-4108-AA02-DFA0A04FC94B}">
-                <ma14:wrappingTextBoxFlag xmlns="" xmlns:ma14="http://schemas.microsoft.com/office/mac/drawingml/2011/main" val="1"/>
+                <ma14:wrappingTextBoxFlag xmlns:ma14="http://schemas.microsoft.com/office/mac/drawingml/2011/main" xmlns="" val="1"/>
               </a:ext>
             </a:extLst>
           </p:spPr>
@@ -38334,7 +39567,7 @@
             <a:effectLst/>
             <a:extLst>
               <a:ext uri="{C572A759-6A51-4108-AA02-DFA0A04FC94B}">
-                <ma14:wrappingTextBoxFlag xmlns="" xmlns:ma14="http://schemas.microsoft.com/office/mac/drawingml/2011/main" val="1"/>
+                <ma14:wrappingTextBoxFlag xmlns:ma14="http://schemas.microsoft.com/office/mac/drawingml/2011/main" xmlns="" val="1"/>
               </a:ext>
             </a:extLst>
           </p:spPr>
@@ -38450,7 +39683,7 @@
             <a:effectLst/>
             <a:extLst>
               <a:ext uri="{C572A759-6A51-4108-AA02-DFA0A04FC94B}">
-                <ma14:wrappingTextBoxFlag xmlns="" xmlns:ma14="http://schemas.microsoft.com/office/mac/drawingml/2011/main" val="1"/>
+                <ma14:wrappingTextBoxFlag xmlns:ma14="http://schemas.microsoft.com/office/mac/drawingml/2011/main" xmlns="" val="1"/>
               </a:ext>
             </a:extLst>
           </p:spPr>
@@ -38826,7 +40059,7 @@
             <a:effectLst/>
             <a:extLst>
               <a:ext uri="{C572A759-6A51-4108-AA02-DFA0A04FC94B}">
-                <ma14:wrappingTextBoxFlag xmlns="" xmlns:ma14="http://schemas.microsoft.com/office/mac/drawingml/2011/main" val="1"/>
+                <ma14:wrappingTextBoxFlag xmlns:ma14="http://schemas.microsoft.com/office/mac/drawingml/2011/main" xmlns="" val="1"/>
               </a:ext>
             </a:extLst>
           </p:spPr>
@@ -38959,7 +40192,7 @@
             <a:effectLst/>
             <a:extLst>
               <a:ext uri="{C572A759-6A51-4108-AA02-DFA0A04FC94B}">
-                <ma14:wrappingTextBoxFlag xmlns="" xmlns:ma14="http://schemas.microsoft.com/office/mac/drawingml/2011/main" val="1"/>
+                <ma14:wrappingTextBoxFlag xmlns:ma14="http://schemas.microsoft.com/office/mac/drawingml/2011/main" xmlns="" val="1"/>
               </a:ext>
             </a:extLst>
           </p:spPr>
@@ -39075,7 +40308,7 @@
             <a:effectLst/>
             <a:extLst>
               <a:ext uri="{C572A759-6A51-4108-AA02-DFA0A04FC94B}">
-                <ma14:wrappingTextBoxFlag xmlns="" xmlns:ma14="http://schemas.microsoft.com/office/mac/drawingml/2011/main" val="1"/>
+                <ma14:wrappingTextBoxFlag xmlns:ma14="http://schemas.microsoft.com/office/mac/drawingml/2011/main" xmlns="" val="1"/>
               </a:ext>
             </a:extLst>
           </p:spPr>
@@ -39288,7 +40521,7 @@
             <a:effectLst/>
             <a:extLst>
               <a:ext uri="{C572A759-6A51-4108-AA02-DFA0A04FC94B}">
-                <ma14:wrappingTextBoxFlag xmlns:ma14="http://schemas.microsoft.com/office/mac/drawingml/2011/main" xmlns="" val="1"/>
+                <ma14:wrappingTextBoxFlag xmlns="" xmlns:ma14="http://schemas.microsoft.com/office/mac/drawingml/2011/main" val="1"/>
               </a:ext>
             </a:extLst>
           </p:spPr>
@@ -39519,7 +40752,7 @@
               <a:effectLst/>
               <a:extLst>
                 <a:ext uri="{C572A759-6A51-4108-AA02-DFA0A04FC94B}">
-                  <ma14:wrappingTextBoxFlag xmlns:ma14="http://schemas.microsoft.com/office/mac/drawingml/2011/main" xmlns="" val="1"/>
+                  <ma14:wrappingTextBoxFlag xmlns="" xmlns:ma14="http://schemas.microsoft.com/office/mac/drawingml/2011/main" val="1"/>
                 </a:ext>
               </a:extLst>
             </p:spPr>
@@ -39985,7 +41218,7 @@
               <a:effectLst/>
               <a:extLst>
                 <a:ext uri="{C572A759-6A51-4108-AA02-DFA0A04FC94B}">
-                  <ma14:wrappingTextBoxFlag xmlns:ma14="http://schemas.microsoft.com/office/mac/drawingml/2011/main" xmlns="" val="1"/>
+                  <ma14:wrappingTextBoxFlag xmlns="" xmlns:ma14="http://schemas.microsoft.com/office/mac/drawingml/2011/main" val="1"/>
                 </a:ext>
               </a:extLst>
             </p:spPr>
@@ -40721,7 +41954,7 @@
               <a:effectLst/>
               <a:extLst>
                 <a:ext uri="{C572A759-6A51-4108-AA02-DFA0A04FC94B}">
-                  <ma14:wrappingTextBoxFlag xmlns:ma14="http://schemas.microsoft.com/office/mac/drawingml/2011/main" xmlns="" val="1"/>
+                  <ma14:wrappingTextBoxFlag xmlns="" xmlns:ma14="http://schemas.microsoft.com/office/mac/drawingml/2011/main" val="1"/>
                 </a:ext>
               </a:extLst>
             </p:spPr>
@@ -41213,7 +42446,7 @@
             <a:effectLst/>
             <a:extLst>
               <a:ext uri="{C572A759-6A51-4108-AA02-DFA0A04FC94B}">
-                <ma14:wrappingTextBoxFlag xmlns:ma14="http://schemas.microsoft.com/office/mac/drawingml/2011/main" xmlns="" val="1"/>
+                <ma14:wrappingTextBoxFlag xmlns="" xmlns:ma14="http://schemas.microsoft.com/office/mac/drawingml/2011/main" val="1"/>
               </a:ext>
             </a:extLst>
           </p:spPr>
@@ -41346,7 +42579,7 @@
             <a:effectLst/>
             <a:extLst>
               <a:ext uri="{C572A759-6A51-4108-AA02-DFA0A04FC94B}">
-                <ma14:wrappingTextBoxFlag xmlns:ma14="http://schemas.microsoft.com/office/mac/drawingml/2011/main" xmlns="" val="1"/>
+                <ma14:wrappingTextBoxFlag xmlns="" xmlns:ma14="http://schemas.microsoft.com/office/mac/drawingml/2011/main" val="1"/>
               </a:ext>
             </a:extLst>
           </p:spPr>
@@ -41479,7 +42712,7 @@
             <a:effectLst/>
             <a:extLst>
               <a:ext uri="{C572A759-6A51-4108-AA02-DFA0A04FC94B}">
-                <ma14:wrappingTextBoxFlag xmlns="" xmlns:ma14="http://schemas.microsoft.com/office/mac/drawingml/2011/main" val="1"/>
+                <ma14:wrappingTextBoxFlag xmlns:ma14="http://schemas.microsoft.com/office/mac/drawingml/2011/main" xmlns="" val="1"/>
               </a:ext>
             </a:extLst>
           </p:spPr>
@@ -41710,7 +42943,7 @@
               <a:effectLst/>
               <a:extLst>
                 <a:ext uri="{C572A759-6A51-4108-AA02-DFA0A04FC94B}">
-                  <ma14:wrappingTextBoxFlag xmlns="" xmlns:ma14="http://schemas.microsoft.com/office/mac/drawingml/2011/main" val="1"/>
+                  <ma14:wrappingTextBoxFlag xmlns:ma14="http://schemas.microsoft.com/office/mac/drawingml/2011/main" xmlns="" val="1"/>
                 </a:ext>
               </a:extLst>
             </p:spPr>
@@ -42088,7 +43321,7 @@
               <a:effectLst/>
               <a:extLst>
                 <a:ext uri="{C572A759-6A51-4108-AA02-DFA0A04FC94B}">
-                  <ma14:wrappingTextBoxFlag xmlns="" xmlns:ma14="http://schemas.microsoft.com/office/mac/drawingml/2011/main" val="1"/>
+                  <ma14:wrappingTextBoxFlag xmlns:ma14="http://schemas.microsoft.com/office/mac/drawingml/2011/main" xmlns="" val="1"/>
                 </a:ext>
               </a:extLst>
             </p:spPr>
@@ -42824,7 +44057,7 @@
               <a:effectLst/>
               <a:extLst>
                 <a:ext uri="{C572A759-6A51-4108-AA02-DFA0A04FC94B}">
-                  <ma14:wrappingTextBoxFlag xmlns="" xmlns:ma14="http://schemas.microsoft.com/office/mac/drawingml/2011/main" val="1"/>
+                  <ma14:wrappingTextBoxFlag xmlns:ma14="http://schemas.microsoft.com/office/mac/drawingml/2011/main" xmlns="" val="1"/>
                 </a:ext>
               </a:extLst>
             </p:spPr>
@@ -43064,7 +44297,7 @@
             <a:effectLst/>
             <a:extLst>
               <a:ext uri="{C572A759-6A51-4108-AA02-DFA0A04FC94B}">
-                <ma14:wrappingTextBoxFlag xmlns="" xmlns:ma14="http://schemas.microsoft.com/office/mac/drawingml/2011/main" val="1"/>
+                <ma14:wrappingTextBoxFlag xmlns:ma14="http://schemas.microsoft.com/office/mac/drawingml/2011/main" xmlns="" val="1"/>
               </a:ext>
             </a:extLst>
           </p:spPr>
@@ -43317,7 +44550,7 @@
             <a:effectLst/>
             <a:extLst>
               <a:ext uri="{C572A759-6A51-4108-AA02-DFA0A04FC94B}">
-                <ma14:wrappingTextBoxFlag xmlns="" xmlns:ma14="http://schemas.microsoft.com/office/mac/drawingml/2011/main" val="1"/>
+                <ma14:wrappingTextBoxFlag xmlns:ma14="http://schemas.microsoft.com/office/mac/drawingml/2011/main" xmlns="" val="1"/>
               </a:ext>
             </a:extLst>
           </p:spPr>
@@ -43649,7 +44882,7 @@
               <a:effectLst/>
               <a:extLst>
                 <a:ext uri="{C572A759-6A51-4108-AA02-DFA0A04FC94B}">
-                  <ma14:wrappingTextBoxFlag xmlns="" xmlns:ma14="http://schemas.microsoft.com/office/mac/drawingml/2011/main" val="1"/>
+                  <ma14:wrappingTextBoxFlag xmlns:ma14="http://schemas.microsoft.com/office/mac/drawingml/2011/main" xmlns="" val="1"/>
                 </a:ext>
               </a:extLst>
             </p:spPr>
@@ -43842,7 +45075,7 @@
             <a:effectLst/>
             <a:extLst>
               <a:ext uri="{C572A759-6A51-4108-AA02-DFA0A04FC94B}">
-                <ma14:wrappingTextBoxFlag xmlns="" xmlns:ma14="http://schemas.microsoft.com/office/mac/drawingml/2011/main" val="1"/>
+                <ma14:wrappingTextBoxFlag xmlns:ma14="http://schemas.microsoft.com/office/mac/drawingml/2011/main" xmlns="" val="1"/>
               </a:ext>
             </a:extLst>
           </p:spPr>

--- a/docs/Diagrams.pptx
+++ b/docs/Diagrams.pptx
@@ -290,7 +290,7 @@
               <a:pPr>
                 <a:defRPr/>
               </a:pPr>
-              <a:t>9/1/21</a:t>
+              <a:t>9/3/21</a:t>
             </a:fld>
             <a:endParaRPr lang="en-US"/>
           </a:p>
@@ -9168,7 +9168,7 @@
             <a:effectLst/>
             <a:extLst>
               <a:ext uri="{C572A759-6A51-4108-AA02-DFA0A04FC94B}">
-                <ma14:wrappingTextBoxFlag xmlns:ma14="http://schemas.microsoft.com/office/mac/drawingml/2011/main" xmlns="" val="1"/>
+                <ma14:wrappingTextBoxFlag xmlns="" xmlns:ma14="http://schemas.microsoft.com/office/mac/drawingml/2011/main" val="1"/>
               </a:ext>
             </a:extLst>
           </p:spPr>
@@ -9984,7 +9984,7 @@
             <a:effectLst/>
             <a:extLst>
               <a:ext uri="{C572A759-6A51-4108-AA02-DFA0A04FC94B}">
-                <ma14:wrappingTextBoxFlag xmlns:ma14="http://schemas.microsoft.com/office/mac/drawingml/2011/main" xmlns="" val="1"/>
+                <ma14:wrappingTextBoxFlag xmlns="" xmlns:ma14="http://schemas.microsoft.com/office/mac/drawingml/2011/main" val="1"/>
               </a:ext>
             </a:extLst>
           </p:spPr>
@@ -10100,7 +10100,7 @@
             <a:effectLst/>
             <a:extLst>
               <a:ext uri="{C572A759-6A51-4108-AA02-DFA0A04FC94B}">
-                <ma14:wrappingTextBoxFlag xmlns:ma14="http://schemas.microsoft.com/office/mac/drawingml/2011/main" xmlns="" val="1"/>
+                <ma14:wrappingTextBoxFlag xmlns="" xmlns:ma14="http://schemas.microsoft.com/office/mac/drawingml/2011/main" val="1"/>
               </a:ext>
             </a:extLst>
           </p:spPr>
@@ -10280,7 +10280,7 @@
             <a:effectLst/>
             <a:extLst>
               <a:ext uri="{C572A759-6A51-4108-AA02-DFA0A04FC94B}">
-                <ma14:wrappingTextBoxFlag xmlns="" xmlns:ma14="http://schemas.microsoft.com/office/mac/drawingml/2011/main" val="1"/>
+                <ma14:wrappingTextBoxFlag xmlns:ma14="http://schemas.microsoft.com/office/mac/drawingml/2011/main" xmlns="" val="1"/>
               </a:ext>
             </a:extLst>
           </p:spPr>
@@ -10595,7 +10595,7 @@
               <a:effectLst/>
               <a:extLst>
                 <a:ext uri="{C572A759-6A51-4108-AA02-DFA0A04FC94B}">
-                  <ma14:wrappingTextBoxFlag xmlns:ma14="http://schemas.microsoft.com/office/mac/drawingml/2011/main" xmlns="" val="1"/>
+                  <ma14:wrappingTextBoxFlag xmlns="" xmlns:ma14="http://schemas.microsoft.com/office/mac/drawingml/2011/main" val="1"/>
                 </a:ext>
               </a:extLst>
             </p:spPr>
@@ -10809,7 +10809,7 @@
               <a:effectLst/>
               <a:extLst>
                 <a:ext uri="{C572A759-6A51-4108-AA02-DFA0A04FC94B}">
-                  <ma14:wrappingTextBoxFlag xmlns:ma14="http://schemas.microsoft.com/office/mac/drawingml/2011/main" xmlns="" val="1"/>
+                  <ma14:wrappingTextBoxFlag xmlns="" xmlns:ma14="http://schemas.microsoft.com/office/mac/drawingml/2011/main" val="1"/>
                 </a:ext>
               </a:extLst>
             </p:spPr>
@@ -11091,7 +11091,7 @@
             <a:effectLst/>
             <a:extLst>
               <a:ext uri="{C572A759-6A51-4108-AA02-DFA0A04FC94B}">
-                <ma14:wrappingTextBoxFlag xmlns:ma14="http://schemas.microsoft.com/office/mac/drawingml/2011/main" xmlns="" val="1"/>
+                <ma14:wrappingTextBoxFlag xmlns="" xmlns:ma14="http://schemas.microsoft.com/office/mac/drawingml/2011/main" val="1"/>
               </a:ext>
             </a:extLst>
           </p:spPr>
@@ -11207,7 +11207,7 @@
             <a:effectLst/>
             <a:extLst>
               <a:ext uri="{C572A759-6A51-4108-AA02-DFA0A04FC94B}">
-                <ma14:wrappingTextBoxFlag xmlns:ma14="http://schemas.microsoft.com/office/mac/drawingml/2011/main" xmlns="" val="1"/>
+                <ma14:wrappingTextBoxFlag xmlns="" xmlns:ma14="http://schemas.microsoft.com/office/mac/drawingml/2011/main" val="1"/>
               </a:ext>
             </a:extLst>
           </p:spPr>
@@ -12345,7 +12345,7 @@
             <a:effectLst/>
             <a:extLst>
               <a:ext uri="{C572A759-6A51-4108-AA02-DFA0A04FC94B}">
-                <ma14:wrappingTextBoxFlag xmlns="" xmlns:ma14="http://schemas.microsoft.com/office/mac/drawingml/2011/main" val="1"/>
+                <ma14:wrappingTextBoxFlag xmlns:ma14="http://schemas.microsoft.com/office/mac/drawingml/2011/main" xmlns="" val="1"/>
               </a:ext>
             </a:extLst>
           </p:spPr>
@@ -12478,7 +12478,7 @@
             <a:effectLst/>
             <a:extLst>
               <a:ext uri="{C572A759-6A51-4108-AA02-DFA0A04FC94B}">
-                <ma14:wrappingTextBoxFlag xmlns="" xmlns:ma14="http://schemas.microsoft.com/office/mac/drawingml/2011/main" val="1"/>
+                <ma14:wrappingTextBoxFlag xmlns:ma14="http://schemas.microsoft.com/office/mac/drawingml/2011/main" xmlns="" val="1"/>
               </a:ext>
             </a:extLst>
           </p:spPr>
@@ -12790,7 +12790,7 @@
               <a:effectLst/>
               <a:extLst>
                 <a:ext uri="{C572A759-6A51-4108-AA02-DFA0A04FC94B}">
-                  <ma14:wrappingTextBoxFlag xmlns:ma14="http://schemas.microsoft.com/office/mac/drawingml/2011/main" xmlns="" val="1"/>
+                  <ma14:wrappingTextBoxFlag xmlns="" xmlns:ma14="http://schemas.microsoft.com/office/mac/drawingml/2011/main" val="1"/>
                 </a:ext>
               </a:extLst>
             </p:spPr>
@@ -13214,7 +13214,7 @@
               <a:effectLst/>
               <a:extLst>
                 <a:ext uri="{C572A759-6A51-4108-AA02-DFA0A04FC94B}">
-                  <ma14:wrappingTextBoxFlag xmlns:ma14="http://schemas.microsoft.com/office/mac/drawingml/2011/main" xmlns="" val="1"/>
+                  <ma14:wrappingTextBoxFlag xmlns="" xmlns:ma14="http://schemas.microsoft.com/office/mac/drawingml/2011/main" val="1"/>
                 </a:ext>
               </a:extLst>
             </p:spPr>
@@ -13865,7 +13865,7 @@
             <a:effectLst/>
             <a:extLst>
               <a:ext uri="{C572A759-6A51-4108-AA02-DFA0A04FC94B}">
-                <ma14:wrappingTextBoxFlag xmlns:ma14="http://schemas.microsoft.com/office/mac/drawingml/2011/main" xmlns="" val="1"/>
+                <ma14:wrappingTextBoxFlag xmlns="" xmlns:ma14="http://schemas.microsoft.com/office/mac/drawingml/2011/main" val="1"/>
               </a:ext>
             </a:extLst>
           </p:spPr>
@@ -14120,7 +14120,7 @@
             <a:effectLst/>
             <a:extLst>
               <a:ext uri="{C572A759-6A51-4108-AA02-DFA0A04FC94B}">
-                <ma14:wrappingTextBoxFlag xmlns="" xmlns:ma14="http://schemas.microsoft.com/office/mac/drawingml/2011/main" val="1"/>
+                <ma14:wrappingTextBoxFlag xmlns:ma14="http://schemas.microsoft.com/office/mac/drawingml/2011/main" xmlns="" val="1"/>
               </a:ext>
             </a:extLst>
           </p:spPr>
@@ -14368,7 +14368,7 @@
               <a:effectLst/>
               <a:extLst>
                 <a:ext uri="{C572A759-6A51-4108-AA02-DFA0A04FC94B}">
-                  <ma14:wrappingTextBoxFlag xmlns:ma14="http://schemas.microsoft.com/office/mac/drawingml/2011/main" xmlns="" val="1"/>
+                  <ma14:wrappingTextBoxFlag xmlns="" xmlns:ma14="http://schemas.microsoft.com/office/mac/drawingml/2011/main" val="1"/>
                 </a:ext>
               </a:extLst>
             </p:spPr>
@@ -14666,7 +14666,7 @@
               <a:effectLst/>
               <a:extLst>
                 <a:ext uri="{C572A759-6A51-4108-AA02-DFA0A04FC94B}">
-                  <ma14:wrappingTextBoxFlag xmlns:ma14="http://schemas.microsoft.com/office/mac/drawingml/2011/main" xmlns="" val="1"/>
+                  <ma14:wrappingTextBoxFlag xmlns="" xmlns:ma14="http://schemas.microsoft.com/office/mac/drawingml/2011/main" val="1"/>
                 </a:ext>
               </a:extLst>
             </p:spPr>
@@ -15976,7 +15976,7 @@
             <a:effectLst/>
             <a:extLst>
               <a:ext uri="{C572A759-6A51-4108-AA02-DFA0A04FC94B}">
-                <ma14:wrappingTextBoxFlag xmlns="" xmlns:ma14="http://schemas.microsoft.com/office/mac/drawingml/2011/main" val="1"/>
+                <ma14:wrappingTextBoxFlag xmlns:ma14="http://schemas.microsoft.com/office/mac/drawingml/2011/main" xmlns="" val="1"/>
               </a:ext>
             </a:extLst>
           </p:spPr>
@@ -16092,7 +16092,7 @@
             <a:effectLst/>
             <a:extLst>
               <a:ext uri="{C572A759-6A51-4108-AA02-DFA0A04FC94B}">
-                <ma14:wrappingTextBoxFlag xmlns="" xmlns:ma14="http://schemas.microsoft.com/office/mac/drawingml/2011/main" val="1"/>
+                <ma14:wrappingTextBoxFlag xmlns:ma14="http://schemas.microsoft.com/office/mac/drawingml/2011/main" xmlns="" val="1"/>
               </a:ext>
             </a:extLst>
           </p:spPr>
@@ -16513,7 +16513,7 @@
             <a:effectLst/>
             <a:extLst>
               <a:ext uri="{C572A759-6A51-4108-AA02-DFA0A04FC94B}">
-                <ma14:wrappingTextBoxFlag xmlns="" xmlns:ma14="http://schemas.microsoft.com/office/mac/drawingml/2011/main" val="1"/>
+                <ma14:wrappingTextBoxFlag xmlns:ma14="http://schemas.microsoft.com/office/mac/drawingml/2011/main" xmlns="" val="1"/>
               </a:ext>
             </a:extLst>
           </p:spPr>
@@ -16672,7 +16672,7 @@
             <a:effectLst/>
             <a:extLst>
               <a:ext uri="{C572A759-6A51-4108-AA02-DFA0A04FC94B}">
-                <ma14:wrappingTextBoxFlag xmlns:ma14="http://schemas.microsoft.com/office/mac/drawingml/2011/main" xmlns="" val="1"/>
+                <ma14:wrappingTextBoxFlag xmlns="" xmlns:ma14="http://schemas.microsoft.com/office/mac/drawingml/2011/main" val="1"/>
               </a:ext>
             </a:extLst>
           </p:spPr>
@@ -17191,7 +17191,7 @@
               <a:effectLst/>
               <a:extLst>
                 <a:ext uri="{C572A759-6A51-4108-AA02-DFA0A04FC94B}">
-                  <ma14:wrappingTextBoxFlag xmlns:ma14="http://schemas.microsoft.com/office/mac/drawingml/2011/main" xmlns="" val="1"/>
+                  <ma14:wrappingTextBoxFlag xmlns="" xmlns:ma14="http://schemas.microsoft.com/office/mac/drawingml/2011/main" val="1"/>
                 </a:ext>
               </a:extLst>
             </p:spPr>
@@ -17341,7 +17341,7 @@
             <a:effectLst/>
             <a:extLst>
               <a:ext uri="{C572A759-6A51-4108-AA02-DFA0A04FC94B}">
-                <ma14:wrappingTextBoxFlag xmlns="" xmlns:ma14="http://schemas.microsoft.com/office/mac/drawingml/2011/main" val="1"/>
+                <ma14:wrappingTextBoxFlag xmlns:ma14="http://schemas.microsoft.com/office/mac/drawingml/2011/main" xmlns="" val="1"/>
               </a:ext>
             </a:extLst>
           </p:spPr>
@@ -17501,7 +17501,7 @@
             <a:effectLst/>
             <a:extLst>
               <a:ext uri="{C572A759-6A51-4108-AA02-DFA0A04FC94B}">
-                <ma14:wrappingTextBoxFlag xmlns:ma14="http://schemas.microsoft.com/office/mac/drawingml/2011/main" xmlns="" val="1"/>
+                <ma14:wrappingTextBoxFlag xmlns="" xmlns:ma14="http://schemas.microsoft.com/office/mac/drawingml/2011/main" val="1"/>
               </a:ext>
             </a:extLst>
           </p:spPr>
@@ -17802,7 +17802,7 @@
               <a:effectLst/>
               <a:extLst>
                 <a:ext uri="{C572A759-6A51-4108-AA02-DFA0A04FC94B}">
-                  <ma14:wrappingTextBoxFlag xmlns:ma14="http://schemas.microsoft.com/office/mac/drawingml/2011/main" xmlns="" val="1"/>
+                  <ma14:wrappingTextBoxFlag xmlns="" xmlns:ma14="http://schemas.microsoft.com/office/mac/drawingml/2011/main" val="1"/>
                 </a:ext>
               </a:extLst>
             </p:spPr>
@@ -23178,6 +23178,47 @@
           <a:chExt cx="0" cy="0"/>
         </a:xfrm>
       </p:grpSpPr>
+      <p:cxnSp>
+        <p:nvCxnSpPr>
+          <p:cNvPr id="31" name="Straight Arrow Connector 30">
+            <a:extLst>
+              <a:ext uri="{FF2B5EF4-FFF2-40B4-BE49-F238E27FC236}">
+                <a16:creationId xmlns:a16="http://schemas.microsoft.com/office/drawing/2014/main" id="{26FEE08F-3BE7-B746-9908-1D61C0DCFCAC}"/>
+              </a:ext>
+            </a:extLst>
+          </p:cNvPr>
+          <p:cNvCxnSpPr>
+            <a:cxnSpLocks/>
+          </p:cNvCxnSpPr>
+          <p:nvPr/>
+        </p:nvCxnSpPr>
+        <p:spPr>
+          <a:xfrm flipH="1">
+            <a:off x="6291575" y="5384032"/>
+            <a:ext cx="1" cy="406381"/>
+          </a:xfrm>
+          <a:prstGeom prst="straightConnector1">
+            <a:avLst/>
+          </a:prstGeom>
+          <a:ln>
+            <a:tailEnd type="triangle"/>
+          </a:ln>
+        </p:spPr>
+        <p:style>
+          <a:lnRef idx="2">
+            <a:schemeClr val="dk1"/>
+          </a:lnRef>
+          <a:fillRef idx="0">
+            <a:schemeClr val="dk1"/>
+          </a:fillRef>
+          <a:effectRef idx="1">
+            <a:schemeClr val="dk1"/>
+          </a:effectRef>
+          <a:fontRef idx="minor">
+            <a:schemeClr val="tx1"/>
+          </a:fontRef>
+        </p:style>
+      </p:cxnSp>
       <p:sp>
         <p:nvSpPr>
           <p:cNvPr id="2" name="Title 1">
@@ -23296,7 +23337,7 @@
         </p:nvSpPr>
         <p:spPr>
           <a:xfrm>
-            <a:off x="8111924" y="2468177"/>
+            <a:off x="8087604" y="1246997"/>
             <a:ext cx="1454551" cy="438587"/>
           </a:xfrm>
           <a:prstGeom prst="rect">
@@ -23362,7 +23403,7 @@
         </p:nvSpPr>
         <p:spPr>
           <a:xfrm>
-            <a:off x="5585281" y="2468178"/>
+            <a:off x="5560961" y="1246998"/>
             <a:ext cx="1454551" cy="438587"/>
           </a:xfrm>
           <a:prstGeom prst="rect">
@@ -23431,7 +23472,7 @@
         </p:nvCxnSpPr>
         <p:spPr>
           <a:xfrm flipV="1">
-            <a:off x="7039832" y="2687471"/>
+            <a:off x="7015512" y="1466291"/>
             <a:ext cx="1072092" cy="1"/>
           </a:xfrm>
           <a:prstGeom prst="straightConnector1">
@@ -23470,7 +23511,7 @@
         </p:nvSpPr>
         <p:spPr>
           <a:xfrm>
-            <a:off x="2855869" y="2468176"/>
+            <a:off x="2831549" y="1246996"/>
             <a:ext cx="1454551" cy="438587"/>
           </a:xfrm>
           <a:prstGeom prst="rect">
@@ -23536,7 +23577,7 @@
         </p:nvSpPr>
         <p:spPr>
           <a:xfrm>
-            <a:off x="7730836" y="2344189"/>
+            <a:off x="7706516" y="1123009"/>
             <a:ext cx="274434" cy="369332"/>
           </a:xfrm>
           <a:prstGeom prst="rect">
@@ -23574,7 +23615,7 @@
         </p:nvCxnSpPr>
         <p:spPr>
           <a:xfrm>
-            <a:off x="4321960" y="2687470"/>
+            <a:off x="4297640" y="1466290"/>
             <a:ext cx="1263321" cy="2"/>
           </a:xfrm>
           <a:prstGeom prst="straightConnector1">
@@ -23613,14 +23654,16 @@
         </p:nvSpPr>
         <p:spPr>
           <a:xfrm>
-            <a:off x="2867409" y="3865419"/>
+            <a:off x="2843089" y="2644239"/>
             <a:ext cx="1454551" cy="438587"/>
           </a:xfrm>
           <a:prstGeom prst="rect">
             <a:avLst/>
           </a:prstGeom>
           <a:solidFill>
-            <a:srgbClr val="4040EA"/>
+            <a:srgbClr val="4040EA">
+              <a:alpha val="49000"/>
+            </a:srgbClr>
           </a:solidFill>
           <a:ln>
             <a:noFill/>
@@ -23683,7 +23726,7 @@
         </p:nvCxnSpPr>
         <p:spPr>
           <a:xfrm>
-            <a:off x="3583145" y="2906763"/>
+            <a:off x="3558825" y="1685583"/>
             <a:ext cx="11540" cy="958656"/>
           </a:xfrm>
           <a:prstGeom prst="straightConnector1">
@@ -23722,7 +23765,7 @@
         </p:nvSpPr>
         <p:spPr>
           <a:xfrm>
-            <a:off x="3594684" y="3510021"/>
+            <a:off x="3570364" y="2288841"/>
             <a:ext cx="274434" cy="369332"/>
           </a:xfrm>
           <a:prstGeom prst="rect">
@@ -23743,6 +23786,1483 @@
           </a:p>
         </p:txBody>
       </p:sp>
+      <p:sp>
+        <p:nvSpPr>
+          <p:cNvPr id="15" name="Rectangle 14">
+            <a:extLst>
+              <a:ext uri="{FF2B5EF4-FFF2-40B4-BE49-F238E27FC236}">
+                <a16:creationId xmlns:a16="http://schemas.microsoft.com/office/drawing/2014/main" id="{800DD121-1597-7944-8DFA-EDD513244EAD}"/>
+              </a:ext>
+            </a:extLst>
+          </p:cNvPr>
+          <p:cNvSpPr/>
+          <p:nvPr/>
+        </p:nvSpPr>
+        <p:spPr>
+          <a:xfrm>
+            <a:off x="3474749" y="4794774"/>
+            <a:ext cx="1454551" cy="438587"/>
+          </a:xfrm>
+          <a:prstGeom prst="rect">
+            <a:avLst/>
+          </a:prstGeom>
+          <a:solidFill>
+            <a:srgbClr val="4040EA"/>
+          </a:solidFill>
+          <a:ln>
+            <a:noFill/>
+          </a:ln>
+          <a:effectLst>
+            <a:outerShdw blurRad="50800" dist="38100" dir="5400000" algn="t" rotWithShape="0">
+              <a:prstClr val="black">
+                <a:alpha val="40000"/>
+              </a:prstClr>
+            </a:outerShdw>
+          </a:effectLst>
+        </p:spPr>
+        <p:style>
+          <a:lnRef idx="2">
+            <a:schemeClr val="accent1">
+              <a:shade val="50000"/>
+            </a:schemeClr>
+          </a:lnRef>
+          <a:fillRef idx="1">
+            <a:schemeClr val="accent1"/>
+          </a:fillRef>
+          <a:effectRef idx="0">
+            <a:schemeClr val="accent1"/>
+          </a:effectRef>
+          <a:fontRef idx="minor">
+            <a:schemeClr val="lt1"/>
+          </a:fontRef>
+        </p:style>
+        <p:txBody>
+          <a:bodyPr rtlCol="0" anchor="ctr"/>
+          <a:lstStyle/>
+          <a:p>
+            <a:pPr algn="ctr"/>
+            <a:r>
+              <a:rPr lang="en-US" sz="1200" dirty="0">
+                <a:solidFill>
+                  <a:schemeClr val="bg1"/>
+                </a:solidFill>
+              </a:rPr>
+              <a:t>EventListener</a:t>
+            </a:r>
+          </a:p>
+        </p:txBody>
+      </p:sp>
+      <p:sp>
+        <p:nvSpPr>
+          <p:cNvPr id="3" name="Rectangle 2">
+            <a:extLst>
+              <a:ext uri="{FF2B5EF4-FFF2-40B4-BE49-F238E27FC236}">
+                <a16:creationId xmlns:a16="http://schemas.microsoft.com/office/drawing/2014/main" id="{2C2CFE2E-5E9B-BC47-A2EA-278F7F1DED20}"/>
+              </a:ext>
+            </a:extLst>
+          </p:cNvPr>
+          <p:cNvSpPr/>
+          <p:nvPr/>
+        </p:nvSpPr>
+        <p:spPr>
+          <a:xfrm>
+            <a:off x="5362327" y="1123009"/>
+            <a:ext cx="4771506" cy="1165832"/>
+          </a:xfrm>
+          <a:prstGeom prst="rect">
+            <a:avLst/>
+          </a:prstGeom>
+          <a:noFill/>
+          <a:ln>
+            <a:solidFill>
+              <a:srgbClr val="7030A0"/>
+            </a:solidFill>
+          </a:ln>
+        </p:spPr>
+        <p:style>
+          <a:lnRef idx="2">
+            <a:schemeClr val="accent1">
+              <a:shade val="50000"/>
+            </a:schemeClr>
+          </a:lnRef>
+          <a:fillRef idx="1">
+            <a:schemeClr val="accent1"/>
+          </a:fillRef>
+          <a:effectRef idx="0">
+            <a:schemeClr val="accent1"/>
+          </a:effectRef>
+          <a:fontRef idx="minor">
+            <a:schemeClr val="lt1"/>
+          </a:fontRef>
+        </p:style>
+        <p:txBody>
+          <a:bodyPr rtlCol="0" anchor="b"/>
+          <a:lstStyle/>
+          <a:p>
+            <a:pPr algn="ctr"/>
+            <a:r>
+              <a:rPr lang="en-US" sz="1400" dirty="0">
+                <a:solidFill>
+                  <a:srgbClr val="0000FF"/>
+                </a:solidFill>
+              </a:rPr>
+              <a:t>Reusable</a:t>
+            </a:r>
+          </a:p>
+        </p:txBody>
+      </p:sp>
+      <p:sp>
+        <p:nvSpPr>
+          <p:cNvPr id="16" name="Rectangle 15">
+            <a:extLst>
+              <a:ext uri="{FF2B5EF4-FFF2-40B4-BE49-F238E27FC236}">
+                <a16:creationId xmlns:a16="http://schemas.microsoft.com/office/drawing/2014/main" id="{85BBDF76-17A3-7C49-A362-8E3AFAE239F2}"/>
+              </a:ext>
+            </a:extLst>
+          </p:cNvPr>
+          <p:cNvSpPr/>
+          <p:nvPr/>
+        </p:nvSpPr>
+        <p:spPr>
+          <a:xfrm>
+            <a:off x="2680735" y="1028014"/>
+            <a:ext cx="2189222" cy="2588813"/>
+          </a:xfrm>
+          <a:custGeom>
+            <a:avLst/>
+            <a:gdLst>
+              <a:gd name="connsiteX0" fmla="*/ 0 w 2189222"/>
+              <a:gd name="connsiteY0" fmla="*/ 0 h 2588813"/>
+              <a:gd name="connsiteX1" fmla="*/ 525413 w 2189222"/>
+              <a:gd name="connsiteY1" fmla="*/ 0 h 2588813"/>
+              <a:gd name="connsiteX2" fmla="*/ 1007042 w 2189222"/>
+              <a:gd name="connsiteY2" fmla="*/ 0 h 2588813"/>
+              <a:gd name="connsiteX3" fmla="*/ 1598132 w 2189222"/>
+              <a:gd name="connsiteY3" fmla="*/ 0 h 2588813"/>
+              <a:gd name="connsiteX4" fmla="*/ 2189222 w 2189222"/>
+              <a:gd name="connsiteY4" fmla="*/ 0 h 2588813"/>
+              <a:gd name="connsiteX5" fmla="*/ 2189222 w 2189222"/>
+              <a:gd name="connsiteY5" fmla="*/ 491874 h 2588813"/>
+              <a:gd name="connsiteX6" fmla="*/ 2189222 w 2189222"/>
+              <a:gd name="connsiteY6" fmla="*/ 957861 h 2588813"/>
+              <a:gd name="connsiteX7" fmla="*/ 2189222 w 2189222"/>
+              <a:gd name="connsiteY7" fmla="*/ 1475623 h 2588813"/>
+              <a:gd name="connsiteX8" fmla="*/ 2189222 w 2189222"/>
+              <a:gd name="connsiteY8" fmla="*/ 1993386 h 2588813"/>
+              <a:gd name="connsiteX9" fmla="*/ 2189222 w 2189222"/>
+              <a:gd name="connsiteY9" fmla="*/ 2588813 h 2588813"/>
+              <a:gd name="connsiteX10" fmla="*/ 1685701 w 2189222"/>
+              <a:gd name="connsiteY10" fmla="*/ 2588813 h 2588813"/>
+              <a:gd name="connsiteX11" fmla="*/ 1138395 w 2189222"/>
+              <a:gd name="connsiteY11" fmla="*/ 2588813 h 2588813"/>
+              <a:gd name="connsiteX12" fmla="*/ 612982 w 2189222"/>
+              <a:gd name="connsiteY12" fmla="*/ 2588813 h 2588813"/>
+              <a:gd name="connsiteX13" fmla="*/ 0 w 2189222"/>
+              <a:gd name="connsiteY13" fmla="*/ 2588813 h 2588813"/>
+              <a:gd name="connsiteX14" fmla="*/ 0 w 2189222"/>
+              <a:gd name="connsiteY14" fmla="*/ 2019274 h 2588813"/>
+              <a:gd name="connsiteX15" fmla="*/ 0 w 2189222"/>
+              <a:gd name="connsiteY15" fmla="*/ 1449735 h 2588813"/>
+              <a:gd name="connsiteX16" fmla="*/ 0 w 2189222"/>
+              <a:gd name="connsiteY16" fmla="*/ 931973 h 2588813"/>
+              <a:gd name="connsiteX17" fmla="*/ 0 w 2189222"/>
+              <a:gd name="connsiteY17" fmla="*/ 0 h 2588813"/>
+            </a:gdLst>
+            <a:ahLst/>
+            <a:cxnLst>
+              <a:cxn ang="0">
+                <a:pos x="connsiteX0" y="connsiteY0"/>
+              </a:cxn>
+              <a:cxn ang="0">
+                <a:pos x="connsiteX1" y="connsiteY1"/>
+              </a:cxn>
+              <a:cxn ang="0">
+                <a:pos x="connsiteX2" y="connsiteY2"/>
+              </a:cxn>
+              <a:cxn ang="0">
+                <a:pos x="connsiteX3" y="connsiteY3"/>
+              </a:cxn>
+              <a:cxn ang="0">
+                <a:pos x="connsiteX4" y="connsiteY4"/>
+              </a:cxn>
+              <a:cxn ang="0">
+                <a:pos x="connsiteX5" y="connsiteY5"/>
+              </a:cxn>
+              <a:cxn ang="0">
+                <a:pos x="connsiteX6" y="connsiteY6"/>
+              </a:cxn>
+              <a:cxn ang="0">
+                <a:pos x="connsiteX7" y="connsiteY7"/>
+              </a:cxn>
+              <a:cxn ang="0">
+                <a:pos x="connsiteX8" y="connsiteY8"/>
+              </a:cxn>
+              <a:cxn ang="0">
+                <a:pos x="connsiteX9" y="connsiteY9"/>
+              </a:cxn>
+              <a:cxn ang="0">
+                <a:pos x="connsiteX10" y="connsiteY10"/>
+              </a:cxn>
+              <a:cxn ang="0">
+                <a:pos x="connsiteX11" y="connsiteY11"/>
+              </a:cxn>
+              <a:cxn ang="0">
+                <a:pos x="connsiteX12" y="connsiteY12"/>
+              </a:cxn>
+              <a:cxn ang="0">
+                <a:pos x="connsiteX13" y="connsiteY13"/>
+              </a:cxn>
+              <a:cxn ang="0">
+                <a:pos x="connsiteX14" y="connsiteY14"/>
+              </a:cxn>
+              <a:cxn ang="0">
+                <a:pos x="connsiteX15" y="connsiteY15"/>
+              </a:cxn>
+              <a:cxn ang="0">
+                <a:pos x="connsiteX16" y="connsiteY16"/>
+              </a:cxn>
+              <a:cxn ang="0">
+                <a:pos x="connsiteX17" y="connsiteY17"/>
+              </a:cxn>
+            </a:cxnLst>
+            <a:rect l="l" t="t" r="r" b="b"/>
+            <a:pathLst>
+              <a:path w="2189222" h="2588813" extrusionOk="0">
+                <a:moveTo>
+                  <a:pt x="0" y="0"/>
+                </a:moveTo>
+                <a:cubicBezTo>
+                  <a:pt x="252644" y="-21292"/>
+                  <a:pt x="273870" y="3218"/>
+                  <a:pt x="525413" y="0"/>
+                </a:cubicBezTo>
+                <a:cubicBezTo>
+                  <a:pt x="776956" y="-3218"/>
+                  <a:pt x="893936" y="50519"/>
+                  <a:pt x="1007042" y="0"/>
+                </a:cubicBezTo>
+                <a:cubicBezTo>
+                  <a:pt x="1120148" y="-50519"/>
+                  <a:pt x="1322691" y="70471"/>
+                  <a:pt x="1598132" y="0"/>
+                </a:cubicBezTo>
+                <a:cubicBezTo>
+                  <a:pt x="1873573" y="-70471"/>
+                  <a:pt x="1929190" y="50193"/>
+                  <a:pt x="2189222" y="0"/>
+                </a:cubicBezTo>
+                <a:cubicBezTo>
+                  <a:pt x="2189341" y="190988"/>
+                  <a:pt x="2172703" y="324265"/>
+                  <a:pt x="2189222" y="491874"/>
+                </a:cubicBezTo>
+                <a:cubicBezTo>
+                  <a:pt x="2205741" y="659483"/>
+                  <a:pt x="2148926" y="807583"/>
+                  <a:pt x="2189222" y="957861"/>
+                </a:cubicBezTo>
+                <a:cubicBezTo>
+                  <a:pt x="2229518" y="1108139"/>
+                  <a:pt x="2187814" y="1291747"/>
+                  <a:pt x="2189222" y="1475623"/>
+                </a:cubicBezTo>
+                <a:cubicBezTo>
+                  <a:pt x="2190630" y="1659499"/>
+                  <a:pt x="2155197" y="1813021"/>
+                  <a:pt x="2189222" y="1993386"/>
+                </a:cubicBezTo>
+                <a:cubicBezTo>
+                  <a:pt x="2223247" y="2173751"/>
+                  <a:pt x="2173324" y="2408297"/>
+                  <a:pt x="2189222" y="2588813"/>
+                </a:cubicBezTo>
+                <a:cubicBezTo>
+                  <a:pt x="2044203" y="2601068"/>
+                  <a:pt x="1884939" y="2543047"/>
+                  <a:pt x="1685701" y="2588813"/>
+                </a:cubicBezTo>
+                <a:cubicBezTo>
+                  <a:pt x="1486463" y="2634579"/>
+                  <a:pt x="1404976" y="2575439"/>
+                  <a:pt x="1138395" y="2588813"/>
+                </a:cubicBezTo>
+                <a:cubicBezTo>
+                  <a:pt x="871814" y="2602187"/>
+                  <a:pt x="824216" y="2568513"/>
+                  <a:pt x="612982" y="2588813"/>
+                </a:cubicBezTo>
+                <a:cubicBezTo>
+                  <a:pt x="401748" y="2609113"/>
+                  <a:pt x="221307" y="2553111"/>
+                  <a:pt x="0" y="2588813"/>
+                </a:cubicBezTo>
+                <a:cubicBezTo>
+                  <a:pt x="-52144" y="2394001"/>
+                  <a:pt x="2912" y="2154323"/>
+                  <a:pt x="0" y="2019274"/>
+                </a:cubicBezTo>
+                <a:cubicBezTo>
+                  <a:pt x="-2912" y="1884225"/>
+                  <a:pt x="35057" y="1721960"/>
+                  <a:pt x="0" y="1449735"/>
+                </a:cubicBezTo>
+                <a:cubicBezTo>
+                  <a:pt x="-35057" y="1177510"/>
+                  <a:pt x="3403" y="1150363"/>
+                  <a:pt x="0" y="931973"/>
+                </a:cubicBezTo>
+                <a:cubicBezTo>
+                  <a:pt x="-3403" y="713583"/>
+                  <a:pt x="52738" y="452826"/>
+                  <a:pt x="0" y="0"/>
+                </a:cubicBezTo>
+                <a:close/>
+              </a:path>
+            </a:pathLst>
+          </a:custGeom>
+          <a:noFill/>
+          <a:ln>
+            <a:solidFill>
+              <a:srgbClr val="7030A0"/>
+            </a:solidFill>
+            <a:extLst>
+              <a:ext uri="{C807C97D-BFC1-408E-A445-0C87EB9F89A2}">
+                <ask:lineSketchStyleProps xmlns:ask="http://schemas.microsoft.com/office/drawing/2018/sketchyshapes" sd="1219033472">
+                  <a:prstGeom prst="rect">
+                    <a:avLst/>
+                  </a:prstGeom>
+                  <ask:type>
+                    <ask:lineSketchScribble/>
+                  </ask:type>
+                </ask:lineSketchStyleProps>
+              </a:ext>
+            </a:extLst>
+          </a:ln>
+        </p:spPr>
+        <p:style>
+          <a:lnRef idx="2">
+            <a:schemeClr val="accent1">
+              <a:shade val="50000"/>
+            </a:schemeClr>
+          </a:lnRef>
+          <a:fillRef idx="1">
+            <a:schemeClr val="accent1"/>
+          </a:fillRef>
+          <a:effectRef idx="0">
+            <a:schemeClr val="accent1"/>
+          </a:effectRef>
+          <a:fontRef idx="minor">
+            <a:schemeClr val="lt1"/>
+          </a:fontRef>
+        </p:style>
+        <p:txBody>
+          <a:bodyPr rtlCol="0" anchor="b"/>
+          <a:lstStyle/>
+          <a:p>
+            <a:pPr algn="ctr"/>
+            <a:r>
+              <a:rPr lang="en-US" sz="1400" dirty="0">
+                <a:solidFill>
+                  <a:srgbClr val="0000FF"/>
+                </a:solidFill>
+              </a:rPr>
+              <a:t>Specific</a:t>
+            </a:r>
+          </a:p>
+        </p:txBody>
+      </p:sp>
+      <p:sp>
+        <p:nvSpPr>
+          <p:cNvPr id="18" name="Rectangle 17">
+            <a:extLst>
+              <a:ext uri="{FF2B5EF4-FFF2-40B4-BE49-F238E27FC236}">
+                <a16:creationId xmlns:a16="http://schemas.microsoft.com/office/drawing/2014/main" id="{05EB6486-7189-E947-AFFF-D050EAE23B4A}"/>
+              </a:ext>
+            </a:extLst>
+          </p:cNvPr>
+          <p:cNvSpPr/>
+          <p:nvPr/>
+        </p:nvSpPr>
+        <p:spPr>
+          <a:xfrm>
+            <a:off x="5625076" y="4794773"/>
+            <a:ext cx="1454551" cy="438587"/>
+          </a:xfrm>
+          <a:prstGeom prst="rect">
+            <a:avLst/>
+          </a:prstGeom>
+          <a:solidFill>
+            <a:srgbClr val="4040EA"/>
+          </a:solidFill>
+          <a:ln>
+            <a:noFill/>
+          </a:ln>
+          <a:effectLst>
+            <a:outerShdw blurRad="50800" dist="38100" dir="5400000" algn="t" rotWithShape="0">
+              <a:prstClr val="black">
+                <a:alpha val="40000"/>
+              </a:prstClr>
+            </a:outerShdw>
+          </a:effectLst>
+        </p:spPr>
+        <p:style>
+          <a:lnRef idx="2">
+            <a:schemeClr val="accent1">
+              <a:shade val="50000"/>
+            </a:schemeClr>
+          </a:lnRef>
+          <a:fillRef idx="1">
+            <a:schemeClr val="accent1"/>
+          </a:fillRef>
+          <a:effectRef idx="0">
+            <a:schemeClr val="accent1"/>
+          </a:effectRef>
+          <a:fontRef idx="minor">
+            <a:schemeClr val="lt1"/>
+          </a:fontRef>
+        </p:style>
+        <p:txBody>
+          <a:bodyPr rtlCol="0" anchor="ctr"/>
+          <a:lstStyle/>
+          <a:p>
+            <a:pPr algn="ctr"/>
+            <a:r>
+              <a:rPr lang="en-US" sz="1200" dirty="0"/>
+              <a:t>TriggerBinding</a:t>
+            </a:r>
+          </a:p>
+        </p:txBody>
+      </p:sp>
+      <p:sp>
+        <p:nvSpPr>
+          <p:cNvPr id="19" name="TextBox 18">
+            <a:extLst>
+              <a:ext uri="{FF2B5EF4-FFF2-40B4-BE49-F238E27FC236}">
+                <a16:creationId xmlns:a16="http://schemas.microsoft.com/office/drawing/2014/main" id="{D3C33CF5-0A49-564B-BFF2-6B85EC767044}"/>
+              </a:ext>
+            </a:extLst>
+          </p:cNvPr>
+          <p:cNvSpPr txBox="1"/>
+          <p:nvPr/>
+        </p:nvSpPr>
+        <p:spPr>
+          <a:xfrm>
+            <a:off x="5286527" y="4587368"/>
+            <a:ext cx="274434" cy="369332"/>
+          </a:xfrm>
+          <a:prstGeom prst="rect">
+            <a:avLst/>
+          </a:prstGeom>
+          <a:noFill/>
+        </p:spPr>
+        <p:txBody>
+          <a:bodyPr wrap="none" rtlCol="0">
+            <a:spAutoFit/>
+          </a:bodyPr>
+          <a:lstStyle/>
+          <a:p>
+            <a:r>
+              <a:rPr lang="en-US" dirty="0"/>
+              <a:t>*</a:t>
+            </a:r>
+          </a:p>
+        </p:txBody>
+      </p:sp>
+      <p:cxnSp>
+        <p:nvCxnSpPr>
+          <p:cNvPr id="20" name="Straight Arrow Connector 19">
+            <a:extLst>
+              <a:ext uri="{FF2B5EF4-FFF2-40B4-BE49-F238E27FC236}">
+                <a16:creationId xmlns:a16="http://schemas.microsoft.com/office/drawing/2014/main" id="{F58804E6-1CC9-C444-B14E-0AA5708C9206}"/>
+              </a:ext>
+            </a:extLst>
+          </p:cNvPr>
+          <p:cNvCxnSpPr>
+            <a:cxnSpLocks/>
+            <a:stCxn id="15" idx="3"/>
+            <a:endCxn id="18" idx="1"/>
+          </p:cNvCxnSpPr>
+          <p:nvPr/>
+        </p:nvCxnSpPr>
+        <p:spPr>
+          <a:xfrm flipV="1">
+            <a:off x="4929300" y="5014067"/>
+            <a:ext cx="695776" cy="1"/>
+          </a:xfrm>
+          <a:prstGeom prst="straightConnector1">
+            <a:avLst/>
+          </a:prstGeom>
+          <a:ln>
+            <a:tailEnd type="triangle"/>
+          </a:ln>
+        </p:spPr>
+        <p:style>
+          <a:lnRef idx="2">
+            <a:schemeClr val="dk1"/>
+          </a:lnRef>
+          <a:fillRef idx="0">
+            <a:schemeClr val="dk1"/>
+          </a:fillRef>
+          <a:effectRef idx="1">
+            <a:schemeClr val="dk1"/>
+          </a:effectRef>
+          <a:fontRef idx="minor">
+            <a:schemeClr val="tx1"/>
+          </a:fontRef>
+        </p:style>
+      </p:cxnSp>
+      <p:sp>
+        <p:nvSpPr>
+          <p:cNvPr id="21" name="TextBox 20">
+            <a:extLst>
+              <a:ext uri="{FF2B5EF4-FFF2-40B4-BE49-F238E27FC236}">
+                <a16:creationId xmlns:a16="http://schemas.microsoft.com/office/drawing/2014/main" id="{4F98148D-8CB0-8F4A-8720-17C81176DF08}"/>
+              </a:ext>
+            </a:extLst>
+          </p:cNvPr>
+          <p:cNvSpPr txBox="1"/>
+          <p:nvPr/>
+        </p:nvSpPr>
+        <p:spPr>
+          <a:xfrm>
+            <a:off x="4909318" y="5006883"/>
+            <a:ext cx="696024" cy="276999"/>
+          </a:xfrm>
+          <a:prstGeom prst="rect">
+            <a:avLst/>
+          </a:prstGeom>
+          <a:noFill/>
+        </p:spPr>
+        <p:txBody>
+          <a:bodyPr wrap="none" rtlCol="0">
+            <a:spAutoFit/>
+          </a:bodyPr>
+          <a:lstStyle/>
+          <a:p>
+            <a:r>
+              <a:rPr lang="en-US" sz="1200" dirty="0"/>
+              <a:t>triggers</a:t>
+            </a:r>
+          </a:p>
+        </p:txBody>
+      </p:sp>
+      <p:sp>
+        <p:nvSpPr>
+          <p:cNvPr id="22" name="TextBox 21">
+            <a:extLst>
+              <a:ext uri="{FF2B5EF4-FFF2-40B4-BE49-F238E27FC236}">
+                <a16:creationId xmlns:a16="http://schemas.microsoft.com/office/drawing/2014/main" id="{AD1CA739-6249-B44F-92BC-56C8EA9CA156}"/>
+              </a:ext>
+            </a:extLst>
+          </p:cNvPr>
+          <p:cNvSpPr txBox="1"/>
+          <p:nvPr/>
+        </p:nvSpPr>
+        <p:spPr>
+          <a:xfrm>
+            <a:off x="5063068" y="5490710"/>
+            <a:ext cx="995785" cy="276999"/>
+          </a:xfrm>
+          <a:prstGeom prst="rect">
+            <a:avLst/>
+          </a:prstGeom>
+          <a:solidFill>
+            <a:schemeClr val="bg1"/>
+          </a:solidFill>
+        </p:spPr>
+        <p:txBody>
+          <a:bodyPr wrap="none" rtlCol="0">
+            <a:spAutoFit/>
+          </a:bodyPr>
+          <a:lstStyle/>
+          <a:p>
+            <a:r>
+              <a:rPr lang="en-US" sz="1200" dirty="0"/>
+              <a:t>Interceptors</a:t>
+            </a:r>
+          </a:p>
+        </p:txBody>
+      </p:sp>
+      <p:sp>
+        <p:nvSpPr>
+          <p:cNvPr id="23" name="Rectangle 22">
+            <a:extLst>
+              <a:ext uri="{FF2B5EF4-FFF2-40B4-BE49-F238E27FC236}">
+                <a16:creationId xmlns:a16="http://schemas.microsoft.com/office/drawing/2014/main" id="{37637ED8-250D-3246-8A76-A24C71A2615E}"/>
+              </a:ext>
+            </a:extLst>
+          </p:cNvPr>
+          <p:cNvSpPr/>
+          <p:nvPr/>
+        </p:nvSpPr>
+        <p:spPr>
+          <a:xfrm>
+            <a:off x="5625076" y="5879545"/>
+            <a:ext cx="1454551" cy="438587"/>
+          </a:xfrm>
+          <a:prstGeom prst="rect">
+            <a:avLst/>
+          </a:prstGeom>
+          <a:solidFill>
+            <a:srgbClr val="4040EA"/>
+          </a:solidFill>
+          <a:ln>
+            <a:noFill/>
+          </a:ln>
+          <a:effectLst>
+            <a:outerShdw blurRad="50800" dist="38100" dir="5400000" algn="t" rotWithShape="0">
+              <a:prstClr val="black">
+                <a:alpha val="40000"/>
+              </a:prstClr>
+            </a:outerShdw>
+          </a:effectLst>
+        </p:spPr>
+        <p:style>
+          <a:lnRef idx="2">
+            <a:schemeClr val="accent1">
+              <a:shade val="50000"/>
+            </a:schemeClr>
+          </a:lnRef>
+          <a:fillRef idx="1">
+            <a:schemeClr val="accent1"/>
+          </a:fillRef>
+          <a:effectRef idx="0">
+            <a:schemeClr val="accent1"/>
+          </a:effectRef>
+          <a:fontRef idx="minor">
+            <a:schemeClr val="lt1"/>
+          </a:fontRef>
+        </p:style>
+        <p:txBody>
+          <a:bodyPr rtlCol="0" anchor="ctr"/>
+          <a:lstStyle/>
+          <a:p>
+            <a:pPr algn="ctr"/>
+            <a:r>
+              <a:rPr lang="en-US" sz="1200" dirty="0">
+                <a:solidFill>
+                  <a:schemeClr val="bg1"/>
+                </a:solidFill>
+              </a:rPr>
+              <a:t>Secrets</a:t>
+            </a:r>
+          </a:p>
+        </p:txBody>
+      </p:sp>
+      <p:sp>
+        <p:nvSpPr>
+          <p:cNvPr id="24" name="TextBox 23">
+            <a:extLst>
+              <a:ext uri="{FF2B5EF4-FFF2-40B4-BE49-F238E27FC236}">
+                <a16:creationId xmlns:a16="http://schemas.microsoft.com/office/drawing/2014/main" id="{59075082-7596-9E4F-945F-9667553F4419}"/>
+              </a:ext>
+            </a:extLst>
+          </p:cNvPr>
+          <p:cNvSpPr txBox="1"/>
+          <p:nvPr/>
+        </p:nvSpPr>
+        <p:spPr>
+          <a:xfrm>
+            <a:off x="5560961" y="6318617"/>
+            <a:ext cx="1589346" cy="276999"/>
+          </a:xfrm>
+          <a:prstGeom prst="rect">
+            <a:avLst/>
+          </a:prstGeom>
+          <a:noFill/>
+        </p:spPr>
+        <p:txBody>
+          <a:bodyPr wrap="none" rtlCol="0">
+            <a:spAutoFit/>
+          </a:bodyPr>
+          <a:lstStyle/>
+          <a:p>
+            <a:r>
+              <a:rPr lang="en-US" sz="1200" dirty="0"/>
+              <a:t>Webhook-secret-key</a:t>
+            </a:r>
+          </a:p>
+        </p:txBody>
+      </p:sp>
+      <p:sp>
+        <p:nvSpPr>
+          <p:cNvPr id="25" name="TextBox 24">
+            <a:extLst>
+              <a:ext uri="{FF2B5EF4-FFF2-40B4-BE49-F238E27FC236}">
+                <a16:creationId xmlns:a16="http://schemas.microsoft.com/office/drawing/2014/main" id="{0DFBCD9F-EF99-F24B-A3B1-FF35FDA11183}"/>
+              </a:ext>
+            </a:extLst>
+          </p:cNvPr>
+          <p:cNvSpPr txBox="1"/>
+          <p:nvPr/>
+        </p:nvSpPr>
+        <p:spPr>
+          <a:xfrm>
+            <a:off x="7418698" y="4587368"/>
+            <a:ext cx="3074881" cy="276999"/>
+          </a:xfrm>
+          <a:prstGeom prst="rect">
+            <a:avLst/>
+          </a:prstGeom>
+          <a:noFill/>
+          <a:ln w="3175">
+            <a:solidFill>
+              <a:schemeClr val="dk1"/>
+            </a:solidFill>
+          </a:ln>
+        </p:spPr>
+        <p:txBody>
+          <a:bodyPr wrap="none" rtlCol="0">
+            <a:spAutoFit/>
+          </a:bodyPr>
+          <a:lstStyle/>
+          <a:p>
+            <a:r>
+              <a:rPr lang="en-US" sz="1200" dirty="0"/>
+              <a:t>imageRepository name for the app to build</a:t>
+            </a:r>
+          </a:p>
+        </p:txBody>
+      </p:sp>
+      <p:sp>
+        <p:nvSpPr>
+          <p:cNvPr id="26" name="TextBox 25">
+            <a:extLst>
+              <a:ext uri="{FF2B5EF4-FFF2-40B4-BE49-F238E27FC236}">
+                <a16:creationId xmlns:a16="http://schemas.microsoft.com/office/drawing/2014/main" id="{B7E5DA4A-1B59-604B-ADB0-536F5F9A8733}"/>
+              </a:ext>
+            </a:extLst>
+          </p:cNvPr>
+          <p:cNvSpPr txBox="1"/>
+          <p:nvPr/>
+        </p:nvSpPr>
+        <p:spPr>
+          <a:xfrm>
+            <a:off x="7418698" y="5135616"/>
+            <a:ext cx="4146135" cy="461665"/>
+          </a:xfrm>
+          <a:prstGeom prst="rect">
+            <a:avLst/>
+          </a:prstGeom>
+          <a:noFill/>
+          <a:ln w="3175">
+            <a:solidFill>
+              <a:schemeClr val="dk1"/>
+            </a:solidFill>
+          </a:ln>
+        </p:spPr>
+        <p:txBody>
+          <a:bodyPr wrap="none" rtlCol="0">
+            <a:spAutoFit/>
+          </a:bodyPr>
+          <a:lstStyle/>
+          <a:p>
+            <a:r>
+              <a:rPr lang="en-US" sz="1200" dirty="0"/>
+              <a:t>Map parameters from HTTP request message sent by git </a:t>
+            </a:r>
+          </a:p>
+          <a:p>
+            <a:r>
+              <a:rPr lang="en-US" sz="1200" dirty="0"/>
+              <a:t>so, they can be used in pipeline run</a:t>
+            </a:r>
+          </a:p>
+        </p:txBody>
+      </p:sp>
+      <p:cxnSp>
+        <p:nvCxnSpPr>
+          <p:cNvPr id="28" name="Straight Arrow Connector 27">
+            <a:extLst>
+              <a:ext uri="{FF2B5EF4-FFF2-40B4-BE49-F238E27FC236}">
+                <a16:creationId xmlns:a16="http://schemas.microsoft.com/office/drawing/2014/main" id="{B908835D-4F62-414A-A099-01A0BA1B3B64}"/>
+              </a:ext>
+            </a:extLst>
+          </p:cNvPr>
+          <p:cNvCxnSpPr>
+            <a:cxnSpLocks/>
+            <a:endCxn id="25" idx="1"/>
+          </p:cNvCxnSpPr>
+          <p:nvPr/>
+        </p:nvCxnSpPr>
+        <p:spPr>
+          <a:xfrm>
+            <a:off x="7116419" y="4721877"/>
+            <a:ext cx="302279" cy="3991"/>
+          </a:xfrm>
+          <a:prstGeom prst="straightConnector1">
+            <a:avLst/>
+          </a:prstGeom>
+          <a:ln>
+            <a:tailEnd type="triangle"/>
+          </a:ln>
+        </p:spPr>
+        <p:style>
+          <a:lnRef idx="2">
+            <a:schemeClr val="dk1"/>
+          </a:lnRef>
+          <a:fillRef idx="0">
+            <a:schemeClr val="dk1"/>
+          </a:fillRef>
+          <a:effectRef idx="1">
+            <a:schemeClr val="dk1"/>
+          </a:effectRef>
+          <a:fontRef idx="minor">
+            <a:schemeClr val="tx1"/>
+          </a:fontRef>
+        </p:style>
+      </p:cxnSp>
+      <p:cxnSp>
+        <p:nvCxnSpPr>
+          <p:cNvPr id="30" name="Straight Arrow Connector 29">
+            <a:extLst>
+              <a:ext uri="{FF2B5EF4-FFF2-40B4-BE49-F238E27FC236}">
+                <a16:creationId xmlns:a16="http://schemas.microsoft.com/office/drawing/2014/main" id="{82517F6D-5F1D-2E4C-AE75-547B2BF8E95F}"/>
+              </a:ext>
+            </a:extLst>
+          </p:cNvPr>
+          <p:cNvCxnSpPr>
+            <a:cxnSpLocks/>
+          </p:cNvCxnSpPr>
+          <p:nvPr/>
+        </p:nvCxnSpPr>
+        <p:spPr>
+          <a:xfrm>
+            <a:off x="7116419" y="5283882"/>
+            <a:ext cx="302279" cy="3991"/>
+          </a:xfrm>
+          <a:prstGeom prst="straightConnector1">
+            <a:avLst/>
+          </a:prstGeom>
+          <a:ln>
+            <a:tailEnd type="triangle"/>
+          </a:ln>
+        </p:spPr>
+        <p:style>
+          <a:lnRef idx="2">
+            <a:schemeClr val="dk1"/>
+          </a:lnRef>
+          <a:fillRef idx="0">
+            <a:schemeClr val="dk1"/>
+          </a:fillRef>
+          <a:effectRef idx="1">
+            <a:schemeClr val="dk1"/>
+          </a:effectRef>
+          <a:fontRef idx="minor">
+            <a:schemeClr val="tx1"/>
+          </a:fontRef>
+        </p:style>
+      </p:cxnSp>
+      <p:sp>
+        <p:nvSpPr>
+          <p:cNvPr id="34" name="Rectangle 33">
+            <a:extLst>
+              <a:ext uri="{FF2B5EF4-FFF2-40B4-BE49-F238E27FC236}">
+                <a16:creationId xmlns:a16="http://schemas.microsoft.com/office/drawing/2014/main" id="{2FE5287B-AF31-154C-BAE6-955F286437E8}"/>
+              </a:ext>
+            </a:extLst>
+          </p:cNvPr>
+          <p:cNvSpPr/>
+          <p:nvPr/>
+        </p:nvSpPr>
+        <p:spPr>
+          <a:xfrm>
+            <a:off x="5605342" y="3868381"/>
+            <a:ext cx="1454551" cy="438587"/>
+          </a:xfrm>
+          <a:prstGeom prst="rect">
+            <a:avLst/>
+          </a:prstGeom>
+          <a:solidFill>
+            <a:srgbClr val="4040EA"/>
+          </a:solidFill>
+          <a:ln>
+            <a:noFill/>
+          </a:ln>
+          <a:effectLst>
+            <a:outerShdw blurRad="50800" dist="38100" dir="5400000" algn="t" rotWithShape="0">
+              <a:prstClr val="black">
+                <a:alpha val="40000"/>
+              </a:prstClr>
+            </a:outerShdw>
+          </a:effectLst>
+        </p:spPr>
+        <p:style>
+          <a:lnRef idx="2">
+            <a:schemeClr val="accent1">
+              <a:shade val="50000"/>
+            </a:schemeClr>
+          </a:lnRef>
+          <a:fillRef idx="1">
+            <a:schemeClr val="accent1"/>
+          </a:fillRef>
+          <a:effectRef idx="0">
+            <a:schemeClr val="accent1"/>
+          </a:effectRef>
+          <a:fontRef idx="minor">
+            <a:schemeClr val="lt1"/>
+          </a:fontRef>
+        </p:style>
+        <p:txBody>
+          <a:bodyPr rtlCol="0" anchor="ctr"/>
+          <a:lstStyle/>
+          <a:p>
+            <a:pPr algn="ctr"/>
+            <a:r>
+              <a:rPr lang="en-US" sz="1200" dirty="0"/>
+              <a:t>TriggerTemplate</a:t>
+            </a:r>
+          </a:p>
+        </p:txBody>
+      </p:sp>
+      <p:cxnSp>
+        <p:nvCxnSpPr>
+          <p:cNvPr id="36" name="Straight Arrow Connector 35">
+            <a:extLst>
+              <a:ext uri="{FF2B5EF4-FFF2-40B4-BE49-F238E27FC236}">
+                <a16:creationId xmlns:a16="http://schemas.microsoft.com/office/drawing/2014/main" id="{2B6E653B-3AAF-CD43-B473-0547C1F36BF6}"/>
+              </a:ext>
+            </a:extLst>
+          </p:cNvPr>
+          <p:cNvCxnSpPr>
+            <a:cxnSpLocks/>
+            <a:endCxn id="34" idx="1"/>
+          </p:cNvCxnSpPr>
+          <p:nvPr/>
+        </p:nvCxnSpPr>
+        <p:spPr>
+          <a:xfrm flipV="1">
+            <a:off x="4392754" y="4087675"/>
+            <a:ext cx="1212588" cy="656578"/>
+          </a:xfrm>
+          <a:prstGeom prst="straightConnector1">
+            <a:avLst/>
+          </a:prstGeom>
+          <a:ln>
+            <a:tailEnd type="triangle"/>
+          </a:ln>
+        </p:spPr>
+        <p:style>
+          <a:lnRef idx="2">
+            <a:schemeClr val="dk1"/>
+          </a:lnRef>
+          <a:fillRef idx="0">
+            <a:schemeClr val="dk1"/>
+          </a:fillRef>
+          <a:effectRef idx="1">
+            <a:schemeClr val="dk1"/>
+          </a:effectRef>
+          <a:fontRef idx="minor">
+            <a:schemeClr val="tx1"/>
+          </a:fontRef>
+        </p:style>
+      </p:cxnSp>
+      <p:sp>
+        <p:nvSpPr>
+          <p:cNvPr id="39" name="TextBox 38">
+            <a:extLst>
+              <a:ext uri="{FF2B5EF4-FFF2-40B4-BE49-F238E27FC236}">
+                <a16:creationId xmlns:a16="http://schemas.microsoft.com/office/drawing/2014/main" id="{9BB1C018-F741-8C4F-9D72-F9684DC7FCDE}"/>
+              </a:ext>
+            </a:extLst>
+          </p:cNvPr>
+          <p:cNvSpPr txBox="1"/>
+          <p:nvPr/>
+        </p:nvSpPr>
+        <p:spPr>
+          <a:xfrm>
+            <a:off x="4372064" y="4233054"/>
+            <a:ext cx="772969" cy="276999"/>
+          </a:xfrm>
+          <a:prstGeom prst="rect">
+            <a:avLst/>
+          </a:prstGeom>
+          <a:solidFill>
+            <a:schemeClr val="bg1"/>
+          </a:solidFill>
+        </p:spPr>
+        <p:txBody>
+          <a:bodyPr wrap="none" rtlCol="0">
+            <a:spAutoFit/>
+          </a:bodyPr>
+          <a:lstStyle/>
+          <a:p>
+            <a:r>
+              <a:rPr lang="en-US" sz="1200" dirty="0"/>
+              <a:t>template</a:t>
+            </a:r>
+          </a:p>
+        </p:txBody>
+      </p:sp>
+      <p:cxnSp>
+        <p:nvCxnSpPr>
+          <p:cNvPr id="43" name="Curved Connector 42">
+            <a:extLst>
+              <a:ext uri="{FF2B5EF4-FFF2-40B4-BE49-F238E27FC236}">
+                <a16:creationId xmlns:a16="http://schemas.microsoft.com/office/drawing/2014/main" id="{92218145-E7EE-2941-B3CC-B5550CF248C0}"/>
+              </a:ext>
+            </a:extLst>
+          </p:cNvPr>
+          <p:cNvCxnSpPr>
+            <a:stCxn id="34" idx="0"/>
+          </p:cNvCxnSpPr>
+          <p:nvPr/>
+        </p:nvCxnSpPr>
+        <p:spPr>
+          <a:xfrm rot="16200000" flipV="1">
+            <a:off x="4186093" y="1721856"/>
+            <a:ext cx="2162456" cy="2130594"/>
+          </a:xfrm>
+          <a:prstGeom prst="curvedConnector3">
+            <a:avLst/>
+          </a:prstGeom>
+          <a:ln w="12700">
+            <a:solidFill>
+              <a:schemeClr val="tx1">
+                <a:lumMod val="65000"/>
+                <a:lumOff val="35000"/>
+              </a:schemeClr>
+            </a:solidFill>
+            <a:tailEnd type="triangle"/>
+          </a:ln>
+        </p:spPr>
+        <p:style>
+          <a:lnRef idx="1">
+            <a:schemeClr val="accent1"/>
+          </a:lnRef>
+          <a:fillRef idx="0">
+            <a:schemeClr val="accent1"/>
+          </a:fillRef>
+          <a:effectRef idx="0">
+            <a:schemeClr val="accent1"/>
+          </a:effectRef>
+          <a:fontRef idx="minor">
+            <a:schemeClr val="tx1"/>
+          </a:fontRef>
+        </p:style>
+      </p:cxnSp>
+      <p:sp>
+        <p:nvSpPr>
+          <p:cNvPr id="44" name="Rectangle 43">
+            <a:extLst>
+              <a:ext uri="{FF2B5EF4-FFF2-40B4-BE49-F238E27FC236}">
+                <a16:creationId xmlns:a16="http://schemas.microsoft.com/office/drawing/2014/main" id="{7DB03802-161A-4542-A753-B81F456C49BB}"/>
+              </a:ext>
+            </a:extLst>
+          </p:cNvPr>
+          <p:cNvSpPr/>
+          <p:nvPr/>
+        </p:nvSpPr>
+        <p:spPr>
+          <a:xfrm>
+            <a:off x="2481395" y="5587222"/>
+            <a:ext cx="1454551" cy="438587"/>
+          </a:xfrm>
+          <a:prstGeom prst="rect">
+            <a:avLst/>
+          </a:prstGeom>
+          <a:solidFill>
+            <a:srgbClr val="4040EA"/>
+          </a:solidFill>
+          <a:ln>
+            <a:noFill/>
+          </a:ln>
+          <a:effectLst>
+            <a:outerShdw blurRad="50800" dist="38100" dir="5400000" algn="t" rotWithShape="0">
+              <a:prstClr val="black">
+                <a:alpha val="40000"/>
+              </a:prstClr>
+            </a:outerShdw>
+          </a:effectLst>
+        </p:spPr>
+        <p:style>
+          <a:lnRef idx="2">
+            <a:schemeClr val="accent1">
+              <a:shade val="50000"/>
+            </a:schemeClr>
+          </a:lnRef>
+          <a:fillRef idx="1">
+            <a:schemeClr val="accent1"/>
+          </a:fillRef>
+          <a:effectRef idx="0">
+            <a:schemeClr val="accent1"/>
+          </a:effectRef>
+          <a:fontRef idx="minor">
+            <a:schemeClr val="lt1"/>
+          </a:fontRef>
+        </p:style>
+        <p:txBody>
+          <a:bodyPr rtlCol="0" anchor="ctr"/>
+          <a:lstStyle/>
+          <a:p>
+            <a:pPr algn="ctr"/>
+            <a:r>
+              <a:rPr lang="en-US" sz="1200" dirty="0">
+                <a:solidFill>
+                  <a:schemeClr val="bg1"/>
+                </a:solidFill>
+              </a:rPr>
+              <a:t>Route</a:t>
+            </a:r>
+          </a:p>
+        </p:txBody>
+      </p:sp>
+      <p:cxnSp>
+        <p:nvCxnSpPr>
+          <p:cNvPr id="45" name="Straight Arrow Connector 44">
+            <a:extLst>
+              <a:ext uri="{FF2B5EF4-FFF2-40B4-BE49-F238E27FC236}">
+                <a16:creationId xmlns:a16="http://schemas.microsoft.com/office/drawing/2014/main" id="{BFE0C9A5-24E2-8546-ADA6-7A7630ECB5C3}"/>
+              </a:ext>
+            </a:extLst>
+          </p:cNvPr>
+          <p:cNvCxnSpPr>
+            <a:cxnSpLocks/>
+            <a:stCxn id="44" idx="0"/>
+          </p:cNvCxnSpPr>
+          <p:nvPr/>
+        </p:nvCxnSpPr>
+        <p:spPr>
+          <a:xfrm flipV="1">
+            <a:off x="3208671" y="5274115"/>
+            <a:ext cx="578309" cy="313107"/>
+          </a:xfrm>
+          <a:prstGeom prst="straightConnector1">
+            <a:avLst/>
+          </a:prstGeom>
+          <a:ln>
+            <a:tailEnd type="triangle"/>
+          </a:ln>
+        </p:spPr>
+        <p:style>
+          <a:lnRef idx="2">
+            <a:schemeClr val="dk1"/>
+          </a:lnRef>
+          <a:fillRef idx="0">
+            <a:schemeClr val="dk1"/>
+          </a:fillRef>
+          <a:effectRef idx="1">
+            <a:schemeClr val="dk1"/>
+          </a:effectRef>
+          <a:fontRef idx="minor">
+            <a:schemeClr val="tx1"/>
+          </a:fontRef>
+        </p:style>
+      </p:cxnSp>
+      <p:pic>
+        <p:nvPicPr>
+          <p:cNvPr id="48" name="Picture 2" descr="Github Logo - Free social media icons">
+            <a:extLst>
+              <a:ext uri="{FF2B5EF4-FFF2-40B4-BE49-F238E27FC236}">
+                <a16:creationId xmlns:a16="http://schemas.microsoft.com/office/drawing/2014/main" id="{C0219134-3DD6-014D-81CD-1F8985D50086}"/>
+              </a:ext>
+            </a:extLst>
+          </p:cNvPr>
+          <p:cNvPicPr>
+            <a:picLocks noChangeAspect="1" noChangeArrowheads="1"/>
+          </p:cNvPicPr>
+          <p:nvPr/>
+        </p:nvPicPr>
+        <p:blipFill>
+          <a:blip r:embed="rId2">
+            <a:extLst>
+              <a:ext uri="{28A0092B-C50C-407E-A947-70E740481C1C}">
+                <a14:useLocalDpi xmlns:a14="http://schemas.microsoft.com/office/drawing/2010/main" val="0"/>
+              </a:ext>
+            </a:extLst>
+          </a:blip>
+          <a:srcRect/>
+          <a:stretch>
+            <a:fillRect/>
+          </a:stretch>
+        </p:blipFill>
+        <p:spPr bwMode="auto">
+          <a:xfrm>
+            <a:off x="281343" y="4522804"/>
+            <a:ext cx="356325" cy="356325"/>
+          </a:xfrm>
+          <a:prstGeom prst="rect">
+            <a:avLst/>
+          </a:prstGeom>
+          <a:noFill/>
+          <a:extLst>
+            <a:ext uri="{909E8E84-426E-40DD-AFC4-6F175D3DCCD1}">
+              <a14:hiddenFill xmlns:a14="http://schemas.microsoft.com/office/drawing/2010/main">
+                <a:solidFill>
+                  <a:srgbClr val="FFFFFF"/>
+                </a:solidFill>
+              </a14:hiddenFill>
+            </a:ext>
+          </a:extLst>
+        </p:spPr>
+      </p:pic>
+      <p:sp>
+        <p:nvSpPr>
+          <p:cNvPr id="49" name="Rectangle 48">
+            <a:extLst>
+              <a:ext uri="{FF2B5EF4-FFF2-40B4-BE49-F238E27FC236}">
+                <a16:creationId xmlns:a16="http://schemas.microsoft.com/office/drawing/2014/main" id="{10FE490E-EADE-7945-A488-9A25C44E8B1F}"/>
+              </a:ext>
+            </a:extLst>
+          </p:cNvPr>
+          <p:cNvSpPr/>
+          <p:nvPr/>
+        </p:nvSpPr>
+        <p:spPr>
+          <a:xfrm>
+            <a:off x="172172" y="4118050"/>
+            <a:ext cx="2185903" cy="1165832"/>
+          </a:xfrm>
+          <a:prstGeom prst="rect">
+            <a:avLst/>
+          </a:prstGeom>
+          <a:noFill/>
+          <a:ln>
+            <a:solidFill>
+              <a:srgbClr val="7030A0"/>
+            </a:solidFill>
+          </a:ln>
+        </p:spPr>
+        <p:style>
+          <a:lnRef idx="2">
+            <a:schemeClr val="accent1">
+              <a:shade val="50000"/>
+            </a:schemeClr>
+          </a:lnRef>
+          <a:fillRef idx="1">
+            <a:schemeClr val="accent1"/>
+          </a:fillRef>
+          <a:effectRef idx="0">
+            <a:schemeClr val="accent1"/>
+          </a:effectRef>
+          <a:fontRef idx="minor">
+            <a:schemeClr val="lt1"/>
+          </a:fontRef>
+        </p:style>
+        <p:txBody>
+          <a:bodyPr rtlCol="0" anchor="b"/>
+          <a:lstStyle/>
+          <a:p>
+            <a:pPr algn="ctr"/>
+            <a:r>
+              <a:rPr lang="en-US" sz="1400" dirty="0">
+                <a:solidFill>
+                  <a:srgbClr val="0000FF"/>
+                </a:solidFill>
+              </a:rPr>
+              <a:t>gtihub</a:t>
+            </a:r>
+          </a:p>
+        </p:txBody>
+      </p:sp>
+      <p:sp>
+        <p:nvSpPr>
+          <p:cNvPr id="50" name="Rectangle 49">
+            <a:extLst>
+              <a:ext uri="{FF2B5EF4-FFF2-40B4-BE49-F238E27FC236}">
+                <a16:creationId xmlns:a16="http://schemas.microsoft.com/office/drawing/2014/main" id="{5C6B41B1-F561-FE45-8BD3-B675E70CA6CA}"/>
+              </a:ext>
+            </a:extLst>
+          </p:cNvPr>
+          <p:cNvSpPr/>
+          <p:nvPr/>
+        </p:nvSpPr>
+        <p:spPr>
+          <a:xfrm>
+            <a:off x="841272" y="4366687"/>
+            <a:ext cx="1202824" cy="312233"/>
+          </a:xfrm>
+          <a:prstGeom prst="rect">
+            <a:avLst/>
+          </a:prstGeom>
+          <a:solidFill>
+            <a:schemeClr val="accent1">
+              <a:lumMod val="60000"/>
+              <a:lumOff val="40000"/>
+            </a:schemeClr>
+          </a:solidFill>
+          <a:ln>
+            <a:noFill/>
+          </a:ln>
+          <a:effectLst>
+            <a:outerShdw blurRad="50800" dist="38100" dir="5400000" algn="t" rotWithShape="0">
+              <a:prstClr val="black">
+                <a:alpha val="40000"/>
+              </a:prstClr>
+            </a:outerShdw>
+          </a:effectLst>
+        </p:spPr>
+        <p:style>
+          <a:lnRef idx="2">
+            <a:schemeClr val="accent1">
+              <a:shade val="50000"/>
+            </a:schemeClr>
+          </a:lnRef>
+          <a:fillRef idx="1">
+            <a:schemeClr val="accent1"/>
+          </a:fillRef>
+          <a:effectRef idx="0">
+            <a:schemeClr val="accent1"/>
+          </a:effectRef>
+          <a:fontRef idx="minor">
+            <a:schemeClr val="lt1"/>
+          </a:fontRef>
+        </p:style>
+        <p:txBody>
+          <a:bodyPr rtlCol="0" anchor="t"/>
+          <a:lstStyle/>
+          <a:p>
+            <a:pPr marL="0" marR="0" indent="0" algn="l" defTabSz="685800" rtl="0" eaLnBrk="1" fontAlgn="auto" latinLnBrk="0" hangingPunct="1">
+              <a:lnSpc>
+                <a:spcPct val="100000"/>
+              </a:lnSpc>
+              <a:spcBef>
+                <a:spcPts val="0"/>
+              </a:spcBef>
+              <a:spcAft>
+                <a:spcPts val="0"/>
+              </a:spcAft>
+              <a:buClrTx/>
+              <a:buSzTx/>
+              <a:buFontTx/>
+              <a:buNone/>
+              <a:tabLst/>
+            </a:pPr>
+            <a:r>
+              <a:rPr kumimoji="0" lang="en-US" sz="1000" b="0" i="0" u="none" strike="noStrike" kern="1200" cap="none" spc="0" normalizeH="0" baseline="0" noProof="0" dirty="0">
+                <a:ln>
+                  <a:noFill/>
+                </a:ln>
+                <a:solidFill>
+                  <a:prstClr val="white"/>
+                </a:solidFill>
+                <a:effectLst/>
+                <a:uLnTx/>
+                <a:uFillTx/>
+                <a:latin typeface="Arial"/>
+                <a:ea typeface="+mn-ea"/>
+                <a:cs typeface="+mn-cs"/>
+              </a:rPr>
+              <a:t>app service</a:t>
+            </a:r>
+          </a:p>
+        </p:txBody>
+      </p:sp>
+      <p:sp>
+        <p:nvSpPr>
+          <p:cNvPr id="51" name="Rectangle 50">
+            <a:extLst>
+              <a:ext uri="{FF2B5EF4-FFF2-40B4-BE49-F238E27FC236}">
+                <a16:creationId xmlns:a16="http://schemas.microsoft.com/office/drawing/2014/main" id="{047BAB92-0BAF-3F42-A410-B3E5E47DCC7B}"/>
+              </a:ext>
+            </a:extLst>
+          </p:cNvPr>
+          <p:cNvSpPr/>
+          <p:nvPr/>
+        </p:nvSpPr>
+        <p:spPr>
+          <a:xfrm>
+            <a:off x="402979" y="5274115"/>
+            <a:ext cx="989833" cy="276999"/>
+          </a:xfrm>
+          <a:prstGeom prst="rect">
+            <a:avLst/>
+          </a:prstGeom>
+          <a:solidFill>
+            <a:srgbClr val="4040EA"/>
+          </a:solidFill>
+          <a:ln>
+            <a:noFill/>
+          </a:ln>
+          <a:effectLst>
+            <a:outerShdw blurRad="50800" dist="38100" dir="5400000" algn="t" rotWithShape="0">
+              <a:prstClr val="black">
+                <a:alpha val="40000"/>
+              </a:prstClr>
+            </a:outerShdw>
+          </a:effectLst>
+        </p:spPr>
+        <p:style>
+          <a:lnRef idx="2">
+            <a:schemeClr val="accent1">
+              <a:shade val="50000"/>
+            </a:schemeClr>
+          </a:lnRef>
+          <a:fillRef idx="1">
+            <a:schemeClr val="accent1"/>
+          </a:fillRef>
+          <a:effectRef idx="0">
+            <a:schemeClr val="accent1"/>
+          </a:effectRef>
+          <a:fontRef idx="minor">
+            <a:schemeClr val="lt1"/>
+          </a:fontRef>
+        </p:style>
+        <p:txBody>
+          <a:bodyPr rtlCol="0" anchor="ctr"/>
+          <a:lstStyle/>
+          <a:p>
+            <a:pPr algn="ctr"/>
+            <a:r>
+              <a:rPr lang="en-US" sz="1200" dirty="0">
+                <a:solidFill>
+                  <a:schemeClr val="bg1"/>
+                </a:solidFill>
+              </a:rPr>
+              <a:t>webhook</a:t>
+            </a:r>
+          </a:p>
+        </p:txBody>
+      </p:sp>
+      <p:cxnSp>
+        <p:nvCxnSpPr>
+          <p:cNvPr id="52" name="Curved Connector 51">
+            <a:extLst>
+              <a:ext uri="{FF2B5EF4-FFF2-40B4-BE49-F238E27FC236}">
+                <a16:creationId xmlns:a16="http://schemas.microsoft.com/office/drawing/2014/main" id="{FD6C006A-3428-8343-9295-3A79D1EAC173}"/>
+              </a:ext>
+            </a:extLst>
+          </p:cNvPr>
+          <p:cNvCxnSpPr>
+            <a:cxnSpLocks/>
+            <a:stCxn id="49" idx="2"/>
+            <a:endCxn id="44" idx="1"/>
+          </p:cNvCxnSpPr>
+          <p:nvPr/>
+        </p:nvCxnSpPr>
+        <p:spPr>
+          <a:xfrm rot="16200000" flipH="1">
+            <a:off x="1611942" y="4937063"/>
+            <a:ext cx="522634" cy="1216271"/>
+          </a:xfrm>
+          <a:prstGeom prst="curvedConnector2">
+            <a:avLst/>
+          </a:prstGeom>
+          <a:ln w="12700">
+            <a:solidFill>
+              <a:schemeClr val="tx1">
+                <a:lumMod val="65000"/>
+                <a:lumOff val="35000"/>
+              </a:schemeClr>
+            </a:solidFill>
+            <a:tailEnd type="triangle"/>
+          </a:ln>
+        </p:spPr>
+        <p:style>
+          <a:lnRef idx="1">
+            <a:schemeClr val="accent1"/>
+          </a:lnRef>
+          <a:fillRef idx="0">
+            <a:schemeClr val="accent1"/>
+          </a:fillRef>
+          <a:effectRef idx="0">
+            <a:schemeClr val="accent1"/>
+          </a:effectRef>
+          <a:fontRef idx="minor">
+            <a:schemeClr val="tx1"/>
+          </a:fontRef>
+        </p:style>
+      </p:cxnSp>
     </p:spTree>
     <p:extLst>
       <p:ext uri="{BB962C8B-B14F-4D97-AF65-F5344CB8AC3E}">
@@ -25082,7 +26602,7 @@
             <a:effectLst/>
             <a:extLst>
               <a:ext uri="{C572A759-6A51-4108-AA02-DFA0A04FC94B}">
-                <ma14:wrappingTextBoxFlag xmlns:ma14="http://schemas.microsoft.com/office/mac/drawingml/2011/main" xmlns="" val="1"/>
+                <ma14:wrappingTextBoxFlag xmlns="" xmlns:ma14="http://schemas.microsoft.com/office/mac/drawingml/2011/main" val="1"/>
               </a:ext>
             </a:extLst>
           </p:spPr>
@@ -25198,7 +26718,7 @@
             <a:effectLst/>
             <a:extLst>
               <a:ext uri="{C572A759-6A51-4108-AA02-DFA0A04FC94B}">
-                <ma14:wrappingTextBoxFlag xmlns:ma14="http://schemas.microsoft.com/office/mac/drawingml/2011/main" xmlns="" val="1"/>
+                <ma14:wrappingTextBoxFlag xmlns="" xmlns:ma14="http://schemas.microsoft.com/office/mac/drawingml/2011/main" val="1"/>
               </a:ext>
             </a:extLst>
           </p:spPr>
@@ -25668,7 +27188,7 @@
             <a:effectLst/>
             <a:extLst>
               <a:ext uri="{C572A759-6A51-4108-AA02-DFA0A04FC94B}">
-                <ma14:wrappingTextBoxFlag xmlns:ma14="http://schemas.microsoft.com/office/mac/drawingml/2011/main" xmlns="" val="1"/>
+                <ma14:wrappingTextBoxFlag xmlns="" xmlns:ma14="http://schemas.microsoft.com/office/mac/drawingml/2011/main" val="1"/>
               </a:ext>
             </a:extLst>
           </p:spPr>
@@ -25978,7 +27498,7 @@
             <a:effectLst/>
             <a:extLst>
               <a:ext uri="{C572A759-6A51-4108-AA02-DFA0A04FC94B}">
-                <ma14:wrappingTextBoxFlag xmlns:ma14="http://schemas.microsoft.com/office/mac/drawingml/2011/main" xmlns="" val="1"/>
+                <ma14:wrappingTextBoxFlag xmlns="" xmlns:ma14="http://schemas.microsoft.com/office/mac/drawingml/2011/main" val="1"/>
               </a:ext>
             </a:extLst>
           </p:spPr>
@@ -26212,7 +27732,7 @@
             <a:effectLst/>
             <a:extLst>
               <a:ext uri="{C572A759-6A51-4108-AA02-DFA0A04FC94B}">
-                <ma14:wrappingTextBoxFlag xmlns:ma14="http://schemas.microsoft.com/office/mac/drawingml/2011/main" xmlns="" val="1"/>
+                <ma14:wrappingTextBoxFlag xmlns="" xmlns:ma14="http://schemas.microsoft.com/office/mac/drawingml/2011/main" val="1"/>
               </a:ext>
             </a:extLst>
           </p:spPr>
@@ -26345,7 +27865,7 @@
             <a:effectLst/>
             <a:extLst>
               <a:ext uri="{C572A759-6A51-4108-AA02-DFA0A04FC94B}">
-                <ma14:wrappingTextBoxFlag xmlns:ma14="http://schemas.microsoft.com/office/mac/drawingml/2011/main" xmlns="" val="1"/>
+                <ma14:wrappingTextBoxFlag xmlns="" xmlns:ma14="http://schemas.microsoft.com/office/mac/drawingml/2011/main" val="1"/>
               </a:ext>
             </a:extLst>
           </p:spPr>
@@ -27418,7 +28938,7 @@
             <a:effectLst/>
             <a:extLst>
               <a:ext uri="{C572A759-6A51-4108-AA02-DFA0A04FC94B}">
-                <ma14:wrappingTextBoxFlag xmlns:ma14="http://schemas.microsoft.com/office/mac/drawingml/2011/main" xmlns="" val="1"/>
+                <ma14:wrappingTextBoxFlag xmlns="" xmlns:ma14="http://schemas.microsoft.com/office/mac/drawingml/2011/main" val="1"/>
               </a:ext>
             </a:extLst>
           </p:spPr>
@@ -27767,7 +29287,7 @@
             <a:effectLst/>
             <a:extLst>
               <a:ext uri="{C572A759-6A51-4108-AA02-DFA0A04FC94B}">
-                <ma14:wrappingTextBoxFlag xmlns:ma14="http://schemas.microsoft.com/office/mac/drawingml/2011/main" xmlns="" val="1"/>
+                <ma14:wrappingTextBoxFlag xmlns="" xmlns:ma14="http://schemas.microsoft.com/office/mac/drawingml/2011/main" val="1"/>
               </a:ext>
             </a:extLst>
           </p:spPr>
@@ -28187,7 +29707,7 @@
             <a:effectLst/>
             <a:extLst>
               <a:ext uri="{C572A759-6A51-4108-AA02-DFA0A04FC94B}">
-                <ma14:wrappingTextBoxFlag xmlns:ma14="http://schemas.microsoft.com/office/mac/drawingml/2011/main" xmlns="" val="1"/>
+                <ma14:wrappingTextBoxFlag xmlns="" xmlns:ma14="http://schemas.microsoft.com/office/mac/drawingml/2011/main" val="1"/>
               </a:ext>
             </a:extLst>
           </p:spPr>
@@ -29685,7 +31205,7 @@
             <a:effectLst/>
             <a:extLst>
               <a:ext uri="{C572A759-6A51-4108-AA02-DFA0A04FC94B}">
-                <ma14:wrappingTextBoxFlag xmlns:ma14="http://schemas.microsoft.com/office/mac/drawingml/2011/main" xmlns="" val="1"/>
+                <ma14:wrappingTextBoxFlag xmlns="" xmlns:ma14="http://schemas.microsoft.com/office/mac/drawingml/2011/main" val="1"/>
               </a:ext>
             </a:extLst>
           </p:spPr>
@@ -30450,7 +31970,7 @@
             <a:effectLst/>
             <a:extLst>
               <a:ext uri="{C572A759-6A51-4108-AA02-DFA0A04FC94B}">
-                <ma14:wrappingTextBoxFlag xmlns="" xmlns:ma14="http://schemas.microsoft.com/office/mac/drawingml/2011/main" val="1"/>
+                <ma14:wrappingTextBoxFlag xmlns:ma14="http://schemas.microsoft.com/office/mac/drawingml/2011/main" xmlns="" val="1"/>
               </a:ext>
             </a:extLst>
           </p:spPr>
@@ -30566,7 +32086,7 @@
             <a:effectLst/>
             <a:extLst>
               <a:ext uri="{C572A759-6A51-4108-AA02-DFA0A04FC94B}">
-                <ma14:wrappingTextBoxFlag xmlns="" xmlns:ma14="http://schemas.microsoft.com/office/mac/drawingml/2011/main" val="1"/>
+                <ma14:wrappingTextBoxFlag xmlns:ma14="http://schemas.microsoft.com/office/mac/drawingml/2011/main" xmlns="" val="1"/>
               </a:ext>
             </a:extLst>
           </p:spPr>
@@ -30682,7 +32202,7 @@
             <a:effectLst/>
             <a:extLst>
               <a:ext uri="{C572A759-6A51-4108-AA02-DFA0A04FC94B}">
-                <ma14:wrappingTextBoxFlag xmlns="" xmlns:ma14="http://schemas.microsoft.com/office/mac/drawingml/2011/main" val="1"/>
+                <ma14:wrappingTextBoxFlag xmlns:ma14="http://schemas.microsoft.com/office/mac/drawingml/2011/main" xmlns="" val="1"/>
               </a:ext>
             </a:extLst>
           </p:spPr>
@@ -30798,7 +32318,7 @@
             <a:effectLst/>
             <a:extLst>
               <a:ext uri="{C572A759-6A51-4108-AA02-DFA0A04FC94B}">
-                <ma14:wrappingTextBoxFlag xmlns="" xmlns:ma14="http://schemas.microsoft.com/office/mac/drawingml/2011/main" val="1"/>
+                <ma14:wrappingTextBoxFlag xmlns:ma14="http://schemas.microsoft.com/office/mac/drawingml/2011/main" xmlns="" val="1"/>
               </a:ext>
             </a:extLst>
           </p:spPr>
@@ -30914,7 +32434,7 @@
             <a:effectLst/>
             <a:extLst>
               <a:ext uri="{C572A759-6A51-4108-AA02-DFA0A04FC94B}">
-                <ma14:wrappingTextBoxFlag xmlns="" xmlns:ma14="http://schemas.microsoft.com/office/mac/drawingml/2011/main" val="1"/>
+                <ma14:wrappingTextBoxFlag xmlns:ma14="http://schemas.microsoft.com/office/mac/drawingml/2011/main" xmlns="" val="1"/>
               </a:ext>
             </a:extLst>
           </p:spPr>
@@ -31030,7 +32550,7 @@
             <a:effectLst/>
             <a:extLst>
               <a:ext uri="{C572A759-6A51-4108-AA02-DFA0A04FC94B}">
-                <ma14:wrappingTextBoxFlag xmlns="" xmlns:ma14="http://schemas.microsoft.com/office/mac/drawingml/2011/main" val="1"/>
+                <ma14:wrappingTextBoxFlag xmlns:ma14="http://schemas.microsoft.com/office/mac/drawingml/2011/main" xmlns="" val="1"/>
               </a:ext>
             </a:extLst>
           </p:spPr>
@@ -32710,7 +34230,7 @@
             <a:effectLst/>
             <a:extLst>
               <a:ext uri="{C572A759-6A51-4108-AA02-DFA0A04FC94B}">
-                <ma14:wrappingTextBoxFlag xmlns:ma14="http://schemas.microsoft.com/office/mac/drawingml/2011/main" xmlns="" val="1"/>
+                <ma14:wrappingTextBoxFlag xmlns="" xmlns:ma14="http://schemas.microsoft.com/office/mac/drawingml/2011/main" val="1"/>
               </a:ext>
             </a:extLst>
           </p:spPr>
@@ -33363,7 +34883,7 @@
             <a:effectLst/>
             <a:extLst>
               <a:ext uri="{C572A759-6A51-4108-AA02-DFA0A04FC94B}">
-                <ma14:wrappingTextBoxFlag xmlns="" xmlns:ma14="http://schemas.microsoft.com/office/mac/drawingml/2011/main" val="1"/>
+                <ma14:wrappingTextBoxFlag xmlns:ma14="http://schemas.microsoft.com/office/mac/drawingml/2011/main" xmlns="" val="1"/>
               </a:ext>
             </a:extLst>
           </p:spPr>
@@ -33852,7 +35372,7 @@
             <a:effectLst/>
             <a:extLst>
               <a:ext uri="{C572A759-6A51-4108-AA02-DFA0A04FC94B}">
-                <ma14:wrappingTextBoxFlag xmlns:ma14="http://schemas.microsoft.com/office/mac/drawingml/2011/main" xmlns="" val="1"/>
+                <ma14:wrappingTextBoxFlag xmlns="" xmlns:ma14="http://schemas.microsoft.com/office/mac/drawingml/2011/main" val="1"/>
               </a:ext>
             </a:extLst>
           </p:spPr>
@@ -33968,7 +35488,7 @@
             <a:effectLst/>
             <a:extLst>
               <a:ext uri="{C572A759-6A51-4108-AA02-DFA0A04FC94B}">
-                <ma14:wrappingTextBoxFlag xmlns:ma14="http://schemas.microsoft.com/office/mac/drawingml/2011/main" xmlns="" val="1"/>
+                <ma14:wrappingTextBoxFlag xmlns="" xmlns:ma14="http://schemas.microsoft.com/office/mac/drawingml/2011/main" val="1"/>
               </a:ext>
             </a:extLst>
           </p:spPr>
@@ -34298,7 +35818,7 @@
             <a:effectLst/>
             <a:extLst>
               <a:ext uri="{C572A759-6A51-4108-AA02-DFA0A04FC94B}">
-                <ma14:wrappingTextBoxFlag xmlns:ma14="http://schemas.microsoft.com/office/mac/drawingml/2011/main" xmlns="" val="1"/>
+                <ma14:wrappingTextBoxFlag xmlns="" xmlns:ma14="http://schemas.microsoft.com/office/mac/drawingml/2011/main" val="1"/>
               </a:ext>
             </a:extLst>
           </p:spPr>
@@ -34726,7 +36246,7 @@
             <a:effectLst/>
             <a:extLst>
               <a:ext uri="{C572A759-6A51-4108-AA02-DFA0A04FC94B}">
-                <ma14:wrappingTextBoxFlag xmlns:ma14="http://schemas.microsoft.com/office/mac/drawingml/2011/main" xmlns="" val="1"/>
+                <ma14:wrappingTextBoxFlag xmlns="" xmlns:ma14="http://schemas.microsoft.com/office/mac/drawingml/2011/main" val="1"/>
               </a:ext>
             </a:extLst>
           </p:spPr>
@@ -35709,7 +37229,7 @@
             <a:effectLst/>
             <a:extLst>
               <a:ext uri="{C572A759-6A51-4108-AA02-DFA0A04FC94B}">
-                <ma14:wrappingTextBoxFlag xmlns:ma14="http://schemas.microsoft.com/office/mac/drawingml/2011/main" xmlns="" val="1"/>
+                <ma14:wrappingTextBoxFlag xmlns="" xmlns:ma14="http://schemas.microsoft.com/office/mac/drawingml/2011/main" val="1"/>
               </a:ext>
             </a:extLst>
           </p:spPr>
@@ -35964,7 +37484,7 @@
             <a:effectLst/>
             <a:extLst>
               <a:ext uri="{C572A759-6A51-4108-AA02-DFA0A04FC94B}">
-                <ma14:wrappingTextBoxFlag xmlns:ma14="http://schemas.microsoft.com/office/mac/drawingml/2011/main" xmlns="" val="1"/>
+                <ma14:wrappingTextBoxFlag xmlns="" xmlns:ma14="http://schemas.microsoft.com/office/mac/drawingml/2011/main" val="1"/>
               </a:ext>
             </a:extLst>
           </p:spPr>
@@ -36294,7 +37814,7 @@
             <a:effectLst/>
             <a:extLst>
               <a:ext uri="{C572A759-6A51-4108-AA02-DFA0A04FC94B}">
-                <ma14:wrappingTextBoxFlag xmlns:ma14="http://schemas.microsoft.com/office/mac/drawingml/2011/main" xmlns="" val="1"/>
+                <ma14:wrappingTextBoxFlag xmlns="" xmlns:ma14="http://schemas.microsoft.com/office/mac/drawingml/2011/main" val="1"/>
               </a:ext>
             </a:extLst>
           </p:spPr>
@@ -36521,7 +38041,7 @@
             <a:effectLst/>
             <a:extLst>
               <a:ext uri="{C572A759-6A51-4108-AA02-DFA0A04FC94B}">
-                <ma14:wrappingTextBoxFlag xmlns:ma14="http://schemas.microsoft.com/office/mac/drawingml/2011/main" xmlns="" val="1"/>
+                <ma14:wrappingTextBoxFlag xmlns="" xmlns:ma14="http://schemas.microsoft.com/office/mac/drawingml/2011/main" val="1"/>
               </a:ext>
             </a:extLst>
           </p:spPr>
@@ -36862,7 +38382,7 @@
             <a:effectLst/>
             <a:extLst>
               <a:ext uri="{C572A759-6A51-4108-AA02-DFA0A04FC94B}">
-                <ma14:wrappingTextBoxFlag xmlns:ma14="http://schemas.microsoft.com/office/mac/drawingml/2011/main" xmlns="" val="1"/>
+                <ma14:wrappingTextBoxFlag xmlns="" xmlns:ma14="http://schemas.microsoft.com/office/mac/drawingml/2011/main" val="1"/>
               </a:ext>
             </a:extLst>
           </p:spPr>
@@ -37500,7 +39020,7 @@
             <a:effectLst/>
             <a:extLst>
               <a:ext uri="{C572A759-6A51-4108-AA02-DFA0A04FC94B}">
-                <ma14:wrappingTextBoxFlag xmlns:ma14="http://schemas.microsoft.com/office/mac/drawingml/2011/main" xmlns="" val="1"/>
+                <ma14:wrappingTextBoxFlag xmlns="" xmlns:ma14="http://schemas.microsoft.com/office/mac/drawingml/2011/main" val="1"/>
               </a:ext>
             </a:extLst>
           </p:spPr>
@@ -37616,7 +39136,7 @@
             <a:effectLst/>
             <a:extLst>
               <a:ext uri="{C572A759-6A51-4108-AA02-DFA0A04FC94B}">
-                <ma14:wrappingTextBoxFlag xmlns:ma14="http://schemas.microsoft.com/office/mac/drawingml/2011/main" xmlns="" val="1"/>
+                <ma14:wrappingTextBoxFlag xmlns="" xmlns:ma14="http://schemas.microsoft.com/office/mac/drawingml/2011/main" val="1"/>
               </a:ext>
             </a:extLst>
           </p:spPr>
@@ -38808,7 +40328,7 @@
             <a:effectLst/>
             <a:extLst>
               <a:ext uri="{C572A759-6A51-4108-AA02-DFA0A04FC94B}">
-                <ma14:wrappingTextBoxFlag xmlns:ma14="http://schemas.microsoft.com/office/mac/drawingml/2011/main" xmlns="" val="1"/>
+                <ma14:wrappingTextBoxFlag xmlns="" xmlns:ma14="http://schemas.microsoft.com/office/mac/drawingml/2011/main" val="1"/>
               </a:ext>
             </a:extLst>
           </p:spPr>
@@ -38924,7 +40444,7 @@
             <a:effectLst/>
             <a:extLst>
               <a:ext uri="{C572A759-6A51-4108-AA02-DFA0A04FC94B}">
-                <ma14:wrappingTextBoxFlag xmlns:ma14="http://schemas.microsoft.com/office/mac/drawingml/2011/main" xmlns="" val="1"/>
+                <ma14:wrappingTextBoxFlag xmlns="" xmlns:ma14="http://schemas.microsoft.com/office/mac/drawingml/2011/main" val="1"/>
               </a:ext>
             </a:extLst>
           </p:spPr>
@@ -39040,7 +40560,7 @@
             <a:effectLst/>
             <a:extLst>
               <a:ext uri="{C572A759-6A51-4108-AA02-DFA0A04FC94B}">
-                <ma14:wrappingTextBoxFlag xmlns:ma14="http://schemas.microsoft.com/office/mac/drawingml/2011/main" xmlns="" val="1"/>
+                <ma14:wrappingTextBoxFlag xmlns="" xmlns:ma14="http://schemas.microsoft.com/office/mac/drawingml/2011/main" val="1"/>
               </a:ext>
             </a:extLst>
           </p:spPr>
@@ -39451,7 +40971,7 @@
             <a:effectLst/>
             <a:extLst>
               <a:ext uri="{C572A759-6A51-4108-AA02-DFA0A04FC94B}">
-                <ma14:wrappingTextBoxFlag xmlns:ma14="http://schemas.microsoft.com/office/mac/drawingml/2011/main" xmlns="" val="1"/>
+                <ma14:wrappingTextBoxFlag xmlns="" xmlns:ma14="http://schemas.microsoft.com/office/mac/drawingml/2011/main" val="1"/>
               </a:ext>
             </a:extLst>
           </p:spPr>
@@ -39567,7 +41087,7 @@
             <a:effectLst/>
             <a:extLst>
               <a:ext uri="{C572A759-6A51-4108-AA02-DFA0A04FC94B}">
-                <ma14:wrappingTextBoxFlag xmlns:ma14="http://schemas.microsoft.com/office/mac/drawingml/2011/main" xmlns="" val="1"/>
+                <ma14:wrappingTextBoxFlag xmlns="" xmlns:ma14="http://schemas.microsoft.com/office/mac/drawingml/2011/main" val="1"/>
               </a:ext>
             </a:extLst>
           </p:spPr>
@@ -39683,7 +41203,7 @@
             <a:effectLst/>
             <a:extLst>
               <a:ext uri="{C572A759-6A51-4108-AA02-DFA0A04FC94B}">
-                <ma14:wrappingTextBoxFlag xmlns:ma14="http://schemas.microsoft.com/office/mac/drawingml/2011/main" xmlns="" val="1"/>
+                <ma14:wrappingTextBoxFlag xmlns="" xmlns:ma14="http://schemas.microsoft.com/office/mac/drawingml/2011/main" val="1"/>
               </a:ext>
             </a:extLst>
           </p:spPr>
@@ -40059,7 +41579,7 @@
             <a:effectLst/>
             <a:extLst>
               <a:ext uri="{C572A759-6A51-4108-AA02-DFA0A04FC94B}">
-                <ma14:wrappingTextBoxFlag xmlns:ma14="http://schemas.microsoft.com/office/mac/drawingml/2011/main" xmlns="" val="1"/>
+                <ma14:wrappingTextBoxFlag xmlns="" xmlns:ma14="http://schemas.microsoft.com/office/mac/drawingml/2011/main" val="1"/>
               </a:ext>
             </a:extLst>
           </p:spPr>
@@ -40192,7 +41712,7 @@
             <a:effectLst/>
             <a:extLst>
               <a:ext uri="{C572A759-6A51-4108-AA02-DFA0A04FC94B}">
-                <ma14:wrappingTextBoxFlag xmlns:ma14="http://schemas.microsoft.com/office/mac/drawingml/2011/main" xmlns="" val="1"/>
+                <ma14:wrappingTextBoxFlag xmlns="" xmlns:ma14="http://schemas.microsoft.com/office/mac/drawingml/2011/main" val="1"/>
               </a:ext>
             </a:extLst>
           </p:spPr>
@@ -40308,7 +41828,7 @@
             <a:effectLst/>
             <a:extLst>
               <a:ext uri="{C572A759-6A51-4108-AA02-DFA0A04FC94B}">
-                <ma14:wrappingTextBoxFlag xmlns:ma14="http://schemas.microsoft.com/office/mac/drawingml/2011/main" xmlns="" val="1"/>
+                <ma14:wrappingTextBoxFlag xmlns="" xmlns:ma14="http://schemas.microsoft.com/office/mac/drawingml/2011/main" val="1"/>
               </a:ext>
             </a:extLst>
           </p:spPr>
@@ -40521,7 +42041,7 @@
             <a:effectLst/>
             <a:extLst>
               <a:ext uri="{C572A759-6A51-4108-AA02-DFA0A04FC94B}">
-                <ma14:wrappingTextBoxFlag xmlns="" xmlns:ma14="http://schemas.microsoft.com/office/mac/drawingml/2011/main" val="1"/>
+                <ma14:wrappingTextBoxFlag xmlns:ma14="http://schemas.microsoft.com/office/mac/drawingml/2011/main" xmlns="" val="1"/>
               </a:ext>
             </a:extLst>
           </p:spPr>
@@ -40752,7 +42272,7 @@
               <a:effectLst/>
               <a:extLst>
                 <a:ext uri="{C572A759-6A51-4108-AA02-DFA0A04FC94B}">
-                  <ma14:wrappingTextBoxFlag xmlns="" xmlns:ma14="http://schemas.microsoft.com/office/mac/drawingml/2011/main" val="1"/>
+                  <ma14:wrappingTextBoxFlag xmlns:ma14="http://schemas.microsoft.com/office/mac/drawingml/2011/main" xmlns="" val="1"/>
                 </a:ext>
               </a:extLst>
             </p:spPr>
@@ -41218,7 +42738,7 @@
               <a:effectLst/>
               <a:extLst>
                 <a:ext uri="{C572A759-6A51-4108-AA02-DFA0A04FC94B}">
-                  <ma14:wrappingTextBoxFlag xmlns="" xmlns:ma14="http://schemas.microsoft.com/office/mac/drawingml/2011/main" val="1"/>
+                  <ma14:wrappingTextBoxFlag xmlns:ma14="http://schemas.microsoft.com/office/mac/drawingml/2011/main" xmlns="" val="1"/>
                 </a:ext>
               </a:extLst>
             </p:spPr>
@@ -41954,7 +43474,7 @@
               <a:effectLst/>
               <a:extLst>
                 <a:ext uri="{C572A759-6A51-4108-AA02-DFA0A04FC94B}">
-                  <ma14:wrappingTextBoxFlag xmlns="" xmlns:ma14="http://schemas.microsoft.com/office/mac/drawingml/2011/main" val="1"/>
+                  <ma14:wrappingTextBoxFlag xmlns:ma14="http://schemas.microsoft.com/office/mac/drawingml/2011/main" xmlns="" val="1"/>
                 </a:ext>
               </a:extLst>
             </p:spPr>
@@ -42446,7 +43966,7 @@
             <a:effectLst/>
             <a:extLst>
               <a:ext uri="{C572A759-6A51-4108-AA02-DFA0A04FC94B}">
-                <ma14:wrappingTextBoxFlag xmlns="" xmlns:ma14="http://schemas.microsoft.com/office/mac/drawingml/2011/main" val="1"/>
+                <ma14:wrappingTextBoxFlag xmlns:ma14="http://schemas.microsoft.com/office/mac/drawingml/2011/main" xmlns="" val="1"/>
               </a:ext>
             </a:extLst>
           </p:spPr>
@@ -42579,7 +44099,7 @@
             <a:effectLst/>
             <a:extLst>
               <a:ext uri="{C572A759-6A51-4108-AA02-DFA0A04FC94B}">
-                <ma14:wrappingTextBoxFlag xmlns="" xmlns:ma14="http://schemas.microsoft.com/office/mac/drawingml/2011/main" val="1"/>
+                <ma14:wrappingTextBoxFlag xmlns:ma14="http://schemas.microsoft.com/office/mac/drawingml/2011/main" xmlns="" val="1"/>
               </a:ext>
             </a:extLst>
           </p:spPr>
@@ -42712,7 +44232,7 @@
             <a:effectLst/>
             <a:extLst>
               <a:ext uri="{C572A759-6A51-4108-AA02-DFA0A04FC94B}">
-                <ma14:wrappingTextBoxFlag xmlns:ma14="http://schemas.microsoft.com/office/mac/drawingml/2011/main" xmlns="" val="1"/>
+                <ma14:wrappingTextBoxFlag xmlns="" xmlns:ma14="http://schemas.microsoft.com/office/mac/drawingml/2011/main" val="1"/>
               </a:ext>
             </a:extLst>
           </p:spPr>
@@ -42943,7 +44463,7 @@
               <a:effectLst/>
               <a:extLst>
                 <a:ext uri="{C572A759-6A51-4108-AA02-DFA0A04FC94B}">
-                  <ma14:wrappingTextBoxFlag xmlns:ma14="http://schemas.microsoft.com/office/mac/drawingml/2011/main" xmlns="" val="1"/>
+                  <ma14:wrappingTextBoxFlag xmlns="" xmlns:ma14="http://schemas.microsoft.com/office/mac/drawingml/2011/main" val="1"/>
                 </a:ext>
               </a:extLst>
             </p:spPr>
@@ -43321,7 +44841,7 @@
               <a:effectLst/>
               <a:extLst>
                 <a:ext uri="{C572A759-6A51-4108-AA02-DFA0A04FC94B}">
-                  <ma14:wrappingTextBoxFlag xmlns:ma14="http://schemas.microsoft.com/office/mac/drawingml/2011/main" xmlns="" val="1"/>
+                  <ma14:wrappingTextBoxFlag xmlns="" xmlns:ma14="http://schemas.microsoft.com/office/mac/drawingml/2011/main" val="1"/>
                 </a:ext>
               </a:extLst>
             </p:spPr>
@@ -44057,7 +45577,7 @@
               <a:effectLst/>
               <a:extLst>
                 <a:ext uri="{C572A759-6A51-4108-AA02-DFA0A04FC94B}">
-                  <ma14:wrappingTextBoxFlag xmlns:ma14="http://schemas.microsoft.com/office/mac/drawingml/2011/main" xmlns="" val="1"/>
+                  <ma14:wrappingTextBoxFlag xmlns="" xmlns:ma14="http://schemas.microsoft.com/office/mac/drawingml/2011/main" val="1"/>
                 </a:ext>
               </a:extLst>
             </p:spPr>
@@ -44297,7 +45817,7 @@
             <a:effectLst/>
             <a:extLst>
               <a:ext uri="{C572A759-6A51-4108-AA02-DFA0A04FC94B}">
-                <ma14:wrappingTextBoxFlag xmlns:ma14="http://schemas.microsoft.com/office/mac/drawingml/2011/main" xmlns="" val="1"/>
+                <ma14:wrappingTextBoxFlag xmlns="" xmlns:ma14="http://schemas.microsoft.com/office/mac/drawingml/2011/main" val="1"/>
               </a:ext>
             </a:extLst>
           </p:spPr>
@@ -44550,7 +46070,7 @@
             <a:effectLst/>
             <a:extLst>
               <a:ext uri="{C572A759-6A51-4108-AA02-DFA0A04FC94B}">
-                <ma14:wrappingTextBoxFlag xmlns:ma14="http://schemas.microsoft.com/office/mac/drawingml/2011/main" xmlns="" val="1"/>
+                <ma14:wrappingTextBoxFlag xmlns="" xmlns:ma14="http://schemas.microsoft.com/office/mac/drawingml/2011/main" val="1"/>
               </a:ext>
             </a:extLst>
           </p:spPr>
@@ -44882,7 +46402,7 @@
               <a:effectLst/>
               <a:extLst>
                 <a:ext uri="{C572A759-6A51-4108-AA02-DFA0A04FC94B}">
-                  <ma14:wrappingTextBoxFlag xmlns:ma14="http://schemas.microsoft.com/office/mac/drawingml/2011/main" xmlns="" val="1"/>
+                  <ma14:wrappingTextBoxFlag xmlns="" xmlns:ma14="http://schemas.microsoft.com/office/mac/drawingml/2011/main" val="1"/>
                 </a:ext>
               </a:extLst>
             </p:spPr>
@@ -45075,7 +46595,7 @@
             <a:effectLst/>
             <a:extLst>
               <a:ext uri="{C572A759-6A51-4108-AA02-DFA0A04FC94B}">
-                <ma14:wrappingTextBoxFlag xmlns:ma14="http://schemas.microsoft.com/office/mac/drawingml/2011/main" xmlns="" val="1"/>
+                <ma14:wrappingTextBoxFlag xmlns="" xmlns:ma14="http://schemas.microsoft.com/office/mac/drawingml/2011/main" val="1"/>
               </a:ext>
             </a:extLst>
           </p:spPr>

--- a/docs/Diagrams.pptx
+++ b/docs/Diagrams.pptx
@@ -290,7 +290,7 @@
               <a:pPr>
                 <a:defRPr/>
               </a:pPr>
-              <a:t>9/3/21</a:t>
+              <a:t>10/8/21</a:t>
             </a:fld>
             <a:endParaRPr lang="en-US"/>
           </a:p>
@@ -9168,7 +9168,7 @@
             <a:effectLst/>
             <a:extLst>
               <a:ext uri="{C572A759-6A51-4108-AA02-DFA0A04FC94B}">
-                <ma14:wrappingTextBoxFlag xmlns="" xmlns:ma14="http://schemas.microsoft.com/office/mac/drawingml/2011/main" val="1"/>
+                <ma14:wrappingTextBoxFlag xmlns:ma14="http://schemas.microsoft.com/office/mac/drawingml/2011/main" xmlns="" val="1"/>
               </a:ext>
             </a:extLst>
           </p:spPr>
@@ -9984,7 +9984,7 @@
             <a:effectLst/>
             <a:extLst>
               <a:ext uri="{C572A759-6A51-4108-AA02-DFA0A04FC94B}">
-                <ma14:wrappingTextBoxFlag xmlns="" xmlns:ma14="http://schemas.microsoft.com/office/mac/drawingml/2011/main" val="1"/>
+                <ma14:wrappingTextBoxFlag xmlns:ma14="http://schemas.microsoft.com/office/mac/drawingml/2011/main" xmlns="" val="1"/>
               </a:ext>
             </a:extLst>
           </p:spPr>
@@ -10100,7 +10100,7 @@
             <a:effectLst/>
             <a:extLst>
               <a:ext uri="{C572A759-6A51-4108-AA02-DFA0A04FC94B}">
-                <ma14:wrappingTextBoxFlag xmlns="" xmlns:ma14="http://schemas.microsoft.com/office/mac/drawingml/2011/main" val="1"/>
+                <ma14:wrappingTextBoxFlag xmlns:ma14="http://schemas.microsoft.com/office/mac/drawingml/2011/main" xmlns="" val="1"/>
               </a:ext>
             </a:extLst>
           </p:spPr>
@@ -10280,7 +10280,7 @@
             <a:effectLst/>
             <a:extLst>
               <a:ext uri="{C572A759-6A51-4108-AA02-DFA0A04FC94B}">
-                <ma14:wrappingTextBoxFlag xmlns:ma14="http://schemas.microsoft.com/office/mac/drawingml/2011/main" xmlns="" val="1"/>
+                <ma14:wrappingTextBoxFlag xmlns="" xmlns:ma14="http://schemas.microsoft.com/office/mac/drawingml/2011/main" val="1"/>
               </a:ext>
             </a:extLst>
           </p:spPr>
@@ -10595,7 +10595,7 @@
               <a:effectLst/>
               <a:extLst>
                 <a:ext uri="{C572A759-6A51-4108-AA02-DFA0A04FC94B}">
-                  <ma14:wrappingTextBoxFlag xmlns="" xmlns:ma14="http://schemas.microsoft.com/office/mac/drawingml/2011/main" val="1"/>
+                  <ma14:wrappingTextBoxFlag xmlns:ma14="http://schemas.microsoft.com/office/mac/drawingml/2011/main" xmlns="" val="1"/>
                 </a:ext>
               </a:extLst>
             </p:spPr>
@@ -10809,7 +10809,7 @@
               <a:effectLst/>
               <a:extLst>
                 <a:ext uri="{C572A759-6A51-4108-AA02-DFA0A04FC94B}">
-                  <ma14:wrappingTextBoxFlag xmlns="" xmlns:ma14="http://schemas.microsoft.com/office/mac/drawingml/2011/main" val="1"/>
+                  <ma14:wrappingTextBoxFlag xmlns:ma14="http://schemas.microsoft.com/office/mac/drawingml/2011/main" xmlns="" val="1"/>
                 </a:ext>
               </a:extLst>
             </p:spPr>
@@ -11091,7 +11091,7 @@
             <a:effectLst/>
             <a:extLst>
               <a:ext uri="{C572A759-6A51-4108-AA02-DFA0A04FC94B}">
-                <ma14:wrappingTextBoxFlag xmlns="" xmlns:ma14="http://schemas.microsoft.com/office/mac/drawingml/2011/main" val="1"/>
+                <ma14:wrappingTextBoxFlag xmlns:ma14="http://schemas.microsoft.com/office/mac/drawingml/2011/main" xmlns="" val="1"/>
               </a:ext>
             </a:extLst>
           </p:spPr>
@@ -11207,7 +11207,7 @@
             <a:effectLst/>
             <a:extLst>
               <a:ext uri="{C572A759-6A51-4108-AA02-DFA0A04FC94B}">
-                <ma14:wrappingTextBoxFlag xmlns="" xmlns:ma14="http://schemas.microsoft.com/office/mac/drawingml/2011/main" val="1"/>
+                <ma14:wrappingTextBoxFlag xmlns:ma14="http://schemas.microsoft.com/office/mac/drawingml/2011/main" xmlns="" val="1"/>
               </a:ext>
             </a:extLst>
           </p:spPr>
@@ -12345,7 +12345,7 @@
             <a:effectLst/>
             <a:extLst>
               <a:ext uri="{C572A759-6A51-4108-AA02-DFA0A04FC94B}">
-                <ma14:wrappingTextBoxFlag xmlns:ma14="http://schemas.microsoft.com/office/mac/drawingml/2011/main" xmlns="" val="1"/>
+                <ma14:wrappingTextBoxFlag xmlns="" xmlns:ma14="http://schemas.microsoft.com/office/mac/drawingml/2011/main" val="1"/>
               </a:ext>
             </a:extLst>
           </p:spPr>
@@ -12478,7 +12478,7 @@
             <a:effectLst/>
             <a:extLst>
               <a:ext uri="{C572A759-6A51-4108-AA02-DFA0A04FC94B}">
-                <ma14:wrappingTextBoxFlag xmlns:ma14="http://schemas.microsoft.com/office/mac/drawingml/2011/main" xmlns="" val="1"/>
+                <ma14:wrappingTextBoxFlag xmlns="" xmlns:ma14="http://schemas.microsoft.com/office/mac/drawingml/2011/main" val="1"/>
               </a:ext>
             </a:extLst>
           </p:spPr>
@@ -12790,7 +12790,7 @@
               <a:effectLst/>
               <a:extLst>
                 <a:ext uri="{C572A759-6A51-4108-AA02-DFA0A04FC94B}">
-                  <ma14:wrappingTextBoxFlag xmlns="" xmlns:ma14="http://schemas.microsoft.com/office/mac/drawingml/2011/main" val="1"/>
+                  <ma14:wrappingTextBoxFlag xmlns:ma14="http://schemas.microsoft.com/office/mac/drawingml/2011/main" xmlns="" val="1"/>
                 </a:ext>
               </a:extLst>
             </p:spPr>
@@ -13214,7 +13214,7 @@
               <a:effectLst/>
               <a:extLst>
                 <a:ext uri="{C572A759-6A51-4108-AA02-DFA0A04FC94B}">
-                  <ma14:wrappingTextBoxFlag xmlns="" xmlns:ma14="http://schemas.microsoft.com/office/mac/drawingml/2011/main" val="1"/>
+                  <ma14:wrappingTextBoxFlag xmlns:ma14="http://schemas.microsoft.com/office/mac/drawingml/2011/main" xmlns="" val="1"/>
                 </a:ext>
               </a:extLst>
             </p:spPr>
@@ -13865,7 +13865,7 @@
             <a:effectLst/>
             <a:extLst>
               <a:ext uri="{C572A759-6A51-4108-AA02-DFA0A04FC94B}">
-                <ma14:wrappingTextBoxFlag xmlns="" xmlns:ma14="http://schemas.microsoft.com/office/mac/drawingml/2011/main" val="1"/>
+                <ma14:wrappingTextBoxFlag xmlns:ma14="http://schemas.microsoft.com/office/mac/drawingml/2011/main" xmlns="" val="1"/>
               </a:ext>
             </a:extLst>
           </p:spPr>
@@ -14120,7 +14120,7 @@
             <a:effectLst/>
             <a:extLst>
               <a:ext uri="{C572A759-6A51-4108-AA02-DFA0A04FC94B}">
-                <ma14:wrappingTextBoxFlag xmlns:ma14="http://schemas.microsoft.com/office/mac/drawingml/2011/main" xmlns="" val="1"/>
+                <ma14:wrappingTextBoxFlag xmlns="" xmlns:ma14="http://schemas.microsoft.com/office/mac/drawingml/2011/main" val="1"/>
               </a:ext>
             </a:extLst>
           </p:spPr>
@@ -14368,7 +14368,7 @@
               <a:effectLst/>
               <a:extLst>
                 <a:ext uri="{C572A759-6A51-4108-AA02-DFA0A04FC94B}">
-                  <ma14:wrappingTextBoxFlag xmlns="" xmlns:ma14="http://schemas.microsoft.com/office/mac/drawingml/2011/main" val="1"/>
+                  <ma14:wrappingTextBoxFlag xmlns:ma14="http://schemas.microsoft.com/office/mac/drawingml/2011/main" xmlns="" val="1"/>
                 </a:ext>
               </a:extLst>
             </p:spPr>
@@ -14666,7 +14666,7 @@
               <a:effectLst/>
               <a:extLst>
                 <a:ext uri="{C572A759-6A51-4108-AA02-DFA0A04FC94B}">
-                  <ma14:wrappingTextBoxFlag xmlns="" xmlns:ma14="http://schemas.microsoft.com/office/mac/drawingml/2011/main" val="1"/>
+                  <ma14:wrappingTextBoxFlag xmlns:ma14="http://schemas.microsoft.com/office/mac/drawingml/2011/main" xmlns="" val="1"/>
                 </a:ext>
               </a:extLst>
             </p:spPr>
@@ -15976,7 +15976,7 @@
             <a:effectLst/>
             <a:extLst>
               <a:ext uri="{C572A759-6A51-4108-AA02-DFA0A04FC94B}">
-                <ma14:wrappingTextBoxFlag xmlns:ma14="http://schemas.microsoft.com/office/mac/drawingml/2011/main" xmlns="" val="1"/>
+                <ma14:wrappingTextBoxFlag xmlns="" xmlns:ma14="http://schemas.microsoft.com/office/mac/drawingml/2011/main" val="1"/>
               </a:ext>
             </a:extLst>
           </p:spPr>
@@ -16092,7 +16092,7 @@
             <a:effectLst/>
             <a:extLst>
               <a:ext uri="{C572A759-6A51-4108-AA02-DFA0A04FC94B}">
-                <ma14:wrappingTextBoxFlag xmlns:ma14="http://schemas.microsoft.com/office/mac/drawingml/2011/main" xmlns="" val="1"/>
+                <ma14:wrappingTextBoxFlag xmlns="" xmlns:ma14="http://schemas.microsoft.com/office/mac/drawingml/2011/main" val="1"/>
               </a:ext>
             </a:extLst>
           </p:spPr>
@@ -16513,7 +16513,7 @@
             <a:effectLst/>
             <a:extLst>
               <a:ext uri="{C572A759-6A51-4108-AA02-DFA0A04FC94B}">
-                <ma14:wrappingTextBoxFlag xmlns:ma14="http://schemas.microsoft.com/office/mac/drawingml/2011/main" xmlns="" val="1"/>
+                <ma14:wrappingTextBoxFlag xmlns="" xmlns:ma14="http://schemas.microsoft.com/office/mac/drawingml/2011/main" val="1"/>
               </a:ext>
             </a:extLst>
           </p:spPr>
@@ -16672,7 +16672,7 @@
             <a:effectLst/>
             <a:extLst>
               <a:ext uri="{C572A759-6A51-4108-AA02-DFA0A04FC94B}">
-                <ma14:wrappingTextBoxFlag xmlns="" xmlns:ma14="http://schemas.microsoft.com/office/mac/drawingml/2011/main" val="1"/>
+                <ma14:wrappingTextBoxFlag xmlns:ma14="http://schemas.microsoft.com/office/mac/drawingml/2011/main" xmlns="" val="1"/>
               </a:ext>
             </a:extLst>
           </p:spPr>
@@ -17191,7 +17191,7 @@
               <a:effectLst/>
               <a:extLst>
                 <a:ext uri="{C572A759-6A51-4108-AA02-DFA0A04FC94B}">
-                  <ma14:wrappingTextBoxFlag xmlns="" xmlns:ma14="http://schemas.microsoft.com/office/mac/drawingml/2011/main" val="1"/>
+                  <ma14:wrappingTextBoxFlag xmlns:ma14="http://schemas.microsoft.com/office/mac/drawingml/2011/main" xmlns="" val="1"/>
                 </a:ext>
               </a:extLst>
             </p:spPr>
@@ -17341,7 +17341,7 @@
             <a:effectLst/>
             <a:extLst>
               <a:ext uri="{C572A759-6A51-4108-AA02-DFA0A04FC94B}">
-                <ma14:wrappingTextBoxFlag xmlns:ma14="http://schemas.microsoft.com/office/mac/drawingml/2011/main" xmlns="" val="1"/>
+                <ma14:wrappingTextBoxFlag xmlns="" xmlns:ma14="http://schemas.microsoft.com/office/mac/drawingml/2011/main" val="1"/>
               </a:ext>
             </a:extLst>
           </p:spPr>
@@ -17501,7 +17501,7 @@
             <a:effectLst/>
             <a:extLst>
               <a:ext uri="{C572A759-6A51-4108-AA02-DFA0A04FC94B}">
-                <ma14:wrappingTextBoxFlag xmlns="" xmlns:ma14="http://schemas.microsoft.com/office/mac/drawingml/2011/main" val="1"/>
+                <ma14:wrappingTextBoxFlag xmlns:ma14="http://schemas.microsoft.com/office/mac/drawingml/2011/main" xmlns="" val="1"/>
               </a:ext>
             </a:extLst>
           </p:spPr>
@@ -17802,7 +17802,7 @@
               <a:effectLst/>
               <a:extLst>
                 <a:ext uri="{C572A759-6A51-4108-AA02-DFA0A04FC94B}">
-                  <ma14:wrappingTextBoxFlag xmlns="" xmlns:ma14="http://schemas.microsoft.com/office/mac/drawingml/2011/main" val="1"/>
+                  <ma14:wrappingTextBoxFlag xmlns:ma14="http://schemas.microsoft.com/office/mac/drawingml/2011/main" xmlns="" val="1"/>
                 </a:ext>
               </a:extLst>
             </p:spPr>
@@ -26602,7 +26602,7 @@
             <a:effectLst/>
             <a:extLst>
               <a:ext uri="{C572A759-6A51-4108-AA02-DFA0A04FC94B}">
-                <ma14:wrappingTextBoxFlag xmlns="" xmlns:ma14="http://schemas.microsoft.com/office/mac/drawingml/2011/main" val="1"/>
+                <ma14:wrappingTextBoxFlag xmlns:ma14="http://schemas.microsoft.com/office/mac/drawingml/2011/main" xmlns="" val="1"/>
               </a:ext>
             </a:extLst>
           </p:spPr>
@@ -26718,7 +26718,7 @@
             <a:effectLst/>
             <a:extLst>
               <a:ext uri="{C572A759-6A51-4108-AA02-DFA0A04FC94B}">
-                <ma14:wrappingTextBoxFlag xmlns="" xmlns:ma14="http://schemas.microsoft.com/office/mac/drawingml/2011/main" val="1"/>
+                <ma14:wrappingTextBoxFlag xmlns:ma14="http://schemas.microsoft.com/office/mac/drawingml/2011/main" xmlns="" val="1"/>
               </a:ext>
             </a:extLst>
           </p:spPr>
@@ -27188,7 +27188,7 @@
             <a:effectLst/>
             <a:extLst>
               <a:ext uri="{C572A759-6A51-4108-AA02-DFA0A04FC94B}">
-                <ma14:wrappingTextBoxFlag xmlns="" xmlns:ma14="http://schemas.microsoft.com/office/mac/drawingml/2011/main" val="1"/>
+                <ma14:wrappingTextBoxFlag xmlns:ma14="http://schemas.microsoft.com/office/mac/drawingml/2011/main" xmlns="" val="1"/>
               </a:ext>
             </a:extLst>
           </p:spPr>
@@ -27498,7 +27498,7 @@
             <a:effectLst/>
             <a:extLst>
               <a:ext uri="{C572A759-6A51-4108-AA02-DFA0A04FC94B}">
-                <ma14:wrappingTextBoxFlag xmlns="" xmlns:ma14="http://schemas.microsoft.com/office/mac/drawingml/2011/main" val="1"/>
+                <ma14:wrappingTextBoxFlag xmlns:ma14="http://schemas.microsoft.com/office/mac/drawingml/2011/main" xmlns="" val="1"/>
               </a:ext>
             </a:extLst>
           </p:spPr>
@@ -27732,7 +27732,7 @@
             <a:effectLst/>
             <a:extLst>
               <a:ext uri="{C572A759-6A51-4108-AA02-DFA0A04FC94B}">
-                <ma14:wrappingTextBoxFlag xmlns="" xmlns:ma14="http://schemas.microsoft.com/office/mac/drawingml/2011/main" val="1"/>
+                <ma14:wrappingTextBoxFlag xmlns:ma14="http://schemas.microsoft.com/office/mac/drawingml/2011/main" xmlns="" val="1"/>
               </a:ext>
             </a:extLst>
           </p:spPr>
@@ -27865,7 +27865,7 @@
             <a:effectLst/>
             <a:extLst>
               <a:ext uri="{C572A759-6A51-4108-AA02-DFA0A04FC94B}">
-                <ma14:wrappingTextBoxFlag xmlns="" xmlns:ma14="http://schemas.microsoft.com/office/mac/drawingml/2011/main" val="1"/>
+                <ma14:wrappingTextBoxFlag xmlns:ma14="http://schemas.microsoft.com/office/mac/drawingml/2011/main" xmlns="" val="1"/>
               </a:ext>
             </a:extLst>
           </p:spPr>
@@ -28938,7 +28938,7 @@
             <a:effectLst/>
             <a:extLst>
               <a:ext uri="{C572A759-6A51-4108-AA02-DFA0A04FC94B}">
-                <ma14:wrappingTextBoxFlag xmlns="" xmlns:ma14="http://schemas.microsoft.com/office/mac/drawingml/2011/main" val="1"/>
+                <ma14:wrappingTextBoxFlag xmlns:ma14="http://schemas.microsoft.com/office/mac/drawingml/2011/main" xmlns="" val="1"/>
               </a:ext>
             </a:extLst>
           </p:spPr>
@@ -29287,7 +29287,7 @@
             <a:effectLst/>
             <a:extLst>
               <a:ext uri="{C572A759-6A51-4108-AA02-DFA0A04FC94B}">
-                <ma14:wrappingTextBoxFlag xmlns="" xmlns:ma14="http://schemas.microsoft.com/office/mac/drawingml/2011/main" val="1"/>
+                <ma14:wrappingTextBoxFlag xmlns:ma14="http://schemas.microsoft.com/office/mac/drawingml/2011/main" xmlns="" val="1"/>
               </a:ext>
             </a:extLst>
           </p:spPr>
@@ -29707,7 +29707,7 @@
             <a:effectLst/>
             <a:extLst>
               <a:ext uri="{C572A759-6A51-4108-AA02-DFA0A04FC94B}">
-                <ma14:wrappingTextBoxFlag xmlns="" xmlns:ma14="http://schemas.microsoft.com/office/mac/drawingml/2011/main" val="1"/>
+                <ma14:wrappingTextBoxFlag xmlns:ma14="http://schemas.microsoft.com/office/mac/drawingml/2011/main" xmlns="" val="1"/>
               </a:ext>
             </a:extLst>
           </p:spPr>
@@ -31205,7 +31205,7 @@
             <a:effectLst/>
             <a:extLst>
               <a:ext uri="{C572A759-6A51-4108-AA02-DFA0A04FC94B}">
-                <ma14:wrappingTextBoxFlag xmlns="" xmlns:ma14="http://schemas.microsoft.com/office/mac/drawingml/2011/main" val="1"/>
+                <ma14:wrappingTextBoxFlag xmlns:ma14="http://schemas.microsoft.com/office/mac/drawingml/2011/main" xmlns="" val="1"/>
               </a:ext>
             </a:extLst>
           </p:spPr>
@@ -31970,7 +31970,7 @@
             <a:effectLst/>
             <a:extLst>
               <a:ext uri="{C572A759-6A51-4108-AA02-DFA0A04FC94B}">
-                <ma14:wrappingTextBoxFlag xmlns:ma14="http://schemas.microsoft.com/office/mac/drawingml/2011/main" xmlns="" val="1"/>
+                <ma14:wrappingTextBoxFlag xmlns="" xmlns:ma14="http://schemas.microsoft.com/office/mac/drawingml/2011/main" val="1"/>
               </a:ext>
             </a:extLst>
           </p:spPr>
@@ -32086,7 +32086,7 @@
             <a:effectLst/>
             <a:extLst>
               <a:ext uri="{C572A759-6A51-4108-AA02-DFA0A04FC94B}">
-                <ma14:wrappingTextBoxFlag xmlns:ma14="http://schemas.microsoft.com/office/mac/drawingml/2011/main" xmlns="" val="1"/>
+                <ma14:wrappingTextBoxFlag xmlns="" xmlns:ma14="http://schemas.microsoft.com/office/mac/drawingml/2011/main" val="1"/>
               </a:ext>
             </a:extLst>
           </p:spPr>
@@ -32202,7 +32202,7 @@
             <a:effectLst/>
             <a:extLst>
               <a:ext uri="{C572A759-6A51-4108-AA02-DFA0A04FC94B}">
-                <ma14:wrappingTextBoxFlag xmlns:ma14="http://schemas.microsoft.com/office/mac/drawingml/2011/main" xmlns="" val="1"/>
+                <ma14:wrappingTextBoxFlag xmlns="" xmlns:ma14="http://schemas.microsoft.com/office/mac/drawingml/2011/main" val="1"/>
               </a:ext>
             </a:extLst>
           </p:spPr>
@@ -32318,7 +32318,7 @@
             <a:effectLst/>
             <a:extLst>
               <a:ext uri="{C572A759-6A51-4108-AA02-DFA0A04FC94B}">
-                <ma14:wrappingTextBoxFlag xmlns:ma14="http://schemas.microsoft.com/office/mac/drawingml/2011/main" xmlns="" val="1"/>
+                <ma14:wrappingTextBoxFlag xmlns="" xmlns:ma14="http://schemas.microsoft.com/office/mac/drawingml/2011/main" val="1"/>
               </a:ext>
             </a:extLst>
           </p:spPr>
@@ -32434,7 +32434,7 @@
             <a:effectLst/>
             <a:extLst>
               <a:ext uri="{C572A759-6A51-4108-AA02-DFA0A04FC94B}">
-                <ma14:wrappingTextBoxFlag xmlns:ma14="http://schemas.microsoft.com/office/mac/drawingml/2011/main" xmlns="" val="1"/>
+                <ma14:wrappingTextBoxFlag xmlns="" xmlns:ma14="http://schemas.microsoft.com/office/mac/drawingml/2011/main" val="1"/>
               </a:ext>
             </a:extLst>
           </p:spPr>
@@ -32550,7 +32550,7 @@
             <a:effectLst/>
             <a:extLst>
               <a:ext uri="{C572A759-6A51-4108-AA02-DFA0A04FC94B}">
-                <ma14:wrappingTextBoxFlag xmlns:ma14="http://schemas.microsoft.com/office/mac/drawingml/2011/main" xmlns="" val="1"/>
+                <ma14:wrappingTextBoxFlag xmlns="" xmlns:ma14="http://schemas.microsoft.com/office/mac/drawingml/2011/main" val="1"/>
               </a:ext>
             </a:extLst>
           </p:spPr>
@@ -34230,7 +34230,7 @@
             <a:effectLst/>
             <a:extLst>
               <a:ext uri="{C572A759-6A51-4108-AA02-DFA0A04FC94B}">
-                <ma14:wrappingTextBoxFlag xmlns="" xmlns:ma14="http://schemas.microsoft.com/office/mac/drawingml/2011/main" val="1"/>
+                <ma14:wrappingTextBoxFlag xmlns:ma14="http://schemas.microsoft.com/office/mac/drawingml/2011/main" xmlns="" val="1"/>
               </a:ext>
             </a:extLst>
           </p:spPr>
@@ -34883,7 +34883,7 @@
             <a:effectLst/>
             <a:extLst>
               <a:ext uri="{C572A759-6A51-4108-AA02-DFA0A04FC94B}">
-                <ma14:wrappingTextBoxFlag xmlns:ma14="http://schemas.microsoft.com/office/mac/drawingml/2011/main" xmlns="" val="1"/>
+                <ma14:wrappingTextBoxFlag xmlns="" xmlns:ma14="http://schemas.microsoft.com/office/mac/drawingml/2011/main" val="1"/>
               </a:ext>
             </a:extLst>
           </p:spPr>
@@ -35372,7 +35372,7 @@
             <a:effectLst/>
             <a:extLst>
               <a:ext uri="{C572A759-6A51-4108-AA02-DFA0A04FC94B}">
-                <ma14:wrappingTextBoxFlag xmlns="" xmlns:ma14="http://schemas.microsoft.com/office/mac/drawingml/2011/main" val="1"/>
+                <ma14:wrappingTextBoxFlag xmlns:ma14="http://schemas.microsoft.com/office/mac/drawingml/2011/main" xmlns="" val="1"/>
               </a:ext>
             </a:extLst>
           </p:spPr>
@@ -35488,7 +35488,7 @@
             <a:effectLst/>
             <a:extLst>
               <a:ext uri="{C572A759-6A51-4108-AA02-DFA0A04FC94B}">
-                <ma14:wrappingTextBoxFlag xmlns="" xmlns:ma14="http://schemas.microsoft.com/office/mac/drawingml/2011/main" val="1"/>
+                <ma14:wrappingTextBoxFlag xmlns:ma14="http://schemas.microsoft.com/office/mac/drawingml/2011/main" xmlns="" val="1"/>
               </a:ext>
             </a:extLst>
           </p:spPr>
@@ -35818,7 +35818,7 @@
             <a:effectLst/>
             <a:extLst>
               <a:ext uri="{C572A759-6A51-4108-AA02-DFA0A04FC94B}">
-                <ma14:wrappingTextBoxFlag xmlns="" xmlns:ma14="http://schemas.microsoft.com/office/mac/drawingml/2011/main" val="1"/>
+                <ma14:wrappingTextBoxFlag xmlns:ma14="http://schemas.microsoft.com/office/mac/drawingml/2011/main" xmlns="" val="1"/>
               </a:ext>
             </a:extLst>
           </p:spPr>
@@ -36246,7 +36246,7 @@
             <a:effectLst/>
             <a:extLst>
               <a:ext uri="{C572A759-6A51-4108-AA02-DFA0A04FC94B}">
-                <ma14:wrappingTextBoxFlag xmlns="" xmlns:ma14="http://schemas.microsoft.com/office/mac/drawingml/2011/main" val="1"/>
+                <ma14:wrappingTextBoxFlag xmlns:ma14="http://schemas.microsoft.com/office/mac/drawingml/2011/main" xmlns="" val="1"/>
               </a:ext>
             </a:extLst>
           </p:spPr>
@@ -37229,7 +37229,7 @@
             <a:effectLst/>
             <a:extLst>
               <a:ext uri="{C572A759-6A51-4108-AA02-DFA0A04FC94B}">
-                <ma14:wrappingTextBoxFlag xmlns="" xmlns:ma14="http://schemas.microsoft.com/office/mac/drawingml/2011/main" val="1"/>
+                <ma14:wrappingTextBoxFlag xmlns:ma14="http://schemas.microsoft.com/office/mac/drawingml/2011/main" xmlns="" val="1"/>
               </a:ext>
             </a:extLst>
           </p:spPr>
@@ -37484,7 +37484,7 @@
             <a:effectLst/>
             <a:extLst>
               <a:ext uri="{C572A759-6A51-4108-AA02-DFA0A04FC94B}">
-                <ma14:wrappingTextBoxFlag xmlns="" xmlns:ma14="http://schemas.microsoft.com/office/mac/drawingml/2011/main" val="1"/>
+                <ma14:wrappingTextBoxFlag xmlns:ma14="http://schemas.microsoft.com/office/mac/drawingml/2011/main" xmlns="" val="1"/>
               </a:ext>
             </a:extLst>
           </p:spPr>
@@ -37814,7 +37814,7 @@
             <a:effectLst/>
             <a:extLst>
               <a:ext uri="{C572A759-6A51-4108-AA02-DFA0A04FC94B}">
-                <ma14:wrappingTextBoxFlag xmlns="" xmlns:ma14="http://schemas.microsoft.com/office/mac/drawingml/2011/main" val="1"/>
+                <ma14:wrappingTextBoxFlag xmlns:ma14="http://schemas.microsoft.com/office/mac/drawingml/2011/main" xmlns="" val="1"/>
               </a:ext>
             </a:extLst>
           </p:spPr>
@@ -38041,7 +38041,7 @@
             <a:effectLst/>
             <a:extLst>
               <a:ext uri="{C572A759-6A51-4108-AA02-DFA0A04FC94B}">
-                <ma14:wrappingTextBoxFlag xmlns="" xmlns:ma14="http://schemas.microsoft.com/office/mac/drawingml/2011/main" val="1"/>
+                <ma14:wrappingTextBoxFlag xmlns:ma14="http://schemas.microsoft.com/office/mac/drawingml/2011/main" xmlns="" val="1"/>
               </a:ext>
             </a:extLst>
           </p:spPr>
@@ -38382,7 +38382,7 @@
             <a:effectLst/>
             <a:extLst>
               <a:ext uri="{C572A759-6A51-4108-AA02-DFA0A04FC94B}">
-                <ma14:wrappingTextBoxFlag xmlns="" xmlns:ma14="http://schemas.microsoft.com/office/mac/drawingml/2011/main" val="1"/>
+                <ma14:wrappingTextBoxFlag xmlns:ma14="http://schemas.microsoft.com/office/mac/drawingml/2011/main" xmlns="" val="1"/>
               </a:ext>
             </a:extLst>
           </p:spPr>
@@ -39020,7 +39020,7 @@
             <a:effectLst/>
             <a:extLst>
               <a:ext uri="{C572A759-6A51-4108-AA02-DFA0A04FC94B}">
-                <ma14:wrappingTextBoxFlag xmlns="" xmlns:ma14="http://schemas.microsoft.com/office/mac/drawingml/2011/main" val="1"/>
+                <ma14:wrappingTextBoxFlag xmlns:ma14="http://schemas.microsoft.com/office/mac/drawingml/2011/main" xmlns="" val="1"/>
               </a:ext>
             </a:extLst>
           </p:spPr>
@@ -39136,7 +39136,7 @@
             <a:effectLst/>
             <a:extLst>
               <a:ext uri="{C572A759-6A51-4108-AA02-DFA0A04FC94B}">
-                <ma14:wrappingTextBoxFlag xmlns="" xmlns:ma14="http://schemas.microsoft.com/office/mac/drawingml/2011/main" val="1"/>
+                <ma14:wrappingTextBoxFlag xmlns:ma14="http://schemas.microsoft.com/office/mac/drawingml/2011/main" xmlns="" val="1"/>
               </a:ext>
             </a:extLst>
           </p:spPr>
@@ -40328,7 +40328,7 @@
             <a:effectLst/>
             <a:extLst>
               <a:ext uri="{C572A759-6A51-4108-AA02-DFA0A04FC94B}">
-                <ma14:wrappingTextBoxFlag xmlns="" xmlns:ma14="http://schemas.microsoft.com/office/mac/drawingml/2011/main" val="1"/>
+                <ma14:wrappingTextBoxFlag xmlns:ma14="http://schemas.microsoft.com/office/mac/drawingml/2011/main" xmlns="" val="1"/>
               </a:ext>
             </a:extLst>
           </p:spPr>
@@ -40444,7 +40444,7 @@
             <a:effectLst/>
             <a:extLst>
               <a:ext uri="{C572A759-6A51-4108-AA02-DFA0A04FC94B}">
-                <ma14:wrappingTextBoxFlag xmlns="" xmlns:ma14="http://schemas.microsoft.com/office/mac/drawingml/2011/main" val="1"/>
+                <ma14:wrappingTextBoxFlag xmlns:ma14="http://schemas.microsoft.com/office/mac/drawingml/2011/main" xmlns="" val="1"/>
               </a:ext>
             </a:extLst>
           </p:spPr>
@@ -40560,7 +40560,7 @@
             <a:effectLst/>
             <a:extLst>
               <a:ext uri="{C572A759-6A51-4108-AA02-DFA0A04FC94B}">
-                <ma14:wrappingTextBoxFlag xmlns="" xmlns:ma14="http://schemas.microsoft.com/office/mac/drawingml/2011/main" val="1"/>
+                <ma14:wrappingTextBoxFlag xmlns:ma14="http://schemas.microsoft.com/office/mac/drawingml/2011/main" xmlns="" val="1"/>
               </a:ext>
             </a:extLst>
           </p:spPr>
@@ -40971,7 +40971,7 @@
             <a:effectLst/>
             <a:extLst>
               <a:ext uri="{C572A759-6A51-4108-AA02-DFA0A04FC94B}">
-                <ma14:wrappingTextBoxFlag xmlns="" xmlns:ma14="http://schemas.microsoft.com/office/mac/drawingml/2011/main" val="1"/>
+                <ma14:wrappingTextBoxFlag xmlns:ma14="http://schemas.microsoft.com/office/mac/drawingml/2011/main" xmlns="" val="1"/>
               </a:ext>
             </a:extLst>
           </p:spPr>
@@ -41087,7 +41087,7 @@
             <a:effectLst/>
             <a:extLst>
               <a:ext uri="{C572A759-6A51-4108-AA02-DFA0A04FC94B}">
-                <ma14:wrappingTextBoxFlag xmlns="" xmlns:ma14="http://schemas.microsoft.com/office/mac/drawingml/2011/main" val="1"/>
+                <ma14:wrappingTextBoxFlag xmlns:ma14="http://schemas.microsoft.com/office/mac/drawingml/2011/main" xmlns="" val="1"/>
               </a:ext>
             </a:extLst>
           </p:spPr>
@@ -41203,7 +41203,7 @@
             <a:effectLst/>
             <a:extLst>
               <a:ext uri="{C572A759-6A51-4108-AA02-DFA0A04FC94B}">
-                <ma14:wrappingTextBoxFlag xmlns="" xmlns:ma14="http://schemas.microsoft.com/office/mac/drawingml/2011/main" val="1"/>
+                <ma14:wrappingTextBoxFlag xmlns:ma14="http://schemas.microsoft.com/office/mac/drawingml/2011/main" xmlns="" val="1"/>
               </a:ext>
             </a:extLst>
           </p:spPr>
@@ -41579,7 +41579,7 @@
             <a:effectLst/>
             <a:extLst>
               <a:ext uri="{C572A759-6A51-4108-AA02-DFA0A04FC94B}">
-                <ma14:wrappingTextBoxFlag xmlns="" xmlns:ma14="http://schemas.microsoft.com/office/mac/drawingml/2011/main" val="1"/>
+                <ma14:wrappingTextBoxFlag xmlns:ma14="http://schemas.microsoft.com/office/mac/drawingml/2011/main" xmlns="" val="1"/>
               </a:ext>
             </a:extLst>
           </p:spPr>
@@ -41712,7 +41712,7 @@
             <a:effectLst/>
             <a:extLst>
               <a:ext uri="{C572A759-6A51-4108-AA02-DFA0A04FC94B}">
-                <ma14:wrappingTextBoxFlag xmlns="" xmlns:ma14="http://schemas.microsoft.com/office/mac/drawingml/2011/main" val="1"/>
+                <ma14:wrappingTextBoxFlag xmlns:ma14="http://schemas.microsoft.com/office/mac/drawingml/2011/main" xmlns="" val="1"/>
               </a:ext>
             </a:extLst>
           </p:spPr>
@@ -41828,7 +41828,7 @@
             <a:effectLst/>
             <a:extLst>
               <a:ext uri="{C572A759-6A51-4108-AA02-DFA0A04FC94B}">
-                <ma14:wrappingTextBoxFlag xmlns="" xmlns:ma14="http://schemas.microsoft.com/office/mac/drawingml/2011/main" val="1"/>
+                <ma14:wrappingTextBoxFlag xmlns:ma14="http://schemas.microsoft.com/office/mac/drawingml/2011/main" xmlns="" val="1"/>
               </a:ext>
             </a:extLst>
           </p:spPr>
@@ -42041,7 +42041,7 @@
             <a:effectLst/>
             <a:extLst>
               <a:ext uri="{C572A759-6A51-4108-AA02-DFA0A04FC94B}">
-                <ma14:wrappingTextBoxFlag xmlns:ma14="http://schemas.microsoft.com/office/mac/drawingml/2011/main" xmlns="" val="1"/>
+                <ma14:wrappingTextBoxFlag xmlns="" xmlns:ma14="http://schemas.microsoft.com/office/mac/drawingml/2011/main" val="1"/>
               </a:ext>
             </a:extLst>
           </p:spPr>
@@ -42272,7 +42272,7 @@
               <a:effectLst/>
               <a:extLst>
                 <a:ext uri="{C572A759-6A51-4108-AA02-DFA0A04FC94B}">
-                  <ma14:wrappingTextBoxFlag xmlns:ma14="http://schemas.microsoft.com/office/mac/drawingml/2011/main" xmlns="" val="1"/>
+                  <ma14:wrappingTextBoxFlag xmlns="" xmlns:ma14="http://schemas.microsoft.com/office/mac/drawingml/2011/main" val="1"/>
                 </a:ext>
               </a:extLst>
             </p:spPr>
@@ -42738,7 +42738,7 @@
               <a:effectLst/>
               <a:extLst>
                 <a:ext uri="{C572A759-6A51-4108-AA02-DFA0A04FC94B}">
-                  <ma14:wrappingTextBoxFlag xmlns:ma14="http://schemas.microsoft.com/office/mac/drawingml/2011/main" xmlns="" val="1"/>
+                  <ma14:wrappingTextBoxFlag xmlns="" xmlns:ma14="http://schemas.microsoft.com/office/mac/drawingml/2011/main" val="1"/>
                 </a:ext>
               </a:extLst>
             </p:spPr>
@@ -43474,7 +43474,7 @@
               <a:effectLst/>
               <a:extLst>
                 <a:ext uri="{C572A759-6A51-4108-AA02-DFA0A04FC94B}">
-                  <ma14:wrappingTextBoxFlag xmlns:ma14="http://schemas.microsoft.com/office/mac/drawingml/2011/main" xmlns="" val="1"/>
+                  <ma14:wrappingTextBoxFlag xmlns="" xmlns:ma14="http://schemas.microsoft.com/office/mac/drawingml/2011/main" val="1"/>
                 </a:ext>
               </a:extLst>
             </p:spPr>
@@ -43966,7 +43966,7 @@
             <a:effectLst/>
             <a:extLst>
               <a:ext uri="{C572A759-6A51-4108-AA02-DFA0A04FC94B}">
-                <ma14:wrappingTextBoxFlag xmlns:ma14="http://schemas.microsoft.com/office/mac/drawingml/2011/main" xmlns="" val="1"/>
+                <ma14:wrappingTextBoxFlag xmlns="" xmlns:ma14="http://schemas.microsoft.com/office/mac/drawingml/2011/main" val="1"/>
               </a:ext>
             </a:extLst>
           </p:spPr>
@@ -44099,7 +44099,7 @@
             <a:effectLst/>
             <a:extLst>
               <a:ext uri="{C572A759-6A51-4108-AA02-DFA0A04FC94B}">
-                <ma14:wrappingTextBoxFlag xmlns:ma14="http://schemas.microsoft.com/office/mac/drawingml/2011/main" xmlns="" val="1"/>
+                <ma14:wrappingTextBoxFlag xmlns="" xmlns:ma14="http://schemas.microsoft.com/office/mac/drawingml/2011/main" val="1"/>
               </a:ext>
             </a:extLst>
           </p:spPr>
@@ -44232,7 +44232,7 @@
             <a:effectLst/>
             <a:extLst>
               <a:ext uri="{C572A759-6A51-4108-AA02-DFA0A04FC94B}">
-                <ma14:wrappingTextBoxFlag xmlns="" xmlns:ma14="http://schemas.microsoft.com/office/mac/drawingml/2011/main" val="1"/>
+                <ma14:wrappingTextBoxFlag xmlns:ma14="http://schemas.microsoft.com/office/mac/drawingml/2011/main" xmlns="" val="1"/>
               </a:ext>
             </a:extLst>
           </p:spPr>
@@ -44463,7 +44463,7 @@
               <a:effectLst/>
               <a:extLst>
                 <a:ext uri="{C572A759-6A51-4108-AA02-DFA0A04FC94B}">
-                  <ma14:wrappingTextBoxFlag xmlns="" xmlns:ma14="http://schemas.microsoft.com/office/mac/drawingml/2011/main" val="1"/>
+                  <ma14:wrappingTextBoxFlag xmlns:ma14="http://schemas.microsoft.com/office/mac/drawingml/2011/main" xmlns="" val="1"/>
                 </a:ext>
               </a:extLst>
             </p:spPr>
@@ -44841,7 +44841,7 @@
               <a:effectLst/>
               <a:extLst>
                 <a:ext uri="{C572A759-6A51-4108-AA02-DFA0A04FC94B}">
-                  <ma14:wrappingTextBoxFlag xmlns="" xmlns:ma14="http://schemas.microsoft.com/office/mac/drawingml/2011/main" val="1"/>
+                  <ma14:wrappingTextBoxFlag xmlns:ma14="http://schemas.microsoft.com/office/mac/drawingml/2011/main" xmlns="" val="1"/>
                 </a:ext>
               </a:extLst>
             </p:spPr>
@@ -45577,7 +45577,7 @@
               <a:effectLst/>
               <a:extLst>
                 <a:ext uri="{C572A759-6A51-4108-AA02-DFA0A04FC94B}">
-                  <ma14:wrappingTextBoxFlag xmlns="" xmlns:ma14="http://schemas.microsoft.com/office/mac/drawingml/2011/main" val="1"/>
+                  <ma14:wrappingTextBoxFlag xmlns:ma14="http://schemas.microsoft.com/office/mac/drawingml/2011/main" xmlns="" val="1"/>
                 </a:ext>
               </a:extLst>
             </p:spPr>
@@ -45817,7 +45817,7 @@
             <a:effectLst/>
             <a:extLst>
               <a:ext uri="{C572A759-6A51-4108-AA02-DFA0A04FC94B}">
-                <ma14:wrappingTextBoxFlag xmlns="" xmlns:ma14="http://schemas.microsoft.com/office/mac/drawingml/2011/main" val="1"/>
+                <ma14:wrappingTextBoxFlag xmlns:ma14="http://schemas.microsoft.com/office/mac/drawingml/2011/main" xmlns="" val="1"/>
               </a:ext>
             </a:extLst>
           </p:spPr>
@@ -46070,7 +46070,7 @@
             <a:effectLst/>
             <a:extLst>
               <a:ext uri="{C572A759-6A51-4108-AA02-DFA0A04FC94B}">
-                <ma14:wrappingTextBoxFlag xmlns="" xmlns:ma14="http://schemas.microsoft.com/office/mac/drawingml/2011/main" val="1"/>
+                <ma14:wrappingTextBoxFlag xmlns:ma14="http://schemas.microsoft.com/office/mac/drawingml/2011/main" xmlns="" val="1"/>
               </a:ext>
             </a:extLst>
           </p:spPr>
@@ -46402,7 +46402,7 @@
               <a:effectLst/>
               <a:extLst>
                 <a:ext uri="{C572A759-6A51-4108-AA02-DFA0A04FC94B}">
-                  <ma14:wrappingTextBoxFlag xmlns="" xmlns:ma14="http://schemas.microsoft.com/office/mac/drawingml/2011/main" val="1"/>
+                  <ma14:wrappingTextBoxFlag xmlns:ma14="http://schemas.microsoft.com/office/mac/drawingml/2011/main" xmlns="" val="1"/>
                 </a:ext>
               </a:extLst>
             </p:spPr>
@@ -46595,7 +46595,7 @@
             <a:effectLst/>
             <a:extLst>
               <a:ext uri="{C572A759-6A51-4108-AA02-DFA0A04FC94B}">
-                <ma14:wrappingTextBoxFlag xmlns="" xmlns:ma14="http://schemas.microsoft.com/office/mac/drawingml/2011/main" val="1"/>
+                <ma14:wrappingTextBoxFlag xmlns:ma14="http://schemas.microsoft.com/office/mac/drawingml/2011/main" xmlns="" val="1"/>
               </a:ext>
             </a:extLst>
           </p:spPr>

--- a/docs/Diagrams.pptx
+++ b/docs/Diagrams.pptx
@@ -6,7 +6,7 @@
     <p:sldMasterId id="2147484308" r:id="rId2"/>
   </p:sldMasterIdLst>
   <p:notesMasterIdLst>
-    <p:notesMasterId r:id="rId22"/>
+    <p:notesMasterId r:id="rId23"/>
   </p:notesMasterIdLst>
   <p:sldIdLst>
     <p:sldId id="2670" r:id="rId3"/>
@@ -28,6 +28,7 @@
     <p:sldId id="2686" r:id="rId19"/>
     <p:sldId id="2687" r:id="rId20"/>
     <p:sldId id="2688" r:id="rId21"/>
+    <p:sldId id="2689" r:id="rId22"/>
   </p:sldIdLst>
   <p:sldSz cx="12192000" cy="6858000"/>
   <p:notesSz cx="7086600" cy="9372600"/>
@@ -290,7 +291,7 @@
               <a:pPr>
                 <a:defRPr/>
               </a:pPr>
-              <a:t>10/8/21</a:t>
+              <a:t>10/21/21</a:t>
             </a:fld>
             <a:endParaRPr lang="en-US"/>
           </a:p>
@@ -1143,6 +1144,105 @@
     <p:extLst>
       <p:ext uri="{BB962C8B-B14F-4D97-AF65-F5344CB8AC3E}">
         <p14:creationId xmlns:p14="http://schemas.microsoft.com/office/powerpoint/2010/main" val="454223240"/>
+      </p:ext>
+    </p:extLst>
+  </p:cSld>
+  <p:clrMapOvr>
+    <a:masterClrMapping/>
+  </p:clrMapOvr>
+</p:notes>
+</file>
+
+<file path=ppt/notesSlides/notesSlide7.xml><?xml version="1.0" encoding="utf-8"?>
+<p:notes xmlns:a="http://schemas.openxmlformats.org/drawingml/2006/main" xmlns:r="http://schemas.openxmlformats.org/officeDocument/2006/relationships" xmlns:p="http://schemas.openxmlformats.org/presentationml/2006/main">
+  <p:cSld>
+    <p:spTree>
+      <p:nvGrpSpPr>
+        <p:cNvPr id="1" name=""/>
+        <p:cNvGrpSpPr/>
+        <p:nvPr/>
+      </p:nvGrpSpPr>
+      <p:grpSpPr>
+        <a:xfrm>
+          <a:off x="0" y="0"/>
+          <a:ext cx="0" cy="0"/>
+          <a:chOff x="0" y="0"/>
+          <a:chExt cx="0" cy="0"/>
+        </a:xfrm>
+      </p:grpSpPr>
+      <p:sp>
+        <p:nvSpPr>
+          <p:cNvPr id="2" name="Slide Image Placeholder 1"/>
+          <p:cNvSpPr>
+            <a:spLocks noGrp="1" noRot="1" noChangeAspect="1"/>
+          </p:cNvSpPr>
+          <p:nvPr>
+            <p:ph type="sldImg"/>
+          </p:nvPr>
+        </p:nvSpPr>
+        <p:spPr/>
+      </p:sp>
+      <p:sp>
+        <p:nvSpPr>
+          <p:cNvPr id="3" name="Notes Placeholder 2"/>
+          <p:cNvSpPr>
+            <a:spLocks noGrp="1"/>
+          </p:cNvSpPr>
+          <p:nvPr>
+            <p:ph type="body" idx="1"/>
+          </p:nvPr>
+        </p:nvSpPr>
+        <p:spPr/>
+        <p:txBody>
+          <a:bodyPr/>
+          <a:lstStyle/>
+          <a:p>
+            <a:r>
+              <a:rPr lang="en-US" dirty="0"/>
+              <a:t>Elasticsearch and kafka are deployed with IAF automation base</a:t>
+            </a:r>
+          </a:p>
+          <a:p>
+            <a:r>
+              <a:rPr lang="en-US" dirty="0"/>
+              <a:t>Flink cluster with IAF Event Processor and BAI operator</a:t>
+            </a:r>
+          </a:p>
+        </p:txBody>
+      </p:sp>
+      <p:sp>
+        <p:nvSpPr>
+          <p:cNvPr id="4" name="Slide Number Placeholder 3"/>
+          <p:cNvSpPr>
+            <a:spLocks noGrp="1"/>
+          </p:cNvSpPr>
+          <p:nvPr>
+            <p:ph type="sldNum" sz="quarter" idx="5"/>
+          </p:nvPr>
+        </p:nvSpPr>
+        <p:spPr/>
+        <p:txBody>
+          <a:bodyPr/>
+          <a:lstStyle/>
+          <a:p>
+            <a:pPr>
+              <a:defRPr/>
+            </a:pPr>
+            <a:fld id="{06AAAE1B-F6B9-4FCD-B9AB-4A0AD0AFAC97}" type="slidenum">
+              <a:rPr lang="en-US" altLang="en-US" smtClean="0"/>
+              <a:pPr>
+                <a:defRPr/>
+              </a:pPr>
+              <a:t>20</a:t>
+            </a:fld>
+            <a:endParaRPr lang="en-US" altLang="en-US"/>
+          </a:p>
+        </p:txBody>
+      </p:sp>
+    </p:spTree>
+    <p:extLst>
+      <p:ext uri="{BB962C8B-B14F-4D97-AF65-F5344CB8AC3E}">
+        <p14:creationId xmlns:p14="http://schemas.microsoft.com/office/powerpoint/2010/main" val="3039491097"/>
       </p:ext>
     </p:extLst>
   </p:cSld>
@@ -9168,7 +9268,7 @@
             <a:effectLst/>
             <a:extLst>
               <a:ext uri="{C572A759-6A51-4108-AA02-DFA0A04FC94B}">
-                <ma14:wrappingTextBoxFlag xmlns:ma14="http://schemas.microsoft.com/office/mac/drawingml/2011/main" xmlns="" val="1"/>
+                <ma14:wrappingTextBoxFlag xmlns="" xmlns:ma14="http://schemas.microsoft.com/office/mac/drawingml/2011/main" val="1"/>
               </a:ext>
             </a:extLst>
           </p:spPr>
@@ -9984,7 +10084,7 @@
             <a:effectLst/>
             <a:extLst>
               <a:ext uri="{C572A759-6A51-4108-AA02-DFA0A04FC94B}">
-                <ma14:wrappingTextBoxFlag xmlns:ma14="http://schemas.microsoft.com/office/mac/drawingml/2011/main" xmlns="" val="1"/>
+                <ma14:wrappingTextBoxFlag xmlns="" xmlns:ma14="http://schemas.microsoft.com/office/mac/drawingml/2011/main" val="1"/>
               </a:ext>
             </a:extLst>
           </p:spPr>
@@ -10100,7 +10200,7 @@
             <a:effectLst/>
             <a:extLst>
               <a:ext uri="{C572A759-6A51-4108-AA02-DFA0A04FC94B}">
-                <ma14:wrappingTextBoxFlag xmlns:ma14="http://schemas.microsoft.com/office/mac/drawingml/2011/main" xmlns="" val="1"/>
+                <ma14:wrappingTextBoxFlag xmlns="" xmlns:ma14="http://schemas.microsoft.com/office/mac/drawingml/2011/main" val="1"/>
               </a:ext>
             </a:extLst>
           </p:spPr>
@@ -10280,7 +10380,7 @@
             <a:effectLst/>
             <a:extLst>
               <a:ext uri="{C572A759-6A51-4108-AA02-DFA0A04FC94B}">
-                <ma14:wrappingTextBoxFlag xmlns="" xmlns:ma14="http://schemas.microsoft.com/office/mac/drawingml/2011/main" val="1"/>
+                <ma14:wrappingTextBoxFlag xmlns:ma14="http://schemas.microsoft.com/office/mac/drawingml/2011/main" xmlns="" val="1"/>
               </a:ext>
             </a:extLst>
           </p:spPr>
@@ -10595,7 +10695,7 @@
               <a:effectLst/>
               <a:extLst>
                 <a:ext uri="{C572A759-6A51-4108-AA02-DFA0A04FC94B}">
-                  <ma14:wrappingTextBoxFlag xmlns:ma14="http://schemas.microsoft.com/office/mac/drawingml/2011/main" xmlns="" val="1"/>
+                  <ma14:wrappingTextBoxFlag xmlns="" xmlns:ma14="http://schemas.microsoft.com/office/mac/drawingml/2011/main" val="1"/>
                 </a:ext>
               </a:extLst>
             </p:spPr>
@@ -10809,7 +10909,7 @@
               <a:effectLst/>
               <a:extLst>
                 <a:ext uri="{C572A759-6A51-4108-AA02-DFA0A04FC94B}">
-                  <ma14:wrappingTextBoxFlag xmlns:ma14="http://schemas.microsoft.com/office/mac/drawingml/2011/main" xmlns="" val="1"/>
+                  <ma14:wrappingTextBoxFlag xmlns="" xmlns:ma14="http://schemas.microsoft.com/office/mac/drawingml/2011/main" val="1"/>
                 </a:ext>
               </a:extLst>
             </p:spPr>
@@ -11091,7 +11191,7 @@
             <a:effectLst/>
             <a:extLst>
               <a:ext uri="{C572A759-6A51-4108-AA02-DFA0A04FC94B}">
-                <ma14:wrappingTextBoxFlag xmlns:ma14="http://schemas.microsoft.com/office/mac/drawingml/2011/main" xmlns="" val="1"/>
+                <ma14:wrappingTextBoxFlag xmlns="" xmlns:ma14="http://schemas.microsoft.com/office/mac/drawingml/2011/main" val="1"/>
               </a:ext>
             </a:extLst>
           </p:spPr>
@@ -11207,7 +11307,7 @@
             <a:effectLst/>
             <a:extLst>
               <a:ext uri="{C572A759-6A51-4108-AA02-DFA0A04FC94B}">
-                <ma14:wrappingTextBoxFlag xmlns:ma14="http://schemas.microsoft.com/office/mac/drawingml/2011/main" xmlns="" val="1"/>
+                <ma14:wrappingTextBoxFlag xmlns="" xmlns:ma14="http://schemas.microsoft.com/office/mac/drawingml/2011/main" val="1"/>
               </a:ext>
             </a:extLst>
           </p:spPr>
@@ -12345,7 +12445,7 @@
             <a:effectLst/>
             <a:extLst>
               <a:ext uri="{C572A759-6A51-4108-AA02-DFA0A04FC94B}">
-                <ma14:wrappingTextBoxFlag xmlns="" xmlns:ma14="http://schemas.microsoft.com/office/mac/drawingml/2011/main" val="1"/>
+                <ma14:wrappingTextBoxFlag xmlns:ma14="http://schemas.microsoft.com/office/mac/drawingml/2011/main" xmlns="" val="1"/>
               </a:ext>
             </a:extLst>
           </p:spPr>
@@ -12478,7 +12578,7 @@
             <a:effectLst/>
             <a:extLst>
               <a:ext uri="{C572A759-6A51-4108-AA02-DFA0A04FC94B}">
-                <ma14:wrappingTextBoxFlag xmlns="" xmlns:ma14="http://schemas.microsoft.com/office/mac/drawingml/2011/main" val="1"/>
+                <ma14:wrappingTextBoxFlag xmlns:ma14="http://schemas.microsoft.com/office/mac/drawingml/2011/main" xmlns="" val="1"/>
               </a:ext>
             </a:extLst>
           </p:spPr>
@@ -12790,7 +12890,7 @@
               <a:effectLst/>
               <a:extLst>
                 <a:ext uri="{C572A759-6A51-4108-AA02-DFA0A04FC94B}">
-                  <ma14:wrappingTextBoxFlag xmlns:ma14="http://schemas.microsoft.com/office/mac/drawingml/2011/main" xmlns="" val="1"/>
+                  <ma14:wrappingTextBoxFlag xmlns="" xmlns:ma14="http://schemas.microsoft.com/office/mac/drawingml/2011/main" val="1"/>
                 </a:ext>
               </a:extLst>
             </p:spPr>
@@ -13214,7 +13314,7 @@
               <a:effectLst/>
               <a:extLst>
                 <a:ext uri="{C572A759-6A51-4108-AA02-DFA0A04FC94B}">
-                  <ma14:wrappingTextBoxFlag xmlns:ma14="http://schemas.microsoft.com/office/mac/drawingml/2011/main" xmlns="" val="1"/>
+                  <ma14:wrappingTextBoxFlag xmlns="" xmlns:ma14="http://schemas.microsoft.com/office/mac/drawingml/2011/main" val="1"/>
                 </a:ext>
               </a:extLst>
             </p:spPr>
@@ -13865,7 +13965,7 @@
             <a:effectLst/>
             <a:extLst>
               <a:ext uri="{C572A759-6A51-4108-AA02-DFA0A04FC94B}">
-                <ma14:wrappingTextBoxFlag xmlns:ma14="http://schemas.microsoft.com/office/mac/drawingml/2011/main" xmlns="" val="1"/>
+                <ma14:wrappingTextBoxFlag xmlns="" xmlns:ma14="http://schemas.microsoft.com/office/mac/drawingml/2011/main" val="1"/>
               </a:ext>
             </a:extLst>
           </p:spPr>
@@ -14120,7 +14220,7 @@
             <a:effectLst/>
             <a:extLst>
               <a:ext uri="{C572A759-6A51-4108-AA02-DFA0A04FC94B}">
-                <ma14:wrappingTextBoxFlag xmlns="" xmlns:ma14="http://schemas.microsoft.com/office/mac/drawingml/2011/main" val="1"/>
+                <ma14:wrappingTextBoxFlag xmlns:ma14="http://schemas.microsoft.com/office/mac/drawingml/2011/main" xmlns="" val="1"/>
               </a:ext>
             </a:extLst>
           </p:spPr>
@@ -14368,7 +14468,7 @@
               <a:effectLst/>
               <a:extLst>
                 <a:ext uri="{C572A759-6A51-4108-AA02-DFA0A04FC94B}">
-                  <ma14:wrappingTextBoxFlag xmlns:ma14="http://schemas.microsoft.com/office/mac/drawingml/2011/main" xmlns="" val="1"/>
+                  <ma14:wrappingTextBoxFlag xmlns="" xmlns:ma14="http://schemas.microsoft.com/office/mac/drawingml/2011/main" val="1"/>
                 </a:ext>
               </a:extLst>
             </p:spPr>
@@ -14666,7 +14766,7 @@
               <a:effectLst/>
               <a:extLst>
                 <a:ext uri="{C572A759-6A51-4108-AA02-DFA0A04FC94B}">
-                  <ma14:wrappingTextBoxFlag xmlns:ma14="http://schemas.microsoft.com/office/mac/drawingml/2011/main" xmlns="" val="1"/>
+                  <ma14:wrappingTextBoxFlag xmlns="" xmlns:ma14="http://schemas.microsoft.com/office/mac/drawingml/2011/main" val="1"/>
                 </a:ext>
               </a:extLst>
             </p:spPr>
@@ -15976,7 +16076,7 @@
             <a:effectLst/>
             <a:extLst>
               <a:ext uri="{C572A759-6A51-4108-AA02-DFA0A04FC94B}">
-                <ma14:wrappingTextBoxFlag xmlns="" xmlns:ma14="http://schemas.microsoft.com/office/mac/drawingml/2011/main" val="1"/>
+                <ma14:wrappingTextBoxFlag xmlns:ma14="http://schemas.microsoft.com/office/mac/drawingml/2011/main" xmlns="" val="1"/>
               </a:ext>
             </a:extLst>
           </p:spPr>
@@ -16092,7 +16192,7 @@
             <a:effectLst/>
             <a:extLst>
               <a:ext uri="{C572A759-6A51-4108-AA02-DFA0A04FC94B}">
-                <ma14:wrappingTextBoxFlag xmlns="" xmlns:ma14="http://schemas.microsoft.com/office/mac/drawingml/2011/main" val="1"/>
+                <ma14:wrappingTextBoxFlag xmlns:ma14="http://schemas.microsoft.com/office/mac/drawingml/2011/main" xmlns="" val="1"/>
               </a:ext>
             </a:extLst>
           </p:spPr>
@@ -16513,7 +16613,7 @@
             <a:effectLst/>
             <a:extLst>
               <a:ext uri="{C572A759-6A51-4108-AA02-DFA0A04FC94B}">
-                <ma14:wrappingTextBoxFlag xmlns="" xmlns:ma14="http://schemas.microsoft.com/office/mac/drawingml/2011/main" val="1"/>
+                <ma14:wrappingTextBoxFlag xmlns:ma14="http://schemas.microsoft.com/office/mac/drawingml/2011/main" xmlns="" val="1"/>
               </a:ext>
             </a:extLst>
           </p:spPr>
@@ -16672,7 +16772,7 @@
             <a:effectLst/>
             <a:extLst>
               <a:ext uri="{C572A759-6A51-4108-AA02-DFA0A04FC94B}">
-                <ma14:wrappingTextBoxFlag xmlns:ma14="http://schemas.microsoft.com/office/mac/drawingml/2011/main" xmlns="" val="1"/>
+                <ma14:wrappingTextBoxFlag xmlns="" xmlns:ma14="http://schemas.microsoft.com/office/mac/drawingml/2011/main" val="1"/>
               </a:ext>
             </a:extLst>
           </p:spPr>
@@ -17191,7 +17291,7 @@
               <a:effectLst/>
               <a:extLst>
                 <a:ext uri="{C572A759-6A51-4108-AA02-DFA0A04FC94B}">
-                  <ma14:wrappingTextBoxFlag xmlns:ma14="http://schemas.microsoft.com/office/mac/drawingml/2011/main" xmlns="" val="1"/>
+                  <ma14:wrappingTextBoxFlag xmlns="" xmlns:ma14="http://schemas.microsoft.com/office/mac/drawingml/2011/main" val="1"/>
                 </a:ext>
               </a:extLst>
             </p:spPr>
@@ -17341,7 +17441,7 @@
             <a:effectLst/>
             <a:extLst>
               <a:ext uri="{C572A759-6A51-4108-AA02-DFA0A04FC94B}">
-                <ma14:wrappingTextBoxFlag xmlns="" xmlns:ma14="http://schemas.microsoft.com/office/mac/drawingml/2011/main" val="1"/>
+                <ma14:wrappingTextBoxFlag xmlns:ma14="http://schemas.microsoft.com/office/mac/drawingml/2011/main" xmlns="" val="1"/>
               </a:ext>
             </a:extLst>
           </p:spPr>
@@ -17501,7 +17601,7 @@
             <a:effectLst/>
             <a:extLst>
               <a:ext uri="{C572A759-6A51-4108-AA02-DFA0A04FC94B}">
-                <ma14:wrappingTextBoxFlag xmlns:ma14="http://schemas.microsoft.com/office/mac/drawingml/2011/main" xmlns="" val="1"/>
+                <ma14:wrappingTextBoxFlag xmlns="" xmlns:ma14="http://schemas.microsoft.com/office/mac/drawingml/2011/main" val="1"/>
               </a:ext>
             </a:extLst>
           </p:spPr>
@@ -17802,7 +17902,7 @@
               <a:effectLst/>
               <a:extLst>
                 <a:ext uri="{C572A759-6A51-4108-AA02-DFA0A04FC94B}">
-                  <ma14:wrappingTextBoxFlag xmlns:ma14="http://schemas.microsoft.com/office/mac/drawingml/2011/main" xmlns="" val="1"/>
+                  <ma14:wrappingTextBoxFlag xmlns="" xmlns:ma14="http://schemas.microsoft.com/office/mac/drawingml/2011/main" val="1"/>
                 </a:ext>
               </a:extLst>
             </p:spPr>
@@ -26602,7 +26702,7 @@
             <a:effectLst/>
             <a:extLst>
               <a:ext uri="{C572A759-6A51-4108-AA02-DFA0A04FC94B}">
-                <ma14:wrappingTextBoxFlag xmlns:ma14="http://schemas.microsoft.com/office/mac/drawingml/2011/main" xmlns="" val="1"/>
+                <ma14:wrappingTextBoxFlag xmlns="" xmlns:ma14="http://schemas.microsoft.com/office/mac/drawingml/2011/main" val="1"/>
               </a:ext>
             </a:extLst>
           </p:spPr>
@@ -26718,7 +26818,7 @@
             <a:effectLst/>
             <a:extLst>
               <a:ext uri="{C572A759-6A51-4108-AA02-DFA0A04FC94B}">
-                <ma14:wrappingTextBoxFlag xmlns:ma14="http://schemas.microsoft.com/office/mac/drawingml/2011/main" xmlns="" val="1"/>
+                <ma14:wrappingTextBoxFlag xmlns="" xmlns:ma14="http://schemas.microsoft.com/office/mac/drawingml/2011/main" val="1"/>
               </a:ext>
             </a:extLst>
           </p:spPr>
@@ -27188,7 +27288,7 @@
             <a:effectLst/>
             <a:extLst>
               <a:ext uri="{C572A759-6A51-4108-AA02-DFA0A04FC94B}">
-                <ma14:wrappingTextBoxFlag xmlns:ma14="http://schemas.microsoft.com/office/mac/drawingml/2011/main" xmlns="" val="1"/>
+                <ma14:wrappingTextBoxFlag xmlns="" xmlns:ma14="http://schemas.microsoft.com/office/mac/drawingml/2011/main" val="1"/>
               </a:ext>
             </a:extLst>
           </p:spPr>
@@ -27498,7 +27598,7 @@
             <a:effectLst/>
             <a:extLst>
               <a:ext uri="{C572A759-6A51-4108-AA02-DFA0A04FC94B}">
-                <ma14:wrappingTextBoxFlag xmlns:ma14="http://schemas.microsoft.com/office/mac/drawingml/2011/main" xmlns="" val="1"/>
+                <ma14:wrappingTextBoxFlag xmlns="" xmlns:ma14="http://schemas.microsoft.com/office/mac/drawingml/2011/main" val="1"/>
               </a:ext>
             </a:extLst>
           </p:spPr>
@@ -27732,7 +27832,7 @@
             <a:effectLst/>
             <a:extLst>
               <a:ext uri="{C572A759-6A51-4108-AA02-DFA0A04FC94B}">
-                <ma14:wrappingTextBoxFlag xmlns:ma14="http://schemas.microsoft.com/office/mac/drawingml/2011/main" xmlns="" val="1"/>
+                <ma14:wrappingTextBoxFlag xmlns="" xmlns:ma14="http://schemas.microsoft.com/office/mac/drawingml/2011/main" val="1"/>
               </a:ext>
             </a:extLst>
           </p:spPr>
@@ -27865,7 +27965,7 @@
             <a:effectLst/>
             <a:extLst>
               <a:ext uri="{C572A759-6A51-4108-AA02-DFA0A04FC94B}">
-                <ma14:wrappingTextBoxFlag xmlns:ma14="http://schemas.microsoft.com/office/mac/drawingml/2011/main" xmlns="" val="1"/>
+                <ma14:wrappingTextBoxFlag xmlns="" xmlns:ma14="http://schemas.microsoft.com/office/mac/drawingml/2011/main" val="1"/>
               </a:ext>
             </a:extLst>
           </p:spPr>
@@ -28938,7 +29038,7 @@
             <a:effectLst/>
             <a:extLst>
               <a:ext uri="{C572A759-6A51-4108-AA02-DFA0A04FC94B}">
-                <ma14:wrappingTextBoxFlag xmlns:ma14="http://schemas.microsoft.com/office/mac/drawingml/2011/main" xmlns="" val="1"/>
+                <ma14:wrappingTextBoxFlag xmlns="" xmlns:ma14="http://schemas.microsoft.com/office/mac/drawingml/2011/main" val="1"/>
               </a:ext>
             </a:extLst>
           </p:spPr>
@@ -29287,7 +29387,7 @@
             <a:effectLst/>
             <a:extLst>
               <a:ext uri="{C572A759-6A51-4108-AA02-DFA0A04FC94B}">
-                <ma14:wrappingTextBoxFlag xmlns:ma14="http://schemas.microsoft.com/office/mac/drawingml/2011/main" xmlns="" val="1"/>
+                <ma14:wrappingTextBoxFlag xmlns="" xmlns:ma14="http://schemas.microsoft.com/office/mac/drawingml/2011/main" val="1"/>
               </a:ext>
             </a:extLst>
           </p:spPr>
@@ -29707,7 +29807,7 @@
             <a:effectLst/>
             <a:extLst>
               <a:ext uri="{C572A759-6A51-4108-AA02-DFA0A04FC94B}">
-                <ma14:wrappingTextBoxFlag xmlns:ma14="http://schemas.microsoft.com/office/mac/drawingml/2011/main" xmlns="" val="1"/>
+                <ma14:wrappingTextBoxFlag xmlns="" xmlns:ma14="http://schemas.microsoft.com/office/mac/drawingml/2011/main" val="1"/>
               </a:ext>
             </a:extLst>
           </p:spPr>
@@ -31205,7 +31305,7 @@
             <a:effectLst/>
             <a:extLst>
               <a:ext uri="{C572A759-6A51-4108-AA02-DFA0A04FC94B}">
-                <ma14:wrappingTextBoxFlag xmlns:ma14="http://schemas.microsoft.com/office/mac/drawingml/2011/main" xmlns="" val="1"/>
+                <ma14:wrappingTextBoxFlag xmlns="" xmlns:ma14="http://schemas.microsoft.com/office/mac/drawingml/2011/main" val="1"/>
               </a:ext>
             </a:extLst>
           </p:spPr>
@@ -31293,6 +31393,1717 @@
     <p:extLst>
       <p:ext uri="{BB962C8B-B14F-4D97-AF65-F5344CB8AC3E}">
         <p14:creationId xmlns:p14="http://schemas.microsoft.com/office/powerpoint/2010/main" val="452919028"/>
+      </p:ext>
+    </p:extLst>
+  </p:cSld>
+  <p:clrMapOvr>
+    <a:masterClrMapping/>
+  </p:clrMapOvr>
+</p:sld>
+</file>
+
+<file path=ppt/slides/slide20.xml><?xml version="1.0" encoding="utf-8"?>
+<p:sld xmlns:a="http://schemas.openxmlformats.org/drawingml/2006/main" xmlns:r="http://schemas.openxmlformats.org/officeDocument/2006/relationships" xmlns:p="http://schemas.openxmlformats.org/presentationml/2006/main">
+  <p:cSld>
+    <p:spTree>
+      <p:nvGrpSpPr>
+        <p:cNvPr id="1" name=""/>
+        <p:cNvGrpSpPr/>
+        <p:nvPr/>
+      </p:nvGrpSpPr>
+      <p:grpSpPr>
+        <a:xfrm>
+          <a:off x="0" y="0"/>
+          <a:ext cx="0" cy="0"/>
+          <a:chOff x="0" y="0"/>
+          <a:chExt cx="0" cy="0"/>
+        </a:xfrm>
+      </p:grpSpPr>
+      <p:sp>
+        <p:nvSpPr>
+          <p:cNvPr id="2" name="Title 1">
+            <a:extLst>
+              <a:ext uri="{FF2B5EF4-FFF2-40B4-BE49-F238E27FC236}">
+                <a16:creationId xmlns:a16="http://schemas.microsoft.com/office/drawing/2014/main" id="{F072D6C0-C058-2142-9A9C-86562679734B}"/>
+              </a:ext>
+            </a:extLst>
+          </p:cNvPr>
+          <p:cNvSpPr>
+            <a:spLocks noGrp="1"/>
+          </p:cNvSpPr>
+          <p:nvPr>
+            <p:ph type="title"/>
+          </p:nvPr>
+        </p:nvSpPr>
+        <p:spPr/>
+        <p:txBody>
+          <a:bodyPr/>
+          <a:lstStyle/>
+          <a:p>
+            <a:r>
+              <a:rPr lang="en-US" dirty="0"/>
+              <a:t>BAI Components</a:t>
+            </a:r>
+          </a:p>
+        </p:txBody>
+      </p:sp>
+      <p:sp>
+        <p:nvSpPr>
+          <p:cNvPr id="4" name="Slide Number Placeholder 3">
+            <a:extLst>
+              <a:ext uri="{FF2B5EF4-FFF2-40B4-BE49-F238E27FC236}">
+                <a16:creationId xmlns:a16="http://schemas.microsoft.com/office/drawing/2014/main" id="{9816EC6E-DE7F-C343-A95D-436DFF285AAC}"/>
+              </a:ext>
+            </a:extLst>
+          </p:cNvPr>
+          <p:cNvSpPr>
+            <a:spLocks noGrp="1"/>
+          </p:cNvSpPr>
+          <p:nvPr>
+            <p:ph type="sldNum" sz="quarter" idx="10"/>
+          </p:nvPr>
+        </p:nvSpPr>
+        <p:spPr/>
+        <p:txBody>
+          <a:bodyPr/>
+          <a:lstStyle/>
+          <a:p>
+            <a:pPr defTabSz="911231" eaLnBrk="1" fontAlgn="auto" hangingPunct="1">
+              <a:spcBef>
+                <a:spcPts val="0"/>
+              </a:spcBef>
+              <a:spcAft>
+                <a:spcPts val="0"/>
+              </a:spcAft>
+              <a:defRPr/>
+            </a:pPr>
+            <a:r>
+              <a:rPr lang="en-US" altLang="en-US">
+                <a:solidFill>
+                  <a:srgbClr val="FFFFFF"/>
+                </a:solidFill>
+                <a:latin typeface="Arial"/>
+                <a:ea typeface="ＭＳ Ｐゴシック" charset="0"/>
+                <a:cs typeface="Arial"/>
+                <a:sym typeface="Helvetica" charset="0"/>
+              </a:rPr>
+              <a:t>IBM Confidential – Page </a:t>
+            </a:r>
+            <a:fld id="{3AD35F64-7BFE-4AA6-B41F-771B1133FB22}" type="slidenum">
+              <a:rPr lang="en-US" altLang="en-US" smtClean="0">
+                <a:solidFill>
+                  <a:srgbClr val="FFFFFF"/>
+                </a:solidFill>
+                <a:latin typeface="Arial"/>
+                <a:ea typeface="ＭＳ Ｐゴシック" charset="0"/>
+                <a:cs typeface="Arial"/>
+                <a:sym typeface="Helvetica" charset="0"/>
+              </a:rPr>
+              <a:pPr defTabSz="911231" eaLnBrk="1" fontAlgn="auto" hangingPunct="1">
+                <a:spcBef>
+                  <a:spcPts val="0"/>
+                </a:spcBef>
+                <a:spcAft>
+                  <a:spcPts val="0"/>
+                </a:spcAft>
+                <a:defRPr/>
+              </a:pPr>
+              <a:t>20</a:t>
+            </a:fld>
+            <a:endParaRPr lang="en-US" altLang="en-US">
+              <a:solidFill>
+                <a:srgbClr val="FFFFFF"/>
+              </a:solidFill>
+              <a:latin typeface="Arial"/>
+              <a:ea typeface="ＭＳ Ｐゴシック" charset="0"/>
+              <a:cs typeface="Arial"/>
+              <a:sym typeface="Helvetica" charset="0"/>
+            </a:endParaRPr>
+          </a:p>
+        </p:txBody>
+      </p:sp>
+      <p:sp>
+        <p:nvSpPr>
+          <p:cNvPr id="5" name="Rectangle 4">
+            <a:extLst>
+              <a:ext uri="{FF2B5EF4-FFF2-40B4-BE49-F238E27FC236}">
+                <a16:creationId xmlns:a16="http://schemas.microsoft.com/office/drawing/2014/main" id="{41A460C6-6BE8-D249-9890-DAD652B50E0F}"/>
+              </a:ext>
+            </a:extLst>
+          </p:cNvPr>
+          <p:cNvSpPr/>
+          <p:nvPr/>
+        </p:nvSpPr>
+        <p:spPr>
+          <a:xfrm>
+            <a:off x="2625091" y="1869619"/>
+            <a:ext cx="1454551" cy="438587"/>
+          </a:xfrm>
+          <a:prstGeom prst="rect">
+            <a:avLst/>
+          </a:prstGeom>
+          <a:solidFill>
+            <a:srgbClr val="4040EA"/>
+          </a:solidFill>
+          <a:ln>
+            <a:noFill/>
+          </a:ln>
+          <a:effectLst>
+            <a:outerShdw blurRad="50800" dist="38100" dir="5400000" algn="t" rotWithShape="0">
+              <a:prstClr val="black">
+                <a:alpha val="40000"/>
+              </a:prstClr>
+            </a:outerShdw>
+          </a:effectLst>
+        </p:spPr>
+        <p:style>
+          <a:lnRef idx="2">
+            <a:schemeClr val="accent1">
+              <a:shade val="50000"/>
+            </a:schemeClr>
+          </a:lnRef>
+          <a:fillRef idx="1">
+            <a:schemeClr val="accent1"/>
+          </a:fillRef>
+          <a:effectRef idx="0">
+            <a:schemeClr val="accent1"/>
+          </a:effectRef>
+          <a:fontRef idx="minor">
+            <a:schemeClr val="lt1"/>
+          </a:fontRef>
+        </p:style>
+        <p:txBody>
+          <a:bodyPr rtlCol="0" anchor="ctr"/>
+          <a:lstStyle/>
+          <a:p>
+            <a:pPr algn="ctr"/>
+            <a:r>
+              <a:rPr lang="en-US" sz="1100" dirty="0"/>
+              <a:t>BAI setup Job</a:t>
+            </a:r>
+          </a:p>
+        </p:txBody>
+      </p:sp>
+      <p:sp>
+        <p:nvSpPr>
+          <p:cNvPr id="6" name="Rounded Rectangle 5">
+            <a:extLst>
+              <a:ext uri="{FF2B5EF4-FFF2-40B4-BE49-F238E27FC236}">
+                <a16:creationId xmlns:a16="http://schemas.microsoft.com/office/drawing/2014/main" id="{AF233964-570D-5549-859B-C1D5324120BF}"/>
+              </a:ext>
+            </a:extLst>
+          </p:cNvPr>
+          <p:cNvSpPr/>
+          <p:nvPr/>
+        </p:nvSpPr>
+        <p:spPr>
+          <a:xfrm>
+            <a:off x="1897815" y="1120139"/>
+            <a:ext cx="7669094" cy="4423411"/>
+          </a:xfrm>
+          <a:prstGeom prst="roundRect">
+            <a:avLst>
+              <a:gd name="adj" fmla="val 2992"/>
+            </a:avLst>
+          </a:prstGeom>
+          <a:noFill/>
+          <a:ln>
+            <a:solidFill>
+              <a:schemeClr val="tx1"/>
+            </a:solidFill>
+            <a:prstDash val="dash"/>
+          </a:ln>
+        </p:spPr>
+        <p:style>
+          <a:lnRef idx="2">
+            <a:schemeClr val="accent1">
+              <a:shade val="50000"/>
+            </a:schemeClr>
+          </a:lnRef>
+          <a:fillRef idx="1">
+            <a:schemeClr val="accent1"/>
+          </a:fillRef>
+          <a:effectRef idx="0">
+            <a:schemeClr val="accent1"/>
+          </a:effectRef>
+          <a:fontRef idx="minor">
+            <a:schemeClr val="lt1"/>
+          </a:fontRef>
+        </p:style>
+        <p:txBody>
+          <a:bodyPr rtlCol="0" anchor="b"/>
+          <a:lstStyle/>
+          <a:p>
+            <a:pPr algn="ctr"/>
+            <a:r>
+              <a:rPr lang="en-US" sz="1200" dirty="0">
+                <a:solidFill>
+                  <a:schemeClr val="accent1">
+                    <a:lumMod val="25000"/>
+                  </a:schemeClr>
+                </a:solidFill>
+              </a:rPr>
+              <a:t>IAF Deployment</a:t>
+            </a:r>
+            <a:endParaRPr sz="1200" dirty="0">
+              <a:solidFill>
+                <a:schemeClr val="accent1">
+                  <a:lumMod val="25000"/>
+                </a:schemeClr>
+              </a:solidFill>
+            </a:endParaRPr>
+          </a:p>
+        </p:txBody>
+      </p:sp>
+      <p:sp>
+        <p:nvSpPr>
+          <p:cNvPr id="7" name="Rectangle 6">
+            <a:extLst>
+              <a:ext uri="{FF2B5EF4-FFF2-40B4-BE49-F238E27FC236}">
+                <a16:creationId xmlns:a16="http://schemas.microsoft.com/office/drawing/2014/main" id="{352A95BD-3149-A046-BC2A-6CF8676D2254}"/>
+              </a:ext>
+            </a:extLst>
+          </p:cNvPr>
+          <p:cNvSpPr/>
+          <p:nvPr/>
+        </p:nvSpPr>
+        <p:spPr>
+          <a:xfrm>
+            <a:off x="115418" y="3036009"/>
+            <a:ext cx="1627094" cy="591669"/>
+          </a:xfrm>
+          <a:prstGeom prst="rect">
+            <a:avLst/>
+          </a:prstGeom>
+          <a:solidFill>
+            <a:schemeClr val="tx2">
+              <a:lumMod val="75000"/>
+              <a:lumOff val="25000"/>
+            </a:schemeClr>
+          </a:solidFill>
+          <a:ln>
+            <a:noFill/>
+          </a:ln>
+          <a:effectLst>
+            <a:outerShdw blurRad="50800" dist="38100" dir="5400000" algn="t" rotWithShape="0">
+              <a:prstClr val="black">
+                <a:alpha val="40000"/>
+              </a:prstClr>
+            </a:outerShdw>
+          </a:effectLst>
+        </p:spPr>
+        <p:style>
+          <a:lnRef idx="2">
+            <a:schemeClr val="accent1">
+              <a:shade val="50000"/>
+            </a:schemeClr>
+          </a:lnRef>
+          <a:fillRef idx="1">
+            <a:schemeClr val="accent1"/>
+          </a:fillRef>
+          <a:effectRef idx="0">
+            <a:schemeClr val="accent1"/>
+          </a:effectRef>
+          <a:fontRef idx="minor">
+            <a:schemeClr val="lt1"/>
+          </a:fontRef>
+        </p:style>
+        <p:txBody>
+          <a:bodyPr rtlCol="0" anchor="ctr"/>
+          <a:lstStyle/>
+          <a:p>
+            <a:pPr algn="ctr"/>
+            <a:r>
+              <a:rPr lang="en-US" sz="1100" dirty="0">
+                <a:solidFill>
+                  <a:schemeClr val="bg1"/>
+                </a:solidFill>
+              </a:rPr>
+              <a:t>External Dashboard</a:t>
+            </a:r>
+            <a:endParaRPr sz="1100" dirty="0">
+              <a:solidFill>
+                <a:schemeClr val="bg1"/>
+              </a:solidFill>
+            </a:endParaRPr>
+          </a:p>
+        </p:txBody>
+      </p:sp>
+      <p:sp>
+        <p:nvSpPr>
+          <p:cNvPr id="8" name="Rectangle 7">
+            <a:extLst>
+              <a:ext uri="{FF2B5EF4-FFF2-40B4-BE49-F238E27FC236}">
+                <a16:creationId xmlns:a16="http://schemas.microsoft.com/office/drawing/2014/main" id="{C51DEB6E-150E-674D-8706-AB06451C5470}"/>
+              </a:ext>
+            </a:extLst>
+          </p:cNvPr>
+          <p:cNvSpPr/>
+          <p:nvPr/>
+        </p:nvSpPr>
+        <p:spPr>
+          <a:xfrm>
+            <a:off x="7099335" y="1825675"/>
+            <a:ext cx="1454551" cy="438587"/>
+          </a:xfrm>
+          <a:prstGeom prst="rect">
+            <a:avLst/>
+          </a:prstGeom>
+          <a:solidFill>
+            <a:srgbClr val="4040EA"/>
+          </a:solidFill>
+          <a:ln>
+            <a:noFill/>
+          </a:ln>
+          <a:effectLst>
+            <a:outerShdw blurRad="50800" dist="38100" dir="5400000" algn="t" rotWithShape="0">
+              <a:prstClr val="black">
+                <a:alpha val="40000"/>
+              </a:prstClr>
+            </a:outerShdw>
+          </a:effectLst>
+        </p:spPr>
+        <p:style>
+          <a:lnRef idx="2">
+            <a:schemeClr val="accent1">
+              <a:shade val="50000"/>
+            </a:schemeClr>
+          </a:lnRef>
+          <a:fillRef idx="1">
+            <a:schemeClr val="accent1"/>
+          </a:fillRef>
+          <a:effectRef idx="0">
+            <a:schemeClr val="accent1"/>
+          </a:effectRef>
+          <a:fontRef idx="minor">
+            <a:schemeClr val="lt1"/>
+          </a:fontRef>
+        </p:style>
+        <p:txBody>
+          <a:bodyPr rtlCol="0" anchor="ctr"/>
+          <a:lstStyle/>
+          <a:p>
+            <a:pPr algn="ctr"/>
+            <a:r>
+              <a:rPr lang="en-US" sz="1100" dirty="0"/>
+              <a:t>BAI Pillar Job</a:t>
+            </a:r>
+          </a:p>
+        </p:txBody>
+      </p:sp>
+      <p:sp>
+        <p:nvSpPr>
+          <p:cNvPr id="9" name="Rectangle 8">
+            <a:extLst>
+              <a:ext uri="{FF2B5EF4-FFF2-40B4-BE49-F238E27FC236}">
+                <a16:creationId xmlns:a16="http://schemas.microsoft.com/office/drawing/2014/main" id="{AB353908-3498-0848-BFD1-43F511044EFF}"/>
+              </a:ext>
+            </a:extLst>
+          </p:cNvPr>
+          <p:cNvSpPr/>
+          <p:nvPr/>
+        </p:nvSpPr>
+        <p:spPr>
+          <a:xfrm>
+            <a:off x="115418" y="4137099"/>
+            <a:ext cx="1627094" cy="591669"/>
+          </a:xfrm>
+          <a:prstGeom prst="rect">
+            <a:avLst/>
+          </a:prstGeom>
+          <a:solidFill>
+            <a:schemeClr val="tx2">
+              <a:lumMod val="75000"/>
+              <a:lumOff val="25000"/>
+            </a:schemeClr>
+          </a:solidFill>
+          <a:ln>
+            <a:noFill/>
+          </a:ln>
+          <a:effectLst>
+            <a:outerShdw blurRad="50800" dist="38100" dir="5400000" algn="t" rotWithShape="0">
+              <a:prstClr val="black">
+                <a:alpha val="40000"/>
+              </a:prstClr>
+            </a:outerShdw>
+          </a:effectLst>
+        </p:spPr>
+        <p:style>
+          <a:lnRef idx="2">
+            <a:schemeClr val="accent1">
+              <a:shade val="50000"/>
+            </a:schemeClr>
+          </a:lnRef>
+          <a:fillRef idx="1">
+            <a:schemeClr val="accent1"/>
+          </a:fillRef>
+          <a:effectRef idx="0">
+            <a:schemeClr val="accent1"/>
+          </a:effectRef>
+          <a:fontRef idx="minor">
+            <a:schemeClr val="lt1"/>
+          </a:fontRef>
+        </p:style>
+        <p:txBody>
+          <a:bodyPr rtlCol="0" anchor="ctr"/>
+          <a:lstStyle/>
+          <a:p>
+            <a:pPr algn="ctr"/>
+            <a:r>
+              <a:rPr lang="en-US" sz="1100" dirty="0">
+                <a:solidFill>
+                  <a:schemeClr val="bg1"/>
+                </a:solidFill>
+              </a:rPr>
+              <a:t>Automation Event Emitters</a:t>
+            </a:r>
+            <a:endParaRPr sz="1100" dirty="0">
+              <a:solidFill>
+                <a:schemeClr val="bg1"/>
+              </a:solidFill>
+            </a:endParaRPr>
+          </a:p>
+        </p:txBody>
+      </p:sp>
+      <p:sp>
+        <p:nvSpPr>
+          <p:cNvPr id="10" name="Rectangle 9">
+            <a:extLst>
+              <a:ext uri="{FF2B5EF4-FFF2-40B4-BE49-F238E27FC236}">
+                <a16:creationId xmlns:a16="http://schemas.microsoft.com/office/drawing/2014/main" id="{5FD71DE1-EBD5-904F-982B-AA258A464EBD}"/>
+              </a:ext>
+            </a:extLst>
+          </p:cNvPr>
+          <p:cNvSpPr/>
+          <p:nvPr/>
+        </p:nvSpPr>
+        <p:spPr>
+          <a:xfrm>
+            <a:off x="2910840" y="4290181"/>
+            <a:ext cx="1454551" cy="438587"/>
+          </a:xfrm>
+          <a:prstGeom prst="rect">
+            <a:avLst/>
+          </a:prstGeom>
+          <a:solidFill>
+            <a:schemeClr val="accent2">
+              <a:lumMod val="60000"/>
+              <a:lumOff val="40000"/>
+            </a:schemeClr>
+          </a:solidFill>
+          <a:ln>
+            <a:noFill/>
+          </a:ln>
+          <a:effectLst>
+            <a:outerShdw blurRad="50800" dist="38100" dir="5400000" algn="t" rotWithShape="0">
+              <a:prstClr val="black">
+                <a:alpha val="40000"/>
+              </a:prstClr>
+            </a:outerShdw>
+          </a:effectLst>
+        </p:spPr>
+        <p:style>
+          <a:lnRef idx="2">
+            <a:schemeClr val="accent1">
+              <a:shade val="50000"/>
+            </a:schemeClr>
+          </a:lnRef>
+          <a:fillRef idx="1">
+            <a:schemeClr val="accent1"/>
+          </a:fillRef>
+          <a:effectRef idx="0">
+            <a:schemeClr val="accent1"/>
+          </a:effectRef>
+          <a:fontRef idx="minor">
+            <a:schemeClr val="lt1"/>
+          </a:fontRef>
+        </p:style>
+        <p:txBody>
+          <a:bodyPr rtlCol="0" anchor="ctr"/>
+          <a:lstStyle/>
+          <a:p>
+            <a:pPr algn="ctr"/>
+            <a:r>
+              <a:rPr lang="en-US" sz="1100" dirty="0"/>
+              <a:t>Kafka</a:t>
+            </a:r>
+          </a:p>
+        </p:txBody>
+      </p:sp>
+      <p:sp>
+        <p:nvSpPr>
+          <p:cNvPr id="11" name="Rectangle 10">
+            <a:extLst>
+              <a:ext uri="{FF2B5EF4-FFF2-40B4-BE49-F238E27FC236}">
+                <a16:creationId xmlns:a16="http://schemas.microsoft.com/office/drawing/2014/main" id="{96715E2F-E2A1-BF44-97E3-56CFFEA92417}"/>
+              </a:ext>
+            </a:extLst>
+          </p:cNvPr>
+          <p:cNvSpPr/>
+          <p:nvPr/>
+        </p:nvSpPr>
+        <p:spPr>
+          <a:xfrm>
+            <a:off x="2910839" y="3627678"/>
+            <a:ext cx="1454551" cy="438587"/>
+          </a:xfrm>
+          <a:prstGeom prst="rect">
+            <a:avLst/>
+          </a:prstGeom>
+          <a:solidFill>
+            <a:schemeClr val="accent2">
+              <a:lumMod val="60000"/>
+              <a:lumOff val="40000"/>
+            </a:schemeClr>
+          </a:solidFill>
+          <a:ln>
+            <a:noFill/>
+          </a:ln>
+          <a:effectLst>
+            <a:outerShdw blurRad="50800" dist="38100" dir="5400000" algn="t" rotWithShape="0">
+              <a:prstClr val="black">
+                <a:alpha val="40000"/>
+              </a:prstClr>
+            </a:outerShdw>
+          </a:effectLst>
+        </p:spPr>
+        <p:style>
+          <a:lnRef idx="2">
+            <a:schemeClr val="accent1">
+              <a:shade val="50000"/>
+            </a:schemeClr>
+          </a:lnRef>
+          <a:fillRef idx="1">
+            <a:schemeClr val="accent1"/>
+          </a:fillRef>
+          <a:effectRef idx="0">
+            <a:schemeClr val="accent1"/>
+          </a:effectRef>
+          <a:fontRef idx="minor">
+            <a:schemeClr val="lt1"/>
+          </a:fontRef>
+        </p:style>
+        <p:txBody>
+          <a:bodyPr rtlCol="0" anchor="ctr"/>
+          <a:lstStyle/>
+          <a:p>
+            <a:pPr algn="ctr"/>
+            <a:endParaRPr lang="en-US" sz="1100" dirty="0"/>
+          </a:p>
+        </p:txBody>
+      </p:sp>
+      <p:sp>
+        <p:nvSpPr>
+          <p:cNvPr id="12" name="Rectangle 11">
+            <a:extLst>
+              <a:ext uri="{FF2B5EF4-FFF2-40B4-BE49-F238E27FC236}">
+                <a16:creationId xmlns:a16="http://schemas.microsoft.com/office/drawing/2014/main" id="{9CF7BF31-3F93-4040-AA98-74C76507EA66}"/>
+              </a:ext>
+            </a:extLst>
+          </p:cNvPr>
+          <p:cNvSpPr/>
+          <p:nvPr/>
+        </p:nvSpPr>
+        <p:spPr>
+          <a:xfrm>
+            <a:off x="5920740" y="3615687"/>
+            <a:ext cx="3051809" cy="1424943"/>
+          </a:xfrm>
+          <a:prstGeom prst="rect">
+            <a:avLst/>
+          </a:prstGeom>
+          <a:solidFill>
+            <a:schemeClr val="accent2">
+              <a:lumMod val="60000"/>
+              <a:lumOff val="40000"/>
+            </a:schemeClr>
+          </a:solidFill>
+          <a:ln>
+            <a:noFill/>
+          </a:ln>
+          <a:effectLst>
+            <a:outerShdw blurRad="50800" dist="38100" dir="5400000" algn="t" rotWithShape="0">
+              <a:prstClr val="black">
+                <a:alpha val="40000"/>
+              </a:prstClr>
+            </a:outerShdw>
+          </a:effectLst>
+        </p:spPr>
+        <p:style>
+          <a:lnRef idx="2">
+            <a:schemeClr val="accent1">
+              <a:shade val="50000"/>
+            </a:schemeClr>
+          </a:lnRef>
+          <a:fillRef idx="1">
+            <a:schemeClr val="accent1"/>
+          </a:fillRef>
+          <a:effectRef idx="0">
+            <a:schemeClr val="accent1"/>
+          </a:effectRef>
+          <a:fontRef idx="minor">
+            <a:schemeClr val="lt1"/>
+          </a:fontRef>
+        </p:style>
+        <p:txBody>
+          <a:bodyPr rtlCol="0" anchor="t"/>
+          <a:lstStyle/>
+          <a:p>
+            <a:pPr algn="ctr"/>
+            <a:r>
+              <a:rPr lang="en-US" sz="1100" dirty="0"/>
+              <a:t>Flink Cluster</a:t>
+            </a:r>
+          </a:p>
+        </p:txBody>
+      </p:sp>
+      <p:sp>
+        <p:nvSpPr>
+          <p:cNvPr id="13" name="Rectangle 12">
+            <a:extLst>
+              <a:ext uri="{FF2B5EF4-FFF2-40B4-BE49-F238E27FC236}">
+                <a16:creationId xmlns:a16="http://schemas.microsoft.com/office/drawing/2014/main" id="{2429AAFC-42D3-0045-AFE1-CB4C98AFC0DB}"/>
+              </a:ext>
+            </a:extLst>
+          </p:cNvPr>
+          <p:cNvSpPr/>
+          <p:nvPr/>
+        </p:nvSpPr>
+        <p:spPr>
+          <a:xfrm>
+            <a:off x="6719368" y="4066265"/>
+            <a:ext cx="1454551" cy="438587"/>
+          </a:xfrm>
+          <a:prstGeom prst="rect">
+            <a:avLst/>
+          </a:prstGeom>
+          <a:solidFill>
+            <a:schemeClr val="accent2">
+              <a:lumMod val="20000"/>
+              <a:lumOff val="80000"/>
+            </a:schemeClr>
+          </a:solidFill>
+          <a:ln>
+            <a:noFill/>
+          </a:ln>
+          <a:effectLst>
+            <a:outerShdw blurRad="50800" dist="38100" dir="5400000" algn="t" rotWithShape="0">
+              <a:prstClr val="black">
+                <a:alpha val="40000"/>
+              </a:prstClr>
+            </a:outerShdw>
+          </a:effectLst>
+        </p:spPr>
+        <p:style>
+          <a:lnRef idx="2">
+            <a:schemeClr val="accent1">
+              <a:shade val="50000"/>
+            </a:schemeClr>
+          </a:lnRef>
+          <a:fillRef idx="1">
+            <a:schemeClr val="accent1"/>
+          </a:fillRef>
+          <a:effectRef idx="0">
+            <a:schemeClr val="accent1"/>
+          </a:effectRef>
+          <a:fontRef idx="minor">
+            <a:schemeClr val="lt1"/>
+          </a:fontRef>
+        </p:style>
+        <p:txBody>
+          <a:bodyPr rtlCol="0" anchor="ctr"/>
+          <a:lstStyle/>
+          <a:p>
+            <a:pPr algn="ctr"/>
+            <a:r>
+              <a:rPr lang="en-US" sz="1100" dirty="0">
+                <a:solidFill>
+                  <a:schemeClr val="tx1"/>
+                </a:solidFill>
+              </a:rPr>
+              <a:t>Specific Flink Jobs</a:t>
+            </a:r>
+          </a:p>
+        </p:txBody>
+      </p:sp>
+      <p:cxnSp>
+        <p:nvCxnSpPr>
+          <p:cNvPr id="15" name="Curved Connector 14">
+            <a:extLst>
+              <a:ext uri="{FF2B5EF4-FFF2-40B4-BE49-F238E27FC236}">
+                <a16:creationId xmlns:a16="http://schemas.microsoft.com/office/drawing/2014/main" id="{D464C6D5-D811-3E43-8C74-F34214101AD8}"/>
+              </a:ext>
+            </a:extLst>
+          </p:cNvPr>
+          <p:cNvCxnSpPr>
+            <a:stCxn id="10" idx="3"/>
+            <a:endCxn id="13" idx="1"/>
+          </p:cNvCxnSpPr>
+          <p:nvPr/>
+        </p:nvCxnSpPr>
+        <p:spPr>
+          <a:xfrm flipV="1">
+            <a:off x="4365391" y="4285559"/>
+            <a:ext cx="2353977" cy="223916"/>
+          </a:xfrm>
+          <a:prstGeom prst="curvedConnector3">
+            <a:avLst/>
+          </a:prstGeom>
+          <a:ln w="15875">
+            <a:solidFill>
+              <a:schemeClr val="accent1">
+                <a:lumMod val="75000"/>
+              </a:schemeClr>
+            </a:solidFill>
+            <a:tailEnd type="triangle"/>
+          </a:ln>
+        </p:spPr>
+        <p:style>
+          <a:lnRef idx="1">
+            <a:schemeClr val="accent1"/>
+          </a:lnRef>
+          <a:fillRef idx="0">
+            <a:schemeClr val="accent1"/>
+          </a:fillRef>
+          <a:effectRef idx="0">
+            <a:schemeClr val="accent1"/>
+          </a:effectRef>
+          <a:fontRef idx="minor">
+            <a:schemeClr val="tx1"/>
+          </a:fontRef>
+        </p:style>
+      </p:cxnSp>
+      <p:cxnSp>
+        <p:nvCxnSpPr>
+          <p:cNvPr id="16" name="Curved Connector 15">
+            <a:extLst>
+              <a:ext uri="{FF2B5EF4-FFF2-40B4-BE49-F238E27FC236}">
+                <a16:creationId xmlns:a16="http://schemas.microsoft.com/office/drawing/2014/main" id="{2B7DD34F-AE09-B54B-AA8B-0066093C2378}"/>
+              </a:ext>
+            </a:extLst>
+          </p:cNvPr>
+          <p:cNvCxnSpPr>
+            <a:cxnSpLocks/>
+            <a:stCxn id="13" idx="0"/>
+            <a:endCxn id="11" idx="3"/>
+          </p:cNvCxnSpPr>
+          <p:nvPr/>
+        </p:nvCxnSpPr>
+        <p:spPr>
+          <a:xfrm rot="16200000" flipV="1">
+            <a:off x="5796371" y="2415992"/>
+            <a:ext cx="219293" cy="3081254"/>
+          </a:xfrm>
+          <a:prstGeom prst="curvedConnector2">
+            <a:avLst/>
+          </a:prstGeom>
+          <a:ln w="15875">
+            <a:solidFill>
+              <a:schemeClr val="accent1">
+                <a:lumMod val="75000"/>
+              </a:schemeClr>
+            </a:solidFill>
+            <a:tailEnd type="triangle"/>
+          </a:ln>
+        </p:spPr>
+        <p:style>
+          <a:lnRef idx="1">
+            <a:schemeClr val="accent1"/>
+          </a:lnRef>
+          <a:fillRef idx="0">
+            <a:schemeClr val="accent1"/>
+          </a:fillRef>
+          <a:effectRef idx="0">
+            <a:schemeClr val="accent1"/>
+          </a:effectRef>
+          <a:fontRef idx="minor">
+            <a:schemeClr val="tx1"/>
+          </a:fontRef>
+        </p:style>
+      </p:cxnSp>
+      <p:cxnSp>
+        <p:nvCxnSpPr>
+          <p:cNvPr id="19" name="Curved Connector 18">
+            <a:extLst>
+              <a:ext uri="{FF2B5EF4-FFF2-40B4-BE49-F238E27FC236}">
+                <a16:creationId xmlns:a16="http://schemas.microsoft.com/office/drawing/2014/main" id="{C942E37C-D1B6-3A4B-BD92-102CDB1CB7E4}"/>
+              </a:ext>
+            </a:extLst>
+          </p:cNvPr>
+          <p:cNvCxnSpPr>
+            <a:cxnSpLocks/>
+            <a:stCxn id="13" idx="2"/>
+            <a:endCxn id="10" idx="2"/>
+          </p:cNvCxnSpPr>
+          <p:nvPr/>
+        </p:nvCxnSpPr>
+        <p:spPr>
+          <a:xfrm rot="5400000">
+            <a:off x="5430422" y="2712546"/>
+            <a:ext cx="223916" cy="3808528"/>
+          </a:xfrm>
+          <a:prstGeom prst="curvedConnector3">
+            <a:avLst>
+              <a:gd name="adj1" fmla="val 202092"/>
+            </a:avLst>
+          </a:prstGeom>
+          <a:ln w="15875">
+            <a:solidFill>
+              <a:schemeClr val="accent1">
+                <a:lumMod val="75000"/>
+              </a:schemeClr>
+            </a:solidFill>
+            <a:tailEnd type="triangle"/>
+          </a:ln>
+        </p:spPr>
+        <p:style>
+          <a:lnRef idx="1">
+            <a:schemeClr val="accent1"/>
+          </a:lnRef>
+          <a:fillRef idx="0">
+            <a:schemeClr val="accent1"/>
+          </a:fillRef>
+          <a:effectRef idx="0">
+            <a:schemeClr val="accent1"/>
+          </a:effectRef>
+          <a:fontRef idx="minor">
+            <a:schemeClr val="tx1"/>
+          </a:fontRef>
+        </p:style>
+      </p:cxnSp>
+      <p:sp>
+        <p:nvSpPr>
+          <p:cNvPr id="22" name="Rectangle 21">
+            <a:extLst>
+              <a:ext uri="{FF2B5EF4-FFF2-40B4-BE49-F238E27FC236}">
+                <a16:creationId xmlns:a16="http://schemas.microsoft.com/office/drawing/2014/main" id="{75FBF845-4D61-6543-9AC8-016528DD2B95}"/>
+              </a:ext>
+            </a:extLst>
+          </p:cNvPr>
+          <p:cNvSpPr/>
+          <p:nvPr/>
+        </p:nvSpPr>
+        <p:spPr>
+          <a:xfrm>
+            <a:off x="2625091" y="1243252"/>
+            <a:ext cx="5928795" cy="438587"/>
+          </a:xfrm>
+          <a:prstGeom prst="rect">
+            <a:avLst/>
+          </a:prstGeom>
+          <a:solidFill>
+            <a:srgbClr val="4040EA"/>
+          </a:solidFill>
+          <a:ln>
+            <a:noFill/>
+          </a:ln>
+          <a:effectLst>
+            <a:outerShdw blurRad="50800" dist="38100" dir="5400000" algn="t" rotWithShape="0">
+              <a:prstClr val="black">
+                <a:alpha val="40000"/>
+              </a:prstClr>
+            </a:outerShdw>
+          </a:effectLst>
+        </p:spPr>
+        <p:style>
+          <a:lnRef idx="2">
+            <a:schemeClr val="accent1">
+              <a:shade val="50000"/>
+            </a:schemeClr>
+          </a:lnRef>
+          <a:fillRef idx="1">
+            <a:schemeClr val="accent1"/>
+          </a:fillRef>
+          <a:effectRef idx="0">
+            <a:schemeClr val="accent1"/>
+          </a:effectRef>
+          <a:fontRef idx="minor">
+            <a:schemeClr val="lt1"/>
+          </a:fontRef>
+        </p:style>
+        <p:txBody>
+          <a:bodyPr rtlCol="0" anchor="ctr"/>
+          <a:lstStyle/>
+          <a:p>
+            <a:pPr algn="ctr"/>
+            <a:r>
+              <a:rPr lang="en-US" sz="1100" dirty="0"/>
+              <a:t>BAI Operator</a:t>
+            </a:r>
+          </a:p>
+        </p:txBody>
+      </p:sp>
+      <p:pic>
+        <p:nvPicPr>
+          <p:cNvPr id="23" name="Picture 2" descr="Apache Flink: Material">
+            <a:extLst>
+              <a:ext uri="{FF2B5EF4-FFF2-40B4-BE49-F238E27FC236}">
+                <a16:creationId xmlns:a16="http://schemas.microsoft.com/office/drawing/2014/main" id="{315E81E2-1F56-F446-B87D-BA2F58C8181D}"/>
+              </a:ext>
+            </a:extLst>
+          </p:cNvPr>
+          <p:cNvPicPr>
+            <a:picLocks noChangeAspect="1" noChangeArrowheads="1"/>
+          </p:cNvPicPr>
+          <p:nvPr/>
+        </p:nvPicPr>
+        <p:blipFill>
+          <a:blip r:embed="rId3">
+            <a:extLst>
+              <a:ext uri="{28A0092B-C50C-407E-A947-70E740481C1C}">
+                <a14:useLocalDpi xmlns:a14="http://schemas.microsoft.com/office/drawing/2010/main" val="0"/>
+              </a:ext>
+            </a:extLst>
+          </a:blip>
+          <a:srcRect/>
+          <a:stretch>
+            <a:fillRect/>
+          </a:stretch>
+        </p:blipFill>
+        <p:spPr bwMode="auto">
+          <a:xfrm>
+            <a:off x="8553886" y="4624772"/>
+            <a:ext cx="330951" cy="330951"/>
+          </a:xfrm>
+          <a:prstGeom prst="rect">
+            <a:avLst/>
+          </a:prstGeom>
+          <a:noFill/>
+          <a:extLst>
+            <a:ext uri="{909E8E84-426E-40DD-AFC4-6F175D3DCCD1}">
+              <a14:hiddenFill xmlns:a14="http://schemas.microsoft.com/office/drawing/2010/main">
+                <a:solidFill>
+                  <a:srgbClr val="FFFFFF"/>
+                </a:solidFill>
+              </a14:hiddenFill>
+            </a:ext>
+          </a:extLst>
+        </p:spPr>
+      </p:pic>
+      <p:pic>
+        <p:nvPicPr>
+          <p:cNvPr id="24" name="Picture 8">
+            <a:extLst>
+              <a:ext uri="{FF2B5EF4-FFF2-40B4-BE49-F238E27FC236}">
+                <a16:creationId xmlns:a16="http://schemas.microsoft.com/office/drawing/2014/main" id="{06E6CB68-DCBA-2946-AB97-B82FD02B5685}"/>
+              </a:ext>
+            </a:extLst>
+          </p:cNvPr>
+          <p:cNvPicPr>
+            <a:picLocks noChangeAspect="1" noChangeArrowheads="1"/>
+          </p:cNvPicPr>
+          <p:nvPr/>
+        </p:nvPicPr>
+        <p:blipFill>
+          <a:blip r:embed="rId4">
+            <a:extLst>
+              <a:ext uri="{28A0092B-C50C-407E-A947-70E740481C1C}">
+                <a14:useLocalDpi xmlns:a14="http://schemas.microsoft.com/office/drawing/2010/main" val="0"/>
+              </a:ext>
+            </a:extLst>
+          </a:blip>
+          <a:srcRect/>
+          <a:stretch>
+            <a:fillRect/>
+          </a:stretch>
+        </p:blipFill>
+        <p:spPr bwMode="auto">
+          <a:xfrm>
+            <a:off x="2924434" y="4343179"/>
+            <a:ext cx="238643" cy="238643"/>
+          </a:xfrm>
+          <a:prstGeom prst="rect">
+            <a:avLst/>
+          </a:prstGeom>
+          <a:noFill/>
+          <a:extLst>
+            <a:ext uri="{909E8E84-426E-40DD-AFC4-6F175D3DCCD1}">
+              <a14:hiddenFill xmlns:a14="http://schemas.microsoft.com/office/drawing/2010/main">
+                <a:solidFill>
+                  <a:srgbClr val="FFFFFF"/>
+                </a:solidFill>
+              </a14:hiddenFill>
+            </a:ext>
+          </a:extLst>
+        </p:spPr>
+      </p:pic>
+      <p:pic>
+        <p:nvPicPr>
+          <p:cNvPr id="25" name="Picture 24">
+            <a:extLst>
+              <a:ext uri="{FF2B5EF4-FFF2-40B4-BE49-F238E27FC236}">
+                <a16:creationId xmlns:a16="http://schemas.microsoft.com/office/drawing/2014/main" id="{9D6DFD0B-10D8-634E-AEE0-6CEC398DDAFB}"/>
+              </a:ext>
+            </a:extLst>
+          </p:cNvPr>
+          <p:cNvPicPr>
+            <a:picLocks noChangeAspect="1"/>
+          </p:cNvPicPr>
+          <p:nvPr/>
+        </p:nvPicPr>
+        <p:blipFill>
+          <a:blip r:embed="rId5"/>
+          <a:stretch>
+            <a:fillRect/>
+          </a:stretch>
+        </p:blipFill>
+        <p:spPr>
+          <a:xfrm>
+            <a:off x="3163077" y="3713450"/>
+            <a:ext cx="798677" cy="274213"/>
+          </a:xfrm>
+          <a:prstGeom prst="rect">
+            <a:avLst/>
+          </a:prstGeom>
+        </p:spPr>
+      </p:pic>
+      <p:sp>
+        <p:nvSpPr>
+          <p:cNvPr id="26" name="Rectangle 25">
+            <a:extLst>
+              <a:ext uri="{FF2B5EF4-FFF2-40B4-BE49-F238E27FC236}">
+                <a16:creationId xmlns:a16="http://schemas.microsoft.com/office/drawing/2014/main" id="{D7DB1569-53E7-1F40-A7DD-FAB460EB6015}"/>
+              </a:ext>
+            </a:extLst>
+          </p:cNvPr>
+          <p:cNvSpPr/>
+          <p:nvPr/>
+        </p:nvSpPr>
+        <p:spPr>
+          <a:xfrm>
+            <a:off x="3961754" y="2750505"/>
+            <a:ext cx="1454551" cy="438587"/>
+          </a:xfrm>
+          <a:prstGeom prst="rect">
+            <a:avLst/>
+          </a:prstGeom>
+          <a:solidFill>
+            <a:srgbClr val="4040EA"/>
+          </a:solidFill>
+          <a:ln>
+            <a:noFill/>
+          </a:ln>
+          <a:effectLst>
+            <a:outerShdw blurRad="50800" dist="38100" dir="5400000" algn="t" rotWithShape="0">
+              <a:prstClr val="black">
+                <a:alpha val="40000"/>
+              </a:prstClr>
+            </a:outerShdw>
+          </a:effectLst>
+        </p:spPr>
+        <p:style>
+          <a:lnRef idx="2">
+            <a:schemeClr val="accent1">
+              <a:shade val="50000"/>
+            </a:schemeClr>
+          </a:lnRef>
+          <a:fillRef idx="1">
+            <a:schemeClr val="accent1"/>
+          </a:fillRef>
+          <a:effectRef idx="0">
+            <a:schemeClr val="accent1"/>
+          </a:effectRef>
+          <a:fontRef idx="minor">
+            <a:schemeClr val="lt1"/>
+          </a:fontRef>
+        </p:style>
+        <p:txBody>
+          <a:bodyPr rtlCol="0" anchor="ctr"/>
+          <a:lstStyle/>
+          <a:p>
+            <a:pPr algn="ctr"/>
+            <a:r>
+              <a:rPr lang="en-US" sz="1100" dirty="0"/>
+              <a:t>Business Performance Center</a:t>
+            </a:r>
+          </a:p>
+        </p:txBody>
+      </p:sp>
+      <p:cxnSp>
+        <p:nvCxnSpPr>
+          <p:cNvPr id="27" name="Curved Connector 26">
+            <a:extLst>
+              <a:ext uri="{FF2B5EF4-FFF2-40B4-BE49-F238E27FC236}">
+                <a16:creationId xmlns:a16="http://schemas.microsoft.com/office/drawing/2014/main" id="{BFDD2FDC-8865-AF46-9A9D-266FE0190A4D}"/>
+              </a:ext>
+            </a:extLst>
+          </p:cNvPr>
+          <p:cNvCxnSpPr>
+            <a:cxnSpLocks/>
+            <a:stCxn id="26" idx="2"/>
+            <a:endCxn id="11" idx="0"/>
+          </p:cNvCxnSpPr>
+          <p:nvPr/>
+        </p:nvCxnSpPr>
+        <p:spPr>
+          <a:xfrm rot="5400000">
+            <a:off x="3944280" y="2882928"/>
+            <a:ext cx="438586" cy="1050915"/>
+          </a:xfrm>
+          <a:prstGeom prst="curvedConnector3">
+            <a:avLst>
+              <a:gd name="adj1" fmla="val 50000"/>
+            </a:avLst>
+          </a:prstGeom>
+          <a:ln w="15875">
+            <a:solidFill>
+              <a:schemeClr val="accent1">
+                <a:lumMod val="75000"/>
+              </a:schemeClr>
+            </a:solidFill>
+            <a:tailEnd type="triangle"/>
+          </a:ln>
+        </p:spPr>
+        <p:style>
+          <a:lnRef idx="1">
+            <a:schemeClr val="accent1"/>
+          </a:lnRef>
+          <a:fillRef idx="0">
+            <a:schemeClr val="accent1"/>
+          </a:fillRef>
+          <a:effectRef idx="0">
+            <a:schemeClr val="accent1"/>
+          </a:effectRef>
+          <a:fontRef idx="minor">
+            <a:schemeClr val="tx1"/>
+          </a:fontRef>
+        </p:style>
+      </p:cxnSp>
+      <p:sp>
+        <p:nvSpPr>
+          <p:cNvPr id="30" name="TextBox 29">
+            <a:extLst>
+              <a:ext uri="{FF2B5EF4-FFF2-40B4-BE49-F238E27FC236}">
+                <a16:creationId xmlns:a16="http://schemas.microsoft.com/office/drawing/2014/main" id="{58D26713-147B-C844-8E26-DD0018719CA7}"/>
+              </a:ext>
+            </a:extLst>
+          </p:cNvPr>
+          <p:cNvSpPr txBox="1"/>
+          <p:nvPr/>
+        </p:nvSpPr>
+        <p:spPr>
+          <a:xfrm>
+            <a:off x="3810978" y="3318724"/>
+            <a:ext cx="537327" cy="261610"/>
+          </a:xfrm>
+          <a:prstGeom prst="rect">
+            <a:avLst/>
+          </a:prstGeom>
+          <a:solidFill>
+            <a:schemeClr val="bg1"/>
+          </a:solidFill>
+        </p:spPr>
+        <p:txBody>
+          <a:bodyPr wrap="none" rtlCol="0">
+            <a:spAutoFit/>
+          </a:bodyPr>
+          <a:lstStyle/>
+          <a:p>
+            <a:r>
+              <a:rPr lang="en-US" sz="1050" dirty="0"/>
+              <a:t>query</a:t>
+            </a:r>
+          </a:p>
+        </p:txBody>
+      </p:sp>
+      <p:sp>
+        <p:nvSpPr>
+          <p:cNvPr id="31" name="TextBox 30">
+            <a:extLst>
+              <a:ext uri="{FF2B5EF4-FFF2-40B4-BE49-F238E27FC236}">
+                <a16:creationId xmlns:a16="http://schemas.microsoft.com/office/drawing/2014/main" id="{49C7C8C0-EE9A-AE4D-9BC9-EF0B2FBB6CD2}"/>
+              </a:ext>
+            </a:extLst>
+          </p:cNvPr>
+          <p:cNvSpPr txBox="1"/>
+          <p:nvPr/>
+        </p:nvSpPr>
+        <p:spPr>
+          <a:xfrm>
+            <a:off x="4984099" y="4351573"/>
+            <a:ext cx="732893" cy="253916"/>
+          </a:xfrm>
+          <a:prstGeom prst="rect">
+            <a:avLst/>
+          </a:prstGeom>
+          <a:solidFill>
+            <a:schemeClr val="bg1"/>
+          </a:solidFill>
+        </p:spPr>
+        <p:txBody>
+          <a:bodyPr wrap="none" rtlCol="0">
+            <a:spAutoFit/>
+          </a:bodyPr>
+          <a:lstStyle/>
+          <a:p>
+            <a:r>
+              <a:rPr lang="en-US" sz="1050" dirty="0"/>
+              <a:t>consume</a:t>
+            </a:r>
+          </a:p>
+        </p:txBody>
+      </p:sp>
+      <p:sp>
+        <p:nvSpPr>
+          <p:cNvPr id="32" name="TextBox 31">
+            <a:extLst>
+              <a:ext uri="{FF2B5EF4-FFF2-40B4-BE49-F238E27FC236}">
+                <a16:creationId xmlns:a16="http://schemas.microsoft.com/office/drawing/2014/main" id="{081C3C50-9DC7-5045-96A3-78251D13FE45}"/>
+              </a:ext>
+            </a:extLst>
+          </p:cNvPr>
+          <p:cNvSpPr txBox="1"/>
+          <p:nvPr/>
+        </p:nvSpPr>
+        <p:spPr>
+          <a:xfrm>
+            <a:off x="5147641" y="4829391"/>
+            <a:ext cx="673582" cy="253916"/>
+          </a:xfrm>
+          <a:prstGeom prst="rect">
+            <a:avLst/>
+          </a:prstGeom>
+          <a:solidFill>
+            <a:schemeClr val="bg1"/>
+          </a:solidFill>
+        </p:spPr>
+        <p:txBody>
+          <a:bodyPr wrap="none" rtlCol="0">
+            <a:spAutoFit/>
+          </a:bodyPr>
+          <a:lstStyle/>
+          <a:p>
+            <a:r>
+              <a:rPr lang="en-US" sz="1050" dirty="0"/>
+              <a:t>produce</a:t>
+            </a:r>
+          </a:p>
+        </p:txBody>
+      </p:sp>
+      <p:sp>
+        <p:nvSpPr>
+          <p:cNvPr id="33" name="Rectangle 32">
+            <a:extLst>
+              <a:ext uri="{FF2B5EF4-FFF2-40B4-BE49-F238E27FC236}">
+                <a16:creationId xmlns:a16="http://schemas.microsoft.com/office/drawing/2014/main" id="{94B12036-36AC-484A-B118-A9952CC38623}"/>
+              </a:ext>
+            </a:extLst>
+          </p:cNvPr>
+          <p:cNvSpPr/>
+          <p:nvPr/>
+        </p:nvSpPr>
+        <p:spPr>
+          <a:xfrm>
+            <a:off x="7099334" y="2628867"/>
+            <a:ext cx="1454551" cy="438587"/>
+          </a:xfrm>
+          <a:prstGeom prst="rect">
+            <a:avLst/>
+          </a:prstGeom>
+          <a:solidFill>
+            <a:srgbClr val="4040EA"/>
+          </a:solidFill>
+          <a:ln>
+            <a:noFill/>
+          </a:ln>
+          <a:effectLst>
+            <a:outerShdw blurRad="50800" dist="38100" dir="5400000" algn="t" rotWithShape="0">
+              <a:prstClr val="black">
+                <a:alpha val="40000"/>
+              </a:prstClr>
+            </a:outerShdw>
+          </a:effectLst>
+        </p:spPr>
+        <p:style>
+          <a:lnRef idx="2">
+            <a:schemeClr val="accent1">
+              <a:shade val="50000"/>
+            </a:schemeClr>
+          </a:lnRef>
+          <a:fillRef idx="1">
+            <a:schemeClr val="accent1"/>
+          </a:fillRef>
+          <a:effectRef idx="0">
+            <a:schemeClr val="accent1"/>
+          </a:effectRef>
+          <a:fontRef idx="minor">
+            <a:schemeClr val="lt1"/>
+          </a:fontRef>
+        </p:style>
+        <p:txBody>
+          <a:bodyPr rtlCol="0" anchor="ctr"/>
+          <a:lstStyle/>
+          <a:p>
+            <a:pPr algn="ctr"/>
+            <a:r>
+              <a:rPr lang="en-US" sz="1100" dirty="0"/>
+              <a:t>Management Service</a:t>
+            </a:r>
+          </a:p>
+        </p:txBody>
+      </p:sp>
+      <p:cxnSp>
+        <p:nvCxnSpPr>
+          <p:cNvPr id="34" name="Curved Connector 33">
+            <a:extLst>
+              <a:ext uri="{FF2B5EF4-FFF2-40B4-BE49-F238E27FC236}">
+                <a16:creationId xmlns:a16="http://schemas.microsoft.com/office/drawing/2014/main" id="{0C7E623E-D576-E74E-A7E8-3AD33FD09830}"/>
+              </a:ext>
+            </a:extLst>
+          </p:cNvPr>
+          <p:cNvCxnSpPr>
+            <a:cxnSpLocks/>
+            <a:stCxn id="8" idx="2"/>
+            <a:endCxn id="33" idx="0"/>
+          </p:cNvCxnSpPr>
+          <p:nvPr/>
+        </p:nvCxnSpPr>
+        <p:spPr>
+          <a:xfrm rot="5400000">
+            <a:off x="7644309" y="2446564"/>
+            <a:ext cx="364605" cy="1"/>
+          </a:xfrm>
+          <a:prstGeom prst="curvedConnector3">
+            <a:avLst>
+              <a:gd name="adj1" fmla="val 50000"/>
+            </a:avLst>
+          </a:prstGeom>
+          <a:ln w="15875">
+            <a:solidFill>
+              <a:schemeClr val="accent1">
+                <a:lumMod val="75000"/>
+              </a:schemeClr>
+            </a:solidFill>
+            <a:tailEnd type="triangle"/>
+          </a:ln>
+        </p:spPr>
+        <p:style>
+          <a:lnRef idx="1">
+            <a:schemeClr val="accent1"/>
+          </a:lnRef>
+          <a:fillRef idx="0">
+            <a:schemeClr val="accent1"/>
+          </a:fillRef>
+          <a:effectRef idx="0">
+            <a:schemeClr val="accent1"/>
+          </a:effectRef>
+          <a:fontRef idx="minor">
+            <a:schemeClr val="tx1"/>
+          </a:fontRef>
+        </p:style>
+      </p:cxnSp>
+      <p:cxnSp>
+        <p:nvCxnSpPr>
+          <p:cNvPr id="37" name="Curved Connector 36">
+            <a:extLst>
+              <a:ext uri="{FF2B5EF4-FFF2-40B4-BE49-F238E27FC236}">
+                <a16:creationId xmlns:a16="http://schemas.microsoft.com/office/drawing/2014/main" id="{3F0B2ECF-CD9A-8841-9DE2-F677B57F9423}"/>
+              </a:ext>
+            </a:extLst>
+          </p:cNvPr>
+          <p:cNvCxnSpPr>
+            <a:cxnSpLocks/>
+            <a:stCxn id="33" idx="2"/>
+          </p:cNvCxnSpPr>
+          <p:nvPr/>
+        </p:nvCxnSpPr>
+        <p:spPr>
+          <a:xfrm rot="16200000" flipH="1">
+            <a:off x="7403927" y="3490136"/>
+            <a:ext cx="1003435" cy="158069"/>
+          </a:xfrm>
+          <a:prstGeom prst="curvedConnector3">
+            <a:avLst>
+              <a:gd name="adj1" fmla="val 50000"/>
+            </a:avLst>
+          </a:prstGeom>
+          <a:ln w="15875">
+            <a:solidFill>
+              <a:schemeClr val="accent1">
+                <a:lumMod val="75000"/>
+              </a:schemeClr>
+            </a:solidFill>
+            <a:tailEnd type="triangle"/>
+          </a:ln>
+        </p:spPr>
+        <p:style>
+          <a:lnRef idx="1">
+            <a:schemeClr val="accent1"/>
+          </a:lnRef>
+          <a:fillRef idx="0">
+            <a:schemeClr val="accent1"/>
+          </a:fillRef>
+          <a:effectRef idx="0">
+            <a:schemeClr val="accent1"/>
+          </a:effectRef>
+          <a:fontRef idx="minor">
+            <a:schemeClr val="tx1"/>
+          </a:fontRef>
+        </p:style>
+      </p:cxnSp>
+      <p:sp>
+        <p:nvSpPr>
+          <p:cNvPr id="40" name="TextBox 39">
+            <a:extLst>
+              <a:ext uri="{FF2B5EF4-FFF2-40B4-BE49-F238E27FC236}">
+                <a16:creationId xmlns:a16="http://schemas.microsoft.com/office/drawing/2014/main" id="{65E932CC-D2B2-3E46-B17D-44BB4F9A88F6}"/>
+              </a:ext>
+            </a:extLst>
+          </p:cNvPr>
+          <p:cNvSpPr txBox="1"/>
+          <p:nvPr/>
+        </p:nvSpPr>
+        <p:spPr>
+          <a:xfrm>
+            <a:off x="7618232" y="3264863"/>
+            <a:ext cx="869149" cy="253916"/>
+          </a:xfrm>
+          <a:prstGeom prst="rect">
+            <a:avLst/>
+          </a:prstGeom>
+          <a:solidFill>
+            <a:schemeClr val="bg1"/>
+          </a:solidFill>
+        </p:spPr>
+        <p:txBody>
+          <a:bodyPr wrap="none" rtlCol="0">
+            <a:spAutoFit/>
+          </a:bodyPr>
+          <a:lstStyle/>
+          <a:p>
+            <a:r>
+              <a:rPr lang="en-US" sz="1050" dirty="0"/>
+              <a:t>deploy jobs</a:t>
+            </a:r>
+          </a:p>
+        </p:txBody>
+      </p:sp>
+      <p:cxnSp>
+        <p:nvCxnSpPr>
+          <p:cNvPr id="43" name="Curved Connector 42">
+            <a:extLst>
+              <a:ext uri="{FF2B5EF4-FFF2-40B4-BE49-F238E27FC236}">
+                <a16:creationId xmlns:a16="http://schemas.microsoft.com/office/drawing/2014/main" id="{15FFFD49-BD9A-D14D-85E1-666FFC5C6370}"/>
+              </a:ext>
+            </a:extLst>
+          </p:cNvPr>
+          <p:cNvCxnSpPr>
+            <a:cxnSpLocks/>
+            <a:stCxn id="7" idx="3"/>
+            <a:endCxn id="11" idx="1"/>
+          </p:cNvCxnSpPr>
+          <p:nvPr/>
+        </p:nvCxnSpPr>
+        <p:spPr>
+          <a:xfrm>
+            <a:off x="1742512" y="3331844"/>
+            <a:ext cx="1168327" cy="515128"/>
+          </a:xfrm>
+          <a:prstGeom prst="curvedConnector3">
+            <a:avLst>
+              <a:gd name="adj1" fmla="val 50000"/>
+            </a:avLst>
+          </a:prstGeom>
+          <a:ln w="15875">
+            <a:solidFill>
+              <a:schemeClr val="accent1">
+                <a:lumMod val="75000"/>
+              </a:schemeClr>
+            </a:solidFill>
+            <a:tailEnd type="triangle"/>
+          </a:ln>
+        </p:spPr>
+        <p:style>
+          <a:lnRef idx="1">
+            <a:schemeClr val="accent1"/>
+          </a:lnRef>
+          <a:fillRef idx="0">
+            <a:schemeClr val="accent1"/>
+          </a:fillRef>
+          <a:effectRef idx="0">
+            <a:schemeClr val="accent1"/>
+          </a:effectRef>
+          <a:fontRef idx="minor">
+            <a:schemeClr val="tx1"/>
+          </a:fontRef>
+        </p:style>
+      </p:cxnSp>
+      <p:sp>
+        <p:nvSpPr>
+          <p:cNvPr id="42" name="TextBox 41">
+            <a:extLst>
+              <a:ext uri="{FF2B5EF4-FFF2-40B4-BE49-F238E27FC236}">
+                <a16:creationId xmlns:a16="http://schemas.microsoft.com/office/drawing/2014/main" id="{574E7212-AADC-174D-99AD-E78EA3E9255D}"/>
+              </a:ext>
+            </a:extLst>
+          </p:cNvPr>
+          <p:cNvSpPr txBox="1"/>
+          <p:nvPr/>
+        </p:nvSpPr>
+        <p:spPr>
+          <a:xfrm>
+            <a:off x="2000660" y="3409241"/>
+            <a:ext cx="537327" cy="261610"/>
+          </a:xfrm>
+          <a:prstGeom prst="rect">
+            <a:avLst/>
+          </a:prstGeom>
+          <a:solidFill>
+            <a:schemeClr val="bg1"/>
+          </a:solidFill>
+        </p:spPr>
+        <p:txBody>
+          <a:bodyPr wrap="none" rtlCol="0">
+            <a:spAutoFit/>
+          </a:bodyPr>
+          <a:lstStyle/>
+          <a:p>
+            <a:r>
+              <a:rPr lang="en-US" sz="1050" dirty="0"/>
+              <a:t>query</a:t>
+            </a:r>
+          </a:p>
+        </p:txBody>
+      </p:sp>
+      <p:cxnSp>
+        <p:nvCxnSpPr>
+          <p:cNvPr id="46" name="Curved Connector 45">
+            <a:extLst>
+              <a:ext uri="{FF2B5EF4-FFF2-40B4-BE49-F238E27FC236}">
+                <a16:creationId xmlns:a16="http://schemas.microsoft.com/office/drawing/2014/main" id="{A98F23BC-B0FC-E74F-B861-483B2327F380}"/>
+              </a:ext>
+            </a:extLst>
+          </p:cNvPr>
+          <p:cNvCxnSpPr>
+            <a:cxnSpLocks/>
+          </p:cNvCxnSpPr>
+          <p:nvPr/>
+        </p:nvCxnSpPr>
+        <p:spPr>
+          <a:xfrm>
+            <a:off x="-1593797" y="3814778"/>
+            <a:ext cx="1181922" cy="29567"/>
+          </a:xfrm>
+          <a:prstGeom prst="curvedConnector3">
+            <a:avLst>
+              <a:gd name="adj1" fmla="val 50000"/>
+            </a:avLst>
+          </a:prstGeom>
+          <a:ln w="15875">
+            <a:solidFill>
+              <a:schemeClr val="accent1">
+                <a:lumMod val="75000"/>
+              </a:schemeClr>
+            </a:solidFill>
+            <a:tailEnd type="triangle"/>
+          </a:ln>
+        </p:spPr>
+        <p:style>
+          <a:lnRef idx="1">
+            <a:schemeClr val="accent1"/>
+          </a:lnRef>
+          <a:fillRef idx="0">
+            <a:schemeClr val="accent1"/>
+          </a:fillRef>
+          <a:effectRef idx="0">
+            <a:schemeClr val="accent1"/>
+          </a:effectRef>
+          <a:fontRef idx="minor">
+            <a:schemeClr val="tx1"/>
+          </a:fontRef>
+        </p:style>
+      </p:cxnSp>
+      <p:cxnSp>
+        <p:nvCxnSpPr>
+          <p:cNvPr id="50" name="Curved Connector 49">
+            <a:extLst>
+              <a:ext uri="{FF2B5EF4-FFF2-40B4-BE49-F238E27FC236}">
+                <a16:creationId xmlns:a16="http://schemas.microsoft.com/office/drawing/2014/main" id="{DD898F74-743C-7B46-A34C-628941D1EDE0}"/>
+              </a:ext>
+            </a:extLst>
+          </p:cNvPr>
+          <p:cNvCxnSpPr>
+            <a:cxnSpLocks/>
+            <a:stCxn id="9" idx="3"/>
+            <a:endCxn id="24" idx="1"/>
+          </p:cNvCxnSpPr>
+          <p:nvPr/>
+        </p:nvCxnSpPr>
+        <p:spPr>
+          <a:xfrm>
+            <a:off x="1742512" y="4432934"/>
+            <a:ext cx="1181922" cy="29567"/>
+          </a:xfrm>
+          <a:prstGeom prst="curvedConnector3">
+            <a:avLst>
+              <a:gd name="adj1" fmla="val 50000"/>
+            </a:avLst>
+          </a:prstGeom>
+          <a:ln w="15875">
+            <a:solidFill>
+              <a:schemeClr val="accent1">
+                <a:lumMod val="75000"/>
+              </a:schemeClr>
+            </a:solidFill>
+            <a:tailEnd type="triangle"/>
+          </a:ln>
+        </p:spPr>
+        <p:style>
+          <a:lnRef idx="1">
+            <a:schemeClr val="accent1"/>
+          </a:lnRef>
+          <a:fillRef idx="0">
+            <a:schemeClr val="accent1"/>
+          </a:fillRef>
+          <a:effectRef idx="0">
+            <a:schemeClr val="accent1"/>
+          </a:effectRef>
+          <a:fontRef idx="minor">
+            <a:schemeClr val="tx1"/>
+          </a:fontRef>
+        </p:style>
+      </p:cxnSp>
+      <p:sp>
+        <p:nvSpPr>
+          <p:cNvPr id="47" name="TextBox 46">
+            <a:extLst>
+              <a:ext uri="{FF2B5EF4-FFF2-40B4-BE49-F238E27FC236}">
+                <a16:creationId xmlns:a16="http://schemas.microsoft.com/office/drawing/2014/main" id="{37C9E417-72A1-0F4E-8CE7-15D324146439}"/>
+              </a:ext>
+            </a:extLst>
+          </p:cNvPr>
+          <p:cNvSpPr txBox="1"/>
+          <p:nvPr/>
+        </p:nvSpPr>
+        <p:spPr>
+          <a:xfrm>
+            <a:off x="1963732" y="4351573"/>
+            <a:ext cx="791805" cy="253916"/>
+          </a:xfrm>
+          <a:prstGeom prst="rect">
+            <a:avLst/>
+          </a:prstGeom>
+          <a:solidFill>
+            <a:schemeClr val="bg1"/>
+          </a:solidFill>
+        </p:spPr>
+        <p:txBody>
+          <a:bodyPr wrap="square" rtlCol="0">
+            <a:spAutoFit/>
+          </a:bodyPr>
+          <a:lstStyle/>
+          <a:p>
+            <a:r>
+              <a:rPr lang="en-US" sz="1050" dirty="0"/>
+              <a:t>produce</a:t>
+            </a:r>
+          </a:p>
+        </p:txBody>
+      </p:sp>
+    </p:spTree>
+    <p:extLst>
+      <p:ext uri="{BB962C8B-B14F-4D97-AF65-F5344CB8AC3E}">
+        <p14:creationId xmlns:p14="http://schemas.microsoft.com/office/powerpoint/2010/main" val="637984822"/>
       </p:ext>
     </p:extLst>
   </p:cSld>
@@ -31970,7 +33781,7 @@
             <a:effectLst/>
             <a:extLst>
               <a:ext uri="{C572A759-6A51-4108-AA02-DFA0A04FC94B}">
-                <ma14:wrappingTextBoxFlag xmlns="" xmlns:ma14="http://schemas.microsoft.com/office/mac/drawingml/2011/main" val="1"/>
+                <ma14:wrappingTextBoxFlag xmlns:ma14="http://schemas.microsoft.com/office/mac/drawingml/2011/main" xmlns="" val="1"/>
               </a:ext>
             </a:extLst>
           </p:spPr>
@@ -32086,7 +33897,7 @@
             <a:effectLst/>
             <a:extLst>
               <a:ext uri="{C572A759-6A51-4108-AA02-DFA0A04FC94B}">
-                <ma14:wrappingTextBoxFlag xmlns="" xmlns:ma14="http://schemas.microsoft.com/office/mac/drawingml/2011/main" val="1"/>
+                <ma14:wrappingTextBoxFlag xmlns:ma14="http://schemas.microsoft.com/office/mac/drawingml/2011/main" xmlns="" val="1"/>
               </a:ext>
             </a:extLst>
           </p:spPr>
@@ -32202,7 +34013,7 @@
             <a:effectLst/>
             <a:extLst>
               <a:ext uri="{C572A759-6A51-4108-AA02-DFA0A04FC94B}">
-                <ma14:wrappingTextBoxFlag xmlns="" xmlns:ma14="http://schemas.microsoft.com/office/mac/drawingml/2011/main" val="1"/>
+                <ma14:wrappingTextBoxFlag xmlns:ma14="http://schemas.microsoft.com/office/mac/drawingml/2011/main" xmlns="" val="1"/>
               </a:ext>
             </a:extLst>
           </p:spPr>
@@ -32318,7 +34129,7 @@
             <a:effectLst/>
             <a:extLst>
               <a:ext uri="{C572A759-6A51-4108-AA02-DFA0A04FC94B}">
-                <ma14:wrappingTextBoxFlag xmlns="" xmlns:ma14="http://schemas.microsoft.com/office/mac/drawingml/2011/main" val="1"/>
+                <ma14:wrappingTextBoxFlag xmlns:ma14="http://schemas.microsoft.com/office/mac/drawingml/2011/main" xmlns="" val="1"/>
               </a:ext>
             </a:extLst>
           </p:spPr>
@@ -32434,7 +34245,7 @@
             <a:effectLst/>
             <a:extLst>
               <a:ext uri="{C572A759-6A51-4108-AA02-DFA0A04FC94B}">
-                <ma14:wrappingTextBoxFlag xmlns="" xmlns:ma14="http://schemas.microsoft.com/office/mac/drawingml/2011/main" val="1"/>
+                <ma14:wrappingTextBoxFlag xmlns:ma14="http://schemas.microsoft.com/office/mac/drawingml/2011/main" xmlns="" val="1"/>
               </a:ext>
             </a:extLst>
           </p:spPr>
@@ -32550,7 +34361,7 @@
             <a:effectLst/>
             <a:extLst>
               <a:ext uri="{C572A759-6A51-4108-AA02-DFA0A04FC94B}">
-                <ma14:wrappingTextBoxFlag xmlns="" xmlns:ma14="http://schemas.microsoft.com/office/mac/drawingml/2011/main" val="1"/>
+                <ma14:wrappingTextBoxFlag xmlns:ma14="http://schemas.microsoft.com/office/mac/drawingml/2011/main" xmlns="" val="1"/>
               </a:ext>
             </a:extLst>
           </p:spPr>
@@ -34230,7 +36041,7 @@
             <a:effectLst/>
             <a:extLst>
               <a:ext uri="{C572A759-6A51-4108-AA02-DFA0A04FC94B}">
-                <ma14:wrappingTextBoxFlag xmlns:ma14="http://schemas.microsoft.com/office/mac/drawingml/2011/main" xmlns="" val="1"/>
+                <ma14:wrappingTextBoxFlag xmlns="" xmlns:ma14="http://schemas.microsoft.com/office/mac/drawingml/2011/main" val="1"/>
               </a:ext>
             </a:extLst>
           </p:spPr>
@@ -34883,7 +36694,7 @@
             <a:effectLst/>
             <a:extLst>
               <a:ext uri="{C572A759-6A51-4108-AA02-DFA0A04FC94B}">
-                <ma14:wrappingTextBoxFlag xmlns="" xmlns:ma14="http://schemas.microsoft.com/office/mac/drawingml/2011/main" val="1"/>
+                <ma14:wrappingTextBoxFlag xmlns:ma14="http://schemas.microsoft.com/office/mac/drawingml/2011/main" xmlns="" val="1"/>
               </a:ext>
             </a:extLst>
           </p:spPr>
@@ -35372,7 +37183,7 @@
             <a:effectLst/>
             <a:extLst>
               <a:ext uri="{C572A759-6A51-4108-AA02-DFA0A04FC94B}">
-                <ma14:wrappingTextBoxFlag xmlns:ma14="http://schemas.microsoft.com/office/mac/drawingml/2011/main" xmlns="" val="1"/>
+                <ma14:wrappingTextBoxFlag xmlns="" xmlns:ma14="http://schemas.microsoft.com/office/mac/drawingml/2011/main" val="1"/>
               </a:ext>
             </a:extLst>
           </p:spPr>
@@ -35488,7 +37299,7 @@
             <a:effectLst/>
             <a:extLst>
               <a:ext uri="{C572A759-6A51-4108-AA02-DFA0A04FC94B}">
-                <ma14:wrappingTextBoxFlag xmlns:ma14="http://schemas.microsoft.com/office/mac/drawingml/2011/main" xmlns="" val="1"/>
+                <ma14:wrappingTextBoxFlag xmlns="" xmlns:ma14="http://schemas.microsoft.com/office/mac/drawingml/2011/main" val="1"/>
               </a:ext>
             </a:extLst>
           </p:spPr>
@@ -35818,7 +37629,7 @@
             <a:effectLst/>
             <a:extLst>
               <a:ext uri="{C572A759-6A51-4108-AA02-DFA0A04FC94B}">
-                <ma14:wrappingTextBoxFlag xmlns:ma14="http://schemas.microsoft.com/office/mac/drawingml/2011/main" xmlns="" val="1"/>
+                <ma14:wrappingTextBoxFlag xmlns="" xmlns:ma14="http://schemas.microsoft.com/office/mac/drawingml/2011/main" val="1"/>
               </a:ext>
             </a:extLst>
           </p:spPr>
@@ -36246,7 +38057,7 @@
             <a:effectLst/>
             <a:extLst>
               <a:ext uri="{C572A759-6A51-4108-AA02-DFA0A04FC94B}">
-                <ma14:wrappingTextBoxFlag xmlns:ma14="http://schemas.microsoft.com/office/mac/drawingml/2011/main" xmlns="" val="1"/>
+                <ma14:wrappingTextBoxFlag xmlns="" xmlns:ma14="http://schemas.microsoft.com/office/mac/drawingml/2011/main" val="1"/>
               </a:ext>
             </a:extLst>
           </p:spPr>
@@ -37229,7 +39040,7 @@
             <a:effectLst/>
             <a:extLst>
               <a:ext uri="{C572A759-6A51-4108-AA02-DFA0A04FC94B}">
-                <ma14:wrappingTextBoxFlag xmlns:ma14="http://schemas.microsoft.com/office/mac/drawingml/2011/main" xmlns="" val="1"/>
+                <ma14:wrappingTextBoxFlag xmlns="" xmlns:ma14="http://schemas.microsoft.com/office/mac/drawingml/2011/main" val="1"/>
               </a:ext>
             </a:extLst>
           </p:spPr>
@@ -37484,7 +39295,7 @@
             <a:effectLst/>
             <a:extLst>
               <a:ext uri="{C572A759-6A51-4108-AA02-DFA0A04FC94B}">
-                <ma14:wrappingTextBoxFlag xmlns:ma14="http://schemas.microsoft.com/office/mac/drawingml/2011/main" xmlns="" val="1"/>
+                <ma14:wrappingTextBoxFlag xmlns="" xmlns:ma14="http://schemas.microsoft.com/office/mac/drawingml/2011/main" val="1"/>
               </a:ext>
             </a:extLst>
           </p:spPr>
@@ -37814,7 +39625,7 @@
             <a:effectLst/>
             <a:extLst>
               <a:ext uri="{C572A759-6A51-4108-AA02-DFA0A04FC94B}">
-                <ma14:wrappingTextBoxFlag xmlns:ma14="http://schemas.microsoft.com/office/mac/drawingml/2011/main" xmlns="" val="1"/>
+                <ma14:wrappingTextBoxFlag xmlns="" xmlns:ma14="http://schemas.microsoft.com/office/mac/drawingml/2011/main" val="1"/>
               </a:ext>
             </a:extLst>
           </p:spPr>
@@ -38041,7 +39852,7 @@
             <a:effectLst/>
             <a:extLst>
               <a:ext uri="{C572A759-6A51-4108-AA02-DFA0A04FC94B}">
-                <ma14:wrappingTextBoxFlag xmlns:ma14="http://schemas.microsoft.com/office/mac/drawingml/2011/main" xmlns="" val="1"/>
+                <ma14:wrappingTextBoxFlag xmlns="" xmlns:ma14="http://schemas.microsoft.com/office/mac/drawingml/2011/main" val="1"/>
               </a:ext>
             </a:extLst>
           </p:spPr>
@@ -38382,7 +40193,7 @@
             <a:effectLst/>
             <a:extLst>
               <a:ext uri="{C572A759-6A51-4108-AA02-DFA0A04FC94B}">
-                <ma14:wrappingTextBoxFlag xmlns:ma14="http://schemas.microsoft.com/office/mac/drawingml/2011/main" xmlns="" val="1"/>
+                <ma14:wrappingTextBoxFlag xmlns="" xmlns:ma14="http://schemas.microsoft.com/office/mac/drawingml/2011/main" val="1"/>
               </a:ext>
             </a:extLst>
           </p:spPr>
@@ -39020,7 +40831,7 @@
             <a:effectLst/>
             <a:extLst>
               <a:ext uri="{C572A759-6A51-4108-AA02-DFA0A04FC94B}">
-                <ma14:wrappingTextBoxFlag xmlns:ma14="http://schemas.microsoft.com/office/mac/drawingml/2011/main" xmlns="" val="1"/>
+                <ma14:wrappingTextBoxFlag xmlns="" xmlns:ma14="http://schemas.microsoft.com/office/mac/drawingml/2011/main" val="1"/>
               </a:ext>
             </a:extLst>
           </p:spPr>
@@ -39136,7 +40947,7 @@
             <a:effectLst/>
             <a:extLst>
               <a:ext uri="{C572A759-6A51-4108-AA02-DFA0A04FC94B}">
-                <ma14:wrappingTextBoxFlag xmlns:ma14="http://schemas.microsoft.com/office/mac/drawingml/2011/main" xmlns="" val="1"/>
+                <ma14:wrappingTextBoxFlag xmlns="" xmlns:ma14="http://schemas.microsoft.com/office/mac/drawingml/2011/main" val="1"/>
               </a:ext>
             </a:extLst>
           </p:spPr>
@@ -40328,7 +42139,7 @@
             <a:effectLst/>
             <a:extLst>
               <a:ext uri="{C572A759-6A51-4108-AA02-DFA0A04FC94B}">
-                <ma14:wrappingTextBoxFlag xmlns:ma14="http://schemas.microsoft.com/office/mac/drawingml/2011/main" xmlns="" val="1"/>
+                <ma14:wrappingTextBoxFlag xmlns="" xmlns:ma14="http://schemas.microsoft.com/office/mac/drawingml/2011/main" val="1"/>
               </a:ext>
             </a:extLst>
           </p:spPr>
@@ -40444,7 +42255,7 @@
             <a:effectLst/>
             <a:extLst>
               <a:ext uri="{C572A759-6A51-4108-AA02-DFA0A04FC94B}">
-                <ma14:wrappingTextBoxFlag xmlns:ma14="http://schemas.microsoft.com/office/mac/drawingml/2011/main" xmlns="" val="1"/>
+                <ma14:wrappingTextBoxFlag xmlns="" xmlns:ma14="http://schemas.microsoft.com/office/mac/drawingml/2011/main" val="1"/>
               </a:ext>
             </a:extLst>
           </p:spPr>
@@ -40560,7 +42371,7 @@
             <a:effectLst/>
             <a:extLst>
               <a:ext uri="{C572A759-6A51-4108-AA02-DFA0A04FC94B}">
-                <ma14:wrappingTextBoxFlag xmlns:ma14="http://schemas.microsoft.com/office/mac/drawingml/2011/main" xmlns="" val="1"/>
+                <ma14:wrappingTextBoxFlag xmlns="" xmlns:ma14="http://schemas.microsoft.com/office/mac/drawingml/2011/main" val="1"/>
               </a:ext>
             </a:extLst>
           </p:spPr>
@@ -40971,7 +42782,7 @@
             <a:effectLst/>
             <a:extLst>
               <a:ext uri="{C572A759-6A51-4108-AA02-DFA0A04FC94B}">
-                <ma14:wrappingTextBoxFlag xmlns:ma14="http://schemas.microsoft.com/office/mac/drawingml/2011/main" xmlns="" val="1"/>
+                <ma14:wrappingTextBoxFlag xmlns="" xmlns:ma14="http://schemas.microsoft.com/office/mac/drawingml/2011/main" val="1"/>
               </a:ext>
             </a:extLst>
           </p:spPr>
@@ -41087,7 +42898,7 @@
             <a:effectLst/>
             <a:extLst>
               <a:ext uri="{C572A759-6A51-4108-AA02-DFA0A04FC94B}">
-                <ma14:wrappingTextBoxFlag xmlns:ma14="http://schemas.microsoft.com/office/mac/drawingml/2011/main" xmlns="" val="1"/>
+                <ma14:wrappingTextBoxFlag xmlns="" xmlns:ma14="http://schemas.microsoft.com/office/mac/drawingml/2011/main" val="1"/>
               </a:ext>
             </a:extLst>
           </p:spPr>
@@ -41203,7 +43014,7 @@
             <a:effectLst/>
             <a:extLst>
               <a:ext uri="{C572A759-6A51-4108-AA02-DFA0A04FC94B}">
-                <ma14:wrappingTextBoxFlag xmlns:ma14="http://schemas.microsoft.com/office/mac/drawingml/2011/main" xmlns="" val="1"/>
+                <ma14:wrappingTextBoxFlag xmlns="" xmlns:ma14="http://schemas.microsoft.com/office/mac/drawingml/2011/main" val="1"/>
               </a:ext>
             </a:extLst>
           </p:spPr>
@@ -41579,7 +43390,7 @@
             <a:effectLst/>
             <a:extLst>
               <a:ext uri="{C572A759-6A51-4108-AA02-DFA0A04FC94B}">
-                <ma14:wrappingTextBoxFlag xmlns:ma14="http://schemas.microsoft.com/office/mac/drawingml/2011/main" xmlns="" val="1"/>
+                <ma14:wrappingTextBoxFlag xmlns="" xmlns:ma14="http://schemas.microsoft.com/office/mac/drawingml/2011/main" val="1"/>
               </a:ext>
             </a:extLst>
           </p:spPr>
@@ -41712,7 +43523,7 @@
             <a:effectLst/>
             <a:extLst>
               <a:ext uri="{C572A759-6A51-4108-AA02-DFA0A04FC94B}">
-                <ma14:wrappingTextBoxFlag xmlns:ma14="http://schemas.microsoft.com/office/mac/drawingml/2011/main" xmlns="" val="1"/>
+                <ma14:wrappingTextBoxFlag xmlns="" xmlns:ma14="http://schemas.microsoft.com/office/mac/drawingml/2011/main" val="1"/>
               </a:ext>
             </a:extLst>
           </p:spPr>
@@ -41828,7 +43639,7 @@
             <a:effectLst/>
             <a:extLst>
               <a:ext uri="{C572A759-6A51-4108-AA02-DFA0A04FC94B}">
-                <ma14:wrappingTextBoxFlag xmlns:ma14="http://schemas.microsoft.com/office/mac/drawingml/2011/main" xmlns="" val="1"/>
+                <ma14:wrappingTextBoxFlag xmlns="" xmlns:ma14="http://schemas.microsoft.com/office/mac/drawingml/2011/main" val="1"/>
               </a:ext>
             </a:extLst>
           </p:spPr>
@@ -42041,7 +43852,7 @@
             <a:effectLst/>
             <a:extLst>
               <a:ext uri="{C572A759-6A51-4108-AA02-DFA0A04FC94B}">
-                <ma14:wrappingTextBoxFlag xmlns="" xmlns:ma14="http://schemas.microsoft.com/office/mac/drawingml/2011/main" val="1"/>
+                <ma14:wrappingTextBoxFlag xmlns:ma14="http://schemas.microsoft.com/office/mac/drawingml/2011/main" xmlns="" val="1"/>
               </a:ext>
             </a:extLst>
           </p:spPr>
@@ -42272,7 +44083,7 @@
               <a:effectLst/>
               <a:extLst>
                 <a:ext uri="{C572A759-6A51-4108-AA02-DFA0A04FC94B}">
-                  <ma14:wrappingTextBoxFlag xmlns="" xmlns:ma14="http://schemas.microsoft.com/office/mac/drawingml/2011/main" val="1"/>
+                  <ma14:wrappingTextBoxFlag xmlns:ma14="http://schemas.microsoft.com/office/mac/drawingml/2011/main" xmlns="" val="1"/>
                 </a:ext>
               </a:extLst>
             </p:spPr>
@@ -42738,7 +44549,7 @@
               <a:effectLst/>
               <a:extLst>
                 <a:ext uri="{C572A759-6A51-4108-AA02-DFA0A04FC94B}">
-                  <ma14:wrappingTextBoxFlag xmlns="" xmlns:ma14="http://schemas.microsoft.com/office/mac/drawingml/2011/main" val="1"/>
+                  <ma14:wrappingTextBoxFlag xmlns:ma14="http://schemas.microsoft.com/office/mac/drawingml/2011/main" xmlns="" val="1"/>
                 </a:ext>
               </a:extLst>
             </p:spPr>
@@ -43474,7 +45285,7 @@
               <a:effectLst/>
               <a:extLst>
                 <a:ext uri="{C572A759-6A51-4108-AA02-DFA0A04FC94B}">
-                  <ma14:wrappingTextBoxFlag xmlns="" xmlns:ma14="http://schemas.microsoft.com/office/mac/drawingml/2011/main" val="1"/>
+                  <ma14:wrappingTextBoxFlag xmlns:ma14="http://schemas.microsoft.com/office/mac/drawingml/2011/main" xmlns="" val="1"/>
                 </a:ext>
               </a:extLst>
             </p:spPr>
@@ -43966,7 +45777,7 @@
             <a:effectLst/>
             <a:extLst>
               <a:ext uri="{C572A759-6A51-4108-AA02-DFA0A04FC94B}">
-                <ma14:wrappingTextBoxFlag xmlns="" xmlns:ma14="http://schemas.microsoft.com/office/mac/drawingml/2011/main" val="1"/>
+                <ma14:wrappingTextBoxFlag xmlns:ma14="http://schemas.microsoft.com/office/mac/drawingml/2011/main" xmlns="" val="1"/>
               </a:ext>
             </a:extLst>
           </p:spPr>
@@ -44099,7 +45910,7 @@
             <a:effectLst/>
             <a:extLst>
               <a:ext uri="{C572A759-6A51-4108-AA02-DFA0A04FC94B}">
-                <ma14:wrappingTextBoxFlag xmlns="" xmlns:ma14="http://schemas.microsoft.com/office/mac/drawingml/2011/main" val="1"/>
+                <ma14:wrappingTextBoxFlag xmlns:ma14="http://schemas.microsoft.com/office/mac/drawingml/2011/main" xmlns="" val="1"/>
               </a:ext>
             </a:extLst>
           </p:spPr>
@@ -44232,7 +46043,7 @@
             <a:effectLst/>
             <a:extLst>
               <a:ext uri="{C572A759-6A51-4108-AA02-DFA0A04FC94B}">
-                <ma14:wrappingTextBoxFlag xmlns:ma14="http://schemas.microsoft.com/office/mac/drawingml/2011/main" xmlns="" val="1"/>
+                <ma14:wrappingTextBoxFlag xmlns="" xmlns:ma14="http://schemas.microsoft.com/office/mac/drawingml/2011/main" val="1"/>
               </a:ext>
             </a:extLst>
           </p:spPr>
@@ -44463,7 +46274,7 @@
               <a:effectLst/>
               <a:extLst>
                 <a:ext uri="{C572A759-6A51-4108-AA02-DFA0A04FC94B}">
-                  <ma14:wrappingTextBoxFlag xmlns:ma14="http://schemas.microsoft.com/office/mac/drawingml/2011/main" xmlns="" val="1"/>
+                  <ma14:wrappingTextBoxFlag xmlns="" xmlns:ma14="http://schemas.microsoft.com/office/mac/drawingml/2011/main" val="1"/>
                 </a:ext>
               </a:extLst>
             </p:spPr>
@@ -44841,7 +46652,7 @@
               <a:effectLst/>
               <a:extLst>
                 <a:ext uri="{C572A759-6A51-4108-AA02-DFA0A04FC94B}">
-                  <ma14:wrappingTextBoxFlag xmlns:ma14="http://schemas.microsoft.com/office/mac/drawingml/2011/main" xmlns="" val="1"/>
+                  <ma14:wrappingTextBoxFlag xmlns="" xmlns:ma14="http://schemas.microsoft.com/office/mac/drawingml/2011/main" val="1"/>
                 </a:ext>
               </a:extLst>
             </p:spPr>
@@ -45577,7 +47388,7 @@
               <a:effectLst/>
               <a:extLst>
                 <a:ext uri="{C572A759-6A51-4108-AA02-DFA0A04FC94B}">
-                  <ma14:wrappingTextBoxFlag xmlns:ma14="http://schemas.microsoft.com/office/mac/drawingml/2011/main" xmlns="" val="1"/>
+                  <ma14:wrappingTextBoxFlag xmlns="" xmlns:ma14="http://schemas.microsoft.com/office/mac/drawingml/2011/main" val="1"/>
                 </a:ext>
               </a:extLst>
             </p:spPr>
@@ -45817,7 +47628,7 @@
             <a:effectLst/>
             <a:extLst>
               <a:ext uri="{C572A759-6A51-4108-AA02-DFA0A04FC94B}">
-                <ma14:wrappingTextBoxFlag xmlns:ma14="http://schemas.microsoft.com/office/mac/drawingml/2011/main" xmlns="" val="1"/>
+                <ma14:wrappingTextBoxFlag xmlns="" xmlns:ma14="http://schemas.microsoft.com/office/mac/drawingml/2011/main" val="1"/>
               </a:ext>
             </a:extLst>
           </p:spPr>
@@ -46070,7 +47881,7 @@
             <a:effectLst/>
             <a:extLst>
               <a:ext uri="{C572A759-6A51-4108-AA02-DFA0A04FC94B}">
-                <ma14:wrappingTextBoxFlag xmlns:ma14="http://schemas.microsoft.com/office/mac/drawingml/2011/main" xmlns="" val="1"/>
+                <ma14:wrappingTextBoxFlag xmlns="" xmlns:ma14="http://schemas.microsoft.com/office/mac/drawingml/2011/main" val="1"/>
               </a:ext>
             </a:extLst>
           </p:spPr>
@@ -46402,7 +48213,7 @@
               <a:effectLst/>
               <a:extLst>
                 <a:ext uri="{C572A759-6A51-4108-AA02-DFA0A04FC94B}">
-                  <ma14:wrappingTextBoxFlag xmlns:ma14="http://schemas.microsoft.com/office/mac/drawingml/2011/main" xmlns="" val="1"/>
+                  <ma14:wrappingTextBoxFlag xmlns="" xmlns:ma14="http://schemas.microsoft.com/office/mac/drawingml/2011/main" val="1"/>
                 </a:ext>
               </a:extLst>
             </p:spPr>
@@ -46595,7 +48406,7 @@
             <a:effectLst/>
             <a:extLst>
               <a:ext uri="{C572A759-6A51-4108-AA02-DFA0A04FC94B}">
-                <ma14:wrappingTextBoxFlag xmlns:ma14="http://schemas.microsoft.com/office/mac/drawingml/2011/main" xmlns="" val="1"/>
+                <ma14:wrappingTextBoxFlag xmlns="" xmlns:ma14="http://schemas.microsoft.com/office/mac/drawingml/2011/main" val="1"/>
               </a:ext>
             </a:extLst>
           </p:spPr>

--- a/docs/Diagrams.pptx
+++ b/docs/Diagrams.pptx
@@ -6,7 +6,7 @@
     <p:sldMasterId id="2147484308" r:id="rId2"/>
   </p:sldMasterIdLst>
   <p:notesMasterIdLst>
-    <p:notesMasterId r:id="rId23"/>
+    <p:notesMasterId r:id="rId24"/>
   </p:notesMasterIdLst>
   <p:sldIdLst>
     <p:sldId id="2670" r:id="rId3"/>
@@ -29,6 +29,7 @@
     <p:sldId id="2687" r:id="rId20"/>
     <p:sldId id="2688" r:id="rId21"/>
     <p:sldId id="2689" r:id="rId22"/>
+    <p:sldId id="2692" r:id="rId23"/>
   </p:sldIdLst>
   <p:sldSz cx="12192000" cy="6858000"/>
   <p:notesSz cx="7086600" cy="9372600"/>
@@ -291,7 +292,7 @@
               <a:pPr>
                 <a:defRPr/>
               </a:pPr>
-              <a:t>10/21/21</a:t>
+              <a:t>12/6/21</a:t>
             </a:fld>
             <a:endParaRPr lang="en-US"/>
           </a:p>
@@ -9268,7 +9269,7 @@
             <a:effectLst/>
             <a:extLst>
               <a:ext uri="{C572A759-6A51-4108-AA02-DFA0A04FC94B}">
-                <ma14:wrappingTextBoxFlag xmlns="" xmlns:ma14="http://schemas.microsoft.com/office/mac/drawingml/2011/main" val="1"/>
+                <ma14:wrappingTextBoxFlag xmlns:ma14="http://schemas.microsoft.com/office/mac/drawingml/2011/main" xmlns="" val="1"/>
               </a:ext>
             </a:extLst>
           </p:spPr>
@@ -10084,7 +10085,7 @@
             <a:effectLst/>
             <a:extLst>
               <a:ext uri="{C572A759-6A51-4108-AA02-DFA0A04FC94B}">
-                <ma14:wrappingTextBoxFlag xmlns="" xmlns:ma14="http://schemas.microsoft.com/office/mac/drawingml/2011/main" val="1"/>
+                <ma14:wrappingTextBoxFlag xmlns:ma14="http://schemas.microsoft.com/office/mac/drawingml/2011/main" xmlns="" val="1"/>
               </a:ext>
             </a:extLst>
           </p:spPr>
@@ -10200,7 +10201,7 @@
             <a:effectLst/>
             <a:extLst>
               <a:ext uri="{C572A759-6A51-4108-AA02-DFA0A04FC94B}">
-                <ma14:wrappingTextBoxFlag xmlns="" xmlns:ma14="http://schemas.microsoft.com/office/mac/drawingml/2011/main" val="1"/>
+                <ma14:wrappingTextBoxFlag xmlns:ma14="http://schemas.microsoft.com/office/mac/drawingml/2011/main" xmlns="" val="1"/>
               </a:ext>
             </a:extLst>
           </p:spPr>
@@ -10380,7 +10381,7 @@
             <a:effectLst/>
             <a:extLst>
               <a:ext uri="{C572A759-6A51-4108-AA02-DFA0A04FC94B}">
-                <ma14:wrappingTextBoxFlag xmlns:ma14="http://schemas.microsoft.com/office/mac/drawingml/2011/main" xmlns="" val="1"/>
+                <ma14:wrappingTextBoxFlag xmlns="" xmlns:ma14="http://schemas.microsoft.com/office/mac/drawingml/2011/main" val="1"/>
               </a:ext>
             </a:extLst>
           </p:spPr>
@@ -10695,7 +10696,7 @@
               <a:effectLst/>
               <a:extLst>
                 <a:ext uri="{C572A759-6A51-4108-AA02-DFA0A04FC94B}">
-                  <ma14:wrappingTextBoxFlag xmlns="" xmlns:ma14="http://schemas.microsoft.com/office/mac/drawingml/2011/main" val="1"/>
+                  <ma14:wrappingTextBoxFlag xmlns:ma14="http://schemas.microsoft.com/office/mac/drawingml/2011/main" xmlns="" val="1"/>
                 </a:ext>
               </a:extLst>
             </p:spPr>
@@ -10909,7 +10910,7 @@
               <a:effectLst/>
               <a:extLst>
                 <a:ext uri="{C572A759-6A51-4108-AA02-DFA0A04FC94B}">
-                  <ma14:wrappingTextBoxFlag xmlns="" xmlns:ma14="http://schemas.microsoft.com/office/mac/drawingml/2011/main" val="1"/>
+                  <ma14:wrappingTextBoxFlag xmlns:ma14="http://schemas.microsoft.com/office/mac/drawingml/2011/main" xmlns="" val="1"/>
                 </a:ext>
               </a:extLst>
             </p:spPr>
@@ -11191,7 +11192,7 @@
             <a:effectLst/>
             <a:extLst>
               <a:ext uri="{C572A759-6A51-4108-AA02-DFA0A04FC94B}">
-                <ma14:wrappingTextBoxFlag xmlns="" xmlns:ma14="http://schemas.microsoft.com/office/mac/drawingml/2011/main" val="1"/>
+                <ma14:wrappingTextBoxFlag xmlns:ma14="http://schemas.microsoft.com/office/mac/drawingml/2011/main" xmlns="" val="1"/>
               </a:ext>
             </a:extLst>
           </p:spPr>
@@ -11307,7 +11308,7 @@
             <a:effectLst/>
             <a:extLst>
               <a:ext uri="{C572A759-6A51-4108-AA02-DFA0A04FC94B}">
-                <ma14:wrappingTextBoxFlag xmlns="" xmlns:ma14="http://schemas.microsoft.com/office/mac/drawingml/2011/main" val="1"/>
+                <ma14:wrappingTextBoxFlag xmlns:ma14="http://schemas.microsoft.com/office/mac/drawingml/2011/main" xmlns="" val="1"/>
               </a:ext>
             </a:extLst>
           </p:spPr>
@@ -12445,7 +12446,7 @@
             <a:effectLst/>
             <a:extLst>
               <a:ext uri="{C572A759-6A51-4108-AA02-DFA0A04FC94B}">
-                <ma14:wrappingTextBoxFlag xmlns:ma14="http://schemas.microsoft.com/office/mac/drawingml/2011/main" xmlns="" val="1"/>
+                <ma14:wrappingTextBoxFlag xmlns="" xmlns:ma14="http://schemas.microsoft.com/office/mac/drawingml/2011/main" val="1"/>
               </a:ext>
             </a:extLst>
           </p:spPr>
@@ -12578,7 +12579,7 @@
             <a:effectLst/>
             <a:extLst>
               <a:ext uri="{C572A759-6A51-4108-AA02-DFA0A04FC94B}">
-                <ma14:wrappingTextBoxFlag xmlns:ma14="http://schemas.microsoft.com/office/mac/drawingml/2011/main" xmlns="" val="1"/>
+                <ma14:wrappingTextBoxFlag xmlns="" xmlns:ma14="http://schemas.microsoft.com/office/mac/drawingml/2011/main" val="1"/>
               </a:ext>
             </a:extLst>
           </p:spPr>
@@ -12890,7 +12891,7 @@
               <a:effectLst/>
               <a:extLst>
                 <a:ext uri="{C572A759-6A51-4108-AA02-DFA0A04FC94B}">
-                  <ma14:wrappingTextBoxFlag xmlns="" xmlns:ma14="http://schemas.microsoft.com/office/mac/drawingml/2011/main" val="1"/>
+                  <ma14:wrappingTextBoxFlag xmlns:ma14="http://schemas.microsoft.com/office/mac/drawingml/2011/main" xmlns="" val="1"/>
                 </a:ext>
               </a:extLst>
             </p:spPr>
@@ -13314,7 +13315,7 @@
               <a:effectLst/>
               <a:extLst>
                 <a:ext uri="{C572A759-6A51-4108-AA02-DFA0A04FC94B}">
-                  <ma14:wrappingTextBoxFlag xmlns="" xmlns:ma14="http://schemas.microsoft.com/office/mac/drawingml/2011/main" val="1"/>
+                  <ma14:wrappingTextBoxFlag xmlns:ma14="http://schemas.microsoft.com/office/mac/drawingml/2011/main" xmlns="" val="1"/>
                 </a:ext>
               </a:extLst>
             </p:spPr>
@@ -13965,7 +13966,7 @@
             <a:effectLst/>
             <a:extLst>
               <a:ext uri="{C572A759-6A51-4108-AA02-DFA0A04FC94B}">
-                <ma14:wrappingTextBoxFlag xmlns="" xmlns:ma14="http://schemas.microsoft.com/office/mac/drawingml/2011/main" val="1"/>
+                <ma14:wrappingTextBoxFlag xmlns:ma14="http://schemas.microsoft.com/office/mac/drawingml/2011/main" xmlns="" val="1"/>
               </a:ext>
             </a:extLst>
           </p:spPr>
@@ -14220,7 +14221,7 @@
             <a:effectLst/>
             <a:extLst>
               <a:ext uri="{C572A759-6A51-4108-AA02-DFA0A04FC94B}">
-                <ma14:wrappingTextBoxFlag xmlns:ma14="http://schemas.microsoft.com/office/mac/drawingml/2011/main" xmlns="" val="1"/>
+                <ma14:wrappingTextBoxFlag xmlns="" xmlns:ma14="http://schemas.microsoft.com/office/mac/drawingml/2011/main" val="1"/>
               </a:ext>
             </a:extLst>
           </p:spPr>
@@ -14468,7 +14469,7 @@
               <a:effectLst/>
               <a:extLst>
                 <a:ext uri="{C572A759-6A51-4108-AA02-DFA0A04FC94B}">
-                  <ma14:wrappingTextBoxFlag xmlns="" xmlns:ma14="http://schemas.microsoft.com/office/mac/drawingml/2011/main" val="1"/>
+                  <ma14:wrappingTextBoxFlag xmlns:ma14="http://schemas.microsoft.com/office/mac/drawingml/2011/main" xmlns="" val="1"/>
                 </a:ext>
               </a:extLst>
             </p:spPr>
@@ -14766,7 +14767,7 @@
               <a:effectLst/>
               <a:extLst>
                 <a:ext uri="{C572A759-6A51-4108-AA02-DFA0A04FC94B}">
-                  <ma14:wrappingTextBoxFlag xmlns="" xmlns:ma14="http://schemas.microsoft.com/office/mac/drawingml/2011/main" val="1"/>
+                  <ma14:wrappingTextBoxFlag xmlns:ma14="http://schemas.microsoft.com/office/mac/drawingml/2011/main" xmlns="" val="1"/>
                 </a:ext>
               </a:extLst>
             </p:spPr>
@@ -16076,7 +16077,7 @@
             <a:effectLst/>
             <a:extLst>
               <a:ext uri="{C572A759-6A51-4108-AA02-DFA0A04FC94B}">
-                <ma14:wrappingTextBoxFlag xmlns:ma14="http://schemas.microsoft.com/office/mac/drawingml/2011/main" xmlns="" val="1"/>
+                <ma14:wrappingTextBoxFlag xmlns="" xmlns:ma14="http://schemas.microsoft.com/office/mac/drawingml/2011/main" val="1"/>
               </a:ext>
             </a:extLst>
           </p:spPr>
@@ -16192,7 +16193,7 @@
             <a:effectLst/>
             <a:extLst>
               <a:ext uri="{C572A759-6A51-4108-AA02-DFA0A04FC94B}">
-                <ma14:wrappingTextBoxFlag xmlns:ma14="http://schemas.microsoft.com/office/mac/drawingml/2011/main" xmlns="" val="1"/>
+                <ma14:wrappingTextBoxFlag xmlns="" xmlns:ma14="http://schemas.microsoft.com/office/mac/drawingml/2011/main" val="1"/>
               </a:ext>
             </a:extLst>
           </p:spPr>
@@ -16613,7 +16614,7 @@
             <a:effectLst/>
             <a:extLst>
               <a:ext uri="{C572A759-6A51-4108-AA02-DFA0A04FC94B}">
-                <ma14:wrappingTextBoxFlag xmlns:ma14="http://schemas.microsoft.com/office/mac/drawingml/2011/main" xmlns="" val="1"/>
+                <ma14:wrappingTextBoxFlag xmlns="" xmlns:ma14="http://schemas.microsoft.com/office/mac/drawingml/2011/main" val="1"/>
               </a:ext>
             </a:extLst>
           </p:spPr>
@@ -16772,7 +16773,7 @@
             <a:effectLst/>
             <a:extLst>
               <a:ext uri="{C572A759-6A51-4108-AA02-DFA0A04FC94B}">
-                <ma14:wrappingTextBoxFlag xmlns="" xmlns:ma14="http://schemas.microsoft.com/office/mac/drawingml/2011/main" val="1"/>
+                <ma14:wrappingTextBoxFlag xmlns:ma14="http://schemas.microsoft.com/office/mac/drawingml/2011/main" xmlns="" val="1"/>
               </a:ext>
             </a:extLst>
           </p:spPr>
@@ -17291,7 +17292,7 @@
               <a:effectLst/>
               <a:extLst>
                 <a:ext uri="{C572A759-6A51-4108-AA02-DFA0A04FC94B}">
-                  <ma14:wrappingTextBoxFlag xmlns="" xmlns:ma14="http://schemas.microsoft.com/office/mac/drawingml/2011/main" val="1"/>
+                  <ma14:wrappingTextBoxFlag xmlns:ma14="http://schemas.microsoft.com/office/mac/drawingml/2011/main" xmlns="" val="1"/>
                 </a:ext>
               </a:extLst>
             </p:spPr>
@@ -17441,7 +17442,7 @@
             <a:effectLst/>
             <a:extLst>
               <a:ext uri="{C572A759-6A51-4108-AA02-DFA0A04FC94B}">
-                <ma14:wrappingTextBoxFlag xmlns:ma14="http://schemas.microsoft.com/office/mac/drawingml/2011/main" xmlns="" val="1"/>
+                <ma14:wrappingTextBoxFlag xmlns="" xmlns:ma14="http://schemas.microsoft.com/office/mac/drawingml/2011/main" val="1"/>
               </a:ext>
             </a:extLst>
           </p:spPr>
@@ -17601,7 +17602,7 @@
             <a:effectLst/>
             <a:extLst>
               <a:ext uri="{C572A759-6A51-4108-AA02-DFA0A04FC94B}">
-                <ma14:wrappingTextBoxFlag xmlns="" xmlns:ma14="http://schemas.microsoft.com/office/mac/drawingml/2011/main" val="1"/>
+                <ma14:wrappingTextBoxFlag xmlns:ma14="http://schemas.microsoft.com/office/mac/drawingml/2011/main" xmlns="" val="1"/>
               </a:ext>
             </a:extLst>
           </p:spPr>
@@ -17902,7 +17903,7 @@
               <a:effectLst/>
               <a:extLst>
                 <a:ext uri="{C572A759-6A51-4108-AA02-DFA0A04FC94B}">
-                  <ma14:wrappingTextBoxFlag xmlns="" xmlns:ma14="http://schemas.microsoft.com/office/mac/drawingml/2011/main" val="1"/>
+                  <ma14:wrappingTextBoxFlag xmlns:ma14="http://schemas.microsoft.com/office/mac/drawingml/2011/main" xmlns="" val="1"/>
                 </a:ext>
               </a:extLst>
             </p:spPr>
@@ -26702,7 +26703,7 @@
             <a:effectLst/>
             <a:extLst>
               <a:ext uri="{C572A759-6A51-4108-AA02-DFA0A04FC94B}">
-                <ma14:wrappingTextBoxFlag xmlns="" xmlns:ma14="http://schemas.microsoft.com/office/mac/drawingml/2011/main" val="1"/>
+                <ma14:wrappingTextBoxFlag xmlns:ma14="http://schemas.microsoft.com/office/mac/drawingml/2011/main" xmlns="" val="1"/>
               </a:ext>
             </a:extLst>
           </p:spPr>
@@ -26818,7 +26819,7 @@
             <a:effectLst/>
             <a:extLst>
               <a:ext uri="{C572A759-6A51-4108-AA02-DFA0A04FC94B}">
-                <ma14:wrappingTextBoxFlag xmlns="" xmlns:ma14="http://schemas.microsoft.com/office/mac/drawingml/2011/main" val="1"/>
+                <ma14:wrappingTextBoxFlag xmlns:ma14="http://schemas.microsoft.com/office/mac/drawingml/2011/main" xmlns="" val="1"/>
               </a:ext>
             </a:extLst>
           </p:spPr>
@@ -27288,7 +27289,7 @@
             <a:effectLst/>
             <a:extLst>
               <a:ext uri="{C572A759-6A51-4108-AA02-DFA0A04FC94B}">
-                <ma14:wrappingTextBoxFlag xmlns="" xmlns:ma14="http://schemas.microsoft.com/office/mac/drawingml/2011/main" val="1"/>
+                <ma14:wrappingTextBoxFlag xmlns:ma14="http://schemas.microsoft.com/office/mac/drawingml/2011/main" xmlns="" val="1"/>
               </a:ext>
             </a:extLst>
           </p:spPr>
@@ -27598,7 +27599,7 @@
             <a:effectLst/>
             <a:extLst>
               <a:ext uri="{C572A759-6A51-4108-AA02-DFA0A04FC94B}">
-                <ma14:wrappingTextBoxFlag xmlns="" xmlns:ma14="http://schemas.microsoft.com/office/mac/drawingml/2011/main" val="1"/>
+                <ma14:wrappingTextBoxFlag xmlns:ma14="http://schemas.microsoft.com/office/mac/drawingml/2011/main" xmlns="" val="1"/>
               </a:ext>
             </a:extLst>
           </p:spPr>
@@ -27832,7 +27833,7 @@
             <a:effectLst/>
             <a:extLst>
               <a:ext uri="{C572A759-6A51-4108-AA02-DFA0A04FC94B}">
-                <ma14:wrappingTextBoxFlag xmlns="" xmlns:ma14="http://schemas.microsoft.com/office/mac/drawingml/2011/main" val="1"/>
+                <ma14:wrappingTextBoxFlag xmlns:ma14="http://schemas.microsoft.com/office/mac/drawingml/2011/main" xmlns="" val="1"/>
               </a:ext>
             </a:extLst>
           </p:spPr>
@@ -27965,7 +27966,7 @@
             <a:effectLst/>
             <a:extLst>
               <a:ext uri="{C572A759-6A51-4108-AA02-DFA0A04FC94B}">
-                <ma14:wrappingTextBoxFlag xmlns="" xmlns:ma14="http://schemas.microsoft.com/office/mac/drawingml/2011/main" val="1"/>
+                <ma14:wrappingTextBoxFlag xmlns:ma14="http://schemas.microsoft.com/office/mac/drawingml/2011/main" xmlns="" val="1"/>
               </a:ext>
             </a:extLst>
           </p:spPr>
@@ -29038,7 +29039,7 @@
             <a:effectLst/>
             <a:extLst>
               <a:ext uri="{C572A759-6A51-4108-AA02-DFA0A04FC94B}">
-                <ma14:wrappingTextBoxFlag xmlns="" xmlns:ma14="http://schemas.microsoft.com/office/mac/drawingml/2011/main" val="1"/>
+                <ma14:wrappingTextBoxFlag xmlns:ma14="http://schemas.microsoft.com/office/mac/drawingml/2011/main" xmlns="" val="1"/>
               </a:ext>
             </a:extLst>
           </p:spPr>
@@ -29387,7 +29388,7 @@
             <a:effectLst/>
             <a:extLst>
               <a:ext uri="{C572A759-6A51-4108-AA02-DFA0A04FC94B}">
-                <ma14:wrappingTextBoxFlag xmlns="" xmlns:ma14="http://schemas.microsoft.com/office/mac/drawingml/2011/main" val="1"/>
+                <ma14:wrappingTextBoxFlag xmlns:ma14="http://schemas.microsoft.com/office/mac/drawingml/2011/main" xmlns="" val="1"/>
               </a:ext>
             </a:extLst>
           </p:spPr>
@@ -29807,7 +29808,7 @@
             <a:effectLst/>
             <a:extLst>
               <a:ext uri="{C572A759-6A51-4108-AA02-DFA0A04FC94B}">
-                <ma14:wrappingTextBoxFlag xmlns="" xmlns:ma14="http://schemas.microsoft.com/office/mac/drawingml/2011/main" val="1"/>
+                <ma14:wrappingTextBoxFlag xmlns:ma14="http://schemas.microsoft.com/office/mac/drawingml/2011/main" xmlns="" val="1"/>
               </a:ext>
             </a:extLst>
           </p:spPr>
@@ -31305,7 +31306,7 @@
             <a:effectLst/>
             <a:extLst>
               <a:ext uri="{C572A759-6A51-4108-AA02-DFA0A04FC94B}">
-                <ma14:wrappingTextBoxFlag xmlns="" xmlns:ma14="http://schemas.microsoft.com/office/mac/drawingml/2011/main" val="1"/>
+                <ma14:wrappingTextBoxFlag xmlns:ma14="http://schemas.microsoft.com/office/mac/drawingml/2011/main" xmlns="" val="1"/>
               </a:ext>
             </a:extLst>
           </p:spPr>
@@ -33104,6 +33105,805 @@
     <p:extLst>
       <p:ext uri="{BB962C8B-B14F-4D97-AF65-F5344CB8AC3E}">
         <p14:creationId xmlns:p14="http://schemas.microsoft.com/office/powerpoint/2010/main" val="637984822"/>
+      </p:ext>
+    </p:extLst>
+  </p:cSld>
+  <p:clrMapOvr>
+    <a:masterClrMapping/>
+  </p:clrMapOvr>
+</p:sld>
+</file>
+
+<file path=ppt/slides/slide21.xml><?xml version="1.0" encoding="utf-8"?>
+<p:sld xmlns:a="http://schemas.openxmlformats.org/drawingml/2006/main" xmlns:r="http://schemas.openxmlformats.org/officeDocument/2006/relationships" xmlns:p="http://schemas.openxmlformats.org/presentationml/2006/main">
+  <p:cSld>
+    <p:spTree>
+      <p:nvGrpSpPr>
+        <p:cNvPr id="1" name=""/>
+        <p:cNvGrpSpPr/>
+        <p:nvPr/>
+      </p:nvGrpSpPr>
+      <p:grpSpPr>
+        <a:xfrm>
+          <a:off x="0" y="0"/>
+          <a:ext cx="0" cy="0"/>
+          <a:chOff x="0" y="0"/>
+          <a:chExt cx="0" cy="0"/>
+        </a:xfrm>
+      </p:grpSpPr>
+      <p:pic>
+        <p:nvPicPr>
+          <p:cNvPr id="2" name="Picture 1">
+            <a:extLst>
+              <a:ext uri="{FF2B5EF4-FFF2-40B4-BE49-F238E27FC236}">
+                <a16:creationId xmlns:a16="http://schemas.microsoft.com/office/drawing/2014/main" id="{8AD36365-784C-D547-B815-D4A46450F514}"/>
+              </a:ext>
+            </a:extLst>
+          </p:cNvPr>
+          <p:cNvPicPr>
+            <a:picLocks noChangeAspect="1"/>
+          </p:cNvPicPr>
+          <p:nvPr/>
+        </p:nvPicPr>
+        <p:blipFill>
+          <a:blip r:embed="rId2"/>
+          <a:stretch>
+            <a:fillRect/>
+          </a:stretch>
+        </p:blipFill>
+        <p:spPr>
+          <a:xfrm>
+            <a:off x="361950" y="374650"/>
+            <a:ext cx="3105150" cy="1446081"/>
+          </a:xfrm>
+          <a:prstGeom prst="rect">
+            <a:avLst/>
+          </a:prstGeom>
+        </p:spPr>
+      </p:pic>
+      <p:sp>
+        <p:nvSpPr>
+          <p:cNvPr id="4" name="Rectangle 3">
+            <a:extLst>
+              <a:ext uri="{FF2B5EF4-FFF2-40B4-BE49-F238E27FC236}">
+                <a16:creationId xmlns:a16="http://schemas.microsoft.com/office/drawing/2014/main" id="{7140FB5C-BE76-614C-B91A-FFA4840BB7FA}"/>
+              </a:ext>
+            </a:extLst>
+          </p:cNvPr>
+          <p:cNvSpPr/>
+          <p:nvPr/>
+        </p:nvSpPr>
+        <p:spPr>
+          <a:xfrm>
+            <a:off x="5802634" y="636334"/>
+            <a:ext cx="2896506" cy="911647"/>
+          </a:xfrm>
+          <a:prstGeom prst="rect">
+            <a:avLst/>
+          </a:prstGeom>
+          <a:solidFill>
+            <a:schemeClr val="bg1"/>
+          </a:solidFill>
+          <a:ln>
+            <a:solidFill>
+              <a:srgbClr val="7030A0"/>
+            </a:solidFill>
+            <a:prstDash val="solid"/>
+          </a:ln>
+          <a:effectLst>
+            <a:outerShdw blurRad="50800" dist="38100" dir="5400000" algn="t" rotWithShape="0">
+              <a:prstClr val="black">
+                <a:alpha val="40000"/>
+              </a:prstClr>
+            </a:outerShdw>
+          </a:effectLst>
+        </p:spPr>
+        <p:style>
+          <a:lnRef idx="2">
+            <a:schemeClr val="accent1">
+              <a:shade val="50000"/>
+            </a:schemeClr>
+          </a:lnRef>
+          <a:fillRef idx="1">
+            <a:schemeClr val="accent1"/>
+          </a:fillRef>
+          <a:effectRef idx="0">
+            <a:schemeClr val="accent1"/>
+          </a:effectRef>
+          <a:fontRef idx="minor">
+            <a:schemeClr val="lt1"/>
+          </a:fontRef>
+        </p:style>
+        <p:txBody>
+          <a:bodyPr rtlCol="0" anchor="t"/>
+          <a:lstStyle/>
+          <a:p>
+            <a:pPr algn="ctr"/>
+            <a:r>
+              <a:rPr lang="en-US" sz="1050" dirty="0" err="1">
+                <a:solidFill>
+                  <a:schemeClr val="accent1">
+                    <a:lumMod val="75000"/>
+                  </a:schemeClr>
+                </a:solidFill>
+              </a:rPr>
+              <a:t>eda</a:t>
+            </a:r>
+            <a:r>
+              <a:rPr lang="en-US" sz="1050" dirty="0">
+                <a:solidFill>
+                  <a:schemeClr val="accent1">
+                    <a:lumMod val="75000"/>
+                  </a:schemeClr>
+                </a:solidFill>
+              </a:rPr>
+              <a:t>-demo-producer-</a:t>
+            </a:r>
+            <a:r>
+              <a:rPr lang="en-US" sz="1050" dirty="0" err="1">
+                <a:solidFill>
+                  <a:schemeClr val="accent1">
+                    <a:lumMod val="75000"/>
+                  </a:schemeClr>
+                </a:solidFill>
+              </a:rPr>
+              <a:t>ms</a:t>
+            </a:r>
+            <a:endParaRPr lang="en-US" sz="1050" dirty="0">
+              <a:solidFill>
+                <a:schemeClr val="accent1">
+                  <a:lumMod val="75000"/>
+                </a:schemeClr>
+              </a:solidFill>
+            </a:endParaRPr>
+          </a:p>
+        </p:txBody>
+      </p:sp>
+      <p:pic>
+        <p:nvPicPr>
+          <p:cNvPr id="3" name="Picture 2" descr="Github Logo - Free social media icons">
+            <a:extLst>
+              <a:ext uri="{FF2B5EF4-FFF2-40B4-BE49-F238E27FC236}">
+                <a16:creationId xmlns:a16="http://schemas.microsoft.com/office/drawing/2014/main" id="{25B55492-E4FD-BF41-9B76-374D8392CCDE}"/>
+              </a:ext>
+            </a:extLst>
+          </p:cNvPr>
+          <p:cNvPicPr>
+            <a:picLocks noChangeAspect="1" noChangeArrowheads="1"/>
+          </p:cNvPicPr>
+          <p:nvPr/>
+        </p:nvPicPr>
+        <p:blipFill>
+          <a:blip r:embed="rId3">
+            <a:extLst>
+              <a:ext uri="{28A0092B-C50C-407E-A947-70E740481C1C}">
+                <a14:useLocalDpi xmlns:a14="http://schemas.microsoft.com/office/drawing/2010/main" val="0"/>
+              </a:ext>
+            </a:extLst>
+          </a:blip>
+          <a:srcRect/>
+          <a:stretch>
+            <a:fillRect/>
+          </a:stretch>
+        </p:blipFill>
+        <p:spPr bwMode="auto">
+          <a:xfrm>
+            <a:off x="5828396" y="636334"/>
+            <a:ext cx="356325" cy="356325"/>
+          </a:xfrm>
+          <a:prstGeom prst="rect">
+            <a:avLst/>
+          </a:prstGeom>
+          <a:noFill/>
+          <a:extLst>
+            <a:ext uri="{909E8E84-426E-40DD-AFC4-6F175D3DCCD1}">
+              <a14:hiddenFill xmlns:a14="http://schemas.microsoft.com/office/drawing/2010/main">
+                <a:solidFill>
+                  <a:srgbClr val="FFFFFF"/>
+                </a:solidFill>
+              </a14:hiddenFill>
+            </a:ext>
+          </a:extLst>
+        </p:spPr>
+      </p:pic>
+      <p:cxnSp>
+        <p:nvCxnSpPr>
+          <p:cNvPr id="5" name="Elbow Connector 4">
+            <a:extLst>
+              <a:ext uri="{FF2B5EF4-FFF2-40B4-BE49-F238E27FC236}">
+                <a16:creationId xmlns:a16="http://schemas.microsoft.com/office/drawing/2014/main" id="{B9C60A3A-6150-1147-AB36-68FFF87A73E9}"/>
+              </a:ext>
+            </a:extLst>
+          </p:cNvPr>
+          <p:cNvCxnSpPr>
+            <a:cxnSpLocks/>
+            <a:stCxn id="2" idx="3"/>
+            <a:endCxn id="4" idx="1"/>
+          </p:cNvCxnSpPr>
+          <p:nvPr/>
+        </p:nvCxnSpPr>
+        <p:spPr>
+          <a:xfrm flipV="1">
+            <a:off x="3467100" y="1092158"/>
+            <a:ext cx="2335534" cy="5533"/>
+          </a:xfrm>
+          <a:prstGeom prst="bentConnector3">
+            <a:avLst/>
+          </a:prstGeom>
+          <a:ln>
+            <a:solidFill>
+              <a:srgbClr val="7030A0"/>
+            </a:solidFill>
+            <a:headEnd type="none"/>
+            <a:tailEnd type="triangle"/>
+          </a:ln>
+        </p:spPr>
+        <p:style>
+          <a:lnRef idx="1">
+            <a:schemeClr val="accent1"/>
+          </a:lnRef>
+          <a:fillRef idx="0">
+            <a:schemeClr val="accent1"/>
+          </a:fillRef>
+          <a:effectRef idx="0">
+            <a:schemeClr val="accent1"/>
+          </a:effectRef>
+          <a:fontRef idx="minor">
+            <a:schemeClr val="tx1"/>
+          </a:fontRef>
+        </p:style>
+      </p:cxnSp>
+      <p:sp>
+        <p:nvSpPr>
+          <p:cNvPr id="8" name="Rectangle 7">
+            <a:extLst>
+              <a:ext uri="{FF2B5EF4-FFF2-40B4-BE49-F238E27FC236}">
+                <a16:creationId xmlns:a16="http://schemas.microsoft.com/office/drawing/2014/main" id="{069301DC-6C13-564E-B6D3-B987621821CF}"/>
+              </a:ext>
+            </a:extLst>
+          </p:cNvPr>
+          <p:cNvSpPr/>
+          <p:nvPr/>
+        </p:nvSpPr>
+        <p:spPr>
+          <a:xfrm>
+            <a:off x="5794018" y="3115374"/>
+            <a:ext cx="2896506" cy="911647"/>
+          </a:xfrm>
+          <a:prstGeom prst="rect">
+            <a:avLst/>
+          </a:prstGeom>
+          <a:solidFill>
+            <a:schemeClr val="bg1"/>
+          </a:solidFill>
+          <a:ln>
+            <a:solidFill>
+              <a:srgbClr val="7030A0"/>
+            </a:solidFill>
+            <a:prstDash val="solid"/>
+          </a:ln>
+          <a:effectLst>
+            <a:outerShdw blurRad="50800" dist="38100" dir="5400000" algn="t" rotWithShape="0">
+              <a:prstClr val="black">
+                <a:alpha val="40000"/>
+              </a:prstClr>
+            </a:outerShdw>
+          </a:effectLst>
+        </p:spPr>
+        <p:style>
+          <a:lnRef idx="2">
+            <a:schemeClr val="accent1">
+              <a:shade val="50000"/>
+            </a:schemeClr>
+          </a:lnRef>
+          <a:fillRef idx="1">
+            <a:schemeClr val="accent1"/>
+          </a:fillRef>
+          <a:effectRef idx="0">
+            <a:schemeClr val="accent1"/>
+          </a:effectRef>
+          <a:fontRef idx="minor">
+            <a:schemeClr val="lt1"/>
+          </a:fontRef>
+        </p:style>
+        <p:txBody>
+          <a:bodyPr rtlCol="0" anchor="t"/>
+          <a:lstStyle/>
+          <a:p>
+            <a:pPr algn="ctr"/>
+            <a:r>
+              <a:rPr lang="en-US" sz="1050" dirty="0" err="1">
+                <a:solidFill>
+                  <a:schemeClr val="accent1">
+                    <a:lumMod val="75000"/>
+                  </a:schemeClr>
+                </a:solidFill>
+              </a:rPr>
+              <a:t>eda</a:t>
+            </a:r>
+            <a:r>
+              <a:rPr lang="en-US" sz="1050" dirty="0">
+                <a:solidFill>
+                  <a:schemeClr val="accent1">
+                    <a:lumMod val="75000"/>
+                  </a:schemeClr>
+                </a:solidFill>
+              </a:rPr>
+              <a:t>-demo-order-gitops</a:t>
+            </a:r>
+          </a:p>
+        </p:txBody>
+      </p:sp>
+      <p:pic>
+        <p:nvPicPr>
+          <p:cNvPr id="9" name="Picture 8" descr="Github Logo - Free social media icons">
+            <a:extLst>
+              <a:ext uri="{FF2B5EF4-FFF2-40B4-BE49-F238E27FC236}">
+                <a16:creationId xmlns:a16="http://schemas.microsoft.com/office/drawing/2014/main" id="{375C7724-E8A9-0348-9B61-9EB0546BB1E9}"/>
+              </a:ext>
+            </a:extLst>
+          </p:cNvPr>
+          <p:cNvPicPr>
+            <a:picLocks noChangeAspect="1" noChangeArrowheads="1"/>
+          </p:cNvPicPr>
+          <p:nvPr/>
+        </p:nvPicPr>
+        <p:blipFill>
+          <a:blip r:embed="rId3">
+            <a:extLst>
+              <a:ext uri="{28A0092B-C50C-407E-A947-70E740481C1C}">
+                <a14:useLocalDpi xmlns:a14="http://schemas.microsoft.com/office/drawing/2010/main" val="0"/>
+              </a:ext>
+            </a:extLst>
+          </a:blip>
+          <a:srcRect/>
+          <a:stretch>
+            <a:fillRect/>
+          </a:stretch>
+        </p:blipFill>
+        <p:spPr bwMode="auto">
+          <a:xfrm>
+            <a:off x="5794017" y="3115374"/>
+            <a:ext cx="356325" cy="356325"/>
+          </a:xfrm>
+          <a:prstGeom prst="rect">
+            <a:avLst/>
+          </a:prstGeom>
+          <a:noFill/>
+          <a:extLst>
+            <a:ext uri="{909E8E84-426E-40DD-AFC4-6F175D3DCCD1}">
+              <a14:hiddenFill xmlns:a14="http://schemas.microsoft.com/office/drawing/2010/main">
+                <a:solidFill>
+                  <a:srgbClr val="FFFFFF"/>
+                </a:solidFill>
+              </a14:hiddenFill>
+            </a:ext>
+          </a:extLst>
+        </p:spPr>
+      </p:pic>
+      <p:sp>
+        <p:nvSpPr>
+          <p:cNvPr id="12" name="Rectangle 11">
+            <a:extLst>
+              <a:ext uri="{FF2B5EF4-FFF2-40B4-BE49-F238E27FC236}">
+                <a16:creationId xmlns:a16="http://schemas.microsoft.com/office/drawing/2014/main" id="{25C70562-CB2A-C74E-94AE-F3C10626CE3E}"/>
+              </a:ext>
+            </a:extLst>
+          </p:cNvPr>
+          <p:cNvSpPr/>
+          <p:nvPr/>
+        </p:nvSpPr>
+        <p:spPr>
+          <a:xfrm>
+            <a:off x="477702" y="3134143"/>
+            <a:ext cx="2896506" cy="911647"/>
+          </a:xfrm>
+          <a:prstGeom prst="rect">
+            <a:avLst/>
+          </a:prstGeom>
+          <a:solidFill>
+            <a:schemeClr val="bg1"/>
+          </a:solidFill>
+          <a:ln>
+            <a:solidFill>
+              <a:srgbClr val="7030A0"/>
+            </a:solidFill>
+            <a:prstDash val="solid"/>
+          </a:ln>
+          <a:effectLst>
+            <a:outerShdw blurRad="50800" dist="38100" dir="5400000" algn="t" rotWithShape="0">
+              <a:prstClr val="black">
+                <a:alpha val="40000"/>
+              </a:prstClr>
+            </a:outerShdw>
+          </a:effectLst>
+        </p:spPr>
+        <p:style>
+          <a:lnRef idx="2">
+            <a:schemeClr val="accent1">
+              <a:shade val="50000"/>
+            </a:schemeClr>
+          </a:lnRef>
+          <a:fillRef idx="1">
+            <a:schemeClr val="accent1"/>
+          </a:fillRef>
+          <a:effectRef idx="0">
+            <a:schemeClr val="accent1"/>
+          </a:effectRef>
+          <a:fontRef idx="minor">
+            <a:schemeClr val="lt1"/>
+          </a:fontRef>
+        </p:style>
+        <p:txBody>
+          <a:bodyPr rtlCol="0" anchor="t"/>
+          <a:lstStyle/>
+          <a:p>
+            <a:pPr algn="ctr"/>
+            <a:r>
+              <a:rPr lang="en-US" sz="1050" dirty="0">
+                <a:solidFill>
+                  <a:schemeClr val="accent1">
+                    <a:lumMod val="75000"/>
+                  </a:schemeClr>
+                </a:solidFill>
+              </a:rPr>
+              <a:t>GitOps &amp; KAM</a:t>
+            </a:r>
+          </a:p>
+        </p:txBody>
+      </p:sp>
+      <p:pic>
+        <p:nvPicPr>
+          <p:cNvPr id="13" name="Picture 8">
+            <a:extLst>
+              <a:ext uri="{FF2B5EF4-FFF2-40B4-BE49-F238E27FC236}">
+                <a16:creationId xmlns:a16="http://schemas.microsoft.com/office/drawing/2014/main" id="{8F3F13ED-1CCC-BC4A-8C52-DA93CD530C7F}"/>
+              </a:ext>
+            </a:extLst>
+          </p:cNvPr>
+          <p:cNvPicPr>
+            <a:picLocks noChangeAspect="1" noChangeArrowheads="1"/>
+          </p:cNvPicPr>
+          <p:nvPr/>
+        </p:nvPicPr>
+        <p:blipFill>
+          <a:blip r:embed="rId4">
+            <a:extLst>
+              <a:ext uri="{28A0092B-C50C-407E-A947-70E740481C1C}">
+                <a14:useLocalDpi xmlns:a14="http://schemas.microsoft.com/office/drawing/2010/main" val="0"/>
+              </a:ext>
+            </a:extLst>
+          </a:blip>
+          <a:srcRect/>
+          <a:stretch>
+            <a:fillRect/>
+          </a:stretch>
+        </p:blipFill>
+        <p:spPr bwMode="auto">
+          <a:xfrm>
+            <a:off x="477701" y="3087498"/>
+            <a:ext cx="345923" cy="345923"/>
+          </a:xfrm>
+          <a:prstGeom prst="rect">
+            <a:avLst/>
+          </a:prstGeom>
+          <a:noFill/>
+          <a:extLst>
+            <a:ext uri="{909E8E84-426E-40DD-AFC4-6F175D3DCCD1}">
+              <a14:hiddenFill xmlns:a14="http://schemas.microsoft.com/office/drawing/2010/main">
+                <a:solidFill>
+                  <a:srgbClr val="FFFFFF"/>
+                </a:solidFill>
+              </a14:hiddenFill>
+            </a:ext>
+          </a:extLst>
+        </p:spPr>
+      </p:pic>
+      <p:cxnSp>
+        <p:nvCxnSpPr>
+          <p:cNvPr id="14" name="Elbow Connector 13">
+            <a:extLst>
+              <a:ext uri="{FF2B5EF4-FFF2-40B4-BE49-F238E27FC236}">
+                <a16:creationId xmlns:a16="http://schemas.microsoft.com/office/drawing/2014/main" id="{DF3F5B54-E133-1E4D-AF16-4EE4E2EF3EA0}"/>
+              </a:ext>
+            </a:extLst>
+          </p:cNvPr>
+          <p:cNvCxnSpPr>
+            <a:cxnSpLocks/>
+            <a:stCxn id="12" idx="3"/>
+            <a:endCxn id="8" idx="1"/>
+          </p:cNvCxnSpPr>
+          <p:nvPr/>
+        </p:nvCxnSpPr>
+        <p:spPr>
+          <a:xfrm flipV="1">
+            <a:off x="3374208" y="3571198"/>
+            <a:ext cx="2419810" cy="18769"/>
+          </a:xfrm>
+          <a:prstGeom prst="bentConnector3">
+            <a:avLst/>
+          </a:prstGeom>
+          <a:ln>
+            <a:solidFill>
+              <a:srgbClr val="7030A0"/>
+            </a:solidFill>
+            <a:headEnd type="none"/>
+            <a:tailEnd type="triangle"/>
+          </a:ln>
+        </p:spPr>
+        <p:style>
+          <a:lnRef idx="1">
+            <a:schemeClr val="accent1"/>
+          </a:lnRef>
+          <a:fillRef idx="0">
+            <a:schemeClr val="accent1"/>
+          </a:fillRef>
+          <a:effectRef idx="0">
+            <a:schemeClr val="accent1"/>
+          </a:effectRef>
+          <a:fontRef idx="minor">
+            <a:schemeClr val="tx1"/>
+          </a:fontRef>
+        </p:style>
+      </p:cxnSp>
+      <p:sp>
+        <p:nvSpPr>
+          <p:cNvPr id="22" name="TextBox 21">
+            <a:extLst>
+              <a:ext uri="{FF2B5EF4-FFF2-40B4-BE49-F238E27FC236}">
+                <a16:creationId xmlns:a16="http://schemas.microsoft.com/office/drawing/2014/main" id="{EF6D1C4E-D8D2-8448-82E2-59D405D2B6D0}"/>
+              </a:ext>
+            </a:extLst>
+          </p:cNvPr>
+          <p:cNvSpPr txBox="1"/>
+          <p:nvPr/>
+        </p:nvSpPr>
+        <p:spPr>
+          <a:xfrm>
+            <a:off x="9308528" y="1958364"/>
+            <a:ext cx="1923219" cy="1384995"/>
+          </a:xfrm>
+          <a:prstGeom prst="rect">
+            <a:avLst/>
+          </a:prstGeom>
+          <a:noFill/>
+        </p:spPr>
+        <p:txBody>
+          <a:bodyPr wrap="none" rtlCol="0">
+            <a:spAutoFit/>
+          </a:bodyPr>
+          <a:lstStyle/>
+          <a:p>
+            <a:r>
+              <a:rPr lang="en-US" sz="1400" dirty="0"/>
+              <a:t>Dev, stating, production</a:t>
+            </a:r>
+          </a:p>
+          <a:p>
+            <a:r>
+              <a:rPr lang="en-US" sz="1400" dirty="0"/>
+              <a:t>Services</a:t>
+            </a:r>
+          </a:p>
+          <a:p>
+            <a:r>
+              <a:rPr lang="en-US" sz="1400" dirty="0"/>
+              <a:t>CI pipelines, webhook</a:t>
+            </a:r>
+          </a:p>
+          <a:p>
+            <a:r>
+              <a:rPr lang="en-US" sz="1400" dirty="0"/>
+              <a:t>Secrets</a:t>
+            </a:r>
+          </a:p>
+          <a:p>
+            <a:r>
+              <a:rPr lang="en-US" sz="1400" dirty="0"/>
+              <a:t>CD </a:t>
+            </a:r>
+          </a:p>
+          <a:p>
+            <a:endParaRPr lang="en-US" sz="1400" dirty="0"/>
+          </a:p>
+        </p:txBody>
+      </p:sp>
+      <p:sp>
+        <p:nvSpPr>
+          <p:cNvPr id="23" name="Rectangle 22">
+            <a:extLst>
+              <a:ext uri="{FF2B5EF4-FFF2-40B4-BE49-F238E27FC236}">
+                <a16:creationId xmlns:a16="http://schemas.microsoft.com/office/drawing/2014/main" id="{433A4D71-829C-384F-97B7-7D7650E467D6}"/>
+              </a:ext>
+            </a:extLst>
+          </p:cNvPr>
+          <p:cNvSpPr/>
+          <p:nvPr/>
+        </p:nvSpPr>
+        <p:spPr>
+          <a:xfrm>
+            <a:off x="5802634" y="1668512"/>
+            <a:ext cx="2896506" cy="911647"/>
+          </a:xfrm>
+          <a:prstGeom prst="rect">
+            <a:avLst/>
+          </a:prstGeom>
+          <a:solidFill>
+            <a:schemeClr val="bg1"/>
+          </a:solidFill>
+          <a:ln>
+            <a:solidFill>
+              <a:srgbClr val="7030A0"/>
+            </a:solidFill>
+            <a:prstDash val="solid"/>
+          </a:ln>
+          <a:effectLst>
+            <a:outerShdw blurRad="50800" dist="38100" dir="5400000" algn="t" rotWithShape="0">
+              <a:prstClr val="black">
+                <a:alpha val="40000"/>
+              </a:prstClr>
+            </a:outerShdw>
+          </a:effectLst>
+        </p:spPr>
+        <p:style>
+          <a:lnRef idx="2">
+            <a:schemeClr val="accent1">
+              <a:shade val="50000"/>
+            </a:schemeClr>
+          </a:lnRef>
+          <a:fillRef idx="1">
+            <a:schemeClr val="accent1"/>
+          </a:fillRef>
+          <a:effectRef idx="0">
+            <a:schemeClr val="accent1"/>
+          </a:effectRef>
+          <a:fontRef idx="minor">
+            <a:schemeClr val="lt1"/>
+          </a:fontRef>
+        </p:style>
+        <p:txBody>
+          <a:bodyPr rtlCol="0" anchor="t"/>
+          <a:lstStyle/>
+          <a:p>
+            <a:pPr algn="ctr"/>
+            <a:r>
+              <a:rPr lang="en-US" sz="1050" dirty="0" err="1">
+                <a:solidFill>
+                  <a:schemeClr val="accent1">
+                    <a:lumMod val="75000"/>
+                  </a:schemeClr>
+                </a:solidFill>
+              </a:rPr>
+              <a:t>eda</a:t>
+            </a:r>
+            <a:r>
+              <a:rPr lang="en-US" sz="1050" dirty="0">
+                <a:solidFill>
+                  <a:schemeClr val="accent1">
+                    <a:lumMod val="75000"/>
+                  </a:schemeClr>
+                </a:solidFill>
+              </a:rPr>
+              <a:t>-demo-consumer-</a:t>
+            </a:r>
+            <a:r>
+              <a:rPr lang="en-US" sz="1050" dirty="0" err="1">
+                <a:solidFill>
+                  <a:schemeClr val="accent1">
+                    <a:lumMod val="75000"/>
+                  </a:schemeClr>
+                </a:solidFill>
+              </a:rPr>
+              <a:t>ms</a:t>
+            </a:r>
+            <a:endParaRPr lang="en-US" sz="1050" dirty="0">
+              <a:solidFill>
+                <a:schemeClr val="accent1">
+                  <a:lumMod val="75000"/>
+                </a:schemeClr>
+              </a:solidFill>
+            </a:endParaRPr>
+          </a:p>
+        </p:txBody>
+      </p:sp>
+      <p:pic>
+        <p:nvPicPr>
+          <p:cNvPr id="24" name="Picture 23" descr="Github Logo - Free social media icons">
+            <a:extLst>
+              <a:ext uri="{FF2B5EF4-FFF2-40B4-BE49-F238E27FC236}">
+                <a16:creationId xmlns:a16="http://schemas.microsoft.com/office/drawing/2014/main" id="{8521C21F-7E01-FE45-91F9-FF65800BEB5F}"/>
+              </a:ext>
+            </a:extLst>
+          </p:cNvPr>
+          <p:cNvPicPr>
+            <a:picLocks noChangeAspect="1" noChangeArrowheads="1"/>
+          </p:cNvPicPr>
+          <p:nvPr/>
+        </p:nvPicPr>
+        <p:blipFill>
+          <a:blip r:embed="rId3">
+            <a:extLst>
+              <a:ext uri="{28A0092B-C50C-407E-A947-70E740481C1C}">
+                <a14:useLocalDpi xmlns:a14="http://schemas.microsoft.com/office/drawing/2010/main" val="0"/>
+              </a:ext>
+            </a:extLst>
+          </a:blip>
+          <a:srcRect/>
+          <a:stretch>
+            <a:fillRect/>
+          </a:stretch>
+        </p:blipFill>
+        <p:spPr bwMode="auto">
+          <a:xfrm>
+            <a:off x="5836247" y="1691405"/>
+            <a:ext cx="356325" cy="356325"/>
+          </a:xfrm>
+          <a:prstGeom prst="rect">
+            <a:avLst/>
+          </a:prstGeom>
+          <a:noFill/>
+          <a:extLst>
+            <a:ext uri="{909E8E84-426E-40DD-AFC4-6F175D3DCCD1}">
+              <a14:hiddenFill xmlns:a14="http://schemas.microsoft.com/office/drawing/2010/main">
+                <a:solidFill>
+                  <a:srgbClr val="FFFFFF"/>
+                </a:solidFill>
+              </a14:hiddenFill>
+            </a:ext>
+          </a:extLst>
+        </p:spPr>
+      </p:pic>
+      <p:cxnSp>
+        <p:nvCxnSpPr>
+          <p:cNvPr id="21" name="Elbow Connector 20">
+            <a:extLst>
+              <a:ext uri="{FF2B5EF4-FFF2-40B4-BE49-F238E27FC236}">
+                <a16:creationId xmlns:a16="http://schemas.microsoft.com/office/drawing/2014/main" id="{502474A7-E335-654F-BD6B-C4D0058D498C}"/>
+              </a:ext>
+            </a:extLst>
+          </p:cNvPr>
+          <p:cNvCxnSpPr>
+            <a:cxnSpLocks/>
+            <a:stCxn id="2" idx="3"/>
+            <a:endCxn id="23" idx="1"/>
+          </p:cNvCxnSpPr>
+          <p:nvPr/>
+        </p:nvCxnSpPr>
+        <p:spPr>
+          <a:xfrm>
+            <a:off x="3467100" y="1097691"/>
+            <a:ext cx="2335534" cy="1026645"/>
+          </a:xfrm>
+          <a:prstGeom prst="bentConnector3">
+            <a:avLst/>
+          </a:prstGeom>
+          <a:ln>
+            <a:solidFill>
+              <a:srgbClr val="7030A0"/>
+            </a:solidFill>
+            <a:headEnd type="none"/>
+            <a:tailEnd type="triangle"/>
+          </a:ln>
+        </p:spPr>
+        <p:style>
+          <a:lnRef idx="1">
+            <a:schemeClr val="accent1"/>
+          </a:lnRef>
+          <a:fillRef idx="0">
+            <a:schemeClr val="accent1"/>
+          </a:fillRef>
+          <a:effectRef idx="0">
+            <a:schemeClr val="accent1"/>
+          </a:effectRef>
+          <a:fontRef idx="minor">
+            <a:schemeClr val="tx1"/>
+          </a:fontRef>
+        </p:style>
+      </p:cxnSp>
+    </p:spTree>
+    <p:extLst>
+      <p:ext uri="{BB962C8B-B14F-4D97-AF65-F5344CB8AC3E}">
+        <p14:creationId xmlns:p14="http://schemas.microsoft.com/office/powerpoint/2010/main" val="232935086"/>
       </p:ext>
     </p:extLst>
   </p:cSld>
@@ -33781,7 +34581,7 @@
             <a:effectLst/>
             <a:extLst>
               <a:ext uri="{C572A759-6A51-4108-AA02-DFA0A04FC94B}">
-                <ma14:wrappingTextBoxFlag xmlns:ma14="http://schemas.microsoft.com/office/mac/drawingml/2011/main" xmlns="" val="1"/>
+                <ma14:wrappingTextBoxFlag xmlns="" xmlns:ma14="http://schemas.microsoft.com/office/mac/drawingml/2011/main" val="1"/>
               </a:ext>
             </a:extLst>
           </p:spPr>
@@ -33897,7 +34697,7 @@
             <a:effectLst/>
             <a:extLst>
               <a:ext uri="{C572A759-6A51-4108-AA02-DFA0A04FC94B}">
-                <ma14:wrappingTextBoxFlag xmlns:ma14="http://schemas.microsoft.com/office/mac/drawingml/2011/main" xmlns="" val="1"/>
+                <ma14:wrappingTextBoxFlag xmlns="" xmlns:ma14="http://schemas.microsoft.com/office/mac/drawingml/2011/main" val="1"/>
               </a:ext>
             </a:extLst>
           </p:spPr>
@@ -34013,7 +34813,7 @@
             <a:effectLst/>
             <a:extLst>
               <a:ext uri="{C572A759-6A51-4108-AA02-DFA0A04FC94B}">
-                <ma14:wrappingTextBoxFlag xmlns:ma14="http://schemas.microsoft.com/office/mac/drawingml/2011/main" xmlns="" val="1"/>
+                <ma14:wrappingTextBoxFlag xmlns="" xmlns:ma14="http://schemas.microsoft.com/office/mac/drawingml/2011/main" val="1"/>
               </a:ext>
             </a:extLst>
           </p:spPr>
@@ -34129,7 +34929,7 @@
             <a:effectLst/>
             <a:extLst>
               <a:ext uri="{C572A759-6A51-4108-AA02-DFA0A04FC94B}">
-                <ma14:wrappingTextBoxFlag xmlns:ma14="http://schemas.microsoft.com/office/mac/drawingml/2011/main" xmlns="" val="1"/>
+                <ma14:wrappingTextBoxFlag xmlns="" xmlns:ma14="http://schemas.microsoft.com/office/mac/drawingml/2011/main" val="1"/>
               </a:ext>
             </a:extLst>
           </p:spPr>
@@ -34245,7 +35045,7 @@
             <a:effectLst/>
             <a:extLst>
               <a:ext uri="{C572A759-6A51-4108-AA02-DFA0A04FC94B}">
-                <ma14:wrappingTextBoxFlag xmlns:ma14="http://schemas.microsoft.com/office/mac/drawingml/2011/main" xmlns="" val="1"/>
+                <ma14:wrappingTextBoxFlag xmlns="" xmlns:ma14="http://schemas.microsoft.com/office/mac/drawingml/2011/main" val="1"/>
               </a:ext>
             </a:extLst>
           </p:spPr>
@@ -34361,7 +35161,7 @@
             <a:effectLst/>
             <a:extLst>
               <a:ext uri="{C572A759-6A51-4108-AA02-DFA0A04FC94B}">
-                <ma14:wrappingTextBoxFlag xmlns:ma14="http://schemas.microsoft.com/office/mac/drawingml/2011/main" xmlns="" val="1"/>
+                <ma14:wrappingTextBoxFlag xmlns="" xmlns:ma14="http://schemas.microsoft.com/office/mac/drawingml/2011/main" val="1"/>
               </a:ext>
             </a:extLst>
           </p:spPr>
@@ -36041,7 +36841,7 @@
             <a:effectLst/>
             <a:extLst>
               <a:ext uri="{C572A759-6A51-4108-AA02-DFA0A04FC94B}">
-                <ma14:wrappingTextBoxFlag xmlns="" xmlns:ma14="http://schemas.microsoft.com/office/mac/drawingml/2011/main" val="1"/>
+                <ma14:wrappingTextBoxFlag xmlns:ma14="http://schemas.microsoft.com/office/mac/drawingml/2011/main" xmlns="" val="1"/>
               </a:ext>
             </a:extLst>
           </p:spPr>
@@ -36694,7 +37494,7 @@
             <a:effectLst/>
             <a:extLst>
               <a:ext uri="{C572A759-6A51-4108-AA02-DFA0A04FC94B}">
-                <ma14:wrappingTextBoxFlag xmlns:ma14="http://schemas.microsoft.com/office/mac/drawingml/2011/main" xmlns="" val="1"/>
+                <ma14:wrappingTextBoxFlag xmlns="" xmlns:ma14="http://schemas.microsoft.com/office/mac/drawingml/2011/main" val="1"/>
               </a:ext>
             </a:extLst>
           </p:spPr>
@@ -37183,7 +37983,7 @@
             <a:effectLst/>
             <a:extLst>
               <a:ext uri="{C572A759-6A51-4108-AA02-DFA0A04FC94B}">
-                <ma14:wrappingTextBoxFlag xmlns="" xmlns:ma14="http://schemas.microsoft.com/office/mac/drawingml/2011/main" val="1"/>
+                <ma14:wrappingTextBoxFlag xmlns:ma14="http://schemas.microsoft.com/office/mac/drawingml/2011/main" xmlns="" val="1"/>
               </a:ext>
             </a:extLst>
           </p:spPr>
@@ -37299,7 +38099,7 @@
             <a:effectLst/>
             <a:extLst>
               <a:ext uri="{C572A759-6A51-4108-AA02-DFA0A04FC94B}">
-                <ma14:wrappingTextBoxFlag xmlns="" xmlns:ma14="http://schemas.microsoft.com/office/mac/drawingml/2011/main" val="1"/>
+                <ma14:wrappingTextBoxFlag xmlns:ma14="http://schemas.microsoft.com/office/mac/drawingml/2011/main" xmlns="" val="1"/>
               </a:ext>
             </a:extLst>
           </p:spPr>
@@ -37629,7 +38429,7 @@
             <a:effectLst/>
             <a:extLst>
               <a:ext uri="{C572A759-6A51-4108-AA02-DFA0A04FC94B}">
-                <ma14:wrappingTextBoxFlag xmlns="" xmlns:ma14="http://schemas.microsoft.com/office/mac/drawingml/2011/main" val="1"/>
+                <ma14:wrappingTextBoxFlag xmlns:ma14="http://schemas.microsoft.com/office/mac/drawingml/2011/main" xmlns="" val="1"/>
               </a:ext>
             </a:extLst>
           </p:spPr>
@@ -38057,7 +38857,7 @@
             <a:effectLst/>
             <a:extLst>
               <a:ext uri="{C572A759-6A51-4108-AA02-DFA0A04FC94B}">
-                <ma14:wrappingTextBoxFlag xmlns="" xmlns:ma14="http://schemas.microsoft.com/office/mac/drawingml/2011/main" val="1"/>
+                <ma14:wrappingTextBoxFlag xmlns:ma14="http://schemas.microsoft.com/office/mac/drawingml/2011/main" xmlns="" val="1"/>
               </a:ext>
             </a:extLst>
           </p:spPr>
@@ -39040,7 +39840,7 @@
             <a:effectLst/>
             <a:extLst>
               <a:ext uri="{C572A759-6A51-4108-AA02-DFA0A04FC94B}">
-                <ma14:wrappingTextBoxFlag xmlns="" xmlns:ma14="http://schemas.microsoft.com/office/mac/drawingml/2011/main" val="1"/>
+                <ma14:wrappingTextBoxFlag xmlns:ma14="http://schemas.microsoft.com/office/mac/drawingml/2011/main" xmlns="" val="1"/>
               </a:ext>
             </a:extLst>
           </p:spPr>
@@ -39295,7 +40095,7 @@
             <a:effectLst/>
             <a:extLst>
               <a:ext uri="{C572A759-6A51-4108-AA02-DFA0A04FC94B}">
-                <ma14:wrappingTextBoxFlag xmlns="" xmlns:ma14="http://schemas.microsoft.com/office/mac/drawingml/2011/main" val="1"/>
+                <ma14:wrappingTextBoxFlag xmlns:ma14="http://schemas.microsoft.com/office/mac/drawingml/2011/main" xmlns="" val="1"/>
               </a:ext>
             </a:extLst>
           </p:spPr>
@@ -39625,7 +40425,7 @@
             <a:effectLst/>
             <a:extLst>
               <a:ext uri="{C572A759-6A51-4108-AA02-DFA0A04FC94B}">
-                <ma14:wrappingTextBoxFlag xmlns="" xmlns:ma14="http://schemas.microsoft.com/office/mac/drawingml/2011/main" val="1"/>
+                <ma14:wrappingTextBoxFlag xmlns:ma14="http://schemas.microsoft.com/office/mac/drawingml/2011/main" xmlns="" val="1"/>
               </a:ext>
             </a:extLst>
           </p:spPr>
@@ -39852,7 +40652,7 @@
             <a:effectLst/>
             <a:extLst>
               <a:ext uri="{C572A759-6A51-4108-AA02-DFA0A04FC94B}">
-                <ma14:wrappingTextBoxFlag xmlns="" xmlns:ma14="http://schemas.microsoft.com/office/mac/drawingml/2011/main" val="1"/>
+                <ma14:wrappingTextBoxFlag xmlns:ma14="http://schemas.microsoft.com/office/mac/drawingml/2011/main" xmlns="" val="1"/>
               </a:ext>
             </a:extLst>
           </p:spPr>
@@ -40193,7 +40993,7 @@
             <a:effectLst/>
             <a:extLst>
               <a:ext uri="{C572A759-6A51-4108-AA02-DFA0A04FC94B}">
-                <ma14:wrappingTextBoxFlag xmlns="" xmlns:ma14="http://schemas.microsoft.com/office/mac/drawingml/2011/main" val="1"/>
+                <ma14:wrappingTextBoxFlag xmlns:ma14="http://schemas.microsoft.com/office/mac/drawingml/2011/main" xmlns="" val="1"/>
               </a:ext>
             </a:extLst>
           </p:spPr>
@@ -40831,7 +41631,7 @@
             <a:effectLst/>
             <a:extLst>
               <a:ext uri="{C572A759-6A51-4108-AA02-DFA0A04FC94B}">
-                <ma14:wrappingTextBoxFlag xmlns="" xmlns:ma14="http://schemas.microsoft.com/office/mac/drawingml/2011/main" val="1"/>
+                <ma14:wrappingTextBoxFlag xmlns:ma14="http://schemas.microsoft.com/office/mac/drawingml/2011/main" xmlns="" val="1"/>
               </a:ext>
             </a:extLst>
           </p:spPr>
@@ -40947,7 +41747,7 @@
             <a:effectLst/>
             <a:extLst>
               <a:ext uri="{C572A759-6A51-4108-AA02-DFA0A04FC94B}">
-                <ma14:wrappingTextBoxFlag xmlns="" xmlns:ma14="http://schemas.microsoft.com/office/mac/drawingml/2011/main" val="1"/>
+                <ma14:wrappingTextBoxFlag xmlns:ma14="http://schemas.microsoft.com/office/mac/drawingml/2011/main" xmlns="" val="1"/>
               </a:ext>
             </a:extLst>
           </p:spPr>
@@ -42139,7 +42939,7 @@
             <a:effectLst/>
             <a:extLst>
               <a:ext uri="{C572A759-6A51-4108-AA02-DFA0A04FC94B}">
-                <ma14:wrappingTextBoxFlag xmlns="" xmlns:ma14="http://schemas.microsoft.com/office/mac/drawingml/2011/main" val="1"/>
+                <ma14:wrappingTextBoxFlag xmlns:ma14="http://schemas.microsoft.com/office/mac/drawingml/2011/main" xmlns="" val="1"/>
               </a:ext>
             </a:extLst>
           </p:spPr>
@@ -42255,7 +43055,7 @@
             <a:effectLst/>
             <a:extLst>
               <a:ext uri="{C572A759-6A51-4108-AA02-DFA0A04FC94B}">
-                <ma14:wrappingTextBoxFlag xmlns="" xmlns:ma14="http://schemas.microsoft.com/office/mac/drawingml/2011/main" val="1"/>
+                <ma14:wrappingTextBoxFlag xmlns:ma14="http://schemas.microsoft.com/office/mac/drawingml/2011/main" xmlns="" val="1"/>
               </a:ext>
             </a:extLst>
           </p:spPr>
@@ -42371,7 +43171,7 @@
             <a:effectLst/>
             <a:extLst>
               <a:ext uri="{C572A759-6A51-4108-AA02-DFA0A04FC94B}">
-                <ma14:wrappingTextBoxFlag xmlns="" xmlns:ma14="http://schemas.microsoft.com/office/mac/drawingml/2011/main" val="1"/>
+                <ma14:wrappingTextBoxFlag xmlns:ma14="http://schemas.microsoft.com/office/mac/drawingml/2011/main" xmlns="" val="1"/>
               </a:ext>
             </a:extLst>
           </p:spPr>
@@ -42782,7 +43582,7 @@
             <a:effectLst/>
             <a:extLst>
               <a:ext uri="{C572A759-6A51-4108-AA02-DFA0A04FC94B}">
-                <ma14:wrappingTextBoxFlag xmlns="" xmlns:ma14="http://schemas.microsoft.com/office/mac/drawingml/2011/main" val="1"/>
+                <ma14:wrappingTextBoxFlag xmlns:ma14="http://schemas.microsoft.com/office/mac/drawingml/2011/main" xmlns="" val="1"/>
               </a:ext>
             </a:extLst>
           </p:spPr>
@@ -42898,7 +43698,7 @@
             <a:effectLst/>
             <a:extLst>
               <a:ext uri="{C572A759-6A51-4108-AA02-DFA0A04FC94B}">
-                <ma14:wrappingTextBoxFlag xmlns="" xmlns:ma14="http://schemas.microsoft.com/office/mac/drawingml/2011/main" val="1"/>
+                <ma14:wrappingTextBoxFlag xmlns:ma14="http://schemas.microsoft.com/office/mac/drawingml/2011/main" xmlns="" val="1"/>
               </a:ext>
             </a:extLst>
           </p:spPr>
@@ -43014,7 +43814,7 @@
             <a:effectLst/>
             <a:extLst>
               <a:ext uri="{C572A759-6A51-4108-AA02-DFA0A04FC94B}">
-                <ma14:wrappingTextBoxFlag xmlns="" xmlns:ma14="http://schemas.microsoft.com/office/mac/drawingml/2011/main" val="1"/>
+                <ma14:wrappingTextBoxFlag xmlns:ma14="http://schemas.microsoft.com/office/mac/drawingml/2011/main" xmlns="" val="1"/>
               </a:ext>
             </a:extLst>
           </p:spPr>
@@ -43390,7 +44190,7 @@
             <a:effectLst/>
             <a:extLst>
               <a:ext uri="{C572A759-6A51-4108-AA02-DFA0A04FC94B}">
-                <ma14:wrappingTextBoxFlag xmlns="" xmlns:ma14="http://schemas.microsoft.com/office/mac/drawingml/2011/main" val="1"/>
+                <ma14:wrappingTextBoxFlag xmlns:ma14="http://schemas.microsoft.com/office/mac/drawingml/2011/main" xmlns="" val="1"/>
               </a:ext>
             </a:extLst>
           </p:spPr>
@@ -43523,7 +44323,7 @@
             <a:effectLst/>
             <a:extLst>
               <a:ext uri="{C572A759-6A51-4108-AA02-DFA0A04FC94B}">
-                <ma14:wrappingTextBoxFlag xmlns="" xmlns:ma14="http://schemas.microsoft.com/office/mac/drawingml/2011/main" val="1"/>
+                <ma14:wrappingTextBoxFlag xmlns:ma14="http://schemas.microsoft.com/office/mac/drawingml/2011/main" xmlns="" val="1"/>
               </a:ext>
             </a:extLst>
           </p:spPr>
@@ -43639,7 +44439,7 @@
             <a:effectLst/>
             <a:extLst>
               <a:ext uri="{C572A759-6A51-4108-AA02-DFA0A04FC94B}">
-                <ma14:wrappingTextBoxFlag xmlns="" xmlns:ma14="http://schemas.microsoft.com/office/mac/drawingml/2011/main" val="1"/>
+                <ma14:wrappingTextBoxFlag xmlns:ma14="http://schemas.microsoft.com/office/mac/drawingml/2011/main" xmlns="" val="1"/>
               </a:ext>
             </a:extLst>
           </p:spPr>
@@ -43852,7 +44652,7 @@
             <a:effectLst/>
             <a:extLst>
               <a:ext uri="{C572A759-6A51-4108-AA02-DFA0A04FC94B}">
-                <ma14:wrappingTextBoxFlag xmlns:ma14="http://schemas.microsoft.com/office/mac/drawingml/2011/main" xmlns="" val="1"/>
+                <ma14:wrappingTextBoxFlag xmlns="" xmlns:ma14="http://schemas.microsoft.com/office/mac/drawingml/2011/main" val="1"/>
               </a:ext>
             </a:extLst>
           </p:spPr>
@@ -44083,7 +44883,7 @@
               <a:effectLst/>
               <a:extLst>
                 <a:ext uri="{C572A759-6A51-4108-AA02-DFA0A04FC94B}">
-                  <ma14:wrappingTextBoxFlag xmlns:ma14="http://schemas.microsoft.com/office/mac/drawingml/2011/main" xmlns="" val="1"/>
+                  <ma14:wrappingTextBoxFlag xmlns="" xmlns:ma14="http://schemas.microsoft.com/office/mac/drawingml/2011/main" val="1"/>
                 </a:ext>
               </a:extLst>
             </p:spPr>
@@ -44549,7 +45349,7 @@
               <a:effectLst/>
               <a:extLst>
                 <a:ext uri="{C572A759-6A51-4108-AA02-DFA0A04FC94B}">
-                  <ma14:wrappingTextBoxFlag xmlns:ma14="http://schemas.microsoft.com/office/mac/drawingml/2011/main" xmlns="" val="1"/>
+                  <ma14:wrappingTextBoxFlag xmlns="" xmlns:ma14="http://schemas.microsoft.com/office/mac/drawingml/2011/main" val="1"/>
                 </a:ext>
               </a:extLst>
             </p:spPr>
@@ -45285,7 +46085,7 @@
               <a:effectLst/>
               <a:extLst>
                 <a:ext uri="{C572A759-6A51-4108-AA02-DFA0A04FC94B}">
-                  <ma14:wrappingTextBoxFlag xmlns:ma14="http://schemas.microsoft.com/office/mac/drawingml/2011/main" xmlns="" val="1"/>
+                  <ma14:wrappingTextBoxFlag xmlns="" xmlns:ma14="http://schemas.microsoft.com/office/mac/drawingml/2011/main" val="1"/>
                 </a:ext>
               </a:extLst>
             </p:spPr>
@@ -45777,7 +46577,7 @@
             <a:effectLst/>
             <a:extLst>
               <a:ext uri="{C572A759-6A51-4108-AA02-DFA0A04FC94B}">
-                <ma14:wrappingTextBoxFlag xmlns:ma14="http://schemas.microsoft.com/office/mac/drawingml/2011/main" xmlns="" val="1"/>
+                <ma14:wrappingTextBoxFlag xmlns="" xmlns:ma14="http://schemas.microsoft.com/office/mac/drawingml/2011/main" val="1"/>
               </a:ext>
             </a:extLst>
           </p:spPr>
@@ -45910,7 +46710,7 @@
             <a:effectLst/>
             <a:extLst>
               <a:ext uri="{C572A759-6A51-4108-AA02-DFA0A04FC94B}">
-                <ma14:wrappingTextBoxFlag xmlns:ma14="http://schemas.microsoft.com/office/mac/drawingml/2011/main" xmlns="" val="1"/>
+                <ma14:wrappingTextBoxFlag xmlns="" xmlns:ma14="http://schemas.microsoft.com/office/mac/drawingml/2011/main" val="1"/>
               </a:ext>
             </a:extLst>
           </p:spPr>
@@ -46043,7 +46843,7 @@
             <a:effectLst/>
             <a:extLst>
               <a:ext uri="{C572A759-6A51-4108-AA02-DFA0A04FC94B}">
-                <ma14:wrappingTextBoxFlag xmlns="" xmlns:ma14="http://schemas.microsoft.com/office/mac/drawingml/2011/main" val="1"/>
+                <ma14:wrappingTextBoxFlag xmlns:ma14="http://schemas.microsoft.com/office/mac/drawingml/2011/main" xmlns="" val="1"/>
               </a:ext>
             </a:extLst>
           </p:spPr>
@@ -46274,7 +47074,7 @@
               <a:effectLst/>
               <a:extLst>
                 <a:ext uri="{C572A759-6A51-4108-AA02-DFA0A04FC94B}">
-                  <ma14:wrappingTextBoxFlag xmlns="" xmlns:ma14="http://schemas.microsoft.com/office/mac/drawingml/2011/main" val="1"/>
+                  <ma14:wrappingTextBoxFlag xmlns:ma14="http://schemas.microsoft.com/office/mac/drawingml/2011/main" xmlns="" val="1"/>
                 </a:ext>
               </a:extLst>
             </p:spPr>
@@ -46652,7 +47452,7 @@
               <a:effectLst/>
               <a:extLst>
                 <a:ext uri="{C572A759-6A51-4108-AA02-DFA0A04FC94B}">
-                  <ma14:wrappingTextBoxFlag xmlns="" xmlns:ma14="http://schemas.microsoft.com/office/mac/drawingml/2011/main" val="1"/>
+                  <ma14:wrappingTextBoxFlag xmlns:ma14="http://schemas.microsoft.com/office/mac/drawingml/2011/main" xmlns="" val="1"/>
                 </a:ext>
               </a:extLst>
             </p:spPr>
@@ -47388,7 +48188,7 @@
               <a:effectLst/>
               <a:extLst>
                 <a:ext uri="{C572A759-6A51-4108-AA02-DFA0A04FC94B}">
-                  <ma14:wrappingTextBoxFlag xmlns="" xmlns:ma14="http://schemas.microsoft.com/office/mac/drawingml/2011/main" val="1"/>
+                  <ma14:wrappingTextBoxFlag xmlns:ma14="http://schemas.microsoft.com/office/mac/drawingml/2011/main" xmlns="" val="1"/>
                 </a:ext>
               </a:extLst>
             </p:spPr>
@@ -47628,7 +48428,7 @@
             <a:effectLst/>
             <a:extLst>
               <a:ext uri="{C572A759-6A51-4108-AA02-DFA0A04FC94B}">
-                <ma14:wrappingTextBoxFlag xmlns="" xmlns:ma14="http://schemas.microsoft.com/office/mac/drawingml/2011/main" val="1"/>
+                <ma14:wrappingTextBoxFlag xmlns:ma14="http://schemas.microsoft.com/office/mac/drawingml/2011/main" xmlns="" val="1"/>
               </a:ext>
             </a:extLst>
           </p:spPr>
@@ -47881,7 +48681,7 @@
             <a:effectLst/>
             <a:extLst>
               <a:ext uri="{C572A759-6A51-4108-AA02-DFA0A04FC94B}">
-                <ma14:wrappingTextBoxFlag xmlns="" xmlns:ma14="http://schemas.microsoft.com/office/mac/drawingml/2011/main" val="1"/>
+                <ma14:wrappingTextBoxFlag xmlns:ma14="http://schemas.microsoft.com/office/mac/drawingml/2011/main" xmlns="" val="1"/>
               </a:ext>
             </a:extLst>
           </p:spPr>
@@ -48213,7 +49013,7 @@
               <a:effectLst/>
               <a:extLst>
                 <a:ext uri="{C572A759-6A51-4108-AA02-DFA0A04FC94B}">
-                  <ma14:wrappingTextBoxFlag xmlns="" xmlns:ma14="http://schemas.microsoft.com/office/mac/drawingml/2011/main" val="1"/>
+                  <ma14:wrappingTextBoxFlag xmlns:ma14="http://schemas.microsoft.com/office/mac/drawingml/2011/main" xmlns="" val="1"/>
                 </a:ext>
               </a:extLst>
             </p:spPr>
@@ -48406,7 +49206,7 @@
             <a:effectLst/>
             <a:extLst>
               <a:ext uri="{C572A759-6A51-4108-AA02-DFA0A04FC94B}">
-                <ma14:wrappingTextBoxFlag xmlns="" xmlns:ma14="http://schemas.microsoft.com/office/mac/drawingml/2011/main" val="1"/>
+                <ma14:wrappingTextBoxFlag xmlns:ma14="http://schemas.microsoft.com/office/mac/drawingml/2011/main" xmlns="" val="1"/>
               </a:ext>
             </a:extLst>
           </p:spPr>
